--- a/ppt/chap-前馈神经网络.pptx
+++ b/ppt/chap-前馈神经网络.pptx
@@ -5,46 +5,42 @@
     <p:sldMasterId id="2147483756" r:id="rId1"/>
   </p:sldMasterIdLst>
   <p:notesMasterIdLst>
-    <p:notesMasterId r:id="rId39"/>
+    <p:notesMasterId r:id="rId35"/>
   </p:notesMasterIdLst>
   <p:sldIdLst>
     <p:sldId id="256" r:id="rId2"/>
     <p:sldId id="448" r:id="rId3"/>
     <p:sldId id="449" r:id="rId4"/>
-    <p:sldId id="450" r:id="rId5"/>
-    <p:sldId id="451" r:id="rId6"/>
-    <p:sldId id="452" r:id="rId7"/>
-    <p:sldId id="453" r:id="rId8"/>
-    <p:sldId id="454" r:id="rId9"/>
-    <p:sldId id="455" r:id="rId10"/>
-    <p:sldId id="456" r:id="rId11"/>
-    <p:sldId id="457" r:id="rId12"/>
-    <p:sldId id="458" r:id="rId13"/>
-    <p:sldId id="459" r:id="rId14"/>
-    <p:sldId id="460" r:id="rId15"/>
-    <p:sldId id="461" r:id="rId16"/>
-    <p:sldId id="462" r:id="rId17"/>
-    <p:sldId id="463" r:id="rId18"/>
-    <p:sldId id="464" r:id="rId19"/>
-    <p:sldId id="465" r:id="rId20"/>
-    <p:sldId id="466" r:id="rId21"/>
-    <p:sldId id="467" r:id="rId22"/>
-    <p:sldId id="468" r:id="rId23"/>
-    <p:sldId id="469" r:id="rId24"/>
-    <p:sldId id="470" r:id="rId25"/>
-    <p:sldId id="471" r:id="rId26"/>
-    <p:sldId id="472" r:id="rId27"/>
-    <p:sldId id="473" r:id="rId28"/>
-    <p:sldId id="474" r:id="rId29"/>
-    <p:sldId id="475" r:id="rId30"/>
-    <p:sldId id="476" r:id="rId31"/>
-    <p:sldId id="477" r:id="rId32"/>
-    <p:sldId id="478" r:id="rId33"/>
-    <p:sldId id="479" r:id="rId34"/>
-    <p:sldId id="480" r:id="rId35"/>
-    <p:sldId id="481" r:id="rId36"/>
-    <p:sldId id="482" r:id="rId37"/>
-    <p:sldId id="447" r:id="rId38"/>
+    <p:sldId id="491" r:id="rId5"/>
+    <p:sldId id="450" r:id="rId6"/>
+    <p:sldId id="451" r:id="rId7"/>
+    <p:sldId id="452" r:id="rId8"/>
+    <p:sldId id="453" r:id="rId9"/>
+    <p:sldId id="460" r:id="rId10"/>
+    <p:sldId id="461" r:id="rId11"/>
+    <p:sldId id="462" r:id="rId12"/>
+    <p:sldId id="463" r:id="rId13"/>
+    <p:sldId id="464" r:id="rId14"/>
+    <p:sldId id="465" r:id="rId15"/>
+    <p:sldId id="466" r:id="rId16"/>
+    <p:sldId id="467" r:id="rId17"/>
+    <p:sldId id="483" r:id="rId18"/>
+    <p:sldId id="468" r:id="rId19"/>
+    <p:sldId id="490" r:id="rId20"/>
+    <p:sldId id="469" r:id="rId21"/>
+    <p:sldId id="484" r:id="rId22"/>
+    <p:sldId id="485" r:id="rId23"/>
+    <p:sldId id="486" r:id="rId24"/>
+    <p:sldId id="487" r:id="rId25"/>
+    <p:sldId id="488" r:id="rId26"/>
+    <p:sldId id="476" r:id="rId27"/>
+    <p:sldId id="489" r:id="rId28"/>
+    <p:sldId id="477" r:id="rId29"/>
+    <p:sldId id="479" r:id="rId30"/>
+    <p:sldId id="480" r:id="rId31"/>
+    <p:sldId id="481" r:id="rId32"/>
+    <p:sldId id="482" r:id="rId33"/>
+    <p:sldId id="447" r:id="rId34"/>
   </p:sldIdLst>
   <p:sldSz cx="9144000" cy="6858000" type="screen4x3"/>
   <p:notesSz cx="6858000" cy="9144000"/>
@@ -181,16 +177,11 @@
             <p14:sldId id="256"/>
             <p14:sldId id="448"/>
             <p14:sldId id="449"/>
+            <p14:sldId id="491"/>
             <p14:sldId id="450"/>
             <p14:sldId id="451"/>
             <p14:sldId id="452"/>
             <p14:sldId id="453"/>
-            <p14:sldId id="454"/>
-            <p14:sldId id="455"/>
-            <p14:sldId id="456"/>
-            <p14:sldId id="457"/>
-            <p14:sldId id="458"/>
-            <p14:sldId id="459"/>
             <p14:sldId id="460"/>
             <p14:sldId id="461"/>
             <p14:sldId id="462"/>
@@ -199,17 +190,18 @@
             <p14:sldId id="465"/>
             <p14:sldId id="466"/>
             <p14:sldId id="467"/>
+            <p14:sldId id="483"/>
             <p14:sldId id="468"/>
+            <p14:sldId id="490"/>
             <p14:sldId id="469"/>
-            <p14:sldId id="470"/>
-            <p14:sldId id="471"/>
-            <p14:sldId id="472"/>
-            <p14:sldId id="473"/>
-            <p14:sldId id="474"/>
-            <p14:sldId id="475"/>
+            <p14:sldId id="484"/>
+            <p14:sldId id="485"/>
+            <p14:sldId id="486"/>
+            <p14:sldId id="487"/>
+            <p14:sldId id="488"/>
             <p14:sldId id="476"/>
+            <p14:sldId id="489"/>
             <p14:sldId id="477"/>
-            <p14:sldId id="478"/>
             <p14:sldId id="479"/>
             <p14:sldId id="480"/>
             <p14:sldId id="481"/>
@@ -3764,7 +3756,7 @@
               <a:pPr>
                 <a:defRPr/>
               </a:pPr>
-              <a:t>7/2/2018</a:t>
+              <a:t>10/14/2018</a:t>
             </a:fld>
             <a:endParaRPr lang="en-US" altLang="zh-CN"/>
           </a:p>
@@ -4440,7 +4432,7 @@
       </p:grpSpPr>
       <p:sp>
         <p:nvSpPr>
-          <p:cNvPr id="2" name="幻灯片图像占位符 1"/>
+          <p:cNvPr id="2" name="投影片圖像版面配置區 1"/>
           <p:cNvSpPr>
             <a:spLocks noGrp="1" noRot="1" noChangeAspect="1"/>
           </p:cNvSpPr>
@@ -4452,7 +4444,7 @@
       </p:sp>
       <p:sp>
         <p:nvSpPr>
-          <p:cNvPr id="3" name="备注占位符 2"/>
+          <p:cNvPr id="3" name="備忘稿版面配置區 2"/>
           <p:cNvSpPr>
             <a:spLocks noGrp="1"/>
           </p:cNvSpPr>
@@ -4465,17 +4457,13 @@
           <a:bodyPr/>
           <a:lstStyle/>
           <a:p>
-            <a:r>
-              <a:rPr lang="zh-CN" altLang="en-US" dirty="0" smtClean="0"/>
-              <a:t>但至此之后，神经科学与人工智能就分道扬镳了</a:t>
-            </a:r>
-            <a:endParaRPr lang="zh-CN" altLang="en-US" dirty="0"/>
+            <a:endParaRPr lang="zh-TW" altLang="en-US" dirty="0"/>
           </a:p>
         </p:txBody>
       </p:sp>
       <p:sp>
         <p:nvSpPr>
-          <p:cNvPr id="4" name="灯片编号占位符 3"/>
+          <p:cNvPr id="4" name="投影片編號版面配置區 3"/>
           <p:cNvSpPr>
             <a:spLocks noGrp="1"/>
           </p:cNvSpPr>
@@ -4488,24 +4476,18 @@
           <a:bodyPr/>
           <a:lstStyle/>
           <a:p>
-            <a:pPr>
-              <a:defRPr/>
-            </a:pPr>
-            <a:fld id="{B4C119E0-CEE4-4FF8-83B2-DC856A2C17CC}" type="slidenum">
-              <a:rPr lang="en-US" altLang="zh-CN" smtClean="0"/>
-              <a:pPr>
-                <a:defRPr/>
-              </a:pPr>
-              <a:t>8</a:t>
+            <a:fld id="{A220914F-BE26-43C4-8063-9E6C159BF45D}" type="slidenum">
+              <a:rPr lang="zh-TW" altLang="en-US" smtClean="0"/>
+              <a:t>16</a:t>
             </a:fld>
-            <a:endParaRPr lang="en-US" altLang="zh-CN"/>
+            <a:endParaRPr lang="zh-TW" altLang="en-US"/>
           </a:p>
         </p:txBody>
       </p:sp>
     </p:spTree>
     <p:extLst>
       <p:ext uri="{BB962C8B-B14F-4D97-AF65-F5344CB8AC3E}">
-        <p14:creationId xmlns:p14="http://schemas.microsoft.com/office/powerpoint/2010/main" val="4174212575"/>
+        <p14:creationId xmlns:p14="http://schemas.microsoft.com/office/powerpoint/2010/main" val="1049200409"/>
       </p:ext>
     </p:extLst>
   </p:cSld>
@@ -4561,127 +4543,10 @@
           <a:p>
             <a:r>
               <a:rPr lang="zh-CN" altLang="en-US" dirty="0" smtClean="0"/>
-              <a:t>发展历史</a:t>
-            </a:r>
-            <a:endParaRPr lang="en-US" altLang="zh-CN" dirty="0" smtClean="0"/>
-          </a:p>
-          <a:p>
-            <a:pPr lvl="0"/>
-            <a:r>
-              <a:rPr lang="en-US" altLang="zh-CN" dirty="0" smtClean="0"/>
-              <a:t>1958 </a:t>
-            </a:r>
-            <a:r>
-              <a:rPr lang="zh-CN" altLang="en-US" dirty="0" smtClean="0"/>
-              <a:t>年 </a:t>
-            </a:r>
-            <a:r>
-              <a:rPr lang="en-US" altLang="zh-CN" dirty="0" smtClean="0"/>
-              <a:t>Rosenblatt </a:t>
-            </a:r>
-            <a:r>
-              <a:rPr lang="zh-CN" altLang="en-US" dirty="0" smtClean="0"/>
-              <a:t>感知器</a:t>
-            </a:r>
-          </a:p>
-          <a:p>
-            <a:pPr lvl="0"/>
-            <a:r>
-              <a:rPr lang="en-US" altLang="zh-CN" dirty="0" smtClean="0"/>
-              <a:t>1969 </a:t>
-            </a:r>
-            <a:r>
-              <a:rPr lang="zh-CN" altLang="en-US" dirty="0" smtClean="0"/>
-              <a:t>年 </a:t>
-            </a:r>
-            <a:r>
-              <a:rPr lang="en-US" altLang="zh-CN" dirty="0" smtClean="0"/>
-              <a:t>Minsky XOR</a:t>
-            </a:r>
-          </a:p>
-          <a:p>
-            <a:pPr lvl="0"/>
-            <a:r>
-              <a:rPr lang="en-US" altLang="zh-CN" dirty="0" smtClean="0"/>
-              <a:t>1986 </a:t>
-            </a:r>
-            <a:r>
-              <a:rPr lang="zh-CN" altLang="en-US" dirty="0" smtClean="0"/>
-              <a:t>年 </a:t>
-            </a:r>
-            <a:r>
-              <a:rPr lang="en-US" altLang="zh-CN" dirty="0" smtClean="0"/>
-              <a:t>Hinton</a:t>
-            </a:r>
-            <a:r>
-              <a:rPr lang="zh-CN" altLang="en-US" dirty="0" smtClean="0"/>
-              <a:t>、</a:t>
-            </a:r>
-            <a:r>
-              <a:rPr lang="en-US" altLang="zh-CN" dirty="0" err="1" smtClean="0"/>
-              <a:t>LeCun</a:t>
-            </a:r>
-            <a:r>
-              <a:rPr lang="en-US" altLang="zh-CN" dirty="0" smtClean="0"/>
-              <a:t> </a:t>
-            </a:r>
-            <a:r>
-              <a:rPr lang="zh-CN" altLang="en-US" dirty="0" smtClean="0"/>
-              <a:t>人工神经网络（</a:t>
-            </a:r>
-            <a:r>
-              <a:rPr lang="en-US" altLang="zh-CN" dirty="0" smtClean="0"/>
-              <a:t>BP </a:t>
-            </a:r>
-            <a:r>
-              <a:rPr lang="zh-CN" altLang="en-US" dirty="0" smtClean="0"/>
-              <a:t>算法）</a:t>
-            </a:r>
-          </a:p>
-          <a:p>
-            <a:pPr lvl="0"/>
-            <a:r>
-              <a:rPr lang="en-US" altLang="zh-CN" dirty="0" smtClean="0"/>
-              <a:t>1998 </a:t>
-            </a:r>
-            <a:r>
-              <a:rPr lang="zh-CN" altLang="en-US" dirty="0" smtClean="0"/>
-              <a:t>年 </a:t>
-            </a:r>
-            <a:r>
-              <a:rPr lang="en-US" altLang="zh-CN" dirty="0" err="1" smtClean="0"/>
-              <a:t>LeCun</a:t>
-            </a:r>
-            <a:r>
-              <a:rPr lang="en-US" altLang="zh-CN" dirty="0" smtClean="0"/>
-              <a:t> </a:t>
-            </a:r>
-            <a:r>
-              <a:rPr lang="zh-CN" altLang="en-US" dirty="0" smtClean="0"/>
-              <a:t>卷积神经网络</a:t>
-            </a:r>
-          </a:p>
-          <a:p>
-            <a:pPr lvl="0"/>
-            <a:r>
-              <a:rPr lang="en-US" altLang="zh-CN" dirty="0" smtClean="0"/>
-              <a:t>2006 </a:t>
-            </a:r>
-            <a:r>
-              <a:rPr lang="zh-CN" altLang="en-US" dirty="0" smtClean="0"/>
-              <a:t>年 </a:t>
-            </a:r>
-            <a:r>
-              <a:rPr lang="en-US" altLang="zh-CN" dirty="0" smtClean="0"/>
-              <a:t>Hinton </a:t>
-            </a:r>
-            <a:r>
-              <a:rPr lang="zh-CN" altLang="en-US" dirty="0" smtClean="0"/>
-              <a:t>深度网络</a:t>
-            </a:r>
-          </a:p>
-          <a:p>
-            <a:pPr lvl="0"/>
+              <a:t>神经网络的通用近似性质也被证明对于其它类型的激活函数，比如ReLU，也都是适用的。</a:t>
+            </a:r>
+          </a:p>
+          <a:p>
             <a:endParaRPr lang="zh-CN" altLang="en-US" dirty="0"/>
           </a:p>
         </p:txBody>
@@ -4709,7 +4574,7 @@
               <a:pPr>
                 <a:defRPr/>
               </a:pPr>
-              <a:t>12</a:t>
+              <a:t>17</a:t>
             </a:fld>
             <a:endParaRPr lang="en-US" altLang="zh-CN"/>
           </a:p>
@@ -4718,7 +4583,7 @@
     </p:spTree>
     <p:extLst>
       <p:ext uri="{BB962C8B-B14F-4D97-AF65-F5344CB8AC3E}">
-        <p14:creationId xmlns:p14="http://schemas.microsoft.com/office/powerpoint/2010/main" val="3278294737"/>
+        <p14:creationId xmlns:p14="http://schemas.microsoft.com/office/powerpoint/2010/main" val="4197023381"/>
       </p:ext>
     </p:extLst>
   </p:cSld>
@@ -4729,90 +4594,6 @@
 </file>
 
 <file path=ppt/notesSlides/notesSlide5.xml><?xml version="1.0" encoding="utf-8"?>
-<p:notes xmlns:a="http://schemas.openxmlformats.org/drawingml/2006/main" xmlns:r="http://schemas.openxmlformats.org/officeDocument/2006/relationships" xmlns:p="http://schemas.openxmlformats.org/presentationml/2006/main">
-  <p:cSld>
-    <p:spTree>
-      <p:nvGrpSpPr>
-        <p:cNvPr id="1" name=""/>
-        <p:cNvGrpSpPr/>
-        <p:nvPr/>
-      </p:nvGrpSpPr>
-      <p:grpSpPr>
-        <a:xfrm>
-          <a:off x="0" y="0"/>
-          <a:ext cx="0" cy="0"/>
-          <a:chOff x="0" y="0"/>
-          <a:chExt cx="0" cy="0"/>
-        </a:xfrm>
-      </p:grpSpPr>
-      <p:sp>
-        <p:nvSpPr>
-          <p:cNvPr id="2" name="投影片圖像版面配置區 1"/>
-          <p:cNvSpPr>
-            <a:spLocks noGrp="1" noRot="1" noChangeAspect="1"/>
-          </p:cNvSpPr>
-          <p:nvPr>
-            <p:ph type="sldImg"/>
-          </p:nvPr>
-        </p:nvSpPr>
-        <p:spPr/>
-      </p:sp>
-      <p:sp>
-        <p:nvSpPr>
-          <p:cNvPr id="3" name="備忘稿版面配置區 2"/>
-          <p:cNvSpPr>
-            <a:spLocks noGrp="1"/>
-          </p:cNvSpPr>
-          <p:nvPr>
-            <p:ph type="body" idx="1"/>
-          </p:nvPr>
-        </p:nvSpPr>
-        <p:spPr/>
-        <p:txBody>
-          <a:bodyPr/>
-          <a:lstStyle/>
-          <a:p>
-            <a:endParaRPr lang="zh-TW" altLang="en-US" dirty="0"/>
-          </a:p>
-        </p:txBody>
-      </p:sp>
-      <p:sp>
-        <p:nvSpPr>
-          <p:cNvPr id="4" name="投影片編號版面配置區 3"/>
-          <p:cNvSpPr>
-            <a:spLocks noGrp="1"/>
-          </p:cNvSpPr>
-          <p:nvPr>
-            <p:ph type="sldNum" sz="quarter" idx="10"/>
-          </p:nvPr>
-        </p:nvSpPr>
-        <p:spPr/>
-        <p:txBody>
-          <a:bodyPr/>
-          <a:lstStyle/>
-          <a:p>
-            <a:fld id="{A220914F-BE26-43C4-8063-9E6C159BF45D}" type="slidenum">
-              <a:rPr lang="zh-TW" altLang="en-US" smtClean="0"/>
-              <a:t>21</a:t>
-            </a:fld>
-            <a:endParaRPr lang="zh-TW" altLang="en-US"/>
-          </a:p>
-        </p:txBody>
-      </p:sp>
-    </p:spTree>
-    <p:extLst>
-      <p:ext uri="{BB962C8B-B14F-4D97-AF65-F5344CB8AC3E}">
-        <p14:creationId xmlns:p14="http://schemas.microsoft.com/office/powerpoint/2010/main" val="1049200409"/>
-      </p:ext>
-    </p:extLst>
-  </p:cSld>
-  <p:clrMapOvr>
-    <a:masterClrMapping/>
-  </p:clrMapOvr>
-</p:notes>
-</file>
-
-<file path=ppt/notesSlides/notesSlide6.xml><?xml version="1.0" encoding="utf-8"?>
 <p:notes xmlns:a="http://schemas.openxmlformats.org/drawingml/2006/main" xmlns:r="http://schemas.openxmlformats.org/officeDocument/2006/relationships" xmlns:p="http://schemas.openxmlformats.org/presentationml/2006/main">
   <p:cSld>
     <p:spTree>
@@ -4966,7 +4747,7 @@
           <a:p>
             <a:fld id="{3F9096D2-8776-4F5C-A458-4FD37E7160D3}" type="slidenum">
               <a:rPr lang="zh-TW" altLang="en-US" smtClean="0"/>
-              <a:t>23</a:t>
+              <a:t>20</a:t>
             </a:fld>
             <a:endParaRPr lang="zh-TW" altLang="en-US"/>
           </a:p>
@@ -4976,6 +4757,90 @@
     <p:extLst>
       <p:ext uri="{BB962C8B-B14F-4D97-AF65-F5344CB8AC3E}">
         <p14:creationId xmlns:p14="http://schemas.microsoft.com/office/powerpoint/2010/main" val="1782558686"/>
+      </p:ext>
+    </p:extLst>
+  </p:cSld>
+  <p:clrMapOvr>
+    <a:masterClrMapping/>
+  </p:clrMapOvr>
+</p:notes>
+</file>
+
+<file path=ppt/notesSlides/notesSlide6.xml><?xml version="1.0" encoding="utf-8"?>
+<p:notes xmlns:a="http://schemas.openxmlformats.org/drawingml/2006/main" xmlns:r="http://schemas.openxmlformats.org/officeDocument/2006/relationships" xmlns:p="http://schemas.openxmlformats.org/presentationml/2006/main">
+  <p:cSld>
+    <p:spTree>
+      <p:nvGrpSpPr>
+        <p:cNvPr id="1" name=""/>
+        <p:cNvGrpSpPr/>
+        <p:nvPr/>
+      </p:nvGrpSpPr>
+      <p:grpSpPr>
+        <a:xfrm>
+          <a:off x="0" y="0"/>
+          <a:ext cx="0" cy="0"/>
+          <a:chOff x="0" y="0"/>
+          <a:chExt cx="0" cy="0"/>
+        </a:xfrm>
+      </p:grpSpPr>
+      <p:sp>
+        <p:nvSpPr>
+          <p:cNvPr id="2" name="投影片圖像版面配置區 1"/>
+          <p:cNvSpPr>
+            <a:spLocks noGrp="1" noRot="1" noChangeAspect="1"/>
+          </p:cNvSpPr>
+          <p:nvPr>
+            <p:ph type="sldImg"/>
+          </p:nvPr>
+        </p:nvSpPr>
+        <p:spPr/>
+      </p:sp>
+      <p:sp>
+        <p:nvSpPr>
+          <p:cNvPr id="3" name="備忘稿版面配置區 2"/>
+          <p:cNvSpPr>
+            <a:spLocks noGrp="1"/>
+          </p:cNvSpPr>
+          <p:nvPr>
+            <p:ph type="body" idx="1"/>
+          </p:nvPr>
+        </p:nvSpPr>
+        <p:spPr/>
+        <p:txBody>
+          <a:bodyPr/>
+          <a:lstStyle/>
+          <a:p>
+            <a:endParaRPr lang="zh-TW" altLang="en-US" dirty="0"/>
+          </a:p>
+        </p:txBody>
+      </p:sp>
+      <p:sp>
+        <p:nvSpPr>
+          <p:cNvPr id="4" name="投影片編號版面配置區 3"/>
+          <p:cNvSpPr>
+            <a:spLocks noGrp="1"/>
+          </p:cNvSpPr>
+          <p:nvPr>
+            <p:ph type="sldNum" sz="quarter" idx="10"/>
+          </p:nvPr>
+        </p:nvSpPr>
+        <p:spPr/>
+        <p:txBody>
+          <a:bodyPr/>
+          <a:lstStyle/>
+          <a:p>
+            <a:fld id="{3F9096D2-8776-4F5C-A458-4FD37E7160D3}" type="slidenum">
+              <a:rPr lang="zh-TW" altLang="en-US" smtClean="0"/>
+              <a:t>31</a:t>
+            </a:fld>
+            <a:endParaRPr lang="zh-TW" altLang="en-US"/>
+          </a:p>
+        </p:txBody>
+      </p:sp>
+    </p:spTree>
+    <p:extLst>
+      <p:ext uri="{BB962C8B-B14F-4D97-AF65-F5344CB8AC3E}">
+        <p14:creationId xmlns:p14="http://schemas.microsoft.com/office/powerpoint/2010/main" val="1518269895"/>
       </p:ext>
     </p:extLst>
   </p:cSld>
@@ -5050,175 +4915,7 @@
           <a:p>
             <a:fld id="{3F9096D2-8776-4F5C-A458-4FD37E7160D3}" type="slidenum">
               <a:rPr lang="zh-TW" altLang="en-US" smtClean="0"/>
-              <a:t>24</a:t>
-            </a:fld>
-            <a:endParaRPr lang="zh-TW" altLang="en-US"/>
-          </a:p>
-        </p:txBody>
-      </p:sp>
-    </p:spTree>
-    <p:extLst>
-      <p:ext uri="{BB962C8B-B14F-4D97-AF65-F5344CB8AC3E}">
-        <p14:creationId xmlns:p14="http://schemas.microsoft.com/office/powerpoint/2010/main" val="1087316529"/>
-      </p:ext>
-    </p:extLst>
-  </p:cSld>
-  <p:clrMapOvr>
-    <a:masterClrMapping/>
-  </p:clrMapOvr>
-</p:notes>
-</file>
-
-<file path=ppt/notesSlides/notesSlide8.xml><?xml version="1.0" encoding="utf-8"?>
-<p:notes xmlns:a="http://schemas.openxmlformats.org/drawingml/2006/main" xmlns:r="http://schemas.openxmlformats.org/officeDocument/2006/relationships" xmlns:p="http://schemas.openxmlformats.org/presentationml/2006/main">
-  <p:cSld>
-    <p:spTree>
-      <p:nvGrpSpPr>
-        <p:cNvPr id="1" name=""/>
-        <p:cNvGrpSpPr/>
-        <p:nvPr/>
-      </p:nvGrpSpPr>
-      <p:grpSpPr>
-        <a:xfrm>
-          <a:off x="0" y="0"/>
-          <a:ext cx="0" cy="0"/>
-          <a:chOff x="0" y="0"/>
-          <a:chExt cx="0" cy="0"/>
-        </a:xfrm>
-      </p:grpSpPr>
-      <p:sp>
-        <p:nvSpPr>
-          <p:cNvPr id="2" name="投影片圖像版面配置區 1"/>
-          <p:cNvSpPr>
-            <a:spLocks noGrp="1" noRot="1" noChangeAspect="1"/>
-          </p:cNvSpPr>
-          <p:nvPr>
-            <p:ph type="sldImg"/>
-          </p:nvPr>
-        </p:nvSpPr>
-        <p:spPr/>
-      </p:sp>
-      <p:sp>
-        <p:nvSpPr>
-          <p:cNvPr id="3" name="備忘稿版面配置區 2"/>
-          <p:cNvSpPr>
-            <a:spLocks noGrp="1"/>
-          </p:cNvSpPr>
-          <p:nvPr>
-            <p:ph type="body" idx="1"/>
-          </p:nvPr>
-        </p:nvSpPr>
-        <p:spPr/>
-        <p:txBody>
-          <a:bodyPr/>
-          <a:lstStyle/>
-          <a:p>
-            <a:endParaRPr lang="zh-TW" altLang="en-US" dirty="0"/>
-          </a:p>
-        </p:txBody>
-      </p:sp>
-      <p:sp>
-        <p:nvSpPr>
-          <p:cNvPr id="4" name="投影片編號版面配置區 3"/>
-          <p:cNvSpPr>
-            <a:spLocks noGrp="1"/>
-          </p:cNvSpPr>
-          <p:nvPr>
-            <p:ph type="sldNum" sz="quarter" idx="10"/>
-          </p:nvPr>
-        </p:nvSpPr>
-        <p:spPr/>
-        <p:txBody>
-          <a:bodyPr/>
-          <a:lstStyle/>
-          <a:p>
-            <a:fld id="{3F9096D2-8776-4F5C-A458-4FD37E7160D3}" type="slidenum">
-              <a:rPr lang="zh-TW" altLang="en-US" smtClean="0"/>
-              <a:t>35</a:t>
-            </a:fld>
-            <a:endParaRPr lang="zh-TW" altLang="en-US"/>
-          </a:p>
-        </p:txBody>
-      </p:sp>
-    </p:spTree>
-    <p:extLst>
-      <p:ext uri="{BB962C8B-B14F-4D97-AF65-F5344CB8AC3E}">
-        <p14:creationId xmlns:p14="http://schemas.microsoft.com/office/powerpoint/2010/main" val="1518269895"/>
-      </p:ext>
-    </p:extLst>
-  </p:cSld>
-  <p:clrMapOvr>
-    <a:masterClrMapping/>
-  </p:clrMapOvr>
-</p:notes>
-</file>
-
-<file path=ppt/notesSlides/notesSlide9.xml><?xml version="1.0" encoding="utf-8"?>
-<p:notes xmlns:a="http://schemas.openxmlformats.org/drawingml/2006/main" xmlns:r="http://schemas.openxmlformats.org/officeDocument/2006/relationships" xmlns:p="http://schemas.openxmlformats.org/presentationml/2006/main">
-  <p:cSld>
-    <p:spTree>
-      <p:nvGrpSpPr>
-        <p:cNvPr id="1" name=""/>
-        <p:cNvGrpSpPr/>
-        <p:nvPr/>
-      </p:nvGrpSpPr>
-      <p:grpSpPr>
-        <a:xfrm>
-          <a:off x="0" y="0"/>
-          <a:ext cx="0" cy="0"/>
-          <a:chOff x="0" y="0"/>
-          <a:chExt cx="0" cy="0"/>
-        </a:xfrm>
-      </p:grpSpPr>
-      <p:sp>
-        <p:nvSpPr>
-          <p:cNvPr id="2" name="投影片圖像版面配置區 1"/>
-          <p:cNvSpPr>
-            <a:spLocks noGrp="1" noRot="1" noChangeAspect="1"/>
-          </p:cNvSpPr>
-          <p:nvPr>
-            <p:ph type="sldImg"/>
-          </p:nvPr>
-        </p:nvSpPr>
-        <p:spPr/>
-      </p:sp>
-      <p:sp>
-        <p:nvSpPr>
-          <p:cNvPr id="3" name="備忘稿版面配置區 2"/>
-          <p:cNvSpPr>
-            <a:spLocks noGrp="1"/>
-          </p:cNvSpPr>
-          <p:nvPr>
-            <p:ph type="body" idx="1"/>
-          </p:nvPr>
-        </p:nvSpPr>
-        <p:spPr/>
-        <p:txBody>
-          <a:bodyPr/>
-          <a:lstStyle/>
-          <a:p>
-            <a:endParaRPr lang="zh-TW" altLang="en-US" dirty="0"/>
-          </a:p>
-        </p:txBody>
-      </p:sp>
-      <p:sp>
-        <p:nvSpPr>
-          <p:cNvPr id="4" name="投影片編號版面配置區 3"/>
-          <p:cNvSpPr>
-            <a:spLocks noGrp="1"/>
-          </p:cNvSpPr>
-          <p:nvPr>
-            <p:ph type="sldNum" sz="quarter" idx="10"/>
-          </p:nvPr>
-        </p:nvSpPr>
-        <p:spPr/>
-        <p:txBody>
-          <a:bodyPr/>
-          <a:lstStyle/>
-          <a:p>
-            <a:fld id="{3F9096D2-8776-4F5C-A458-4FD37E7160D3}" type="slidenum">
-              <a:rPr lang="zh-TW" altLang="en-US" smtClean="0"/>
-              <a:t>36</a:t>
+              <a:t>32</a:t>
             </a:fld>
             <a:endParaRPr lang="zh-TW" altLang="en-US"/>
           </a:p>
@@ -7083,14 +6780,14 @@
           </a:ln>
           <a:extLst>
             <a:ext uri="{909E8E84-426E-40dd-AFC4-6F175D3DCCD1}">
-              <a14:hiddenFill xmlns="" xmlns:a14="http://schemas.microsoft.com/office/drawing/2010/main">
+              <a14:hiddenFill xmlns:a14="http://schemas.microsoft.com/office/drawing/2010/main" xmlns="">
                 <a:solidFill>
                   <a:srgbClr val="FFFFFF"/>
                 </a:solidFill>
               </a14:hiddenFill>
             </a:ext>
             <a:ext uri="{91240B29-F687-4f45-9708-019B960494DF}">
-              <a14:hiddenLine xmlns="" xmlns:a14="http://schemas.microsoft.com/office/drawing/2010/main" w="9525">
+              <a14:hiddenLine xmlns:a14="http://schemas.microsoft.com/office/drawing/2010/main" xmlns="" w="9525">
                 <a:solidFill>
                   <a:srgbClr val="000000"/>
                 </a:solidFill>
@@ -7141,14 +6838,14 @@
           </a:ln>
           <a:extLst>
             <a:ext uri="{909E8E84-426E-40dd-AFC4-6F175D3DCCD1}">
-              <a14:hiddenFill xmlns="" xmlns:a14="http://schemas.microsoft.com/office/drawing/2010/main">
+              <a14:hiddenFill xmlns:a14="http://schemas.microsoft.com/office/drawing/2010/main" xmlns="">
                 <a:solidFill>
                   <a:srgbClr val="FFFFFF"/>
                 </a:solidFill>
               </a14:hiddenFill>
             </a:ext>
             <a:ext uri="{91240B29-F687-4f45-9708-019B960494DF}">
-              <a14:hiddenLine xmlns="" xmlns:a14="http://schemas.microsoft.com/office/drawing/2010/main" w="9525">
+              <a14:hiddenLine xmlns:a14="http://schemas.microsoft.com/office/drawing/2010/main" xmlns="" w="9525">
                 <a:solidFill>
                   <a:srgbClr val="000000"/>
                 </a:solidFill>
@@ -7231,7 +6928,7 @@
           </a:ln>
           <a:extLst>
             <a:ext uri="{909E8E84-426E-40dd-AFC4-6F175D3DCCD1}">
-              <a14:hiddenFill xmlns="" xmlns:a14="http://schemas.microsoft.com/office/drawing/2010/main">
+              <a14:hiddenFill xmlns:a14="http://schemas.microsoft.com/office/drawing/2010/main" xmlns="">
                 <a:noFill/>
               </a14:hiddenFill>
             </a:ext>
@@ -7273,7 +6970,7 @@
           </a:ln>
           <a:extLst>
             <a:ext uri="{909E8E84-426E-40dd-AFC4-6F175D3DCCD1}">
-              <a14:hiddenFill xmlns="" xmlns:a14="http://schemas.microsoft.com/office/drawing/2010/main">
+              <a14:hiddenFill xmlns:a14="http://schemas.microsoft.com/office/drawing/2010/main" xmlns="">
                 <a:noFill/>
               </a14:hiddenFill>
             </a:ext>
@@ -7994,9 +7691,10 @@
           <a:lstStyle/>
           <a:p>
             <a:r>
-              <a:rPr lang="zh-CN" altLang="en-US" dirty="0"/>
-              <a:t>机器学习概述</a:t>
-            </a:r>
+              <a:rPr lang="zh-CN" altLang="en-US" dirty="0" smtClean="0"/>
+              <a:t>前馈神经网络</a:t>
+            </a:r>
+            <a:endParaRPr lang="zh-CN" altLang="en-US" dirty="0"/>
           </a:p>
         </p:txBody>
       </p:sp>
@@ -8095,1099 +7793,6 @@
 </file>
 
 <file path=ppt/slides/slide10.xml><?xml version="1.0" encoding="utf-8"?>
-<p:sld xmlns:a="http://schemas.openxmlformats.org/drawingml/2006/main" xmlns:r="http://schemas.openxmlformats.org/officeDocument/2006/relationships" xmlns:p="http://schemas.openxmlformats.org/presentationml/2006/main">
-  <p:cSld>
-    <p:spTree>
-      <p:nvGrpSpPr>
-        <p:cNvPr id="1" name=""/>
-        <p:cNvGrpSpPr/>
-        <p:nvPr/>
-      </p:nvGrpSpPr>
-      <p:grpSpPr>
-        <a:xfrm>
-          <a:off x="0" y="0"/>
-          <a:ext cx="0" cy="0"/>
-          <a:chOff x="0" y="0"/>
-          <a:chExt cx="0" cy="0"/>
-        </a:xfrm>
-      </p:grpSpPr>
-      <p:sp>
-        <p:nvSpPr>
-          <p:cNvPr id="3" name="标题 2"/>
-          <p:cNvSpPr>
-            <a:spLocks noGrp="1"/>
-          </p:cNvSpPr>
-          <p:nvPr>
-            <p:ph type="title"/>
-          </p:nvPr>
-        </p:nvSpPr>
-        <p:spPr/>
-        <p:txBody>
-          <a:bodyPr/>
-          <a:lstStyle/>
-          <a:p>
-            <a:r>
-              <a:rPr lang="zh-CN" altLang="en-US" dirty="0" smtClean="0"/>
-              <a:t>神经网络历史</a:t>
-            </a:r>
-            <a:endParaRPr lang="zh-CN" altLang="en-US" dirty="0"/>
-          </a:p>
-        </p:txBody>
-      </p:sp>
-      <p:sp>
-        <p:nvSpPr>
-          <p:cNvPr id="4" name="内容占位符 3"/>
-          <p:cNvSpPr>
-            <a:spLocks noGrp="1"/>
-          </p:cNvSpPr>
-          <p:nvPr>
-            <p:ph sz="quarter" idx="1"/>
-          </p:nvPr>
-        </p:nvSpPr>
-        <p:spPr/>
-        <p:txBody>
-          <a:bodyPr/>
-          <a:lstStyle/>
-          <a:p>
-            <a:r>
-              <a:rPr lang="zh-CN" altLang="en-US" dirty="0">
-                <a:solidFill>
-                  <a:schemeClr val="accent2"/>
-                </a:solidFill>
-              </a:rPr>
-              <a:t>第三阶段</a:t>
-            </a:r>
-            <a:r>
-              <a:rPr lang="zh-CN" altLang="en-US" dirty="0" smtClean="0">
-                <a:solidFill>
-                  <a:schemeClr val="accent2"/>
-                </a:solidFill>
-              </a:rPr>
-              <a:t>：</a:t>
-            </a:r>
-            <a:r>
-              <a:rPr lang="en-US" altLang="zh-CN" dirty="0" smtClean="0">
-                <a:solidFill>
-                  <a:schemeClr val="accent2"/>
-                </a:solidFill>
-              </a:rPr>
-              <a:t>1983</a:t>
-            </a:r>
-            <a:r>
-              <a:rPr lang="zh-CN" altLang="en-US" dirty="0">
-                <a:solidFill>
-                  <a:schemeClr val="accent2"/>
-                </a:solidFill>
-              </a:rPr>
-              <a:t>年～</a:t>
-            </a:r>
-            <a:r>
-              <a:rPr lang="en-US" altLang="zh-CN" dirty="0">
-                <a:solidFill>
-                  <a:schemeClr val="accent2"/>
-                </a:solidFill>
-              </a:rPr>
-              <a:t>1995</a:t>
-            </a:r>
-            <a:r>
-              <a:rPr lang="zh-CN" altLang="en-US" dirty="0" smtClean="0">
-                <a:solidFill>
-                  <a:schemeClr val="accent2"/>
-                </a:solidFill>
-              </a:rPr>
-              <a:t>年</a:t>
-            </a:r>
-            <a:endParaRPr lang="en-US" altLang="zh-CN" dirty="0" smtClean="0">
-              <a:solidFill>
-                <a:schemeClr val="accent2"/>
-              </a:solidFill>
-            </a:endParaRPr>
-          </a:p>
-          <a:p>
-            <a:pPr lvl="1"/>
-            <a:r>
-              <a:rPr lang="zh-CN" altLang="en-US" dirty="0">
-                <a:solidFill>
-                  <a:schemeClr val="accent2"/>
-                </a:solidFill>
-              </a:rPr>
-              <a:t>反向传播算法引起的复兴</a:t>
-            </a:r>
-            <a:endParaRPr lang="en-US" altLang="zh-CN" dirty="0" smtClean="0">
-              <a:solidFill>
-                <a:schemeClr val="accent2"/>
-              </a:solidFill>
-            </a:endParaRPr>
-          </a:p>
-          <a:p>
-            <a:pPr lvl="1"/>
-            <a:r>
-              <a:rPr lang="en-US" altLang="zh-CN" dirty="0" smtClean="0"/>
-              <a:t>1984</a:t>
-            </a:r>
-            <a:r>
-              <a:rPr lang="zh-CN" altLang="en-US" dirty="0"/>
-              <a:t>年，</a:t>
-            </a:r>
-            <a:r>
-              <a:rPr lang="en-US" altLang="zh-CN" dirty="0"/>
-              <a:t>Geoffrey Hinton</a:t>
-            </a:r>
-            <a:r>
-              <a:rPr lang="zh-CN" altLang="en-US" dirty="0"/>
-              <a:t>提出 </a:t>
-            </a:r>
-            <a:r>
-              <a:rPr lang="en-US" altLang="zh-CN" dirty="0" err="1"/>
-              <a:t>Boltzman</a:t>
-            </a:r>
-            <a:r>
-              <a:rPr lang="zh-CN" altLang="en-US" dirty="0"/>
-              <a:t>机模型</a:t>
-            </a:r>
-            <a:r>
-              <a:rPr lang="zh-CN" altLang="en-US" dirty="0" smtClean="0"/>
-              <a:t>。</a:t>
-            </a:r>
-            <a:endParaRPr lang="en-US" altLang="zh-CN" dirty="0" smtClean="0"/>
-          </a:p>
-          <a:p>
-            <a:pPr lvl="1"/>
-            <a:r>
-              <a:rPr lang="en-US" altLang="zh-CN" dirty="0"/>
-              <a:t>1986</a:t>
-            </a:r>
-            <a:r>
-              <a:rPr lang="zh-CN" altLang="en-US" dirty="0"/>
-              <a:t>年，</a:t>
-            </a:r>
-            <a:r>
-              <a:rPr lang="en-US" altLang="zh-CN" dirty="0" smtClean="0"/>
-              <a:t>David </a:t>
-            </a:r>
-            <a:r>
-              <a:rPr lang="en-US" altLang="zh-CN" dirty="0" err="1" smtClean="0"/>
-              <a:t>Rumelhart</a:t>
-            </a:r>
-            <a:r>
-              <a:rPr lang="zh-CN" altLang="en-US" dirty="0"/>
-              <a:t>和</a:t>
-            </a:r>
-            <a:r>
-              <a:rPr lang="en-US" altLang="zh-CN" dirty="0"/>
-              <a:t>James McClelland</a:t>
-            </a:r>
-            <a:r>
-              <a:rPr lang="zh-CN" altLang="en-US" dirty="0"/>
-              <a:t>对于联结主义在计算机模拟神经活动中的</a:t>
-            </a:r>
-            <a:r>
-              <a:rPr lang="zh-CN" altLang="en-US" dirty="0" smtClean="0"/>
-              <a:t>应用提供</a:t>
-            </a:r>
-            <a:r>
-              <a:rPr lang="zh-CN" altLang="en-US" dirty="0"/>
-              <a:t>了全面的论述，并重新发明了反向传播算法</a:t>
-            </a:r>
-            <a:r>
-              <a:rPr lang="zh-CN" altLang="en-US" dirty="0" smtClean="0"/>
-              <a:t>。</a:t>
-            </a:r>
-            <a:endParaRPr lang="en-US" altLang="zh-CN" dirty="0" smtClean="0"/>
-          </a:p>
-          <a:p>
-            <a:pPr lvl="1"/>
-            <a:r>
-              <a:rPr lang="en-US" altLang="zh-CN" dirty="0" smtClean="0"/>
-              <a:t>1986</a:t>
-            </a:r>
-            <a:r>
-              <a:rPr lang="zh-CN" altLang="en-US" dirty="0" smtClean="0"/>
-              <a:t>年，</a:t>
-            </a:r>
-            <a:r>
-              <a:rPr lang="en-US" altLang="zh-CN" dirty="0" smtClean="0"/>
-              <a:t>Geoffrey </a:t>
-            </a:r>
-            <a:r>
-              <a:rPr lang="en-US" altLang="zh-CN" dirty="0"/>
-              <a:t>Hinton</a:t>
-            </a:r>
-            <a:r>
-              <a:rPr lang="zh-CN" altLang="en-US" dirty="0"/>
-              <a:t>等人将引入到多层感知</a:t>
-            </a:r>
-            <a:r>
-              <a:rPr lang="zh-CN" altLang="en-US" dirty="0" smtClean="0"/>
-              <a:t>器</a:t>
-            </a:r>
-            <a:endParaRPr lang="en-US" altLang="zh-CN" dirty="0" smtClean="0"/>
-          </a:p>
-          <a:p>
-            <a:pPr lvl="1"/>
-            <a:r>
-              <a:rPr lang="en-US" altLang="zh-CN" dirty="0" smtClean="0"/>
-              <a:t>1989</a:t>
-            </a:r>
-            <a:r>
-              <a:rPr lang="zh-CN" altLang="en-US" dirty="0"/>
-              <a:t>年</a:t>
-            </a:r>
-            <a:r>
-              <a:rPr lang="zh-CN" altLang="en-US" dirty="0" smtClean="0"/>
-              <a:t>，</a:t>
-            </a:r>
-            <a:r>
-              <a:rPr lang="en-US" altLang="zh-CN" dirty="0" smtClean="0"/>
-              <a:t>Yann </a:t>
-            </a:r>
-            <a:r>
-              <a:rPr lang="en-US" altLang="zh-CN" dirty="0" err="1"/>
-              <a:t>LeCun</a:t>
-            </a:r>
-            <a:r>
-              <a:rPr lang="zh-CN" altLang="en-US" dirty="0"/>
-              <a:t>在将反向传播算法引入了卷积</a:t>
-            </a:r>
-            <a:r>
-              <a:rPr lang="zh-CN" altLang="en-US" dirty="0" smtClean="0"/>
-              <a:t>神经网络，并在手写体</a:t>
-            </a:r>
-            <a:r>
-              <a:rPr lang="zh-CN" altLang="en-US" dirty="0"/>
-              <a:t>数字识别上取得了很大的</a:t>
-            </a:r>
-            <a:r>
-              <a:rPr lang="zh-CN" altLang="en-US" dirty="0" smtClean="0"/>
-              <a:t>成功</a:t>
-            </a:r>
-            <a:endParaRPr lang="en-US" altLang="zh-CN" dirty="0" smtClean="0"/>
-          </a:p>
-        </p:txBody>
-      </p:sp>
-    </p:spTree>
-    <p:extLst>
-      <p:ext uri="{BB962C8B-B14F-4D97-AF65-F5344CB8AC3E}">
-        <p14:creationId xmlns:p14="http://schemas.microsoft.com/office/powerpoint/2010/main" val="1170964114"/>
-      </p:ext>
-    </p:extLst>
-  </p:cSld>
-  <p:clrMapOvr>
-    <a:masterClrMapping/>
-  </p:clrMapOvr>
-  <p:timing>
-    <p:tnLst>
-      <p:par>
-        <p:cTn id="1" dur="indefinite" restart="never" nodeType="tmRoot"/>
-      </p:par>
-    </p:tnLst>
-  </p:timing>
-</p:sld>
-</file>
-
-<file path=ppt/slides/slide11.xml><?xml version="1.0" encoding="utf-8"?>
-<p:sld xmlns:a="http://schemas.openxmlformats.org/drawingml/2006/main" xmlns:r="http://schemas.openxmlformats.org/officeDocument/2006/relationships" xmlns:p="http://schemas.openxmlformats.org/presentationml/2006/main">
-  <p:cSld>
-    <p:spTree>
-      <p:nvGrpSpPr>
-        <p:cNvPr id="1" name=""/>
-        <p:cNvGrpSpPr/>
-        <p:nvPr/>
-      </p:nvGrpSpPr>
-      <p:grpSpPr>
-        <a:xfrm>
-          <a:off x="0" y="0"/>
-          <a:ext cx="0" cy="0"/>
-          <a:chOff x="0" y="0"/>
-          <a:chExt cx="0" cy="0"/>
-        </a:xfrm>
-      </p:grpSpPr>
-      <p:sp>
-        <p:nvSpPr>
-          <p:cNvPr id="3" name="标题 2"/>
-          <p:cNvSpPr>
-            <a:spLocks noGrp="1"/>
-          </p:cNvSpPr>
-          <p:nvPr>
-            <p:ph type="title"/>
-          </p:nvPr>
-        </p:nvSpPr>
-        <p:spPr/>
-        <p:txBody>
-          <a:bodyPr/>
-          <a:lstStyle/>
-          <a:p>
-            <a:r>
-              <a:rPr lang="zh-CN" altLang="en-US" dirty="0" smtClean="0"/>
-              <a:t>神经网络历史</a:t>
-            </a:r>
-            <a:endParaRPr lang="zh-CN" altLang="en-US" dirty="0"/>
-          </a:p>
-        </p:txBody>
-      </p:sp>
-      <p:sp>
-        <p:nvSpPr>
-          <p:cNvPr id="4" name="内容占位符 3"/>
-          <p:cNvSpPr>
-            <a:spLocks noGrp="1"/>
-          </p:cNvSpPr>
-          <p:nvPr>
-            <p:ph sz="quarter" idx="1"/>
-          </p:nvPr>
-        </p:nvSpPr>
-        <p:spPr/>
-        <p:txBody>
-          <a:bodyPr/>
-          <a:lstStyle/>
-          <a:p>
-            <a:r>
-              <a:rPr lang="zh-CN" altLang="en-US" dirty="0">
-                <a:solidFill>
-                  <a:schemeClr val="accent2"/>
-                </a:solidFill>
-              </a:rPr>
-              <a:t>第四阶段：流行度</a:t>
-            </a:r>
-            <a:r>
-              <a:rPr lang="zh-CN" altLang="en-US" dirty="0" smtClean="0">
-                <a:solidFill>
-                  <a:schemeClr val="accent2"/>
-                </a:solidFill>
-              </a:rPr>
-              <a:t>降低</a:t>
-            </a:r>
-            <a:r>
-              <a:rPr lang="en-US" altLang="zh-CN" dirty="0" smtClean="0">
-                <a:solidFill>
-                  <a:schemeClr val="accent2"/>
-                </a:solidFill>
-              </a:rPr>
-              <a:t>  </a:t>
-            </a:r>
-            <a:r>
-              <a:rPr lang="zh-CN" altLang="en-US" dirty="0" smtClean="0">
-                <a:solidFill>
-                  <a:schemeClr val="accent2"/>
-                </a:solidFill>
-              </a:rPr>
-              <a:t> </a:t>
-            </a:r>
-            <a:r>
-              <a:rPr lang="en-US" altLang="zh-CN" dirty="0" smtClean="0">
-                <a:solidFill>
-                  <a:schemeClr val="accent2"/>
-                </a:solidFill>
-              </a:rPr>
-              <a:t>1995</a:t>
-            </a:r>
-            <a:r>
-              <a:rPr lang="zh-CN" altLang="en-US" dirty="0" smtClean="0">
-                <a:solidFill>
-                  <a:schemeClr val="accent2"/>
-                </a:solidFill>
-              </a:rPr>
-              <a:t>年～</a:t>
-            </a:r>
-            <a:r>
-              <a:rPr lang="en-US" altLang="zh-CN" dirty="0">
-                <a:solidFill>
-                  <a:schemeClr val="accent2"/>
-                </a:solidFill>
-              </a:rPr>
-              <a:t>2006</a:t>
-            </a:r>
-            <a:r>
-              <a:rPr lang="zh-CN" altLang="en-US" dirty="0" smtClean="0">
-                <a:solidFill>
-                  <a:schemeClr val="accent2"/>
-                </a:solidFill>
-              </a:rPr>
-              <a:t>年</a:t>
-            </a:r>
-            <a:endParaRPr lang="en-US" altLang="zh-CN" dirty="0" smtClean="0">
-              <a:solidFill>
-                <a:schemeClr val="accent2"/>
-              </a:solidFill>
-            </a:endParaRPr>
-          </a:p>
-          <a:p>
-            <a:pPr lvl="1"/>
-            <a:r>
-              <a:rPr lang="zh-CN" altLang="en-US" dirty="0" smtClean="0"/>
-              <a:t>支持</a:t>
-            </a:r>
-            <a:r>
-              <a:rPr lang="zh-CN" altLang="en-US" dirty="0"/>
-              <a:t>向量机和其他更简单的方法（例如线性分类器）在机器学习领域的流行度逐渐超过了神经网络</a:t>
-            </a:r>
-            <a:r>
-              <a:rPr lang="zh-CN" altLang="en-US" dirty="0" smtClean="0"/>
-              <a:t>。</a:t>
-            </a:r>
-            <a:endParaRPr lang="en-US" altLang="zh-CN" dirty="0" smtClean="0"/>
-          </a:p>
-          <a:p>
-            <a:pPr lvl="1"/>
-            <a:endParaRPr lang="en-US" altLang="zh-CN" dirty="0"/>
-          </a:p>
-          <a:p>
-            <a:r>
-              <a:rPr lang="zh-CN" altLang="en-US" dirty="0">
-                <a:solidFill>
-                  <a:schemeClr val="accent2"/>
-                </a:solidFill>
-              </a:rPr>
-              <a:t>第五阶段：深度学习的</a:t>
-            </a:r>
-            <a:r>
-              <a:rPr lang="zh-CN" altLang="en-US" dirty="0" smtClean="0">
-                <a:solidFill>
-                  <a:schemeClr val="accent2"/>
-                </a:solidFill>
-              </a:rPr>
-              <a:t>崛起 </a:t>
-            </a:r>
-            <a:r>
-              <a:rPr lang="en-US" altLang="zh-CN" dirty="0" smtClean="0">
-                <a:solidFill>
-                  <a:schemeClr val="accent2"/>
-                </a:solidFill>
-              </a:rPr>
-              <a:t>2006</a:t>
-            </a:r>
-            <a:r>
-              <a:rPr lang="zh-CN" altLang="en-US" dirty="0" smtClean="0">
-                <a:solidFill>
-                  <a:schemeClr val="accent2"/>
-                </a:solidFill>
-              </a:rPr>
-              <a:t>年以后</a:t>
-            </a:r>
-            <a:endParaRPr lang="en-US" altLang="zh-CN" dirty="0">
-              <a:solidFill>
-                <a:schemeClr val="accent2"/>
-              </a:solidFill>
-            </a:endParaRPr>
-          </a:p>
-          <a:p>
-            <a:pPr lvl="1"/>
-            <a:r>
-              <a:rPr lang="en-US" altLang="zh-CN" dirty="0" smtClean="0">
-                <a:solidFill>
-                  <a:schemeClr val="accent2"/>
-                </a:solidFill>
-              </a:rPr>
-              <a:t>A</a:t>
-            </a:r>
-            <a:r>
-              <a:rPr lang="en-US" altLang="zh-CN" dirty="0" smtClean="0"/>
-              <a:t>lgorithm</a:t>
-            </a:r>
-          </a:p>
-          <a:p>
-            <a:pPr lvl="1"/>
-            <a:r>
-              <a:rPr lang="en-US" altLang="zh-CN" dirty="0" smtClean="0">
-                <a:solidFill>
-                  <a:schemeClr val="accent2"/>
-                </a:solidFill>
-              </a:rPr>
-              <a:t>B</a:t>
-            </a:r>
-            <a:r>
-              <a:rPr lang="en-US" altLang="zh-CN" dirty="0" smtClean="0"/>
-              <a:t>usiness</a:t>
-            </a:r>
-          </a:p>
-          <a:p>
-            <a:pPr lvl="1"/>
-            <a:r>
-              <a:rPr lang="en-US" altLang="zh-CN" dirty="0" smtClean="0">
-                <a:solidFill>
-                  <a:schemeClr val="accent2"/>
-                </a:solidFill>
-              </a:rPr>
-              <a:t>C</a:t>
-            </a:r>
-            <a:r>
-              <a:rPr lang="en-US" altLang="zh-CN" dirty="0" smtClean="0"/>
-              <a:t>omputing</a:t>
-            </a:r>
-          </a:p>
-          <a:p>
-            <a:pPr lvl="1"/>
-            <a:r>
-              <a:rPr lang="en-US" altLang="zh-CN" dirty="0" smtClean="0">
-                <a:solidFill>
-                  <a:schemeClr val="accent2"/>
-                </a:solidFill>
-              </a:rPr>
-              <a:t>D</a:t>
-            </a:r>
-            <a:r>
-              <a:rPr lang="en-US" altLang="zh-CN" dirty="0" smtClean="0"/>
-              <a:t>ata</a:t>
-            </a:r>
-          </a:p>
-        </p:txBody>
-      </p:sp>
-    </p:spTree>
-    <p:extLst>
-      <p:ext uri="{BB962C8B-B14F-4D97-AF65-F5344CB8AC3E}">
-        <p14:creationId xmlns:p14="http://schemas.microsoft.com/office/powerpoint/2010/main" val="714536"/>
-      </p:ext>
-    </p:extLst>
-  </p:cSld>
-  <p:clrMapOvr>
-    <a:masterClrMapping/>
-  </p:clrMapOvr>
-  <p:timing>
-    <p:tnLst>
-      <p:par>
-        <p:cTn id="1" dur="indefinite" restart="never" nodeType="tmRoot"/>
-      </p:par>
-    </p:tnLst>
-  </p:timing>
-</p:sld>
-</file>
-
-<file path=ppt/slides/slide12.xml><?xml version="1.0" encoding="utf-8"?>
-<p:sld xmlns:a="http://schemas.openxmlformats.org/drawingml/2006/main" xmlns:r="http://schemas.openxmlformats.org/officeDocument/2006/relationships" xmlns:p="http://schemas.openxmlformats.org/presentationml/2006/main">
-  <p:cSld>
-    <p:spTree>
-      <p:nvGrpSpPr>
-        <p:cNvPr id="1" name=""/>
-        <p:cNvGrpSpPr/>
-        <p:nvPr/>
-      </p:nvGrpSpPr>
-      <p:grpSpPr>
-        <a:xfrm>
-          <a:off x="0" y="0"/>
-          <a:ext cx="0" cy="0"/>
-          <a:chOff x="0" y="0"/>
-          <a:chExt cx="0" cy="0"/>
-        </a:xfrm>
-      </p:grpSpPr>
-      <p:sp>
-        <p:nvSpPr>
-          <p:cNvPr id="2" name="标题 1"/>
-          <p:cNvSpPr>
-            <a:spLocks noGrp="1"/>
-          </p:cNvSpPr>
-          <p:nvPr>
-            <p:ph type="title"/>
-          </p:nvPr>
-        </p:nvSpPr>
-        <p:spPr/>
-        <p:txBody>
-          <a:bodyPr/>
-          <a:lstStyle/>
-          <a:p>
-            <a:r>
-              <a:rPr lang="zh-CN" altLang="en-US" dirty="0"/>
-              <a:t>深度学习革命</a:t>
-            </a:r>
-          </a:p>
-        </p:txBody>
-      </p:sp>
-      <p:sp>
-        <p:nvSpPr>
-          <p:cNvPr id="3" name="内容占位符 2"/>
-          <p:cNvSpPr>
-            <a:spLocks noGrp="1"/>
-          </p:cNvSpPr>
-          <p:nvPr>
-            <p:ph sz="quarter" idx="1"/>
-          </p:nvPr>
-        </p:nvSpPr>
-        <p:spPr/>
-        <p:txBody>
-          <a:bodyPr/>
-          <a:lstStyle/>
-          <a:p>
-            <a:r>
-              <a:rPr lang="en-US" altLang="zh-CN" dirty="0" smtClean="0"/>
-              <a:t>AI</a:t>
-            </a:r>
-            <a:r>
-              <a:rPr lang="zh-CN" altLang="en-US" dirty="0" smtClean="0"/>
-              <a:t>领域</a:t>
-            </a:r>
-            <a:endParaRPr lang="en-US" altLang="zh-CN" dirty="0" smtClean="0"/>
-          </a:p>
-          <a:p>
-            <a:pPr lvl="1"/>
-            <a:r>
-              <a:rPr lang="zh-CN" altLang="en-US" dirty="0" smtClean="0"/>
-              <a:t>语音识别</a:t>
-            </a:r>
-            <a:r>
-              <a:rPr lang="zh-CN" altLang="en-US" dirty="0"/>
-              <a:t>：可以使得词错误率</a:t>
-            </a:r>
-            <a:r>
-              <a:rPr lang="zh-CN" altLang="en-US" dirty="0" smtClean="0"/>
-              <a:t>从</a:t>
-            </a:r>
-            <a:r>
-              <a:rPr lang="en-US" altLang="zh-CN" dirty="0" smtClean="0"/>
-              <a:t>1/4</a:t>
-            </a:r>
-            <a:r>
-              <a:rPr lang="zh-CN" altLang="en-US" dirty="0" smtClean="0"/>
-              <a:t>下降到</a:t>
-            </a:r>
-            <a:r>
-              <a:rPr lang="en-US" altLang="zh-CN" dirty="0" smtClean="0"/>
-              <a:t>1/8</a:t>
-            </a:r>
-            <a:endParaRPr lang="en-US" altLang="zh-CN" dirty="0"/>
-          </a:p>
-          <a:p>
-            <a:pPr lvl="1"/>
-            <a:r>
-              <a:rPr lang="zh-CN" altLang="en-US" dirty="0" smtClean="0"/>
-              <a:t>计算机视觉</a:t>
-            </a:r>
-            <a:r>
-              <a:rPr lang="zh-CN" altLang="en-US" dirty="0"/>
-              <a:t>：目标识别、图像分类等</a:t>
-            </a:r>
-          </a:p>
-          <a:p>
-            <a:pPr lvl="1"/>
-            <a:r>
-              <a:rPr lang="zh-CN" altLang="en-US" dirty="0"/>
-              <a:t>自然语言处理：分布式表示、机器翻译、问题回答</a:t>
-            </a:r>
-            <a:r>
-              <a:rPr lang="zh-CN" altLang="en-US" dirty="0" smtClean="0"/>
-              <a:t>等</a:t>
-            </a:r>
-            <a:endParaRPr lang="en-US" altLang="zh-CN" dirty="0" smtClean="0"/>
-          </a:p>
-          <a:p>
-            <a:pPr lvl="1"/>
-            <a:r>
-              <a:rPr lang="zh-CN" altLang="en-US" dirty="0" smtClean="0"/>
-              <a:t>信息检索、社会化网络</a:t>
-            </a:r>
-            <a:endParaRPr lang="zh-CN" altLang="en-US" dirty="0"/>
-          </a:p>
-          <a:p>
-            <a:endParaRPr lang="en-US" altLang="zh-CN" dirty="0" smtClean="0"/>
-          </a:p>
-          <a:p>
-            <a:r>
-              <a:rPr lang="zh-CN" altLang="en-US" dirty="0"/>
-              <a:t>三</a:t>
-            </a:r>
-            <a:r>
-              <a:rPr lang="zh-CN" altLang="en-US" dirty="0" smtClean="0"/>
-              <a:t>个</a:t>
-            </a:r>
-            <a:r>
-              <a:rPr lang="en-US" altLang="zh-CN" dirty="0" smtClean="0"/>
-              <a:t>Deep</a:t>
-            </a:r>
-            <a:r>
-              <a:rPr lang="zh-CN" altLang="en-US" dirty="0" smtClean="0"/>
-              <a:t>：</a:t>
-            </a:r>
-            <a:endParaRPr lang="en-US" altLang="zh-CN" dirty="0" smtClean="0"/>
-          </a:p>
-          <a:p>
-            <a:pPr lvl="1"/>
-            <a:r>
-              <a:rPr lang="en-US" altLang="zh-CN" dirty="0" smtClean="0"/>
-              <a:t>Deep </a:t>
-            </a:r>
-            <a:r>
-              <a:rPr lang="en-US" altLang="zh-CN" dirty="0"/>
-              <a:t>Blue</a:t>
-            </a:r>
-          </a:p>
-          <a:p>
-            <a:pPr lvl="1"/>
-            <a:r>
-              <a:rPr lang="en-US" altLang="zh-CN" dirty="0"/>
-              <a:t>Deep QA</a:t>
-            </a:r>
-          </a:p>
-          <a:p>
-            <a:pPr lvl="1"/>
-            <a:r>
-              <a:rPr lang="en-US" altLang="zh-CN" dirty="0"/>
-              <a:t>Deep Learning</a:t>
-            </a:r>
-            <a:endParaRPr lang="zh-CN" altLang="en-US" dirty="0"/>
-          </a:p>
-        </p:txBody>
-      </p:sp>
-    </p:spTree>
-    <p:extLst>
-      <p:ext uri="{BB962C8B-B14F-4D97-AF65-F5344CB8AC3E}">
-        <p14:creationId xmlns:p14="http://schemas.microsoft.com/office/powerpoint/2010/main" val="1880743948"/>
-      </p:ext>
-    </p:extLst>
-  </p:cSld>
-  <p:clrMapOvr>
-    <a:masterClrMapping/>
-  </p:clrMapOvr>
-  <p:timing>
-    <p:tnLst>
-      <p:par>
-        <p:cTn id="1" dur="indefinite" restart="never" nodeType="tmRoot"/>
-      </p:par>
-    </p:tnLst>
-  </p:timing>
-</p:sld>
-</file>
-
-<file path=ppt/slides/slide13.xml><?xml version="1.0" encoding="utf-8"?>
-<p:sld xmlns:a="http://schemas.openxmlformats.org/drawingml/2006/main" xmlns:r="http://schemas.openxmlformats.org/officeDocument/2006/relationships" xmlns:p="http://schemas.openxmlformats.org/presentationml/2006/main">
-  <p:cSld>
-    <p:spTree>
-      <p:nvGrpSpPr>
-        <p:cNvPr id="1" name=""/>
-        <p:cNvGrpSpPr/>
-        <p:nvPr/>
-      </p:nvGrpSpPr>
-      <p:grpSpPr>
-        <a:xfrm>
-          <a:off x="0" y="0"/>
-          <a:ext cx="0" cy="0"/>
-          <a:chOff x="0" y="0"/>
-          <a:chExt cx="0" cy="0"/>
-        </a:xfrm>
-      </p:grpSpPr>
-      <p:sp>
-        <p:nvSpPr>
-          <p:cNvPr id="2" name="标题 1"/>
-          <p:cNvSpPr>
-            <a:spLocks noGrp="1"/>
-          </p:cNvSpPr>
-          <p:nvPr>
-            <p:ph type="title"/>
-          </p:nvPr>
-        </p:nvSpPr>
-        <p:spPr/>
-        <p:txBody>
-          <a:bodyPr/>
-          <a:lstStyle/>
-          <a:p>
-            <a:r>
-              <a:rPr lang="zh-CN" altLang="en-US" dirty="0" smtClean="0"/>
-              <a:t>学术机构</a:t>
-            </a:r>
-            <a:endParaRPr lang="zh-CN" altLang="en-US" dirty="0"/>
-          </a:p>
-        </p:txBody>
-      </p:sp>
-      <p:sp>
-        <p:nvSpPr>
-          <p:cNvPr id="3" name="内容占位符 2"/>
-          <p:cNvSpPr>
-            <a:spLocks noGrp="1"/>
-          </p:cNvSpPr>
-          <p:nvPr>
-            <p:ph sz="quarter" idx="1"/>
-          </p:nvPr>
-        </p:nvSpPr>
-        <p:spPr>
-          <a:xfrm>
-            <a:off x="457200" y="1219200"/>
-            <a:ext cx="4495800" cy="4937760"/>
-          </a:xfrm>
-        </p:spPr>
-        <p:txBody>
-          <a:bodyPr/>
-          <a:lstStyle/>
-          <a:p>
-            <a:r>
-              <a:rPr lang="en-US" altLang="zh-CN" sz="2400" dirty="0"/>
-              <a:t>Toronto </a:t>
-            </a:r>
-            <a:r>
-              <a:rPr lang="zh-CN" altLang="en-US" sz="2400" dirty="0" smtClean="0"/>
-              <a:t>大学</a:t>
-            </a:r>
-            <a:endParaRPr lang="en-US" altLang="zh-CN" sz="2400" dirty="0" smtClean="0"/>
-          </a:p>
-          <a:p>
-            <a:pPr lvl="1"/>
-            <a:r>
-              <a:rPr lang="zh-CN" altLang="en-US" sz="2000" dirty="0" smtClean="0"/>
-              <a:t> </a:t>
-            </a:r>
-            <a:r>
-              <a:rPr lang="en-US" altLang="zh-CN" sz="2000" dirty="0"/>
-              <a:t>Hinton 75 </a:t>
-            </a:r>
-            <a:r>
-              <a:rPr lang="zh-CN" altLang="en-US" sz="2000" dirty="0"/>
-              <a:t>年 </a:t>
-            </a:r>
-            <a:r>
-              <a:rPr lang="en-US" altLang="zh-CN" sz="2000" dirty="0"/>
-              <a:t>Edinburgh </a:t>
-            </a:r>
-            <a:r>
-              <a:rPr lang="zh-CN" altLang="en-US" sz="2000" dirty="0"/>
-              <a:t>大学博士</a:t>
-            </a:r>
-          </a:p>
-          <a:p>
-            <a:r>
-              <a:rPr lang="en-US" altLang="zh-CN" sz="2400" dirty="0"/>
-              <a:t>NYU </a:t>
-            </a:r>
-            <a:endParaRPr lang="en-US" altLang="zh-CN" sz="2400" dirty="0" smtClean="0"/>
-          </a:p>
-          <a:p>
-            <a:pPr lvl="1"/>
-            <a:r>
-              <a:rPr lang="en-US" altLang="zh-CN" sz="2000" dirty="0" err="1" smtClean="0"/>
-              <a:t>Lecun</a:t>
-            </a:r>
-            <a:r>
-              <a:rPr lang="en-US" altLang="zh-CN" sz="2000" dirty="0" smtClean="0"/>
-              <a:t> </a:t>
-            </a:r>
-            <a:r>
-              <a:rPr lang="en-US" altLang="zh-CN" sz="2000" dirty="0"/>
-              <a:t>(Now Facebook) 87 </a:t>
-            </a:r>
-            <a:r>
-              <a:rPr lang="zh-CN" altLang="en-US" sz="2000" dirty="0"/>
-              <a:t>年 </a:t>
-            </a:r>
-            <a:r>
-              <a:rPr lang="en-US" altLang="zh-CN" sz="2000" dirty="0"/>
-              <a:t>Hinton </a:t>
-            </a:r>
-            <a:r>
-              <a:rPr lang="zh-CN" altLang="en-US" sz="2000" dirty="0"/>
-              <a:t>博士后</a:t>
-            </a:r>
-          </a:p>
-          <a:p>
-            <a:r>
-              <a:rPr lang="en-US" altLang="zh-CN" sz="2400" dirty="0" smtClean="0"/>
-              <a:t>Montreal</a:t>
-            </a:r>
-            <a:r>
-              <a:rPr lang="zh-CN" altLang="en-US" sz="2400" dirty="0" smtClean="0"/>
-              <a:t>大学</a:t>
-            </a:r>
-            <a:endParaRPr lang="en-US" altLang="zh-CN" sz="2400" dirty="0" smtClean="0"/>
-          </a:p>
-          <a:p>
-            <a:pPr lvl="1"/>
-            <a:r>
-              <a:rPr lang="zh-CN" altLang="en-US" sz="2000" dirty="0" smtClean="0"/>
-              <a:t> </a:t>
-            </a:r>
-            <a:r>
-              <a:rPr lang="en-US" altLang="zh-CN" sz="2000" dirty="0" err="1"/>
-              <a:t>Bengio</a:t>
-            </a:r>
-            <a:r>
-              <a:rPr lang="en-US" altLang="zh-CN" sz="2000" dirty="0"/>
-              <a:t> 91 </a:t>
-            </a:r>
-            <a:r>
-              <a:rPr lang="zh-CN" altLang="en-US" sz="2000" dirty="0"/>
-              <a:t>年 </a:t>
-            </a:r>
-            <a:r>
-              <a:rPr lang="en-US" altLang="zh-CN" sz="2000" dirty="0"/>
-              <a:t>M. Jordan </a:t>
-            </a:r>
-            <a:r>
-              <a:rPr lang="zh-CN" altLang="en-US" sz="2000" dirty="0"/>
-              <a:t>博士后</a:t>
-            </a:r>
-          </a:p>
-          <a:p>
-            <a:r>
-              <a:rPr lang="en-US" altLang="zh-CN" sz="2400" dirty="0" smtClean="0"/>
-              <a:t>Stanford</a:t>
-            </a:r>
-            <a:r>
-              <a:rPr lang="zh-CN" altLang="en-US" sz="2400" dirty="0" smtClean="0"/>
-              <a:t>大学</a:t>
-            </a:r>
-            <a:endParaRPr lang="en-US" altLang="zh-CN" sz="2400" dirty="0" smtClean="0"/>
-          </a:p>
-          <a:p>
-            <a:pPr lvl="1"/>
-            <a:r>
-              <a:rPr lang="zh-CN" altLang="en-US" sz="2000" dirty="0" smtClean="0"/>
-              <a:t> </a:t>
-            </a:r>
-            <a:r>
-              <a:rPr lang="en-US" altLang="zh-CN" sz="2000" dirty="0"/>
-              <a:t>Ng (Now Baidu) 03 </a:t>
-            </a:r>
-            <a:r>
-              <a:rPr lang="zh-CN" altLang="en-US" sz="2000" dirty="0"/>
-              <a:t>年 </a:t>
-            </a:r>
-            <a:r>
-              <a:rPr lang="en-US" altLang="zh-CN" sz="2000" dirty="0"/>
-              <a:t>UC Berkeley </a:t>
-            </a:r>
-            <a:r>
-              <a:rPr lang="zh-CN" altLang="en-US" sz="2000" dirty="0"/>
-              <a:t>大学 </a:t>
-            </a:r>
-            <a:r>
-              <a:rPr lang="en-US" altLang="zh-CN" sz="2000" dirty="0"/>
-              <a:t>M. </a:t>
-            </a:r>
-            <a:r>
-              <a:rPr lang="en-US" altLang="zh-CN" sz="2000" dirty="0" smtClean="0"/>
-              <a:t>Jordan </a:t>
-            </a:r>
-            <a:r>
-              <a:rPr lang="zh-CN" altLang="en-US" sz="2000" dirty="0" smtClean="0"/>
-              <a:t>博士</a:t>
-            </a:r>
-            <a:endParaRPr lang="zh-CN" altLang="en-US" sz="2000" dirty="0"/>
-          </a:p>
-          <a:p>
-            <a:r>
-              <a:rPr lang="en-US" altLang="zh-CN" sz="2400" dirty="0"/>
-              <a:t>IDSIA </a:t>
-            </a:r>
-            <a:endParaRPr lang="en-US" altLang="zh-CN" sz="2400" dirty="0" smtClean="0"/>
-          </a:p>
-          <a:p>
-            <a:pPr lvl="1"/>
-            <a:r>
-              <a:rPr lang="en-US" altLang="zh-CN" sz="2000" dirty="0" smtClean="0"/>
-              <a:t>Jürgen </a:t>
-            </a:r>
-            <a:r>
-              <a:rPr lang="en-US" altLang="zh-CN" sz="2000" dirty="0" err="1"/>
-              <a:t>Schmidhuber</a:t>
-            </a:r>
-            <a:endParaRPr lang="zh-CN" altLang="en-US" sz="2000" dirty="0"/>
-          </a:p>
-        </p:txBody>
-      </p:sp>
-      <p:pic>
-        <p:nvPicPr>
-          <p:cNvPr id="4" name="图片 3"/>
-          <p:cNvPicPr>
-            <a:picLocks noChangeAspect="1"/>
-          </p:cNvPicPr>
-          <p:nvPr/>
-        </p:nvPicPr>
-        <p:blipFill>
-          <a:blip r:embed="rId2">
-            <a:extLst>
-              <a:ext uri="{28A0092B-C50C-407E-A947-70E740481C1C}">
-                <a14:useLocalDpi xmlns:a14="http://schemas.microsoft.com/office/drawing/2010/main"/>
-              </a:ext>
-            </a:extLst>
-          </a:blip>
-          <a:stretch>
-            <a:fillRect/>
-          </a:stretch>
-        </p:blipFill>
-        <p:spPr>
-          <a:xfrm>
-            <a:off x="4953000" y="1752600"/>
-            <a:ext cx="4038600" cy="3945162"/>
-          </a:xfrm>
-          <a:prstGeom prst="rect">
-            <a:avLst/>
-          </a:prstGeom>
-        </p:spPr>
-      </p:pic>
-    </p:spTree>
-    <p:extLst>
-      <p:ext uri="{BB962C8B-B14F-4D97-AF65-F5344CB8AC3E}">
-        <p14:creationId xmlns:p14="http://schemas.microsoft.com/office/powerpoint/2010/main" val="2907759357"/>
-      </p:ext>
-    </p:extLst>
-  </p:cSld>
-  <p:clrMapOvr>
-    <a:masterClrMapping/>
-  </p:clrMapOvr>
-  <p:timing>
-    <p:tnLst>
-      <p:par>
-        <p:cTn id="1" dur="indefinite" restart="never" nodeType="tmRoot"/>
-      </p:par>
-    </p:tnLst>
-  </p:timing>
-</p:sld>
-</file>
-
-<file path=ppt/slides/slide14.xml><?xml version="1.0" encoding="utf-8"?>
-<p:sld xmlns:a="http://schemas.openxmlformats.org/drawingml/2006/main" xmlns:r="http://schemas.openxmlformats.org/officeDocument/2006/relationships" xmlns:p="http://schemas.openxmlformats.org/presentationml/2006/main">
-  <p:cSld>
-    <p:spTree>
-      <p:nvGrpSpPr>
-        <p:cNvPr id="1" name=""/>
-        <p:cNvGrpSpPr/>
-        <p:nvPr/>
-      </p:nvGrpSpPr>
-      <p:grpSpPr>
-        <a:xfrm>
-          <a:off x="0" y="0"/>
-          <a:ext cx="0" cy="0"/>
-          <a:chOff x="0" y="0"/>
-          <a:chExt cx="0" cy="0"/>
-        </a:xfrm>
-      </p:grpSpPr>
-      <p:sp>
-        <p:nvSpPr>
-          <p:cNvPr id="2" name="标题 1"/>
-          <p:cNvSpPr>
-            <a:spLocks noGrp="1"/>
-          </p:cNvSpPr>
-          <p:nvPr>
-            <p:ph type="ctrTitle"/>
-          </p:nvPr>
-        </p:nvSpPr>
-        <p:spPr/>
-        <p:txBody>
-          <a:bodyPr/>
-          <a:lstStyle/>
-          <a:p>
-            <a:r>
-              <a:rPr lang="zh-CN" altLang="en-US" dirty="0" smtClean="0"/>
-              <a:t>前馈神经网络</a:t>
-            </a:r>
-            <a:endParaRPr lang="zh-CN" altLang="en-US" dirty="0"/>
-          </a:p>
-        </p:txBody>
-      </p:sp>
-    </p:spTree>
-    <p:extLst>
-      <p:ext uri="{BB962C8B-B14F-4D97-AF65-F5344CB8AC3E}">
-        <p14:creationId xmlns:p14="http://schemas.microsoft.com/office/powerpoint/2010/main" val="1837691702"/>
-      </p:ext>
-    </p:extLst>
-  </p:cSld>
-  <p:clrMapOvr>
-    <a:masterClrMapping/>
-  </p:clrMapOvr>
-  <p:timing>
-    <p:tnLst>
-      <p:par>
-        <p:cTn id="1" dur="indefinite" restart="never" nodeType="tmRoot"/>
-      </p:par>
-    </p:tnLst>
-  </p:timing>
-</p:sld>
-</file>
-
-<file path=ppt/slides/slide15.xml><?xml version="1.0" encoding="utf-8"?>
 <p:sld xmlns:a="http://schemas.openxmlformats.org/drawingml/2006/main" xmlns:r="http://schemas.openxmlformats.org/officeDocument/2006/relationships" xmlns:p="http://schemas.openxmlformats.org/presentationml/2006/main">
   <p:cSld>
     <p:spTree>
@@ -9336,7 +7941,7 @@
 </p:sld>
 </file>
 
-<file path=ppt/slides/slide16.xml><?xml version="1.0" encoding="utf-8"?>
+<file path=ppt/slides/slide11.xml><?xml version="1.0" encoding="utf-8"?>
 <p:sld xmlns:a="http://schemas.openxmlformats.org/drawingml/2006/main" xmlns:r="http://schemas.openxmlformats.org/officeDocument/2006/relationships" xmlns:p="http://schemas.openxmlformats.org/presentationml/2006/main">
   <p:cSld>
     <p:spTree>
@@ -9485,7 +8090,7 @@
 </p:sld>
 </file>
 
-<file path=ppt/slides/slide17.xml><?xml version="1.0" encoding="utf-8"?>
+<file path=ppt/slides/slide12.xml><?xml version="1.0" encoding="utf-8"?>
 <p:sld xmlns:a="http://schemas.openxmlformats.org/drawingml/2006/main" xmlns:r="http://schemas.openxmlformats.org/officeDocument/2006/relationships" xmlns:p="http://schemas.openxmlformats.org/presentationml/2006/main">
   <p:cSld>
     <p:spTree>
@@ -9573,7 +8178,7 @@
 </p:sld>
 </file>
 
-<file path=ppt/slides/slide18.xml><?xml version="1.0" encoding="utf-8"?>
+<file path=ppt/slides/slide13.xml><?xml version="1.0" encoding="utf-8"?>
 <p:sld xmlns:a="http://schemas.openxmlformats.org/drawingml/2006/main" xmlns:r="http://schemas.openxmlformats.org/officeDocument/2006/relationships" xmlns:p="http://schemas.openxmlformats.org/presentationml/2006/main">
   <p:cSld>
     <p:spTree>
@@ -9687,7 +8292,7 @@
 </p:sld>
 </file>
 
-<file path=ppt/slides/slide19.xml><?xml version="1.0" encoding="utf-8"?>
+<file path=ppt/slides/slide14.xml><?xml version="1.0" encoding="utf-8"?>
 <p:sld xmlns:a="http://schemas.openxmlformats.org/drawingml/2006/main" xmlns:r="http://schemas.openxmlformats.org/officeDocument/2006/relationships" xmlns:p="http://schemas.openxmlformats.org/presentationml/2006/main">
   <p:cSld>
     <p:spTree>
@@ -9799,189 +8404,7 @@
 </p:sld>
 </file>
 
-<file path=ppt/slides/slide2.xml><?xml version="1.0" encoding="utf-8"?>
-<p:sld xmlns:a="http://schemas.openxmlformats.org/drawingml/2006/main" xmlns:r="http://schemas.openxmlformats.org/officeDocument/2006/relationships" xmlns:p="http://schemas.openxmlformats.org/presentationml/2006/main">
-  <p:cSld>
-    <p:spTree>
-      <p:nvGrpSpPr>
-        <p:cNvPr id="1" name=""/>
-        <p:cNvGrpSpPr/>
-        <p:nvPr/>
-      </p:nvGrpSpPr>
-      <p:grpSpPr>
-        <a:xfrm>
-          <a:off x="0" y="0"/>
-          <a:ext cx="0" cy="0"/>
-          <a:chOff x="0" y="0"/>
-          <a:chExt cx="0" cy="0"/>
-        </a:xfrm>
-      </p:grpSpPr>
-      <p:sp>
-        <p:nvSpPr>
-          <p:cNvPr id="2" name="标题 1"/>
-          <p:cNvSpPr>
-            <a:spLocks noGrp="1"/>
-          </p:cNvSpPr>
-          <p:nvPr>
-            <p:ph type="title"/>
-          </p:nvPr>
-        </p:nvSpPr>
-        <p:spPr/>
-        <p:txBody>
-          <a:bodyPr/>
-          <a:lstStyle/>
-          <a:p>
-            <a:r>
-              <a:rPr lang="zh-CN" altLang="en-US" dirty="0" smtClean="0"/>
-              <a:t>生物神经元</a:t>
-            </a:r>
-            <a:endParaRPr lang="zh-CN" altLang="en-US" dirty="0"/>
-          </a:p>
-        </p:txBody>
-      </p:sp>
-      <p:pic>
-        <p:nvPicPr>
-          <p:cNvPr id="4" name="内容占位符 3"/>
-          <p:cNvPicPr>
-            <a:picLocks noGrp="1" noChangeAspect="1"/>
-          </p:cNvPicPr>
-          <p:nvPr>
-            <p:ph sz="quarter" idx="1"/>
-          </p:nvPr>
-        </p:nvPicPr>
-        <p:blipFill>
-          <a:blip r:embed="rId3">
-            <a:extLst>
-              <a:ext uri="{28A0092B-C50C-407E-A947-70E740481C1C}">
-                <a14:useLocalDpi xmlns:a14="http://schemas.microsoft.com/office/drawing/2010/main"/>
-              </a:ext>
-            </a:extLst>
-          </a:blip>
-          <a:stretch>
-            <a:fillRect/>
-          </a:stretch>
-        </p:blipFill>
-        <p:spPr>
-          <a:xfrm>
-            <a:off x="741988" y="1219200"/>
-            <a:ext cx="7660024" cy="4937125"/>
-          </a:xfrm>
-        </p:spPr>
-      </p:pic>
-      <p:sp>
-        <p:nvSpPr>
-          <p:cNvPr id="5" name="矩形 4"/>
-          <p:cNvSpPr/>
-          <p:nvPr/>
-        </p:nvSpPr>
-        <p:spPr>
-          <a:xfrm>
-            <a:off x="4572000" y="4495800"/>
-            <a:ext cx="4114800" cy="954107"/>
-          </a:xfrm>
-          <a:prstGeom prst="rect">
-            <a:avLst/>
-          </a:prstGeom>
-        </p:spPr>
-        <p:txBody>
-          <a:bodyPr wrap="square">
-            <a:spAutoFit/>
-          </a:bodyPr>
-          <a:lstStyle/>
-          <a:p>
-            <a:r>
-              <a:rPr lang="zh-CN" altLang="en-US" sz="2800" dirty="0"/>
-              <a:t>单个</a:t>
-            </a:r>
-            <a:r>
-              <a:rPr lang="zh-CN" altLang="en-US" sz="2800" dirty="0" smtClean="0"/>
-              <a:t>神经细胞只有</a:t>
-            </a:r>
-            <a:r>
-              <a:rPr lang="zh-CN" altLang="en-US" sz="2800" dirty="0"/>
-              <a:t>两种</a:t>
-            </a:r>
-            <a:r>
-              <a:rPr lang="zh-CN" altLang="en-US" sz="2800" dirty="0" smtClean="0"/>
-              <a:t>状态：兴奋</a:t>
-            </a:r>
-            <a:r>
-              <a:rPr lang="zh-CN" altLang="en-US" sz="2800" dirty="0"/>
-              <a:t>和抑制</a:t>
-            </a:r>
-          </a:p>
-        </p:txBody>
-      </p:sp>
-      <p:sp>
-        <p:nvSpPr>
-          <p:cNvPr id="8" name="矩形 7"/>
-          <p:cNvSpPr/>
-          <p:nvPr/>
-        </p:nvSpPr>
-        <p:spPr>
-          <a:xfrm>
-            <a:off x="6248400" y="512782"/>
-            <a:ext cx="2595582" cy="369332"/>
-          </a:xfrm>
-          <a:prstGeom prst="rect">
-            <a:avLst/>
-          </a:prstGeom>
-        </p:spPr>
-        <p:txBody>
-          <a:bodyPr wrap="none">
-            <a:spAutoFit/>
-          </a:bodyPr>
-          <a:lstStyle/>
-          <a:p>
-            <a:r>
-              <a:rPr lang="en-US" altLang="zh-CN" dirty="0" smtClean="0">
-                <a:hlinkClick r:id="rId4" action="ppaction://hlinkfile"/>
-              </a:rPr>
-              <a:t>video:</a:t>
-            </a:r>
-            <a:r>
-              <a:rPr lang="zh-CN" altLang="en-US" dirty="0">
-                <a:hlinkClick r:id="rId4" action="ppaction://hlinkfile"/>
-              </a:rPr>
-              <a:t> </a:t>
-            </a:r>
-            <a:r>
-              <a:rPr lang="zh-CN" altLang="en-US" dirty="0" smtClean="0">
-                <a:hlinkClick r:id="rId4" action="ppaction://hlinkfile"/>
-              </a:rPr>
-              <a:t>structure </a:t>
-            </a:r>
-            <a:r>
-              <a:rPr lang="zh-CN" altLang="en-US" dirty="0">
-                <a:hlinkClick r:id="rId4" action="ppaction://hlinkfile"/>
-              </a:rPr>
-              <a:t>of brain</a:t>
-            </a:r>
-            <a:endParaRPr lang="zh-CN" altLang="en-US" dirty="0"/>
-          </a:p>
-        </p:txBody>
-      </p:sp>
-    </p:spTree>
-    <p:extLst>
-      <p:ext uri="{BB962C8B-B14F-4D97-AF65-F5344CB8AC3E}">
-        <p14:creationId xmlns:p14="http://schemas.microsoft.com/office/powerpoint/2010/main" val="3354367713"/>
-      </p:ext>
-    </p:extLst>
-  </p:cSld>
-  <p:clrMapOvr>
-    <a:masterClrMapping/>
-  </p:clrMapOvr>
-  <p:timing>
-    <p:tnLst>
-      <p:par>
-        <p:cTn id="1" dur="indefinite" restart="never" nodeType="tmRoot"/>
-      </p:par>
-    </p:tnLst>
-  </p:timing>
-</p:sld>
-</file>
-
-<file path=ppt/slides/slide20.xml><?xml version="1.0" encoding="utf-8"?>
+<file path=ppt/slides/slide15.xml><?xml version="1.0" encoding="utf-8"?>
 <p:sld xmlns:a="http://schemas.openxmlformats.org/drawingml/2006/main" xmlns:r="http://schemas.openxmlformats.org/officeDocument/2006/relationships" xmlns:p="http://schemas.openxmlformats.org/presentationml/2006/main">
   <p:cSld>
     <p:spTree>
@@ -10177,7 +8600,7 @@
 </p:sld>
 </file>
 
-<file path=ppt/slides/slide21.xml><?xml version="1.0" encoding="utf-8"?>
+<file path=ppt/slides/slide16.xml><?xml version="1.0" encoding="utf-8"?>
 <p:sld xmlns:a="http://schemas.openxmlformats.org/drawingml/2006/main" xmlns:r="http://schemas.openxmlformats.org/officeDocument/2006/relationships" xmlns:p="http://schemas.openxmlformats.org/presentationml/2006/main">
   <p:cSld>
     <p:spTree>
@@ -14909,7 +13332,141 @@
 </p:sld>
 </file>
 
-<file path=ppt/slides/slide22.xml><?xml version="1.0" encoding="utf-8"?>
+<file path=ppt/slides/slide17.xml><?xml version="1.0" encoding="utf-8"?>
+<p:sld xmlns:a="http://schemas.openxmlformats.org/drawingml/2006/main" xmlns:r="http://schemas.openxmlformats.org/officeDocument/2006/relationships" xmlns:p="http://schemas.openxmlformats.org/presentationml/2006/main">
+  <p:cSld>
+    <p:spTree>
+      <p:nvGrpSpPr>
+        <p:cNvPr id="1" name=""/>
+        <p:cNvGrpSpPr/>
+        <p:nvPr/>
+      </p:nvGrpSpPr>
+      <p:grpSpPr>
+        <a:xfrm>
+          <a:off x="0" y="0"/>
+          <a:ext cx="0" cy="0"/>
+          <a:chOff x="0" y="0"/>
+          <a:chExt cx="0" cy="0"/>
+        </a:xfrm>
+      </p:grpSpPr>
+      <p:sp>
+        <p:nvSpPr>
+          <p:cNvPr id="2" name="标题 1"/>
+          <p:cNvSpPr>
+            <a:spLocks noGrp="1"/>
+          </p:cNvSpPr>
+          <p:nvPr>
+            <p:ph type="title"/>
+          </p:nvPr>
+        </p:nvSpPr>
+        <p:spPr/>
+        <p:txBody>
+          <a:bodyPr/>
+          <a:lstStyle/>
+          <a:p>
+            <a:r>
+              <a:rPr lang="zh-CN" altLang="en-US" dirty="0"/>
+              <a:t>通用近似定理</a:t>
+            </a:r>
+          </a:p>
+        </p:txBody>
+      </p:sp>
+      <p:pic>
+        <p:nvPicPr>
+          <p:cNvPr id="8" name="内容占位符 5" descr="屏幕剪辑"/>
+          <p:cNvPicPr>
+            <a:picLocks noChangeAspect="1"/>
+          </p:cNvPicPr>
+          <p:nvPr/>
+        </p:nvPicPr>
+        <p:blipFill>
+          <a:blip r:embed="rId3">
+            <a:extLst>
+              <a:ext uri="{28A0092B-C50C-407E-A947-70E740481C1C}">
+                <a14:useLocalDpi xmlns:a14="http://schemas.microsoft.com/office/drawing/2010/main" val="0"/>
+              </a:ext>
+            </a:extLst>
+          </a:blip>
+          <a:stretch>
+            <a:fillRect/>
+          </a:stretch>
+        </p:blipFill>
+        <p:spPr bwMode="auto">
+          <a:xfrm>
+            <a:off x="1940309" y="1143000"/>
+            <a:ext cx="5263381" cy="3837315"/>
+          </a:xfrm>
+          <a:prstGeom prst="rect">
+            <a:avLst/>
+          </a:prstGeom>
+          <a:noFill/>
+          <a:ln>
+            <a:noFill/>
+          </a:ln>
+          <a:extLst>
+            <a:ext uri="{909E8E84-426E-40dd-AFC4-6F175D3DCCD1}">
+              <a14:hiddenFill xmlns:a14="http://schemas.microsoft.com/office/drawing/2010/main" xmlns="">
+                <a:solidFill>
+                  <a:srgbClr val="FFFFFF"/>
+                </a:solidFill>
+              </a14:hiddenFill>
+            </a:ext>
+            <a:ext uri="{91240B29-F687-4f45-9708-019B960494DF}">
+              <a14:hiddenLine xmlns:a14="http://schemas.microsoft.com/office/drawing/2010/main" xmlns="" w="9525">
+                <a:solidFill>
+                  <a:srgbClr val="000000"/>
+                </a:solidFill>
+                <a:miter lim="800000"/>
+                <a:headEnd/>
+                <a:tailEnd/>
+              </a14:hiddenLine>
+            </a:ext>
+          </a:extLst>
+        </p:spPr>
+      </p:pic>
+      <p:sp>
+        <p:nvSpPr>
+          <p:cNvPr id="9" name="矩形 8"/>
+          <p:cNvSpPr/>
+          <p:nvPr/>
+        </p:nvSpPr>
+        <p:spPr>
+          <a:xfrm>
+            <a:off x="1143000" y="5012972"/>
+            <a:ext cx="7239000" cy="1200329"/>
+          </a:xfrm>
+          <a:prstGeom prst="rect">
+            <a:avLst/>
+          </a:prstGeom>
+        </p:spPr>
+        <p:txBody>
+          <a:bodyPr wrap="square">
+            <a:spAutoFit/>
+          </a:bodyPr>
+          <a:lstStyle/>
+          <a:p>
+            <a:r>
+              <a:rPr lang="zh-CN" altLang="en-US" dirty="0"/>
+              <a:t>根据通用近似定理，对于具有线性输出层和至少一个使用“挤压”性质的激活函数的隐藏层组成的前馈神经网络，只要其隐藏层神经元的数量足够，它可以以任意的精度来近似任何从一个定义在实数空间中的有界闭集函数。</a:t>
+            </a:r>
+            <a:endParaRPr lang="zh-CN" altLang="en-US" dirty="0"/>
+          </a:p>
+        </p:txBody>
+      </p:sp>
+    </p:spTree>
+    <p:extLst>
+      <p:ext uri="{BB962C8B-B14F-4D97-AF65-F5344CB8AC3E}">
+        <p14:creationId xmlns:p14="http://schemas.microsoft.com/office/powerpoint/2010/main" val="4043031189"/>
+      </p:ext>
+    </p:extLst>
+  </p:cSld>
+  <p:clrMapOvr>
+    <a:masterClrMapping/>
+  </p:clrMapOvr>
+</p:sld>
+</file>
+
+<file path=ppt/slides/slide18.xml><?xml version="1.0" encoding="utf-8"?>
 <p:sld xmlns:a="http://schemas.openxmlformats.org/drawingml/2006/main" xmlns:r="http://schemas.openxmlformats.org/officeDocument/2006/relationships" xmlns:p="http://schemas.openxmlformats.org/presentationml/2006/main">
   <p:cSld>
     <p:spTree>
@@ -15110,7 +13667,279 @@
 </p:sld>
 </file>
 
-<file path=ppt/slides/slide23.xml><?xml version="1.0" encoding="utf-8"?>
+<file path=ppt/slides/slide19.xml><?xml version="1.0" encoding="utf-8"?>
+<p:sld xmlns:a="http://schemas.openxmlformats.org/drawingml/2006/main" xmlns:r="http://schemas.openxmlformats.org/officeDocument/2006/relationships" xmlns:p="http://schemas.openxmlformats.org/presentationml/2006/main">
+  <p:cSld>
+    <p:spTree>
+      <p:nvGrpSpPr>
+        <p:cNvPr id="1" name=""/>
+        <p:cNvGrpSpPr/>
+        <p:nvPr/>
+      </p:nvGrpSpPr>
+      <p:grpSpPr>
+        <a:xfrm>
+          <a:off x="0" y="0"/>
+          <a:ext cx="0" cy="0"/>
+          <a:chOff x="0" y="0"/>
+          <a:chExt cx="0" cy="0"/>
+        </a:xfrm>
+      </p:grpSpPr>
+      <p:sp>
+        <p:nvSpPr>
+          <p:cNvPr id="2" name="标题 1"/>
+          <p:cNvSpPr>
+            <a:spLocks noGrp="1"/>
+          </p:cNvSpPr>
+          <p:nvPr>
+            <p:ph type="title"/>
+          </p:nvPr>
+        </p:nvSpPr>
+        <p:spPr/>
+        <p:txBody>
+          <a:bodyPr/>
+          <a:lstStyle/>
+          <a:p>
+            <a:r>
+              <a:rPr lang="zh-CN" altLang="en-US" dirty="0" smtClean="0"/>
+              <a:t>深层神经网络</a:t>
+            </a:r>
+            <a:endParaRPr lang="zh-CN" altLang="en-US" dirty="0"/>
+          </a:p>
+        </p:txBody>
+      </p:sp>
+      <p:pic>
+        <p:nvPicPr>
+          <p:cNvPr id="3" name="图片 2"/>
+          <p:cNvPicPr>
+            <a:picLocks noChangeAspect="1"/>
+          </p:cNvPicPr>
+          <p:nvPr/>
+        </p:nvPicPr>
+        <p:blipFill>
+          <a:blip r:embed="rId2">
+            <a:extLst>
+              <a:ext uri="{28A0092B-C50C-407E-A947-70E740481C1C}">
+                <a14:useLocalDpi xmlns:a14="http://schemas.microsoft.com/office/drawing/2010/main" val="0"/>
+              </a:ext>
+            </a:extLst>
+          </a:blip>
+          <a:stretch>
+            <a:fillRect/>
+          </a:stretch>
+        </p:blipFill>
+        <p:spPr>
+          <a:xfrm>
+            <a:off x="1371600" y="1295400"/>
+            <a:ext cx="6153647" cy="4944308"/>
+          </a:xfrm>
+          <a:prstGeom prst="rect">
+            <a:avLst/>
+          </a:prstGeom>
+        </p:spPr>
+      </p:pic>
+    </p:spTree>
+    <p:extLst>
+      <p:ext uri="{BB962C8B-B14F-4D97-AF65-F5344CB8AC3E}">
+        <p14:creationId xmlns:p14="http://schemas.microsoft.com/office/powerpoint/2010/main" val="682720644"/>
+      </p:ext>
+    </p:extLst>
+  </p:cSld>
+  <p:clrMapOvr>
+    <a:masterClrMapping/>
+  </p:clrMapOvr>
+  <p:timing>
+    <p:tnLst>
+      <p:par>
+        <p:cTn id="1" dur="indefinite" restart="never" nodeType="tmRoot"/>
+      </p:par>
+    </p:tnLst>
+  </p:timing>
+</p:sld>
+</file>
+
+<file path=ppt/slides/slide2.xml><?xml version="1.0" encoding="utf-8"?>
+<p:sld xmlns:a="http://schemas.openxmlformats.org/drawingml/2006/main" xmlns:r="http://schemas.openxmlformats.org/officeDocument/2006/relationships" xmlns:p="http://schemas.openxmlformats.org/presentationml/2006/main">
+  <p:cSld>
+    <p:spTree>
+      <p:nvGrpSpPr>
+        <p:cNvPr id="1" name=""/>
+        <p:cNvGrpSpPr/>
+        <p:nvPr/>
+      </p:nvGrpSpPr>
+      <p:grpSpPr>
+        <a:xfrm>
+          <a:off x="0" y="0"/>
+          <a:ext cx="0" cy="0"/>
+          <a:chOff x="0" y="0"/>
+          <a:chExt cx="0" cy="0"/>
+        </a:xfrm>
+      </p:grpSpPr>
+      <p:sp>
+        <p:nvSpPr>
+          <p:cNvPr id="2" name="标题 1"/>
+          <p:cNvSpPr>
+            <a:spLocks noGrp="1"/>
+          </p:cNvSpPr>
+          <p:nvPr>
+            <p:ph type="title"/>
+          </p:nvPr>
+        </p:nvSpPr>
+        <p:spPr/>
+        <p:txBody>
+          <a:bodyPr/>
+          <a:lstStyle/>
+          <a:p>
+            <a:r>
+              <a:rPr lang="zh-CN" altLang="en-US" dirty="0" smtClean="0"/>
+              <a:t>生物神经元</a:t>
+            </a:r>
+            <a:endParaRPr lang="zh-CN" altLang="en-US" dirty="0"/>
+          </a:p>
+        </p:txBody>
+      </p:sp>
+      <p:pic>
+        <p:nvPicPr>
+          <p:cNvPr id="4" name="内容占位符 3"/>
+          <p:cNvPicPr>
+            <a:picLocks noGrp="1" noChangeAspect="1"/>
+          </p:cNvPicPr>
+          <p:nvPr>
+            <p:ph sz="quarter" idx="1"/>
+          </p:nvPr>
+        </p:nvPicPr>
+        <p:blipFill>
+          <a:blip r:embed="rId3">
+            <a:extLst>
+              <a:ext uri="{28A0092B-C50C-407E-A947-70E740481C1C}">
+                <a14:useLocalDpi xmlns:a14="http://schemas.microsoft.com/office/drawing/2010/main"/>
+              </a:ext>
+            </a:extLst>
+          </a:blip>
+          <a:stretch>
+            <a:fillRect/>
+          </a:stretch>
+        </p:blipFill>
+        <p:spPr>
+          <a:xfrm>
+            <a:off x="741988" y="1219200"/>
+            <a:ext cx="7660024" cy="4937125"/>
+          </a:xfrm>
+        </p:spPr>
+      </p:pic>
+      <p:sp>
+        <p:nvSpPr>
+          <p:cNvPr id="5" name="矩形 4"/>
+          <p:cNvSpPr/>
+          <p:nvPr/>
+        </p:nvSpPr>
+        <p:spPr>
+          <a:xfrm>
+            <a:off x="4572000" y="4495800"/>
+            <a:ext cx="4114800" cy="954107"/>
+          </a:xfrm>
+          <a:prstGeom prst="rect">
+            <a:avLst/>
+          </a:prstGeom>
+        </p:spPr>
+        <p:txBody>
+          <a:bodyPr wrap="square">
+            <a:spAutoFit/>
+          </a:bodyPr>
+          <a:lstStyle/>
+          <a:p>
+            <a:r>
+              <a:rPr lang="zh-CN" altLang="en-US" sz="2800" dirty="0"/>
+              <a:t>单个</a:t>
+            </a:r>
+            <a:r>
+              <a:rPr lang="zh-CN" altLang="en-US" sz="2800" dirty="0" smtClean="0"/>
+              <a:t>神经细胞只有</a:t>
+            </a:r>
+            <a:r>
+              <a:rPr lang="zh-CN" altLang="en-US" sz="2800" dirty="0"/>
+              <a:t>两种</a:t>
+            </a:r>
+            <a:r>
+              <a:rPr lang="zh-CN" altLang="en-US" sz="2800" dirty="0" smtClean="0"/>
+              <a:t>状态：兴奋</a:t>
+            </a:r>
+            <a:r>
+              <a:rPr lang="zh-CN" altLang="en-US" sz="2800" dirty="0"/>
+              <a:t>和抑制</a:t>
+            </a:r>
+          </a:p>
+        </p:txBody>
+      </p:sp>
+      <p:sp>
+        <p:nvSpPr>
+          <p:cNvPr id="8" name="矩形 7"/>
+          <p:cNvSpPr/>
+          <p:nvPr/>
+        </p:nvSpPr>
+        <p:spPr>
+          <a:xfrm>
+            <a:off x="6248400" y="512782"/>
+            <a:ext cx="2595582" cy="369332"/>
+          </a:xfrm>
+          <a:prstGeom prst="rect">
+            <a:avLst/>
+          </a:prstGeom>
+        </p:spPr>
+        <p:txBody>
+          <a:bodyPr wrap="none">
+            <a:spAutoFit/>
+          </a:bodyPr>
+          <a:lstStyle/>
+          <a:p>
+            <a:r>
+              <a:rPr lang="en-US" altLang="zh-CN" dirty="0" smtClean="0">
+                <a:hlinkClick r:id="rId4" action="ppaction://hlinkfile"/>
+              </a:rPr>
+              <a:t>video:</a:t>
+            </a:r>
+            <a:r>
+              <a:rPr lang="zh-CN" altLang="en-US" dirty="0">
+                <a:hlinkClick r:id="rId4" action="ppaction://hlinkfile"/>
+              </a:rPr>
+              <a:t> </a:t>
+            </a:r>
+            <a:r>
+              <a:rPr lang="zh-CN" altLang="en-US" dirty="0" smtClean="0">
+                <a:hlinkClick r:id="rId4" action="ppaction://hlinkfile"/>
+              </a:rPr>
+              <a:t>structure </a:t>
+            </a:r>
+            <a:r>
+              <a:rPr lang="zh-CN" altLang="en-US" dirty="0">
+                <a:hlinkClick r:id="rId4" action="ppaction://hlinkfile"/>
+              </a:rPr>
+              <a:t>of brain</a:t>
+            </a:r>
+            <a:endParaRPr lang="zh-CN" altLang="en-US" dirty="0"/>
+          </a:p>
+        </p:txBody>
+      </p:sp>
+    </p:spTree>
+    <p:extLst>
+      <p:ext uri="{BB962C8B-B14F-4D97-AF65-F5344CB8AC3E}">
+        <p14:creationId xmlns:p14="http://schemas.microsoft.com/office/powerpoint/2010/main" val="3354367713"/>
+      </p:ext>
+    </p:extLst>
+  </p:cSld>
+  <p:clrMapOvr>
+    <a:masterClrMapping/>
+  </p:clrMapOvr>
+  <p:timing>
+    <p:tnLst>
+      <p:par>
+        <p:cTn id="1" dur="indefinite" restart="never" nodeType="tmRoot"/>
+      </p:par>
+    </p:tnLst>
+  </p:timing>
+</p:sld>
+</file>
+
+<file path=ppt/slides/slide20.xml><?xml version="1.0" encoding="utf-8"?>
 <p:sld xmlns:a="http://schemas.openxmlformats.org/drawingml/2006/main" xmlns:r="http://schemas.openxmlformats.org/officeDocument/2006/relationships" xmlns:p="http://schemas.openxmlformats.org/presentationml/2006/main">
   <p:cSld>
     <p:spTree>
@@ -15328,7 +14157,7 @@
           <a:graphicData uri="http://schemas.openxmlformats.org/presentationml/2006/ole">
             <mc:AlternateContent xmlns:mc="http://schemas.openxmlformats.org/markup-compatibility/2006">
               <mc:Choice xmlns:v="urn:schemas-microsoft-com:vml" Requires="v">
-                <p:oleObj spid="_x0000_s1026" name="方程式" r:id="rId5" imgW="152280" imgH="139680" progId="Equation.3">
+                <p:oleObj spid="_x0000_s1063" name="方程式" r:id="rId5" imgW="152280" imgH="139680" progId="Equation.3">
                   <p:embed/>
                 </p:oleObj>
               </mc:Choice>
@@ -17426,7 +16255,7 @@
 </p:sld>
 </file>
 
-<file path=ppt/slides/slide24.xml><?xml version="1.0" encoding="utf-8"?>
+<file path=ppt/slides/slide21.xml><?xml version="1.0" encoding="utf-8"?>
 <p:sld xmlns:a="http://schemas.openxmlformats.org/drawingml/2006/main" xmlns:r="http://schemas.openxmlformats.org/officeDocument/2006/relationships" xmlns:p="http://schemas.openxmlformats.org/presentationml/2006/main">
   <p:cSld>
     <p:spTree>
@@ -17445,7 +16274,7 @@
       </p:grpSpPr>
       <p:sp>
         <p:nvSpPr>
-          <p:cNvPr id="2" name="標題 1"/>
+          <p:cNvPr id="2" name="标题 1"/>
           <p:cNvSpPr>
             <a:spLocks noGrp="1"/>
           </p:cNvSpPr>
@@ -17459,296 +16288,123 @@
           <a:lstStyle/>
           <a:p>
             <a:r>
-              <a:rPr lang="zh-CN" altLang="en-US" dirty="0"/>
-              <a:t>梯度下降</a:t>
-            </a:r>
-            <a:endParaRPr lang="zh-TW" altLang="en-US" dirty="0"/>
+              <a:rPr lang="zh-CN" altLang="en-US" dirty="0" smtClean="0"/>
+              <a:t>如何计算梯度？</a:t>
+            </a:r>
+            <a:endParaRPr lang="zh-CN" altLang="en-US" dirty="0"/>
           </a:p>
         </p:txBody>
       </p:sp>
       <p:sp>
         <p:nvSpPr>
-          <p:cNvPr id="4" name="文字方塊 3"/>
-          <p:cNvSpPr txBox="1"/>
-          <p:nvPr/>
+          <p:cNvPr id="3" name="内容占位符 2"/>
+          <p:cNvSpPr>
+            <a:spLocks noGrp="1"/>
+          </p:cNvSpPr>
+          <p:nvPr>
+            <p:ph sz="quarter" idx="1"/>
+          </p:nvPr>
         </p:nvSpPr>
-        <p:spPr>
-          <a:xfrm>
-            <a:off x="457200" y="1334814"/>
-            <a:ext cx="7098650" cy="523220"/>
-          </a:xfrm>
-          <a:prstGeom prst="rect">
-            <a:avLst/>
-          </a:prstGeom>
-          <a:noFill/>
-        </p:spPr>
+        <p:spPr/>
         <p:txBody>
-          <a:bodyPr wrap="square" rtlCol="0">
-            <a:spAutoFit/>
-          </a:bodyPr>
+          <a:bodyPr/>
           <a:lstStyle/>
           <a:p>
             <a:r>
-              <a:rPr lang="zh-CN" altLang="en-US" sz="2800" dirty="0" smtClean="0"/>
-              <a:t>学习</a:t>
-            </a:r>
-            <a:r>
-              <a:rPr lang="en-US" altLang="zh-CN" sz="2800" dirty="0" smtClean="0"/>
-              <a:t>=</a:t>
-            </a:r>
-            <a:r>
-              <a:rPr lang="zh-CN" altLang="en-US" sz="2800" dirty="0" smtClean="0"/>
-              <a:t>损失函数</a:t>
-            </a:r>
-            <a:r>
-              <a:rPr lang="en-US" altLang="zh-CN" sz="2800" dirty="0" smtClean="0"/>
-              <a:t>+</a:t>
-            </a:r>
-            <a:r>
-              <a:rPr lang="zh-CN" altLang="en-US" sz="2800" dirty="0" smtClean="0"/>
-              <a:t>梯度下降</a:t>
-            </a:r>
-            <a:endParaRPr lang="zh-TW" altLang="en-US" sz="2800" dirty="0"/>
-          </a:p>
-        </p:txBody>
-      </p:sp>
-      <p:sp>
-        <p:nvSpPr>
-          <p:cNvPr id="5" name="文字方塊 4"/>
-          <p:cNvSpPr txBox="1"/>
-          <p:nvPr/>
-        </p:nvSpPr>
-        <p:spPr>
-          <a:xfrm>
-            <a:off x="3129760" y="2390323"/>
-            <a:ext cx="5340259" cy="523220"/>
-          </a:xfrm>
-          <a:prstGeom prst="rect">
-            <a:avLst/>
-          </a:prstGeom>
-          <a:noFill/>
-        </p:spPr>
-        <p:txBody>
-          <a:bodyPr wrap="square" rtlCol="0">
-            <a:spAutoFit/>
-          </a:bodyPr>
-          <a:lstStyle/>
-          <a:p>
-            <a:r>
-              <a:rPr lang="en-US" altLang="zh-TW" sz="2800" dirty="0"/>
-              <a:t>Even alpha go using this approach.</a:t>
-            </a:r>
-            <a:endParaRPr lang="zh-TW" altLang="en-US" sz="2800" dirty="0"/>
-          </a:p>
-        </p:txBody>
-      </p:sp>
-      <p:sp>
-        <p:nvSpPr>
-          <p:cNvPr id="6" name="文字方塊 5"/>
-          <p:cNvSpPr txBox="1"/>
-          <p:nvPr/>
-        </p:nvSpPr>
-        <p:spPr>
-          <a:xfrm>
-            <a:off x="1219200" y="5763774"/>
-            <a:ext cx="7089381" cy="523220"/>
-          </a:xfrm>
-          <a:prstGeom prst="rect">
-            <a:avLst/>
-          </a:prstGeom>
-          <a:noFill/>
-        </p:spPr>
-        <p:txBody>
-          <a:bodyPr wrap="square" rtlCol="0">
-            <a:spAutoFit/>
-          </a:bodyPr>
-          <a:lstStyle/>
-          <a:p>
-            <a:pPr algn="ctr"/>
-            <a:r>
-              <a:rPr lang="en-US" altLang="zh-TW" sz="2800" dirty="0"/>
-              <a:t>I hope you are not too disappointed :p</a:t>
-            </a:r>
-            <a:endParaRPr lang="zh-TW" altLang="en-US" sz="2800" dirty="0"/>
-          </a:p>
-        </p:txBody>
-      </p:sp>
-      <p:sp>
-        <p:nvSpPr>
-          <p:cNvPr id="7" name="向右箭號 6"/>
-          <p:cNvSpPr/>
-          <p:nvPr/>
-        </p:nvSpPr>
-        <p:spPr>
-          <a:xfrm>
-            <a:off x="2302695" y="2472739"/>
-            <a:ext cx="768626" cy="358387"/>
-          </a:xfrm>
-          <a:prstGeom prst="rightArrow">
-            <a:avLst/>
-          </a:prstGeom>
-        </p:spPr>
-        <p:style>
-          <a:lnRef idx="2">
-            <a:schemeClr val="dk1">
-              <a:shade val="50000"/>
-            </a:schemeClr>
-          </a:lnRef>
-          <a:fillRef idx="1">
-            <a:schemeClr val="dk1"/>
-          </a:fillRef>
-          <a:effectRef idx="0">
-            <a:schemeClr val="dk1"/>
-          </a:effectRef>
-          <a:fontRef idx="minor">
-            <a:schemeClr val="lt1"/>
-          </a:fontRef>
-        </p:style>
-        <p:txBody>
-          <a:bodyPr rtlCol="0" anchor="ctr"/>
-          <a:lstStyle/>
-          <a:p>
-            <a:pPr algn="ctr"/>
-            <a:endParaRPr lang="zh-TW" altLang="en-US"/>
-          </a:p>
-        </p:txBody>
-      </p:sp>
-      <p:pic>
-        <p:nvPicPr>
-          <p:cNvPr id="66562" name="Picture 2" descr="http://fsv.money01.com.tw/cmstatic/notes/capture/311299/20151104155131719.jpg"/>
-          <p:cNvPicPr>
-            <a:picLocks noChangeAspect="1" noChangeArrowheads="1"/>
-          </p:cNvPicPr>
-          <p:nvPr/>
-        </p:nvPicPr>
-        <p:blipFill>
-          <a:blip r:embed="rId3">
-            <a:extLst>
-              <a:ext uri="{28A0092B-C50C-407E-A947-70E740481C1C}">
-                <a14:useLocalDpi xmlns:a14="http://schemas.microsoft.com/office/drawing/2010/main" val="0"/>
-              </a:ext>
-            </a:extLst>
-          </a:blip>
-          <a:srcRect/>
-          <a:stretch>
-            <a:fillRect/>
-          </a:stretch>
-        </p:blipFill>
-        <p:spPr bwMode="auto">
-          <a:xfrm>
-            <a:off x="762000" y="3521473"/>
-            <a:ext cx="3418598" cy="2062555"/>
-          </a:xfrm>
-          <a:prstGeom prst="rect">
-            <a:avLst/>
-          </a:prstGeom>
-          <a:noFill/>
-          <a:extLst>
-            <a:ext uri="{909E8E84-426E-40DD-AFC4-6F175D3DCCD1}">
-              <a14:hiddenFill xmlns:a14="http://schemas.microsoft.com/office/drawing/2010/main">
-                <a:solidFill>
-                  <a:srgbClr val="FFFFFF"/>
-                </a:solidFill>
-              </a14:hiddenFill>
-            </a:ext>
-          </a:extLst>
-        </p:spPr>
-      </p:pic>
-      <p:pic>
-        <p:nvPicPr>
-          <p:cNvPr id="9" name="內容版面配置區 5"/>
-          <p:cNvPicPr>
-            <a:picLocks noChangeAspect="1"/>
-          </p:cNvPicPr>
-          <p:nvPr/>
-        </p:nvPicPr>
-        <p:blipFill>
-          <a:blip r:embed="rId4" cstate="print">
-            <a:extLst>
-              <a:ext uri="{28A0092B-C50C-407E-A947-70E740481C1C}">
-                <a14:useLocalDpi xmlns:a14="http://schemas.microsoft.com/office/drawing/2010/main" val="0"/>
-              </a:ext>
-            </a:extLst>
-          </a:blip>
-          <a:stretch>
-            <a:fillRect/>
-          </a:stretch>
-        </p:blipFill>
-        <p:spPr>
-          <a:xfrm>
-            <a:off x="4628747" y="3536459"/>
-            <a:ext cx="3625903" cy="2047569"/>
-          </a:xfrm>
-          <a:prstGeom prst="rect">
-            <a:avLst/>
-          </a:prstGeom>
-        </p:spPr>
-      </p:pic>
-      <p:sp>
-        <p:nvSpPr>
-          <p:cNvPr id="8" name="文字方塊 7"/>
-          <p:cNvSpPr txBox="1"/>
-          <p:nvPr/>
-        </p:nvSpPr>
-        <p:spPr>
-          <a:xfrm>
-            <a:off x="24057" y="2995968"/>
-            <a:ext cx="3733767" cy="461665"/>
-          </a:xfrm>
-          <a:prstGeom prst="rect">
-            <a:avLst/>
-          </a:prstGeom>
-          <a:noFill/>
-        </p:spPr>
-        <p:txBody>
-          <a:bodyPr wrap="square" rtlCol="0">
-            <a:spAutoFit/>
-          </a:bodyPr>
-          <a:lstStyle/>
-          <a:p>
-            <a:pPr algn="ctr"/>
-            <a:r>
-              <a:rPr lang="en-US" altLang="zh-TW" sz="2400" dirty="0"/>
-              <a:t>People image ……</a:t>
-            </a:r>
-            <a:endParaRPr lang="zh-TW" altLang="en-US" sz="2400" dirty="0"/>
-          </a:p>
-        </p:txBody>
-      </p:sp>
-      <p:sp>
-        <p:nvSpPr>
-          <p:cNvPr id="11" name="文字方塊 10"/>
-          <p:cNvSpPr txBox="1"/>
-          <p:nvPr/>
-        </p:nvSpPr>
-        <p:spPr>
-          <a:xfrm>
-            <a:off x="4926276" y="3019410"/>
-            <a:ext cx="3733767" cy="461665"/>
-          </a:xfrm>
-          <a:prstGeom prst="rect">
-            <a:avLst/>
-          </a:prstGeom>
-          <a:noFill/>
-        </p:spPr>
-        <p:txBody>
-          <a:bodyPr wrap="square" rtlCol="0">
-            <a:spAutoFit/>
-          </a:bodyPr>
-          <a:lstStyle/>
-          <a:p>
-            <a:r>
-              <a:rPr lang="en-US" altLang="zh-TW" sz="2400" dirty="0"/>
-              <a:t>Actually …..</a:t>
-            </a:r>
-            <a:endParaRPr lang="zh-TW" altLang="en-US" sz="2400" dirty="0"/>
+              <a:rPr lang="zh-CN" altLang="en-US" dirty="0" smtClean="0"/>
+              <a:t>神经网络为一个复杂的复合函数</a:t>
+            </a:r>
+            <a:endParaRPr lang="en-US" altLang="zh-CN" dirty="0" smtClean="0"/>
+          </a:p>
+          <a:p>
+            <a:pPr lvl="1"/>
+            <a:r>
+              <a:rPr lang="zh-CN" altLang="en-US" dirty="0" smtClean="0"/>
+              <a:t>链式法则</a:t>
+            </a:r>
+            <a:endParaRPr lang="en-US" altLang="zh-CN" dirty="0" smtClean="0"/>
+          </a:p>
+          <a:p>
+            <a:pPr marL="0" indent="0">
+              <a:buNone/>
+            </a:pPr>
+            <a:endParaRPr lang="en-US" altLang="zh-CN" dirty="0"/>
+          </a:p>
+          <a:p>
+            <a:r>
+              <a:rPr lang="zh-CN" altLang="en-US" dirty="0" smtClean="0"/>
+              <a:t>反向传播算法</a:t>
+            </a:r>
+            <a:endParaRPr lang="en-US" altLang="zh-CN" dirty="0" smtClean="0"/>
+          </a:p>
+          <a:p>
+            <a:pPr lvl="1"/>
+            <a:r>
+              <a:rPr lang="zh-CN" altLang="en-US" dirty="0" smtClean="0"/>
+              <a:t>根据前馈网络的特点而设计的高效方法</a:t>
+            </a:r>
+            <a:endParaRPr lang="en-US" altLang="zh-CN" dirty="0" smtClean="0"/>
+          </a:p>
+          <a:p>
+            <a:pPr lvl="1"/>
+            <a:r>
+              <a:rPr lang="zh-CN" altLang="en-US" dirty="0" smtClean="0"/>
+              <a:t>略，详见</a:t>
+            </a:r>
+            <a:r>
+              <a:rPr lang="en-US" altLang="zh-CN" dirty="0" smtClean="0"/>
+              <a:t>4.4</a:t>
+            </a:r>
+            <a:r>
+              <a:rPr lang="zh-CN" altLang="en-US" dirty="0" smtClean="0"/>
+              <a:t>节</a:t>
+            </a:r>
+            <a:endParaRPr lang="en-US" altLang="zh-CN" dirty="0" smtClean="0"/>
+          </a:p>
+          <a:p>
+            <a:pPr lvl="1"/>
+            <a:endParaRPr lang="en-US" altLang="zh-CN" dirty="0"/>
+          </a:p>
+          <a:p>
+            <a:r>
+              <a:rPr lang="zh-CN" altLang="en-US" dirty="0" smtClean="0"/>
+              <a:t>一个更加通用的计算方法</a:t>
+            </a:r>
+            <a:endParaRPr lang="en-US" altLang="zh-CN" dirty="0" smtClean="0"/>
+          </a:p>
+          <a:p>
+            <a:pPr lvl="1"/>
+            <a:r>
+              <a:rPr lang="zh-CN" altLang="en-US" dirty="0" smtClean="0"/>
+              <a:t>自动</a:t>
+            </a:r>
+            <a:r>
+              <a:rPr lang="zh-CN" altLang="en-US" dirty="0"/>
+              <a:t>微分（</a:t>
+            </a:r>
+            <a:r>
+              <a:rPr lang="en-US" altLang="zh-CN" dirty="0"/>
+              <a:t>Automatic Differentiation</a:t>
+            </a:r>
+            <a:r>
+              <a:rPr lang="zh-CN" altLang="en-US" dirty="0"/>
+              <a:t>，</a:t>
+            </a:r>
+            <a:r>
+              <a:rPr lang="en-US" altLang="zh-CN" dirty="0"/>
+              <a:t>AD</a:t>
+            </a:r>
+            <a:r>
+              <a:rPr lang="zh-CN" altLang="en-US" dirty="0"/>
+              <a:t>）</a:t>
+            </a:r>
           </a:p>
         </p:txBody>
       </p:sp>
     </p:spTree>
     <p:extLst>
       <p:ext uri="{BB962C8B-B14F-4D97-AF65-F5344CB8AC3E}">
-        <p14:creationId xmlns:p14="http://schemas.microsoft.com/office/powerpoint/2010/main" val="3067257854"/>
+        <p14:creationId xmlns:p14="http://schemas.microsoft.com/office/powerpoint/2010/main" val="3296240832"/>
       </p:ext>
     </p:extLst>
   </p:cSld>
@@ -17776,7 +16432,7 @@
                             </p:stCondLst>
                             <p:childTnLst>
                               <p:par>
-                                <p:cTn id="5" presetID="1" presetClass="entr" presetSubtype="0" fill="hold" grpId="0" nodeType="clickEffect">
+                                <p:cTn id="5" presetID="10" presetClass="entr" presetSubtype="0" fill="hold" nodeType="clickEffect">
                                   <p:stCondLst>
                                     <p:cond delay="0"/>
                                   </p:stCondLst>
@@ -17789,7 +16445,11 @@
                                           </p:stCondLst>
                                         </p:cTn>
                                         <p:tgtEl>
-                                          <p:spTgt spid="4"/>
+                                          <p:spTgt spid="3">
+                                            <p:txEl>
+                                              <p:pRg st="3" end="3"/>
+                                            </p:txEl>
+                                          </p:spTgt>
                                         </p:tgtEl>
                                         <p:attrNameLst>
                                           <p:attrName>style.visibility</p:attrName>
@@ -17799,42 +16459,40 @@
                                         <p:strVal val="visible"/>
                                       </p:to>
                                     </p:set>
+                                    <p:animEffect transition="in" filter="fade">
+                                      <p:cBhvr>
+                                        <p:cTn id="7" dur="500"/>
+                                        <p:tgtEl>
+                                          <p:spTgt spid="3">
+                                            <p:txEl>
+                                              <p:pRg st="3" end="3"/>
+                                            </p:txEl>
+                                          </p:spTgt>
+                                        </p:tgtEl>
+                                      </p:cBhvr>
+                                    </p:animEffect>
                                   </p:childTnLst>
                                 </p:cTn>
                               </p:par>
-                            </p:childTnLst>
-                          </p:cTn>
-                        </p:par>
-                      </p:childTnLst>
-                    </p:cTn>
-                  </p:par>
-                  <p:par>
-                    <p:cTn id="7" fill="hold">
-                      <p:stCondLst>
-                        <p:cond delay="indefinite"/>
-                      </p:stCondLst>
-                      <p:childTnLst>
-                        <p:par>
-                          <p:cTn id="8" fill="hold">
-                            <p:stCondLst>
-                              <p:cond delay="0"/>
-                            </p:stCondLst>
-                            <p:childTnLst>
                               <p:par>
-                                <p:cTn id="9" presetID="1" presetClass="entr" presetSubtype="0" fill="hold" grpId="0" nodeType="clickEffect">
+                                <p:cTn id="8" presetID="10" presetClass="entr" presetSubtype="0" fill="hold" nodeType="withEffect">
                                   <p:stCondLst>
                                     <p:cond delay="0"/>
                                   </p:stCondLst>
                                   <p:childTnLst>
                                     <p:set>
                                       <p:cBhvr>
-                                        <p:cTn id="10" dur="1" fill="hold">
+                                        <p:cTn id="9" dur="1" fill="hold">
                                           <p:stCondLst>
                                             <p:cond delay="0"/>
                                           </p:stCondLst>
                                         </p:cTn>
                                         <p:tgtEl>
-                                          <p:spTgt spid="5"/>
+                                          <p:spTgt spid="3">
+                                            <p:txEl>
+                                              <p:pRg st="4" end="4"/>
+                                            </p:txEl>
+                                          </p:spTgt>
                                         </p:tgtEl>
                                         <p:attrNameLst>
                                           <p:attrName>style.visibility</p:attrName>
@@ -17844,11 +16502,23 @@
                                         <p:strVal val="visible"/>
                                       </p:to>
                                     </p:set>
+                                    <p:animEffect transition="in" filter="fade">
+                                      <p:cBhvr>
+                                        <p:cTn id="10" dur="500"/>
+                                        <p:tgtEl>
+                                          <p:spTgt spid="3">
+                                            <p:txEl>
+                                              <p:pRg st="4" end="4"/>
+                                            </p:txEl>
+                                          </p:spTgt>
+                                        </p:tgtEl>
+                                      </p:cBhvr>
+                                    </p:animEffect>
                                   </p:childTnLst>
                                 </p:cTn>
                               </p:par>
                               <p:par>
-                                <p:cTn id="11" presetID="1" presetClass="entr" presetSubtype="0" fill="hold" grpId="0" nodeType="withEffect">
+                                <p:cTn id="11" presetID="10" presetClass="entr" presetSubtype="0" fill="hold" nodeType="withEffect">
                                   <p:stCondLst>
                                     <p:cond delay="0"/>
                                   </p:stCondLst>
@@ -17861,7 +16531,11 @@
                                           </p:stCondLst>
                                         </p:cTn>
                                         <p:tgtEl>
-                                          <p:spTgt spid="7"/>
+                                          <p:spTgt spid="3">
+                                            <p:txEl>
+                                              <p:pRg st="5" end="5"/>
+                                            </p:txEl>
+                                          </p:spTgt>
                                         </p:tgtEl>
                                         <p:attrNameLst>
                                           <p:attrName>style.visibility</p:attrName>
@@ -17871,6 +16545,18 @@
                                         <p:strVal val="visible"/>
                                       </p:to>
                                     </p:set>
+                                    <p:animEffect transition="in" filter="fade">
+                                      <p:cBhvr>
+                                        <p:cTn id="13" dur="500"/>
+                                        <p:tgtEl>
+                                          <p:spTgt spid="3">
+                                            <p:txEl>
+                                              <p:pRg st="5" end="5"/>
+                                            </p:txEl>
+                                          </p:spTgt>
+                                        </p:tgtEl>
+                                      </p:cBhvr>
+                                    </p:animEffect>
                                   </p:childTnLst>
                                 </p:cTn>
                               </p:par>
@@ -17881,32 +16567,36 @@
                     </p:cTn>
                   </p:par>
                   <p:par>
-                    <p:cTn id="13" fill="hold">
+                    <p:cTn id="14" fill="hold">
                       <p:stCondLst>
                         <p:cond delay="indefinite"/>
                       </p:stCondLst>
                       <p:childTnLst>
                         <p:par>
-                          <p:cTn id="14" fill="hold">
+                          <p:cTn id="15" fill="hold">
                             <p:stCondLst>
                               <p:cond delay="0"/>
                             </p:stCondLst>
                             <p:childTnLst>
                               <p:par>
-                                <p:cTn id="15" presetID="1" presetClass="entr" presetSubtype="0" fill="hold" nodeType="clickEffect">
+                                <p:cTn id="16" presetID="10" presetClass="entr" presetSubtype="0" fill="hold" nodeType="clickEffect">
                                   <p:stCondLst>
                                     <p:cond delay="0"/>
                                   </p:stCondLst>
                                   <p:childTnLst>
                                     <p:set>
                                       <p:cBhvr>
-                                        <p:cTn id="16" dur="1" fill="hold">
+                                        <p:cTn id="17" dur="1" fill="hold">
                                           <p:stCondLst>
                                             <p:cond delay="0"/>
                                           </p:stCondLst>
                                         </p:cTn>
                                         <p:tgtEl>
-                                          <p:spTgt spid="66562"/>
+                                          <p:spTgt spid="3">
+                                            <p:txEl>
+                                              <p:pRg st="7" end="7"/>
+                                            </p:txEl>
+                                          </p:spTgt>
                                         </p:tgtEl>
                                         <p:attrNameLst>
                                           <p:attrName>style.visibility</p:attrName>
@@ -17916,24 +16606,40 @@
                                         <p:strVal val="visible"/>
                                       </p:to>
                                     </p:set>
+                                    <p:animEffect transition="in" filter="fade">
+                                      <p:cBhvr>
+                                        <p:cTn id="18" dur="500"/>
+                                        <p:tgtEl>
+                                          <p:spTgt spid="3">
+                                            <p:txEl>
+                                              <p:pRg st="7" end="7"/>
+                                            </p:txEl>
+                                          </p:spTgt>
+                                        </p:tgtEl>
+                                      </p:cBhvr>
+                                    </p:animEffect>
                                   </p:childTnLst>
                                 </p:cTn>
                               </p:par>
                               <p:par>
-                                <p:cTn id="17" presetID="1" presetClass="entr" presetSubtype="0" fill="hold" grpId="0" nodeType="withEffect">
+                                <p:cTn id="19" presetID="10" presetClass="entr" presetSubtype="0" fill="hold" nodeType="withEffect">
                                   <p:stCondLst>
                                     <p:cond delay="0"/>
                                   </p:stCondLst>
                                   <p:childTnLst>
                                     <p:set>
                                       <p:cBhvr>
-                                        <p:cTn id="18" dur="1" fill="hold">
+                                        <p:cTn id="20" dur="1" fill="hold">
                                           <p:stCondLst>
                                             <p:cond delay="0"/>
                                           </p:stCondLst>
                                         </p:cTn>
                                         <p:tgtEl>
-                                          <p:spTgt spid="8"/>
+                                          <p:spTgt spid="3">
+                                            <p:txEl>
+                                              <p:pRg st="8" end="8"/>
+                                            </p:txEl>
+                                          </p:spTgt>
                                         </p:tgtEl>
                                         <p:attrNameLst>
                                           <p:attrName>style.visibility</p:attrName>
@@ -17943,123 +16649,18 @@
                                         <p:strVal val="visible"/>
                                       </p:to>
                                     </p:set>
-                                  </p:childTnLst>
-                                </p:cTn>
-                              </p:par>
-                            </p:childTnLst>
-                          </p:cTn>
-                        </p:par>
-                      </p:childTnLst>
-                    </p:cTn>
-                  </p:par>
-                  <p:par>
-                    <p:cTn id="19" fill="hold">
-                      <p:stCondLst>
-                        <p:cond delay="indefinite"/>
-                      </p:stCondLst>
-                      <p:childTnLst>
-                        <p:par>
-                          <p:cTn id="20" fill="hold">
-                            <p:stCondLst>
-                              <p:cond delay="0"/>
-                            </p:stCondLst>
-                            <p:childTnLst>
-                              <p:par>
-                                <p:cTn id="21" presetID="1" presetClass="entr" presetSubtype="0" fill="hold" nodeType="clickEffect">
-                                  <p:stCondLst>
-                                    <p:cond delay="0"/>
-                                  </p:stCondLst>
-                                  <p:childTnLst>
-                                    <p:set>
+                                    <p:animEffect transition="in" filter="fade">
                                       <p:cBhvr>
-                                        <p:cTn id="22" dur="1" fill="hold">
-                                          <p:stCondLst>
-                                            <p:cond delay="0"/>
-                                          </p:stCondLst>
-                                        </p:cTn>
+                                        <p:cTn id="21" dur="500"/>
                                         <p:tgtEl>
-                                          <p:spTgt spid="9"/>
+                                          <p:spTgt spid="3">
+                                            <p:txEl>
+                                              <p:pRg st="8" end="8"/>
+                                            </p:txEl>
+                                          </p:spTgt>
                                         </p:tgtEl>
-                                        <p:attrNameLst>
-                                          <p:attrName>style.visibility</p:attrName>
-                                        </p:attrNameLst>
                                       </p:cBhvr>
-                                      <p:to>
-                                        <p:strVal val="visible"/>
-                                      </p:to>
-                                    </p:set>
-                                  </p:childTnLst>
-                                </p:cTn>
-                              </p:par>
-                              <p:par>
-                                <p:cTn id="23" presetID="1" presetClass="entr" presetSubtype="0" fill="hold" grpId="0" nodeType="withEffect">
-                                  <p:stCondLst>
-                                    <p:cond delay="0"/>
-                                  </p:stCondLst>
-                                  <p:childTnLst>
-                                    <p:set>
-                                      <p:cBhvr>
-                                        <p:cTn id="24" dur="1" fill="hold">
-                                          <p:stCondLst>
-                                            <p:cond delay="0"/>
-                                          </p:stCondLst>
-                                        </p:cTn>
-                                        <p:tgtEl>
-                                          <p:spTgt spid="11"/>
-                                        </p:tgtEl>
-                                        <p:attrNameLst>
-                                          <p:attrName>style.visibility</p:attrName>
-                                        </p:attrNameLst>
-                                      </p:cBhvr>
-                                      <p:to>
-                                        <p:strVal val="visible"/>
-                                      </p:to>
-                                    </p:set>
-                                  </p:childTnLst>
-                                </p:cTn>
-                              </p:par>
-                            </p:childTnLst>
-                          </p:cTn>
-                        </p:par>
-                      </p:childTnLst>
-                    </p:cTn>
-                  </p:par>
-                  <p:par>
-                    <p:cTn id="25" fill="hold">
-                      <p:stCondLst>
-                        <p:cond delay="indefinite"/>
-                      </p:stCondLst>
-                      <p:childTnLst>
-                        <p:par>
-                          <p:cTn id="26" fill="hold">
-                            <p:stCondLst>
-                              <p:cond delay="0"/>
-                            </p:stCondLst>
-                            <p:childTnLst>
-                              <p:par>
-                                <p:cTn id="27" presetID="1" presetClass="entr" presetSubtype="0" fill="hold" grpId="0" nodeType="clickEffect">
-                                  <p:stCondLst>
-                                    <p:cond delay="0"/>
-                                  </p:stCondLst>
-                                  <p:childTnLst>
-                                    <p:set>
-                                      <p:cBhvr>
-                                        <p:cTn id="28" dur="1" fill="hold">
-                                          <p:stCondLst>
-                                            <p:cond delay="0"/>
-                                          </p:stCondLst>
-                                        </p:cTn>
-                                        <p:tgtEl>
-                                          <p:spTgt spid="6"/>
-                                        </p:tgtEl>
-                                        <p:attrNameLst>
-                                          <p:attrName>style.visibility</p:attrName>
-                                        </p:attrNameLst>
-                                      </p:cBhvr>
-                                      <p:to>
-                                        <p:strVal val="visible"/>
-                                      </p:to>
-                                    </p:set>
+                                    </p:animEffect>
                                   </p:childTnLst>
                                 </p:cTn>
                               </p:par>
@@ -18090,14 +16691,437 @@
         </p:cTn>
       </p:par>
     </p:tnLst>
-    <p:bldLst>
-      <p:bldP spid="4" grpId="0"/>
-      <p:bldP spid="5" grpId="0"/>
-      <p:bldP spid="6" grpId="0"/>
-      <p:bldP spid="7" grpId="0" animBg="1"/>
-      <p:bldP spid="8" grpId="0"/>
-      <p:bldP spid="11" grpId="0"/>
-    </p:bldLst>
+  </p:timing>
+</p:sld>
+</file>
+
+<file path=ppt/slides/slide22.xml><?xml version="1.0" encoding="utf-8"?>
+<p:sld xmlns:a="http://schemas.openxmlformats.org/drawingml/2006/main" xmlns:r="http://schemas.openxmlformats.org/officeDocument/2006/relationships" xmlns:p="http://schemas.openxmlformats.org/presentationml/2006/main">
+  <p:cSld>
+    <p:spTree>
+      <p:nvGrpSpPr>
+        <p:cNvPr id="1" name=""/>
+        <p:cNvGrpSpPr/>
+        <p:nvPr/>
+      </p:nvGrpSpPr>
+      <p:grpSpPr>
+        <a:xfrm>
+          <a:off x="0" y="0"/>
+          <a:ext cx="0" cy="0"/>
+          <a:chOff x="0" y="0"/>
+          <a:chExt cx="0" cy="0"/>
+        </a:xfrm>
+      </p:grpSpPr>
+      <p:sp>
+        <p:nvSpPr>
+          <p:cNvPr id="2" name="标题 1"/>
+          <p:cNvSpPr>
+            <a:spLocks noGrp="1"/>
+          </p:cNvSpPr>
+          <p:nvPr>
+            <p:ph type="title"/>
+          </p:nvPr>
+        </p:nvSpPr>
+        <p:spPr/>
+        <p:txBody>
+          <a:bodyPr/>
+          <a:lstStyle/>
+          <a:p>
+            <a:r>
+              <a:rPr lang="zh-CN" altLang="en-US" dirty="0"/>
+              <a:t>自动</a:t>
+            </a:r>
+            <a:r>
+              <a:rPr lang="zh-CN" altLang="en-US" dirty="0" smtClean="0"/>
+              <a:t>微分与计算图</a:t>
+            </a:r>
+            <a:endParaRPr lang="zh-CN" altLang="en-US" dirty="0"/>
+          </a:p>
+        </p:txBody>
+      </p:sp>
+      <p:sp>
+        <p:nvSpPr>
+          <p:cNvPr id="3" name="内容占位符 2"/>
+          <p:cNvSpPr>
+            <a:spLocks noGrp="1"/>
+          </p:cNvSpPr>
+          <p:nvPr>
+            <p:ph sz="quarter" idx="1"/>
+          </p:nvPr>
+        </p:nvSpPr>
+        <p:spPr/>
+        <p:txBody>
+          <a:bodyPr/>
+          <a:lstStyle/>
+          <a:p>
+            <a:r>
+              <a:rPr lang="zh-CN" altLang="en-US" dirty="0"/>
+              <a:t>自动微分也是利用链式法则来自动计算一个复合函数的梯度</a:t>
+            </a:r>
+            <a:r>
+              <a:rPr lang="zh-CN" altLang="en-US" dirty="0" smtClean="0"/>
+              <a:t>。</a:t>
+            </a:r>
+            <a:endParaRPr lang="en-US" altLang="zh-CN" dirty="0" smtClean="0"/>
+          </a:p>
+          <a:p>
+            <a:endParaRPr lang="en-US" altLang="zh-CN" dirty="0"/>
+          </a:p>
+          <a:p>
+            <a:endParaRPr lang="en-US" altLang="zh-CN" dirty="0" smtClean="0"/>
+          </a:p>
+          <a:p>
+            <a:r>
+              <a:rPr lang="zh-CN" altLang="en-US" dirty="0" smtClean="0"/>
+              <a:t>计算图</a:t>
+            </a:r>
+            <a:endParaRPr lang="en-US" altLang="zh-CN" dirty="0"/>
+          </a:p>
+        </p:txBody>
+      </p:sp>
+      <p:pic>
+        <p:nvPicPr>
+          <p:cNvPr id="4" name="图片 3" descr="屏幕剪辑"/>
+          <p:cNvPicPr>
+            <a:picLocks noChangeAspect="1"/>
+          </p:cNvPicPr>
+          <p:nvPr/>
+        </p:nvPicPr>
+        <p:blipFill>
+          <a:blip r:embed="rId2">
+            <a:extLst>
+              <a:ext uri="{28A0092B-C50C-407E-A947-70E740481C1C}">
+                <a14:useLocalDpi xmlns:a14="http://schemas.microsoft.com/office/drawing/2010/main" val="0"/>
+              </a:ext>
+            </a:extLst>
+          </a:blip>
+          <a:stretch>
+            <a:fillRect/>
+          </a:stretch>
+        </p:blipFill>
+        <p:spPr>
+          <a:xfrm>
+            <a:off x="2362200" y="2514600"/>
+            <a:ext cx="3696056" cy="762000"/>
+          </a:xfrm>
+          <a:prstGeom prst="rect">
+            <a:avLst/>
+          </a:prstGeom>
+        </p:spPr>
+      </p:pic>
+      <p:pic>
+        <p:nvPicPr>
+          <p:cNvPr id="5" name="图片 4" descr="屏幕剪辑"/>
+          <p:cNvPicPr>
+            <a:picLocks noChangeAspect="1"/>
+          </p:cNvPicPr>
+          <p:nvPr/>
+        </p:nvPicPr>
+        <p:blipFill>
+          <a:blip r:embed="rId3">
+            <a:extLst>
+              <a:ext uri="{28A0092B-C50C-407E-A947-70E740481C1C}">
+                <a14:useLocalDpi xmlns:a14="http://schemas.microsoft.com/office/drawing/2010/main" val="0"/>
+              </a:ext>
+            </a:extLst>
+          </a:blip>
+          <a:stretch>
+            <a:fillRect/>
+          </a:stretch>
+        </p:blipFill>
+        <p:spPr>
+          <a:xfrm>
+            <a:off x="1219200" y="4267200"/>
+            <a:ext cx="6846016" cy="1600200"/>
+          </a:xfrm>
+          <a:prstGeom prst="rect">
+            <a:avLst/>
+          </a:prstGeom>
+        </p:spPr>
+      </p:pic>
+    </p:spTree>
+    <p:extLst>
+      <p:ext uri="{BB962C8B-B14F-4D97-AF65-F5344CB8AC3E}">
+        <p14:creationId xmlns:p14="http://schemas.microsoft.com/office/powerpoint/2010/main" val="3229195653"/>
+      </p:ext>
+    </p:extLst>
+  </p:cSld>
+  <p:clrMapOvr>
+    <a:masterClrMapping/>
+  </p:clrMapOvr>
+  <p:timing>
+    <p:tnLst>
+      <p:par>
+        <p:cTn id="1" dur="indefinite" restart="never" nodeType="tmRoot"/>
+      </p:par>
+    </p:tnLst>
+  </p:timing>
+</p:sld>
+</file>
+
+<file path=ppt/slides/slide23.xml><?xml version="1.0" encoding="utf-8"?>
+<p:sld xmlns:a="http://schemas.openxmlformats.org/drawingml/2006/main" xmlns:r="http://schemas.openxmlformats.org/officeDocument/2006/relationships" xmlns:p="http://schemas.openxmlformats.org/presentationml/2006/main">
+  <p:cSld>
+    <p:spTree>
+      <p:nvGrpSpPr>
+        <p:cNvPr id="1" name=""/>
+        <p:cNvGrpSpPr/>
+        <p:nvPr/>
+      </p:nvGrpSpPr>
+      <p:grpSpPr>
+        <a:xfrm>
+          <a:off x="0" y="0"/>
+          <a:ext cx="0" cy="0"/>
+          <a:chOff x="0" y="0"/>
+          <a:chExt cx="0" cy="0"/>
+        </a:xfrm>
+      </p:grpSpPr>
+      <p:sp>
+        <p:nvSpPr>
+          <p:cNvPr id="2" name="标题 1"/>
+          <p:cNvSpPr>
+            <a:spLocks noGrp="1"/>
+          </p:cNvSpPr>
+          <p:nvPr>
+            <p:ph type="title"/>
+          </p:nvPr>
+        </p:nvSpPr>
+        <p:spPr/>
+        <p:txBody>
+          <a:bodyPr/>
+          <a:lstStyle/>
+          <a:p>
+            <a:r>
+              <a:rPr lang="zh-CN" altLang="en-US" dirty="0" smtClean="0"/>
+              <a:t>计算图</a:t>
+            </a:r>
+            <a:endParaRPr lang="zh-CN" altLang="en-US" dirty="0"/>
+          </a:p>
+        </p:txBody>
+      </p:sp>
+      <p:pic>
+        <p:nvPicPr>
+          <p:cNvPr id="4" name="图片 3" descr="屏幕剪辑"/>
+          <p:cNvPicPr>
+            <a:picLocks noChangeAspect="1"/>
+          </p:cNvPicPr>
+          <p:nvPr/>
+        </p:nvPicPr>
+        <p:blipFill>
+          <a:blip r:embed="rId2">
+            <a:extLst>
+              <a:ext uri="{28A0092B-C50C-407E-A947-70E740481C1C}">
+                <a14:useLocalDpi xmlns:a14="http://schemas.microsoft.com/office/drawing/2010/main" val="0"/>
+              </a:ext>
+            </a:extLst>
+          </a:blip>
+          <a:stretch>
+            <a:fillRect/>
+          </a:stretch>
+        </p:blipFill>
+        <p:spPr>
+          <a:xfrm>
+            <a:off x="609600" y="1231446"/>
+            <a:ext cx="6846016" cy="1600200"/>
+          </a:xfrm>
+          <a:prstGeom prst="rect">
+            <a:avLst/>
+          </a:prstGeom>
+        </p:spPr>
+      </p:pic>
+      <p:pic>
+        <p:nvPicPr>
+          <p:cNvPr id="5" name="图片 4" descr="屏幕剪辑"/>
+          <p:cNvPicPr>
+            <a:picLocks noChangeAspect="1"/>
+          </p:cNvPicPr>
+          <p:nvPr/>
+        </p:nvPicPr>
+        <p:blipFill>
+          <a:blip r:embed="rId3">
+            <a:extLst>
+              <a:ext uri="{28A0092B-C50C-407E-A947-70E740481C1C}">
+                <a14:useLocalDpi xmlns:a14="http://schemas.microsoft.com/office/drawing/2010/main" val="0"/>
+              </a:ext>
+            </a:extLst>
+          </a:blip>
+          <a:stretch>
+            <a:fillRect/>
+          </a:stretch>
+        </p:blipFill>
+        <p:spPr>
+          <a:xfrm>
+            <a:off x="1676400" y="2930978"/>
+            <a:ext cx="5383138" cy="3351292"/>
+          </a:xfrm>
+          <a:prstGeom prst="rect">
+            <a:avLst/>
+          </a:prstGeom>
+        </p:spPr>
+      </p:pic>
+    </p:spTree>
+    <p:extLst>
+      <p:ext uri="{BB962C8B-B14F-4D97-AF65-F5344CB8AC3E}">
+        <p14:creationId xmlns:p14="http://schemas.microsoft.com/office/powerpoint/2010/main" val="2029964577"/>
+      </p:ext>
+    </p:extLst>
+  </p:cSld>
+  <p:clrMapOvr>
+    <a:masterClrMapping/>
+  </p:clrMapOvr>
+  <p:timing>
+    <p:tnLst>
+      <p:par>
+        <p:cTn id="1" dur="indefinite" restart="never" nodeType="tmRoot"/>
+      </p:par>
+    </p:tnLst>
+  </p:timing>
+</p:sld>
+</file>
+
+<file path=ppt/slides/slide24.xml><?xml version="1.0" encoding="utf-8"?>
+<p:sld xmlns:a="http://schemas.openxmlformats.org/drawingml/2006/main" xmlns:r="http://schemas.openxmlformats.org/officeDocument/2006/relationships" xmlns:p="http://schemas.openxmlformats.org/presentationml/2006/main">
+  <p:cSld>
+    <p:spTree>
+      <p:nvGrpSpPr>
+        <p:cNvPr id="1" name=""/>
+        <p:cNvGrpSpPr/>
+        <p:nvPr/>
+      </p:nvGrpSpPr>
+      <p:grpSpPr>
+        <a:xfrm>
+          <a:off x="0" y="0"/>
+          <a:ext cx="0" cy="0"/>
+          <a:chOff x="0" y="0"/>
+          <a:chExt cx="0" cy="0"/>
+        </a:xfrm>
+      </p:grpSpPr>
+      <p:sp>
+        <p:nvSpPr>
+          <p:cNvPr id="2" name="标题 1"/>
+          <p:cNvSpPr>
+            <a:spLocks noGrp="1"/>
+          </p:cNvSpPr>
+          <p:nvPr>
+            <p:ph type="title"/>
+          </p:nvPr>
+        </p:nvSpPr>
+        <p:spPr/>
+        <p:txBody>
+          <a:bodyPr/>
+          <a:lstStyle/>
+          <a:p>
+            <a:endParaRPr lang="zh-CN" altLang="en-US"/>
+          </a:p>
+        </p:txBody>
+      </p:sp>
+      <p:sp>
+        <p:nvSpPr>
+          <p:cNvPr id="3" name="内容占位符 2"/>
+          <p:cNvSpPr>
+            <a:spLocks noGrp="1"/>
+          </p:cNvSpPr>
+          <p:nvPr>
+            <p:ph sz="quarter" idx="1"/>
+          </p:nvPr>
+        </p:nvSpPr>
+        <p:spPr/>
+        <p:txBody>
+          <a:bodyPr/>
+          <a:lstStyle/>
+          <a:p>
+            <a:r>
+              <a:rPr lang="zh-CN" altLang="en-US" dirty="0"/>
+              <a:t>当</a:t>
+            </a:r>
+            <a:r>
+              <a:rPr lang="en-US" altLang="zh-CN" dirty="0"/>
+              <a:t>x = 1,w = 0,b = 0</a:t>
+            </a:r>
+            <a:r>
+              <a:rPr lang="zh-CN" altLang="en-US" dirty="0"/>
+              <a:t>时，可以</a:t>
+            </a:r>
+            <a:r>
+              <a:rPr lang="zh-CN" altLang="en-US" dirty="0" smtClean="0"/>
+              <a:t>得到</a:t>
+            </a:r>
+            <a:endParaRPr lang="en-US" altLang="zh-CN" dirty="0" smtClean="0"/>
+          </a:p>
+          <a:p>
+            <a:endParaRPr lang="en-US" altLang="zh-CN" dirty="0"/>
+          </a:p>
+          <a:p>
+            <a:endParaRPr lang="en-US" altLang="zh-CN" dirty="0" smtClean="0"/>
+          </a:p>
+          <a:p>
+            <a:endParaRPr lang="en-US" altLang="zh-CN" dirty="0"/>
+          </a:p>
+          <a:p>
+            <a:endParaRPr lang="en-US" altLang="zh-CN" dirty="0" smtClean="0"/>
+          </a:p>
+          <a:p>
+            <a:r>
+              <a:rPr lang="zh-CN" altLang="en-US" dirty="0"/>
+              <a:t>如果函数和参数之间有多条路径，可以将这多条路径上的导数再进行相加</a:t>
+            </a:r>
+            <a:r>
+              <a:rPr lang="zh-CN" altLang="en-US" dirty="0" smtClean="0"/>
+              <a:t>，得到</a:t>
+            </a:r>
+            <a:r>
+              <a:rPr lang="zh-CN" altLang="en-US" dirty="0"/>
+              <a:t>最终的梯度。</a:t>
+            </a:r>
+          </a:p>
+        </p:txBody>
+      </p:sp>
+      <p:pic>
+        <p:nvPicPr>
+          <p:cNvPr id="4" name="图片 3" descr="屏幕剪辑"/>
+          <p:cNvPicPr>
+            <a:picLocks noChangeAspect="1"/>
+          </p:cNvPicPr>
+          <p:nvPr/>
+        </p:nvPicPr>
+        <p:blipFill>
+          <a:blip r:embed="rId2">
+            <a:extLst>
+              <a:ext uri="{28A0092B-C50C-407E-A947-70E740481C1C}">
+                <a14:useLocalDpi xmlns:a14="http://schemas.microsoft.com/office/drawing/2010/main" val="0"/>
+              </a:ext>
+            </a:extLst>
+          </a:blip>
+          <a:stretch>
+            <a:fillRect/>
+          </a:stretch>
+        </p:blipFill>
+        <p:spPr>
+          <a:xfrm>
+            <a:off x="1600200" y="2133600"/>
+            <a:ext cx="5383127" cy="1279105"/>
+          </a:xfrm>
+          <a:prstGeom prst="rect">
+            <a:avLst/>
+          </a:prstGeom>
+        </p:spPr>
+      </p:pic>
+    </p:spTree>
+    <p:extLst>
+      <p:ext uri="{BB962C8B-B14F-4D97-AF65-F5344CB8AC3E}">
+        <p14:creationId xmlns:p14="http://schemas.microsoft.com/office/powerpoint/2010/main" val="1580473456"/>
+      </p:ext>
+    </p:extLst>
+  </p:cSld>
+  <p:clrMapOvr>
+    <a:masterClrMapping/>
+  </p:clrMapOvr>
+  <p:timing>
+    <p:tnLst>
+      <p:par>
+        <p:cTn id="1" dur="indefinite" restart="never" nodeType="tmRoot"/>
+      </p:par>
+    </p:tnLst>
   </p:timing>
 </p:sld>
 </file>
@@ -18135,10 +17159,9 @@
           <a:lstStyle/>
           <a:p>
             <a:r>
-              <a:rPr lang="zh-CN" altLang="en-US" dirty="0" smtClean="0"/>
-              <a:t>反向传播算法</a:t>
-            </a:r>
-            <a:endParaRPr lang="zh-CN" altLang="en-US" dirty="0"/>
+              <a:rPr lang="zh-CN" altLang="en-US" dirty="0"/>
+              <a:t>静态计算图和动态计算图</a:t>
+            </a:r>
           </a:p>
         </p:txBody>
       </p:sp>
@@ -18158,131 +17181,91 @@
           <a:lstStyle/>
           <a:p>
             <a:r>
-              <a:rPr lang="zh-CN" altLang="en-US" dirty="0" smtClean="0"/>
-              <a:t>目标函数</a:t>
-            </a:r>
-            <a:endParaRPr lang="en-US" altLang="zh-CN" dirty="0" smtClean="0"/>
-          </a:p>
-          <a:p>
-            <a:pPr marL="0" indent="0">
-              <a:buNone/>
-            </a:pPr>
-            <a:endParaRPr lang="en-US" altLang="zh-CN" dirty="0" smtClean="0"/>
-          </a:p>
-          <a:p>
-            <a:pPr marL="0" indent="0">
-              <a:buNone/>
-            </a:pPr>
-            <a:endParaRPr lang="en-US" altLang="zh-CN" dirty="0" smtClean="0"/>
-          </a:p>
-          <a:p>
-            <a:endParaRPr lang="en-US" altLang="zh-CN" dirty="0" smtClean="0"/>
-          </a:p>
-          <a:p>
-            <a:r>
-              <a:rPr lang="zh-CN" altLang="en-US" dirty="0" smtClean="0"/>
-              <a:t>梯度</a:t>
-            </a:r>
-            <a:endParaRPr lang="zh-CN" altLang="en-US" dirty="0"/>
-          </a:p>
-        </p:txBody>
-      </p:sp>
-      <p:pic>
-        <p:nvPicPr>
-          <p:cNvPr id="4" name="图片 3" descr="屏幕剪辑"/>
-          <p:cNvPicPr>
-            <a:picLocks noChangeAspect="1"/>
-          </p:cNvPicPr>
-          <p:nvPr/>
-        </p:nvPicPr>
-        <p:blipFill>
-          <a:blip r:embed="rId2">
-            <a:extLst>
-              <a:ext uri="{28A0092B-C50C-407E-A947-70E740481C1C}">
-                <a14:useLocalDpi xmlns:a14="http://schemas.microsoft.com/office/drawing/2010/main"/>
-              </a:ext>
-            </a:extLst>
-          </a:blip>
-          <a:stretch>
-            <a:fillRect/>
-          </a:stretch>
-        </p:blipFill>
-        <p:spPr>
-          <a:xfrm>
-            <a:off x="1676400" y="1684304"/>
-            <a:ext cx="5638800" cy="1549352"/>
-          </a:xfrm>
-          <a:prstGeom prst="rect">
-            <a:avLst/>
-          </a:prstGeom>
-        </p:spPr>
-      </p:pic>
-      <p:pic>
-        <p:nvPicPr>
-          <p:cNvPr id="5" name="图片 4" descr="屏幕剪辑"/>
-          <p:cNvPicPr>
-            <a:picLocks noChangeAspect="1"/>
-          </p:cNvPicPr>
-          <p:nvPr/>
-        </p:nvPicPr>
-        <p:blipFill>
-          <a:blip r:embed="rId3">
-            <a:extLst>
-              <a:ext uri="{28A0092B-C50C-407E-A947-70E740481C1C}">
-                <a14:useLocalDpi xmlns:a14="http://schemas.microsoft.com/office/drawing/2010/main"/>
-              </a:ext>
-            </a:extLst>
-          </a:blip>
-          <a:stretch>
-            <a:fillRect/>
-          </a:stretch>
-        </p:blipFill>
-        <p:spPr>
-          <a:xfrm>
-            <a:off x="2133600" y="3463976"/>
-            <a:ext cx="5498848" cy="2692984"/>
-          </a:xfrm>
-          <a:prstGeom prst="rect">
-            <a:avLst/>
-          </a:prstGeom>
-        </p:spPr>
-      </p:pic>
-      <p:sp>
-        <p:nvSpPr>
-          <p:cNvPr id="6" name="矩形 5"/>
-          <p:cNvSpPr/>
-          <p:nvPr/>
-        </p:nvSpPr>
-        <p:spPr>
-          <a:xfrm>
-            <a:off x="6424642" y="2274314"/>
-            <a:ext cx="2262158" cy="369332"/>
-          </a:xfrm>
-          <a:prstGeom prst="rect">
-            <a:avLst/>
-          </a:prstGeom>
-        </p:spPr>
-        <p:txBody>
-          <a:bodyPr wrap="none">
-            <a:spAutoFit/>
-          </a:bodyPr>
-          <a:lstStyle/>
-          <a:p>
-            <a:r>
-              <a:rPr lang="zh-CN" altLang="en-US" dirty="0">
-                <a:solidFill>
-                  <a:schemeClr val="accent2"/>
-                </a:solidFill>
-              </a:rPr>
-              <a:t>正则化而不包含偏置</a:t>
-            </a:r>
+              <a:rPr lang="zh-CN" altLang="en-US" sz="2800" dirty="0"/>
+              <a:t>静态计算图是在编译时构建计算图，计算图构建好之后在程序运行时不能</a:t>
+            </a:r>
+            <a:r>
+              <a:rPr lang="zh-CN" altLang="en-US" sz="2800" dirty="0" smtClean="0"/>
+              <a:t>改变。</a:t>
+            </a:r>
+            <a:endParaRPr lang="en-US" altLang="zh-CN" sz="2800" dirty="0" smtClean="0"/>
+          </a:p>
+          <a:p>
+            <a:pPr lvl="1"/>
+            <a:r>
+              <a:rPr lang="en-US" altLang="zh-CN" sz="2000" dirty="0" err="1"/>
+              <a:t>Theano</a:t>
+            </a:r>
+            <a:r>
+              <a:rPr lang="zh-CN" altLang="en-US" sz="2000" dirty="0"/>
+              <a:t>和</a:t>
+            </a:r>
+            <a:r>
+              <a:rPr lang="en-US" altLang="zh-CN" sz="2000" dirty="0" err="1"/>
+              <a:t>Tensorflow</a:t>
+            </a:r>
+            <a:endParaRPr lang="en-US" altLang="zh-CN" sz="2000" dirty="0" smtClean="0"/>
+          </a:p>
+          <a:p>
+            <a:r>
+              <a:rPr lang="zh-CN" altLang="en-US" sz="2800" dirty="0" smtClean="0"/>
+              <a:t>动态</a:t>
+            </a:r>
+            <a:r>
+              <a:rPr lang="zh-CN" altLang="en-US" sz="2800" dirty="0"/>
+              <a:t>计算图是在程序运行时动态构建。两种构建方式各有优缺点</a:t>
+            </a:r>
+            <a:r>
+              <a:rPr lang="zh-CN" altLang="en-US" sz="2800" dirty="0" smtClean="0"/>
+              <a:t>。</a:t>
+            </a:r>
+            <a:endParaRPr lang="en-US" altLang="zh-CN" sz="2800" dirty="0" smtClean="0"/>
+          </a:p>
+          <a:p>
+            <a:pPr lvl="1"/>
+            <a:r>
+              <a:rPr lang="en-US" altLang="zh-CN" sz="2000" dirty="0" err="1"/>
+              <a:t>DyNet</a:t>
+            </a:r>
+            <a:r>
+              <a:rPr lang="zh-CN" altLang="en-US" sz="2000" dirty="0"/>
+              <a:t>，</a:t>
+            </a:r>
+            <a:r>
+              <a:rPr lang="en-US" altLang="zh-CN" sz="2000" dirty="0" err="1"/>
+              <a:t>Chainer</a:t>
+            </a:r>
+            <a:r>
+              <a:rPr lang="zh-CN" altLang="en-US" sz="2000" dirty="0"/>
+              <a:t>和</a:t>
+            </a:r>
+            <a:r>
+              <a:rPr lang="en-US" altLang="zh-CN" sz="2000" dirty="0" err="1"/>
+              <a:t>PyTorch</a:t>
+            </a:r>
+            <a:endParaRPr lang="en-US" altLang="zh-CN" sz="2000" dirty="0" smtClean="0"/>
+          </a:p>
+          <a:p>
+            <a:r>
+              <a:rPr lang="zh-CN" altLang="en-US" sz="2800" dirty="0" smtClean="0"/>
+              <a:t>静态</a:t>
+            </a:r>
+            <a:r>
+              <a:rPr lang="zh-CN" altLang="en-US" sz="2800" dirty="0"/>
+              <a:t>计算图在构建时可以进行优化，并行能力强，但灵活性比较差低。动态计算图则不容易优化，当不同输入的网络结构不一致时，难以并行计算，但是灵活性比较高</a:t>
+            </a:r>
+            <a:r>
+              <a:rPr lang="zh-CN" altLang="en-US" sz="2800" dirty="0" smtClean="0"/>
+              <a:t>。</a:t>
+            </a:r>
+            <a:endParaRPr lang="en-US" altLang="zh-CN" sz="2800" dirty="0" smtClean="0"/>
           </a:p>
         </p:txBody>
       </p:sp>
     </p:spTree>
     <p:extLst>
       <p:ext uri="{BB962C8B-B14F-4D97-AF65-F5344CB8AC3E}">
-        <p14:creationId xmlns:p14="http://schemas.microsoft.com/office/powerpoint/2010/main" val="2337510934"/>
+        <p14:creationId xmlns:p14="http://schemas.microsoft.com/office/powerpoint/2010/main" val="3072051011"/>
       </p:ext>
     </p:extLst>
   </p:cSld>
@@ -18333,45 +17316,113 @@
           <a:p>
             <a:r>
               <a:rPr lang="zh-CN" altLang="en-US" dirty="0" smtClean="0"/>
-              <a:t>梯度链式法则</a:t>
+              <a:t>反向传播算法 </a:t>
+            </a:r>
+            <a:r>
+              <a:rPr lang="en-US" altLang="zh-CN" dirty="0" smtClean="0"/>
+              <a:t>(</a:t>
+            </a:r>
+            <a:r>
+              <a:rPr lang="zh-CN" altLang="en-US" dirty="0"/>
+              <a:t>自动</a:t>
+            </a:r>
+            <a:r>
+              <a:rPr lang="zh-CN" altLang="en-US" dirty="0" smtClean="0"/>
+              <a:t>微分的反向模式）</a:t>
             </a:r>
             <a:endParaRPr lang="zh-CN" altLang="en-US" dirty="0"/>
           </a:p>
         </p:txBody>
       </p:sp>
-      <p:pic>
-        <p:nvPicPr>
-          <p:cNvPr id="4" name="内容占位符 3"/>
-          <p:cNvPicPr>
-            <a:picLocks noGrp="1" noChangeAspect="1"/>
-          </p:cNvPicPr>
+      <p:sp>
+        <p:nvSpPr>
+          <p:cNvPr id="3" name="内容占位符 2"/>
+          <p:cNvSpPr>
+            <a:spLocks noGrp="1"/>
+          </p:cNvSpPr>
           <p:nvPr>
             <p:ph sz="quarter" idx="1"/>
           </p:nvPr>
-        </p:nvPicPr>
-        <p:blipFill>
-          <a:blip r:embed="rId2">
-            <a:extLst>
-              <a:ext uri="{28A0092B-C50C-407E-A947-70E740481C1C}">
-                <a14:useLocalDpi xmlns:a14="http://schemas.microsoft.com/office/drawing/2010/main" val="0"/>
-              </a:ext>
-            </a:extLst>
-          </a:blip>
-          <a:stretch>
-            <a:fillRect/>
-          </a:stretch>
-        </p:blipFill>
-        <p:spPr>
-          <a:xfrm>
-            <a:off x="1295400" y="1524000"/>
-            <a:ext cx="5924550" cy="4350194"/>
-          </a:xfrm>
-        </p:spPr>
-      </p:pic>
+        </p:nvSpPr>
+        <p:spPr/>
+        <p:txBody>
+          <a:bodyPr/>
+          <a:lstStyle/>
+          <a:p>
+            <a:r>
+              <a:rPr lang="zh-CN" altLang="en-US" sz="3200" dirty="0" smtClean="0"/>
+              <a:t>前馈</a:t>
+            </a:r>
+            <a:r>
+              <a:rPr lang="zh-CN" altLang="en-US" sz="3200" dirty="0" smtClean="0"/>
+              <a:t>神经网络的训练过程可以分为以下三步</a:t>
+            </a:r>
+          </a:p>
+          <a:p>
+            <a:pPr lvl="1"/>
+            <a:r>
+              <a:rPr lang="zh-CN" altLang="en-US" sz="2800" dirty="0" smtClean="0">
+                <a:solidFill>
+                  <a:srgbClr val="FF0000"/>
+                </a:solidFill>
+              </a:rPr>
+              <a:t>前向计算</a:t>
+            </a:r>
+            <a:r>
+              <a:rPr lang="zh-CN" altLang="en-US" sz="2800" dirty="0" smtClean="0"/>
+              <a:t>每一层的状态和激活值，直到最后一层</a:t>
+            </a:r>
+          </a:p>
+          <a:p>
+            <a:pPr lvl="1"/>
+            <a:r>
+              <a:rPr lang="zh-CN" altLang="en-US" sz="2800" dirty="0" smtClean="0">
+                <a:solidFill>
+                  <a:srgbClr val="FF0000"/>
+                </a:solidFill>
+              </a:rPr>
+              <a:t>反向计算</a:t>
+            </a:r>
+            <a:r>
+              <a:rPr lang="zh-CN" altLang="en-US" sz="2800" dirty="0" smtClean="0"/>
+              <a:t>每一</a:t>
+            </a:r>
+            <a:r>
+              <a:rPr lang="zh-CN" altLang="en-US" sz="2800" dirty="0" smtClean="0"/>
+              <a:t>层的参数</a:t>
+            </a:r>
+            <a:r>
+              <a:rPr lang="zh-CN" altLang="en-US" sz="2800" dirty="0" smtClean="0"/>
+              <a:t>的</a:t>
+            </a:r>
+            <a:r>
+              <a:rPr lang="zh-CN" altLang="en-US" sz="2800" dirty="0" smtClean="0"/>
+              <a:t>偏导数</a:t>
+            </a:r>
+            <a:endParaRPr lang="en-US" altLang="zh-CN" sz="2800" dirty="0" smtClean="0"/>
+          </a:p>
+          <a:p>
+            <a:pPr lvl="1"/>
+            <a:r>
+              <a:rPr lang="zh-CN" altLang="en-US" sz="2800" dirty="0" smtClean="0">
+                <a:solidFill>
+                  <a:srgbClr val="FF0000"/>
+                </a:solidFill>
+              </a:rPr>
+              <a:t>更新参数</a:t>
+            </a:r>
+            <a:endParaRPr lang="zh-CN" altLang="en-US" sz="2800" dirty="0">
+              <a:solidFill>
+                <a:srgbClr val="FF0000"/>
+              </a:solidFill>
+            </a:endParaRPr>
+          </a:p>
+        </p:txBody>
+      </p:sp>
     </p:spTree>
     <p:extLst>
       <p:ext uri="{BB962C8B-B14F-4D97-AF65-F5344CB8AC3E}">
-        <p14:creationId xmlns:p14="http://schemas.microsoft.com/office/powerpoint/2010/main" val="3085069655"/>
+        <p14:creationId xmlns:p14="http://schemas.microsoft.com/office/powerpoint/2010/main" val="3440884166"/>
       </p:ext>
     </p:extLst>
   </p:cSld>
@@ -18422,7 +17473,7 @@
           <a:p>
             <a:r>
               <a:rPr lang="zh-CN" altLang="en-US" dirty="0"/>
-              <a:t>反向传播算法</a:t>
+              <a:t>优化问题</a:t>
             </a:r>
           </a:p>
         </p:txBody>
@@ -18443,8 +17494,12 @@
           <a:lstStyle/>
           <a:p>
             <a:r>
+              <a:rPr lang="zh-CN" altLang="en-US" dirty="0"/>
+              <a:t>非凸优化</a:t>
+            </a:r>
+            <a:r>
               <a:rPr lang="zh-CN" altLang="en-US" dirty="0" smtClean="0"/>
-              <a:t>根据链式法则，</a:t>
+              <a:t>问题</a:t>
             </a:r>
             <a:endParaRPr lang="en-US" altLang="zh-CN" dirty="0" smtClean="0"/>
           </a:p>
@@ -18461,94 +17516,10 @@
             <a:endParaRPr lang="en-US" altLang="zh-CN" dirty="0" smtClean="0"/>
           </a:p>
           <a:p>
-            <a:r>
-              <a:rPr lang="zh-CN" altLang="en-US" dirty="0" smtClean="0"/>
-              <a:t>右边第一项为</a:t>
-            </a:r>
-            <a:r>
-              <a:rPr lang="zh-CN" altLang="en-US" dirty="0"/>
-              <a:t>目标函数关于第</a:t>
-            </a:r>
-            <a:r>
-              <a:rPr lang="en-US" altLang="zh-CN" dirty="0"/>
-              <a:t>l</a:t>
-            </a:r>
-            <a:r>
-              <a:rPr lang="zh-CN" altLang="en-US" dirty="0"/>
-              <a:t>层的神经元</a:t>
-            </a:r>
-            <a:r>
-              <a:rPr lang="en-US" altLang="zh-CN" dirty="0" smtClean="0"/>
-              <a:t>z</a:t>
-            </a:r>
-            <a:r>
-              <a:rPr lang="en-US" altLang="zh-CN" baseline="30000" dirty="0" smtClean="0"/>
-              <a:t>(l</a:t>
-            </a:r>
-            <a:r>
-              <a:rPr lang="en-US" altLang="zh-CN" baseline="30000" dirty="0"/>
-              <a:t>)</a:t>
-            </a:r>
-            <a:r>
-              <a:rPr lang="en-US" altLang="zh-CN" dirty="0"/>
-              <a:t> </a:t>
-            </a:r>
-            <a:r>
-              <a:rPr lang="zh-CN" altLang="en-US" dirty="0"/>
-              <a:t>的偏导数，我们</a:t>
-            </a:r>
-            <a:r>
-              <a:rPr lang="zh-CN" altLang="en-US" dirty="0" smtClean="0"/>
-              <a:t>称为</a:t>
-            </a:r>
-            <a:r>
-              <a:rPr lang="zh-CN" altLang="en-US" dirty="0"/>
-              <a:t>误差项</a:t>
-            </a:r>
-            <a:r>
-              <a:rPr lang="en-US" altLang="zh-CN" dirty="0"/>
-              <a:t>δ</a:t>
-            </a:r>
-            <a:r>
-              <a:rPr lang="en-US" altLang="zh-CN" baseline="30000" dirty="0"/>
-              <a:t> (l</a:t>
-            </a:r>
-            <a:r>
-              <a:rPr lang="en-US" altLang="zh-CN" baseline="30000" dirty="0" smtClean="0"/>
-              <a:t>)</a:t>
-            </a:r>
-            <a:r>
-              <a:rPr lang="zh-CN" altLang="en-US" dirty="0" smtClean="0"/>
-              <a:t>。</a:t>
-            </a:r>
+            <a:endParaRPr lang="en-US" altLang="zh-CN" dirty="0"/>
+          </a:p>
+          <a:p>
             <a:endParaRPr lang="en-US" altLang="zh-CN" dirty="0" smtClean="0"/>
-          </a:p>
-          <a:p>
-            <a:pPr lvl="1"/>
-            <a:r>
-              <a:rPr lang="zh-CN" altLang="en-US" dirty="0" smtClean="0"/>
-              <a:t>误差项反映</a:t>
-            </a:r>
-            <a:r>
-              <a:rPr lang="zh-CN" altLang="en-US" dirty="0"/>
-              <a:t>了最终的输出对</a:t>
-            </a:r>
-            <a:r>
-              <a:rPr lang="zh-CN" altLang="en-US" dirty="0" smtClean="0"/>
-              <a:t>第</a:t>
-            </a:r>
-            <a:r>
-              <a:rPr lang="en-US" altLang="zh-CN" dirty="0" smtClean="0"/>
-              <a:t>l</a:t>
-            </a:r>
-            <a:r>
-              <a:rPr lang="zh-CN" altLang="en-US" dirty="0"/>
-              <a:t>层的神经元对最终误差的敏感程度。</a:t>
-            </a:r>
-            <a:endParaRPr lang="en-US" altLang="zh-CN" dirty="0" smtClean="0"/>
-          </a:p>
-          <a:p>
-            <a:endParaRPr lang="zh-CN" altLang="en-US" dirty="0"/>
           </a:p>
         </p:txBody>
       </p:sp>
@@ -18564,7 +17535,7 @@
           <a:blip r:embed="rId2">
             <a:extLst>
               <a:ext uri="{28A0092B-C50C-407E-A947-70E740481C1C}">
-                <a14:useLocalDpi xmlns:a14="http://schemas.microsoft.com/office/drawing/2010/main"/>
+                <a14:useLocalDpi xmlns:a14="http://schemas.microsoft.com/office/drawing/2010/main" val="0"/>
               </a:ext>
             </a:extLst>
           </a:blip>
@@ -18574,8 +17545,8 @@
         </p:blipFill>
         <p:spPr>
           <a:xfrm>
-            <a:off x="990600" y="2215398"/>
-            <a:ext cx="7539839" cy="1447800"/>
+            <a:off x="2133600" y="1905000"/>
+            <a:ext cx="5325921" cy="2838127"/>
           </a:xfrm>
           <a:prstGeom prst="rect">
             <a:avLst/>
@@ -18585,7 +17556,7 @@
     </p:spTree>
     <p:extLst>
       <p:ext uri="{BB962C8B-B14F-4D97-AF65-F5344CB8AC3E}">
-        <p14:creationId xmlns:p14="http://schemas.microsoft.com/office/powerpoint/2010/main" val="4120527087"/>
+        <p14:creationId xmlns:p14="http://schemas.microsoft.com/office/powerpoint/2010/main" val="3227197317"/>
       </p:ext>
     </p:extLst>
   </p:cSld>
@@ -18635,8 +17606,8 @@
           <a:lstStyle/>
           <a:p>
             <a:r>
-              <a:rPr lang="zh-CN" altLang="en-US" dirty="0" smtClean="0"/>
-              <a:t>误差项</a:t>
+              <a:rPr lang="zh-CN" altLang="en-US" dirty="0"/>
+              <a:t>优化问题</a:t>
             </a:r>
             <a:endParaRPr lang="zh-CN" altLang="en-US" dirty="0"/>
           </a:p>
@@ -18659,12 +17630,32 @@
           <a:p>
             <a:r>
               <a:rPr lang="zh-CN" altLang="en-US" dirty="0"/>
-              <a:t>根据链式法则，</a:t>
-            </a:r>
-            <a:endParaRPr lang="en-US" altLang="zh-CN" dirty="0"/>
-          </a:p>
-          <a:p>
+              <a:t>梯度消失</a:t>
+            </a:r>
+            <a:r>
+              <a:rPr lang="zh-CN" altLang="en-US" dirty="0" smtClean="0"/>
+              <a:t>问题（</a:t>
+            </a:r>
+            <a:r>
+              <a:rPr lang="en-US" altLang="zh-CN" dirty="0"/>
+              <a:t>Vanishing Gradient Problem</a:t>
+            </a:r>
+            <a:r>
+              <a:rPr lang="zh-CN" altLang="en-US" dirty="0" smtClean="0"/>
+              <a:t>）</a:t>
+            </a:r>
             <a:endParaRPr lang="zh-CN" altLang="en-US" dirty="0"/>
+          </a:p>
+          <a:p>
+            <a:pPr lvl="1"/>
+            <a:r>
+              <a:rPr lang="zh-CN" altLang="en-US" dirty="0" smtClean="0"/>
+              <a:t>在</a:t>
+            </a:r>
+            <a:r>
+              <a:rPr lang="zh-CN" altLang="en-US" dirty="0"/>
+              <a:t>神经网络中误差反向传播的迭代公式为</a:t>
+            </a:r>
           </a:p>
         </p:txBody>
       </p:sp>
@@ -18690,8 +17681,8 @@
         </p:blipFill>
         <p:spPr>
           <a:xfrm>
-            <a:off x="1066800" y="2209800"/>
-            <a:ext cx="6792272" cy="3549871"/>
+            <a:off x="1735106" y="2293873"/>
+            <a:ext cx="5241971" cy="856861"/>
           </a:xfrm>
           <a:prstGeom prst="rect">
             <a:avLst/>
@@ -18700,7 +17691,7 @@
       </p:pic>
       <p:pic>
         <p:nvPicPr>
-          <p:cNvPr id="5" name="图片 4" descr="屏幕剪辑"/>
+          <p:cNvPr id="6" name="图片 5" descr="屏幕剪辑"/>
           <p:cNvPicPr>
             <a:picLocks noChangeAspect="1"/>
           </p:cNvPicPr>
@@ -18720,8 +17711,8 @@
         </p:blipFill>
         <p:spPr>
           <a:xfrm>
-            <a:off x="3962400" y="1309866"/>
-            <a:ext cx="4425463" cy="502645"/>
+            <a:off x="1981200" y="3886200"/>
+            <a:ext cx="4463260" cy="1937708"/>
           </a:xfrm>
           <a:prstGeom prst="rect">
             <a:avLst/>
@@ -18731,7 +17722,7 @@
     </p:spTree>
     <p:extLst>
       <p:ext uri="{BB962C8B-B14F-4D97-AF65-F5344CB8AC3E}">
-        <p14:creationId xmlns:p14="http://schemas.microsoft.com/office/powerpoint/2010/main" val="1254867017"/>
+        <p14:creationId xmlns:p14="http://schemas.microsoft.com/office/powerpoint/2010/main" val="624462496"/>
       </p:ext>
     </p:extLst>
   </p:cSld>
@@ -18781,27 +17772,26 @@
           <a:lstStyle/>
           <a:p>
             <a:r>
-              <a:rPr lang="zh-CN" altLang="en-US" dirty="0"/>
-              <a:t>反向传播算法</a:t>
-            </a:r>
+              <a:rPr lang="zh-CN" altLang="en-US" dirty="0" smtClean="0"/>
+              <a:t>如何实现？</a:t>
+            </a:r>
+            <a:endParaRPr lang="zh-CN" altLang="en-US" dirty="0"/>
           </a:p>
         </p:txBody>
       </p:sp>
       <p:pic>
         <p:nvPicPr>
-          <p:cNvPr id="4" name="内容占位符 3" descr="屏幕剪辑"/>
+          <p:cNvPr id="3" name="图片 2"/>
           <p:cNvPicPr>
-            <a:picLocks noGrp="1" noChangeAspect="1"/>
+            <a:picLocks noChangeAspect="1"/>
           </p:cNvPicPr>
-          <p:nvPr>
-            <p:ph sz="quarter" idx="1"/>
-          </p:nvPr>
+          <p:nvPr/>
         </p:nvPicPr>
         <p:blipFill>
           <a:blip r:embed="rId2">
             <a:extLst>
               <a:ext uri="{28A0092B-C50C-407E-A947-70E740481C1C}">
-                <a14:useLocalDpi xmlns:a14="http://schemas.microsoft.com/office/drawing/2010/main"/>
+                <a14:useLocalDpi xmlns:a14="http://schemas.microsoft.com/office/drawing/2010/main" val="0"/>
               </a:ext>
             </a:extLst>
           </a:blip>
@@ -18811,15 +17801,18 @@
         </p:blipFill>
         <p:spPr>
           <a:xfrm>
-            <a:off x="609600" y="1676400"/>
-            <a:ext cx="7303892" cy="3421297"/>
+            <a:off x="1066800" y="1143000"/>
+            <a:ext cx="7391400" cy="5182618"/>
           </a:xfrm>
+          <a:prstGeom prst="rect">
+            <a:avLst/>
+          </a:prstGeom>
         </p:spPr>
       </p:pic>
     </p:spTree>
     <p:extLst>
       <p:ext uri="{BB962C8B-B14F-4D97-AF65-F5344CB8AC3E}">
-        <p14:creationId xmlns:p14="http://schemas.microsoft.com/office/powerpoint/2010/main" val="1681319560"/>
+        <p14:creationId xmlns:p14="http://schemas.microsoft.com/office/powerpoint/2010/main" val="1815791795"/>
       </p:ext>
     </p:extLst>
   </p:cSld>
@@ -18958,443 +17951,6 @@
           <a:lstStyle/>
           <a:p>
             <a:r>
-              <a:rPr lang="zh-CN" altLang="en-US" smtClean="0"/>
-              <a:t>反向传播算法</a:t>
-            </a:r>
-            <a:endParaRPr lang="zh-CN" altLang="en-US" dirty="0"/>
-          </a:p>
-        </p:txBody>
-      </p:sp>
-      <p:sp>
-        <p:nvSpPr>
-          <p:cNvPr id="3" name="内容占位符 2"/>
-          <p:cNvSpPr>
-            <a:spLocks noGrp="1"/>
-          </p:cNvSpPr>
-          <p:nvPr>
-            <p:ph sz="quarter" idx="1"/>
-          </p:nvPr>
-        </p:nvSpPr>
-        <p:spPr/>
-        <p:txBody>
-          <a:bodyPr/>
-          <a:lstStyle/>
-          <a:p>
-            <a:r>
-              <a:rPr lang="zh-CN" altLang="en-US" sz="3200" dirty="0" smtClean="0"/>
-              <a:t>在计算出每一层的误差项之后，我们就可以得到每一层参数的梯度。</a:t>
-            </a:r>
-            <a:endParaRPr lang="en-US" altLang="zh-CN" dirty="0"/>
-          </a:p>
-          <a:p>
-            <a:endParaRPr lang="zh-CN" altLang="en-US" sz="3200" dirty="0" smtClean="0"/>
-          </a:p>
-          <a:p>
-            <a:r>
-              <a:rPr lang="zh-CN" altLang="en-US" sz="3200" dirty="0" smtClean="0"/>
-              <a:t>前馈神经网络的训练过程可以分为以下三步</a:t>
-            </a:r>
-          </a:p>
-          <a:p>
-            <a:pPr lvl="1"/>
-            <a:r>
-              <a:rPr lang="zh-CN" altLang="en-US" sz="2800" dirty="0" smtClean="0"/>
-              <a:t>前馈计算每一层的状态和激活值，直到最后一层</a:t>
-            </a:r>
-          </a:p>
-          <a:p>
-            <a:pPr lvl="1"/>
-            <a:r>
-              <a:rPr lang="zh-CN" altLang="en-US" sz="2800" dirty="0" smtClean="0"/>
-              <a:t>反向传播计算每一层的误差项；</a:t>
-            </a:r>
-            <a:endParaRPr lang="en-US" altLang="zh-CN" sz="2800" dirty="0" smtClean="0"/>
-          </a:p>
-          <a:p>
-            <a:pPr lvl="1"/>
-            <a:r>
-              <a:rPr lang="zh-CN" altLang="en-US" sz="2800" dirty="0" smtClean="0"/>
-              <a:t>计算每一层参数的偏导数，并更新参数。</a:t>
-            </a:r>
-            <a:endParaRPr lang="zh-CN" altLang="en-US" sz="2800" dirty="0"/>
-          </a:p>
-        </p:txBody>
-      </p:sp>
-    </p:spTree>
-    <p:extLst>
-      <p:ext uri="{BB962C8B-B14F-4D97-AF65-F5344CB8AC3E}">
-        <p14:creationId xmlns:p14="http://schemas.microsoft.com/office/powerpoint/2010/main" val="3440884166"/>
-      </p:ext>
-    </p:extLst>
-  </p:cSld>
-  <p:clrMapOvr>
-    <a:masterClrMapping/>
-  </p:clrMapOvr>
-  <p:timing>
-    <p:tnLst>
-      <p:par>
-        <p:cTn id="1" dur="indefinite" restart="never" nodeType="tmRoot"/>
-      </p:par>
-    </p:tnLst>
-  </p:timing>
-</p:sld>
-</file>
-
-<file path=ppt/slides/slide31.xml><?xml version="1.0" encoding="utf-8"?>
-<p:sld xmlns:a="http://schemas.openxmlformats.org/drawingml/2006/main" xmlns:r="http://schemas.openxmlformats.org/officeDocument/2006/relationships" xmlns:p="http://schemas.openxmlformats.org/presentationml/2006/main">
-  <p:cSld>
-    <p:spTree>
-      <p:nvGrpSpPr>
-        <p:cNvPr id="1" name=""/>
-        <p:cNvGrpSpPr/>
-        <p:nvPr/>
-      </p:nvGrpSpPr>
-      <p:grpSpPr>
-        <a:xfrm>
-          <a:off x="0" y="0"/>
-          <a:ext cx="0" cy="0"/>
-          <a:chOff x="0" y="0"/>
-          <a:chExt cx="0" cy="0"/>
-        </a:xfrm>
-      </p:grpSpPr>
-      <p:sp>
-        <p:nvSpPr>
-          <p:cNvPr id="2" name="标题 1"/>
-          <p:cNvSpPr>
-            <a:spLocks noGrp="1"/>
-          </p:cNvSpPr>
-          <p:nvPr>
-            <p:ph type="title"/>
-          </p:nvPr>
-        </p:nvSpPr>
-        <p:spPr/>
-        <p:txBody>
-          <a:bodyPr/>
-          <a:lstStyle/>
-          <a:p>
-            <a:r>
-              <a:rPr lang="zh-CN" altLang="en-US" dirty="0" smtClean="0"/>
-              <a:t>梯度消失问题</a:t>
-            </a:r>
-            <a:endParaRPr lang="zh-CN" altLang="en-US" dirty="0"/>
-          </a:p>
-        </p:txBody>
-      </p:sp>
-      <p:sp>
-        <p:nvSpPr>
-          <p:cNvPr id="3" name="内容占位符 2"/>
-          <p:cNvSpPr>
-            <a:spLocks noGrp="1"/>
-          </p:cNvSpPr>
-          <p:nvPr>
-            <p:ph sz="quarter" idx="1"/>
-          </p:nvPr>
-        </p:nvSpPr>
-        <p:spPr/>
-        <p:txBody>
-          <a:bodyPr/>
-          <a:lstStyle/>
-          <a:p>
-            <a:r>
-              <a:rPr lang="zh-CN" altLang="en-US" dirty="0"/>
-              <a:t>在神经网络中误差反向传播的迭代公式为</a:t>
-            </a:r>
-          </a:p>
-        </p:txBody>
-      </p:sp>
-      <p:pic>
-        <p:nvPicPr>
-          <p:cNvPr id="4" name="图片 3" descr="屏幕剪辑"/>
-          <p:cNvPicPr>
-            <a:picLocks noChangeAspect="1"/>
-          </p:cNvPicPr>
-          <p:nvPr/>
-        </p:nvPicPr>
-        <p:blipFill>
-          <a:blip r:embed="rId2">
-            <a:extLst>
-              <a:ext uri="{28A0092B-C50C-407E-A947-70E740481C1C}">
-                <a14:useLocalDpi xmlns:a14="http://schemas.microsoft.com/office/drawing/2010/main"/>
-              </a:ext>
-            </a:extLst>
-          </a:blip>
-          <a:stretch>
-            <a:fillRect/>
-          </a:stretch>
-        </p:blipFill>
-        <p:spPr>
-          <a:xfrm>
-            <a:off x="1699727" y="1898780"/>
-            <a:ext cx="5241971" cy="856861"/>
-          </a:xfrm>
-          <a:prstGeom prst="rect">
-            <a:avLst/>
-          </a:prstGeom>
-        </p:spPr>
-      </p:pic>
-      <p:pic>
-        <p:nvPicPr>
-          <p:cNvPr id="5" name="图片 4" descr="屏幕剪辑"/>
-          <p:cNvPicPr>
-            <a:picLocks noChangeAspect="1"/>
-          </p:cNvPicPr>
-          <p:nvPr/>
-        </p:nvPicPr>
-        <p:blipFill>
-          <a:blip r:embed="rId3">
-            <a:extLst>
-              <a:ext uri="{28A0092B-C50C-407E-A947-70E740481C1C}">
-                <a14:useLocalDpi xmlns:a14="http://schemas.microsoft.com/office/drawing/2010/main"/>
-              </a:ext>
-            </a:extLst>
-          </a:blip>
-          <a:stretch>
-            <a:fillRect/>
-          </a:stretch>
-        </p:blipFill>
-        <p:spPr>
-          <a:xfrm>
-            <a:off x="1676400" y="2997119"/>
-            <a:ext cx="6173061" cy="2924583"/>
-          </a:xfrm>
-          <a:prstGeom prst="rect">
-            <a:avLst/>
-          </a:prstGeom>
-        </p:spPr>
-      </p:pic>
-    </p:spTree>
-    <p:extLst>
-      <p:ext uri="{BB962C8B-B14F-4D97-AF65-F5344CB8AC3E}">
-        <p14:creationId xmlns:p14="http://schemas.microsoft.com/office/powerpoint/2010/main" val="624462496"/>
-      </p:ext>
-    </p:extLst>
-  </p:cSld>
-  <p:clrMapOvr>
-    <a:masterClrMapping/>
-  </p:clrMapOvr>
-  <p:timing>
-    <p:tnLst>
-      <p:par>
-        <p:cTn id="1" dur="indefinite" restart="never" nodeType="tmRoot"/>
-      </p:par>
-    </p:tnLst>
-  </p:timing>
-</p:sld>
-</file>
-
-<file path=ppt/slides/slide32.xml><?xml version="1.0" encoding="utf-8"?>
-<p:sld xmlns:a="http://schemas.openxmlformats.org/drawingml/2006/main" xmlns:r="http://schemas.openxmlformats.org/officeDocument/2006/relationships" xmlns:p="http://schemas.openxmlformats.org/presentationml/2006/main">
-  <p:cSld>
-    <p:spTree>
-      <p:nvGrpSpPr>
-        <p:cNvPr id="1" name=""/>
-        <p:cNvGrpSpPr/>
-        <p:nvPr/>
-      </p:nvGrpSpPr>
-      <p:grpSpPr>
-        <a:xfrm>
-          <a:off x="0" y="0"/>
-          <a:ext cx="0" cy="0"/>
-          <a:chOff x="0" y="0"/>
-          <a:chExt cx="0" cy="0"/>
-        </a:xfrm>
-      </p:grpSpPr>
-      <p:sp>
-        <p:nvSpPr>
-          <p:cNvPr id="2" name="标题 1"/>
-          <p:cNvSpPr>
-            <a:spLocks noGrp="1"/>
-          </p:cNvSpPr>
-          <p:nvPr>
-            <p:ph type="title"/>
-          </p:nvPr>
-        </p:nvSpPr>
-        <p:spPr/>
-        <p:txBody>
-          <a:bodyPr/>
-          <a:lstStyle/>
-          <a:p>
-            <a:r>
-              <a:rPr lang="zh-CN" altLang="en-US" dirty="0" smtClean="0"/>
-              <a:t>深层神经网络</a:t>
-            </a:r>
-            <a:endParaRPr lang="zh-CN" altLang="en-US" dirty="0"/>
-          </a:p>
-        </p:txBody>
-      </p:sp>
-      <p:pic>
-        <p:nvPicPr>
-          <p:cNvPr id="3" name="图片 2"/>
-          <p:cNvPicPr>
-            <a:picLocks noChangeAspect="1"/>
-          </p:cNvPicPr>
-          <p:nvPr/>
-        </p:nvPicPr>
-        <p:blipFill>
-          <a:blip r:embed="rId2">
-            <a:extLst>
-              <a:ext uri="{28A0092B-C50C-407E-A947-70E740481C1C}">
-                <a14:useLocalDpi xmlns:a14="http://schemas.microsoft.com/office/drawing/2010/main" val="0"/>
-              </a:ext>
-            </a:extLst>
-          </a:blip>
-          <a:stretch>
-            <a:fillRect/>
-          </a:stretch>
-        </p:blipFill>
-        <p:spPr>
-          <a:xfrm>
-            <a:off x="1371600" y="1295400"/>
-            <a:ext cx="6153647" cy="4944308"/>
-          </a:xfrm>
-          <a:prstGeom prst="rect">
-            <a:avLst/>
-          </a:prstGeom>
-        </p:spPr>
-      </p:pic>
-    </p:spTree>
-    <p:extLst>
-      <p:ext uri="{BB962C8B-B14F-4D97-AF65-F5344CB8AC3E}">
-        <p14:creationId xmlns:p14="http://schemas.microsoft.com/office/powerpoint/2010/main" val="1827658888"/>
-      </p:ext>
-    </p:extLst>
-  </p:cSld>
-  <p:clrMapOvr>
-    <a:masterClrMapping/>
-  </p:clrMapOvr>
-  <p:timing>
-    <p:tnLst>
-      <p:par>
-        <p:cTn id="1" dur="indefinite" restart="never" nodeType="tmRoot"/>
-      </p:par>
-    </p:tnLst>
-  </p:timing>
-</p:sld>
-</file>
-
-<file path=ppt/slides/slide33.xml><?xml version="1.0" encoding="utf-8"?>
-<p:sld xmlns:a="http://schemas.openxmlformats.org/drawingml/2006/main" xmlns:r="http://schemas.openxmlformats.org/officeDocument/2006/relationships" xmlns:p="http://schemas.openxmlformats.org/presentationml/2006/main">
-  <p:cSld>
-    <p:spTree>
-      <p:nvGrpSpPr>
-        <p:cNvPr id="1" name=""/>
-        <p:cNvGrpSpPr/>
-        <p:nvPr/>
-      </p:nvGrpSpPr>
-      <p:grpSpPr>
-        <a:xfrm>
-          <a:off x="0" y="0"/>
-          <a:ext cx="0" cy="0"/>
-          <a:chOff x="0" y="0"/>
-          <a:chExt cx="0" cy="0"/>
-        </a:xfrm>
-      </p:grpSpPr>
-      <p:sp>
-        <p:nvSpPr>
-          <p:cNvPr id="2" name="标题 1"/>
-          <p:cNvSpPr>
-            <a:spLocks noGrp="1"/>
-          </p:cNvSpPr>
-          <p:nvPr>
-            <p:ph type="title"/>
-          </p:nvPr>
-        </p:nvSpPr>
-        <p:spPr/>
-        <p:txBody>
-          <a:bodyPr/>
-          <a:lstStyle/>
-          <a:p>
-            <a:r>
-              <a:rPr lang="zh-CN" altLang="en-US" dirty="0" smtClean="0"/>
-              <a:t>如何实现？</a:t>
-            </a:r>
-            <a:endParaRPr lang="zh-CN" altLang="en-US" dirty="0"/>
-          </a:p>
-        </p:txBody>
-      </p:sp>
-      <p:pic>
-        <p:nvPicPr>
-          <p:cNvPr id="3" name="图片 2"/>
-          <p:cNvPicPr>
-            <a:picLocks noChangeAspect="1"/>
-          </p:cNvPicPr>
-          <p:nvPr/>
-        </p:nvPicPr>
-        <p:blipFill>
-          <a:blip r:embed="rId2">
-            <a:extLst>
-              <a:ext uri="{28A0092B-C50C-407E-A947-70E740481C1C}">
-                <a14:useLocalDpi xmlns:a14="http://schemas.microsoft.com/office/drawing/2010/main" val="0"/>
-              </a:ext>
-            </a:extLst>
-          </a:blip>
-          <a:stretch>
-            <a:fillRect/>
-          </a:stretch>
-        </p:blipFill>
-        <p:spPr>
-          <a:xfrm>
-            <a:off x="1066800" y="1143000"/>
-            <a:ext cx="7391400" cy="5182618"/>
-          </a:xfrm>
-          <a:prstGeom prst="rect">
-            <a:avLst/>
-          </a:prstGeom>
-        </p:spPr>
-      </p:pic>
-    </p:spTree>
-    <p:extLst>
-      <p:ext uri="{BB962C8B-B14F-4D97-AF65-F5344CB8AC3E}">
-        <p14:creationId xmlns:p14="http://schemas.microsoft.com/office/powerpoint/2010/main" val="1815791795"/>
-      </p:ext>
-    </p:extLst>
-  </p:cSld>
-  <p:clrMapOvr>
-    <a:masterClrMapping/>
-  </p:clrMapOvr>
-  <p:timing>
-    <p:tnLst>
-      <p:par>
-        <p:cTn id="1" dur="indefinite" restart="never" nodeType="tmRoot"/>
-      </p:par>
-    </p:tnLst>
-  </p:timing>
-</p:sld>
-</file>
-
-<file path=ppt/slides/slide34.xml><?xml version="1.0" encoding="utf-8"?>
-<p:sld xmlns:a="http://schemas.openxmlformats.org/drawingml/2006/main" xmlns:r="http://schemas.openxmlformats.org/officeDocument/2006/relationships" xmlns:p="http://schemas.openxmlformats.org/presentationml/2006/main">
-  <p:cSld>
-    <p:spTree>
-      <p:nvGrpSpPr>
-        <p:cNvPr id="1" name=""/>
-        <p:cNvGrpSpPr/>
-        <p:nvPr/>
-      </p:nvGrpSpPr>
-      <p:grpSpPr>
-        <a:xfrm>
-          <a:off x="0" y="0"/>
-          <a:ext cx="0" cy="0"/>
-          <a:chOff x="0" y="0"/>
-          <a:chExt cx="0" cy="0"/>
-        </a:xfrm>
-      </p:grpSpPr>
-      <p:sp>
-        <p:nvSpPr>
-          <p:cNvPr id="2" name="标题 1"/>
-          <p:cNvSpPr>
-            <a:spLocks noGrp="1"/>
-          </p:cNvSpPr>
-          <p:nvPr>
-            <p:ph type="title"/>
-          </p:nvPr>
-        </p:nvSpPr>
-        <p:spPr/>
-        <p:txBody>
-          <a:bodyPr/>
-          <a:lstStyle/>
-          <a:p>
-            <a:r>
               <a:rPr lang="en-US" altLang="zh-CN" dirty="0"/>
               <a:t>Getting started: 30 seconds to </a:t>
             </a:r>
@@ -19867,7 +18423,7 @@
 </p:sld>
 </file>
 
-<file path=ppt/slides/slide35.xml><?xml version="1.0" encoding="utf-8"?>
+<file path=ppt/slides/slide31.xml><?xml version="1.0" encoding="utf-8"?>
 <p:sld xmlns:a="http://schemas.openxmlformats.org/drawingml/2006/main" xmlns:r="http://schemas.openxmlformats.org/officeDocument/2006/relationships" xmlns:p="http://schemas.openxmlformats.org/presentationml/2006/main">
   <p:cSld>
     <p:spTree>
@@ -20702,7 +19258,7 @@
 </p:sld>
 </file>
 
-<file path=ppt/slides/slide36.xml><?xml version="1.0" encoding="utf-8"?>
+<file path=ppt/slides/slide32.xml><?xml version="1.0" encoding="utf-8"?>
 <p:sld xmlns:a="http://schemas.openxmlformats.org/drawingml/2006/main" xmlns:r="http://schemas.openxmlformats.org/officeDocument/2006/relationships" xmlns:p="http://schemas.openxmlformats.org/presentationml/2006/main">
   <p:cSld>
     <p:spTree>
@@ -20921,7 +19477,7 @@
 </p:sld>
 </file>
 
-<file path=ppt/slides/slide37.xml><?xml version="1.0" encoding="utf-8"?>
+<file path=ppt/slides/slide33.xml><?xml version="1.0" encoding="utf-8"?>
 <p:sld xmlns:a="http://schemas.openxmlformats.org/drawingml/2006/main" xmlns:r="http://schemas.openxmlformats.org/officeDocument/2006/relationships" xmlns:p="http://schemas.openxmlformats.org/presentationml/2006/main">
   <p:cSld>
     <p:spTree>
@@ -21027,138 +19583,46 @@
           <a:lstStyle/>
           <a:p>
             <a:r>
-              <a:rPr lang="zh-CN" altLang="en-US" dirty="0" smtClean="0"/>
-              <a:t>人工神经网络</a:t>
-            </a:r>
-            <a:endParaRPr lang="zh-CN" altLang="en-US" dirty="0"/>
+              <a:rPr lang="zh-CN" altLang="en-US" dirty="0"/>
+              <a:t>常见激活函数</a:t>
+            </a:r>
           </a:p>
         </p:txBody>
       </p:sp>
-      <p:sp>
-        <p:nvSpPr>
-          <p:cNvPr id="3" name="内容占位符 2"/>
-          <p:cNvSpPr>
-            <a:spLocks noGrp="1"/>
-          </p:cNvSpPr>
-          <p:nvPr>
-            <p:ph sz="quarter" idx="1"/>
-          </p:nvPr>
-        </p:nvSpPr>
-        <p:spPr/>
-        <p:txBody>
-          <a:bodyPr/>
-          <a:lstStyle/>
-          <a:p>
-            <a:r>
-              <a:rPr lang="zh-CN" altLang="en-US" dirty="0"/>
-              <a:t>人工神经网络主要由大量的神经元以及它们之间的有向连接构成。因此</a:t>
-            </a:r>
-            <a:r>
-              <a:rPr lang="zh-CN" altLang="en-US" dirty="0" smtClean="0"/>
-              <a:t>考虑</a:t>
-            </a:r>
-            <a:r>
-              <a:rPr lang="zh-CN" altLang="en-US" dirty="0"/>
-              <a:t>三方面</a:t>
-            </a:r>
-            <a:r>
-              <a:rPr lang="zh-CN" altLang="en-US" dirty="0" smtClean="0"/>
-              <a:t>：</a:t>
-            </a:r>
-            <a:endParaRPr lang="en-US" altLang="zh-CN" dirty="0" smtClean="0"/>
-          </a:p>
-          <a:p>
-            <a:endParaRPr lang="zh-CN" altLang="en-US" dirty="0"/>
-          </a:p>
-          <a:p>
-            <a:r>
-              <a:rPr lang="zh-CN" altLang="en-US" dirty="0" smtClean="0"/>
-              <a:t>神经元</a:t>
-            </a:r>
-            <a:r>
-              <a:rPr lang="zh-CN" altLang="en-US" dirty="0"/>
-              <a:t>的激活</a:t>
-            </a:r>
-            <a:r>
-              <a:rPr lang="zh-CN" altLang="en-US" dirty="0" smtClean="0"/>
-              <a:t>规则</a:t>
-            </a:r>
-            <a:endParaRPr lang="en-US" altLang="zh-CN" dirty="0" smtClean="0"/>
-          </a:p>
-          <a:p>
-            <a:pPr lvl="1"/>
-            <a:r>
-              <a:rPr lang="zh-CN" altLang="en-US" dirty="0" smtClean="0"/>
-              <a:t>主要</a:t>
-            </a:r>
-            <a:r>
-              <a:rPr lang="zh-CN" altLang="en-US" dirty="0"/>
-              <a:t>是指神经元输入到输出之间的映射关系，一般</a:t>
-            </a:r>
-            <a:r>
-              <a:rPr lang="zh-CN" altLang="en-US" dirty="0" smtClean="0"/>
-              <a:t>为非线性</a:t>
-            </a:r>
-            <a:r>
-              <a:rPr lang="zh-CN" altLang="en-US" dirty="0"/>
-              <a:t>函数。</a:t>
-            </a:r>
-          </a:p>
-          <a:p>
-            <a:r>
-              <a:rPr lang="zh-CN" altLang="en-US" dirty="0" smtClean="0"/>
-              <a:t>网络</a:t>
-            </a:r>
-            <a:r>
-              <a:rPr lang="zh-CN" altLang="en-US" dirty="0"/>
-              <a:t>的</a:t>
-            </a:r>
-            <a:r>
-              <a:rPr lang="zh-CN" altLang="en-US" dirty="0" smtClean="0"/>
-              <a:t>拓扑结构</a:t>
-            </a:r>
-            <a:endParaRPr lang="en-US" altLang="zh-CN" dirty="0" smtClean="0"/>
-          </a:p>
-          <a:p>
-            <a:pPr lvl="1"/>
-            <a:r>
-              <a:rPr lang="zh-CN" altLang="en-US" dirty="0" smtClean="0"/>
-              <a:t>不同</a:t>
-            </a:r>
-            <a:r>
-              <a:rPr lang="zh-CN" altLang="en-US" dirty="0"/>
-              <a:t>神经元之间的连接关系</a:t>
-            </a:r>
-            <a:r>
-              <a:rPr lang="zh-CN" altLang="en-US" dirty="0" smtClean="0"/>
-              <a:t>。</a:t>
-            </a:r>
-            <a:endParaRPr lang="zh-CN" altLang="en-US" dirty="0"/>
-          </a:p>
-          <a:p>
-            <a:r>
-              <a:rPr lang="zh-CN" altLang="en-US" dirty="0" smtClean="0"/>
-              <a:t>学习算法</a:t>
-            </a:r>
-            <a:endParaRPr lang="en-US" altLang="zh-CN" dirty="0" smtClean="0"/>
-          </a:p>
-          <a:p>
-            <a:pPr lvl="1"/>
-            <a:r>
-              <a:rPr lang="zh-CN" altLang="en-US" dirty="0" smtClean="0"/>
-              <a:t>通过</a:t>
-            </a:r>
-            <a:r>
-              <a:rPr lang="zh-CN" altLang="en-US" dirty="0"/>
-              <a:t>训练数据来学习神经网络的参数。</a:t>
-            </a:r>
-          </a:p>
-        </p:txBody>
-      </p:sp>
+      <p:pic>
+        <p:nvPicPr>
+          <p:cNvPr id="4" name="图片 3" descr="屏幕剪辑"/>
+          <p:cNvPicPr>
+            <a:picLocks noChangeAspect="1"/>
+          </p:cNvPicPr>
+          <p:nvPr/>
+        </p:nvPicPr>
+        <p:blipFill>
+          <a:blip r:embed="rId2">
+            <a:extLst>
+              <a:ext uri="{28A0092B-C50C-407E-A947-70E740481C1C}">
+                <a14:useLocalDpi xmlns:a14="http://schemas.microsoft.com/office/drawing/2010/main" val="0"/>
+              </a:ext>
+            </a:extLst>
+          </a:blip>
+          <a:stretch>
+            <a:fillRect/>
+          </a:stretch>
+        </p:blipFill>
+        <p:spPr>
+          <a:xfrm>
+            <a:off x="1295400" y="2209800"/>
+            <a:ext cx="6145055" cy="3224570"/>
+          </a:xfrm>
+          <a:prstGeom prst="rect">
+            <a:avLst/>
+          </a:prstGeom>
+        </p:spPr>
+      </p:pic>
     </p:spTree>
     <p:extLst>
       <p:ext uri="{BB962C8B-B14F-4D97-AF65-F5344CB8AC3E}">
-        <p14:creationId xmlns:p14="http://schemas.microsoft.com/office/powerpoint/2010/main" val="1496855212"/>
+        <p14:creationId xmlns:p14="http://schemas.microsoft.com/office/powerpoint/2010/main" val="2006533652"/>
       </p:ext>
     </p:extLst>
   </p:cSld>
@@ -21231,41 +19695,115 @@
           <a:lstStyle/>
           <a:p>
             <a:r>
-              <a:rPr lang="zh-CN" altLang="en-US" smtClean="0"/>
-              <a:t>人工神经网络由神经元模型构成，这种由许多神经元组成的信息处理网络具有并行分布结构。</a:t>
-            </a:r>
+              <a:rPr lang="zh-CN" altLang="en-US" dirty="0"/>
+              <a:t>人工神经网络主要由大量的神经元以及它们之间的有向连接构成。因此</a:t>
+            </a:r>
+            <a:r>
+              <a:rPr lang="zh-CN" altLang="en-US" dirty="0" smtClean="0"/>
+              <a:t>考虑</a:t>
+            </a:r>
+            <a:r>
+              <a:rPr lang="zh-CN" altLang="en-US" dirty="0"/>
+              <a:t>三方面</a:t>
+            </a:r>
+            <a:r>
+              <a:rPr lang="zh-CN" altLang="en-US" dirty="0" smtClean="0"/>
+              <a:t>：</a:t>
+            </a:r>
+            <a:endParaRPr lang="en-US" altLang="zh-CN" dirty="0" smtClean="0"/>
+          </a:p>
+          <a:p>
             <a:endParaRPr lang="zh-CN" altLang="en-US" dirty="0"/>
+          </a:p>
+          <a:p>
+            <a:r>
+              <a:rPr lang="zh-CN" altLang="en-US" dirty="0" smtClean="0"/>
+              <a:t>神经元</a:t>
+            </a:r>
+            <a:r>
+              <a:rPr lang="zh-CN" altLang="en-US" dirty="0"/>
+              <a:t>的激活</a:t>
+            </a:r>
+            <a:r>
+              <a:rPr lang="zh-CN" altLang="en-US" dirty="0" smtClean="0"/>
+              <a:t>规则</a:t>
+            </a:r>
+            <a:endParaRPr lang="en-US" altLang="zh-CN" dirty="0" smtClean="0"/>
+          </a:p>
+          <a:p>
+            <a:pPr lvl="1"/>
+            <a:r>
+              <a:rPr lang="zh-CN" altLang="en-US" dirty="0" smtClean="0"/>
+              <a:t>主要</a:t>
+            </a:r>
+            <a:r>
+              <a:rPr lang="zh-CN" altLang="en-US" dirty="0"/>
+              <a:t>是指神经元输入到输出之间的映射关系，一般</a:t>
+            </a:r>
+            <a:r>
+              <a:rPr lang="zh-CN" altLang="en-US" dirty="0" smtClean="0"/>
+              <a:t>为非线性</a:t>
+            </a:r>
+            <a:r>
+              <a:rPr lang="zh-CN" altLang="en-US" dirty="0"/>
+              <a:t>函数。</a:t>
+            </a:r>
+          </a:p>
+          <a:p>
+            <a:r>
+              <a:rPr lang="zh-CN" altLang="en-US" dirty="0" smtClean="0"/>
+              <a:t>网络</a:t>
+            </a:r>
+            <a:r>
+              <a:rPr lang="zh-CN" altLang="en-US" dirty="0"/>
+              <a:t>的</a:t>
+            </a:r>
+            <a:r>
+              <a:rPr lang="zh-CN" altLang="en-US" dirty="0" smtClean="0"/>
+              <a:t>拓扑结构</a:t>
+            </a:r>
+            <a:endParaRPr lang="en-US" altLang="zh-CN" dirty="0" smtClean="0"/>
+          </a:p>
+          <a:p>
+            <a:pPr lvl="1"/>
+            <a:r>
+              <a:rPr lang="zh-CN" altLang="en-US" dirty="0" smtClean="0"/>
+              <a:t>不同</a:t>
+            </a:r>
+            <a:r>
+              <a:rPr lang="zh-CN" altLang="en-US" dirty="0"/>
+              <a:t>神经元之间的连接关系</a:t>
+            </a:r>
+            <a:r>
+              <a:rPr lang="zh-CN" altLang="en-US" dirty="0" smtClean="0"/>
+              <a:t>。</a:t>
+            </a:r>
+            <a:endParaRPr lang="zh-CN" altLang="en-US" dirty="0"/>
+          </a:p>
+          <a:p>
+            <a:r>
+              <a:rPr lang="zh-CN" altLang="en-US" dirty="0" smtClean="0"/>
+              <a:t>学习算法</a:t>
+            </a:r>
+            <a:endParaRPr lang="en-US" altLang="zh-CN" dirty="0" smtClean="0"/>
+          </a:p>
+          <a:p>
+            <a:pPr lvl="1"/>
+            <a:r>
+              <a:rPr lang="zh-CN" altLang="en-US" dirty="0" smtClean="0"/>
+              <a:t>通过</a:t>
+            </a:r>
+            <a:r>
+              <a:rPr lang="zh-CN" altLang="en-US" dirty="0"/>
+              <a:t>训练数据来学习神经网络的参数。</a:t>
+            </a:r>
           </a:p>
         </p:txBody>
       </p:sp>
-      <p:pic>
-        <p:nvPicPr>
-          <p:cNvPr id="4" name="图片 3"/>
-          <p:cNvPicPr>
-            <a:picLocks noChangeAspect="1"/>
-          </p:cNvPicPr>
-          <p:nvPr/>
-        </p:nvPicPr>
-        <p:blipFill>
-          <a:blip r:embed="rId2"/>
-          <a:stretch>
-            <a:fillRect/>
-          </a:stretch>
-        </p:blipFill>
-        <p:spPr>
-          <a:xfrm>
-            <a:off x="228599" y="3124200"/>
-            <a:ext cx="8764373" cy="2590800"/>
-          </a:xfrm>
-          <a:prstGeom prst="rect">
-            <a:avLst/>
-          </a:prstGeom>
-        </p:spPr>
-      </p:pic>
     </p:spTree>
     <p:extLst>
       <p:ext uri="{BB962C8B-B14F-4D97-AF65-F5344CB8AC3E}">
-        <p14:creationId xmlns:p14="http://schemas.microsoft.com/office/powerpoint/2010/main" val="1032805071"/>
+        <p14:creationId xmlns:p14="http://schemas.microsoft.com/office/powerpoint/2010/main" val="1496855212"/>
       </p:ext>
     </p:extLst>
   </p:cSld>
@@ -21315,8 +19853,8 @@
           <a:lstStyle/>
           <a:p>
             <a:r>
-              <a:rPr lang="zh-CN" altLang="en-US" smtClean="0"/>
-              <a:t>深度学习与神经网络</a:t>
+              <a:rPr lang="zh-CN" altLang="en-US" dirty="0" smtClean="0"/>
+              <a:t>人工神经网络</a:t>
             </a:r>
             <a:endParaRPr lang="zh-CN" altLang="en-US" dirty="0"/>
           </a:p>
@@ -21338,34 +19876,41 @@
           <a:lstStyle/>
           <a:p>
             <a:r>
-              <a:rPr lang="zh-CN" altLang="en-US" dirty="0" smtClean="0"/>
-              <a:t>如果解决贡献度分配问题？</a:t>
-            </a:r>
-            <a:endParaRPr lang="en-US" altLang="zh-CN" dirty="0"/>
-          </a:p>
-          <a:p>
-            <a:r>
-              <a:rPr lang="zh-CN" altLang="en-US" dirty="0" smtClean="0"/>
-              <a:t>神经网络！</a:t>
-            </a:r>
-            <a:endParaRPr lang="en-US" altLang="zh-CN" dirty="0" smtClean="0"/>
-          </a:p>
-          <a:p>
-            <a:endParaRPr lang="en-US" altLang="zh-CN" dirty="0"/>
-          </a:p>
-          <a:p>
-            <a:r>
-              <a:rPr lang="zh-CN" altLang="en-US" dirty="0" smtClean="0"/>
-              <a:t>深度学习天然不是神经网络，但神经网络天然是深度学习！</a:t>
+              <a:rPr lang="zh-CN" altLang="en-US" smtClean="0"/>
+              <a:t>人工神经网络由神经元模型构成，这种由许多神经元组成的信息处理网络具有并行分布结构。</a:t>
             </a:r>
             <a:endParaRPr lang="zh-CN" altLang="en-US" dirty="0"/>
           </a:p>
         </p:txBody>
       </p:sp>
+      <p:pic>
+        <p:nvPicPr>
+          <p:cNvPr id="4" name="图片 3"/>
+          <p:cNvPicPr>
+            <a:picLocks noChangeAspect="1"/>
+          </p:cNvPicPr>
+          <p:nvPr/>
+        </p:nvPicPr>
+        <p:blipFill>
+          <a:blip r:embed="rId2"/>
+          <a:stretch>
+            <a:fillRect/>
+          </a:stretch>
+        </p:blipFill>
+        <p:spPr>
+          <a:xfrm>
+            <a:off x="228599" y="3124200"/>
+            <a:ext cx="8764373" cy="2590800"/>
+          </a:xfrm>
+          <a:prstGeom prst="rect">
+            <a:avLst/>
+          </a:prstGeom>
+        </p:spPr>
+      </p:pic>
     </p:spTree>
     <p:extLst>
       <p:ext uri="{BB962C8B-B14F-4D97-AF65-F5344CB8AC3E}">
-        <p14:creationId xmlns:p14="http://schemas.microsoft.com/office/powerpoint/2010/main" val="3588824935"/>
+        <p14:creationId xmlns:p14="http://schemas.microsoft.com/office/powerpoint/2010/main" val="1032805071"/>
       </p:ext>
     </p:extLst>
   </p:cSld>
@@ -21415,8 +19960,8 @@
           <a:lstStyle/>
           <a:p>
             <a:r>
-              <a:rPr lang="zh-CN" altLang="en-US" dirty="0" smtClean="0"/>
-              <a:t>深层神经网络</a:t>
+              <a:rPr lang="zh-CN" altLang="en-US" smtClean="0"/>
+              <a:t>深度学习与神经网络</a:t>
             </a:r>
             <a:endParaRPr lang="zh-CN" altLang="en-US" dirty="0"/>
           </a:p>
@@ -21438,64 +19983,25 @@
           <a:lstStyle/>
           <a:p>
             <a:r>
-              <a:rPr lang="zh-CN" altLang="en-US" smtClean="0"/>
-              <a:t>难点</a:t>
-            </a:r>
-            <a:endParaRPr lang="en-US" altLang="zh-CN" smtClean="0"/>
-          </a:p>
-          <a:p>
-            <a:pPr lvl="1"/>
-            <a:r>
-              <a:rPr lang="zh-CN" altLang="en-US" smtClean="0"/>
-              <a:t>参数过多，影响训练</a:t>
-            </a:r>
-          </a:p>
-          <a:p>
-            <a:pPr lvl="1"/>
-            <a:r>
-              <a:rPr lang="zh-CN" altLang="en-US" smtClean="0"/>
-              <a:t>非凸优化问题：即存在局部最优而非全局最优解，影响迭代</a:t>
-            </a:r>
-          </a:p>
-          <a:p>
-            <a:pPr lvl="1"/>
-            <a:r>
-              <a:rPr lang="zh-CN" altLang="en-US" smtClean="0"/>
-              <a:t>下层参数比较难调</a:t>
-            </a:r>
-          </a:p>
-          <a:p>
-            <a:pPr lvl="1"/>
-            <a:r>
-              <a:rPr lang="zh-CN" altLang="en-US" smtClean="0"/>
-              <a:t>参数解释起来比较困难</a:t>
-            </a:r>
-          </a:p>
-          <a:p>
-            <a:r>
-              <a:rPr lang="zh-CN" altLang="en-US" smtClean="0"/>
-              <a:t>需求</a:t>
-            </a:r>
-          </a:p>
-          <a:p>
-            <a:pPr lvl="1"/>
-            <a:r>
-              <a:rPr lang="zh-CN" altLang="en-US" smtClean="0"/>
-              <a:t>计算资源要大</a:t>
-            </a:r>
-          </a:p>
-          <a:p>
-            <a:pPr lvl="1"/>
-            <a:r>
-              <a:rPr lang="zh-CN" altLang="en-US" smtClean="0"/>
-              <a:t>数据要多</a:t>
-            </a:r>
-          </a:p>
-          <a:p>
-            <a:pPr lvl="1"/>
-            <a:r>
-              <a:rPr lang="zh-CN" altLang="en-US" smtClean="0"/>
-              <a:t>算法效率要好：即收敛快</a:t>
+              <a:rPr lang="zh-CN" altLang="en-US" dirty="0" smtClean="0"/>
+              <a:t>如果解决贡献度分配问题？</a:t>
+            </a:r>
+            <a:endParaRPr lang="en-US" altLang="zh-CN" dirty="0"/>
+          </a:p>
+          <a:p>
+            <a:r>
+              <a:rPr lang="zh-CN" altLang="en-US" dirty="0" smtClean="0"/>
+              <a:t>神经网络！</a:t>
+            </a:r>
+            <a:endParaRPr lang="en-US" altLang="zh-CN" dirty="0" smtClean="0"/>
+          </a:p>
+          <a:p>
+            <a:endParaRPr lang="en-US" altLang="zh-CN" dirty="0"/>
+          </a:p>
+          <a:p>
+            <a:r>
+              <a:rPr lang="zh-CN" altLang="en-US" dirty="0" smtClean="0"/>
+              <a:t>深度学习天然不是神经网络，但神经网络天然是深度学习！</a:t>
             </a:r>
             <a:endParaRPr lang="zh-CN" altLang="en-US" dirty="0"/>
           </a:p>
@@ -21504,7 +20010,7 @@
     </p:spTree>
     <p:extLst>
       <p:ext uri="{BB962C8B-B14F-4D97-AF65-F5344CB8AC3E}">
-        <p14:creationId xmlns:p14="http://schemas.microsoft.com/office/powerpoint/2010/main" val="947090223"/>
+        <p14:creationId xmlns:p14="http://schemas.microsoft.com/office/powerpoint/2010/main" val="3588824935"/>
       </p:ext>
     </p:extLst>
   </p:cSld>
@@ -21540,7 +20046,7 @@
       </p:grpSpPr>
       <p:sp>
         <p:nvSpPr>
-          <p:cNvPr id="3" name="标题 2"/>
+          <p:cNvPr id="2" name="标题 1"/>
           <p:cNvSpPr>
             <a:spLocks noGrp="1"/>
           </p:cNvSpPr>
@@ -21555,7 +20061,7 @@
           <a:p>
             <a:r>
               <a:rPr lang="zh-CN" altLang="en-US" dirty="0" smtClean="0"/>
-              <a:t>神经网络历史</a:t>
+              <a:t>深层神经网络</a:t>
             </a:r>
             <a:endParaRPr lang="zh-CN" altLang="en-US" dirty="0"/>
           </a:p>
@@ -21563,7 +20069,7 @@
       </p:sp>
       <p:sp>
         <p:nvSpPr>
-          <p:cNvPr id="4" name="内容占位符 3"/>
+          <p:cNvPr id="3" name="内容占位符 2"/>
           <p:cNvSpPr>
             <a:spLocks noGrp="1"/>
           </p:cNvSpPr>
@@ -21577,173 +20083,73 @@
           <a:lstStyle/>
           <a:p>
             <a:r>
-              <a:rPr lang="zh-CN" altLang="en-US" dirty="0">
-                <a:solidFill>
-                  <a:schemeClr val="accent2"/>
-                </a:solidFill>
-              </a:rPr>
-              <a:t>第一阶段：模型提出 </a:t>
-            </a:r>
-            <a:r>
-              <a:rPr lang="en-US" altLang="zh-CN" dirty="0" smtClean="0">
-                <a:solidFill>
-                  <a:schemeClr val="accent2"/>
-                </a:solidFill>
-              </a:rPr>
-              <a:t>1943</a:t>
-            </a:r>
-            <a:r>
-              <a:rPr lang="zh-CN" altLang="en-US" dirty="0"/>
-              <a:t>年～</a:t>
-            </a:r>
-            <a:r>
-              <a:rPr lang="en-US" altLang="zh-CN" dirty="0">
-                <a:solidFill>
-                  <a:schemeClr val="accent2"/>
-                </a:solidFill>
-              </a:rPr>
-              <a:t>1969</a:t>
-            </a:r>
-            <a:r>
-              <a:rPr lang="zh-CN" altLang="en-US" dirty="0" smtClean="0">
-                <a:solidFill>
-                  <a:schemeClr val="accent2"/>
-                </a:solidFill>
-              </a:rPr>
-              <a:t>年</a:t>
-            </a:r>
-            <a:endParaRPr lang="en-US" altLang="zh-CN" dirty="0" smtClean="0">
-              <a:solidFill>
-                <a:schemeClr val="accent2"/>
-              </a:solidFill>
-            </a:endParaRPr>
+              <a:rPr lang="zh-CN" altLang="en-US" smtClean="0"/>
+              <a:t>难点</a:t>
+            </a:r>
+            <a:endParaRPr lang="en-US" altLang="zh-CN" smtClean="0"/>
           </a:p>
           <a:p>
             <a:pPr lvl="1"/>
             <a:r>
-              <a:rPr lang="en-US" altLang="zh-CN" dirty="0"/>
-              <a:t>1943</a:t>
-            </a:r>
-            <a:r>
-              <a:rPr lang="zh-CN" altLang="en-US" dirty="0"/>
-              <a:t>年，心理学家</a:t>
-            </a:r>
-            <a:r>
-              <a:rPr lang="en-US" altLang="zh-CN" dirty="0"/>
-              <a:t>Warren McCulloch</a:t>
-            </a:r>
-            <a:r>
-              <a:rPr lang="zh-CN" altLang="en-US" dirty="0"/>
-              <a:t>和数学家</a:t>
-            </a:r>
-            <a:r>
-              <a:rPr lang="en-US" altLang="zh-CN" dirty="0"/>
-              <a:t>Walter Pitts</a:t>
-            </a:r>
-            <a:r>
-              <a:rPr lang="zh-CN" altLang="en-US" dirty="0"/>
-              <a:t>和最早</a:t>
-            </a:r>
-            <a:r>
-              <a:rPr lang="zh-CN" altLang="en-US" dirty="0" smtClean="0"/>
-              <a:t>描述</a:t>
-            </a:r>
-            <a:r>
-              <a:rPr lang="zh-CN" altLang="en-US" dirty="0"/>
-              <a:t>了一种理想化的人工神经网络，并构建了一种基于简单逻辑运算的计算</a:t>
-            </a:r>
-            <a:r>
-              <a:rPr lang="zh-CN" altLang="en-US" dirty="0" smtClean="0"/>
-              <a:t>机制</a:t>
-            </a:r>
-            <a:r>
-              <a:rPr lang="zh-CN" altLang="en-US" dirty="0"/>
-              <a:t>，</a:t>
-            </a:r>
-            <a:r>
-              <a:rPr lang="zh-CN" altLang="en-US" dirty="0" smtClean="0"/>
-              <a:t>称为</a:t>
-            </a:r>
-            <a:r>
-              <a:rPr lang="en-US" altLang="zh-CN" dirty="0"/>
-              <a:t>MP</a:t>
-            </a:r>
-            <a:r>
-              <a:rPr lang="zh-CN" altLang="en-US" dirty="0" smtClean="0"/>
-              <a:t>模型。</a:t>
-            </a:r>
-            <a:endParaRPr lang="en-US" altLang="zh-CN" dirty="0" smtClean="0"/>
+              <a:rPr lang="zh-CN" altLang="en-US" smtClean="0"/>
+              <a:t>参数过多，影响训练</a:t>
+            </a:r>
           </a:p>
           <a:p>
             <a:pPr lvl="1"/>
             <a:r>
-              <a:rPr lang="zh-CN" altLang="en-US" dirty="0"/>
-              <a:t>阿兰</a:t>
-            </a:r>
-            <a:r>
-              <a:rPr lang="en-US" altLang="zh-CN" dirty="0"/>
-              <a:t>·</a:t>
-            </a:r>
-            <a:r>
-              <a:rPr lang="zh-CN" altLang="en-US" dirty="0"/>
-              <a:t>图灵在</a:t>
-            </a:r>
-            <a:r>
-              <a:rPr lang="en-US" altLang="zh-CN" dirty="0"/>
-              <a:t>1948</a:t>
-            </a:r>
-            <a:r>
-              <a:rPr lang="zh-CN" altLang="en-US" dirty="0"/>
-              <a:t>年的论文中描述了一种“</a:t>
-            </a:r>
-            <a:r>
-              <a:rPr lang="en-US" altLang="zh-CN" dirty="0"/>
-              <a:t>B</a:t>
-            </a:r>
-            <a:r>
-              <a:rPr lang="zh-CN" altLang="en-US" dirty="0"/>
-              <a:t>型图灵机</a:t>
-            </a:r>
-            <a:r>
-              <a:rPr lang="zh-CN" altLang="en-US" dirty="0" smtClean="0"/>
-              <a:t>”。</a:t>
-            </a:r>
-            <a:endParaRPr lang="en-US" altLang="zh-CN" dirty="0" smtClean="0"/>
+              <a:rPr lang="zh-CN" altLang="en-US" smtClean="0"/>
+              <a:t>非凸优化问题：即存在局部最优而非全局最优解，影响迭代</a:t>
+            </a:r>
           </a:p>
           <a:p>
             <a:pPr lvl="1"/>
             <a:r>
-              <a:rPr lang="en-US" altLang="zh-CN" dirty="0"/>
-              <a:t>Rosenblatt [1958]</a:t>
-            </a:r>
-            <a:r>
-              <a:rPr lang="zh-CN" altLang="en-US" dirty="0"/>
-              <a:t>最早提出可以模拟人类感知能力的神经网络模型，并</a:t>
-            </a:r>
-            <a:r>
-              <a:rPr lang="zh-CN" altLang="en-US" dirty="0" smtClean="0"/>
-              <a:t>称之为</a:t>
-            </a:r>
-            <a:r>
-              <a:rPr lang="zh-CN" altLang="en-US" dirty="0"/>
-              <a:t>感知器（</a:t>
-            </a:r>
-            <a:r>
-              <a:rPr lang="en-US" altLang="zh-CN" dirty="0"/>
-              <a:t>Perceptron</a:t>
-            </a:r>
-            <a:r>
-              <a:rPr lang="zh-CN" altLang="en-US" dirty="0" smtClean="0"/>
-              <a:t>）。</a:t>
-            </a:r>
-            <a:endParaRPr lang="en-US" altLang="zh-CN" dirty="0" smtClean="0"/>
+              <a:rPr lang="zh-CN" altLang="en-US" smtClean="0"/>
+              <a:t>下层参数比较难调</a:t>
+            </a:r>
+          </a:p>
+          <a:p>
+            <a:pPr lvl="1"/>
+            <a:r>
+              <a:rPr lang="zh-CN" altLang="en-US" smtClean="0"/>
+              <a:t>参数解释起来比较困难</a:t>
+            </a:r>
+          </a:p>
+          <a:p>
+            <a:r>
+              <a:rPr lang="zh-CN" altLang="en-US" smtClean="0"/>
+              <a:t>需求</a:t>
+            </a:r>
+          </a:p>
+          <a:p>
+            <a:pPr lvl="1"/>
+            <a:r>
+              <a:rPr lang="zh-CN" altLang="en-US" smtClean="0"/>
+              <a:t>计算资源要大</a:t>
+            </a:r>
+          </a:p>
+          <a:p>
+            <a:pPr lvl="1"/>
+            <a:r>
+              <a:rPr lang="zh-CN" altLang="en-US" smtClean="0"/>
+              <a:t>数据要多</a:t>
+            </a:r>
+          </a:p>
+          <a:p>
+            <a:pPr lvl="1"/>
+            <a:r>
+              <a:rPr lang="zh-CN" altLang="en-US" smtClean="0"/>
+              <a:t>算法效率要好：即收敛快</a:t>
+            </a:r>
+            <a:endParaRPr lang="zh-CN" altLang="en-US" dirty="0"/>
           </a:p>
         </p:txBody>
       </p:sp>
     </p:spTree>
     <p:extLst>
       <p:ext uri="{BB962C8B-B14F-4D97-AF65-F5344CB8AC3E}">
-        <p14:creationId xmlns:p14="http://schemas.microsoft.com/office/powerpoint/2010/main" val="1320132280"/>
+        <p14:creationId xmlns:p14="http://schemas.microsoft.com/office/powerpoint/2010/main" val="947090223"/>
       </p:ext>
     </p:extLst>
   </p:cSld>
@@ -21784,7 +20190,7 @@
             <a:spLocks noGrp="1"/>
           </p:cNvSpPr>
           <p:nvPr>
-            <p:ph type="title"/>
+            <p:ph type="ctrTitle"/>
           </p:nvPr>
         </p:nvSpPr>
         <p:spPr/>
@@ -21793,157 +20199,9 @@
           <a:lstStyle/>
           <a:p>
             <a:r>
-              <a:rPr lang="zh-CN" altLang="en-US" dirty="0"/>
-              <a:t>神经网络历史</a:t>
-            </a:r>
-          </a:p>
-        </p:txBody>
-      </p:sp>
-      <p:sp>
-        <p:nvSpPr>
-          <p:cNvPr id="3" name="内容占位符 2"/>
-          <p:cNvSpPr>
-            <a:spLocks noGrp="1"/>
-          </p:cNvSpPr>
-          <p:nvPr>
-            <p:ph sz="quarter" idx="1"/>
-          </p:nvPr>
-        </p:nvSpPr>
-        <p:spPr/>
-        <p:txBody>
-          <a:bodyPr/>
-          <a:lstStyle/>
-          <a:p>
-            <a:r>
-              <a:rPr lang="zh-CN" altLang="en-US" dirty="0">
-                <a:solidFill>
-                  <a:schemeClr val="accent2"/>
-                </a:solidFill>
-              </a:rPr>
-              <a:t>第二阶段：冰河期 </a:t>
-            </a:r>
-            <a:r>
-              <a:rPr lang="en-US" altLang="zh-CN" dirty="0" smtClean="0">
-                <a:solidFill>
-                  <a:schemeClr val="accent2"/>
-                </a:solidFill>
-              </a:rPr>
-              <a:t>1969</a:t>
-            </a:r>
-            <a:r>
-              <a:rPr lang="zh-CN" altLang="en-US" dirty="0">
-                <a:solidFill>
-                  <a:schemeClr val="accent2"/>
-                </a:solidFill>
-              </a:rPr>
-              <a:t>年～</a:t>
-            </a:r>
-            <a:r>
-              <a:rPr lang="en-US" altLang="zh-CN" dirty="0">
-                <a:solidFill>
-                  <a:schemeClr val="accent2"/>
-                </a:solidFill>
-              </a:rPr>
-              <a:t>1983</a:t>
-            </a:r>
-            <a:r>
-              <a:rPr lang="zh-CN" altLang="en-US" dirty="0" smtClean="0">
-                <a:solidFill>
-                  <a:schemeClr val="accent2"/>
-                </a:solidFill>
-              </a:rPr>
-              <a:t>年</a:t>
-            </a:r>
-            <a:endParaRPr lang="en-US" altLang="zh-CN" dirty="0" smtClean="0">
-              <a:solidFill>
-                <a:schemeClr val="accent2"/>
-              </a:solidFill>
-            </a:endParaRPr>
-          </a:p>
-          <a:p>
-            <a:pPr lvl="1"/>
-            <a:r>
-              <a:rPr lang="zh-CN" altLang="en-US" dirty="0" smtClean="0">
-                <a:solidFill>
-                  <a:schemeClr val="accent2"/>
-                </a:solidFill>
-              </a:rPr>
-              <a:t>神经网络</a:t>
-            </a:r>
-            <a:r>
-              <a:rPr lang="zh-CN" altLang="en-US" dirty="0">
-                <a:solidFill>
-                  <a:schemeClr val="accent2"/>
-                </a:solidFill>
-              </a:rPr>
-              <a:t>发展的第一个低谷期。</a:t>
-            </a:r>
-            <a:endParaRPr lang="en-US" altLang="zh-CN" dirty="0">
-              <a:solidFill>
-                <a:schemeClr val="accent2"/>
-              </a:solidFill>
-            </a:endParaRPr>
-          </a:p>
-          <a:p>
-            <a:pPr lvl="1"/>
-            <a:r>
-              <a:rPr lang="en-US" altLang="zh-CN" dirty="0"/>
-              <a:t>1969</a:t>
-            </a:r>
-            <a:r>
-              <a:rPr lang="zh-CN" altLang="en-US" dirty="0"/>
-              <a:t>年，</a:t>
-            </a:r>
-            <a:r>
-              <a:rPr lang="en-US" altLang="zh-CN" dirty="0"/>
-              <a:t>Marvin Minsky</a:t>
-            </a:r>
-            <a:r>
-              <a:rPr lang="zh-CN" altLang="en-US" dirty="0"/>
-              <a:t>出版</a:t>
-            </a:r>
-            <a:r>
-              <a:rPr lang="en-US" altLang="zh-CN" dirty="0"/>
-              <a:t>《</a:t>
-            </a:r>
-            <a:r>
-              <a:rPr lang="zh-CN" altLang="en-US" dirty="0"/>
-              <a:t>感知机</a:t>
-            </a:r>
-            <a:r>
-              <a:rPr lang="en-US" altLang="zh-CN" dirty="0"/>
-              <a:t>》</a:t>
-            </a:r>
-            <a:r>
-              <a:rPr lang="zh-CN" altLang="en-US" dirty="0"/>
-              <a:t>一书</a:t>
-            </a:r>
-            <a:endParaRPr lang="en-US" altLang="zh-CN" dirty="0"/>
-          </a:p>
-          <a:p>
-            <a:pPr lvl="1"/>
-            <a:r>
-              <a:rPr lang="en-US" altLang="zh-CN" dirty="0"/>
-              <a:t>1974</a:t>
-            </a:r>
-            <a:r>
-              <a:rPr lang="zh-CN" altLang="en-US" dirty="0"/>
-              <a:t>年，哈佛大学的</a:t>
-            </a:r>
-            <a:r>
-              <a:rPr lang="en-US" altLang="zh-CN" dirty="0"/>
-              <a:t>Paul </a:t>
-            </a:r>
-            <a:r>
-              <a:rPr lang="en-US" altLang="zh-CN" dirty="0" err="1"/>
-              <a:t>Webos</a:t>
-            </a:r>
-            <a:r>
-              <a:rPr lang="zh-CN" altLang="en-US" dirty="0"/>
-              <a:t>发明反向传播算法，但当时未受到应有的重视。</a:t>
-            </a:r>
-          </a:p>
-          <a:p>
+              <a:rPr lang="zh-CN" altLang="en-US" dirty="0" smtClean="0"/>
+              <a:t>前馈神经网络</a:t>
+            </a:r>
             <a:endParaRPr lang="zh-CN" altLang="en-US" dirty="0"/>
           </a:p>
         </p:txBody>
@@ -21951,7 +20209,7 @@
     </p:spTree>
     <p:extLst>
       <p:ext uri="{BB962C8B-B14F-4D97-AF65-F5344CB8AC3E}">
-        <p14:creationId xmlns:p14="http://schemas.microsoft.com/office/powerpoint/2010/main" val="873651750"/>
+        <p14:creationId xmlns:p14="http://schemas.microsoft.com/office/powerpoint/2010/main" val="1837691702"/>
       </p:ext>
     </p:extLst>
   </p:cSld>

--- a/ppt/chap-前馈神经网络.pptx
+++ b/ppt/chap-前馈神经网络.pptx
@@ -30,8 +30,8 @@
     <p:sldId id="485" r:id="rId21"/>
     <p:sldId id="486" r:id="rId22"/>
     <p:sldId id="487" r:id="rId23"/>
-    <p:sldId id="488" r:id="rId24"/>
-    <p:sldId id="476" r:id="rId25"/>
+    <p:sldId id="476" r:id="rId24"/>
+    <p:sldId id="488" r:id="rId25"/>
     <p:sldId id="496" r:id="rId26"/>
     <p:sldId id="497" r:id="rId27"/>
     <p:sldId id="499" r:id="rId28"/>
@@ -195,8 +195,8 @@
             <p14:sldId id="485"/>
             <p14:sldId id="486"/>
             <p14:sldId id="487"/>
+            <p14:sldId id="476"/>
             <p14:sldId id="488"/>
-            <p14:sldId id="476"/>
             <p14:sldId id="496"/>
             <p14:sldId id="497"/>
             <p14:sldId id="499"/>
@@ -3754,7 +3754,7 @@
               <a:pPr>
                 <a:defRPr/>
               </a:pPr>
-              <a:t>10/18/2018</a:t>
+              <a:t>10/20/2018</a:t>
             </a:fld>
             <a:endParaRPr lang="en-US" altLang="zh-CN"/>
           </a:p>
@@ -6758,14 +6758,14 @@
           </a:ln>
           <a:extLst>
             <a:ext uri="{909E8E84-426E-40dd-AFC4-6F175D3DCCD1}">
-              <a14:hiddenFill xmlns="" xmlns:a14="http://schemas.microsoft.com/office/drawing/2010/main">
+              <a14:hiddenFill xmlns:a14="http://schemas.microsoft.com/office/drawing/2010/main" xmlns="">
                 <a:solidFill>
                   <a:srgbClr val="FFFFFF"/>
                 </a:solidFill>
               </a14:hiddenFill>
             </a:ext>
             <a:ext uri="{91240B29-F687-4f45-9708-019B960494DF}">
-              <a14:hiddenLine xmlns="" xmlns:a14="http://schemas.microsoft.com/office/drawing/2010/main" w="9525">
+              <a14:hiddenLine xmlns:a14="http://schemas.microsoft.com/office/drawing/2010/main" xmlns="" w="9525">
                 <a:solidFill>
                   <a:srgbClr val="000000"/>
                 </a:solidFill>
@@ -6816,14 +6816,14 @@
           </a:ln>
           <a:extLst>
             <a:ext uri="{909E8E84-426E-40dd-AFC4-6F175D3DCCD1}">
-              <a14:hiddenFill xmlns="" xmlns:a14="http://schemas.microsoft.com/office/drawing/2010/main">
+              <a14:hiddenFill xmlns:a14="http://schemas.microsoft.com/office/drawing/2010/main" xmlns="">
                 <a:solidFill>
                   <a:srgbClr val="FFFFFF"/>
                 </a:solidFill>
               </a14:hiddenFill>
             </a:ext>
             <a:ext uri="{91240B29-F687-4f45-9708-019B960494DF}">
-              <a14:hiddenLine xmlns="" xmlns:a14="http://schemas.microsoft.com/office/drawing/2010/main" w="9525">
+              <a14:hiddenLine xmlns:a14="http://schemas.microsoft.com/office/drawing/2010/main" xmlns="" w="9525">
                 <a:solidFill>
                   <a:srgbClr val="000000"/>
                 </a:solidFill>
@@ -6906,7 +6906,7 @@
           </a:ln>
           <a:extLst>
             <a:ext uri="{909E8E84-426E-40dd-AFC4-6F175D3DCCD1}">
-              <a14:hiddenFill xmlns="" xmlns:a14="http://schemas.microsoft.com/office/drawing/2010/main">
+              <a14:hiddenFill xmlns:a14="http://schemas.microsoft.com/office/drawing/2010/main" xmlns="">
                 <a:noFill/>
               </a14:hiddenFill>
             </a:ext>
@@ -6948,7 +6948,7 @@
           </a:ln>
           <a:extLst>
             <a:ext uri="{909E8E84-426E-40dd-AFC4-6F175D3DCCD1}">
-              <a14:hiddenFill xmlns="" xmlns:a14="http://schemas.microsoft.com/office/drawing/2010/main">
+              <a14:hiddenFill xmlns:a14="http://schemas.microsoft.com/office/drawing/2010/main" xmlns="">
                 <a:noFill/>
               </a14:hiddenFill>
             </a:ext>
@@ -8228,7 +8228,7 @@
           </p:cNvPicPr>
           <p:nvPr/>
         </p:nvPicPr>
-        <p:blipFill>
+        <p:blipFill rotWithShape="1">
           <a:blip r:embed="rId4">
             <a:extLst>
               <a:ext uri="{28A0092B-C50C-407E-A947-70E740481C1C}">
@@ -8236,14 +8236,13 @@
               </a:ext>
             </a:extLst>
           </a:blip>
-          <a:stretch>
-            <a:fillRect/>
-          </a:stretch>
+          <a:srcRect t="1" r="3464" b="16678"/>
+          <a:stretch/>
         </p:blipFill>
         <p:spPr>
           <a:xfrm>
             <a:off x="232757" y="4800600"/>
-            <a:ext cx="8678486" cy="457264"/>
+            <a:ext cx="8377843" cy="381000"/>
           </a:xfrm>
           <a:prstGeom prst="rect">
             <a:avLst/>
@@ -8494,8 +8493,8 @@
           <a:chExt cx="0" cy="0"/>
         </a:xfrm>
       </p:grpSpPr>
-      <mc:AlternateContent xmlns:mc="http://schemas.openxmlformats.org/markup-compatibility/2006">
-        <mc:Choice xmlns:a14="http://schemas.microsoft.com/office/drawing/2010/main" Requires="a14">
+      <mc:AlternateContent xmlns:mc="http://schemas.openxmlformats.org/markup-compatibility/2006" xmlns:a14="http://schemas.microsoft.com/office/drawing/2010/main">
+        <mc:Choice Requires="a14">
           <p:sp>
             <p:nvSpPr>
               <p:cNvPr id="3" name="内容占位符 2"/>
@@ -8605,7 +8604,7 @@
             </p:txBody>
           </p:sp>
         </mc:Choice>
-        <mc:Fallback>
+        <mc:Fallback xmlns="">
           <p:sp>
             <p:nvSpPr>
               <p:cNvPr id="3" name="内容占位符 2"/>
@@ -9025,11 +9024,7 @@
             <a:pPr lvl="1"/>
             <a:r>
               <a:rPr lang="zh-CN" altLang="en-US" dirty="0"/>
-              <a:t>采用</a:t>
-            </a:r>
-            <a:r>
-              <a:rPr lang="zh-CN" altLang="en-US" dirty="0"/>
-              <a:t>交叉熵损失函数，对于样本</a:t>
+              <a:t>采用交叉熵损失函数，对于样本</a:t>
             </a:r>
             <a:r>
               <a:rPr lang="en-US" altLang="zh-CN" dirty="0"/>
@@ -9166,12 +9161,11 @@
               <a:rPr lang="zh-CN" altLang="en-US" dirty="0"/>
               <a:t>参数学习</a:t>
             </a:r>
-            <a:endParaRPr lang="zh-CN" altLang="en-US" dirty="0"/>
           </a:p>
         </p:txBody>
       </p:sp>
-      <mc:AlternateContent xmlns:mc="http://schemas.openxmlformats.org/markup-compatibility/2006">
-        <mc:Choice xmlns:a14="http://schemas.microsoft.com/office/drawing/2010/main" Requires="a14">
+      <mc:AlternateContent xmlns:mc="http://schemas.openxmlformats.org/markup-compatibility/2006" xmlns:a14="http://schemas.microsoft.com/office/drawing/2010/main">
+        <mc:Choice Requires="a14">
           <p:sp>
             <p:nvSpPr>
               <p:cNvPr id="3" name="内容占位符 2"/>
@@ -9485,7 +9479,7 @@
             </p:txBody>
           </p:sp>
         </mc:Choice>
-        <mc:Fallback>
+        <mc:Fallback xmlns="">
           <p:sp>
             <p:nvSpPr>
               <p:cNvPr id="3" name="内容占位符 2"/>
@@ -9847,7 +9841,7 @@
           <a:graphicData uri="http://schemas.openxmlformats.org/presentationml/2006/ole">
             <mc:AlternateContent xmlns:mc="http://schemas.openxmlformats.org/markup-compatibility/2006">
               <mc:Choice xmlns:v="urn:schemas-microsoft-com:vml" Requires="v">
-                <p:oleObj spid="_x0000_s1115" name="方程式" r:id="rId5" imgW="152280" imgH="139680" progId="Equation.3">
+                <p:oleObj spid="_x0000_s1122" name="方程式" r:id="rId5" imgW="152280" imgH="139680" progId="Equation.3">
                   <p:embed/>
                 </p:oleObj>
               </mc:Choice>
@@ -12021,6 +12015,9 @@
             <a:endParaRPr lang="en-US" altLang="zh-CN" dirty="0"/>
           </a:p>
           <a:p>
+            <a:endParaRPr lang="en-US" altLang="zh-CN" dirty="0" smtClean="0"/>
+          </a:p>
+          <a:p>
             <a:r>
               <a:rPr lang="zh-CN" altLang="en-US" dirty="0" smtClean="0"/>
               <a:t>反向传播算法</a:t>
@@ -12091,6 +12088,731 @@
           </a:p>
         </p:txBody>
       </p:sp>
+      <mc:AlternateContent xmlns:mc="http://schemas.openxmlformats.org/markup-compatibility/2006">
+        <mc:Choice xmlns:a14="http://schemas.microsoft.com/office/drawing/2010/main" Requires="a14">
+          <p:sp>
+            <p:nvSpPr>
+              <p:cNvPr id="4" name="文本框 3"/>
+              <p:cNvSpPr txBox="1"/>
+              <p:nvPr/>
+            </p:nvSpPr>
+            <p:spPr>
+              <a:xfrm flipH="1">
+                <a:off x="533400" y="2362200"/>
+                <a:ext cx="7922741" cy="677045"/>
+              </a:xfrm>
+              <a:prstGeom prst="rect">
+                <a:avLst/>
+              </a:prstGeom>
+              <a:noFill/>
+            </p:spPr>
+            <p:txBody>
+              <a:bodyPr wrap="square" rtlCol="0">
+                <a:spAutoFit/>
+              </a:bodyPr>
+              <a:lstStyle/>
+              <a:p>
+                <a:pPr algn="ctr"/>
+                <a14:m>
+                  <m:oMath xmlns:m="http://schemas.openxmlformats.org/officeDocument/2006/math">
+                    <m:r>
+                      <a:rPr lang="en-US" altLang="zh-CN" sz="2400" i="1" smtClean="0">
+                        <a:solidFill>
+                          <a:srgbClr val="FF0000"/>
+                        </a:solidFill>
+                        <a:latin typeface="Cambria Math" panose="02040503050406030204" pitchFamily="18" charset="0"/>
+                        <a:ea typeface="Cambria Math" panose="02040503050406030204" pitchFamily="18" charset="0"/>
+                      </a:rPr>
+                      <m:t>𝑦</m:t>
+                    </m:r>
+                    <m:r>
+                      <a:rPr lang="en-US" altLang="zh-CN" sz="2400" i="1" smtClean="0">
+                        <a:solidFill>
+                          <a:srgbClr val="FF0000"/>
+                        </a:solidFill>
+                        <a:latin typeface="Cambria Math" panose="02040503050406030204" pitchFamily="18" charset="0"/>
+                        <a:ea typeface="Cambria Math" panose="02040503050406030204" pitchFamily="18" charset="0"/>
+                      </a:rPr>
+                      <m:t>=</m:t>
+                    </m:r>
+                    <m:r>
+                      <a:rPr lang="en-US" altLang="zh-CN" sz="2400" i="1" smtClean="0">
+                        <a:solidFill>
+                          <a:srgbClr val="FF0000"/>
+                        </a:solidFill>
+                        <a:latin typeface="Cambria Math" panose="02040503050406030204" pitchFamily="18" charset="0"/>
+                        <a:ea typeface="Cambria Math" panose="02040503050406030204" pitchFamily="18" charset="0"/>
+                      </a:rPr>
+                      <m:t>𝑓</m:t>
+                    </m:r>
+                    <m:r>
+                      <a:rPr lang="en-US" altLang="zh-CN" sz="2400" i="1" baseline="30000">
+                        <a:solidFill>
+                          <a:srgbClr val="FF0000"/>
+                        </a:solidFill>
+                        <a:latin typeface="Cambria Math" panose="02040503050406030204" pitchFamily="18" charset="0"/>
+                        <a:ea typeface="Cambria Math" panose="02040503050406030204" pitchFamily="18" charset="0"/>
+                      </a:rPr>
+                      <m:t>5</m:t>
+                    </m:r>
+                    <m:r>
+                      <a:rPr lang="en-US" altLang="zh-CN" sz="2400" i="1">
+                        <a:solidFill>
+                          <a:srgbClr val="FF0000"/>
+                        </a:solidFill>
+                        <a:latin typeface="Cambria Math" panose="02040503050406030204" pitchFamily="18" charset="0"/>
+                        <a:ea typeface="Cambria Math" panose="02040503050406030204" pitchFamily="18" charset="0"/>
+                      </a:rPr>
+                      <m:t>(</m:t>
+                    </m:r>
+                    <m:r>
+                      <a:rPr lang="en-US" altLang="zh-CN" sz="2400" i="1">
+                        <a:solidFill>
+                          <a:srgbClr val="FF0000"/>
+                        </a:solidFill>
+                        <a:latin typeface="Cambria Math" panose="02040503050406030204" pitchFamily="18" charset="0"/>
+                        <a:ea typeface="Cambria Math" panose="02040503050406030204" pitchFamily="18" charset="0"/>
+                      </a:rPr>
+                      <m:t>𝑓</m:t>
+                    </m:r>
+                    <m:r>
+                      <a:rPr lang="en-US" altLang="zh-CN" sz="2400" i="1" baseline="30000">
+                        <a:solidFill>
+                          <a:srgbClr val="FF0000"/>
+                        </a:solidFill>
+                        <a:latin typeface="Cambria Math" panose="02040503050406030204" pitchFamily="18" charset="0"/>
+                        <a:ea typeface="Cambria Math" panose="02040503050406030204" pitchFamily="18" charset="0"/>
+                      </a:rPr>
+                      <m:t>4</m:t>
+                    </m:r>
+                    <m:r>
+                      <a:rPr lang="en-US" altLang="zh-CN" sz="2400" i="1">
+                        <a:solidFill>
+                          <a:srgbClr val="FF0000"/>
+                        </a:solidFill>
+                        <a:latin typeface="Cambria Math" panose="02040503050406030204" pitchFamily="18" charset="0"/>
+                        <a:ea typeface="Cambria Math" panose="02040503050406030204" pitchFamily="18" charset="0"/>
+                      </a:rPr>
+                      <m:t>(</m:t>
+                    </m:r>
+                    <m:r>
+                      <a:rPr lang="en-US" altLang="zh-CN" sz="2400" i="1">
+                        <a:solidFill>
+                          <a:srgbClr val="FF0000"/>
+                        </a:solidFill>
+                        <a:latin typeface="Cambria Math" panose="02040503050406030204" pitchFamily="18" charset="0"/>
+                        <a:ea typeface="Cambria Math" panose="02040503050406030204" pitchFamily="18" charset="0"/>
+                      </a:rPr>
+                      <m:t>𝑓</m:t>
+                    </m:r>
+                    <m:r>
+                      <a:rPr lang="en-US" altLang="zh-CN" sz="2400" i="1" baseline="30000">
+                        <a:solidFill>
+                          <a:srgbClr val="FF0000"/>
+                        </a:solidFill>
+                        <a:latin typeface="Cambria Math" panose="02040503050406030204" pitchFamily="18" charset="0"/>
+                        <a:ea typeface="Cambria Math" panose="02040503050406030204" pitchFamily="18" charset="0"/>
+                      </a:rPr>
+                      <m:t>3</m:t>
+                    </m:r>
+                    <m:r>
+                      <a:rPr lang="en-US" altLang="zh-CN" sz="2400" i="1">
+                        <a:solidFill>
+                          <a:srgbClr val="FF0000"/>
+                        </a:solidFill>
+                        <a:latin typeface="Cambria Math" panose="02040503050406030204" pitchFamily="18" charset="0"/>
+                        <a:ea typeface="Cambria Math" panose="02040503050406030204" pitchFamily="18" charset="0"/>
+                      </a:rPr>
+                      <m:t>(</m:t>
+                    </m:r>
+                    <m:r>
+                      <a:rPr lang="en-US" altLang="zh-CN" sz="2400" i="1">
+                        <a:solidFill>
+                          <a:srgbClr val="FF0000"/>
+                        </a:solidFill>
+                        <a:latin typeface="Cambria Math" panose="02040503050406030204" pitchFamily="18" charset="0"/>
+                        <a:ea typeface="Cambria Math" panose="02040503050406030204" pitchFamily="18" charset="0"/>
+                      </a:rPr>
+                      <m:t>𝑓</m:t>
+                    </m:r>
+                    <m:r>
+                      <a:rPr lang="en-US" altLang="zh-CN" sz="2400" i="1" baseline="30000">
+                        <a:solidFill>
+                          <a:srgbClr val="FF0000"/>
+                        </a:solidFill>
+                        <a:latin typeface="Cambria Math" panose="02040503050406030204" pitchFamily="18" charset="0"/>
+                        <a:ea typeface="Cambria Math" panose="02040503050406030204" pitchFamily="18" charset="0"/>
+                      </a:rPr>
+                      <m:t>2</m:t>
+                    </m:r>
+                    <m:r>
+                      <a:rPr lang="en-US" altLang="zh-CN" sz="2400" i="1">
+                        <a:solidFill>
+                          <a:srgbClr val="FF0000"/>
+                        </a:solidFill>
+                        <a:latin typeface="Cambria Math" panose="02040503050406030204" pitchFamily="18" charset="0"/>
+                        <a:ea typeface="Cambria Math" panose="02040503050406030204" pitchFamily="18" charset="0"/>
+                      </a:rPr>
+                      <m:t>(</m:t>
+                    </m:r>
+                    <m:r>
+                      <a:rPr lang="pt-BR" altLang="zh-CN" sz="2400" i="1">
+                        <a:solidFill>
+                          <a:srgbClr val="FF0000"/>
+                        </a:solidFill>
+                        <a:latin typeface="Cambria Math" panose="02040503050406030204" pitchFamily="18" charset="0"/>
+                        <a:ea typeface="Cambria Math" panose="02040503050406030204" pitchFamily="18" charset="0"/>
+                      </a:rPr>
+                      <m:t>𝑓</m:t>
+                    </m:r>
+                    <m:r>
+                      <a:rPr lang="en-US" altLang="zh-CN" sz="2400" i="1" baseline="30000">
+                        <a:solidFill>
+                          <a:srgbClr val="FF0000"/>
+                        </a:solidFill>
+                        <a:latin typeface="Cambria Math" panose="02040503050406030204" pitchFamily="18" charset="0"/>
+                        <a:ea typeface="Cambria Math" panose="02040503050406030204" pitchFamily="18" charset="0"/>
+                      </a:rPr>
+                      <m:t>1</m:t>
+                    </m:r>
+                    <m:d>
+                      <m:dPr>
+                        <m:ctrlPr>
+                          <a:rPr lang="pt-BR" altLang="zh-CN" sz="2400" i="1">
+                            <a:solidFill>
+                              <a:srgbClr val="FF0000"/>
+                            </a:solidFill>
+                            <a:latin typeface="Cambria Math" panose="02040503050406030204" pitchFamily="18" charset="0"/>
+                            <a:ea typeface="Cambria Math" panose="02040503050406030204" pitchFamily="18" charset="0"/>
+                          </a:rPr>
+                        </m:ctrlPr>
+                      </m:dPr>
+                      <m:e>
+                        <m:r>
+                          <a:rPr lang="pt-BR" altLang="zh-CN" sz="2400" i="1">
+                            <a:solidFill>
+                              <a:srgbClr val="FF0000"/>
+                            </a:solidFill>
+                            <a:latin typeface="Cambria Math" panose="02040503050406030204" pitchFamily="18" charset="0"/>
+                            <a:ea typeface="Cambria Math" panose="02040503050406030204" pitchFamily="18" charset="0"/>
+                          </a:rPr>
+                          <m:t>𝑥</m:t>
+                        </m:r>
+                      </m:e>
+                    </m:d>
+                    <m:r>
+                      <a:rPr lang="en-US" altLang="zh-CN" sz="2400" i="1">
+                        <a:solidFill>
+                          <a:srgbClr val="FF0000"/>
+                        </a:solidFill>
+                        <a:latin typeface="Cambria Math" panose="02040503050406030204" pitchFamily="18" charset="0"/>
+                        <a:ea typeface="Cambria Math" panose="02040503050406030204" pitchFamily="18" charset="0"/>
+                      </a:rPr>
+                      <m:t>))))</m:t>
+                    </m:r>
+                  </m:oMath>
+                </a14:m>
+                <a:r>
+                  <a:rPr lang="zh-CN" altLang="en-US" sz="2400" dirty="0" smtClean="0">
+                    <a:solidFill>
+                      <a:srgbClr val="FF0000"/>
+                    </a:solidFill>
+                  </a:rPr>
+                  <a:t> </a:t>
+                </a:r>
+                <a:r>
+                  <a:rPr lang="en-US" altLang="zh-CN" sz="2400" dirty="0">
+                    <a:solidFill>
+                      <a:srgbClr val="FF0000"/>
+                    </a:solidFill>
+                  </a:rPr>
+                  <a:t>→</a:t>
+                </a:r>
+                <a:r>
+                  <a:rPr lang="zh-CN" altLang="en-US" sz="2400" dirty="0" smtClean="0">
+                    <a:solidFill>
+                      <a:srgbClr val="FF0000"/>
+                    </a:solidFill>
+                  </a:rPr>
+                  <a:t> </a:t>
+                </a:r>
+                <a14:m>
+                  <m:oMath xmlns:m="http://schemas.openxmlformats.org/officeDocument/2006/math">
+                    <m:f>
+                      <m:fPr>
+                        <m:ctrlPr>
+                          <a:rPr lang="en-US" altLang="zh-CN" sz="2400" i="1" smtClean="0">
+                            <a:solidFill>
+                              <a:srgbClr val="FF0000"/>
+                            </a:solidFill>
+                            <a:latin typeface="Cambria Math" panose="02040503050406030204" pitchFamily="18" charset="0"/>
+                          </a:rPr>
+                        </m:ctrlPr>
+                      </m:fPr>
+                      <m:num>
+                        <m:r>
+                          <a:rPr lang="en-US" altLang="zh-CN" sz="2400" i="1" smtClean="0">
+                            <a:solidFill>
+                              <a:srgbClr val="FF0000"/>
+                            </a:solidFill>
+                            <a:latin typeface="Cambria Math" panose="02040503050406030204" pitchFamily="18" charset="0"/>
+                          </a:rPr>
+                          <m:t>𝜕</m:t>
+                        </m:r>
+                        <m:r>
+                          <a:rPr lang="en-US" altLang="zh-CN" sz="2400" i="1" smtClean="0">
+                            <a:solidFill>
+                              <a:srgbClr val="FF0000"/>
+                            </a:solidFill>
+                            <a:latin typeface="Cambria Math" panose="02040503050406030204" pitchFamily="18" charset="0"/>
+                          </a:rPr>
+                          <m:t>𝑦</m:t>
+                        </m:r>
+                      </m:num>
+                      <m:den>
+                        <m:r>
+                          <a:rPr lang="en-US" altLang="zh-CN" sz="2400" i="1" smtClean="0">
+                            <a:solidFill>
+                              <a:srgbClr val="FF0000"/>
+                            </a:solidFill>
+                            <a:latin typeface="Cambria Math" panose="02040503050406030204" pitchFamily="18" charset="0"/>
+                          </a:rPr>
+                          <m:t>𝜕</m:t>
+                        </m:r>
+                        <m:r>
+                          <a:rPr lang="en-US" altLang="zh-CN" sz="2400" i="1" smtClean="0">
+                            <a:solidFill>
+                              <a:srgbClr val="FF0000"/>
+                            </a:solidFill>
+                            <a:latin typeface="Cambria Math" panose="02040503050406030204" pitchFamily="18" charset="0"/>
+                          </a:rPr>
+                          <m:t>𝑥</m:t>
+                        </m:r>
+                      </m:den>
+                    </m:f>
+                    <m:r>
+                      <a:rPr lang="en-US" altLang="zh-CN" sz="2400" i="1">
+                        <a:solidFill>
+                          <a:srgbClr val="FF0000"/>
+                        </a:solidFill>
+                        <a:latin typeface="Cambria Math" panose="02040503050406030204" pitchFamily="18" charset="0"/>
+                        <a:ea typeface="Cambria Math" panose="02040503050406030204" pitchFamily="18" charset="0"/>
+                      </a:rPr>
+                      <m:t>=</m:t>
+                    </m:r>
+                    <m:f>
+                      <m:fPr>
+                        <m:ctrlPr>
+                          <a:rPr lang="en-US" altLang="zh-CN" sz="2400" i="1">
+                            <a:solidFill>
+                              <a:srgbClr val="FF0000"/>
+                            </a:solidFill>
+                            <a:latin typeface="Cambria Math" panose="02040503050406030204" pitchFamily="18" charset="0"/>
+                          </a:rPr>
+                        </m:ctrlPr>
+                      </m:fPr>
+                      <m:num>
+                        <m:r>
+                          <a:rPr lang="en-US" altLang="zh-CN" sz="2400" i="1">
+                            <a:solidFill>
+                              <a:srgbClr val="FF0000"/>
+                            </a:solidFill>
+                            <a:latin typeface="Cambria Math" panose="02040503050406030204" pitchFamily="18" charset="0"/>
+                          </a:rPr>
+                          <m:t>𝜕</m:t>
+                        </m:r>
+                        <m:r>
+                          <a:rPr lang="en-US" altLang="zh-CN" sz="2400" i="1">
+                            <a:solidFill>
+                              <a:srgbClr val="FF0000"/>
+                            </a:solidFill>
+                            <a:latin typeface="Cambria Math" panose="02040503050406030204" pitchFamily="18" charset="0"/>
+                            <a:ea typeface="Cambria Math" panose="02040503050406030204" pitchFamily="18" charset="0"/>
+                          </a:rPr>
+                          <m:t>𝑓</m:t>
+                        </m:r>
+                        <m:r>
+                          <a:rPr lang="en-US" altLang="zh-CN" sz="2400" b="0" i="1" baseline="30000" smtClean="0">
+                            <a:solidFill>
+                              <a:srgbClr val="FF0000"/>
+                            </a:solidFill>
+                            <a:latin typeface="Cambria Math" panose="02040503050406030204" pitchFamily="18" charset="0"/>
+                            <a:ea typeface="Cambria Math" panose="02040503050406030204" pitchFamily="18" charset="0"/>
+                          </a:rPr>
+                          <m:t>1</m:t>
+                        </m:r>
+                      </m:num>
+                      <m:den>
+                        <m:r>
+                          <a:rPr lang="en-US" altLang="zh-CN" sz="2400" i="1">
+                            <a:solidFill>
+                              <a:srgbClr val="FF0000"/>
+                            </a:solidFill>
+                            <a:latin typeface="Cambria Math" panose="02040503050406030204" pitchFamily="18" charset="0"/>
+                          </a:rPr>
+                          <m:t>𝜕</m:t>
+                        </m:r>
+                        <m:r>
+                          <m:rPr>
+                            <m:sty m:val="p"/>
+                          </m:rPr>
+                          <a:rPr lang="en-US" altLang="zh-CN" sz="2400" i="1">
+                            <a:solidFill>
+                              <a:srgbClr val="FF0000"/>
+                            </a:solidFill>
+                            <a:latin typeface="Cambria Math" panose="02040503050406030204" pitchFamily="18" charset="0"/>
+                            <a:ea typeface="Cambria Math" panose="02040503050406030204" pitchFamily="18" charset="0"/>
+                          </a:rPr>
+                          <m:t>x</m:t>
+                        </m:r>
+                      </m:den>
+                    </m:f>
+                    <m:f>
+                      <m:fPr>
+                        <m:ctrlPr>
+                          <a:rPr lang="en-US" altLang="zh-CN" sz="2400" i="1">
+                            <a:solidFill>
+                              <a:srgbClr val="FF0000"/>
+                            </a:solidFill>
+                            <a:latin typeface="Cambria Math" panose="02040503050406030204" pitchFamily="18" charset="0"/>
+                          </a:rPr>
+                        </m:ctrlPr>
+                      </m:fPr>
+                      <m:num>
+                        <m:r>
+                          <a:rPr lang="en-US" altLang="zh-CN" sz="2400" i="1">
+                            <a:solidFill>
+                              <a:srgbClr val="FF0000"/>
+                            </a:solidFill>
+                            <a:latin typeface="Cambria Math" panose="02040503050406030204" pitchFamily="18" charset="0"/>
+                          </a:rPr>
+                          <m:t>𝜕</m:t>
+                        </m:r>
+                        <m:r>
+                          <a:rPr lang="en-US" altLang="zh-CN" sz="2400" i="1">
+                            <a:solidFill>
+                              <a:srgbClr val="FF0000"/>
+                            </a:solidFill>
+                            <a:latin typeface="Cambria Math" panose="02040503050406030204" pitchFamily="18" charset="0"/>
+                            <a:ea typeface="Cambria Math" panose="02040503050406030204" pitchFamily="18" charset="0"/>
+                          </a:rPr>
+                          <m:t>𝑓</m:t>
+                        </m:r>
+                        <m:r>
+                          <a:rPr lang="en-US" altLang="zh-CN" sz="2400" b="0" i="1" baseline="30000" smtClean="0">
+                            <a:solidFill>
+                              <a:srgbClr val="FF0000"/>
+                            </a:solidFill>
+                            <a:latin typeface="Cambria Math" panose="02040503050406030204" pitchFamily="18" charset="0"/>
+                            <a:ea typeface="Cambria Math" panose="02040503050406030204" pitchFamily="18" charset="0"/>
+                          </a:rPr>
+                          <m:t>2</m:t>
+                        </m:r>
+                      </m:num>
+                      <m:den>
+                        <m:r>
+                          <a:rPr lang="en-US" altLang="zh-CN" sz="2400" i="1">
+                            <a:solidFill>
+                              <a:srgbClr val="FF0000"/>
+                            </a:solidFill>
+                            <a:latin typeface="Cambria Math" panose="02040503050406030204" pitchFamily="18" charset="0"/>
+                          </a:rPr>
+                          <m:t>𝜕</m:t>
+                        </m:r>
+                        <m:r>
+                          <a:rPr lang="en-US" altLang="zh-CN" sz="2400" i="1">
+                            <a:solidFill>
+                              <a:srgbClr val="FF0000"/>
+                            </a:solidFill>
+                            <a:latin typeface="Cambria Math" panose="02040503050406030204" pitchFamily="18" charset="0"/>
+                            <a:ea typeface="Cambria Math" panose="02040503050406030204" pitchFamily="18" charset="0"/>
+                          </a:rPr>
+                          <m:t>𝑓</m:t>
+                        </m:r>
+                        <m:r>
+                          <a:rPr lang="en-US" altLang="zh-CN" sz="2400" b="0" i="1" baseline="30000" smtClean="0">
+                            <a:solidFill>
+                              <a:srgbClr val="FF0000"/>
+                            </a:solidFill>
+                            <a:latin typeface="Cambria Math" panose="02040503050406030204" pitchFamily="18" charset="0"/>
+                            <a:ea typeface="Cambria Math" panose="02040503050406030204" pitchFamily="18" charset="0"/>
+                          </a:rPr>
+                          <m:t>1</m:t>
+                        </m:r>
+                      </m:den>
+                    </m:f>
+                    <m:f>
+                      <m:fPr>
+                        <m:ctrlPr>
+                          <a:rPr lang="en-US" altLang="zh-CN" sz="2400" i="1">
+                            <a:solidFill>
+                              <a:srgbClr val="FF0000"/>
+                            </a:solidFill>
+                            <a:latin typeface="Cambria Math" panose="02040503050406030204" pitchFamily="18" charset="0"/>
+                          </a:rPr>
+                        </m:ctrlPr>
+                      </m:fPr>
+                      <m:num>
+                        <m:r>
+                          <a:rPr lang="en-US" altLang="zh-CN" sz="2400" i="1">
+                            <a:solidFill>
+                              <a:srgbClr val="FF0000"/>
+                            </a:solidFill>
+                            <a:latin typeface="Cambria Math" panose="02040503050406030204" pitchFamily="18" charset="0"/>
+                          </a:rPr>
+                          <m:t>𝜕</m:t>
+                        </m:r>
+                        <m:r>
+                          <a:rPr lang="en-US" altLang="zh-CN" sz="2400" i="1">
+                            <a:solidFill>
+                              <a:srgbClr val="FF0000"/>
+                            </a:solidFill>
+                            <a:latin typeface="Cambria Math" panose="02040503050406030204" pitchFamily="18" charset="0"/>
+                            <a:ea typeface="Cambria Math" panose="02040503050406030204" pitchFamily="18" charset="0"/>
+                          </a:rPr>
+                          <m:t>𝑓</m:t>
+                        </m:r>
+                        <m:r>
+                          <a:rPr lang="en-US" altLang="zh-CN" sz="2400" b="0" i="1" baseline="30000" smtClean="0">
+                            <a:solidFill>
+                              <a:srgbClr val="FF0000"/>
+                            </a:solidFill>
+                            <a:latin typeface="Cambria Math" panose="02040503050406030204" pitchFamily="18" charset="0"/>
+                            <a:ea typeface="Cambria Math" panose="02040503050406030204" pitchFamily="18" charset="0"/>
+                          </a:rPr>
+                          <m:t>3</m:t>
+                        </m:r>
+                      </m:num>
+                      <m:den>
+                        <m:r>
+                          <a:rPr lang="en-US" altLang="zh-CN" sz="2400" i="1">
+                            <a:solidFill>
+                              <a:srgbClr val="FF0000"/>
+                            </a:solidFill>
+                            <a:latin typeface="Cambria Math" panose="02040503050406030204" pitchFamily="18" charset="0"/>
+                          </a:rPr>
+                          <m:t>𝜕</m:t>
+                        </m:r>
+                        <m:r>
+                          <a:rPr lang="en-US" altLang="zh-CN" sz="2400" i="1">
+                            <a:solidFill>
+                              <a:srgbClr val="FF0000"/>
+                            </a:solidFill>
+                            <a:latin typeface="Cambria Math" panose="02040503050406030204" pitchFamily="18" charset="0"/>
+                            <a:ea typeface="Cambria Math" panose="02040503050406030204" pitchFamily="18" charset="0"/>
+                          </a:rPr>
+                          <m:t>𝑓</m:t>
+                        </m:r>
+                        <m:r>
+                          <a:rPr lang="en-US" altLang="zh-CN" sz="2400" b="0" i="1" baseline="30000" smtClean="0">
+                            <a:solidFill>
+                              <a:srgbClr val="FF0000"/>
+                            </a:solidFill>
+                            <a:latin typeface="Cambria Math" panose="02040503050406030204" pitchFamily="18" charset="0"/>
+                            <a:ea typeface="Cambria Math" panose="02040503050406030204" pitchFamily="18" charset="0"/>
+                          </a:rPr>
+                          <m:t>2</m:t>
+                        </m:r>
+                      </m:den>
+                    </m:f>
+                    <m:f>
+                      <m:fPr>
+                        <m:ctrlPr>
+                          <a:rPr lang="en-US" altLang="zh-CN" sz="2400" i="1">
+                            <a:solidFill>
+                              <a:srgbClr val="FF0000"/>
+                            </a:solidFill>
+                            <a:latin typeface="Cambria Math" panose="02040503050406030204" pitchFamily="18" charset="0"/>
+                          </a:rPr>
+                        </m:ctrlPr>
+                      </m:fPr>
+                      <m:num>
+                        <m:r>
+                          <a:rPr lang="en-US" altLang="zh-CN" sz="2400" i="1">
+                            <a:solidFill>
+                              <a:srgbClr val="FF0000"/>
+                            </a:solidFill>
+                            <a:latin typeface="Cambria Math" panose="02040503050406030204" pitchFamily="18" charset="0"/>
+                          </a:rPr>
+                          <m:t>𝜕</m:t>
+                        </m:r>
+                        <m:r>
+                          <a:rPr lang="en-US" altLang="zh-CN" sz="2400" i="1">
+                            <a:solidFill>
+                              <a:srgbClr val="FF0000"/>
+                            </a:solidFill>
+                            <a:latin typeface="Cambria Math" panose="02040503050406030204" pitchFamily="18" charset="0"/>
+                            <a:ea typeface="Cambria Math" panose="02040503050406030204" pitchFamily="18" charset="0"/>
+                          </a:rPr>
+                          <m:t>𝑓</m:t>
+                        </m:r>
+                        <m:r>
+                          <a:rPr lang="en-US" altLang="zh-CN" sz="2400" i="1" baseline="30000">
+                            <a:solidFill>
+                              <a:srgbClr val="FF0000"/>
+                            </a:solidFill>
+                            <a:latin typeface="Cambria Math" panose="02040503050406030204" pitchFamily="18" charset="0"/>
+                            <a:ea typeface="Cambria Math" panose="02040503050406030204" pitchFamily="18" charset="0"/>
+                          </a:rPr>
+                          <m:t>4</m:t>
+                        </m:r>
+                      </m:num>
+                      <m:den>
+                        <m:r>
+                          <a:rPr lang="en-US" altLang="zh-CN" sz="2400" i="1">
+                            <a:solidFill>
+                              <a:srgbClr val="FF0000"/>
+                            </a:solidFill>
+                            <a:latin typeface="Cambria Math" panose="02040503050406030204" pitchFamily="18" charset="0"/>
+                          </a:rPr>
+                          <m:t>𝜕</m:t>
+                        </m:r>
+                        <m:r>
+                          <a:rPr lang="en-US" altLang="zh-CN" sz="2400" i="1">
+                            <a:solidFill>
+                              <a:srgbClr val="FF0000"/>
+                            </a:solidFill>
+                            <a:latin typeface="Cambria Math" panose="02040503050406030204" pitchFamily="18" charset="0"/>
+                            <a:ea typeface="Cambria Math" panose="02040503050406030204" pitchFamily="18" charset="0"/>
+                          </a:rPr>
+                          <m:t>𝑓</m:t>
+                        </m:r>
+                        <m:r>
+                          <a:rPr lang="en-US" altLang="zh-CN" sz="2400" b="0" i="1" baseline="30000" smtClean="0">
+                            <a:solidFill>
+                              <a:srgbClr val="FF0000"/>
+                            </a:solidFill>
+                            <a:latin typeface="Cambria Math" panose="02040503050406030204" pitchFamily="18" charset="0"/>
+                            <a:ea typeface="Cambria Math" panose="02040503050406030204" pitchFamily="18" charset="0"/>
+                          </a:rPr>
+                          <m:t>3</m:t>
+                        </m:r>
+                      </m:den>
+                    </m:f>
+                    <m:f>
+                      <m:fPr>
+                        <m:ctrlPr>
+                          <a:rPr lang="en-US" altLang="zh-CN" sz="2400" i="1">
+                            <a:solidFill>
+                              <a:srgbClr val="FF0000"/>
+                            </a:solidFill>
+                            <a:latin typeface="Cambria Math" panose="02040503050406030204" pitchFamily="18" charset="0"/>
+                          </a:rPr>
+                        </m:ctrlPr>
+                      </m:fPr>
+                      <m:num>
+                        <m:r>
+                          <a:rPr lang="en-US" altLang="zh-CN" sz="2400" i="1">
+                            <a:solidFill>
+                              <a:srgbClr val="FF0000"/>
+                            </a:solidFill>
+                            <a:latin typeface="Cambria Math" panose="02040503050406030204" pitchFamily="18" charset="0"/>
+                          </a:rPr>
+                          <m:t>𝜕</m:t>
+                        </m:r>
+                        <m:r>
+                          <a:rPr lang="en-US" altLang="zh-CN" sz="2400" i="1">
+                            <a:solidFill>
+                              <a:srgbClr val="FF0000"/>
+                            </a:solidFill>
+                            <a:latin typeface="Cambria Math" panose="02040503050406030204" pitchFamily="18" charset="0"/>
+                            <a:ea typeface="Cambria Math" panose="02040503050406030204" pitchFamily="18" charset="0"/>
+                          </a:rPr>
+                          <m:t>𝑓</m:t>
+                        </m:r>
+                        <m:r>
+                          <a:rPr lang="en-US" altLang="zh-CN" sz="2400" i="1" baseline="30000">
+                            <a:solidFill>
+                              <a:srgbClr val="FF0000"/>
+                            </a:solidFill>
+                            <a:latin typeface="Cambria Math" panose="02040503050406030204" pitchFamily="18" charset="0"/>
+                            <a:ea typeface="Cambria Math" panose="02040503050406030204" pitchFamily="18" charset="0"/>
+                          </a:rPr>
+                          <m:t>5</m:t>
+                        </m:r>
+                      </m:num>
+                      <m:den>
+                        <m:r>
+                          <a:rPr lang="en-US" altLang="zh-CN" sz="2400" i="1">
+                            <a:solidFill>
+                              <a:srgbClr val="FF0000"/>
+                            </a:solidFill>
+                            <a:latin typeface="Cambria Math" panose="02040503050406030204" pitchFamily="18" charset="0"/>
+                          </a:rPr>
+                          <m:t>𝜕</m:t>
+                        </m:r>
+                        <m:r>
+                          <a:rPr lang="en-US" altLang="zh-CN" sz="2400" i="1">
+                            <a:solidFill>
+                              <a:srgbClr val="FF0000"/>
+                            </a:solidFill>
+                            <a:latin typeface="Cambria Math" panose="02040503050406030204" pitchFamily="18" charset="0"/>
+                            <a:ea typeface="Cambria Math" panose="02040503050406030204" pitchFamily="18" charset="0"/>
+                          </a:rPr>
+                          <m:t>𝑓</m:t>
+                        </m:r>
+                        <m:r>
+                          <a:rPr lang="en-US" altLang="zh-CN" sz="2400" b="0" i="1" baseline="30000" smtClean="0">
+                            <a:solidFill>
+                              <a:srgbClr val="FF0000"/>
+                            </a:solidFill>
+                            <a:latin typeface="Cambria Math" panose="02040503050406030204" pitchFamily="18" charset="0"/>
+                            <a:ea typeface="Cambria Math" panose="02040503050406030204" pitchFamily="18" charset="0"/>
+                          </a:rPr>
+                          <m:t>4</m:t>
+                        </m:r>
+                      </m:den>
+                    </m:f>
+                  </m:oMath>
+                </a14:m>
+                <a:endParaRPr lang="zh-CN" altLang="en-US" sz="2400" dirty="0">
+                  <a:solidFill>
+                    <a:srgbClr val="FF0000"/>
+                  </a:solidFill>
+                </a:endParaRPr>
+              </a:p>
+            </p:txBody>
+          </p:sp>
+        </mc:Choice>
+        <mc:Fallback>
+          <p:sp>
+            <p:nvSpPr>
+              <p:cNvPr id="4" name="文本框 3"/>
+              <p:cNvSpPr txBox="1">
+                <a:spLocks noRot="1" noChangeAspect="1" noMove="1" noResize="1" noEditPoints="1" noAdjustHandles="1" noChangeArrowheads="1" noChangeShapeType="1" noTextEdit="1"/>
+              </p:cNvSpPr>
+              <p:nvPr/>
+            </p:nvSpPr>
+            <p:spPr>
+              <a:xfrm flipH="1">
+                <a:off x="533400" y="2362200"/>
+                <a:ext cx="7922741" cy="677045"/>
+              </a:xfrm>
+              <a:prstGeom prst="rect">
+                <a:avLst/>
+              </a:prstGeom>
+              <a:blipFill>
+                <a:blip r:embed="rId2"/>
+                <a:stretch>
+                  <a:fillRect b="-901"/>
+                </a:stretch>
+              </a:blipFill>
+            </p:spPr>
+            <p:txBody>
+              <a:bodyPr/>
+              <a:lstStyle/>
+              <a:p>
+                <a:r>
+                  <a:rPr lang="zh-CN" altLang="en-US">
+                    <a:noFill/>
+                  </a:rPr>
+                  <a:t> </a:t>
+                </a:r>
+              </a:p>
+            </p:txBody>
+          </p:sp>
+        </mc:Fallback>
+      </mc:AlternateContent>
     </p:spTree>
     <p:extLst>
       <p:ext uri="{BB962C8B-B14F-4D97-AF65-F5344CB8AC3E}">
@@ -12137,7 +12859,7 @@
                                         <p:tgtEl>
                                           <p:spTgt spid="3">
                                             <p:txEl>
-                                              <p:pRg st="3" end="3"/>
+                                              <p:pRg st="4" end="4"/>
                                             </p:txEl>
                                           </p:spTgt>
                                         </p:tgtEl>
@@ -12155,7 +12877,7 @@
                                         <p:tgtEl>
                                           <p:spTgt spid="3">
                                             <p:txEl>
-                                              <p:pRg st="3" end="3"/>
+                                              <p:pRg st="4" end="4"/>
                                             </p:txEl>
                                           </p:spTgt>
                                         </p:tgtEl>
@@ -12180,7 +12902,7 @@
                                         <p:tgtEl>
                                           <p:spTgt spid="3">
                                             <p:txEl>
-                                              <p:pRg st="4" end="4"/>
+                                              <p:pRg st="5" end="5"/>
                                             </p:txEl>
                                           </p:spTgt>
                                         </p:tgtEl>
@@ -12198,7 +12920,7 @@
                                         <p:tgtEl>
                                           <p:spTgt spid="3">
                                             <p:txEl>
-                                              <p:pRg st="4" end="4"/>
+                                              <p:pRg st="5" end="5"/>
                                             </p:txEl>
                                           </p:spTgt>
                                         </p:tgtEl>
@@ -12223,7 +12945,7 @@
                                         <p:tgtEl>
                                           <p:spTgt spid="3">
                                             <p:txEl>
-                                              <p:pRg st="5" end="5"/>
+                                              <p:pRg st="6" end="6"/>
                                             </p:txEl>
                                           </p:spTgt>
                                         </p:tgtEl>
@@ -12241,7 +12963,7 @@
                                         <p:tgtEl>
                                           <p:spTgt spid="3">
                                             <p:txEl>
-                                              <p:pRg st="5" end="5"/>
+                                              <p:pRg st="6" end="6"/>
                                             </p:txEl>
                                           </p:spTgt>
                                         </p:tgtEl>
@@ -12284,7 +13006,7 @@
                                         <p:tgtEl>
                                           <p:spTgt spid="3">
                                             <p:txEl>
-                                              <p:pRg st="7" end="7"/>
+                                              <p:pRg st="8" end="8"/>
                                             </p:txEl>
                                           </p:spTgt>
                                         </p:tgtEl>
@@ -12302,7 +13024,7 @@
                                         <p:tgtEl>
                                           <p:spTgt spid="3">
                                             <p:txEl>
-                                              <p:pRg st="7" end="7"/>
+                                              <p:pRg st="8" end="8"/>
                                             </p:txEl>
                                           </p:spTgt>
                                         </p:tgtEl>
@@ -12327,7 +13049,7 @@
                                         <p:tgtEl>
                                           <p:spTgt spid="3">
                                             <p:txEl>
-                                              <p:pRg st="8" end="8"/>
+                                              <p:pRg st="9" end="9"/>
                                             </p:txEl>
                                           </p:spTgt>
                                         </p:tgtEl>
@@ -12345,7 +13067,7 @@
                                         <p:tgtEl>
                                           <p:spTgt spid="3">
                                             <p:txEl>
-                                              <p:pRg st="8" end="8"/>
+                                              <p:pRg st="9" end="9"/>
                                             </p:txEl>
                                           </p:spTgt>
                                         </p:tgtEl>
@@ -13052,9 +13774,22 @@
           <a:lstStyle/>
           <a:p>
             <a:r>
+              <a:rPr lang="zh-CN" altLang="en-US" dirty="0" smtClean="0"/>
+              <a:t>反向传播算法 </a:t>
+            </a:r>
+            <a:r>
+              <a:rPr lang="en-US" altLang="zh-CN" dirty="0" smtClean="0"/>
+              <a:t>(</a:t>
+            </a:r>
+            <a:r>
               <a:rPr lang="zh-CN" altLang="en-US" dirty="0"/>
-              <a:t>静态计算图和动态计算图</a:t>
-            </a:r>
+              <a:t>自动</a:t>
+            </a:r>
+            <a:r>
+              <a:rPr lang="zh-CN" altLang="en-US" dirty="0" smtClean="0"/>
+              <a:t>微分的反向模式）</a:t>
+            </a:r>
+            <a:endParaRPr lang="zh-CN" altLang="en-US" dirty="0"/>
           </a:p>
         </p:txBody>
       </p:sp>
@@ -13074,94 +13809,63 @@
           <a:lstStyle/>
           <a:p>
             <a:r>
-              <a:rPr lang="zh-CN" altLang="en-US" sz="2800" dirty="0"/>
-              <a:t>静态计算图是在编译时构建计算图，计算图构建好之后在程序运行时不能</a:t>
+              <a:rPr lang="zh-CN" altLang="en-US" sz="3200" dirty="0" smtClean="0"/>
+              <a:t>前馈神经网络的训练过程可以分为以下三步</a:t>
+            </a:r>
+          </a:p>
+          <a:p>
+            <a:pPr lvl="1"/>
+            <a:r>
+              <a:rPr lang="zh-CN" altLang="en-US" sz="2800" dirty="0" smtClean="0">
+                <a:solidFill>
+                  <a:srgbClr val="FF0000"/>
+                </a:solidFill>
+              </a:rPr>
+              <a:t>前向计算</a:t>
             </a:r>
             <a:r>
               <a:rPr lang="zh-CN" altLang="en-US" sz="2800" dirty="0" smtClean="0"/>
-              <a:t>改变。</a:t>
+              <a:t>每一层的状态和激活值，直到最后一层</a:t>
+            </a:r>
+          </a:p>
+          <a:p>
+            <a:pPr lvl="1"/>
+            <a:r>
+              <a:rPr lang="zh-CN" altLang="en-US" sz="2800" dirty="0" smtClean="0">
+                <a:solidFill>
+                  <a:srgbClr val="FF0000"/>
+                </a:solidFill>
+              </a:rPr>
+              <a:t>反向计算</a:t>
+            </a:r>
+            <a:r>
+              <a:rPr lang="zh-CN" altLang="en-US" sz="2800" dirty="0" smtClean="0"/>
+              <a:t>每一层的参数的偏导数</a:t>
             </a:r>
             <a:endParaRPr lang="en-US" altLang="zh-CN" sz="2800" dirty="0" smtClean="0"/>
           </a:p>
           <a:p>
             <a:pPr lvl="1"/>
             <a:r>
-              <a:rPr lang="en-US" altLang="zh-CN" sz="2000" dirty="0" err="1"/>
-              <a:t>Theano</a:t>
-            </a:r>
-            <a:r>
-              <a:rPr lang="zh-CN" altLang="en-US" sz="2000" dirty="0"/>
-              <a:t>和</a:t>
-            </a:r>
-            <a:r>
-              <a:rPr lang="en-US" altLang="zh-CN" sz="2000" dirty="0" err="1"/>
-              <a:t>Tensorflow</a:t>
-            </a:r>
-            <a:endParaRPr lang="en-US" altLang="zh-CN" sz="2000" dirty="0" smtClean="0"/>
-          </a:p>
-          <a:p>
-            <a:r>
-              <a:rPr lang="zh-CN" altLang="en-US" sz="2800" dirty="0" smtClean="0"/>
-              <a:t>动态</a:t>
-            </a:r>
-            <a:r>
-              <a:rPr lang="zh-CN" altLang="en-US" sz="2800" dirty="0"/>
-              <a:t>计算图是在程序运行时动态构建。两种构建方式各有优缺点</a:t>
-            </a:r>
-            <a:r>
-              <a:rPr lang="zh-CN" altLang="en-US" sz="2800" dirty="0" smtClean="0"/>
-              <a:t>。</a:t>
-            </a:r>
-            <a:endParaRPr lang="en-US" altLang="zh-CN" sz="2800" dirty="0" smtClean="0"/>
-          </a:p>
-          <a:p>
-            <a:pPr lvl="1"/>
-            <a:r>
-              <a:rPr lang="en-US" altLang="zh-CN" sz="2000" dirty="0" err="1"/>
-              <a:t>DyNet</a:t>
-            </a:r>
-            <a:r>
-              <a:rPr lang="zh-CN" altLang="en-US" sz="2000" dirty="0"/>
-              <a:t>，</a:t>
-            </a:r>
-            <a:r>
-              <a:rPr lang="en-US" altLang="zh-CN" sz="2000" dirty="0" err="1"/>
-              <a:t>Chainer</a:t>
-            </a:r>
-            <a:r>
-              <a:rPr lang="zh-CN" altLang="en-US" sz="2000" dirty="0"/>
-              <a:t>和</a:t>
-            </a:r>
-            <a:r>
-              <a:rPr lang="en-US" altLang="zh-CN" sz="2000" dirty="0" err="1"/>
-              <a:t>PyTorch</a:t>
-            </a:r>
-            <a:endParaRPr lang="en-US" altLang="zh-CN" sz="2000" dirty="0" smtClean="0"/>
-          </a:p>
-          <a:p>
-            <a:endParaRPr lang="en-US" altLang="zh-CN" sz="2800" dirty="0" smtClean="0"/>
-          </a:p>
-          <a:p>
-            <a:r>
-              <a:rPr lang="zh-CN" altLang="en-US" sz="2800" dirty="0" smtClean="0"/>
-              <a:t>静态</a:t>
-            </a:r>
-            <a:r>
-              <a:rPr lang="zh-CN" altLang="en-US" sz="2800" dirty="0"/>
-              <a:t>计算图在构建时可以进行优化，并行能力强，但灵活性比较差低。动态计算图则不容易优化，当不同输入的网络结构不一致时，难以并行计算，但是灵活性比较高</a:t>
-            </a:r>
-            <a:r>
-              <a:rPr lang="zh-CN" altLang="en-US" sz="2800" dirty="0" smtClean="0"/>
-              <a:t>。</a:t>
-            </a:r>
-            <a:endParaRPr lang="en-US" altLang="zh-CN" sz="2800" dirty="0" smtClean="0"/>
+              <a:rPr lang="zh-CN" altLang="en-US" sz="2800" dirty="0" smtClean="0">
+                <a:solidFill>
+                  <a:srgbClr val="FF0000"/>
+                </a:solidFill>
+              </a:rPr>
+              <a:t>更新参数</a:t>
+            </a:r>
+            <a:endParaRPr lang="zh-CN" altLang="en-US" sz="2800" dirty="0">
+              <a:solidFill>
+                <a:srgbClr val="FF0000"/>
+              </a:solidFill>
+            </a:endParaRPr>
           </a:p>
         </p:txBody>
       </p:sp>
     </p:spTree>
     <p:extLst>
       <p:ext uri="{BB962C8B-B14F-4D97-AF65-F5344CB8AC3E}">
-        <p14:creationId xmlns:p14="http://schemas.microsoft.com/office/powerpoint/2010/main" val="3072051011"/>
+        <p14:creationId xmlns:p14="http://schemas.microsoft.com/office/powerpoint/2010/main" val="3440884166"/>
       </p:ext>
     </p:extLst>
   </p:cSld>
@@ -13211,22 +13915,9 @@
           <a:lstStyle/>
           <a:p>
             <a:r>
-              <a:rPr lang="zh-CN" altLang="en-US" dirty="0" smtClean="0"/>
-              <a:t>反向传播算法 </a:t>
-            </a:r>
-            <a:r>
-              <a:rPr lang="en-US" altLang="zh-CN" dirty="0" smtClean="0"/>
-              <a:t>(</a:t>
-            </a:r>
-            <a:r>
               <a:rPr lang="zh-CN" altLang="en-US" dirty="0"/>
-              <a:t>自动</a:t>
-            </a:r>
-            <a:r>
-              <a:rPr lang="zh-CN" altLang="en-US" dirty="0" smtClean="0"/>
-              <a:t>微分的反向模式）</a:t>
-            </a:r>
-            <a:endParaRPr lang="zh-CN" altLang="en-US" dirty="0"/>
+              <a:t>静态计算图和动态计算图</a:t>
+            </a:r>
           </a:p>
         </p:txBody>
       </p:sp>
@@ -13246,63 +13937,94 @@
           <a:lstStyle/>
           <a:p>
             <a:r>
-              <a:rPr lang="zh-CN" altLang="en-US" sz="3200" dirty="0" smtClean="0"/>
-              <a:t>前馈神经网络的训练过程可以分为以下三步</a:t>
-            </a:r>
+              <a:rPr lang="zh-CN" altLang="en-US" sz="2800" dirty="0"/>
+              <a:t>静态计算图是在编译时构建计算图，计算图构建好之后在程序运行时不能</a:t>
+            </a:r>
+            <a:r>
+              <a:rPr lang="zh-CN" altLang="en-US" sz="2800" dirty="0" smtClean="0"/>
+              <a:t>改变。</a:t>
+            </a:r>
+            <a:endParaRPr lang="en-US" altLang="zh-CN" sz="2800" dirty="0" smtClean="0"/>
           </a:p>
           <a:p>
             <a:pPr lvl="1"/>
             <a:r>
-              <a:rPr lang="zh-CN" altLang="en-US" sz="2800" dirty="0" smtClean="0">
-                <a:solidFill>
-                  <a:srgbClr val="FF0000"/>
-                </a:solidFill>
-              </a:rPr>
-              <a:t>前向计算</a:t>
-            </a:r>
+              <a:rPr lang="en-US" altLang="zh-CN" sz="2000" dirty="0" err="1"/>
+              <a:t>Theano</a:t>
+            </a:r>
+            <a:r>
+              <a:rPr lang="zh-CN" altLang="en-US" sz="2000" dirty="0"/>
+              <a:t>和</a:t>
+            </a:r>
+            <a:r>
+              <a:rPr lang="en-US" altLang="zh-CN" sz="2000" dirty="0" err="1"/>
+              <a:t>Tensorflow</a:t>
+            </a:r>
+            <a:endParaRPr lang="en-US" altLang="zh-CN" sz="2000" dirty="0" smtClean="0"/>
+          </a:p>
+          <a:p>
             <a:r>
               <a:rPr lang="zh-CN" altLang="en-US" sz="2800" dirty="0" smtClean="0"/>
-              <a:t>每一层的状态和激活值，直到最后一层</a:t>
-            </a:r>
+              <a:t>动态</a:t>
+            </a:r>
+            <a:r>
+              <a:rPr lang="zh-CN" altLang="en-US" sz="2800" dirty="0"/>
+              <a:t>计算图是在程序运行时动态构建。两种构建方式各有优缺点</a:t>
+            </a:r>
+            <a:r>
+              <a:rPr lang="zh-CN" altLang="en-US" sz="2800" dirty="0" smtClean="0"/>
+              <a:t>。</a:t>
+            </a:r>
+            <a:endParaRPr lang="en-US" altLang="zh-CN" sz="2800" dirty="0" smtClean="0"/>
           </a:p>
           <a:p>
             <a:pPr lvl="1"/>
             <a:r>
-              <a:rPr lang="zh-CN" altLang="en-US" sz="2800" dirty="0" smtClean="0">
-                <a:solidFill>
-                  <a:srgbClr val="FF0000"/>
-                </a:solidFill>
-              </a:rPr>
-              <a:t>反向计算</a:t>
-            </a:r>
+              <a:rPr lang="en-US" altLang="zh-CN" sz="2000" dirty="0" err="1"/>
+              <a:t>DyNet</a:t>
+            </a:r>
+            <a:r>
+              <a:rPr lang="zh-CN" altLang="en-US" sz="2000" dirty="0"/>
+              <a:t>，</a:t>
+            </a:r>
+            <a:r>
+              <a:rPr lang="en-US" altLang="zh-CN" sz="2000" dirty="0" err="1"/>
+              <a:t>Chainer</a:t>
+            </a:r>
+            <a:r>
+              <a:rPr lang="zh-CN" altLang="en-US" sz="2000" dirty="0"/>
+              <a:t>和</a:t>
+            </a:r>
+            <a:r>
+              <a:rPr lang="en-US" altLang="zh-CN" sz="2000" dirty="0" err="1"/>
+              <a:t>PyTorch</a:t>
+            </a:r>
+            <a:endParaRPr lang="en-US" altLang="zh-CN" sz="2000" dirty="0" smtClean="0"/>
+          </a:p>
+          <a:p>
+            <a:endParaRPr lang="en-US" altLang="zh-CN" sz="2800" dirty="0" smtClean="0"/>
+          </a:p>
+          <a:p>
             <a:r>
               <a:rPr lang="zh-CN" altLang="en-US" sz="2800" dirty="0" smtClean="0"/>
-              <a:t>每一层的参数的偏导数</a:t>
+              <a:t>静态</a:t>
+            </a:r>
+            <a:r>
+              <a:rPr lang="zh-CN" altLang="en-US" sz="2800" dirty="0"/>
+              <a:t>计算图在构建时可以进行优化，并行能力强，但灵活性比较差低。动态计算图则不容易优化，当不同输入的网络结构不一致时，难以并行计算，但是灵活性比较高</a:t>
+            </a:r>
+            <a:r>
+              <a:rPr lang="zh-CN" altLang="en-US" sz="2800" dirty="0" smtClean="0"/>
+              <a:t>。</a:t>
             </a:r>
             <a:endParaRPr lang="en-US" altLang="zh-CN" sz="2800" dirty="0" smtClean="0"/>
-          </a:p>
-          <a:p>
-            <a:pPr lvl="1"/>
-            <a:r>
-              <a:rPr lang="zh-CN" altLang="en-US" sz="2800" dirty="0" smtClean="0">
-                <a:solidFill>
-                  <a:srgbClr val="FF0000"/>
-                </a:solidFill>
-              </a:rPr>
-              <a:t>更新参数</a:t>
-            </a:r>
-            <a:endParaRPr lang="zh-CN" altLang="en-US" sz="2800" dirty="0">
-              <a:solidFill>
-                <a:srgbClr val="FF0000"/>
-              </a:solidFill>
-            </a:endParaRPr>
           </a:p>
         </p:txBody>
       </p:sp>
     </p:spTree>
     <p:extLst>
       <p:ext uri="{BB962C8B-B14F-4D97-AF65-F5344CB8AC3E}">
-        <p14:creationId xmlns:p14="http://schemas.microsoft.com/office/powerpoint/2010/main" val="3440884166"/>
+        <p14:creationId xmlns:p14="http://schemas.microsoft.com/office/powerpoint/2010/main" val="3072051011"/>
       </p:ext>
     </p:extLst>
   </p:cSld>
@@ -14565,51 +15287,18 @@
               <a:rPr lang="zh-CN" altLang="en-US" dirty="0" smtClean="0"/>
               <a:t>）</a:t>
             </a:r>
-            <a:endParaRPr lang="zh-CN" altLang="en-US" dirty="0"/>
-          </a:p>
-          <a:p>
-            <a:pPr lvl="1"/>
-            <a:r>
-              <a:rPr lang="zh-CN" altLang="en-US" dirty="0" smtClean="0"/>
-              <a:t>在</a:t>
-            </a:r>
-            <a:r>
-              <a:rPr lang="zh-CN" altLang="en-US" dirty="0"/>
-              <a:t>神经网络中误差反向传播的迭代公式为</a:t>
-            </a:r>
+            <a:endParaRPr lang="en-US" altLang="zh-CN" sz="2000" i="1" dirty="0" smtClean="0">
+              <a:latin typeface="Cambria Math" panose="02040503050406030204" pitchFamily="18" charset="0"/>
+            </a:endParaRPr>
+          </a:p>
+          <a:p>
+            <a:pPr lvl="0"/>
+            <a:endParaRPr lang="zh-CN" altLang="zh-CN" sz="2000" i="1" dirty="0">
+              <a:latin typeface="Cambria Math" panose="02040503050406030204" pitchFamily="18" charset="0"/>
+            </a:endParaRPr>
           </a:p>
         </p:txBody>
       </p:sp>
-      <p:pic>
-        <p:nvPicPr>
-          <p:cNvPr id="4" name="图片 3" descr="屏幕剪辑"/>
-          <p:cNvPicPr>
-            <a:picLocks noChangeAspect="1"/>
-          </p:cNvPicPr>
-          <p:nvPr/>
-        </p:nvPicPr>
-        <p:blipFill>
-          <a:blip r:embed="rId2">
-            <a:extLst>
-              <a:ext uri="{28A0092B-C50C-407E-A947-70E740481C1C}">
-                <a14:useLocalDpi xmlns:a14="http://schemas.microsoft.com/office/drawing/2010/main"/>
-              </a:ext>
-            </a:extLst>
-          </a:blip>
-          <a:stretch>
-            <a:fillRect/>
-          </a:stretch>
-        </p:blipFill>
-        <p:spPr>
-          <a:xfrm>
-            <a:off x="1735106" y="2293873"/>
-            <a:ext cx="5241971" cy="856861"/>
-          </a:xfrm>
-          <a:prstGeom prst="rect">
-            <a:avLst/>
-          </a:prstGeom>
-        </p:spPr>
-      </p:pic>
       <p:pic>
         <p:nvPicPr>
           <p:cNvPr id="6" name="图片 5" descr="屏幕剪辑"/>
@@ -14619,7 +15308,7 @@
           <p:nvPr/>
         </p:nvPicPr>
         <p:blipFill>
-          <a:blip r:embed="rId3">
+          <a:blip r:embed="rId2">
             <a:extLst>
               <a:ext uri="{28A0092B-C50C-407E-A947-70E740481C1C}">
                 <a14:useLocalDpi xmlns:a14="http://schemas.microsoft.com/office/drawing/2010/main" val="0"/>
@@ -14632,7 +15321,7 @@
         </p:blipFill>
         <p:spPr>
           <a:xfrm>
-            <a:off x="1981200" y="3886200"/>
+            <a:off x="2209800" y="4287308"/>
             <a:ext cx="4463260" cy="1937708"/>
           </a:xfrm>
           <a:prstGeom prst="rect">
@@ -14640,6 +15329,546 @@
           </a:prstGeom>
         </p:spPr>
       </p:pic>
+      <mc:AlternateContent xmlns:mc="http://schemas.openxmlformats.org/markup-compatibility/2006">
+        <mc:Choice xmlns:a14="http://schemas.microsoft.com/office/drawing/2010/main" Requires="a14">
+          <p:sp>
+            <p:nvSpPr>
+              <p:cNvPr id="7" name="文本框 6"/>
+              <p:cNvSpPr txBox="1"/>
+              <p:nvPr/>
+            </p:nvSpPr>
+            <p:spPr>
+              <a:xfrm flipH="1">
+                <a:off x="1828800" y="2129896"/>
+                <a:ext cx="5027141" cy="1848904"/>
+              </a:xfrm>
+              <a:prstGeom prst="rect">
+                <a:avLst/>
+              </a:prstGeom>
+              <a:noFill/>
+            </p:spPr>
+            <p:txBody>
+              <a:bodyPr wrap="square" rtlCol="0">
+                <a:spAutoFit/>
+              </a:bodyPr>
+              <a:lstStyle/>
+              <a:p>
+                <a:pPr algn="ctr"/>
+                <a14:m>
+                  <m:oMath xmlns:m="http://schemas.openxmlformats.org/officeDocument/2006/math">
+                    <m:r>
+                      <a:rPr lang="en-US" altLang="zh-CN" sz="2800" i="1" smtClean="0">
+                        <a:latin typeface="Cambria Math" panose="02040503050406030204" pitchFamily="18" charset="0"/>
+                        <a:ea typeface="Cambria Math" panose="02040503050406030204" pitchFamily="18" charset="0"/>
+                      </a:rPr>
+                      <m:t>𝑦</m:t>
+                    </m:r>
+                    <m:r>
+                      <a:rPr lang="en-US" altLang="zh-CN" sz="2800" i="1" smtClean="0">
+                        <a:latin typeface="Cambria Math" panose="02040503050406030204" pitchFamily="18" charset="0"/>
+                        <a:ea typeface="Cambria Math" panose="02040503050406030204" pitchFamily="18" charset="0"/>
+                      </a:rPr>
+                      <m:t>=</m:t>
+                    </m:r>
+                    <m:r>
+                      <a:rPr lang="en-US" altLang="zh-CN" sz="2800" i="1" smtClean="0">
+                        <a:latin typeface="Cambria Math" panose="02040503050406030204" pitchFamily="18" charset="0"/>
+                        <a:ea typeface="Cambria Math" panose="02040503050406030204" pitchFamily="18" charset="0"/>
+                      </a:rPr>
+                      <m:t>𝑓</m:t>
+                    </m:r>
+                    <m:r>
+                      <a:rPr lang="en-US" altLang="zh-CN" sz="2800" i="1" baseline="30000">
+                        <a:latin typeface="Cambria Math" panose="02040503050406030204" pitchFamily="18" charset="0"/>
+                        <a:ea typeface="Cambria Math" panose="02040503050406030204" pitchFamily="18" charset="0"/>
+                      </a:rPr>
+                      <m:t>5</m:t>
+                    </m:r>
+                    <m:r>
+                      <a:rPr lang="en-US" altLang="zh-CN" sz="2800" i="1">
+                        <a:latin typeface="Cambria Math" panose="02040503050406030204" pitchFamily="18" charset="0"/>
+                        <a:ea typeface="Cambria Math" panose="02040503050406030204" pitchFamily="18" charset="0"/>
+                      </a:rPr>
+                      <m:t>(</m:t>
+                    </m:r>
+                    <m:r>
+                      <a:rPr lang="en-US" altLang="zh-CN" sz="2800" i="1">
+                        <a:latin typeface="Cambria Math" panose="02040503050406030204" pitchFamily="18" charset="0"/>
+                        <a:ea typeface="Cambria Math" panose="02040503050406030204" pitchFamily="18" charset="0"/>
+                      </a:rPr>
+                      <m:t>𝑓</m:t>
+                    </m:r>
+                    <m:r>
+                      <a:rPr lang="en-US" altLang="zh-CN" sz="2800" i="1" baseline="30000">
+                        <a:latin typeface="Cambria Math" panose="02040503050406030204" pitchFamily="18" charset="0"/>
+                        <a:ea typeface="Cambria Math" panose="02040503050406030204" pitchFamily="18" charset="0"/>
+                      </a:rPr>
+                      <m:t>4</m:t>
+                    </m:r>
+                    <m:r>
+                      <a:rPr lang="en-US" altLang="zh-CN" sz="2800" i="1">
+                        <a:latin typeface="Cambria Math" panose="02040503050406030204" pitchFamily="18" charset="0"/>
+                        <a:ea typeface="Cambria Math" panose="02040503050406030204" pitchFamily="18" charset="0"/>
+                      </a:rPr>
+                      <m:t>(</m:t>
+                    </m:r>
+                    <m:r>
+                      <a:rPr lang="en-US" altLang="zh-CN" sz="2800" i="1">
+                        <a:latin typeface="Cambria Math" panose="02040503050406030204" pitchFamily="18" charset="0"/>
+                        <a:ea typeface="Cambria Math" panose="02040503050406030204" pitchFamily="18" charset="0"/>
+                      </a:rPr>
+                      <m:t>𝑓</m:t>
+                    </m:r>
+                    <m:r>
+                      <a:rPr lang="en-US" altLang="zh-CN" sz="2800" i="1" baseline="30000">
+                        <a:latin typeface="Cambria Math" panose="02040503050406030204" pitchFamily="18" charset="0"/>
+                        <a:ea typeface="Cambria Math" panose="02040503050406030204" pitchFamily="18" charset="0"/>
+                      </a:rPr>
+                      <m:t>3</m:t>
+                    </m:r>
+                    <m:r>
+                      <a:rPr lang="en-US" altLang="zh-CN" sz="2800" i="1">
+                        <a:latin typeface="Cambria Math" panose="02040503050406030204" pitchFamily="18" charset="0"/>
+                        <a:ea typeface="Cambria Math" panose="02040503050406030204" pitchFamily="18" charset="0"/>
+                      </a:rPr>
+                      <m:t>(</m:t>
+                    </m:r>
+                    <m:r>
+                      <a:rPr lang="en-US" altLang="zh-CN" sz="2800" i="1">
+                        <a:latin typeface="Cambria Math" panose="02040503050406030204" pitchFamily="18" charset="0"/>
+                        <a:ea typeface="Cambria Math" panose="02040503050406030204" pitchFamily="18" charset="0"/>
+                      </a:rPr>
+                      <m:t>𝑓</m:t>
+                    </m:r>
+                    <m:r>
+                      <a:rPr lang="en-US" altLang="zh-CN" sz="2800" i="1" baseline="30000">
+                        <a:latin typeface="Cambria Math" panose="02040503050406030204" pitchFamily="18" charset="0"/>
+                        <a:ea typeface="Cambria Math" panose="02040503050406030204" pitchFamily="18" charset="0"/>
+                      </a:rPr>
+                      <m:t>2</m:t>
+                    </m:r>
+                    <m:r>
+                      <a:rPr lang="en-US" altLang="zh-CN" sz="2800" i="1">
+                        <a:latin typeface="Cambria Math" panose="02040503050406030204" pitchFamily="18" charset="0"/>
+                        <a:ea typeface="Cambria Math" panose="02040503050406030204" pitchFamily="18" charset="0"/>
+                      </a:rPr>
+                      <m:t>(</m:t>
+                    </m:r>
+                    <m:r>
+                      <a:rPr lang="pt-BR" altLang="zh-CN" sz="2800" i="1">
+                        <a:latin typeface="Cambria Math" panose="02040503050406030204" pitchFamily="18" charset="0"/>
+                        <a:ea typeface="Cambria Math" panose="02040503050406030204" pitchFamily="18" charset="0"/>
+                      </a:rPr>
+                      <m:t>𝑓</m:t>
+                    </m:r>
+                    <m:r>
+                      <a:rPr lang="en-US" altLang="zh-CN" sz="2800" i="1" baseline="30000">
+                        <a:latin typeface="Cambria Math" panose="02040503050406030204" pitchFamily="18" charset="0"/>
+                        <a:ea typeface="Cambria Math" panose="02040503050406030204" pitchFamily="18" charset="0"/>
+                      </a:rPr>
+                      <m:t>1</m:t>
+                    </m:r>
+                    <m:d>
+                      <m:dPr>
+                        <m:ctrlPr>
+                          <a:rPr lang="pt-BR" altLang="zh-CN" sz="2800" i="1">
+                            <a:latin typeface="Cambria Math" panose="02040503050406030204" pitchFamily="18" charset="0"/>
+                            <a:ea typeface="Cambria Math" panose="02040503050406030204" pitchFamily="18" charset="0"/>
+                          </a:rPr>
+                        </m:ctrlPr>
+                      </m:dPr>
+                      <m:e>
+                        <m:r>
+                          <a:rPr lang="pt-BR" altLang="zh-CN" sz="2800" i="1">
+                            <a:latin typeface="Cambria Math" panose="02040503050406030204" pitchFamily="18" charset="0"/>
+                            <a:ea typeface="Cambria Math" panose="02040503050406030204" pitchFamily="18" charset="0"/>
+                          </a:rPr>
+                          <m:t>𝑥</m:t>
+                        </m:r>
+                      </m:e>
+                    </m:d>
+                    <m:r>
+                      <a:rPr lang="en-US" altLang="zh-CN" sz="2800" i="1">
+                        <a:latin typeface="Cambria Math" panose="02040503050406030204" pitchFamily="18" charset="0"/>
+                        <a:ea typeface="Cambria Math" panose="02040503050406030204" pitchFamily="18" charset="0"/>
+                      </a:rPr>
+                      <m:t>))))</m:t>
+                    </m:r>
+                  </m:oMath>
+                </a14:m>
+                <a:r>
+                  <a:rPr lang="zh-CN" altLang="en-US" sz="2800" dirty="0" smtClean="0"/>
+                  <a:t> </a:t>
+                </a:r>
+                <a:endParaRPr lang="en-US" altLang="zh-CN" sz="2800" dirty="0" smtClean="0"/>
+              </a:p>
+              <a:p>
+                <a:pPr algn="ctr"/>
+                <a:r>
+                  <a:rPr lang="zh-CN" altLang="en-US" sz="2800" dirty="0" smtClean="0"/>
+                  <a:t> </a:t>
+                </a:r>
+                <a:endParaRPr lang="en-US" altLang="zh-CN" sz="2800" dirty="0" smtClean="0"/>
+              </a:p>
+              <a:p>
+                <a14:m>
+                  <m:oMathPara xmlns:m="http://schemas.openxmlformats.org/officeDocument/2006/math">
+                    <m:oMathParaPr>
+                      <m:jc m:val="centerGroup"/>
+                    </m:oMathParaPr>
+                    <m:oMath xmlns:m="http://schemas.openxmlformats.org/officeDocument/2006/math">
+                      <m:f>
+                        <m:fPr>
+                          <m:ctrlPr>
+                            <a:rPr lang="en-US" altLang="zh-CN" sz="2800" i="1" smtClean="0">
+                              <a:latin typeface="Cambria Math" panose="02040503050406030204" pitchFamily="18" charset="0"/>
+                            </a:rPr>
+                          </m:ctrlPr>
+                        </m:fPr>
+                        <m:num>
+                          <m:r>
+                            <a:rPr lang="en-US" altLang="zh-CN" sz="2800" i="1" smtClean="0">
+                              <a:latin typeface="Cambria Math" panose="02040503050406030204" pitchFamily="18" charset="0"/>
+                            </a:rPr>
+                            <m:t>𝜕</m:t>
+                          </m:r>
+                          <m:r>
+                            <a:rPr lang="en-US" altLang="zh-CN" sz="2800" i="1" smtClean="0">
+                              <a:latin typeface="Cambria Math" panose="02040503050406030204" pitchFamily="18" charset="0"/>
+                            </a:rPr>
+                            <m:t>𝑦</m:t>
+                          </m:r>
+                        </m:num>
+                        <m:den>
+                          <m:r>
+                            <a:rPr lang="en-US" altLang="zh-CN" sz="2800" i="1" smtClean="0">
+                              <a:latin typeface="Cambria Math" panose="02040503050406030204" pitchFamily="18" charset="0"/>
+                            </a:rPr>
+                            <m:t>𝜕</m:t>
+                          </m:r>
+                          <m:r>
+                            <a:rPr lang="en-US" altLang="zh-CN" sz="2800" i="1" smtClean="0">
+                              <a:latin typeface="Cambria Math" panose="02040503050406030204" pitchFamily="18" charset="0"/>
+                            </a:rPr>
+                            <m:t>𝑥</m:t>
+                          </m:r>
+                        </m:den>
+                      </m:f>
+                      <m:r>
+                        <a:rPr lang="en-US" altLang="zh-CN" sz="2800" i="1">
+                          <a:latin typeface="Cambria Math" panose="02040503050406030204" pitchFamily="18" charset="0"/>
+                          <a:ea typeface="Cambria Math" panose="02040503050406030204" pitchFamily="18" charset="0"/>
+                        </a:rPr>
+                        <m:t>=</m:t>
+                      </m:r>
+                      <m:f>
+                        <m:fPr>
+                          <m:ctrlPr>
+                            <a:rPr lang="en-US" altLang="zh-CN" sz="2800" i="1">
+                              <a:latin typeface="Cambria Math" panose="02040503050406030204" pitchFamily="18" charset="0"/>
+                            </a:rPr>
+                          </m:ctrlPr>
+                        </m:fPr>
+                        <m:num>
+                          <m:r>
+                            <a:rPr lang="en-US" altLang="zh-CN" sz="2800" i="1">
+                              <a:latin typeface="Cambria Math" panose="02040503050406030204" pitchFamily="18" charset="0"/>
+                            </a:rPr>
+                            <m:t>𝜕</m:t>
+                          </m:r>
+                          <m:r>
+                            <a:rPr lang="en-US" altLang="zh-CN" sz="2800" i="1">
+                              <a:latin typeface="Cambria Math" panose="02040503050406030204" pitchFamily="18" charset="0"/>
+                              <a:ea typeface="Cambria Math" panose="02040503050406030204" pitchFamily="18" charset="0"/>
+                            </a:rPr>
+                            <m:t>𝑓</m:t>
+                          </m:r>
+                          <m:r>
+                            <a:rPr lang="en-US" altLang="zh-CN" sz="2800" b="0" i="1" baseline="30000" smtClean="0">
+                              <a:latin typeface="Cambria Math" panose="02040503050406030204" pitchFamily="18" charset="0"/>
+                              <a:ea typeface="Cambria Math" panose="02040503050406030204" pitchFamily="18" charset="0"/>
+                            </a:rPr>
+                            <m:t>1</m:t>
+                          </m:r>
+                        </m:num>
+                        <m:den>
+                          <m:r>
+                            <a:rPr lang="en-US" altLang="zh-CN" sz="2800" i="1">
+                              <a:latin typeface="Cambria Math" panose="02040503050406030204" pitchFamily="18" charset="0"/>
+                            </a:rPr>
+                            <m:t>𝜕</m:t>
+                          </m:r>
+                          <m:r>
+                            <m:rPr>
+                              <m:sty m:val="p"/>
+                            </m:rPr>
+                            <a:rPr lang="en-US" altLang="zh-CN" sz="2800" i="1">
+                              <a:latin typeface="Cambria Math" panose="02040503050406030204" pitchFamily="18" charset="0"/>
+                              <a:ea typeface="Cambria Math" panose="02040503050406030204" pitchFamily="18" charset="0"/>
+                            </a:rPr>
+                            <m:t>x</m:t>
+                          </m:r>
+                        </m:den>
+                      </m:f>
+                      <m:f>
+                        <m:fPr>
+                          <m:ctrlPr>
+                            <a:rPr lang="en-US" altLang="zh-CN" sz="2800" i="1">
+                              <a:latin typeface="Cambria Math" panose="02040503050406030204" pitchFamily="18" charset="0"/>
+                            </a:rPr>
+                          </m:ctrlPr>
+                        </m:fPr>
+                        <m:num>
+                          <m:r>
+                            <a:rPr lang="en-US" altLang="zh-CN" sz="2800" i="1">
+                              <a:latin typeface="Cambria Math" panose="02040503050406030204" pitchFamily="18" charset="0"/>
+                            </a:rPr>
+                            <m:t>𝜕</m:t>
+                          </m:r>
+                          <m:r>
+                            <a:rPr lang="en-US" altLang="zh-CN" sz="2800" i="1">
+                              <a:latin typeface="Cambria Math" panose="02040503050406030204" pitchFamily="18" charset="0"/>
+                              <a:ea typeface="Cambria Math" panose="02040503050406030204" pitchFamily="18" charset="0"/>
+                            </a:rPr>
+                            <m:t>𝑓</m:t>
+                          </m:r>
+                          <m:r>
+                            <a:rPr lang="en-US" altLang="zh-CN" sz="2800" b="0" i="1" baseline="30000" smtClean="0">
+                              <a:latin typeface="Cambria Math" panose="02040503050406030204" pitchFamily="18" charset="0"/>
+                              <a:ea typeface="Cambria Math" panose="02040503050406030204" pitchFamily="18" charset="0"/>
+                            </a:rPr>
+                            <m:t>2</m:t>
+                          </m:r>
+                        </m:num>
+                        <m:den>
+                          <m:r>
+                            <a:rPr lang="en-US" altLang="zh-CN" sz="2800" i="1">
+                              <a:latin typeface="Cambria Math" panose="02040503050406030204" pitchFamily="18" charset="0"/>
+                            </a:rPr>
+                            <m:t>𝜕</m:t>
+                          </m:r>
+                          <m:r>
+                            <a:rPr lang="en-US" altLang="zh-CN" sz="2800" i="1">
+                              <a:latin typeface="Cambria Math" panose="02040503050406030204" pitchFamily="18" charset="0"/>
+                              <a:ea typeface="Cambria Math" panose="02040503050406030204" pitchFamily="18" charset="0"/>
+                            </a:rPr>
+                            <m:t>𝑓</m:t>
+                          </m:r>
+                          <m:r>
+                            <a:rPr lang="en-US" altLang="zh-CN" sz="2800" b="0" i="1" baseline="30000" smtClean="0">
+                              <a:latin typeface="Cambria Math" panose="02040503050406030204" pitchFamily="18" charset="0"/>
+                              <a:ea typeface="Cambria Math" panose="02040503050406030204" pitchFamily="18" charset="0"/>
+                            </a:rPr>
+                            <m:t>1</m:t>
+                          </m:r>
+                        </m:den>
+                      </m:f>
+                      <m:f>
+                        <m:fPr>
+                          <m:ctrlPr>
+                            <a:rPr lang="en-US" altLang="zh-CN" sz="2800" i="1">
+                              <a:latin typeface="Cambria Math" panose="02040503050406030204" pitchFamily="18" charset="0"/>
+                            </a:rPr>
+                          </m:ctrlPr>
+                        </m:fPr>
+                        <m:num>
+                          <m:r>
+                            <a:rPr lang="en-US" altLang="zh-CN" sz="2800" i="1">
+                              <a:latin typeface="Cambria Math" panose="02040503050406030204" pitchFamily="18" charset="0"/>
+                            </a:rPr>
+                            <m:t>𝜕</m:t>
+                          </m:r>
+                          <m:r>
+                            <a:rPr lang="en-US" altLang="zh-CN" sz="2800" i="1">
+                              <a:latin typeface="Cambria Math" panose="02040503050406030204" pitchFamily="18" charset="0"/>
+                              <a:ea typeface="Cambria Math" panose="02040503050406030204" pitchFamily="18" charset="0"/>
+                            </a:rPr>
+                            <m:t>𝑓</m:t>
+                          </m:r>
+                          <m:r>
+                            <a:rPr lang="en-US" altLang="zh-CN" sz="2800" b="0" i="1" baseline="30000" smtClean="0">
+                              <a:latin typeface="Cambria Math" panose="02040503050406030204" pitchFamily="18" charset="0"/>
+                              <a:ea typeface="Cambria Math" panose="02040503050406030204" pitchFamily="18" charset="0"/>
+                            </a:rPr>
+                            <m:t>3</m:t>
+                          </m:r>
+                        </m:num>
+                        <m:den>
+                          <m:r>
+                            <a:rPr lang="en-US" altLang="zh-CN" sz="2800" i="1">
+                              <a:latin typeface="Cambria Math" panose="02040503050406030204" pitchFamily="18" charset="0"/>
+                            </a:rPr>
+                            <m:t>𝜕</m:t>
+                          </m:r>
+                          <m:r>
+                            <a:rPr lang="en-US" altLang="zh-CN" sz="2800" i="1">
+                              <a:latin typeface="Cambria Math" panose="02040503050406030204" pitchFamily="18" charset="0"/>
+                              <a:ea typeface="Cambria Math" panose="02040503050406030204" pitchFamily="18" charset="0"/>
+                            </a:rPr>
+                            <m:t>𝑓</m:t>
+                          </m:r>
+                          <m:r>
+                            <a:rPr lang="en-US" altLang="zh-CN" sz="2800" b="0" i="1" baseline="30000" smtClean="0">
+                              <a:latin typeface="Cambria Math" panose="02040503050406030204" pitchFamily="18" charset="0"/>
+                              <a:ea typeface="Cambria Math" panose="02040503050406030204" pitchFamily="18" charset="0"/>
+                            </a:rPr>
+                            <m:t>2</m:t>
+                          </m:r>
+                        </m:den>
+                      </m:f>
+                      <m:f>
+                        <m:fPr>
+                          <m:ctrlPr>
+                            <a:rPr lang="en-US" altLang="zh-CN" sz="2800" i="1">
+                              <a:latin typeface="Cambria Math" panose="02040503050406030204" pitchFamily="18" charset="0"/>
+                            </a:rPr>
+                          </m:ctrlPr>
+                        </m:fPr>
+                        <m:num>
+                          <m:r>
+                            <a:rPr lang="en-US" altLang="zh-CN" sz="2800" i="1">
+                              <a:latin typeface="Cambria Math" panose="02040503050406030204" pitchFamily="18" charset="0"/>
+                            </a:rPr>
+                            <m:t>𝜕</m:t>
+                          </m:r>
+                          <m:r>
+                            <a:rPr lang="en-US" altLang="zh-CN" sz="2800" i="1">
+                              <a:latin typeface="Cambria Math" panose="02040503050406030204" pitchFamily="18" charset="0"/>
+                              <a:ea typeface="Cambria Math" panose="02040503050406030204" pitchFamily="18" charset="0"/>
+                            </a:rPr>
+                            <m:t>𝑓</m:t>
+                          </m:r>
+                          <m:r>
+                            <a:rPr lang="en-US" altLang="zh-CN" sz="2800" i="1" baseline="30000">
+                              <a:latin typeface="Cambria Math" panose="02040503050406030204" pitchFamily="18" charset="0"/>
+                              <a:ea typeface="Cambria Math" panose="02040503050406030204" pitchFamily="18" charset="0"/>
+                            </a:rPr>
+                            <m:t>4</m:t>
+                          </m:r>
+                        </m:num>
+                        <m:den>
+                          <m:r>
+                            <a:rPr lang="en-US" altLang="zh-CN" sz="2800" i="1">
+                              <a:latin typeface="Cambria Math" panose="02040503050406030204" pitchFamily="18" charset="0"/>
+                            </a:rPr>
+                            <m:t>𝜕</m:t>
+                          </m:r>
+                          <m:r>
+                            <a:rPr lang="en-US" altLang="zh-CN" sz="2800" i="1">
+                              <a:latin typeface="Cambria Math" panose="02040503050406030204" pitchFamily="18" charset="0"/>
+                              <a:ea typeface="Cambria Math" panose="02040503050406030204" pitchFamily="18" charset="0"/>
+                            </a:rPr>
+                            <m:t>𝑓</m:t>
+                          </m:r>
+                          <m:r>
+                            <a:rPr lang="en-US" altLang="zh-CN" sz="2800" b="0" i="1" baseline="30000" smtClean="0">
+                              <a:latin typeface="Cambria Math" panose="02040503050406030204" pitchFamily="18" charset="0"/>
+                              <a:ea typeface="Cambria Math" panose="02040503050406030204" pitchFamily="18" charset="0"/>
+                            </a:rPr>
+                            <m:t>3</m:t>
+                          </m:r>
+                        </m:den>
+                      </m:f>
+                      <m:f>
+                        <m:fPr>
+                          <m:ctrlPr>
+                            <a:rPr lang="en-US" altLang="zh-CN" sz="2800" i="1">
+                              <a:latin typeface="Cambria Math" panose="02040503050406030204" pitchFamily="18" charset="0"/>
+                            </a:rPr>
+                          </m:ctrlPr>
+                        </m:fPr>
+                        <m:num>
+                          <m:r>
+                            <a:rPr lang="en-US" altLang="zh-CN" sz="2800" i="1">
+                              <a:latin typeface="Cambria Math" panose="02040503050406030204" pitchFamily="18" charset="0"/>
+                            </a:rPr>
+                            <m:t>𝜕</m:t>
+                          </m:r>
+                          <m:r>
+                            <a:rPr lang="en-US" altLang="zh-CN" sz="2800" i="1">
+                              <a:latin typeface="Cambria Math" panose="02040503050406030204" pitchFamily="18" charset="0"/>
+                              <a:ea typeface="Cambria Math" panose="02040503050406030204" pitchFamily="18" charset="0"/>
+                            </a:rPr>
+                            <m:t>𝑓</m:t>
+                          </m:r>
+                          <m:r>
+                            <a:rPr lang="en-US" altLang="zh-CN" sz="2800" i="1" baseline="30000">
+                              <a:latin typeface="Cambria Math" panose="02040503050406030204" pitchFamily="18" charset="0"/>
+                              <a:ea typeface="Cambria Math" panose="02040503050406030204" pitchFamily="18" charset="0"/>
+                            </a:rPr>
+                            <m:t>5</m:t>
+                          </m:r>
+                        </m:num>
+                        <m:den>
+                          <m:r>
+                            <a:rPr lang="en-US" altLang="zh-CN" sz="2800" i="1">
+                              <a:latin typeface="Cambria Math" panose="02040503050406030204" pitchFamily="18" charset="0"/>
+                            </a:rPr>
+                            <m:t>𝜕</m:t>
+                          </m:r>
+                          <m:r>
+                            <a:rPr lang="en-US" altLang="zh-CN" sz="2800" i="1">
+                              <a:latin typeface="Cambria Math" panose="02040503050406030204" pitchFamily="18" charset="0"/>
+                              <a:ea typeface="Cambria Math" panose="02040503050406030204" pitchFamily="18" charset="0"/>
+                            </a:rPr>
+                            <m:t>𝑓</m:t>
+                          </m:r>
+                          <m:r>
+                            <a:rPr lang="en-US" altLang="zh-CN" sz="2800" b="0" i="1" baseline="30000" smtClean="0">
+                              <a:latin typeface="Cambria Math" panose="02040503050406030204" pitchFamily="18" charset="0"/>
+                              <a:ea typeface="Cambria Math" panose="02040503050406030204" pitchFamily="18" charset="0"/>
+                            </a:rPr>
+                            <m:t>4</m:t>
+                          </m:r>
+                        </m:den>
+                      </m:f>
+                    </m:oMath>
+                  </m:oMathPara>
+                </a14:m>
+                <a:endParaRPr lang="zh-CN" altLang="en-US" sz="2800" dirty="0"/>
+              </a:p>
+            </p:txBody>
+          </p:sp>
+        </mc:Choice>
+        <mc:Fallback>
+          <p:sp>
+            <p:nvSpPr>
+              <p:cNvPr id="7" name="文本框 6"/>
+              <p:cNvSpPr txBox="1">
+                <a:spLocks noRot="1" noChangeAspect="1" noMove="1" noResize="1" noEditPoints="1" noAdjustHandles="1" noChangeArrowheads="1" noChangeShapeType="1" noTextEdit="1"/>
+              </p:cNvSpPr>
+              <p:nvPr/>
+            </p:nvSpPr>
+            <p:spPr>
+              <a:xfrm flipH="1">
+                <a:off x="1828800" y="2129896"/>
+                <a:ext cx="5027141" cy="1848904"/>
+              </a:xfrm>
+              <a:prstGeom prst="rect">
+                <a:avLst/>
+              </a:prstGeom>
+              <a:blipFill>
+                <a:blip r:embed="rId3"/>
+                <a:stretch>
+                  <a:fillRect/>
+                </a:stretch>
+              </a:blipFill>
+            </p:spPr>
+            <p:txBody>
+              <a:bodyPr/>
+              <a:lstStyle/>
+              <a:p>
+                <a:r>
+                  <a:rPr lang="zh-CN" altLang="en-US">
+                    <a:noFill/>
+                  </a:rPr>
+                  <a:t> </a:t>
+                </a:r>
+              </a:p>
+            </p:txBody>
+          </p:sp>
+        </mc:Fallback>
+      </mc:AlternateContent>
     </p:spTree>
     <p:extLst>
       <p:ext uri="{BB962C8B-B14F-4D97-AF65-F5344CB8AC3E}">

--- a/ppt/chap-前馈神经网络.pptx
+++ b/ppt/chap-前馈神经网络.pptx
@@ -1034,7 +1034,7 @@
         <a:lstStyle/>
         <a:p>
           <a:r>
-            <a:rPr lang="en-US" altLang="zh-TW" sz="2800" dirty="0" smtClean="0"/>
+            <a:rPr lang="en-US" altLang="zh-TW" sz="2800" dirty="0"/>
             <a:t>1</a:t>
           </a:r>
           <a:endParaRPr lang="zh-TW" altLang="en-US" sz="2800" dirty="0"/>
@@ -1071,7 +1071,7 @@
         <a:lstStyle/>
         <a:p>
           <a:r>
-            <a:rPr lang="en-US" altLang="zh-TW" sz="2800" dirty="0" smtClean="0"/>
+            <a:rPr lang="en-US" altLang="zh-TW" sz="2800" dirty="0"/>
             <a:t>2</a:t>
           </a:r>
           <a:endParaRPr lang="zh-TW" altLang="en-US" sz="2800" dirty="0"/>
@@ -1108,7 +1108,7 @@
         <a:lstStyle/>
         <a:p>
           <a:r>
-            <a:rPr lang="en-US" altLang="zh-TW" sz="2800" dirty="0" smtClean="0"/>
+            <a:rPr lang="en-US" altLang="zh-TW" sz="2800" dirty="0"/>
             <a:t>3</a:t>
           </a:r>
           <a:endParaRPr lang="zh-TW" altLang="en-US" sz="2800" dirty="0"/>
@@ -1145,7 +1145,7 @@
         <a:lstStyle/>
         <a:p>
           <a:r>
-            <a:rPr lang="zh-CN" altLang="en-US" sz="2800" dirty="0" smtClean="0"/>
+            <a:rPr lang="zh-CN" altLang="en-US" sz="2800" dirty="0"/>
             <a:t>定义网络</a:t>
           </a:r>
           <a:endParaRPr lang="zh-TW" altLang="en-US" sz="2800" dirty="0"/>
@@ -1182,7 +1182,7 @@
         <a:lstStyle/>
         <a:p>
           <a:r>
-            <a:rPr lang="zh-CN" altLang="en-US" sz="2800" dirty="0" smtClean="0"/>
+            <a:rPr lang="zh-CN" altLang="en-US" sz="2800" dirty="0"/>
             <a:t>损失函数</a:t>
           </a:r>
           <a:endParaRPr lang="zh-TW" altLang="en-US" sz="2800" dirty="0"/>
@@ -1219,7 +1219,7 @@
         <a:lstStyle/>
         <a:p>
           <a:r>
-            <a:rPr lang="zh-CN" altLang="en-US" sz="2800" dirty="0" smtClean="0"/>
+            <a:rPr lang="zh-CN" altLang="en-US" sz="2800" dirty="0"/>
             <a:t>优化</a:t>
           </a:r>
           <a:endParaRPr lang="zh-TW" altLang="en-US" sz="2800" dirty="0"/>
@@ -1257,35 +1257,14 @@
         </dgm:presLayoutVars>
       </dgm:prSet>
       <dgm:spPr/>
-      <dgm:t>
-        <a:bodyPr/>
-        <a:lstStyle/>
-        <a:p>
-          <a:endParaRPr lang="zh-CN" altLang="en-US"/>
-        </a:p>
-      </dgm:t>
     </dgm:pt>
     <dgm:pt modelId="{49C10FD1-8373-4D80-8FE4-8C8DA1BC5B98}" type="pres">
       <dgm:prSet presAssocID="{801111EC-7761-4006-9B8D-BDD3478D6A0C}" presName="compNode" presStyleCnt="0"/>
       <dgm:spPr/>
-      <dgm:t>
-        <a:bodyPr/>
-        <a:lstStyle/>
-        <a:p>
-          <a:endParaRPr lang="zh-CN" altLang="en-US"/>
-        </a:p>
-      </dgm:t>
     </dgm:pt>
     <dgm:pt modelId="{018F3831-3850-49DD-9A6B-D4223B9AB88A}" type="pres">
       <dgm:prSet presAssocID="{801111EC-7761-4006-9B8D-BDD3478D6A0C}" presName="noGeometry" presStyleCnt="0"/>
       <dgm:spPr/>
-      <dgm:t>
-        <a:bodyPr/>
-        <a:lstStyle/>
-        <a:p>
-          <a:endParaRPr lang="zh-CN" altLang="en-US"/>
-        </a:p>
-      </dgm:t>
     </dgm:pt>
     <dgm:pt modelId="{B26D808F-7151-45D8-B910-A78C7EC5D375}" type="pres">
       <dgm:prSet presAssocID="{801111EC-7761-4006-9B8D-BDD3478D6A0C}" presName="childTextVisible" presStyleLbl="bgAccFollowNode1" presStyleIdx="0" presStyleCnt="3">
@@ -1294,24 +1273,10 @@
         </dgm:presLayoutVars>
       </dgm:prSet>
       <dgm:spPr/>
-      <dgm:t>
-        <a:bodyPr/>
-        <a:lstStyle/>
-        <a:p>
-          <a:endParaRPr lang="zh-CN" altLang="en-US"/>
-        </a:p>
-      </dgm:t>
     </dgm:pt>
     <dgm:pt modelId="{64FA673D-026D-4EF2-8FE1-D1290C6692DE}" type="pres">
       <dgm:prSet presAssocID="{801111EC-7761-4006-9B8D-BDD3478D6A0C}" presName="childTextHidden" presStyleLbl="bgAccFollowNode1" presStyleIdx="0" presStyleCnt="3"/>
       <dgm:spPr/>
-      <dgm:t>
-        <a:bodyPr/>
-        <a:lstStyle/>
-        <a:p>
-          <a:endParaRPr lang="zh-CN" altLang="en-US"/>
-        </a:p>
-      </dgm:t>
     </dgm:pt>
     <dgm:pt modelId="{26507422-5EB3-4794-954B-10F5496864B4}" type="pres">
       <dgm:prSet presAssocID="{801111EC-7761-4006-9B8D-BDD3478D6A0C}" presName="parentText" presStyleLbl="node1" presStyleIdx="0" presStyleCnt="3">
@@ -1321,46 +1286,18 @@
         </dgm:presLayoutVars>
       </dgm:prSet>
       <dgm:spPr/>
-      <dgm:t>
-        <a:bodyPr/>
-        <a:lstStyle/>
-        <a:p>
-          <a:endParaRPr lang="zh-CN" altLang="en-US"/>
-        </a:p>
-      </dgm:t>
     </dgm:pt>
     <dgm:pt modelId="{F0AA544F-1805-4054-93CC-2107DC2D7D81}" type="pres">
       <dgm:prSet presAssocID="{801111EC-7761-4006-9B8D-BDD3478D6A0C}" presName="aSpace" presStyleCnt="0"/>
       <dgm:spPr/>
-      <dgm:t>
-        <a:bodyPr/>
-        <a:lstStyle/>
-        <a:p>
-          <a:endParaRPr lang="zh-CN" altLang="en-US"/>
-        </a:p>
-      </dgm:t>
     </dgm:pt>
     <dgm:pt modelId="{0D0AD100-C8D5-475D-B652-CBFDAD990A70}" type="pres">
       <dgm:prSet presAssocID="{380F6D09-15D5-4E2B-BF8A-CECE4B7C4A20}" presName="compNode" presStyleCnt="0"/>
       <dgm:spPr/>
-      <dgm:t>
-        <a:bodyPr/>
-        <a:lstStyle/>
-        <a:p>
-          <a:endParaRPr lang="zh-CN" altLang="en-US"/>
-        </a:p>
-      </dgm:t>
     </dgm:pt>
     <dgm:pt modelId="{CE668467-9A71-48D5-9668-F140D20EF8F9}" type="pres">
       <dgm:prSet presAssocID="{380F6D09-15D5-4E2B-BF8A-CECE4B7C4A20}" presName="noGeometry" presStyleCnt="0"/>
       <dgm:spPr/>
-      <dgm:t>
-        <a:bodyPr/>
-        <a:lstStyle/>
-        <a:p>
-          <a:endParaRPr lang="zh-CN" altLang="en-US"/>
-        </a:p>
-      </dgm:t>
     </dgm:pt>
     <dgm:pt modelId="{63BF4F9E-DFD3-4F32-BB83-EDA34B3186AB}" type="pres">
       <dgm:prSet presAssocID="{380F6D09-15D5-4E2B-BF8A-CECE4B7C4A20}" presName="childTextVisible" presStyleLbl="bgAccFollowNode1" presStyleIdx="1" presStyleCnt="3">
@@ -1369,24 +1306,10 @@
         </dgm:presLayoutVars>
       </dgm:prSet>
       <dgm:spPr/>
-      <dgm:t>
-        <a:bodyPr/>
-        <a:lstStyle/>
-        <a:p>
-          <a:endParaRPr lang="zh-CN" altLang="en-US"/>
-        </a:p>
-      </dgm:t>
     </dgm:pt>
     <dgm:pt modelId="{56FD2A42-E9D7-4817-8A00-A6180A37758A}" type="pres">
       <dgm:prSet presAssocID="{380F6D09-15D5-4E2B-BF8A-CECE4B7C4A20}" presName="childTextHidden" presStyleLbl="bgAccFollowNode1" presStyleIdx="1" presStyleCnt="3"/>
       <dgm:spPr/>
-      <dgm:t>
-        <a:bodyPr/>
-        <a:lstStyle/>
-        <a:p>
-          <a:endParaRPr lang="zh-CN" altLang="en-US"/>
-        </a:p>
-      </dgm:t>
     </dgm:pt>
     <dgm:pt modelId="{BD20842E-DDAC-4D2A-81A6-5E7B3DC6A9BA}" type="pres">
       <dgm:prSet presAssocID="{380F6D09-15D5-4E2B-BF8A-CECE4B7C4A20}" presName="parentText" presStyleLbl="node1" presStyleIdx="1" presStyleCnt="3">
@@ -1396,46 +1319,18 @@
         </dgm:presLayoutVars>
       </dgm:prSet>
       <dgm:spPr/>
-      <dgm:t>
-        <a:bodyPr/>
-        <a:lstStyle/>
-        <a:p>
-          <a:endParaRPr lang="zh-CN" altLang="en-US"/>
-        </a:p>
-      </dgm:t>
     </dgm:pt>
     <dgm:pt modelId="{D1551DF3-10EE-4460-8C6B-8F66703DA7F7}" type="pres">
       <dgm:prSet presAssocID="{380F6D09-15D5-4E2B-BF8A-CECE4B7C4A20}" presName="aSpace" presStyleCnt="0"/>
       <dgm:spPr/>
-      <dgm:t>
-        <a:bodyPr/>
-        <a:lstStyle/>
-        <a:p>
-          <a:endParaRPr lang="zh-CN" altLang="en-US"/>
-        </a:p>
-      </dgm:t>
     </dgm:pt>
     <dgm:pt modelId="{20F60610-F71F-4DA0-8D4B-245E93FB2FAA}" type="pres">
       <dgm:prSet presAssocID="{680F7195-4FD3-481E-8A2B-5AD54C8280AB}" presName="compNode" presStyleCnt="0"/>
       <dgm:spPr/>
-      <dgm:t>
-        <a:bodyPr/>
-        <a:lstStyle/>
-        <a:p>
-          <a:endParaRPr lang="zh-CN" altLang="en-US"/>
-        </a:p>
-      </dgm:t>
     </dgm:pt>
     <dgm:pt modelId="{6E8193CF-467D-424C-881E-873B8B07C5A2}" type="pres">
       <dgm:prSet presAssocID="{680F7195-4FD3-481E-8A2B-5AD54C8280AB}" presName="noGeometry" presStyleCnt="0"/>
       <dgm:spPr/>
-      <dgm:t>
-        <a:bodyPr/>
-        <a:lstStyle/>
-        <a:p>
-          <a:endParaRPr lang="zh-CN" altLang="en-US"/>
-        </a:p>
-      </dgm:t>
     </dgm:pt>
     <dgm:pt modelId="{25708548-ACE5-456A-9BB2-8335CF56201B}" type="pres">
       <dgm:prSet presAssocID="{680F7195-4FD3-481E-8A2B-5AD54C8280AB}" presName="childTextVisible" presStyleLbl="bgAccFollowNode1" presStyleIdx="2" presStyleCnt="3">
@@ -1444,24 +1339,10 @@
         </dgm:presLayoutVars>
       </dgm:prSet>
       <dgm:spPr/>
-      <dgm:t>
-        <a:bodyPr/>
-        <a:lstStyle/>
-        <a:p>
-          <a:endParaRPr lang="zh-CN" altLang="en-US"/>
-        </a:p>
-      </dgm:t>
     </dgm:pt>
     <dgm:pt modelId="{6CD1B83E-A39D-4414-BCC7-A9116F1953AE}" type="pres">
       <dgm:prSet presAssocID="{680F7195-4FD3-481E-8A2B-5AD54C8280AB}" presName="childTextHidden" presStyleLbl="bgAccFollowNode1" presStyleIdx="2" presStyleCnt="3"/>
       <dgm:spPr/>
-      <dgm:t>
-        <a:bodyPr/>
-        <a:lstStyle/>
-        <a:p>
-          <a:endParaRPr lang="zh-CN" altLang="en-US"/>
-        </a:p>
-      </dgm:t>
     </dgm:pt>
     <dgm:pt modelId="{51AD05C7-9BB6-4F43-AAA2-1D0412419A6C}" type="pres">
       <dgm:prSet presAssocID="{680F7195-4FD3-481E-8A2B-5AD54C8280AB}" presName="parentText" presStyleLbl="node1" presStyleIdx="2" presStyleCnt="3">
@@ -1471,32 +1352,25 @@
         </dgm:presLayoutVars>
       </dgm:prSet>
       <dgm:spPr/>
-      <dgm:t>
-        <a:bodyPr/>
-        <a:lstStyle/>
-        <a:p>
-          <a:endParaRPr lang="zh-CN" altLang="en-US"/>
-        </a:p>
-      </dgm:t>
     </dgm:pt>
   </dgm:ptLst>
   <dgm:cxnLst>
     <dgm:cxn modelId="{7021B101-6AE5-4EA4-923F-149909DC3C09}" srcId="{7ABBEAF7-C373-4176-BC82-DCCB6D5E3E26}" destId="{801111EC-7761-4006-9B8D-BDD3478D6A0C}" srcOrd="0" destOrd="0" parTransId="{741192AF-66D8-44B3-8D71-D609A9576CFF}" sibTransId="{E857221A-734F-4396-A642-04F985B7D590}"/>
+    <dgm:cxn modelId="{ABC9680F-BC80-4FAE-BF94-0E90F34E4838}" type="presOf" srcId="{380F6D09-15D5-4E2B-BF8A-CECE4B7C4A20}" destId="{BD20842E-DDAC-4D2A-81A6-5E7B3DC6A9BA}" srcOrd="0" destOrd="0" presId="urn:microsoft.com/office/officeart/2005/8/layout/hProcess6"/>
+    <dgm:cxn modelId="{817FAE28-7A67-410A-8AAA-0D47EE688E3B}" type="presOf" srcId="{8D04D858-8F20-4902-A6A2-A63AACE33B61}" destId="{25708548-ACE5-456A-9BB2-8335CF56201B}" srcOrd="0" destOrd="0" presId="urn:microsoft.com/office/officeart/2005/8/layout/hProcess6"/>
+    <dgm:cxn modelId="{3796133B-9324-48E1-895B-CB33B607472F}" srcId="{7ABBEAF7-C373-4176-BC82-DCCB6D5E3E26}" destId="{680F7195-4FD3-481E-8A2B-5AD54C8280AB}" srcOrd="2" destOrd="0" parTransId="{E0770B27-10B9-4E3F-A134-B86908A61FFE}" sibTransId="{382B596D-4079-47F6-BAC4-80EDB1CFB95D}"/>
+    <dgm:cxn modelId="{AEB5C264-9299-433C-ADC7-E08F9F77A7D3}" type="presOf" srcId="{7ABBEAF7-C373-4176-BC82-DCCB6D5E3E26}" destId="{A5E42E5A-1F14-444C-8D42-E6AA57977A47}" srcOrd="0" destOrd="0" presId="urn:microsoft.com/office/officeart/2005/8/layout/hProcess6"/>
+    <dgm:cxn modelId="{0E020966-40CD-4C1C-8889-E10C2A492ED5}" type="presOf" srcId="{680F7195-4FD3-481E-8A2B-5AD54C8280AB}" destId="{51AD05C7-9BB6-4F43-AAA2-1D0412419A6C}" srcOrd="0" destOrd="0" presId="urn:microsoft.com/office/officeart/2005/8/layout/hProcess6"/>
     <dgm:cxn modelId="{979AB58B-F601-4A02-9211-A25BA7A6DA75}" type="presOf" srcId="{97C498C3-B6DD-4290-809A-7F41DCC94602}" destId="{64FA673D-026D-4EF2-8FE1-D1290C6692DE}" srcOrd="1" destOrd="0" presId="urn:microsoft.com/office/officeart/2005/8/layout/hProcess6"/>
+    <dgm:cxn modelId="{7DBA789E-FBE8-47EE-B779-737798DB8CF2}" srcId="{7ABBEAF7-C373-4176-BC82-DCCB6D5E3E26}" destId="{380F6D09-15D5-4E2B-BF8A-CECE4B7C4A20}" srcOrd="1" destOrd="0" parTransId="{35DF94FE-4269-42A8-B274-51E32D4D5D54}" sibTransId="{D60C5607-81DE-4CC8-91B3-C56E5666A49F}"/>
+    <dgm:cxn modelId="{8B90B3A2-4D2C-4FEB-9F35-4639FF461F9B}" type="presOf" srcId="{8D04D858-8F20-4902-A6A2-A63AACE33B61}" destId="{6CD1B83E-A39D-4414-BCC7-A9116F1953AE}" srcOrd="1" destOrd="0" presId="urn:microsoft.com/office/officeart/2005/8/layout/hProcess6"/>
+    <dgm:cxn modelId="{54045EA9-E1C2-4191-A908-F03A56174CBF}" srcId="{380F6D09-15D5-4E2B-BF8A-CECE4B7C4A20}" destId="{854A7D3E-C7E2-40B6-99D5-A6D8684A36A8}" srcOrd="0" destOrd="0" parTransId="{E2C9C274-FA30-427A-936A-05EA62464929}" sibTransId="{8EAD3175-F7E4-4F81-B10F-5B52A5BCC1C8}"/>
+    <dgm:cxn modelId="{BCFC2FBE-7595-4511-99E4-2BAE50FB7AE8}" type="presOf" srcId="{801111EC-7761-4006-9B8D-BDD3478D6A0C}" destId="{26507422-5EB3-4794-954B-10F5496864B4}" srcOrd="0" destOrd="0" presId="urn:microsoft.com/office/officeart/2005/8/layout/hProcess6"/>
+    <dgm:cxn modelId="{8D26CED0-6985-4AB1-A4FC-D1124A811014}" type="presOf" srcId="{854A7D3E-C7E2-40B6-99D5-A6D8684A36A8}" destId="{56FD2A42-E9D7-4817-8A00-A6180A37758A}" srcOrd="1" destOrd="0" presId="urn:microsoft.com/office/officeart/2005/8/layout/hProcess6"/>
     <dgm:cxn modelId="{231DC6DA-A416-4900-BE47-9E2689E7661F}" type="presOf" srcId="{854A7D3E-C7E2-40B6-99D5-A6D8684A36A8}" destId="{63BF4F9E-DFD3-4F32-BB83-EDA34B3186AB}" srcOrd="0" destOrd="0" presId="urn:microsoft.com/office/officeart/2005/8/layout/hProcess6"/>
-    <dgm:cxn modelId="{7DBA789E-FBE8-47EE-B779-737798DB8CF2}" srcId="{7ABBEAF7-C373-4176-BC82-DCCB6D5E3E26}" destId="{380F6D09-15D5-4E2B-BF8A-CECE4B7C4A20}" srcOrd="1" destOrd="0" parTransId="{35DF94FE-4269-42A8-B274-51E32D4D5D54}" sibTransId="{D60C5607-81DE-4CC8-91B3-C56E5666A49F}"/>
-    <dgm:cxn modelId="{3796133B-9324-48E1-895B-CB33B607472F}" srcId="{7ABBEAF7-C373-4176-BC82-DCCB6D5E3E26}" destId="{680F7195-4FD3-481E-8A2B-5AD54C8280AB}" srcOrd="2" destOrd="0" parTransId="{E0770B27-10B9-4E3F-A134-B86908A61FFE}" sibTransId="{382B596D-4079-47F6-BAC4-80EDB1CFB95D}"/>
+    <dgm:cxn modelId="{F6632FE9-3F07-4AC2-A8FC-AECA14EA9AEC}" type="presOf" srcId="{97C498C3-B6DD-4290-809A-7F41DCC94602}" destId="{B26D808F-7151-45D8-B910-A78C7EC5D375}" srcOrd="0" destOrd="0" presId="urn:microsoft.com/office/officeart/2005/8/layout/hProcess6"/>
+    <dgm:cxn modelId="{2444E9F2-EEFC-4FDE-A1A5-773A690FCD99}" srcId="{801111EC-7761-4006-9B8D-BDD3478D6A0C}" destId="{97C498C3-B6DD-4290-809A-7F41DCC94602}" srcOrd="0" destOrd="0" parTransId="{6314B85C-C1B5-4C04-BF45-32703679BBBA}" sibTransId="{358CAB3F-6F45-413B-A28E-E7A5D580FDF8}"/>
     <dgm:cxn modelId="{DE8EB4F4-1C1B-4070-80FB-260E47B69A00}" srcId="{680F7195-4FD3-481E-8A2B-5AD54C8280AB}" destId="{8D04D858-8F20-4902-A6A2-A63AACE33B61}" srcOrd="0" destOrd="0" parTransId="{C723E8C3-242A-4E6E-AC85-5D7E41B4A677}" sibTransId="{49B7BD17-658F-45A2-8200-F2AD8B0B96D6}"/>
-    <dgm:cxn modelId="{54045EA9-E1C2-4191-A908-F03A56174CBF}" srcId="{380F6D09-15D5-4E2B-BF8A-CECE4B7C4A20}" destId="{854A7D3E-C7E2-40B6-99D5-A6D8684A36A8}" srcOrd="0" destOrd="0" parTransId="{E2C9C274-FA30-427A-936A-05EA62464929}" sibTransId="{8EAD3175-F7E4-4F81-B10F-5B52A5BCC1C8}"/>
-    <dgm:cxn modelId="{ABC9680F-BC80-4FAE-BF94-0E90F34E4838}" type="presOf" srcId="{380F6D09-15D5-4E2B-BF8A-CECE4B7C4A20}" destId="{BD20842E-DDAC-4D2A-81A6-5E7B3DC6A9BA}" srcOrd="0" destOrd="0" presId="urn:microsoft.com/office/officeart/2005/8/layout/hProcess6"/>
-    <dgm:cxn modelId="{2444E9F2-EEFC-4FDE-A1A5-773A690FCD99}" srcId="{801111EC-7761-4006-9B8D-BDD3478D6A0C}" destId="{97C498C3-B6DD-4290-809A-7F41DCC94602}" srcOrd="0" destOrd="0" parTransId="{6314B85C-C1B5-4C04-BF45-32703679BBBA}" sibTransId="{358CAB3F-6F45-413B-A28E-E7A5D580FDF8}"/>
-    <dgm:cxn modelId="{0E020966-40CD-4C1C-8889-E10C2A492ED5}" type="presOf" srcId="{680F7195-4FD3-481E-8A2B-5AD54C8280AB}" destId="{51AD05C7-9BB6-4F43-AAA2-1D0412419A6C}" srcOrd="0" destOrd="0" presId="urn:microsoft.com/office/officeart/2005/8/layout/hProcess6"/>
-    <dgm:cxn modelId="{8D26CED0-6985-4AB1-A4FC-D1124A811014}" type="presOf" srcId="{854A7D3E-C7E2-40B6-99D5-A6D8684A36A8}" destId="{56FD2A42-E9D7-4817-8A00-A6180A37758A}" srcOrd="1" destOrd="0" presId="urn:microsoft.com/office/officeart/2005/8/layout/hProcess6"/>
-    <dgm:cxn modelId="{817FAE28-7A67-410A-8AAA-0D47EE688E3B}" type="presOf" srcId="{8D04D858-8F20-4902-A6A2-A63AACE33B61}" destId="{25708548-ACE5-456A-9BB2-8335CF56201B}" srcOrd="0" destOrd="0" presId="urn:microsoft.com/office/officeart/2005/8/layout/hProcess6"/>
-    <dgm:cxn modelId="{F6632FE9-3F07-4AC2-A8FC-AECA14EA9AEC}" type="presOf" srcId="{97C498C3-B6DD-4290-809A-7F41DCC94602}" destId="{B26D808F-7151-45D8-B910-A78C7EC5D375}" srcOrd="0" destOrd="0" presId="urn:microsoft.com/office/officeart/2005/8/layout/hProcess6"/>
-    <dgm:cxn modelId="{BCFC2FBE-7595-4511-99E4-2BAE50FB7AE8}" type="presOf" srcId="{801111EC-7761-4006-9B8D-BDD3478D6A0C}" destId="{26507422-5EB3-4794-954B-10F5496864B4}" srcOrd="0" destOrd="0" presId="urn:microsoft.com/office/officeart/2005/8/layout/hProcess6"/>
-    <dgm:cxn modelId="{AEB5C264-9299-433C-ADC7-E08F9F77A7D3}" type="presOf" srcId="{7ABBEAF7-C373-4176-BC82-DCCB6D5E3E26}" destId="{A5E42E5A-1F14-444C-8D42-E6AA57977A47}" srcOrd="0" destOrd="0" presId="urn:microsoft.com/office/officeart/2005/8/layout/hProcess6"/>
-    <dgm:cxn modelId="{8B90B3A2-4D2C-4FEB-9F35-4639FF461F9B}" type="presOf" srcId="{8D04D858-8F20-4902-A6A2-A63AACE33B61}" destId="{6CD1B83E-A39D-4414-BCC7-A9116F1953AE}" srcOrd="1" destOrd="0" presId="urn:microsoft.com/office/officeart/2005/8/layout/hProcess6"/>
     <dgm:cxn modelId="{AA1D2459-77EE-473C-A8A3-AACB744037F8}" type="presParOf" srcId="{A5E42E5A-1F14-444C-8D42-E6AA57977A47}" destId="{49C10FD1-8373-4D80-8FE4-8C8DA1BC5B98}" srcOrd="0" destOrd="0" presId="urn:microsoft.com/office/officeart/2005/8/layout/hProcess6"/>
     <dgm:cxn modelId="{3EF0E65D-F70D-4574-898A-FAB35A7241BB}" type="presParOf" srcId="{49C10FD1-8373-4D80-8FE4-8C8DA1BC5B98}" destId="{018F3831-3850-49DD-9A6B-D4223B9AB88A}" srcOrd="0" destOrd="0" presId="urn:microsoft.com/office/officeart/2005/8/layout/hProcess6"/>
     <dgm:cxn modelId="{644C4DEE-C54E-4D19-BB65-1A66748451A0}" type="presParOf" srcId="{49C10FD1-8373-4D80-8FE4-8C8DA1BC5B98}" destId="{B26D808F-7151-45D8-B910-A78C7EC5D375}" srcOrd="1" destOrd="0" presId="urn:microsoft.com/office/officeart/2005/8/layout/hProcess6"/>
@@ -1623,7 +1497,7 @@
         </a:bodyPr>
         <a:lstStyle/>
         <a:p>
-          <a:pPr lvl="0" algn="ctr" defTabSz="1244600">
+          <a:pPr marL="0" lvl="0" indent="0" algn="ctr" defTabSz="1244600">
             <a:lnSpc>
               <a:spcPct val="90000"/>
             </a:lnSpc>
@@ -1633,9 +1507,10 @@
             <a:spcAft>
               <a:spcPct val="35000"/>
             </a:spcAft>
+            <a:buNone/>
           </a:pPr>
           <a:r>
-            <a:rPr lang="zh-CN" altLang="en-US" sz="2800" kern="1200" dirty="0" smtClean="0"/>
+            <a:rPr lang="zh-CN" altLang="en-US" sz="2800" kern="1200" dirty="0"/>
             <a:t>定义网络</a:t>
           </a:r>
           <a:endParaRPr lang="zh-TW" altLang="en-US" sz="2800" kern="1200" dirty="0"/>
@@ -1772,7 +1647,7 @@
         </a:bodyPr>
         <a:lstStyle/>
         <a:p>
-          <a:pPr lvl="0" algn="ctr" defTabSz="1244600">
+          <a:pPr marL="0" lvl="0" indent="0" algn="ctr" defTabSz="1244600">
             <a:lnSpc>
               <a:spcPct val="90000"/>
             </a:lnSpc>
@@ -1782,9 +1657,10 @@
             <a:spcAft>
               <a:spcPct val="35000"/>
             </a:spcAft>
+            <a:buNone/>
           </a:pPr>
           <a:r>
-            <a:rPr lang="en-US" altLang="zh-TW" sz="2800" kern="1200" dirty="0" smtClean="0"/>
+            <a:rPr lang="en-US" altLang="zh-TW" sz="2800" kern="1200" dirty="0"/>
             <a:t>1</a:t>
           </a:r>
           <a:endParaRPr lang="zh-TW" altLang="en-US" sz="2800" kern="1200" dirty="0"/>
@@ -1885,7 +1761,7 @@
         </a:bodyPr>
         <a:lstStyle/>
         <a:p>
-          <a:pPr lvl="0" algn="ctr" defTabSz="1244600">
+          <a:pPr marL="0" lvl="0" indent="0" algn="ctr" defTabSz="1244600">
             <a:lnSpc>
               <a:spcPct val="90000"/>
             </a:lnSpc>
@@ -1895,9 +1771,10 @@
             <a:spcAft>
               <a:spcPct val="35000"/>
             </a:spcAft>
+            <a:buNone/>
           </a:pPr>
           <a:r>
-            <a:rPr lang="zh-CN" altLang="en-US" sz="2800" kern="1200" dirty="0" smtClean="0"/>
+            <a:rPr lang="zh-CN" altLang="en-US" sz="2800" kern="1200" dirty="0"/>
             <a:t>损失函数</a:t>
           </a:r>
           <a:endParaRPr lang="zh-TW" altLang="en-US" sz="2800" kern="1200" dirty="0"/>
@@ -2034,7 +1911,7 @@
         </a:bodyPr>
         <a:lstStyle/>
         <a:p>
-          <a:pPr lvl="0" algn="ctr" defTabSz="1244600">
+          <a:pPr marL="0" lvl="0" indent="0" algn="ctr" defTabSz="1244600">
             <a:lnSpc>
               <a:spcPct val="90000"/>
             </a:lnSpc>
@@ -2044,9 +1921,10 @@
             <a:spcAft>
               <a:spcPct val="35000"/>
             </a:spcAft>
+            <a:buNone/>
           </a:pPr>
           <a:r>
-            <a:rPr lang="en-US" altLang="zh-TW" sz="2800" kern="1200" dirty="0" smtClean="0"/>
+            <a:rPr lang="en-US" altLang="zh-TW" sz="2800" kern="1200" dirty="0"/>
             <a:t>2</a:t>
           </a:r>
           <a:endParaRPr lang="zh-TW" altLang="en-US" sz="2800" kern="1200" dirty="0"/>
@@ -2147,7 +2025,7 @@
         </a:bodyPr>
         <a:lstStyle/>
         <a:p>
-          <a:pPr lvl="0" algn="ctr" defTabSz="1244600">
+          <a:pPr marL="0" lvl="0" indent="0" algn="ctr" defTabSz="1244600">
             <a:lnSpc>
               <a:spcPct val="90000"/>
             </a:lnSpc>
@@ -2157,9 +2035,10 @@
             <a:spcAft>
               <a:spcPct val="35000"/>
             </a:spcAft>
+            <a:buNone/>
           </a:pPr>
           <a:r>
-            <a:rPr lang="zh-CN" altLang="en-US" sz="2800" kern="1200" dirty="0" smtClean="0"/>
+            <a:rPr lang="zh-CN" altLang="en-US" sz="2800" kern="1200" dirty="0"/>
             <a:t>优化</a:t>
           </a:r>
           <a:endParaRPr lang="zh-TW" altLang="en-US" sz="2800" kern="1200" dirty="0"/>
@@ -2296,7 +2175,7 @@
         </a:bodyPr>
         <a:lstStyle/>
         <a:p>
-          <a:pPr lvl="0" algn="ctr" defTabSz="1244600">
+          <a:pPr marL="0" lvl="0" indent="0" algn="ctr" defTabSz="1244600">
             <a:lnSpc>
               <a:spcPct val="90000"/>
             </a:lnSpc>
@@ -2306,9 +2185,10 @@
             <a:spcAft>
               <a:spcPct val="35000"/>
             </a:spcAft>
+            <a:buNone/>
           </a:pPr>
           <a:r>
-            <a:rPr lang="en-US" altLang="zh-TW" sz="2800" kern="1200" dirty="0" smtClean="0"/>
+            <a:rPr lang="en-US" altLang="zh-TW" sz="2800" kern="1200" dirty="0"/>
             <a:t>3</a:t>
           </a:r>
           <a:endParaRPr lang="zh-TW" altLang="en-US" sz="2800" kern="1200" dirty="0"/>
@@ -3754,7 +3634,7 @@
               <a:pPr>
                 <a:defRPr/>
               </a:pPr>
-              <a:t>10/20/2018</a:t>
+              <a:t>11/28/2018</a:t>
             </a:fld>
             <a:endParaRPr lang="en-US" altLang="zh-CN"/>
           </a:p>
@@ -3821,38 +3701,37 @@
           <a:p>
             <a:pPr lvl="0"/>
             <a:r>
-              <a:rPr lang="en-US" noProof="0" smtClean="0"/>
+              <a:rPr lang="en-US" noProof="0"/>
               <a:t>Click to edit Master text styles</a:t>
             </a:r>
           </a:p>
           <a:p>
             <a:pPr lvl="1"/>
             <a:r>
-              <a:rPr lang="en-US" noProof="0" smtClean="0"/>
+              <a:rPr lang="en-US" noProof="0"/>
               <a:t>Second level</a:t>
             </a:r>
           </a:p>
           <a:p>
             <a:pPr lvl="2"/>
             <a:r>
-              <a:rPr lang="en-US" noProof="0" smtClean="0"/>
+              <a:rPr lang="en-US" noProof="0"/>
               <a:t>Third level</a:t>
             </a:r>
           </a:p>
           <a:p>
             <a:pPr lvl="3"/>
             <a:r>
-              <a:rPr lang="en-US" noProof="0" smtClean="0"/>
+              <a:rPr lang="en-US" noProof="0"/>
               <a:t>Fourth level</a:t>
             </a:r>
           </a:p>
           <a:p>
             <a:pPr lvl="4"/>
             <a:r>
-              <a:rPr lang="en-US" noProof="0" smtClean="0"/>
+              <a:rPr lang="en-US" noProof="0"/>
               <a:t>Fifth level</a:t>
             </a:r>
-            <a:endParaRPr lang="en-US" noProof="0"/>
           </a:p>
         </p:txBody>
       </p:sp>
@@ -4216,156 +4095,155 @@
           <a:lstStyle/>
           <a:p>
             <a:r>
-              <a:rPr lang="en-US" altLang="zh-CN" dirty="0" smtClean="0"/>
+              <a:rPr lang="en-US" altLang="zh-CN" dirty="0"/>
               <a:t>\item \</a:t>
             </a:r>
             <a:r>
-              <a:rPr lang="en-US" altLang="zh-CN" dirty="0" err="1" smtClean="0"/>
+              <a:rPr lang="en-US" altLang="zh-CN" dirty="0" err="1"/>
               <a:t>textbf</a:t>
             </a:r>
             <a:r>
-              <a:rPr lang="en-US" altLang="zh-CN" dirty="0" smtClean="0"/>
+              <a:rPr lang="en-US" altLang="zh-CN" dirty="0"/>
               <a:t>{</a:t>
             </a:r>
             <a:r>
-              <a:rPr lang="zh-CN" altLang="en-US" dirty="0" smtClean="0"/>
+              <a:rPr lang="zh-CN" altLang="en-US" dirty="0"/>
               <a:t>细胞体</a:t>
             </a:r>
             <a:r>
-              <a:rPr lang="en-US" altLang="zh-CN" dirty="0" smtClean="0"/>
+              <a:rPr lang="en-US" altLang="zh-CN" dirty="0"/>
               <a:t>}</a:t>
             </a:r>
             <a:r>
-              <a:rPr lang="zh-CN" altLang="en-US" dirty="0" smtClean="0"/>
+              <a:rPr lang="zh-CN" altLang="en-US" dirty="0"/>
               <a:t>（</a:t>
             </a:r>
             <a:r>
-              <a:rPr lang="en-US" altLang="zh-CN" dirty="0" smtClean="0"/>
+              <a:rPr lang="en-US" altLang="zh-CN" dirty="0"/>
               <a:t>Soma</a:t>
             </a:r>
             <a:r>
-              <a:rPr lang="zh-CN" altLang="en-US" dirty="0" smtClean="0"/>
+              <a:rPr lang="zh-CN" altLang="en-US" dirty="0"/>
               <a:t>）中的神经细胞膜上有各种受体和离子通道，胞膜的受体可与相应的化学物质神经递质结合，引起离子通透性及膜内外电位差发生改变，产生相应的生理活动：</a:t>
             </a:r>
             <a:r>
-              <a:rPr lang="en-US" altLang="zh-CN" dirty="0" smtClean="0"/>
+              <a:rPr lang="en-US" altLang="zh-CN" dirty="0"/>
               <a:t>\</a:t>
             </a:r>
             <a:r>
-              <a:rPr lang="en-US" altLang="zh-CN" dirty="0" err="1" smtClean="0"/>
+              <a:rPr lang="en-US" altLang="zh-CN" dirty="0" err="1"/>
               <a:t>textbf</a:t>
             </a:r>
             <a:r>
-              <a:rPr lang="en-US" altLang="zh-CN" dirty="0" smtClean="0"/>
+              <a:rPr lang="en-US" altLang="zh-CN" dirty="0"/>
               <a:t>{</a:t>
             </a:r>
             <a:r>
-              <a:rPr lang="zh-CN" altLang="en-US" dirty="0" smtClean="0"/>
+              <a:rPr lang="zh-CN" altLang="en-US" dirty="0"/>
               <a:t>兴奋</a:t>
             </a:r>
             <a:r>
-              <a:rPr lang="en-US" altLang="zh-CN" dirty="0" smtClean="0"/>
+              <a:rPr lang="en-US" altLang="zh-CN" dirty="0"/>
               <a:t>}</a:t>
             </a:r>
             <a:r>
-              <a:rPr lang="zh-CN" altLang="en-US" dirty="0" smtClean="0"/>
+              <a:rPr lang="zh-CN" altLang="en-US" dirty="0"/>
               <a:t>或</a:t>
             </a:r>
             <a:r>
-              <a:rPr lang="en-US" altLang="zh-CN" dirty="0" smtClean="0"/>
+              <a:rPr lang="en-US" altLang="zh-CN" dirty="0"/>
               <a:t>\</a:t>
             </a:r>
             <a:r>
-              <a:rPr lang="en-US" altLang="zh-CN" dirty="0" err="1" smtClean="0"/>
+              <a:rPr lang="en-US" altLang="zh-CN" dirty="0" err="1"/>
               <a:t>textbf</a:t>
             </a:r>
             <a:r>
-              <a:rPr lang="en-US" altLang="zh-CN" dirty="0" smtClean="0"/>
+              <a:rPr lang="en-US" altLang="zh-CN" dirty="0"/>
               <a:t>{</a:t>
             </a:r>
             <a:r>
-              <a:rPr lang="zh-CN" altLang="en-US" dirty="0" smtClean="0"/>
+              <a:rPr lang="zh-CN" altLang="en-US" dirty="0"/>
               <a:t>抑制</a:t>
             </a:r>
             <a:r>
-              <a:rPr lang="en-US" altLang="zh-CN" dirty="0" smtClean="0"/>
+              <a:rPr lang="en-US" altLang="zh-CN" dirty="0"/>
               <a:t>}</a:t>
             </a:r>
             <a:r>
-              <a:rPr lang="zh-CN" altLang="en-US" dirty="0" smtClean="0"/>
+              <a:rPr lang="zh-CN" altLang="en-US" dirty="0"/>
               <a:t>。</a:t>
             </a:r>
           </a:p>
           <a:p>
             <a:r>
-              <a:rPr lang="en-US" altLang="zh-CN" dirty="0" smtClean="0"/>
+              <a:rPr lang="en-US" altLang="zh-CN" dirty="0"/>
               <a:t>\item </a:t>
             </a:r>
             <a:r>
-              <a:rPr lang="zh-CN" altLang="en-US" dirty="0" smtClean="0"/>
+              <a:rPr lang="zh-CN" altLang="en-US" dirty="0"/>
               <a:t>细胞突起是由细胞体延伸出来的细长部分，又可分为树突和轴突。</a:t>
             </a:r>
           </a:p>
           <a:p>
             <a:r>
-              <a:rPr lang="en-US" altLang="zh-CN" dirty="0" smtClean="0"/>
+              <a:rPr lang="en-US" altLang="zh-CN" dirty="0"/>
               <a:t>\item \</a:t>
             </a:r>
             <a:r>
-              <a:rPr lang="en-US" altLang="zh-CN" dirty="0" err="1" smtClean="0"/>
+              <a:rPr lang="en-US" altLang="zh-CN" dirty="0" err="1"/>
               <a:t>textbf</a:t>
             </a:r>
             <a:r>
-              <a:rPr lang="en-US" altLang="zh-CN" dirty="0" smtClean="0"/>
+              <a:rPr lang="en-US" altLang="zh-CN" dirty="0"/>
               <a:t>{</a:t>
             </a:r>
             <a:r>
-              <a:rPr lang="zh-CN" altLang="en-US" dirty="0" smtClean="0"/>
+              <a:rPr lang="zh-CN" altLang="en-US" dirty="0"/>
               <a:t>树突</a:t>
             </a:r>
             <a:r>
-              <a:rPr lang="en-US" altLang="zh-CN" dirty="0" smtClean="0"/>
+              <a:rPr lang="en-US" altLang="zh-CN" dirty="0"/>
               <a:t>}</a:t>
             </a:r>
             <a:r>
-              <a:rPr lang="zh-CN" altLang="en-US" dirty="0" smtClean="0"/>
+              <a:rPr lang="zh-CN" altLang="en-US" dirty="0"/>
               <a:t>（</a:t>
             </a:r>
             <a:r>
-              <a:rPr lang="en-US" altLang="zh-CN" dirty="0" smtClean="0"/>
+              <a:rPr lang="en-US" altLang="zh-CN" dirty="0"/>
               <a:t>Dendrite</a:t>
             </a:r>
             <a:r>
-              <a:rPr lang="zh-CN" altLang="en-US" dirty="0" smtClean="0"/>
+              <a:rPr lang="zh-CN" altLang="en-US" dirty="0"/>
               <a:t>）可以接受刺激并将兴奋传入细胞体。每个神经元可以有一或多个树突。</a:t>
             </a:r>
           </a:p>
           <a:p>
             <a:r>
-              <a:rPr lang="en-US" altLang="zh-CN" dirty="0" smtClean="0"/>
+              <a:rPr lang="en-US" altLang="zh-CN" dirty="0"/>
               <a:t>\item \</a:t>
             </a:r>
             <a:r>
-              <a:rPr lang="en-US" altLang="zh-CN" dirty="0" err="1" smtClean="0"/>
+              <a:rPr lang="en-US" altLang="zh-CN" dirty="0" err="1"/>
               <a:t>textbf</a:t>
             </a:r>
             <a:r>
-              <a:rPr lang="en-US" altLang="zh-CN" dirty="0" smtClean="0"/>
+              <a:rPr lang="en-US" altLang="zh-CN" dirty="0"/>
               <a:t>{</a:t>
             </a:r>
             <a:r>
-              <a:rPr lang="zh-CN" altLang="en-US" dirty="0" smtClean="0"/>
+              <a:rPr lang="zh-CN" altLang="en-US" dirty="0"/>
               <a:t>轴突</a:t>
             </a:r>
             <a:r>
-              <a:rPr lang="en-US" altLang="zh-CN" dirty="0" smtClean="0"/>
+              <a:rPr lang="en-US" altLang="zh-CN" dirty="0"/>
               <a:t>}(Axons)</a:t>
             </a:r>
             <a:r>
-              <a:rPr lang="zh-CN" altLang="en-US" dirty="0" smtClean="0"/>
+              <a:rPr lang="zh-CN" altLang="en-US" dirty="0"/>
               <a:t>可以把兴奋从胞体传送到另一个神经元或其他组织。每个神经元只有一个轴突。</a:t>
             </a:r>
-            <a:endParaRPr lang="zh-CN" altLang="en-US" dirty="0"/>
           </a:p>
         </p:txBody>
       </p:sp>
@@ -4456,64 +4334,63 @@
           <a:lstStyle/>
           <a:p>
             <a:r>
-              <a:rPr lang="en-US" altLang="zh-CN" dirty="0" err="1" smtClean="0"/>
+              <a:rPr lang="en-US" altLang="zh-CN" dirty="0" err="1"/>
               <a:t>Tanh</a:t>
             </a:r>
             <a:r>
-              <a:rPr lang="zh-CN" altLang="en-US" dirty="0" smtClean="0"/>
+              <a:rPr lang="zh-CN" altLang="en-US" dirty="0"/>
               <a:t>函数的输出是零中心化</a:t>
             </a:r>
           </a:p>
           <a:p>
             <a:r>
-              <a:rPr lang="zh-CN" altLang="en-US" dirty="0" smtClean="0"/>
+              <a:rPr lang="zh-CN" altLang="en-US" dirty="0"/>
               <a:t>的（</a:t>
             </a:r>
             <a:r>
-              <a:rPr lang="en-US" altLang="zh-CN" dirty="0" smtClean="0"/>
+              <a:rPr lang="en-US" altLang="zh-CN" dirty="0"/>
               <a:t>zero-centered</a:t>
             </a:r>
             <a:r>
-              <a:rPr lang="zh-CN" altLang="en-US" dirty="0" smtClean="0"/>
+              <a:rPr lang="zh-CN" altLang="en-US" dirty="0"/>
               <a:t>），而</a:t>
             </a:r>
             <a:r>
-              <a:rPr lang="en-US" altLang="zh-CN" dirty="0" smtClean="0"/>
+              <a:rPr lang="en-US" altLang="zh-CN" dirty="0"/>
               <a:t>logistic</a:t>
             </a:r>
             <a:r>
-              <a:rPr lang="zh-CN" altLang="en-US" dirty="0" smtClean="0"/>
+              <a:rPr lang="zh-CN" altLang="en-US" dirty="0"/>
               <a:t>函数的输出恒大于</a:t>
             </a:r>
             <a:r>
-              <a:rPr lang="en-US" altLang="zh-CN" dirty="0" smtClean="0"/>
+              <a:rPr lang="en-US" altLang="zh-CN" dirty="0"/>
               <a:t>0</a:t>
             </a:r>
             <a:r>
-              <a:rPr lang="zh-CN" altLang="en-US" dirty="0" smtClean="0"/>
+              <a:rPr lang="zh-CN" altLang="en-US" dirty="0"/>
               <a:t>。非零中心化的输出会使得</a:t>
             </a:r>
           </a:p>
           <a:p>
             <a:r>
-              <a:rPr lang="zh-CN" altLang="en-US" dirty="0" smtClean="0"/>
+              <a:rPr lang="zh-CN" altLang="en-US" dirty="0"/>
               <a:t>其后一层的神经元的输入发生偏置偏移（</a:t>
             </a:r>
             <a:r>
-              <a:rPr lang="en-US" altLang="zh-CN" dirty="0" smtClean="0"/>
+              <a:rPr lang="en-US" altLang="zh-CN" dirty="0"/>
               <a:t>bias shift</a:t>
             </a:r>
             <a:r>
-              <a:rPr lang="zh-CN" altLang="en-US" dirty="0" smtClean="0"/>
+              <a:rPr lang="zh-CN" altLang="en-US" dirty="0"/>
               <a:t>），并进一步使得梯度下降</a:t>
             </a:r>
           </a:p>
           <a:p>
             <a:r>
-              <a:rPr lang="zh-CN" altLang="en-US" dirty="0" smtClean="0"/>
+              <a:rPr lang="zh-CN" altLang="en-US" dirty="0"/>
               <a:t>的收敛速度变慢。</a:t>
             </a:r>
-            <a:endParaRPr lang="zh-CN" altLang="en-US" dirty="0"/>
           </a:p>
         </p:txBody>
       </p:sp>
@@ -4604,7 +4481,7 @@
           <a:lstStyle/>
           <a:p>
             <a:r>
-              <a:rPr lang="zh-CN" altLang="en-US" dirty="0" smtClean="0"/>
+              <a:rPr lang="zh-CN" altLang="en-US" dirty="0"/>
               <a:t>神经网络的通用近似性质也被证明对于其它类型的激活函数，比如ReLU，也都是适用的。</a:t>
             </a:r>
           </a:p>
@@ -5070,7 +4947,7 @@
             <a:pPr algn="ctr" eaLnBrk="1" hangingPunct="1">
               <a:defRPr/>
             </a:pPr>
-            <a:endParaRPr lang="zh-CN" altLang="zh-CN" smtClean="0">
+            <a:endParaRPr lang="zh-CN" altLang="zh-CN">
               <a:solidFill>
                 <a:srgbClr val="FFFFFF"/>
               </a:solidFill>
@@ -5219,7 +5096,7 @@
             <a:pPr algn="ctr" eaLnBrk="1" hangingPunct="1">
               <a:defRPr/>
             </a:pPr>
-            <a:endParaRPr lang="zh-CN" altLang="zh-CN" sz="3600" smtClean="0">
+            <a:endParaRPr lang="zh-CN" altLang="zh-CN" sz="3600">
               <a:solidFill>
                 <a:srgbClr val="FFFFFF"/>
               </a:solidFill>
@@ -5368,7 +5245,7 @@
             <a:pPr algn="ctr" eaLnBrk="1" hangingPunct="1">
               <a:defRPr/>
             </a:pPr>
-            <a:endParaRPr lang="zh-CN" altLang="zh-CN" smtClean="0">
+            <a:endParaRPr lang="zh-CN" altLang="zh-CN">
               <a:solidFill>
                 <a:srgbClr val="FFFFFF"/>
               </a:solidFill>
@@ -5517,7 +5394,7 @@
             <a:pPr algn="ctr" eaLnBrk="1" hangingPunct="1">
               <a:defRPr/>
             </a:pPr>
-            <a:endParaRPr lang="zh-CN" altLang="zh-CN" smtClean="0">
+            <a:endParaRPr lang="zh-CN" altLang="zh-CN">
               <a:solidFill>
                 <a:srgbClr val="FFFFFF"/>
               </a:solidFill>
@@ -5668,13 +5545,6 @@
   <p:clrMapOvr>
     <a:masterClrMapping/>
   </p:clrMapOvr>
-  <p:timing>
-    <p:tnLst>
-      <p:par>
-        <p:cTn id="1" dur="indefinite" restart="never" nodeType="tmRoot"/>
-      </p:par>
-    </p:tnLst>
-  </p:timing>
 </p:sldLayout>
 </file>
 
@@ -5836,7 +5706,7 @@
             <a:pPr algn="ctr" eaLnBrk="1" hangingPunct="1">
               <a:defRPr/>
             </a:pPr>
-            <a:endParaRPr lang="zh-CN" altLang="zh-CN" smtClean="0">
+            <a:endParaRPr lang="zh-CN" altLang="zh-CN">
               <a:solidFill>
                 <a:srgbClr val="FFFFFF"/>
               </a:solidFill>
@@ -5985,7 +5855,7 @@
             <a:pPr algn="ctr" eaLnBrk="1" hangingPunct="1">
               <a:defRPr/>
             </a:pPr>
-            <a:endParaRPr lang="zh-CN" altLang="zh-CN" smtClean="0">
+            <a:endParaRPr lang="zh-CN" altLang="zh-CN">
               <a:solidFill>
                 <a:srgbClr val="FFFFFF"/>
               </a:solidFill>
@@ -6037,13 +5907,6 @@
   <p:clrMapOvr>
     <a:masterClrMapping/>
   </p:clrMapOvr>
-  <p:timing>
-    <p:tnLst>
-      <p:par>
-        <p:cTn id="1" dur="indefinite" restart="never" nodeType="tmRoot"/>
-      </p:par>
-    </p:tnLst>
-  </p:timing>
 </p:sldLayout>
 </file>
 
@@ -6087,10 +5950,9 @@
           </a:lstStyle>
           <a:p>
             <a:r>
-              <a:rPr lang="en-US" dirty="0" smtClean="0"/>
+              <a:rPr lang="en-US" dirty="0"/>
               <a:t>Click to edit Master title style</a:t>
             </a:r>
-            <a:endParaRPr lang="en-US" dirty="0"/>
           </a:p>
         </p:txBody>
       </p:sp>
@@ -6147,38 +6009,37 @@
           <a:p>
             <a:pPr lvl="0"/>
             <a:r>
-              <a:rPr lang="en-US" dirty="0" smtClean="0"/>
+              <a:rPr lang="en-US" dirty="0"/>
               <a:t>Click to edit Master text styles</a:t>
             </a:r>
           </a:p>
           <a:p>
             <a:pPr lvl="1"/>
             <a:r>
-              <a:rPr lang="en-US" dirty="0" smtClean="0"/>
+              <a:rPr lang="en-US" dirty="0"/>
               <a:t>Second level</a:t>
             </a:r>
           </a:p>
           <a:p>
             <a:pPr lvl="2"/>
             <a:r>
-              <a:rPr lang="en-US" dirty="0" smtClean="0"/>
+              <a:rPr lang="en-US" dirty="0"/>
               <a:t>Third level</a:t>
             </a:r>
           </a:p>
           <a:p>
             <a:pPr lvl="3"/>
             <a:r>
-              <a:rPr lang="en-US" dirty="0" smtClean="0"/>
+              <a:rPr lang="en-US" dirty="0"/>
               <a:t>Fourth level</a:t>
             </a:r>
           </a:p>
           <a:p>
             <a:pPr lvl="4"/>
             <a:r>
-              <a:rPr lang="en-US" dirty="0" smtClean="0"/>
+              <a:rPr lang="en-US" dirty="0"/>
               <a:t>Fifth level</a:t>
             </a:r>
-            <a:endParaRPr lang="en-US" dirty="0"/>
           </a:p>
         </p:txBody>
       </p:sp>
@@ -6192,13 +6053,6 @@
   <p:clrMapOvr>
     <a:masterClrMapping/>
   </p:clrMapOvr>
-  <p:timing>
-    <p:tnLst>
-      <p:par>
-        <p:cTn id="1" dur="indefinite" restart="never" nodeType="tmRoot"/>
-      </p:par>
-    </p:tnLst>
-  </p:timing>
 </p:sldLayout>
 </file>
 
@@ -6242,7 +6096,7 @@
           </a:lstStyle>
           <a:p>
             <a:r>
-              <a:rPr lang="en-US" altLang="zh-CN" dirty="0" smtClean="0"/>
+              <a:rPr lang="en-US" altLang="zh-CN" dirty="0"/>
               <a:t>Click to edit Master title style</a:t>
             </a:r>
             <a:endParaRPr lang="zh-CN" altLang="en-US" dirty="0"/>
@@ -6259,13 +6113,6 @@
   <p:clrMapOvr>
     <a:masterClrMapping/>
   </p:clrMapOvr>
-  <p:timing>
-    <p:tnLst>
-      <p:par>
-        <p:cTn id="1" dur="indefinite" restart="never" nodeType="tmRoot"/>
-      </p:par>
-    </p:tnLst>
-  </p:timing>
 </p:sldLayout>
 </file>
 
@@ -6307,10 +6154,9 @@
           <a:lstStyle/>
           <a:p>
             <a:r>
-              <a:rPr lang="en-US" dirty="0" smtClean="0"/>
+              <a:rPr lang="en-US" dirty="0"/>
               <a:t>Click to edit Master title style</a:t>
             </a:r>
-            <a:endParaRPr lang="en-US" dirty="0"/>
           </a:p>
         </p:txBody>
       </p:sp>
@@ -6336,38 +6182,37 @@
           <a:p>
             <a:pPr lvl="0"/>
             <a:r>
-              <a:rPr lang="en-US" dirty="0" smtClean="0"/>
+              <a:rPr lang="en-US" dirty="0"/>
               <a:t>Click to edit Master text styles</a:t>
             </a:r>
           </a:p>
           <a:p>
             <a:pPr lvl="1"/>
             <a:r>
-              <a:rPr lang="en-US" dirty="0" smtClean="0"/>
+              <a:rPr lang="en-US" dirty="0"/>
               <a:t>Second level</a:t>
             </a:r>
           </a:p>
           <a:p>
             <a:pPr lvl="2"/>
             <a:r>
-              <a:rPr lang="en-US" dirty="0" smtClean="0"/>
+              <a:rPr lang="en-US" dirty="0"/>
               <a:t>Third level</a:t>
             </a:r>
           </a:p>
           <a:p>
             <a:pPr lvl="3"/>
             <a:r>
-              <a:rPr lang="en-US" dirty="0" smtClean="0"/>
+              <a:rPr lang="en-US" dirty="0"/>
               <a:t>Fourth level</a:t>
             </a:r>
           </a:p>
           <a:p>
             <a:pPr lvl="4"/>
             <a:r>
-              <a:rPr lang="en-US" dirty="0" smtClean="0"/>
+              <a:rPr lang="en-US" dirty="0"/>
               <a:t>Fifth level</a:t>
             </a:r>
-            <a:endParaRPr lang="en-US" dirty="0"/>
           </a:p>
         </p:txBody>
       </p:sp>
@@ -6393,38 +6238,37 @@
           <a:p>
             <a:pPr lvl="0"/>
             <a:r>
-              <a:rPr lang="en-US" dirty="0" smtClean="0"/>
+              <a:rPr lang="en-US" dirty="0"/>
               <a:t>Click to edit Master text styles</a:t>
             </a:r>
           </a:p>
           <a:p>
             <a:pPr lvl="1"/>
             <a:r>
-              <a:rPr lang="en-US" dirty="0" smtClean="0"/>
+              <a:rPr lang="en-US" dirty="0"/>
               <a:t>Second level</a:t>
             </a:r>
           </a:p>
           <a:p>
             <a:pPr lvl="2"/>
             <a:r>
-              <a:rPr lang="en-US" dirty="0" smtClean="0"/>
+              <a:rPr lang="en-US" dirty="0"/>
               <a:t>Third level</a:t>
             </a:r>
           </a:p>
           <a:p>
             <a:pPr lvl="3"/>
             <a:r>
-              <a:rPr lang="en-US" dirty="0" smtClean="0"/>
+              <a:rPr lang="en-US" dirty="0"/>
               <a:t>Fourth level</a:t>
             </a:r>
           </a:p>
           <a:p>
             <a:pPr lvl="4"/>
             <a:r>
-              <a:rPr lang="en-US" dirty="0" smtClean="0"/>
+              <a:rPr lang="en-US" dirty="0"/>
               <a:t>Fifth level</a:t>
             </a:r>
-            <a:endParaRPr lang="en-US" dirty="0"/>
           </a:p>
         </p:txBody>
       </p:sp>
@@ -6438,13 +6282,6 @@
   <p:clrMapOvr>
     <a:masterClrMapping/>
   </p:clrMapOvr>
-  <p:timing>
-    <p:tnLst>
-      <p:par>
-        <p:cTn id="1" dur="indefinite" restart="never" nodeType="tmRoot"/>
-      </p:par>
-    </p:tnLst>
-  </p:timing>
 </p:sldLayout>
 </file>
 
@@ -6486,10 +6323,9 @@
           <a:lstStyle/>
           <a:p>
             <a:r>
-              <a:rPr lang="en-US" dirty="0" smtClean="0"/>
+              <a:rPr lang="en-US" dirty="0"/>
               <a:t>Click to edit Master title style</a:t>
             </a:r>
-            <a:endParaRPr lang="en-US" dirty="0"/>
           </a:p>
         </p:txBody>
       </p:sp>
@@ -6515,38 +6351,37 @@
           <a:p>
             <a:pPr lvl="0"/>
             <a:r>
-              <a:rPr lang="en-US" dirty="0" smtClean="0"/>
+              <a:rPr lang="en-US" dirty="0"/>
               <a:t>Click to edit Master text styles</a:t>
             </a:r>
           </a:p>
           <a:p>
             <a:pPr lvl="1"/>
             <a:r>
-              <a:rPr lang="en-US" dirty="0" smtClean="0"/>
+              <a:rPr lang="en-US" dirty="0"/>
               <a:t>Second level</a:t>
             </a:r>
           </a:p>
           <a:p>
             <a:pPr lvl="2"/>
             <a:r>
-              <a:rPr lang="en-US" dirty="0" smtClean="0"/>
+              <a:rPr lang="en-US" dirty="0"/>
               <a:t>Third level</a:t>
             </a:r>
           </a:p>
           <a:p>
             <a:pPr lvl="3"/>
             <a:r>
-              <a:rPr lang="en-US" dirty="0" smtClean="0"/>
+              <a:rPr lang="en-US" dirty="0"/>
               <a:t>Fourth level</a:t>
             </a:r>
           </a:p>
           <a:p>
             <a:pPr lvl="4"/>
             <a:r>
-              <a:rPr lang="en-US" dirty="0" smtClean="0"/>
+              <a:rPr lang="en-US" dirty="0"/>
               <a:t>Fifth level</a:t>
             </a:r>
-            <a:endParaRPr lang="en-US" dirty="0"/>
           </a:p>
         </p:txBody>
       </p:sp>
@@ -6590,13 +6425,6 @@
   <p:clrMapOvr>
     <a:masterClrMapping/>
   </p:clrMapOvr>
-  <p:timing>
-    <p:tnLst>
-      <p:par>
-        <p:cTn id="1" dur="indefinite" restart="never" nodeType="tmRoot"/>
-      </p:par>
-    </p:tnLst>
-  </p:timing>
 </p:sldLayout>
 </file>
 
@@ -6627,13 +6455,6 @@
   <p:clrMapOvr>
     <a:masterClrMapping/>
   </p:clrMapOvr>
-  <p:timing>
-    <p:tnLst>
-      <p:par>
-        <p:cTn id="1" dur="indefinite" restart="never" nodeType="tmRoot"/>
-      </p:par>
-    </p:tnLst>
-  </p:timing>
 </p:sldLayout>
 </file>
 
@@ -6676,7 +6497,7 @@
           <a:lstStyle/>
           <a:p>
             <a:r>
-              <a:rPr lang="zh-CN" altLang="en-US" sz="3600" dirty="0" smtClean="0">
+              <a:rPr lang="zh-CN" altLang="en-US" sz="3600" dirty="0">
                 <a:latin typeface="华文楷体" panose="02010600040101010101" pitchFamily="2" charset="-122"/>
                 <a:ea typeface="华文楷体" panose="02010600040101010101" pitchFamily="2" charset="-122"/>
               </a:rPr>
@@ -6699,13 +6520,6 @@
   <p:clrMapOvr>
     <a:masterClrMapping/>
   </p:clrMapOvr>
-  <p:timing>
-    <p:tnLst>
-      <p:par>
-        <p:cTn id="1" dur="indefinite" restart="never" nodeType="tmRoot"/>
-      </p:par>
-    </p:tnLst>
-  </p:timing>
 </p:sldLayout>
 </file>
 
@@ -6758,14 +6572,14 @@
           </a:ln>
           <a:extLst>
             <a:ext uri="{909E8E84-426E-40dd-AFC4-6F175D3DCCD1}">
-              <a14:hiddenFill xmlns:a14="http://schemas.microsoft.com/office/drawing/2010/main" xmlns="">
+              <a14:hiddenFill xmlns="" xmlns:a14="http://schemas.microsoft.com/office/drawing/2010/main">
                 <a:solidFill>
                   <a:srgbClr val="FFFFFF"/>
                 </a:solidFill>
               </a14:hiddenFill>
             </a:ext>
             <a:ext uri="{91240B29-F687-4f45-9708-019B960494DF}">
-              <a14:hiddenLine xmlns:a14="http://schemas.microsoft.com/office/drawing/2010/main" xmlns="" w="9525">
+              <a14:hiddenLine xmlns="" xmlns:a14="http://schemas.microsoft.com/office/drawing/2010/main" w="9525">
                 <a:solidFill>
                   <a:srgbClr val="000000"/>
                 </a:solidFill>
@@ -6786,7 +6600,7 @@
           <a:p>
             <a:pPr lvl="0"/>
             <a:r>
-              <a:rPr lang="en-US" altLang="zh-CN" dirty="0" smtClean="0"/>
+              <a:rPr lang="en-US" altLang="zh-CN" dirty="0"/>
               <a:t>Click to edit Master title style</a:t>
             </a:r>
           </a:p>
@@ -6816,14 +6630,14 @@
           </a:ln>
           <a:extLst>
             <a:ext uri="{909E8E84-426E-40dd-AFC4-6F175D3DCCD1}">
-              <a14:hiddenFill xmlns:a14="http://schemas.microsoft.com/office/drawing/2010/main" xmlns="">
+              <a14:hiddenFill xmlns="" xmlns:a14="http://schemas.microsoft.com/office/drawing/2010/main">
                 <a:solidFill>
                   <a:srgbClr val="FFFFFF"/>
                 </a:solidFill>
               </a14:hiddenFill>
             </a:ext>
             <a:ext uri="{91240B29-F687-4f45-9708-019B960494DF}">
-              <a14:hiddenLine xmlns:a14="http://schemas.microsoft.com/office/drawing/2010/main" xmlns="" w="9525">
+              <a14:hiddenLine xmlns="" xmlns:a14="http://schemas.microsoft.com/office/drawing/2010/main" w="9525">
                 <a:solidFill>
                   <a:srgbClr val="000000"/>
                 </a:solidFill>
@@ -6844,35 +6658,35 @@
           <a:p>
             <a:pPr lvl="0"/>
             <a:r>
-              <a:rPr lang="en-US" altLang="zh-CN" dirty="0" smtClean="0"/>
+              <a:rPr lang="en-US" altLang="zh-CN" dirty="0"/>
               <a:t>Click to edit Master text styles</a:t>
             </a:r>
           </a:p>
           <a:p>
             <a:pPr lvl="1"/>
             <a:r>
-              <a:rPr lang="en-US" altLang="zh-CN" dirty="0" smtClean="0"/>
+              <a:rPr lang="en-US" altLang="zh-CN" dirty="0"/>
               <a:t>Second level</a:t>
             </a:r>
           </a:p>
           <a:p>
             <a:pPr lvl="2"/>
             <a:r>
-              <a:rPr lang="en-US" altLang="zh-CN" dirty="0" smtClean="0"/>
+              <a:rPr lang="en-US" altLang="zh-CN" dirty="0"/>
               <a:t>Third level</a:t>
             </a:r>
           </a:p>
           <a:p>
             <a:pPr lvl="3"/>
             <a:r>
-              <a:rPr lang="en-US" altLang="zh-CN" dirty="0" smtClean="0"/>
+              <a:rPr lang="en-US" altLang="zh-CN" dirty="0"/>
               <a:t>Fourth level</a:t>
             </a:r>
           </a:p>
           <a:p>
             <a:pPr lvl="4"/>
             <a:r>
-              <a:rPr lang="en-US" altLang="zh-CN" dirty="0" smtClean="0"/>
+              <a:rPr lang="en-US" altLang="zh-CN" dirty="0"/>
               <a:t>Fifth level</a:t>
             </a:r>
           </a:p>
@@ -6906,7 +6720,7 @@
           </a:ln>
           <a:extLst>
             <a:ext uri="{909E8E84-426E-40dd-AFC4-6F175D3DCCD1}">
-              <a14:hiddenFill xmlns:a14="http://schemas.microsoft.com/office/drawing/2010/main" xmlns="">
+              <a14:hiddenFill xmlns="" xmlns:a14="http://schemas.microsoft.com/office/drawing/2010/main">
                 <a:noFill/>
               </a14:hiddenFill>
             </a:ext>
@@ -6948,7 +6762,7 @@
           </a:ln>
           <a:extLst>
             <a:ext uri="{909E8E84-426E-40dd-AFC4-6F175D3DCCD1}">
-              <a14:hiddenFill xmlns:a14="http://schemas.microsoft.com/office/drawing/2010/main" xmlns="">
+              <a14:hiddenFill xmlns="" xmlns:a14="http://schemas.microsoft.com/office/drawing/2010/main">
                 <a:noFill/>
               </a14:hiddenFill>
             </a:ext>
@@ -7118,21 +6932,21 @@
               <a:defRPr/>
             </a:pPr>
             <a:r>
-              <a:rPr lang="en-US" altLang="zh-CN" sz="1400" dirty="0" smtClean="0">
+              <a:rPr lang="en-US" altLang="zh-CN" sz="1400" dirty="0">
                 <a:latin typeface="+mn-ea"/>
                 <a:ea typeface="+mn-ea"/>
               </a:rPr>
               <a:t>《</a:t>
             </a:r>
             <a:r>
-              <a:rPr lang="zh-CN" altLang="en-US" sz="1400" dirty="0" smtClean="0">
+              <a:rPr lang="zh-CN" altLang="en-US" sz="1400" dirty="0">
                 <a:latin typeface="+mn-ea"/>
                 <a:ea typeface="+mn-ea"/>
               </a:rPr>
               <a:t>神经网络与深度学习</a:t>
             </a:r>
             <a:r>
-              <a:rPr lang="en-US" altLang="zh-CN" sz="1400" dirty="0" smtClean="0">
+              <a:rPr lang="en-US" altLang="zh-CN" sz="1400" dirty="0">
                 <a:latin typeface="+mn-ea"/>
                 <a:ea typeface="+mn-ea"/>
               </a:rPr>
@@ -7207,13 +7021,6 @@
     <p:sldLayoutId id="2147483830" r:id="rId7"/>
     <p:sldLayoutId id="2147483829" r:id="rId8"/>
   </p:sldLayoutIdLst>
-  <p:timing>
-    <p:tnLst>
-      <p:par>
-        <p:cTn id="1" dur="indefinite" restart="never" nodeType="tmRoot"/>
-      </p:par>
-    </p:tnLst>
-  </p:timing>
   <p:hf hdr="0" ftr="0" dt="0"/>
   <p:txStyles>
     <p:titleStyle>
@@ -7669,10 +7476,9 @@
           <a:lstStyle/>
           <a:p>
             <a:r>
-              <a:rPr lang="zh-CN" altLang="en-US" dirty="0" smtClean="0"/>
+              <a:rPr lang="zh-CN" altLang="en-US" dirty="0"/>
               <a:t>前馈神经网络</a:t>
             </a:r>
-            <a:endParaRPr lang="zh-CN" altLang="en-US" dirty="0"/>
           </a:p>
         </p:txBody>
       </p:sp>
@@ -7692,15 +7498,15 @@
           <a:lstStyle/>
           <a:p>
             <a:r>
-              <a:rPr lang="en-US" altLang="zh-CN" dirty="0" smtClean="0"/>
+              <a:rPr lang="en-US" altLang="zh-CN" dirty="0"/>
               <a:t>《</a:t>
             </a:r>
             <a:r>
-              <a:rPr lang="zh-CN" altLang="en-US" dirty="0" smtClean="0"/>
+              <a:rPr lang="zh-CN" altLang="en-US" dirty="0"/>
               <a:t>神经网络与深度学习</a:t>
             </a:r>
             <a:r>
-              <a:rPr lang="en-US" altLang="zh-CN" dirty="0" smtClean="0"/>
+              <a:rPr lang="en-US" altLang="zh-CN" dirty="0"/>
               <a:t>》</a:t>
             </a:r>
             <a:endParaRPr lang="zh-CN" altLang="en-US" dirty="0"/>
@@ -7723,27 +7529,15 @@
           <a:lstStyle/>
           <a:p>
             <a:r>
-              <a:rPr lang="en-US" altLang="zh-CN" dirty="0" smtClean="0">
-                <a:hlinkClick r:id="rId3"/>
-              </a:rPr>
-              <a:t>https</a:t>
-            </a:r>
-            <a:r>
               <a:rPr lang="en-US" altLang="zh-CN" dirty="0">
                 <a:hlinkClick r:id="rId3"/>
               </a:rPr>
-              <a:t>://nndl.github.io</a:t>
-            </a:r>
-            <a:r>
-              <a:rPr lang="en-US" altLang="zh-CN" dirty="0" smtClean="0">
-                <a:hlinkClick r:id="rId3"/>
-              </a:rPr>
-              <a:t>/</a:t>
-            </a:r>
-            <a:endParaRPr lang="en-US" altLang="zh-CN" dirty="0" smtClean="0"/>
-          </a:p>
-          <a:p>
-            <a:endParaRPr lang="en-US" altLang="zh-CN" dirty="0" smtClean="0"/>
+              <a:t>https://nndl.github.io/</a:t>
+            </a:r>
+            <a:endParaRPr lang="en-US" altLang="zh-CN" dirty="0"/>
+          </a:p>
+          <a:p>
+            <a:endParaRPr lang="en-US" altLang="zh-CN" dirty="0"/>
           </a:p>
         </p:txBody>
       </p:sp>
@@ -7752,21 +7546,6 @@
   <p:clrMapOvr>
     <a:masterClrMapping/>
   </p:clrMapOvr>
-  <mc:AlternateContent xmlns:mc="http://schemas.openxmlformats.org/markup-compatibility/2006" xmlns:p14="http://schemas.microsoft.com/office/powerpoint/2010/main">
-    <mc:Choice Requires="p14">
-      <p:transition spd="slow" p14:dur="2000"/>
-    </mc:Choice>
-    <mc:Fallback xmlns="">
-      <p:transition spd="slow"/>
-    </mc:Fallback>
-  </mc:AlternateContent>
-  <p:timing>
-    <p:tnLst>
-      <p:par>
-        <p:cTn id="1" dur="indefinite" restart="never" nodeType="tmRoot"/>
-      </p:par>
-    </p:tnLst>
-  </p:timing>
 </p:sld>
 </file>
 
@@ -7803,10 +7582,9 @@
           <a:lstStyle/>
           <a:p>
             <a:r>
-              <a:rPr lang="zh-CN" altLang="en-US" dirty="0" smtClean="0"/>
+              <a:rPr lang="zh-CN" altLang="en-US" dirty="0"/>
               <a:t>网络结构</a:t>
             </a:r>
-            <a:endParaRPr lang="zh-CN" altLang="en-US" dirty="0"/>
           </a:p>
         </p:txBody>
       </p:sp>
@@ -7827,30 +7605,18 @@
           <a:p>
             <a:r>
               <a:rPr lang="zh-CN" altLang="en-US" dirty="0"/>
-              <a:t>前馈</a:t>
-            </a:r>
-            <a:r>
-              <a:rPr lang="zh-CN" altLang="en-US" dirty="0" smtClean="0"/>
-              <a:t>神经网络（全连接神经网络、多层感知器</a:t>
-            </a:r>
+              <a:t>前馈神经网络（全连接神经网络、多层感知器）</a:t>
+            </a:r>
+            <a:endParaRPr lang="en-US" altLang="zh-CN" dirty="0"/>
+          </a:p>
+          <a:p>
+            <a:pPr lvl="1"/>
             <a:r>
               <a:rPr lang="zh-CN" altLang="en-US" dirty="0"/>
-              <a:t>）</a:t>
-            </a:r>
-            <a:endParaRPr lang="en-US" altLang="zh-CN" dirty="0" smtClean="0"/>
-          </a:p>
-          <a:p>
-            <a:pPr lvl="1"/>
-            <a:r>
-              <a:rPr lang="zh-CN" altLang="en-US" dirty="0" smtClean="0"/>
-              <a:t>各</a:t>
-            </a:r>
-            <a:r>
-              <a:rPr lang="zh-CN" altLang="en-US" dirty="0"/>
-              <a:t>神经元分别属于不同的</a:t>
-            </a:r>
-            <a:r>
-              <a:rPr lang="zh-CN" altLang="en-US" dirty="0" smtClean="0">
+              <a:t>各神经元分别属于不同的</a:t>
+            </a:r>
+            <a:r>
+              <a:rPr lang="zh-CN" altLang="en-US" dirty="0">
                 <a:solidFill>
                   <a:srgbClr val="FF0000"/>
                 </a:solidFill>
@@ -7858,15 +7624,15 @@
               <a:t>层</a:t>
             </a:r>
             <a:r>
-              <a:rPr lang="zh-CN" altLang="en-US" dirty="0" smtClean="0"/>
+              <a:rPr lang="zh-CN" altLang="en-US" dirty="0"/>
               <a:t>，层内无连接。</a:t>
             </a:r>
-            <a:endParaRPr lang="en-US" altLang="zh-CN" dirty="0" smtClean="0"/>
+            <a:endParaRPr lang="en-US" altLang="zh-CN" dirty="0"/>
           </a:p>
           <a:p>
             <a:pPr lvl="1"/>
             <a:r>
-              <a:rPr lang="zh-CN" altLang="en-US" dirty="0" smtClean="0"/>
+              <a:rPr lang="zh-CN" altLang="en-US" dirty="0"/>
               <a:t>相邻两层之间的神经元全部</a:t>
             </a:r>
             <a:r>
@@ -7875,39 +7641,19 @@
                   <a:srgbClr val="FF0000"/>
                 </a:solidFill>
               </a:rPr>
-              <a:t>两</a:t>
-            </a:r>
-            <a:r>
-              <a:rPr lang="zh-CN" altLang="en-US" dirty="0" smtClean="0">
-                <a:solidFill>
-                  <a:srgbClr val="FF0000"/>
-                </a:solidFill>
-              </a:rPr>
-              <a:t>两连接</a:t>
-            </a:r>
-            <a:r>
-              <a:rPr lang="zh-CN" altLang="en-US" dirty="0" smtClean="0"/>
+              <a:t>两两连接</a:t>
+            </a:r>
+            <a:r>
+              <a:rPr lang="zh-CN" altLang="en-US" dirty="0"/>
               <a:t>。</a:t>
             </a:r>
-            <a:endParaRPr lang="en-US" altLang="zh-CN" dirty="0" smtClean="0"/>
+            <a:endParaRPr lang="en-US" altLang="zh-CN" dirty="0"/>
           </a:p>
           <a:p>
             <a:pPr lvl="1"/>
             <a:r>
-              <a:rPr lang="zh-CN" altLang="en-US" dirty="0" smtClean="0"/>
-              <a:t>整个</a:t>
-            </a:r>
-            <a:r>
               <a:rPr lang="zh-CN" altLang="en-US" dirty="0"/>
-              <a:t>网络中无反馈</a:t>
-            </a:r>
-            <a:r>
-              <a:rPr lang="zh-CN" altLang="en-US" dirty="0" smtClean="0"/>
-              <a:t>，信号</a:t>
-            </a:r>
-            <a:r>
-              <a:rPr lang="zh-CN" altLang="en-US" dirty="0"/>
-              <a:t>从输入层向输出层单向传播，可用一个有向无环图表示。</a:t>
+              <a:t>整个网络中无反馈，信号从输入层向输出层单向传播，可用一个有向无环图表示。</a:t>
             </a:r>
           </a:p>
         </p:txBody>
@@ -7952,13 +7698,6 @@
   <p:clrMapOvr>
     <a:masterClrMapping/>
   </p:clrMapOvr>
-  <p:timing>
-    <p:tnLst>
-      <p:par>
-        <p:cTn id="1" dur="indefinite" restart="never" nodeType="tmRoot"/>
-      </p:par>
-    </p:tnLst>
-  </p:timing>
 </p:sld>
 </file>
 
@@ -7995,10 +7734,9 @@
           <a:lstStyle/>
           <a:p>
             <a:r>
-              <a:rPr lang="zh-CN" altLang="en-US" dirty="0" smtClean="0"/>
+              <a:rPr lang="zh-CN" altLang="en-US" dirty="0"/>
               <a:t>前馈网络</a:t>
             </a:r>
-            <a:endParaRPr lang="zh-CN" altLang="en-US" dirty="0"/>
           </a:p>
         </p:txBody>
       </p:sp>
@@ -8064,13 +7802,6 @@
   <p:clrMapOvr>
     <a:masterClrMapping/>
   </p:clrMapOvr>
-  <p:timing>
-    <p:tnLst>
-      <p:par>
-        <p:cTn id="1" dur="indefinite" restart="never" nodeType="tmRoot"/>
-      </p:par>
-    </p:tnLst>
-  </p:timing>
 </p:sld>
 </file>
 
@@ -8107,10 +7838,9 @@
           <a:lstStyle/>
           <a:p>
             <a:r>
-              <a:rPr lang="zh-CN" altLang="en-US" dirty="0" smtClean="0"/>
+              <a:rPr lang="zh-CN" altLang="en-US" dirty="0"/>
               <a:t>前馈网络</a:t>
             </a:r>
-            <a:endParaRPr lang="zh-CN" altLang="en-US" dirty="0"/>
           </a:p>
         </p:txBody>
       </p:sp>
@@ -8131,32 +7861,27 @@
           <a:p>
             <a:r>
               <a:rPr lang="zh-CN" altLang="en-US" dirty="0"/>
-              <a:t>前馈神经网络通过下面公式进行信息传播</a:t>
-            </a:r>
-            <a:r>
-              <a:rPr lang="zh-CN" altLang="en-US" dirty="0" smtClean="0"/>
-              <a:t>。</a:t>
-            </a:r>
-            <a:endParaRPr lang="en-US" altLang="zh-CN" dirty="0" smtClean="0"/>
-          </a:p>
-          <a:p>
+              <a:t>前馈神经网络通过下面公式进行信息传播。</a:t>
+            </a:r>
             <a:endParaRPr lang="en-US" altLang="zh-CN" dirty="0"/>
           </a:p>
           <a:p>
-            <a:endParaRPr lang="en-US" altLang="zh-CN" dirty="0" smtClean="0"/>
-          </a:p>
-          <a:p>
             <a:endParaRPr lang="en-US" altLang="zh-CN" dirty="0"/>
           </a:p>
           <a:p>
-            <a:endParaRPr lang="en-US" altLang="zh-CN" dirty="0" smtClean="0"/>
-          </a:p>
-          <a:p>
-            <a:r>
-              <a:rPr lang="zh-CN" altLang="en-US" dirty="0" smtClean="0"/>
+            <a:endParaRPr lang="en-US" altLang="zh-CN" dirty="0"/>
+          </a:p>
+          <a:p>
+            <a:endParaRPr lang="en-US" altLang="zh-CN" dirty="0"/>
+          </a:p>
+          <a:p>
+            <a:endParaRPr lang="en-US" altLang="zh-CN" dirty="0"/>
+          </a:p>
+          <a:p>
+            <a:r>
+              <a:rPr lang="zh-CN" altLang="en-US" dirty="0"/>
               <a:t>前馈计算：</a:t>
             </a:r>
-            <a:endParaRPr lang="zh-CN" altLang="en-US" dirty="0"/>
           </a:p>
         </p:txBody>
       </p:sp>
@@ -8259,13 +7984,6 @@
   <p:clrMapOvr>
     <a:masterClrMapping/>
   </p:clrMapOvr>
-  <p:timing>
-    <p:tnLst>
-      <p:par>
-        <p:cTn id="1" dur="indefinite" restart="never" nodeType="tmRoot"/>
-      </p:par>
-    </p:tnLst>
-  </p:timing>
 </p:sld>
 </file>
 
@@ -8302,10 +8020,9 @@
           <a:lstStyle/>
           <a:p>
             <a:r>
-              <a:rPr lang="zh-CN" altLang="en-US" dirty="0" smtClean="0"/>
+              <a:rPr lang="zh-CN" altLang="en-US" dirty="0"/>
               <a:t>深层前馈神经网络</a:t>
             </a:r>
-            <a:endParaRPr lang="zh-CN" altLang="en-US" dirty="0"/>
           </a:p>
         </p:txBody>
       </p:sp>
@@ -8349,13 +8066,6 @@
   <p:clrMapOvr>
     <a:masterClrMapping/>
   </p:clrMapOvr>
-  <p:timing>
-    <p:tnLst>
-      <p:par>
-        <p:cTn id="1" dur="indefinite" restart="never" nodeType="tmRoot"/>
-      </p:par>
-    </p:tnLst>
-  </p:timing>
 </p:sld>
 </file>
 
@@ -8466,13 +8176,6 @@
   <p:clrMapOvr>
     <a:masterClrMapping/>
   </p:clrMapOvr>
-  <p:timing>
-    <p:tnLst>
-      <p:par>
-        <p:cTn id="1" dur="indefinite" restart="never" nodeType="tmRoot"/>
-      </p:par>
-    </p:tnLst>
-  </p:timing>
 </p:sld>
 </file>
 
@@ -8511,42 +8214,26 @@
               <a:lstStyle/>
               <a:p>
                 <a:r>
-                  <a:rPr lang="zh-CN" altLang="en-US" dirty="0" smtClean="0"/>
-                  <a:t>神经网络可以</a:t>
+                  <a:rPr lang="zh-CN" altLang="en-US" dirty="0"/>
+                  <a:t>神经网络可以作为一个“万能”函数来使用，可以用来进行复杂的特征转换，或逼近一个复杂的条件分布。</a:t>
                 </a:r>
-                <a:r>
-                  <a:rPr lang="zh-CN" altLang="en-US" dirty="0"/>
-                  <a:t>作为一个“万能”函数</a:t>
-                </a:r>
-                <a:r>
-                  <a:rPr lang="zh-CN" altLang="en-US" dirty="0" smtClean="0"/>
-                  <a:t>来使</a:t>
-                </a:r>
-                <a:r>
-                  <a:rPr lang="zh-CN" altLang="en-US" dirty="0"/>
-                  <a:t>用，可以用来进行复杂的特征转换，或逼近一个复杂的条件分布</a:t>
-                </a:r>
-                <a:r>
-                  <a:rPr lang="zh-CN" altLang="en-US" dirty="0" smtClean="0"/>
-                  <a:t>。</a:t>
-                </a:r>
-                <a:endParaRPr lang="en-US" altLang="zh-CN" dirty="0" smtClean="0"/>
+                <a:endParaRPr lang="en-US" altLang="zh-CN" dirty="0"/>
               </a:p>
               <a:p>
                 <a:endParaRPr lang="en-US" altLang="zh-CN" dirty="0"/>
               </a:p>
               <a:p>
-                <a:endParaRPr lang="en-US" altLang="zh-CN" dirty="0" smtClean="0"/>
+                <a:endParaRPr lang="en-US" altLang="zh-CN" dirty="0"/>
               </a:p>
               <a:p>
                 <a:endParaRPr lang="en-US" altLang="zh-CN" dirty="0"/>
               </a:p>
               <a:p>
-                <a:endParaRPr lang="en-US" altLang="zh-CN" dirty="0" smtClean="0"/>
+                <a:endParaRPr lang="en-US" altLang="zh-CN" dirty="0"/>
               </a:p>
               <a:p>
                 <a:r>
-                  <a:rPr lang="zh-CN" altLang="en-US" dirty="0" smtClean="0"/>
+                  <a:rPr lang="zh-CN" altLang="en-US" dirty="0"/>
                   <a:t>如果</a:t>
                 </a:r>
                 <a14:m>
@@ -8566,11 +8253,11 @@
                   </m:oMath>
                 </a14:m>
                 <a:r>
-                  <a:rPr lang="zh-CN" altLang="en-US" dirty="0" smtClean="0"/>
+                  <a:rPr lang="zh-CN" altLang="en-US" dirty="0"/>
                   <a:t>为</a:t>
                 </a:r>
                 <a:r>
-                  <a:rPr lang="en-US" altLang="zh-CN" dirty="0" smtClean="0"/>
+                  <a:rPr lang="en-US" altLang="zh-CN" dirty="0"/>
                   <a:t>logistic</a:t>
                 </a:r>
                 <a:r>
@@ -8583,17 +8270,9 @@
                 </a:r>
                 <a:r>
                   <a:rPr lang="zh-CN" altLang="en-US" dirty="0"/>
-                  <a:t>回归</a:t>
+                  <a:t>回归分类器可以看成神经网络的最后一层。</a:t>
                 </a:r>
-                <a:r>
-                  <a:rPr lang="zh-CN" altLang="en-US" dirty="0" smtClean="0"/>
-                  <a:t>分类器</a:t>
-                </a:r>
-                <a:r>
-                  <a:rPr lang="zh-CN" altLang="en-US" dirty="0"/>
-                  <a:t>可以看成神经网络的最后一层。</a:t>
-                </a:r>
-                <a:endParaRPr lang="en-US" altLang="zh-CN" dirty="0" smtClean="0"/>
+                <a:endParaRPr lang="en-US" altLang="zh-CN" dirty="0"/>
               </a:p>
               <a:p>
                 <a:endParaRPr lang="en-US" altLang="zh-CN" dirty="0"/>
@@ -8743,10 +8422,9 @@
           <a:lstStyle/>
           <a:p>
             <a:r>
-              <a:rPr lang="zh-CN" altLang="en-US" sz="2400" dirty="0" smtClean="0"/>
+              <a:rPr lang="zh-CN" altLang="en-US" sz="2400" dirty="0"/>
               <a:t>神经网络</a:t>
             </a:r>
-            <a:endParaRPr lang="zh-CN" altLang="en-US" sz="2400" dirty="0"/>
           </a:p>
         </p:txBody>
       </p:sp>
@@ -8835,10 +8513,9 @@
           <a:lstStyle/>
           <a:p>
             <a:r>
-              <a:rPr lang="zh-CN" altLang="en-US" sz="2400" dirty="0" smtClean="0"/>
+              <a:rPr lang="zh-CN" altLang="en-US" sz="2400" dirty="0"/>
               <a:t>分类器</a:t>
             </a:r>
-            <a:endParaRPr lang="zh-CN" altLang="en-US" sz="2400" dirty="0"/>
           </a:p>
         </p:txBody>
       </p:sp>
@@ -8884,13 +8561,6 @@
   <p:clrMapOvr>
     <a:masterClrMapping/>
   </p:clrMapOvr>
-  <p:timing>
-    <p:tnLst>
-      <p:par>
-        <p:cTn id="1" dur="indefinite" restart="never" nodeType="tmRoot"/>
-      </p:par>
-    </p:tnLst>
-  </p:timing>
 </p:sld>
 </file>
 
@@ -8950,23 +8620,15 @@
           <a:p>
             <a:r>
               <a:rPr lang="zh-CN" altLang="en-US" dirty="0"/>
-              <a:t>对于多类分类</a:t>
-            </a:r>
-            <a:r>
-              <a:rPr lang="zh-CN" altLang="en-US" dirty="0" smtClean="0"/>
-              <a:t>问题</a:t>
-            </a:r>
-            <a:endParaRPr lang="en-US" altLang="zh-CN" dirty="0" smtClean="0"/>
+              <a:t>对于多类分类问题</a:t>
+            </a:r>
+            <a:endParaRPr lang="en-US" altLang="zh-CN" dirty="0"/>
           </a:p>
           <a:p>
             <a:pPr lvl="1"/>
             <a:r>
-              <a:rPr lang="zh-CN" altLang="en-US" dirty="0" smtClean="0"/>
-              <a:t>如果</a:t>
-            </a:r>
-            <a:r>
               <a:rPr lang="zh-CN" altLang="en-US" dirty="0"/>
-              <a:t>使用</a:t>
+              <a:t>如果使用</a:t>
             </a:r>
             <a:r>
               <a:rPr lang="en-US" altLang="zh-CN" dirty="0"/>
@@ -8974,15 +8636,7 @@
             </a:r>
             <a:r>
               <a:rPr lang="zh-CN" altLang="en-US" dirty="0"/>
-              <a:t>回归</a:t>
-            </a:r>
-            <a:r>
-              <a:rPr lang="zh-CN" altLang="en-US" dirty="0" smtClean="0"/>
-              <a:t>分类器，相当于网络</a:t>
-            </a:r>
-            <a:r>
-              <a:rPr lang="zh-CN" altLang="en-US" dirty="0"/>
-              <a:t>最后一层设置</a:t>
+              <a:t>回归分类器，相当于网络最后一层设置</a:t>
             </a:r>
             <a:r>
               <a:rPr lang="en-US" altLang="zh-CN" dirty="0"/>
@@ -8998,27 +8652,15 @@
             </a:r>
             <a:r>
               <a:rPr lang="zh-CN" altLang="en-US" dirty="0"/>
-              <a:t>函数进行归一化后可以</a:t>
-            </a:r>
-            <a:r>
-              <a:rPr lang="zh-CN" altLang="en-US" dirty="0" smtClean="0"/>
-              <a:t>作为</a:t>
-            </a:r>
-            <a:r>
-              <a:rPr lang="zh-CN" altLang="en-US" dirty="0"/>
-              <a:t>每个类的后验概率</a:t>
-            </a:r>
-            <a:r>
-              <a:rPr lang="zh-CN" altLang="en-US" dirty="0" smtClean="0"/>
-              <a:t>。</a:t>
-            </a:r>
-            <a:endParaRPr lang="en-US" altLang="zh-CN" dirty="0" smtClean="0"/>
-          </a:p>
-          <a:p>
-            <a:endParaRPr lang="en-US" altLang="zh-CN" dirty="0" smtClean="0"/>
-          </a:p>
-          <a:p>
-            <a:endParaRPr lang="en-US" altLang="zh-CN" dirty="0" smtClean="0"/>
+              <a:t>函数进行归一化后可以作为每个类的后验概率。</a:t>
+            </a:r>
+            <a:endParaRPr lang="en-US" altLang="zh-CN" dirty="0"/>
+          </a:p>
+          <a:p>
+            <a:endParaRPr lang="en-US" altLang="zh-CN" dirty="0"/>
+          </a:p>
+          <a:p>
+            <a:endParaRPr lang="en-US" altLang="zh-CN" dirty="0"/>
           </a:p>
           <a:p>
             <a:pPr lvl="1"/>
@@ -9115,13 +8757,6 @@
   <p:clrMapOvr>
     <a:masterClrMapping/>
   </p:clrMapOvr>
-  <p:timing>
-    <p:tnLst>
-      <p:par>
-        <p:cTn id="1" dur="indefinite" restart="never" nodeType="tmRoot"/>
-      </p:par>
-    </p:tnLst>
-  </p:timing>
 </p:sld>
 </file>
 
@@ -9182,7 +8817,7 @@
               <a:lstStyle/>
               <a:p>
                 <a:r>
-                  <a:rPr lang="zh-CN" altLang="en-US" dirty="0" smtClean="0"/>
+                  <a:rPr lang="zh-CN" altLang="en-US" dirty="0"/>
                   <a:t>给定训练集为</a:t>
                 </a:r>
                 <a14:m>
@@ -9334,11 +8969,11 @@
                   </m:oMath>
                 </a14:m>
                 <a:r>
-                  <a:rPr lang="en-US" altLang="zh-CN" dirty="0" smtClean="0"/>
+                  <a:rPr lang="en-US" altLang="zh-CN" dirty="0"/>
                   <a:t> </a:t>
                 </a:r>
                 <a:r>
-                  <a:rPr lang="zh-CN" altLang="en-US" dirty="0" smtClean="0"/>
+                  <a:rPr lang="zh-CN" altLang="en-US" dirty="0"/>
                   <a:t>，将每个样本</a:t>
                 </a:r>
                 <a14:m>
@@ -9383,12 +9018,8 @@
                   </m:oMath>
                 </a14:m>
                 <a:r>
-                  <a:rPr lang="zh-CN" altLang="en-US" dirty="0" smtClean="0"/>
-                  <a:t>输入给前馈神经网络</a:t>
-                </a:r>
-                <a:r>
                   <a:rPr lang="zh-CN" altLang="en-US" dirty="0"/>
-                  <a:t>，得到网络输出为 </a:t>
+                  <a:t>输入给前馈神经网络，得到网络输出为 </a:t>
                 </a:r>
                 <a14:m>
                   <m:oMath xmlns:m="http://schemas.openxmlformats.org/officeDocument/2006/math">
@@ -9453,19 +9084,15 @@
                 </a:r>
                 <a:r>
                   <a:rPr lang="zh-CN" altLang="en-US" dirty="0"/>
-                  <a:t>上的结构化风险函数为</a:t>
+                  <a:t>上的结构化风险函数为：</a:t>
                 </a:r>
-                <a:r>
-                  <a:rPr lang="zh-CN" altLang="en-US" dirty="0" smtClean="0"/>
-                  <a:t>：</a:t>
-                </a:r>
-                <a:endParaRPr lang="en-US" altLang="zh-CN" dirty="0" smtClean="0"/>
+                <a:endParaRPr lang="en-US" altLang="zh-CN" dirty="0"/>
               </a:p>
               <a:p>
                 <a:endParaRPr lang="en-US" altLang="zh-CN" dirty="0"/>
               </a:p>
               <a:p>
-                <a:endParaRPr lang="en-US" altLang="zh-CN" dirty="0" smtClean="0"/>
+                <a:endParaRPr lang="en-US" altLang="zh-CN" dirty="0"/>
               </a:p>
               <a:p>
                 <a:r>
@@ -9613,13 +9240,6 @@
   <p:clrMapOvr>
     <a:masterClrMapping/>
   </p:clrMapOvr>
-  <p:timing>
-    <p:tnLst>
-      <p:par>
-        <p:cTn id="1" dur="indefinite" restart="never" nodeType="tmRoot"/>
-      </p:par>
-    </p:tnLst>
-  </p:timing>
 </p:sld>
 </file>
 
@@ -9656,7 +9276,7 @@
           <a:lstStyle/>
           <a:p>
             <a:r>
-              <a:rPr lang="zh-CN" altLang="en-US" dirty="0" smtClean="0"/>
+              <a:rPr lang="zh-CN" altLang="en-US" dirty="0"/>
               <a:t>梯度下降</a:t>
             </a:r>
             <a:endParaRPr lang="zh-TW" altLang="en-US" dirty="0"/>
@@ -9776,11 +9396,11 @@
           <a:lstStyle/>
           <a:p>
             <a:r>
-              <a:rPr lang="zh-CN" altLang="en-US" sz="2800" dirty="0" smtClean="0"/>
+              <a:rPr lang="zh-CN" altLang="en-US" sz="2800" dirty="0"/>
               <a:t>网络参数</a:t>
             </a:r>
             <a:r>
-              <a:rPr lang="en-US" altLang="zh-CN" sz="2800" dirty="0" smtClean="0"/>
+              <a:rPr lang="en-US" altLang="zh-CN" sz="2800" dirty="0"/>
               <a:t>w</a:t>
             </a:r>
             <a:endParaRPr lang="zh-TW" altLang="en-US" sz="2800" dirty="0"/>
@@ -9841,7 +9461,7 @@
           <a:graphicData uri="http://schemas.openxmlformats.org/presentationml/2006/ole">
             <mc:AlternateContent xmlns:mc="http://schemas.openxmlformats.org/markup-compatibility/2006">
               <mc:Choice xmlns:v="urn:schemas-microsoft-com:vml" Requires="v">
-                <p:oleObj spid="_x0000_s1122" name="方程式" r:id="rId5" imgW="152280" imgH="139680" progId="Equation.3">
+                <p:oleObj spid="_x0000_s1124" name="方程式" r:id="rId5" imgW="152280" imgH="139680" progId="Equation.3">
                   <p:embed/>
                 </p:oleObj>
               </mc:Choice>
@@ -9946,11 +9566,11 @@
                   <a:buAutoNum type="arabicPeriod"/>
                 </a:pPr>
                 <a:r>
-                  <a:rPr lang="zh-CN" altLang="en-US" sz="2400" dirty="0" smtClean="0"/>
+                  <a:rPr lang="zh-CN" altLang="en-US" sz="2400" dirty="0"/>
                   <a:t>初始化</a:t>
                 </a:r>
                 <a:r>
-                  <a:rPr lang="en-US" altLang="zh-CN" sz="2400" dirty="0" smtClean="0"/>
+                  <a:rPr lang="en-US" altLang="zh-CN" sz="2400" dirty="0"/>
                   <a:t>w</a:t>
                 </a:r>
               </a:p>
@@ -9963,7 +9583,7 @@
                   <a:rPr lang="zh-CN" altLang="en-US" sz="2400" dirty="0"/>
                   <a:t>重复</a:t>
                 </a:r>
-                <a:endParaRPr lang="en-US" altLang="zh-CN" sz="2400" dirty="0" smtClean="0"/>
+                <a:endParaRPr lang="en-US" altLang="zh-CN" sz="2400" dirty="0"/>
               </a:p>
               <a:p>
                 <a:pPr marL="914400" lvl="1" indent="-457200">
@@ -9971,11 +9591,11 @@
                   <a:buAutoNum type="arabicPeriod"/>
                 </a:pPr>
                 <a:r>
-                  <a:rPr lang="zh-CN" altLang="en-US" sz="2400" dirty="0" smtClean="0"/>
+                  <a:rPr lang="zh-CN" altLang="en-US" sz="2400" dirty="0"/>
                   <a:t>计算梯度</a:t>
                 </a:r>
                 <a:r>
-                  <a:rPr lang="en-US" altLang="zh-TW" sz="2400" dirty="0" smtClean="0"/>
+                  <a:rPr lang="en-US" altLang="zh-TW" sz="2400" dirty="0"/>
                   <a:t> </a:t>
                 </a:r>
                 <a14:m>
@@ -10028,7 +9648,7 @@
                   <a:buAutoNum type="arabicPeriod"/>
                 </a:pPr>
                 <a:r>
-                  <a:rPr lang="zh-CN" altLang="en-US" sz="2400" dirty="0" smtClean="0"/>
+                  <a:rPr lang="zh-CN" altLang="en-US" sz="2400" dirty="0"/>
                   <a:t>更新参数</a:t>
                 </a:r>
                 <a14:m>
@@ -10855,20 +10475,12 @@
               <a:lstStyle/>
               <a:p>
                 <a:r>
-                  <a:rPr lang="zh-CN" altLang="en-US" dirty="0" smtClean="0">
-                    <a:solidFill>
-                      <a:srgbClr val="FF0000"/>
-                    </a:solidFill>
-                  </a:rPr>
-                  <a:t>梯度</a:t>
-                </a:r>
-                <a:r>
                   <a:rPr lang="zh-CN" altLang="en-US" dirty="0">
                     <a:solidFill>
                       <a:srgbClr val="FF0000"/>
                     </a:solidFill>
                   </a:rPr>
-                  <a:t>：</a:t>
+                  <a:t>梯度：</a:t>
                 </a:r>
                 <a14:m>
                   <m:oMath xmlns:m="http://schemas.openxmlformats.org/officeDocument/2006/math">
@@ -11972,10 +11584,9 @@
           <a:lstStyle/>
           <a:p>
             <a:r>
-              <a:rPr lang="zh-CN" altLang="en-US" dirty="0" smtClean="0"/>
+              <a:rPr lang="zh-CN" altLang="en-US" dirty="0"/>
               <a:t>如何计算梯度？</a:t>
             </a:r>
-            <a:endParaRPr lang="zh-CN" altLang="en-US" dirty="0"/>
           </a:p>
         </p:txBody>
       </p:sp>
@@ -11995,18 +11606,18 @@
           <a:lstStyle/>
           <a:p>
             <a:r>
-              <a:rPr lang="zh-CN" altLang="en-US" dirty="0" smtClean="0"/>
+              <a:rPr lang="zh-CN" altLang="en-US" dirty="0"/>
               <a:t>神经网络为一个复杂的复合函数</a:t>
             </a:r>
-            <a:endParaRPr lang="en-US" altLang="zh-CN" dirty="0" smtClean="0"/>
+            <a:endParaRPr lang="en-US" altLang="zh-CN" dirty="0"/>
           </a:p>
           <a:p>
             <a:pPr lvl="1"/>
             <a:r>
-              <a:rPr lang="zh-CN" altLang="en-US" dirty="0" smtClean="0"/>
+              <a:rPr lang="zh-CN" altLang="en-US" dirty="0"/>
               <a:t>链式法则</a:t>
             </a:r>
-            <a:endParaRPr lang="en-US" altLang="zh-CN" dirty="0" smtClean="0"/>
+            <a:endParaRPr lang="en-US" altLang="zh-CN" dirty="0"/>
           </a:p>
           <a:p>
             <a:pPr marL="0" indent="0">
@@ -12015,38 +11626,38 @@
             <a:endParaRPr lang="en-US" altLang="zh-CN" dirty="0"/>
           </a:p>
           <a:p>
-            <a:endParaRPr lang="en-US" altLang="zh-CN" dirty="0" smtClean="0"/>
-          </a:p>
-          <a:p>
-            <a:r>
-              <a:rPr lang="zh-CN" altLang="en-US" dirty="0" smtClean="0"/>
+            <a:endParaRPr lang="en-US" altLang="zh-CN" dirty="0"/>
+          </a:p>
+          <a:p>
+            <a:r>
+              <a:rPr lang="zh-CN" altLang="en-US" dirty="0"/>
               <a:t>反向传播算法</a:t>
             </a:r>
-            <a:endParaRPr lang="en-US" altLang="zh-CN" dirty="0" smtClean="0"/>
+            <a:endParaRPr lang="en-US" altLang="zh-CN" dirty="0"/>
           </a:p>
           <a:p>
             <a:pPr lvl="1"/>
             <a:r>
-              <a:rPr lang="zh-CN" altLang="en-US" dirty="0" smtClean="0"/>
+              <a:rPr lang="zh-CN" altLang="en-US" dirty="0"/>
               <a:t>根据前馈网络的特点而设计的高效方法</a:t>
             </a:r>
-            <a:endParaRPr lang="en-US" altLang="zh-CN" dirty="0" smtClean="0"/>
+            <a:endParaRPr lang="en-US" altLang="zh-CN" dirty="0"/>
           </a:p>
           <a:p>
             <a:pPr lvl="1"/>
             <a:r>
-              <a:rPr lang="zh-CN" altLang="en-US" dirty="0" smtClean="0"/>
+              <a:rPr lang="zh-CN" altLang="en-US" dirty="0"/>
               <a:t>略，详见</a:t>
             </a:r>
             <a:r>
-              <a:rPr lang="en-US" altLang="zh-CN" dirty="0" smtClean="0"/>
+              <a:rPr lang="en-US" altLang="zh-CN" dirty="0"/>
               <a:t>4.4</a:t>
             </a:r>
             <a:r>
-              <a:rPr lang="zh-CN" altLang="en-US" dirty="0" smtClean="0"/>
+              <a:rPr lang="zh-CN" altLang="en-US" dirty="0"/>
               <a:t>节</a:t>
             </a:r>
-            <a:endParaRPr lang="en-US" altLang="zh-CN" dirty="0" smtClean="0"/>
+            <a:endParaRPr lang="en-US" altLang="zh-CN" dirty="0"/>
           </a:p>
           <a:p>
             <a:pPr lvl="1"/>
@@ -12054,20 +11665,16 @@
           </a:p>
           <a:p>
             <a:r>
-              <a:rPr lang="zh-CN" altLang="en-US" dirty="0" smtClean="0"/>
+              <a:rPr lang="zh-CN" altLang="en-US" dirty="0"/>
               <a:t>一个更加通用的计算方法</a:t>
             </a:r>
-            <a:endParaRPr lang="en-US" altLang="zh-CN" dirty="0" smtClean="0"/>
+            <a:endParaRPr lang="en-US" altLang="zh-CN" dirty="0"/>
           </a:p>
           <a:p>
             <a:pPr lvl="1"/>
             <a:r>
-              <a:rPr lang="zh-CN" altLang="en-US" dirty="0" smtClean="0"/>
-              <a:t>自动</a:t>
-            </a:r>
-            <a:r>
               <a:rPr lang="zh-CN" altLang="en-US" dirty="0"/>
-              <a:t>微分（</a:t>
+              <a:t>自动微分（</a:t>
             </a:r>
             <a:r>
               <a:rPr lang="en-US" altLang="zh-CN" dirty="0"/>
@@ -12088,8 +11695,8 @@
           </a:p>
         </p:txBody>
       </p:sp>
-      <mc:AlternateContent xmlns:mc="http://schemas.openxmlformats.org/markup-compatibility/2006">
-        <mc:Choice xmlns:a14="http://schemas.microsoft.com/office/drawing/2010/main" Requires="a14">
+      <mc:AlternateContent xmlns:mc="http://schemas.openxmlformats.org/markup-compatibility/2006" xmlns:a14="http://schemas.microsoft.com/office/drawing/2010/main">
+        <mc:Choice Requires="a14">
           <p:sp>
             <p:nvSpPr>
               <p:cNvPr id="4" name="文本框 3"/>
@@ -12313,7 +11920,7 @@
                   </m:oMath>
                 </a14:m>
                 <a:r>
-                  <a:rPr lang="zh-CN" altLang="en-US" sz="2400" dirty="0" smtClean="0">
+                  <a:rPr lang="zh-CN" altLang="en-US" sz="2400" dirty="0">
                     <a:solidFill>
                       <a:srgbClr val="FF0000"/>
                     </a:solidFill>
@@ -12329,7 +11936,7 @@
                   <a:t>→</a:t>
                 </a:r>
                 <a:r>
-                  <a:rPr lang="zh-CN" altLang="en-US" sz="2400" dirty="0" smtClean="0">
+                  <a:rPr lang="zh-CN" altLang="en-US" sz="2400" dirty="0">
                     <a:solidFill>
                       <a:srgbClr val="FF0000"/>
                     </a:solidFill>
@@ -12774,7 +12381,7 @@
             </p:txBody>
           </p:sp>
         </mc:Choice>
-        <mc:Fallback>
+        <mc:Fallback xmlns="">
           <p:sp>
             <p:nvSpPr>
               <p:cNvPr id="4" name="文本框 3"/>
@@ -13140,10 +12747,9 @@
           <a:lstStyle/>
           <a:p>
             <a:r>
-              <a:rPr lang="zh-CN" altLang="en-US" dirty="0" smtClean="0"/>
+              <a:rPr lang="zh-CN" altLang="en-US" dirty="0"/>
               <a:t>生物神经元</a:t>
             </a:r>
-            <a:endParaRPr lang="zh-CN" altLang="en-US" dirty="0"/>
           </a:p>
         </p:txBody>
       </p:sp>
@@ -13199,23 +12805,7 @@
           <a:p>
             <a:r>
               <a:rPr lang="zh-CN" altLang="en-US" sz="2800" dirty="0"/>
-              <a:t>单个</a:t>
-            </a:r>
-            <a:r>
-              <a:rPr lang="zh-CN" altLang="en-US" sz="2800" dirty="0" smtClean="0"/>
-              <a:t>神经细胞只有</a:t>
-            </a:r>
-            <a:r>
-              <a:rPr lang="zh-CN" altLang="en-US" sz="2800" dirty="0"/>
-              <a:t>两种</a:t>
-            </a:r>
-            <a:r>
-              <a:rPr lang="zh-CN" altLang="en-US" sz="2800" dirty="0" smtClean="0"/>
-              <a:t>状态：兴奋</a:t>
-            </a:r>
-            <a:r>
-              <a:rPr lang="zh-CN" altLang="en-US" sz="2800" dirty="0"/>
-              <a:t>和抑制</a:t>
+              <a:t>单个神经细胞只有两种状态：兴奋和抑制</a:t>
             </a:r>
           </a:p>
         </p:txBody>
@@ -13242,7 +12832,7 @@
           <a:lstStyle/>
           <a:p>
             <a:r>
-              <a:rPr lang="en-US" altLang="zh-CN" dirty="0" smtClean="0">
+              <a:rPr lang="en-US" altLang="zh-CN" dirty="0">
                 <a:hlinkClick r:id="rId4" action="ppaction://hlinkfile"/>
               </a:rPr>
               <a:t>video:</a:t>
@@ -13251,19 +12841,7 @@
               <a:rPr lang="zh-CN" altLang="en-US" dirty="0">
                 <a:hlinkClick r:id="rId4" action="ppaction://hlinkfile"/>
               </a:rPr>
-              <a:t> </a:t>
-            </a:r>
-            <a:r>
-              <a:rPr lang="zh-CN" altLang="en-US" dirty="0" smtClean="0">
-                <a:hlinkClick r:id="rId4" action="ppaction://hlinkfile"/>
-              </a:rPr>
-              <a:t>structure </a:t>
-            </a:r>
-            <a:r>
-              <a:rPr lang="zh-CN" altLang="en-US" dirty="0">
-                <a:hlinkClick r:id="rId4" action="ppaction://hlinkfile"/>
-              </a:rPr>
-              <a:t>of brain</a:t>
+              <a:t> structure of brain</a:t>
             </a:r>
             <a:endParaRPr lang="zh-CN" altLang="en-US" dirty="0"/>
           </a:p>
@@ -13279,13 +12857,6 @@
   <p:clrMapOvr>
     <a:masterClrMapping/>
   </p:clrMapOvr>
-  <p:timing>
-    <p:tnLst>
-      <p:par>
-        <p:cTn id="1" dur="indefinite" restart="never" nodeType="tmRoot"/>
-      </p:par>
-    </p:tnLst>
-  </p:timing>
 </p:sld>
 </file>
 
@@ -13323,13 +12894,8 @@
           <a:p>
             <a:r>
               <a:rPr lang="zh-CN" altLang="en-US" dirty="0"/>
-              <a:t>自动</a:t>
-            </a:r>
-            <a:r>
-              <a:rPr lang="zh-CN" altLang="en-US" dirty="0" smtClean="0"/>
-              <a:t>微分与计算图</a:t>
-            </a:r>
-            <a:endParaRPr lang="zh-CN" altLang="en-US" dirty="0"/>
+              <a:t>自动微分与计算图</a:t>
+            </a:r>
           </a:p>
         </p:txBody>
       </p:sp>
@@ -13350,23 +12916,19 @@
           <a:p>
             <a:r>
               <a:rPr lang="zh-CN" altLang="en-US" dirty="0"/>
-              <a:t>自动微分也是利用链式法则来自动计算一个复合函数的梯度</a:t>
-            </a:r>
-            <a:r>
-              <a:rPr lang="zh-CN" altLang="en-US" dirty="0" smtClean="0"/>
-              <a:t>。</a:t>
-            </a:r>
-            <a:endParaRPr lang="en-US" altLang="zh-CN" dirty="0" smtClean="0"/>
-          </a:p>
-          <a:p>
+              <a:t>自动微分也是利用链式法则来自动计算一个复合函数的梯度。</a:t>
+            </a:r>
             <a:endParaRPr lang="en-US" altLang="zh-CN" dirty="0"/>
           </a:p>
           <a:p>
-            <a:endParaRPr lang="en-US" altLang="zh-CN" dirty="0" smtClean="0"/>
-          </a:p>
-          <a:p>
-            <a:r>
-              <a:rPr lang="zh-CN" altLang="en-US" dirty="0" smtClean="0"/>
+            <a:endParaRPr lang="en-US" altLang="zh-CN" dirty="0"/>
+          </a:p>
+          <a:p>
+            <a:endParaRPr lang="en-US" altLang="zh-CN" dirty="0"/>
+          </a:p>
+          <a:p>
+            <a:r>
+              <a:rPr lang="zh-CN" altLang="en-US" dirty="0"/>
               <a:t>计算图</a:t>
             </a:r>
             <a:endParaRPr lang="en-US" altLang="zh-CN" dirty="0"/>
@@ -13443,13 +13005,6 @@
   <p:clrMapOvr>
     <a:masterClrMapping/>
   </p:clrMapOvr>
-  <p:timing>
-    <p:tnLst>
-      <p:par>
-        <p:cTn id="1" dur="indefinite" restart="never" nodeType="tmRoot"/>
-      </p:par>
-    </p:tnLst>
-  </p:timing>
 </p:sld>
 </file>
 
@@ -13486,10 +13041,9 @@
           <a:lstStyle/>
           <a:p>
             <a:r>
-              <a:rPr lang="zh-CN" altLang="en-US" dirty="0" smtClean="0"/>
+              <a:rPr lang="zh-CN" altLang="en-US" dirty="0"/>
               <a:t>计算图</a:t>
             </a:r>
-            <a:endParaRPr lang="zh-CN" altLang="en-US" dirty="0"/>
           </a:p>
         </p:txBody>
       </p:sp>
@@ -13630,13 +13184,6 @@
   <p:clrMapOvr>
     <a:masterClrMapping/>
   </p:clrMapOvr>
-  <p:timing>
-    <p:tnLst>
-      <p:par>
-        <p:cTn id="1" dur="indefinite" restart="never" nodeType="tmRoot"/>
-      </p:par>
-    </p:tnLst>
-  </p:timing>
 </p:sld>
 </file>
 
@@ -13673,7 +13220,7 @@
           <a:lstStyle/>
           <a:p>
             <a:r>
-              <a:rPr lang="zh-CN" altLang="en-US" smtClean="0"/>
+              <a:rPr lang="zh-CN" altLang="en-US"/>
               <a:t>自动微分</a:t>
             </a:r>
             <a:endParaRPr lang="zh-CN" altLang="en-US" dirty="0"/>
@@ -13704,20 +13251,19 @@
           <a:p>
             <a:pPr lvl="1"/>
             <a:r>
-              <a:rPr lang="zh-CN" altLang="en-US" dirty="0" smtClean="0"/>
+              <a:rPr lang="zh-CN" altLang="en-US" dirty="0"/>
               <a:t>反向模式和反向传播的计算梯度的方式相同</a:t>
             </a:r>
-            <a:endParaRPr lang="en-US" altLang="zh-CN" dirty="0" smtClean="0"/>
-          </a:p>
-          <a:p>
-            <a:endParaRPr lang="en-US" altLang="zh-CN" dirty="0" smtClean="0"/>
-          </a:p>
-          <a:p>
-            <a:r>
-              <a:rPr lang="zh-CN" altLang="en-US" dirty="0" smtClean="0"/>
+            <a:endParaRPr lang="en-US" altLang="zh-CN" dirty="0"/>
+          </a:p>
+          <a:p>
+            <a:endParaRPr lang="en-US" altLang="zh-CN" dirty="0"/>
+          </a:p>
+          <a:p>
+            <a:r>
+              <a:rPr lang="zh-CN" altLang="en-US" dirty="0"/>
               <a:t>如果函数和参数之间有多条路径，可以将这多条路径上的导数再进行相加，得到最终的梯度。</a:t>
             </a:r>
-            <a:endParaRPr lang="zh-CN" altLang="en-US" dirty="0"/>
           </a:p>
         </p:txBody>
       </p:sp>
@@ -13731,13 +13277,6 @@
   <p:clrMapOvr>
     <a:masterClrMapping/>
   </p:clrMapOvr>
-  <p:timing>
-    <p:tnLst>
-      <p:par>
-        <p:cTn id="1" dur="indefinite" restart="never" nodeType="tmRoot"/>
-      </p:par>
-    </p:tnLst>
-  </p:timing>
 </p:sld>
 </file>
 
@@ -13774,22 +13313,17 @@
           <a:lstStyle/>
           <a:p>
             <a:r>
-              <a:rPr lang="zh-CN" altLang="en-US" dirty="0" smtClean="0"/>
+              <a:rPr lang="zh-CN" altLang="en-US" dirty="0"/>
               <a:t>反向传播算法 </a:t>
             </a:r>
             <a:r>
-              <a:rPr lang="en-US" altLang="zh-CN" dirty="0" smtClean="0"/>
+              <a:rPr lang="en-US" altLang="zh-CN" dirty="0"/>
               <a:t>(</a:t>
             </a:r>
             <a:r>
               <a:rPr lang="zh-CN" altLang="en-US" dirty="0"/>
-              <a:t>自动</a:t>
-            </a:r>
-            <a:r>
-              <a:rPr lang="zh-CN" altLang="en-US" dirty="0" smtClean="0"/>
-              <a:t>微分的反向模式）</a:t>
-            </a:r>
-            <a:endParaRPr lang="zh-CN" altLang="en-US" dirty="0"/>
+              <a:t>自动微分的反向模式）</a:t>
+            </a:r>
           </a:p>
         </p:txBody>
       </p:sp>
@@ -13809,14 +13343,14 @@
           <a:lstStyle/>
           <a:p>
             <a:r>
-              <a:rPr lang="zh-CN" altLang="en-US" sz="3200" dirty="0" smtClean="0"/>
+              <a:rPr lang="zh-CN" altLang="en-US" sz="3200" dirty="0"/>
               <a:t>前馈神经网络的训练过程可以分为以下三步</a:t>
             </a:r>
           </a:p>
           <a:p>
             <a:pPr lvl="1"/>
             <a:r>
-              <a:rPr lang="zh-CN" altLang="en-US" sz="2800" dirty="0" smtClean="0">
+              <a:rPr lang="zh-CN" altLang="en-US" sz="2800" dirty="0">
                 <a:solidFill>
                   <a:srgbClr val="FF0000"/>
                 </a:solidFill>
@@ -13824,14 +13358,14 @@
               <a:t>前向计算</a:t>
             </a:r>
             <a:r>
-              <a:rPr lang="zh-CN" altLang="en-US" sz="2800" dirty="0" smtClean="0"/>
+              <a:rPr lang="zh-CN" altLang="en-US" sz="2800" dirty="0"/>
               <a:t>每一层的状态和激活值，直到最后一层</a:t>
             </a:r>
           </a:p>
           <a:p>
             <a:pPr lvl="1"/>
             <a:r>
-              <a:rPr lang="zh-CN" altLang="en-US" sz="2800" dirty="0" smtClean="0">
+              <a:rPr lang="zh-CN" altLang="en-US" sz="2800" dirty="0">
                 <a:solidFill>
                   <a:srgbClr val="FF0000"/>
                 </a:solidFill>
@@ -13839,26 +13373,21 @@
               <a:t>反向计算</a:t>
             </a:r>
             <a:r>
-              <a:rPr lang="zh-CN" altLang="en-US" sz="2800" dirty="0" smtClean="0"/>
+              <a:rPr lang="zh-CN" altLang="en-US" sz="2800" dirty="0"/>
               <a:t>每一层的参数的偏导数</a:t>
             </a:r>
-            <a:endParaRPr lang="en-US" altLang="zh-CN" sz="2800" dirty="0" smtClean="0"/>
+            <a:endParaRPr lang="en-US" altLang="zh-CN" sz="2800" dirty="0"/>
           </a:p>
           <a:p>
             <a:pPr lvl="1"/>
             <a:r>
-              <a:rPr lang="zh-CN" altLang="en-US" sz="2800" dirty="0" smtClean="0">
+              <a:rPr lang="zh-CN" altLang="en-US" sz="2800" dirty="0">
                 <a:solidFill>
                   <a:srgbClr val="FF0000"/>
                 </a:solidFill>
               </a:rPr>
               <a:t>更新参数</a:t>
             </a:r>
-            <a:endParaRPr lang="zh-CN" altLang="en-US" sz="2800" dirty="0">
-              <a:solidFill>
-                <a:srgbClr val="FF0000"/>
-              </a:solidFill>
-            </a:endParaRPr>
           </a:p>
         </p:txBody>
       </p:sp>
@@ -13872,13 +13401,6 @@
   <p:clrMapOvr>
     <a:masterClrMapping/>
   </p:clrMapOvr>
-  <p:timing>
-    <p:tnLst>
-      <p:par>
-        <p:cTn id="1" dur="indefinite" restart="never" nodeType="tmRoot"/>
-      </p:par>
-    </p:tnLst>
-  </p:timing>
 </p:sld>
 </file>
 
@@ -13938,13 +13460,9 @@
           <a:p>
             <a:r>
               <a:rPr lang="zh-CN" altLang="en-US" sz="2800" dirty="0"/>
-              <a:t>静态计算图是在编译时构建计算图，计算图构建好之后在程序运行时不能</a:t>
-            </a:r>
-            <a:r>
-              <a:rPr lang="zh-CN" altLang="en-US" sz="2800" dirty="0" smtClean="0"/>
-              <a:t>改变。</a:t>
-            </a:r>
-            <a:endParaRPr lang="en-US" altLang="zh-CN" sz="2800" dirty="0" smtClean="0"/>
+              <a:t>静态计算图是在编译时构建计算图，计算图构建好之后在程序运行时不能改变。</a:t>
+            </a:r>
+            <a:endParaRPr lang="en-US" altLang="zh-CN" sz="2800" dirty="0"/>
           </a:p>
           <a:p>
             <a:pPr lvl="1"/>
@@ -13960,22 +13478,14 @@
               <a:rPr lang="en-US" altLang="zh-CN" sz="2000" dirty="0" err="1"/>
               <a:t>Tensorflow</a:t>
             </a:r>
-            <a:endParaRPr lang="en-US" altLang="zh-CN" sz="2000" dirty="0" smtClean="0"/>
-          </a:p>
-          <a:p>
-            <a:r>
-              <a:rPr lang="zh-CN" altLang="en-US" sz="2800" dirty="0" smtClean="0"/>
-              <a:t>动态</a:t>
-            </a:r>
+            <a:endParaRPr lang="en-US" altLang="zh-CN" sz="2000" dirty="0"/>
+          </a:p>
+          <a:p>
             <a:r>
               <a:rPr lang="zh-CN" altLang="en-US" sz="2800" dirty="0"/>
-              <a:t>计算图是在程序运行时动态构建。两种构建方式各有优缺点</a:t>
-            </a:r>
-            <a:r>
-              <a:rPr lang="zh-CN" altLang="en-US" sz="2800" dirty="0" smtClean="0"/>
-              <a:t>。</a:t>
-            </a:r>
-            <a:endParaRPr lang="en-US" altLang="zh-CN" sz="2800" dirty="0" smtClean="0"/>
+              <a:t>动态计算图是在程序运行时动态构建。两种构建方式各有优缺点。</a:t>
+            </a:r>
+            <a:endParaRPr lang="en-US" altLang="zh-CN" sz="2800" dirty="0"/>
           </a:p>
           <a:p>
             <a:pPr lvl="1"/>
@@ -13999,25 +13509,17 @@
               <a:rPr lang="en-US" altLang="zh-CN" sz="2000" dirty="0" err="1"/>
               <a:t>PyTorch</a:t>
             </a:r>
-            <a:endParaRPr lang="en-US" altLang="zh-CN" sz="2000" dirty="0" smtClean="0"/>
-          </a:p>
-          <a:p>
-            <a:endParaRPr lang="en-US" altLang="zh-CN" sz="2800" dirty="0" smtClean="0"/>
-          </a:p>
-          <a:p>
-            <a:r>
-              <a:rPr lang="zh-CN" altLang="en-US" sz="2800" dirty="0" smtClean="0"/>
-              <a:t>静态</a:t>
-            </a:r>
+            <a:endParaRPr lang="en-US" altLang="zh-CN" sz="2000" dirty="0"/>
+          </a:p>
+          <a:p>
+            <a:endParaRPr lang="en-US" altLang="zh-CN" sz="2800" dirty="0"/>
+          </a:p>
+          <a:p>
             <a:r>
               <a:rPr lang="zh-CN" altLang="en-US" sz="2800" dirty="0"/>
-              <a:t>计算图在构建时可以进行优化，并行能力强，但灵活性比较差低。动态计算图则不容易优化，当不同输入的网络结构不一致时，难以并行计算，但是灵活性比较高</a:t>
-            </a:r>
-            <a:r>
-              <a:rPr lang="zh-CN" altLang="en-US" sz="2800" dirty="0" smtClean="0"/>
-              <a:t>。</a:t>
-            </a:r>
-            <a:endParaRPr lang="en-US" altLang="zh-CN" sz="2800" dirty="0" smtClean="0"/>
+              <a:t>静态计算图在构建时可以进行优化，并行能力强，但灵活性比较差低。动态计算图则不容易优化，当不同输入的网络结构不一致时，难以并行计算，但是灵活性比较高。</a:t>
+            </a:r>
+            <a:endParaRPr lang="en-US" altLang="zh-CN" sz="2800" dirty="0"/>
           </a:p>
         </p:txBody>
       </p:sp>
@@ -14031,13 +13533,6 @@
   <p:clrMapOvr>
     <a:masterClrMapping/>
   </p:clrMapOvr>
-  <p:timing>
-    <p:tnLst>
-      <p:par>
-        <p:cTn id="1" dur="indefinite" restart="never" nodeType="tmRoot"/>
-      </p:par>
-    </p:tnLst>
-  </p:timing>
 </p:sld>
 </file>
 
@@ -14074,10 +13569,9 @@
           <a:lstStyle/>
           <a:p>
             <a:r>
-              <a:rPr lang="zh-CN" altLang="en-US" dirty="0" smtClean="0"/>
+              <a:rPr lang="zh-CN" altLang="en-US" dirty="0"/>
               <a:t>如何实现？</a:t>
             </a:r>
-            <a:endParaRPr lang="zh-CN" altLang="en-US" dirty="0"/>
           </a:p>
         </p:txBody>
       </p:sp>
@@ -14121,13 +13615,6 @@
   <p:clrMapOvr>
     <a:masterClrMapping/>
   </p:clrMapOvr>
-  <p:timing>
-    <p:tnLst>
-      <p:par>
-        <p:cTn id="1" dur="indefinite" restart="never" nodeType="tmRoot"/>
-      </p:par>
-    </p:tnLst>
-  </p:timing>
 </p:sld>
 </file>
 
@@ -14438,19 +13925,7 @@
               <a:rPr lang="en-US" altLang="zh-CN" sz="1600" dirty="0">
                 <a:latin typeface="Arial" panose="020B0604020202020204" pitchFamily="34" charset="0"/>
               </a:rPr>
-              <a:t>  </a:t>
-            </a:r>
-            <a:r>
-              <a:rPr lang="en-US" altLang="zh-CN" sz="1600" dirty="0" smtClean="0">
-                <a:latin typeface="Arial" panose="020B0604020202020204" pitchFamily="34" charset="0"/>
-              </a:rPr>
-              <a:t> optimizer</a:t>
-            </a:r>
-            <a:r>
-              <a:rPr lang="en-US" altLang="zh-CN" sz="1600" dirty="0">
-                <a:latin typeface="Arial" panose="020B0604020202020204" pitchFamily="34" charset="0"/>
-              </a:rPr>
-              <a:t>='</a:t>
+              <a:t>   optimizer='</a:t>
             </a:r>
             <a:r>
               <a:rPr lang="en-US" altLang="zh-CN" sz="1600" dirty="0" err="1">
@@ -14602,13 +14077,7 @@
               <a:rPr lang="en-US" altLang="zh-CN" sz="1600" dirty="0">
                 <a:latin typeface="Arial" panose="020B0604020202020204" pitchFamily="34" charset="0"/>
               </a:rPr>
-              <a:t>=32</a:t>
-            </a:r>
-            <a:r>
-              <a:rPr lang="en-US" altLang="zh-CN" sz="1600" dirty="0" smtClean="0">
-                <a:latin typeface="Arial" panose="020B0604020202020204" pitchFamily="34" charset="0"/>
-              </a:rPr>
-              <a:t>)</a:t>
+              <a:t>=32)</a:t>
             </a:r>
             <a:endParaRPr lang="zh-CN" altLang="en-US" sz="1600" dirty="0">
               <a:latin typeface="Arial" panose="020B0604020202020204" pitchFamily="34" charset="0"/>
@@ -14626,13 +14095,6 @@
   <p:clrMapOvr>
     <a:masterClrMapping/>
   </p:clrMapOvr>
-  <p:timing>
-    <p:tnLst>
-      <p:par>
-        <p:cTn id="1" dur="indefinite" restart="never" nodeType="tmRoot"/>
-      </p:par>
-    </p:tnLst>
-  </p:timing>
 </p:sld>
 </file>
 
@@ -14690,7 +14152,7 @@
           <a:lstStyle/>
           <a:p>
             <a:r>
-              <a:rPr lang="zh-CN" altLang="en-US" dirty="0" smtClean="0"/>
+              <a:rPr lang="zh-CN" altLang="en-US" dirty="0"/>
               <a:t>深度学习的三个步骤</a:t>
             </a:r>
             <a:endParaRPr lang="zh-TW" altLang="en-US" dirty="0"/>
@@ -14888,10 +14350,9 @@
           <a:lstStyle/>
           <a:p>
             <a:r>
-              <a:rPr lang="zh-CN" altLang="en-US" dirty="0" smtClean="0"/>
+              <a:rPr lang="zh-CN" altLang="en-US" dirty="0"/>
               <a:t>优化问题</a:t>
             </a:r>
-            <a:endParaRPr lang="zh-CN" altLang="en-US" dirty="0"/>
           </a:p>
         </p:txBody>
       </p:sp>
@@ -14911,66 +14372,65 @@
           <a:lstStyle/>
           <a:p>
             <a:r>
-              <a:rPr lang="zh-CN" altLang="en-US" dirty="0" smtClean="0"/>
+              <a:rPr lang="zh-CN" altLang="en-US" dirty="0"/>
               <a:t>难点</a:t>
             </a:r>
-            <a:endParaRPr lang="en-US" altLang="zh-CN" dirty="0" smtClean="0"/>
+            <a:endParaRPr lang="en-US" altLang="zh-CN" dirty="0"/>
           </a:p>
           <a:p>
             <a:pPr lvl="1"/>
             <a:r>
-              <a:rPr lang="zh-CN" altLang="en-US" dirty="0" smtClean="0"/>
+              <a:rPr lang="zh-CN" altLang="en-US" dirty="0"/>
               <a:t>参数过多，影响训练</a:t>
             </a:r>
           </a:p>
           <a:p>
             <a:pPr lvl="1"/>
             <a:r>
-              <a:rPr lang="zh-CN" altLang="en-US" dirty="0" smtClean="0"/>
+              <a:rPr lang="zh-CN" altLang="en-US" dirty="0"/>
               <a:t>非凸优化问题：即存在局部最优而非全局最优解，影响迭代</a:t>
             </a:r>
           </a:p>
           <a:p>
             <a:pPr lvl="1"/>
             <a:r>
-              <a:rPr lang="zh-CN" altLang="en-US" dirty="0" smtClean="0"/>
+              <a:rPr lang="zh-CN" altLang="en-US" dirty="0"/>
               <a:t>下层参数比较难调</a:t>
             </a:r>
           </a:p>
           <a:p>
             <a:pPr lvl="1"/>
             <a:r>
-              <a:rPr lang="zh-CN" altLang="en-US" dirty="0" smtClean="0"/>
+              <a:rPr lang="zh-CN" altLang="en-US" dirty="0"/>
               <a:t>参数解释起来比较困难</a:t>
             </a:r>
           </a:p>
           <a:p>
             <a:r>
-              <a:rPr lang="zh-CN" altLang="en-US" dirty="0" smtClean="0"/>
+              <a:rPr lang="zh-CN" altLang="en-US" dirty="0"/>
               <a:t>需求</a:t>
             </a:r>
           </a:p>
           <a:p>
             <a:pPr lvl="1"/>
             <a:r>
-              <a:rPr lang="zh-CN" altLang="en-US" dirty="0" smtClean="0"/>
+              <a:rPr lang="zh-CN" altLang="en-US" dirty="0"/>
               <a:t>计算资源要大</a:t>
             </a:r>
           </a:p>
           <a:p>
             <a:pPr lvl="1"/>
             <a:r>
-              <a:rPr lang="zh-CN" altLang="en-US" dirty="0" smtClean="0"/>
+              <a:rPr lang="zh-CN" altLang="en-US" dirty="0"/>
               <a:t>数据要多</a:t>
             </a:r>
           </a:p>
           <a:p>
             <a:pPr lvl="1"/>
             <a:r>
-              <a:rPr lang="zh-CN" altLang="en-US" dirty="0" smtClean="0"/>
+              <a:rPr lang="zh-CN" altLang="en-US" dirty="0"/>
               <a:t>算法效率要好：即收敛快</a:t>
             </a:r>
-            <a:endParaRPr lang="zh-CN" altLang="en-US" dirty="0"/>
           </a:p>
         </p:txBody>
       </p:sp>
@@ -14984,13 +14444,6 @@
   <p:clrMapOvr>
     <a:masterClrMapping/>
   </p:clrMapOvr>
-  <p:timing>
-    <p:tnLst>
-      <p:par>
-        <p:cTn id="1" dur="indefinite" restart="never" nodeType="tmRoot"/>
-      </p:par>
-    </p:tnLst>
-  </p:timing>
 </p:sld>
 </file>
 
@@ -15050,31 +14503,27 @@
           <a:p>
             <a:r>
               <a:rPr lang="zh-CN" altLang="en-US" dirty="0"/>
-              <a:t>非凸优化</a:t>
-            </a:r>
-            <a:r>
-              <a:rPr lang="zh-CN" altLang="en-US" dirty="0" smtClean="0"/>
-              <a:t>问题</a:t>
-            </a:r>
-            <a:endParaRPr lang="en-US" altLang="zh-CN" dirty="0" smtClean="0"/>
-          </a:p>
-          <a:p>
+              <a:t>非凸优化问题</a:t>
+            </a:r>
             <a:endParaRPr lang="en-US" altLang="zh-CN" dirty="0"/>
           </a:p>
           <a:p>
-            <a:endParaRPr lang="en-US" altLang="zh-CN" dirty="0" smtClean="0"/>
-          </a:p>
-          <a:p>
             <a:endParaRPr lang="en-US" altLang="zh-CN" dirty="0"/>
           </a:p>
           <a:p>
-            <a:endParaRPr lang="en-US" altLang="zh-CN" dirty="0" smtClean="0"/>
-          </a:p>
-          <a:p>
             <a:endParaRPr lang="en-US" altLang="zh-CN" dirty="0"/>
           </a:p>
           <a:p>
-            <a:endParaRPr lang="en-US" altLang="zh-CN" dirty="0" smtClean="0"/>
+            <a:endParaRPr lang="en-US" altLang="zh-CN" dirty="0"/>
+          </a:p>
+          <a:p>
+            <a:endParaRPr lang="en-US" altLang="zh-CN" dirty="0"/>
+          </a:p>
+          <a:p>
+            <a:endParaRPr lang="en-US" altLang="zh-CN" dirty="0"/>
+          </a:p>
+          <a:p>
+            <a:endParaRPr lang="en-US" altLang="zh-CN" dirty="0"/>
           </a:p>
         </p:txBody>
       </p:sp>
@@ -15118,13 +14567,6 @@
   <p:clrMapOvr>
     <a:masterClrMapping/>
   </p:clrMapOvr>
-  <p:timing>
-    <p:tnLst>
-      <p:par>
-        <p:cTn id="1" dur="indefinite" restart="never" nodeType="tmRoot"/>
-      </p:par>
-    </p:tnLst>
-  </p:timing>
 </p:sld>
 </file>
 
@@ -15161,10 +14603,9 @@
           <a:lstStyle/>
           <a:p>
             <a:r>
-              <a:rPr lang="zh-CN" altLang="en-US" dirty="0" smtClean="0"/>
+              <a:rPr lang="zh-CN" altLang="en-US" dirty="0"/>
               <a:t>人工神经元</a:t>
             </a:r>
-            <a:endParaRPr lang="zh-CN" altLang="en-US" dirty="0"/>
           </a:p>
         </p:txBody>
       </p:sp>
@@ -15207,13 +14648,6 @@
   <p:clrMapOvr>
     <a:masterClrMapping/>
   </p:clrMapOvr>
-  <p:timing>
-    <p:tnLst>
-      <p:par>
-        <p:cTn id="1" dur="indefinite" restart="never" nodeType="tmRoot"/>
-      </p:par>
-    </p:tnLst>
-  </p:timing>
 </p:sld>
 </file>
 
@@ -15273,21 +14707,17 @@
           <a:p>
             <a:r>
               <a:rPr lang="zh-CN" altLang="en-US" dirty="0"/>
-              <a:t>梯度消失</a:t>
-            </a:r>
-            <a:r>
-              <a:rPr lang="zh-CN" altLang="en-US" dirty="0" smtClean="0"/>
-              <a:t>问题（</a:t>
+              <a:t>梯度消失问题（</a:t>
             </a:r>
             <a:r>
               <a:rPr lang="en-US" altLang="zh-CN" dirty="0"/>
               <a:t>Vanishing Gradient Problem</a:t>
             </a:r>
             <a:r>
-              <a:rPr lang="zh-CN" altLang="en-US" dirty="0" smtClean="0"/>
+              <a:rPr lang="zh-CN" altLang="en-US" dirty="0"/>
               <a:t>）</a:t>
             </a:r>
-            <a:endParaRPr lang="en-US" altLang="zh-CN" sz="2000" i="1" dirty="0" smtClean="0">
+            <a:endParaRPr lang="en-US" altLang="zh-CN" sz="2000" i="1" dirty="0">
               <a:latin typeface="Cambria Math" panose="02040503050406030204" pitchFamily="18" charset="0"/>
             </a:endParaRPr>
           </a:p>
@@ -15329,8 +14759,8 @@
           </a:prstGeom>
         </p:spPr>
       </p:pic>
-      <mc:AlternateContent xmlns:mc="http://schemas.openxmlformats.org/markup-compatibility/2006">
-        <mc:Choice xmlns:a14="http://schemas.microsoft.com/office/drawing/2010/main" Requires="a14">
+      <mc:AlternateContent xmlns:mc="http://schemas.openxmlformats.org/markup-compatibility/2006" xmlns:a14="http://schemas.microsoft.com/office/drawing/2010/main">
+        <mc:Choice Requires="a14">
           <p:sp>
             <p:nvSpPr>
               <p:cNvPr id="7" name="文本框 6"/>
@@ -15497,20 +14927,21 @@
                   </m:oMath>
                 </a14:m>
                 <a:r>
-                  <a:rPr lang="zh-CN" altLang="en-US" sz="2800" dirty="0" smtClean="0"/>
+                  <a:rPr lang="zh-CN" altLang="en-US" sz="2800" dirty="0"/>
                   <a:t> </a:t>
                 </a:r>
-                <a:endParaRPr lang="en-US" altLang="zh-CN" sz="2800" dirty="0" smtClean="0"/>
+                <a:endParaRPr lang="en-US" altLang="zh-CN" sz="2800" dirty="0"/>
               </a:p>
               <a:p>
                 <a:pPr algn="ctr"/>
                 <a:r>
-                  <a:rPr lang="zh-CN" altLang="en-US" sz="2800" dirty="0" smtClean="0"/>
+                  <a:rPr lang="zh-CN" altLang="en-US" sz="2800" dirty="0"/>
                   <a:t> </a:t>
                 </a:r>
-                <a:endParaRPr lang="en-US" altLang="zh-CN" sz="2800" dirty="0" smtClean="0"/>
+                <a:endParaRPr lang="en-US" altLang="zh-CN" sz="2800" dirty="0"/>
               </a:p>
               <a:p>
+                <a:pPr/>
                 <a14:m>
                   <m:oMathPara xmlns:m="http://schemas.openxmlformats.org/officeDocument/2006/math">
                     <m:oMathParaPr>
@@ -15830,7 +15261,7 @@
             </p:txBody>
           </p:sp>
         </mc:Choice>
-        <mc:Fallback>
+        <mc:Fallback xmlns="">
           <p:sp>
             <p:nvSpPr>
               <p:cNvPr id="7" name="文本框 6"/>
@@ -15879,13 +15310,6 @@
   <p:clrMapOvr>
     <a:masterClrMapping/>
   </p:clrMapOvr>
-  <p:timing>
-    <p:tnLst>
-      <p:par>
-        <p:cTn id="1" dur="indefinite" restart="never" nodeType="tmRoot"/>
-      </p:par>
-    </p:tnLst>
-  </p:timing>
 </p:sld>
 </file>
 
@@ -15922,7 +15346,7 @@
           <a:lstStyle/>
           <a:p>
             <a:r>
-              <a:rPr lang="zh-CN" altLang="en-US" smtClean="0"/>
+              <a:rPr lang="zh-CN" altLang="en-US"/>
               <a:t>课后练习</a:t>
             </a:r>
             <a:endParaRPr lang="zh-CN" altLang="en-US" dirty="0"/>
@@ -15945,69 +15369,69 @@
           <a:lstStyle/>
           <a:p>
             <a:r>
-              <a:rPr lang="en-US" altLang="zh-CN" dirty="0" smtClean="0"/>
+              <a:rPr lang="en-US" altLang="zh-CN" dirty="0"/>
               <a:t>1. </a:t>
             </a:r>
             <a:r>
-              <a:rPr lang="zh-CN" altLang="en-US" dirty="0" smtClean="0"/>
+              <a:rPr lang="zh-CN" altLang="en-US" dirty="0"/>
               <a:t>实现</a:t>
             </a:r>
-            <a:endParaRPr lang="en-US" altLang="zh-CN" dirty="0" smtClean="0"/>
+            <a:endParaRPr lang="en-US" altLang="zh-CN" dirty="0"/>
           </a:p>
           <a:p>
             <a:pPr lvl="1"/>
             <a:r>
-              <a:rPr lang="zh-CN" altLang="en-US" dirty="0" smtClean="0"/>
+              <a:rPr lang="zh-CN" altLang="en-US" dirty="0"/>
               <a:t>使用</a:t>
             </a:r>
             <a:r>
-              <a:rPr lang="en-US" altLang="zh-CN" dirty="0" err="1" smtClean="0"/>
+              <a:rPr lang="en-US" altLang="zh-CN" dirty="0" err="1"/>
               <a:t>Numpy</a:t>
             </a:r>
             <a:r>
-              <a:rPr lang="zh-CN" altLang="en-US" dirty="0" smtClean="0"/>
+              <a:rPr lang="zh-CN" altLang="en-US" dirty="0"/>
               <a:t>实现前馈神经网络</a:t>
             </a:r>
-            <a:endParaRPr lang="en-US" altLang="zh-CN" dirty="0" smtClean="0"/>
-          </a:p>
-          <a:p>
-            <a:r>
-              <a:rPr lang="en-US" altLang="zh-CN" dirty="0" smtClean="0"/>
+            <a:endParaRPr lang="en-US" altLang="zh-CN" dirty="0"/>
+          </a:p>
+          <a:p>
+            <a:r>
+              <a:rPr lang="en-US" altLang="zh-CN" dirty="0"/>
               <a:t>2. </a:t>
             </a:r>
             <a:r>
-              <a:rPr lang="zh-CN" altLang="en-US" dirty="0" smtClean="0"/>
+              <a:rPr lang="zh-CN" altLang="en-US" dirty="0"/>
               <a:t>函数拟合</a:t>
             </a:r>
-            <a:endParaRPr lang="en-US" altLang="zh-CN" dirty="0" smtClean="0"/>
+            <a:endParaRPr lang="en-US" altLang="zh-CN" dirty="0"/>
           </a:p>
           <a:p>
             <a:pPr lvl="1"/>
             <a:r>
-              <a:rPr lang="zh-CN" altLang="en-US" dirty="0" smtClean="0"/>
+              <a:rPr lang="zh-CN" altLang="en-US" dirty="0"/>
               <a:t>理论和实验证明，一个两层的</a:t>
             </a:r>
             <a:r>
-              <a:rPr lang="en-US" altLang="zh-CN" dirty="0" err="1" smtClean="0"/>
+              <a:rPr lang="en-US" altLang="zh-CN" dirty="0" err="1"/>
               <a:t>ReLU</a:t>
             </a:r>
             <a:r>
-              <a:rPr lang="zh-CN" altLang="en-US" dirty="0" smtClean="0"/>
+              <a:rPr lang="zh-CN" altLang="en-US" dirty="0"/>
               <a:t>网络可以模拟任何函数</a:t>
             </a:r>
-            <a:endParaRPr lang="en-US" altLang="zh-CN" dirty="0" smtClean="0"/>
-          </a:p>
-          <a:p>
-            <a:endParaRPr lang="en-US" altLang="zh-CN" dirty="0" smtClean="0"/>
-          </a:p>
-          <a:p>
-            <a:r>
-              <a:rPr lang="en-US" altLang="zh-CN" sz="2400" dirty="0" smtClean="0">
+            <a:endParaRPr lang="en-US" altLang="zh-CN" dirty="0"/>
+          </a:p>
+          <a:p>
+            <a:endParaRPr lang="en-US" altLang="zh-CN" dirty="0"/>
+          </a:p>
+          <a:p>
+            <a:r>
+              <a:rPr lang="en-US" altLang="zh-CN" sz="2400" dirty="0">
                 <a:hlinkClick r:id="rId2"/>
               </a:rPr>
               <a:t>https://github.com/nndl/exercise/tree/master/for_chapter_4_%20simple%20neural%20network</a:t>
             </a:r>
-            <a:endParaRPr lang="en-US" altLang="zh-CN" sz="2400" dirty="0" smtClean="0"/>
+            <a:endParaRPr lang="en-US" altLang="zh-CN" sz="2400" dirty="0"/>
           </a:p>
           <a:p>
             <a:endParaRPr lang="zh-CN" altLang="en-US" dirty="0"/>
@@ -16024,13 +15448,6 @@
   <p:clrMapOvr>
     <a:masterClrMapping/>
   </p:clrMapOvr>
-  <p:timing>
-    <p:tnLst>
-      <p:par>
-        <p:cTn id="1" dur="indefinite" restart="never" nodeType="tmRoot"/>
-      </p:par>
-    </p:tnLst>
-  </p:timing>
 </p:sld>
 </file>
 
@@ -16089,21 +15506,6 @@
   <p:clrMapOvr>
     <a:masterClrMapping/>
   </p:clrMapOvr>
-  <mc:AlternateContent xmlns:mc="http://schemas.openxmlformats.org/markup-compatibility/2006" xmlns:p14="http://schemas.microsoft.com/office/powerpoint/2010/main">
-    <mc:Choice Requires="p14">
-      <p:transition spd="slow" p14:dur="2000"/>
-    </mc:Choice>
-    <mc:Fallback xmlns="">
-      <p:transition spd="slow"/>
-    </mc:Fallback>
-  </mc:AlternateContent>
-  <p:timing>
-    <p:tnLst>
-      <p:par>
-        <p:cTn id="1" dur="indefinite" restart="never" nodeType="tmRoot"/>
-      </p:par>
-    </p:tnLst>
-  </p:timing>
 </p:sld>
 </file>
 
@@ -16140,10 +15542,9 @@
           <a:lstStyle/>
           <a:p>
             <a:r>
-              <a:rPr lang="zh-CN" altLang="en-US" dirty="0" smtClean="0"/>
+              <a:rPr lang="zh-CN" altLang="en-US" dirty="0"/>
               <a:t>常见激活函数</a:t>
             </a:r>
-            <a:endParaRPr lang="zh-CN" altLang="en-US" dirty="0"/>
           </a:p>
         </p:txBody>
       </p:sp>
@@ -16247,13 +15648,6 @@
   <p:clrMapOvr>
     <a:masterClrMapping/>
   </p:clrMapOvr>
-  <p:timing>
-    <p:tnLst>
-      <p:par>
-        <p:cTn id="1" dur="indefinite" restart="never" nodeType="tmRoot"/>
-      </p:par>
-    </p:tnLst>
-  </p:timing>
 </p:sld>
 </file>
 
@@ -16486,13 +15880,6 @@
   <p:clrMapOvr>
     <a:masterClrMapping/>
   </p:clrMapOvr>
-  <p:timing>
-    <p:tnLst>
-      <p:par>
-        <p:cTn id="1" dur="indefinite" restart="never" nodeType="tmRoot"/>
-      </p:par>
-    </p:tnLst>
-  </p:timing>
 </p:sld>
 </file>
 
@@ -16575,13 +15962,6 @@
   <p:clrMapOvr>
     <a:masterClrMapping/>
   </p:clrMapOvr>
-  <p:timing>
-    <p:tnLst>
-      <p:par>
-        <p:cTn id="1" dur="indefinite" restart="never" nodeType="tmRoot"/>
-      </p:par>
-    </p:tnLst>
-  </p:timing>
 </p:sld>
 </file>
 
@@ -16618,10 +15998,9 @@
           <a:lstStyle/>
           <a:p>
             <a:r>
-              <a:rPr lang="zh-CN" altLang="en-US" dirty="0" smtClean="0"/>
+              <a:rPr lang="zh-CN" altLang="en-US" dirty="0"/>
               <a:t>人工神经网络</a:t>
             </a:r>
-            <a:endParaRPr lang="zh-CN" altLang="en-US" dirty="0"/>
           </a:p>
         </p:txBody>
       </p:sp>
@@ -16642,106 +16021,53 @@
           <a:p>
             <a:r>
               <a:rPr lang="zh-CN" altLang="en-US" dirty="0"/>
-              <a:t>人工神经网络主要由大量的神经元以及它们之间的有向连接构成。因此</a:t>
-            </a:r>
-            <a:r>
-              <a:rPr lang="zh-CN" altLang="en-US" dirty="0" smtClean="0"/>
-              <a:t>考虑</a:t>
-            </a:r>
+              <a:t>人工神经网络主要由大量的神经元以及它们之间的有向连接构成。因此考虑三方面：</a:t>
+            </a:r>
+            <a:endParaRPr lang="en-US" altLang="zh-CN" dirty="0"/>
+          </a:p>
+          <a:p>
+            <a:endParaRPr lang="zh-CN" altLang="en-US" dirty="0"/>
+          </a:p>
+          <a:p>
             <a:r>
               <a:rPr lang="zh-CN" altLang="en-US" dirty="0"/>
-              <a:t>三方面</a:t>
-            </a:r>
-            <a:r>
-              <a:rPr lang="zh-CN" altLang="en-US" dirty="0" smtClean="0"/>
-              <a:t>：</a:t>
-            </a:r>
-            <a:endParaRPr lang="en-US" altLang="zh-CN" dirty="0" smtClean="0"/>
-          </a:p>
-          <a:p>
-            <a:endParaRPr lang="zh-CN" altLang="en-US" dirty="0"/>
-          </a:p>
-          <a:p>
-            <a:r>
-              <a:rPr lang="zh-CN" altLang="en-US" dirty="0" smtClean="0"/>
-              <a:t>神经元</a:t>
-            </a:r>
+              <a:t>神经元的激活规则</a:t>
+            </a:r>
+            <a:endParaRPr lang="en-US" altLang="zh-CN" dirty="0"/>
+          </a:p>
+          <a:p>
+            <a:pPr lvl="1"/>
             <a:r>
               <a:rPr lang="zh-CN" altLang="en-US" dirty="0"/>
-              <a:t>的激活</a:t>
-            </a:r>
-            <a:r>
-              <a:rPr lang="zh-CN" altLang="en-US" dirty="0" smtClean="0"/>
-              <a:t>规则</a:t>
-            </a:r>
-            <a:endParaRPr lang="en-US" altLang="zh-CN" dirty="0" smtClean="0"/>
+              <a:t>主要是指神经元输入到输出之间的映射关系，一般为非线性函数。</a:t>
+            </a:r>
+          </a:p>
+          <a:p>
+            <a:r>
+              <a:rPr lang="zh-CN" altLang="en-US" dirty="0"/>
+              <a:t>网络的拓扑结构</a:t>
+            </a:r>
+            <a:endParaRPr lang="en-US" altLang="zh-CN" dirty="0"/>
           </a:p>
           <a:p>
             <a:pPr lvl="1"/>
             <a:r>
-              <a:rPr lang="zh-CN" altLang="en-US" dirty="0" smtClean="0"/>
-              <a:t>主要</a:t>
-            </a:r>
-            <a:r>
               <a:rPr lang="zh-CN" altLang="en-US" dirty="0"/>
-              <a:t>是指神经元输入到输出之间的映射关系，一般</a:t>
-            </a:r>
-            <a:r>
-              <a:rPr lang="zh-CN" altLang="en-US" dirty="0" smtClean="0"/>
-              <a:t>为非线性</a:t>
-            </a:r>
+              <a:t>不同神经元之间的连接关系。</a:t>
+            </a:r>
+          </a:p>
+          <a:p>
             <a:r>
               <a:rPr lang="zh-CN" altLang="en-US" dirty="0"/>
-              <a:t>函数。</a:t>
-            </a:r>
-          </a:p>
-          <a:p>
-            <a:r>
-              <a:rPr lang="zh-CN" altLang="en-US" dirty="0" smtClean="0"/>
-              <a:t>网络</a:t>
-            </a:r>
+              <a:t>学习算法</a:t>
+            </a:r>
+            <a:endParaRPr lang="en-US" altLang="zh-CN" dirty="0"/>
+          </a:p>
+          <a:p>
+            <a:pPr lvl="1"/>
             <a:r>
               <a:rPr lang="zh-CN" altLang="en-US" dirty="0"/>
-              <a:t>的</a:t>
-            </a:r>
-            <a:r>
-              <a:rPr lang="zh-CN" altLang="en-US" dirty="0" smtClean="0"/>
-              <a:t>拓扑结构</a:t>
-            </a:r>
-            <a:endParaRPr lang="en-US" altLang="zh-CN" dirty="0" smtClean="0"/>
-          </a:p>
-          <a:p>
-            <a:pPr lvl="1"/>
-            <a:r>
-              <a:rPr lang="zh-CN" altLang="en-US" dirty="0" smtClean="0"/>
-              <a:t>不同</a:t>
-            </a:r>
-            <a:r>
-              <a:rPr lang="zh-CN" altLang="en-US" dirty="0"/>
-              <a:t>神经元之间的连接关系</a:t>
-            </a:r>
-            <a:r>
-              <a:rPr lang="zh-CN" altLang="en-US" dirty="0" smtClean="0"/>
-              <a:t>。</a:t>
-            </a:r>
-            <a:endParaRPr lang="zh-CN" altLang="en-US" dirty="0"/>
-          </a:p>
-          <a:p>
-            <a:r>
-              <a:rPr lang="zh-CN" altLang="en-US" dirty="0" smtClean="0"/>
-              <a:t>学习算法</a:t>
-            </a:r>
-            <a:endParaRPr lang="en-US" altLang="zh-CN" dirty="0" smtClean="0"/>
-          </a:p>
-          <a:p>
-            <a:pPr lvl="1"/>
-            <a:r>
-              <a:rPr lang="zh-CN" altLang="en-US" dirty="0" smtClean="0"/>
-              <a:t>通过</a:t>
-            </a:r>
-            <a:r>
-              <a:rPr lang="zh-CN" altLang="en-US" dirty="0"/>
-              <a:t>训练数据来学习神经网络的参数。</a:t>
+              <a:t>通过训练数据来学习神经网络的参数。</a:t>
             </a:r>
           </a:p>
         </p:txBody>
@@ -16756,13 +16082,6 @@
   <p:clrMapOvr>
     <a:masterClrMapping/>
   </p:clrMapOvr>
-  <p:timing>
-    <p:tnLst>
-      <p:par>
-        <p:cTn id="1" dur="indefinite" restart="never" nodeType="tmRoot"/>
-      </p:par>
-    </p:tnLst>
-  </p:timing>
 </p:sld>
 </file>
 
@@ -16799,10 +16118,9 @@
           <a:lstStyle/>
           <a:p>
             <a:r>
-              <a:rPr lang="zh-CN" altLang="en-US" dirty="0" smtClean="0"/>
+              <a:rPr lang="zh-CN" altLang="en-US" dirty="0"/>
               <a:t>人工神经网络</a:t>
             </a:r>
-            <a:endParaRPr lang="zh-CN" altLang="en-US" dirty="0"/>
           </a:p>
         </p:txBody>
       </p:sp>
@@ -16822,7 +16140,7 @@
           <a:lstStyle/>
           <a:p>
             <a:r>
-              <a:rPr lang="zh-CN" altLang="en-US" smtClean="0"/>
+              <a:rPr lang="zh-CN" altLang="en-US"/>
               <a:t>人工神经网络由神经元模型构成，这种由许多神经元组成的信息处理网络具有并行分布结构。</a:t>
             </a:r>
             <a:endParaRPr lang="zh-CN" altLang="en-US" dirty="0"/>
@@ -16869,13 +16187,6 @@
   <p:clrMapOvr>
     <a:masterClrMapping/>
   </p:clrMapOvr>
-  <p:timing>
-    <p:tnLst>
-      <p:par>
-        <p:cTn id="1" dur="indefinite" restart="never" nodeType="tmRoot"/>
-      </p:par>
-    </p:tnLst>
-  </p:timing>
 </p:sld>
 </file>
 
@@ -16912,10 +16223,9 @@
           <a:lstStyle/>
           <a:p>
             <a:r>
-              <a:rPr lang="zh-CN" altLang="en-US" dirty="0" smtClean="0"/>
+              <a:rPr lang="zh-CN" altLang="en-US" dirty="0"/>
               <a:t>前馈神经网络</a:t>
             </a:r>
-            <a:endParaRPr lang="zh-CN" altLang="en-US" dirty="0"/>
           </a:p>
         </p:txBody>
       </p:sp>
@@ -16929,13 +16239,6 @@
   <p:clrMapOvr>
     <a:masterClrMapping/>
   </p:clrMapOvr>
-  <p:timing>
-    <p:tnLst>
-      <p:par>
-        <p:cTn id="1" dur="indefinite" restart="never" nodeType="tmRoot"/>
-      </p:par>
-    </p:tnLst>
-  </p:timing>
 </p:sld>
 </file>
 

--- a/ppt/chap-前馈神经网络.pptx
+++ b/ppt/chap-前馈神经网络.pptx
@@ -5,7 +5,7 @@
     <p:sldMasterId id="2147483756" r:id="rId1"/>
   </p:sldMasterIdLst>
   <p:notesMasterIdLst>
-    <p:notesMasterId r:id="rId34"/>
+    <p:notesMasterId r:id="rId35"/>
   </p:notesMasterIdLst>
   <p:sldIdLst>
     <p:sldId id="256" r:id="rId2"/>
@@ -13,33 +13,34 @@
     <p:sldId id="449" r:id="rId4"/>
     <p:sldId id="491" r:id="rId5"/>
     <p:sldId id="492" r:id="rId6"/>
-    <p:sldId id="463" r:id="rId7"/>
-    <p:sldId id="450" r:id="rId8"/>
-    <p:sldId id="451" r:id="rId9"/>
-    <p:sldId id="460" r:id="rId10"/>
-    <p:sldId id="464" r:id="rId11"/>
-    <p:sldId id="465" r:id="rId12"/>
-    <p:sldId id="466" r:id="rId13"/>
-    <p:sldId id="490" r:id="rId14"/>
-    <p:sldId id="483" r:id="rId15"/>
-    <p:sldId id="495" r:id="rId16"/>
-    <p:sldId id="468" r:id="rId17"/>
-    <p:sldId id="493" r:id="rId18"/>
-    <p:sldId id="469" r:id="rId19"/>
-    <p:sldId id="484" r:id="rId20"/>
-    <p:sldId id="485" r:id="rId21"/>
-    <p:sldId id="486" r:id="rId22"/>
-    <p:sldId id="487" r:id="rId23"/>
-    <p:sldId id="476" r:id="rId24"/>
-    <p:sldId id="488" r:id="rId25"/>
-    <p:sldId id="496" r:id="rId26"/>
-    <p:sldId id="497" r:id="rId27"/>
-    <p:sldId id="499" r:id="rId28"/>
-    <p:sldId id="494" r:id="rId29"/>
-    <p:sldId id="489" r:id="rId30"/>
-    <p:sldId id="477" r:id="rId31"/>
-    <p:sldId id="500" r:id="rId32"/>
-    <p:sldId id="447" r:id="rId33"/>
+    <p:sldId id="501" r:id="rId7"/>
+    <p:sldId id="463" r:id="rId8"/>
+    <p:sldId id="450" r:id="rId9"/>
+    <p:sldId id="451" r:id="rId10"/>
+    <p:sldId id="460" r:id="rId11"/>
+    <p:sldId id="464" r:id="rId12"/>
+    <p:sldId id="465" r:id="rId13"/>
+    <p:sldId id="466" r:id="rId14"/>
+    <p:sldId id="490" r:id="rId15"/>
+    <p:sldId id="483" r:id="rId16"/>
+    <p:sldId id="495" r:id="rId17"/>
+    <p:sldId id="468" r:id="rId18"/>
+    <p:sldId id="493" r:id="rId19"/>
+    <p:sldId id="469" r:id="rId20"/>
+    <p:sldId id="484" r:id="rId21"/>
+    <p:sldId id="485" r:id="rId22"/>
+    <p:sldId id="486" r:id="rId23"/>
+    <p:sldId id="487" r:id="rId24"/>
+    <p:sldId id="476" r:id="rId25"/>
+    <p:sldId id="488" r:id="rId26"/>
+    <p:sldId id="496" r:id="rId27"/>
+    <p:sldId id="497" r:id="rId28"/>
+    <p:sldId id="499" r:id="rId29"/>
+    <p:sldId id="494" r:id="rId30"/>
+    <p:sldId id="489" r:id="rId31"/>
+    <p:sldId id="477" r:id="rId32"/>
+    <p:sldId id="500" r:id="rId33"/>
+    <p:sldId id="447" r:id="rId34"/>
   </p:sldIdLst>
   <p:sldSz cx="9144000" cy="6858000" type="screen4x3"/>
   <p:notesSz cx="6858000" cy="9144000"/>
@@ -178,6 +179,7 @@
             <p14:sldId id="449"/>
             <p14:sldId id="491"/>
             <p14:sldId id="492"/>
+            <p14:sldId id="501"/>
             <p14:sldId id="463"/>
             <p14:sldId id="450"/>
             <p14:sldId id="451"/>
@@ -3634,7 +3636,7 @@
               <a:pPr>
                 <a:defRPr/>
               </a:pPr>
-              <a:t>11/28/2018</a:t>
+              <a:t>3/15/2019</a:t>
             </a:fld>
             <a:endParaRPr lang="en-US" altLang="zh-CN"/>
           </a:p>
@@ -4513,7 +4515,7 @@
               <a:pPr>
                 <a:defRPr/>
               </a:pPr>
-              <a:t>14</a:t>
+              <a:t>15</a:t>
             </a:fld>
             <a:endParaRPr lang="en-US" altLang="zh-CN"/>
           </a:p>
@@ -4686,7 +4688,7 @@
           <a:p>
             <a:fld id="{3F9096D2-8776-4F5C-A458-4FD37E7160D3}" type="slidenum">
               <a:rPr lang="zh-TW" altLang="en-US" smtClean="0"/>
-              <a:t>18</a:t>
+              <a:t>19</a:t>
             </a:fld>
             <a:endParaRPr lang="zh-TW" altLang="en-US"/>
           </a:p>
@@ -4770,7 +4772,7 @@
           <a:p>
             <a:fld id="{3F9096D2-8776-4F5C-A458-4FD37E7160D3}" type="slidenum">
               <a:rPr lang="zh-TW" altLang="en-US" smtClean="0"/>
-              <a:t>27</a:t>
+              <a:t>28</a:t>
             </a:fld>
             <a:endParaRPr lang="zh-TW" altLang="en-US"/>
           </a:p>
@@ -6572,14 +6574,14 @@
           </a:ln>
           <a:extLst>
             <a:ext uri="{909E8E84-426E-40dd-AFC4-6F175D3DCCD1}">
-              <a14:hiddenFill xmlns="" xmlns:a14="http://schemas.microsoft.com/office/drawing/2010/main">
+              <a14:hiddenFill xmlns:a14="http://schemas.microsoft.com/office/drawing/2010/main" xmlns="">
                 <a:solidFill>
                   <a:srgbClr val="FFFFFF"/>
                 </a:solidFill>
               </a14:hiddenFill>
             </a:ext>
             <a:ext uri="{91240B29-F687-4f45-9708-019B960494DF}">
-              <a14:hiddenLine xmlns="" xmlns:a14="http://schemas.microsoft.com/office/drawing/2010/main" w="9525">
+              <a14:hiddenLine xmlns:a14="http://schemas.microsoft.com/office/drawing/2010/main" xmlns="" w="9525">
                 <a:solidFill>
                   <a:srgbClr val="000000"/>
                 </a:solidFill>
@@ -6630,14 +6632,14 @@
           </a:ln>
           <a:extLst>
             <a:ext uri="{909E8E84-426E-40dd-AFC4-6F175D3DCCD1}">
-              <a14:hiddenFill xmlns="" xmlns:a14="http://schemas.microsoft.com/office/drawing/2010/main">
+              <a14:hiddenFill xmlns:a14="http://schemas.microsoft.com/office/drawing/2010/main" xmlns="">
                 <a:solidFill>
                   <a:srgbClr val="FFFFFF"/>
                 </a:solidFill>
               </a14:hiddenFill>
             </a:ext>
             <a:ext uri="{91240B29-F687-4f45-9708-019B960494DF}">
-              <a14:hiddenLine xmlns="" xmlns:a14="http://schemas.microsoft.com/office/drawing/2010/main" w="9525">
+              <a14:hiddenLine xmlns:a14="http://schemas.microsoft.com/office/drawing/2010/main" xmlns="" w="9525">
                 <a:solidFill>
                   <a:srgbClr val="000000"/>
                 </a:solidFill>
@@ -6720,7 +6722,7 @@
           </a:ln>
           <a:extLst>
             <a:ext uri="{909E8E84-426E-40dd-AFC4-6F175D3DCCD1}">
-              <a14:hiddenFill xmlns="" xmlns:a14="http://schemas.microsoft.com/office/drawing/2010/main">
+              <a14:hiddenFill xmlns:a14="http://schemas.microsoft.com/office/drawing/2010/main" xmlns="">
                 <a:noFill/>
               </a14:hiddenFill>
             </a:ext>
@@ -6762,7 +6764,7 @@
           </a:ln>
           <a:extLst>
             <a:ext uri="{909E8E84-426E-40dd-AFC4-6F175D3DCCD1}">
-              <a14:hiddenFill xmlns="" xmlns:a14="http://schemas.microsoft.com/office/drawing/2010/main">
+              <a14:hiddenFill xmlns:a14="http://schemas.microsoft.com/office/drawing/2010/main" xmlns="">
                 <a:noFill/>
               </a14:hiddenFill>
             </a:ext>
@@ -7573,6 +7575,58 @@
             <a:spLocks noGrp="1"/>
           </p:cNvSpPr>
           <p:nvPr>
+            <p:ph type="ctrTitle"/>
+          </p:nvPr>
+        </p:nvSpPr>
+        <p:spPr/>
+        <p:txBody>
+          <a:bodyPr/>
+          <a:lstStyle/>
+          <a:p>
+            <a:r>
+              <a:rPr lang="zh-CN" altLang="en-US" dirty="0"/>
+              <a:t>前馈神经网络</a:t>
+            </a:r>
+          </a:p>
+        </p:txBody>
+      </p:sp>
+    </p:spTree>
+    <p:extLst>
+      <p:ext uri="{BB962C8B-B14F-4D97-AF65-F5344CB8AC3E}">
+        <p14:creationId xmlns:p14="http://schemas.microsoft.com/office/powerpoint/2010/main" val="1837691702"/>
+      </p:ext>
+    </p:extLst>
+  </p:cSld>
+  <p:clrMapOvr>
+    <a:masterClrMapping/>
+  </p:clrMapOvr>
+</p:sld>
+</file>
+
+<file path=ppt/slides/slide11.xml><?xml version="1.0" encoding="utf-8"?>
+<p:sld xmlns:a="http://schemas.openxmlformats.org/drawingml/2006/main" xmlns:r="http://schemas.openxmlformats.org/officeDocument/2006/relationships" xmlns:p="http://schemas.openxmlformats.org/presentationml/2006/main">
+  <p:cSld>
+    <p:spTree>
+      <p:nvGrpSpPr>
+        <p:cNvPr id="1" name=""/>
+        <p:cNvGrpSpPr/>
+        <p:nvPr/>
+      </p:nvGrpSpPr>
+      <p:grpSpPr>
+        <a:xfrm>
+          <a:off x="0" y="0"/>
+          <a:ext cx="0" cy="0"/>
+          <a:chOff x="0" y="0"/>
+          <a:chExt cx="0" cy="0"/>
+        </a:xfrm>
+      </p:grpSpPr>
+      <p:sp>
+        <p:nvSpPr>
+          <p:cNvPr id="2" name="标题 1"/>
+          <p:cNvSpPr>
+            <a:spLocks noGrp="1"/>
+          </p:cNvSpPr>
+          <p:nvPr>
             <p:ph type="title"/>
           </p:nvPr>
         </p:nvSpPr>
@@ -7701,7 +7755,7 @@
 </p:sld>
 </file>
 
-<file path=ppt/slides/slide11.xml><?xml version="1.0" encoding="utf-8"?>
+<file path=ppt/slides/slide12.xml><?xml version="1.0" encoding="utf-8"?>
 <p:sld xmlns:a="http://schemas.openxmlformats.org/drawingml/2006/main" xmlns:r="http://schemas.openxmlformats.org/officeDocument/2006/relationships" xmlns:p="http://schemas.openxmlformats.org/presentationml/2006/main">
   <p:cSld>
     <p:spTree>
@@ -7805,7 +7859,7 @@
 </p:sld>
 </file>
 
-<file path=ppt/slides/slide12.xml><?xml version="1.0" encoding="utf-8"?>
+<file path=ppt/slides/slide13.xml><?xml version="1.0" encoding="utf-8"?>
 <p:sld xmlns:a="http://schemas.openxmlformats.org/drawingml/2006/main" xmlns:r="http://schemas.openxmlformats.org/officeDocument/2006/relationships" xmlns:p="http://schemas.openxmlformats.org/presentationml/2006/main">
   <p:cSld>
     <p:spTree>
@@ -7987,7 +8041,7 @@
 </p:sld>
 </file>
 
-<file path=ppt/slides/slide13.xml><?xml version="1.0" encoding="utf-8"?>
+<file path=ppt/slides/slide14.xml><?xml version="1.0" encoding="utf-8"?>
 <p:sld xmlns:a="http://schemas.openxmlformats.org/drawingml/2006/main" xmlns:r="http://schemas.openxmlformats.org/officeDocument/2006/relationships" xmlns:p="http://schemas.openxmlformats.org/presentationml/2006/main">
   <p:cSld>
     <p:spTree>
@@ -8069,7 +8123,7 @@
 </p:sld>
 </file>
 
-<file path=ppt/slides/slide14.xml><?xml version="1.0" encoding="utf-8"?>
+<file path=ppt/slides/slide15.xml><?xml version="1.0" encoding="utf-8"?>
 <p:sld xmlns:a="http://schemas.openxmlformats.org/drawingml/2006/main" xmlns:r="http://schemas.openxmlformats.org/officeDocument/2006/relationships" xmlns:p="http://schemas.openxmlformats.org/presentationml/2006/main">
   <p:cSld>
     <p:spTree>
@@ -8179,7 +8233,7 @@
 </p:sld>
 </file>
 
-<file path=ppt/slides/slide15.xml><?xml version="1.0" encoding="utf-8"?>
+<file path=ppt/slides/slide16.xml><?xml version="1.0" encoding="utf-8"?>
 <p:sld xmlns:a="http://schemas.openxmlformats.org/drawingml/2006/main" xmlns:r="http://schemas.openxmlformats.org/officeDocument/2006/relationships" xmlns:p="http://schemas.openxmlformats.org/presentationml/2006/main">
   <p:cSld>
     <p:spTree>
@@ -8564,7 +8618,7 @@
 </p:sld>
 </file>
 
-<file path=ppt/slides/slide16.xml><?xml version="1.0" encoding="utf-8"?>
+<file path=ppt/slides/slide17.xml><?xml version="1.0" encoding="utf-8"?>
 <p:sld xmlns:a="http://schemas.openxmlformats.org/drawingml/2006/main" xmlns:r="http://schemas.openxmlformats.org/officeDocument/2006/relationships" xmlns:p="http://schemas.openxmlformats.org/presentationml/2006/main">
   <p:cSld>
     <p:spTree>
@@ -8760,7 +8814,7 @@
 </p:sld>
 </file>
 
-<file path=ppt/slides/slide17.xml><?xml version="1.0" encoding="utf-8"?>
+<file path=ppt/slides/slide18.xml><?xml version="1.0" encoding="utf-8"?>
 <p:sld xmlns:a="http://schemas.openxmlformats.org/drawingml/2006/main" xmlns:r="http://schemas.openxmlformats.org/officeDocument/2006/relationships" xmlns:p="http://schemas.openxmlformats.org/presentationml/2006/main">
   <p:cSld>
     <p:spTree>
@@ -9243,7 +9297,7 @@
 </p:sld>
 </file>
 
-<file path=ppt/slides/slide18.xml><?xml version="1.0" encoding="utf-8"?>
+<file path=ppt/slides/slide19.xml><?xml version="1.0" encoding="utf-8"?>
 <p:sld xmlns:a="http://schemas.openxmlformats.org/drawingml/2006/main" xmlns:r="http://schemas.openxmlformats.org/officeDocument/2006/relationships" xmlns:p="http://schemas.openxmlformats.org/presentationml/2006/main">
   <p:cSld>
     <p:spTree>
@@ -9461,7 +9515,7 @@
           <a:graphicData uri="http://schemas.openxmlformats.org/presentationml/2006/ole">
             <mc:AlternateContent xmlns:mc="http://schemas.openxmlformats.org/markup-compatibility/2006">
               <mc:Choice xmlns:v="urn:schemas-microsoft-com:vml" Requires="v">
-                <p:oleObj spid="_x0000_s1124" name="方程式" r:id="rId5" imgW="152280" imgH="139680" progId="Equation.3">
+                <p:oleObj spid="_x0000_s1128" name="方程式" r:id="rId5" imgW="152280" imgH="139680" progId="Equation.3">
                   <p:embed/>
                 </p:oleObj>
               </mc:Choice>
@@ -11551,7 +11605,153 @@
 </p:sld>
 </file>
 
-<file path=ppt/slides/slide19.xml><?xml version="1.0" encoding="utf-8"?>
+<file path=ppt/slides/slide2.xml><?xml version="1.0" encoding="utf-8"?>
+<p:sld xmlns:a="http://schemas.openxmlformats.org/drawingml/2006/main" xmlns:r="http://schemas.openxmlformats.org/officeDocument/2006/relationships" xmlns:p="http://schemas.openxmlformats.org/presentationml/2006/main">
+  <p:cSld>
+    <p:spTree>
+      <p:nvGrpSpPr>
+        <p:cNvPr id="1" name=""/>
+        <p:cNvGrpSpPr/>
+        <p:nvPr/>
+      </p:nvGrpSpPr>
+      <p:grpSpPr>
+        <a:xfrm>
+          <a:off x="0" y="0"/>
+          <a:ext cx="0" cy="0"/>
+          <a:chOff x="0" y="0"/>
+          <a:chExt cx="0" cy="0"/>
+        </a:xfrm>
+      </p:grpSpPr>
+      <p:sp>
+        <p:nvSpPr>
+          <p:cNvPr id="2" name="标题 1"/>
+          <p:cNvSpPr>
+            <a:spLocks noGrp="1"/>
+          </p:cNvSpPr>
+          <p:nvPr>
+            <p:ph type="title"/>
+          </p:nvPr>
+        </p:nvSpPr>
+        <p:spPr/>
+        <p:txBody>
+          <a:bodyPr/>
+          <a:lstStyle/>
+          <a:p>
+            <a:r>
+              <a:rPr lang="zh-CN" altLang="en-US" dirty="0"/>
+              <a:t>生物神经元</a:t>
+            </a:r>
+          </a:p>
+        </p:txBody>
+      </p:sp>
+      <p:pic>
+        <p:nvPicPr>
+          <p:cNvPr id="4" name="内容占位符 3"/>
+          <p:cNvPicPr>
+            <a:picLocks noGrp="1" noChangeAspect="1"/>
+          </p:cNvPicPr>
+          <p:nvPr>
+            <p:ph sz="quarter" idx="1"/>
+          </p:nvPr>
+        </p:nvPicPr>
+        <p:blipFill>
+          <a:blip r:embed="rId3">
+            <a:extLst>
+              <a:ext uri="{28A0092B-C50C-407E-A947-70E740481C1C}">
+                <a14:useLocalDpi xmlns:a14="http://schemas.microsoft.com/office/drawing/2010/main"/>
+              </a:ext>
+            </a:extLst>
+          </a:blip>
+          <a:stretch>
+            <a:fillRect/>
+          </a:stretch>
+        </p:blipFill>
+        <p:spPr>
+          <a:xfrm>
+            <a:off x="741988" y="1219200"/>
+            <a:ext cx="7660024" cy="4937125"/>
+          </a:xfrm>
+        </p:spPr>
+      </p:pic>
+      <p:sp>
+        <p:nvSpPr>
+          <p:cNvPr id="5" name="矩形 4"/>
+          <p:cNvSpPr/>
+          <p:nvPr/>
+        </p:nvSpPr>
+        <p:spPr>
+          <a:xfrm>
+            <a:off x="4572000" y="4495800"/>
+            <a:ext cx="4114800" cy="954107"/>
+          </a:xfrm>
+          <a:prstGeom prst="rect">
+            <a:avLst/>
+          </a:prstGeom>
+        </p:spPr>
+        <p:txBody>
+          <a:bodyPr wrap="square">
+            <a:spAutoFit/>
+          </a:bodyPr>
+          <a:lstStyle/>
+          <a:p>
+            <a:r>
+              <a:rPr lang="zh-CN" altLang="en-US" sz="2800" dirty="0"/>
+              <a:t>单个神经细胞只有两种状态：兴奋和抑制</a:t>
+            </a:r>
+          </a:p>
+        </p:txBody>
+      </p:sp>
+      <p:sp>
+        <p:nvSpPr>
+          <p:cNvPr id="8" name="矩形 7"/>
+          <p:cNvSpPr/>
+          <p:nvPr/>
+        </p:nvSpPr>
+        <p:spPr>
+          <a:xfrm>
+            <a:off x="6248400" y="512782"/>
+            <a:ext cx="2595582" cy="369332"/>
+          </a:xfrm>
+          <a:prstGeom prst="rect">
+            <a:avLst/>
+          </a:prstGeom>
+        </p:spPr>
+        <p:txBody>
+          <a:bodyPr wrap="none">
+            <a:spAutoFit/>
+          </a:bodyPr>
+          <a:lstStyle/>
+          <a:p>
+            <a:r>
+              <a:rPr lang="en-US" altLang="zh-CN" dirty="0">
+                <a:hlinkClick r:id="rId4" action="ppaction://hlinkfile"/>
+              </a:rPr>
+              <a:t>video:</a:t>
+            </a:r>
+            <a:r>
+              <a:rPr lang="zh-CN" altLang="en-US" dirty="0">
+                <a:hlinkClick r:id="rId4" action="ppaction://hlinkfile"/>
+              </a:rPr>
+              <a:t> structure of brain</a:t>
+            </a:r>
+            <a:endParaRPr lang="zh-CN" altLang="en-US" dirty="0"/>
+          </a:p>
+        </p:txBody>
+      </p:sp>
+    </p:spTree>
+    <p:extLst>
+      <p:ext uri="{BB962C8B-B14F-4D97-AF65-F5344CB8AC3E}">
+        <p14:creationId xmlns:p14="http://schemas.microsoft.com/office/powerpoint/2010/main" val="3354367713"/>
+      </p:ext>
+    </p:extLst>
+  </p:cSld>
+  <p:clrMapOvr>
+    <a:masterClrMapping/>
+  </p:clrMapOvr>
+</p:sld>
+</file>
+
+<file path=ppt/slides/slide20.xml><?xml version="1.0" encoding="utf-8"?>
 <p:sld xmlns:a="http://schemas.openxmlformats.org/drawingml/2006/main" xmlns:r="http://schemas.openxmlformats.org/officeDocument/2006/relationships" xmlns:p="http://schemas.openxmlformats.org/presentationml/2006/main">
   <p:cSld>
     <p:spTree>
@@ -12714,153 +12914,7 @@
 </p:sld>
 </file>
 
-<file path=ppt/slides/slide2.xml><?xml version="1.0" encoding="utf-8"?>
-<p:sld xmlns:a="http://schemas.openxmlformats.org/drawingml/2006/main" xmlns:r="http://schemas.openxmlformats.org/officeDocument/2006/relationships" xmlns:p="http://schemas.openxmlformats.org/presentationml/2006/main">
-  <p:cSld>
-    <p:spTree>
-      <p:nvGrpSpPr>
-        <p:cNvPr id="1" name=""/>
-        <p:cNvGrpSpPr/>
-        <p:nvPr/>
-      </p:nvGrpSpPr>
-      <p:grpSpPr>
-        <a:xfrm>
-          <a:off x="0" y="0"/>
-          <a:ext cx="0" cy="0"/>
-          <a:chOff x="0" y="0"/>
-          <a:chExt cx="0" cy="0"/>
-        </a:xfrm>
-      </p:grpSpPr>
-      <p:sp>
-        <p:nvSpPr>
-          <p:cNvPr id="2" name="标题 1"/>
-          <p:cNvSpPr>
-            <a:spLocks noGrp="1"/>
-          </p:cNvSpPr>
-          <p:nvPr>
-            <p:ph type="title"/>
-          </p:nvPr>
-        </p:nvSpPr>
-        <p:spPr/>
-        <p:txBody>
-          <a:bodyPr/>
-          <a:lstStyle/>
-          <a:p>
-            <a:r>
-              <a:rPr lang="zh-CN" altLang="en-US" dirty="0"/>
-              <a:t>生物神经元</a:t>
-            </a:r>
-          </a:p>
-        </p:txBody>
-      </p:sp>
-      <p:pic>
-        <p:nvPicPr>
-          <p:cNvPr id="4" name="内容占位符 3"/>
-          <p:cNvPicPr>
-            <a:picLocks noGrp="1" noChangeAspect="1"/>
-          </p:cNvPicPr>
-          <p:nvPr>
-            <p:ph sz="quarter" idx="1"/>
-          </p:nvPr>
-        </p:nvPicPr>
-        <p:blipFill>
-          <a:blip r:embed="rId3">
-            <a:extLst>
-              <a:ext uri="{28A0092B-C50C-407E-A947-70E740481C1C}">
-                <a14:useLocalDpi xmlns:a14="http://schemas.microsoft.com/office/drawing/2010/main"/>
-              </a:ext>
-            </a:extLst>
-          </a:blip>
-          <a:stretch>
-            <a:fillRect/>
-          </a:stretch>
-        </p:blipFill>
-        <p:spPr>
-          <a:xfrm>
-            <a:off x="741988" y="1219200"/>
-            <a:ext cx="7660024" cy="4937125"/>
-          </a:xfrm>
-        </p:spPr>
-      </p:pic>
-      <p:sp>
-        <p:nvSpPr>
-          <p:cNvPr id="5" name="矩形 4"/>
-          <p:cNvSpPr/>
-          <p:nvPr/>
-        </p:nvSpPr>
-        <p:spPr>
-          <a:xfrm>
-            <a:off x="4572000" y="4495800"/>
-            <a:ext cx="4114800" cy="954107"/>
-          </a:xfrm>
-          <a:prstGeom prst="rect">
-            <a:avLst/>
-          </a:prstGeom>
-        </p:spPr>
-        <p:txBody>
-          <a:bodyPr wrap="square">
-            <a:spAutoFit/>
-          </a:bodyPr>
-          <a:lstStyle/>
-          <a:p>
-            <a:r>
-              <a:rPr lang="zh-CN" altLang="en-US" sz="2800" dirty="0"/>
-              <a:t>单个神经细胞只有两种状态：兴奋和抑制</a:t>
-            </a:r>
-          </a:p>
-        </p:txBody>
-      </p:sp>
-      <p:sp>
-        <p:nvSpPr>
-          <p:cNvPr id="8" name="矩形 7"/>
-          <p:cNvSpPr/>
-          <p:nvPr/>
-        </p:nvSpPr>
-        <p:spPr>
-          <a:xfrm>
-            <a:off x="6248400" y="512782"/>
-            <a:ext cx="2595582" cy="369332"/>
-          </a:xfrm>
-          <a:prstGeom prst="rect">
-            <a:avLst/>
-          </a:prstGeom>
-        </p:spPr>
-        <p:txBody>
-          <a:bodyPr wrap="none">
-            <a:spAutoFit/>
-          </a:bodyPr>
-          <a:lstStyle/>
-          <a:p>
-            <a:r>
-              <a:rPr lang="en-US" altLang="zh-CN" dirty="0">
-                <a:hlinkClick r:id="rId4" action="ppaction://hlinkfile"/>
-              </a:rPr>
-              <a:t>video:</a:t>
-            </a:r>
-            <a:r>
-              <a:rPr lang="zh-CN" altLang="en-US" dirty="0">
-                <a:hlinkClick r:id="rId4" action="ppaction://hlinkfile"/>
-              </a:rPr>
-              <a:t> structure of brain</a:t>
-            </a:r>
-            <a:endParaRPr lang="zh-CN" altLang="en-US" dirty="0"/>
-          </a:p>
-        </p:txBody>
-      </p:sp>
-    </p:spTree>
-    <p:extLst>
-      <p:ext uri="{BB962C8B-B14F-4D97-AF65-F5344CB8AC3E}">
-        <p14:creationId xmlns:p14="http://schemas.microsoft.com/office/powerpoint/2010/main" val="3354367713"/>
-      </p:ext>
-    </p:extLst>
-  </p:cSld>
-  <p:clrMapOvr>
-    <a:masterClrMapping/>
-  </p:clrMapOvr>
-</p:sld>
-</file>
-
-<file path=ppt/slides/slide20.xml><?xml version="1.0" encoding="utf-8"?>
+<file path=ppt/slides/slide21.xml><?xml version="1.0" encoding="utf-8"?>
 <p:sld xmlns:a="http://schemas.openxmlformats.org/drawingml/2006/main" xmlns:r="http://schemas.openxmlformats.org/officeDocument/2006/relationships" xmlns:p="http://schemas.openxmlformats.org/presentationml/2006/main">
   <p:cSld>
     <p:spTree>
@@ -13008,7 +13062,7 @@
 </p:sld>
 </file>
 
-<file path=ppt/slides/slide21.xml><?xml version="1.0" encoding="utf-8"?>
+<file path=ppt/slides/slide22.xml><?xml version="1.0" encoding="utf-8"?>
 <p:sld xmlns:a="http://schemas.openxmlformats.org/drawingml/2006/main" xmlns:r="http://schemas.openxmlformats.org/officeDocument/2006/relationships" xmlns:p="http://schemas.openxmlformats.org/presentationml/2006/main">
   <p:cSld>
     <p:spTree>
@@ -13187,99 +13241,6 @@
 </p:sld>
 </file>
 
-<file path=ppt/slides/slide22.xml><?xml version="1.0" encoding="utf-8"?>
-<p:sld xmlns:a="http://schemas.openxmlformats.org/drawingml/2006/main" xmlns:r="http://schemas.openxmlformats.org/officeDocument/2006/relationships" xmlns:p="http://schemas.openxmlformats.org/presentationml/2006/main">
-  <p:cSld>
-    <p:spTree>
-      <p:nvGrpSpPr>
-        <p:cNvPr id="1" name=""/>
-        <p:cNvGrpSpPr/>
-        <p:nvPr/>
-      </p:nvGrpSpPr>
-      <p:grpSpPr>
-        <a:xfrm>
-          <a:off x="0" y="0"/>
-          <a:ext cx="0" cy="0"/>
-          <a:chOff x="0" y="0"/>
-          <a:chExt cx="0" cy="0"/>
-        </a:xfrm>
-      </p:grpSpPr>
-      <p:sp>
-        <p:nvSpPr>
-          <p:cNvPr id="2" name="标题 1"/>
-          <p:cNvSpPr>
-            <a:spLocks noGrp="1"/>
-          </p:cNvSpPr>
-          <p:nvPr>
-            <p:ph type="title"/>
-          </p:nvPr>
-        </p:nvSpPr>
-        <p:spPr/>
-        <p:txBody>
-          <a:bodyPr/>
-          <a:lstStyle/>
-          <a:p>
-            <a:r>
-              <a:rPr lang="zh-CN" altLang="en-US"/>
-              <a:t>自动微分</a:t>
-            </a:r>
-            <a:endParaRPr lang="zh-CN" altLang="en-US" dirty="0"/>
-          </a:p>
-        </p:txBody>
-      </p:sp>
-      <p:sp>
-        <p:nvSpPr>
-          <p:cNvPr id="3" name="内容占位符 2"/>
-          <p:cNvSpPr>
-            <a:spLocks noGrp="1"/>
-          </p:cNvSpPr>
-          <p:nvPr>
-            <p:ph sz="quarter" idx="1"/>
-          </p:nvPr>
-        </p:nvSpPr>
-        <p:spPr/>
-        <p:txBody>
-          <a:bodyPr/>
-          <a:lstStyle/>
-          <a:p>
-            <a:r>
-              <a:rPr lang="zh-CN" altLang="en-US" dirty="0"/>
-              <a:t>前向模式和反向模式</a:t>
-            </a:r>
-            <a:endParaRPr lang="en-US" altLang="zh-CN" dirty="0"/>
-          </a:p>
-          <a:p>
-            <a:pPr lvl="1"/>
-            <a:r>
-              <a:rPr lang="zh-CN" altLang="en-US" dirty="0"/>
-              <a:t>反向模式和反向传播的计算梯度的方式相同</a:t>
-            </a:r>
-            <a:endParaRPr lang="en-US" altLang="zh-CN" dirty="0"/>
-          </a:p>
-          <a:p>
-            <a:endParaRPr lang="en-US" altLang="zh-CN" dirty="0"/>
-          </a:p>
-          <a:p>
-            <a:r>
-              <a:rPr lang="zh-CN" altLang="en-US" dirty="0"/>
-              <a:t>如果函数和参数之间有多条路径，可以将这多条路径上的导数再进行相加，得到最终的梯度。</a:t>
-            </a:r>
-          </a:p>
-        </p:txBody>
-      </p:sp>
-    </p:spTree>
-    <p:extLst>
-      <p:ext uri="{BB962C8B-B14F-4D97-AF65-F5344CB8AC3E}">
-        <p14:creationId xmlns:p14="http://schemas.microsoft.com/office/powerpoint/2010/main" val="1580473456"/>
-      </p:ext>
-    </p:extLst>
-  </p:cSld>
-  <p:clrMapOvr>
-    <a:masterClrMapping/>
-  </p:clrMapOvr>
-</p:sld>
-</file>
-
 <file path=ppt/slides/slide23.xml><?xml version="1.0" encoding="utf-8"?>
 <p:sld xmlns:a="http://schemas.openxmlformats.org/drawingml/2006/main" xmlns:r="http://schemas.openxmlformats.org/officeDocument/2006/relationships" xmlns:p="http://schemas.openxmlformats.org/presentationml/2006/main">
   <p:cSld>
@@ -13313,17 +13274,10 @@
           <a:lstStyle/>
           <a:p>
             <a:r>
-              <a:rPr lang="zh-CN" altLang="en-US" dirty="0"/>
-              <a:t>反向传播算法 </a:t>
-            </a:r>
-            <a:r>
-              <a:rPr lang="en-US" altLang="zh-CN" dirty="0"/>
-              <a:t>(</a:t>
-            </a:r>
-            <a:r>
-              <a:rPr lang="zh-CN" altLang="en-US" dirty="0"/>
-              <a:t>自动微分的反向模式）</a:t>
-            </a:r>
+              <a:rPr lang="zh-CN" altLang="en-US"/>
+              <a:t>自动微分</a:t>
+            </a:r>
+            <a:endParaRPr lang="zh-CN" altLang="en-US" dirty="0"/>
           </a:p>
         </p:txBody>
       </p:sp>
@@ -13343,50 +13297,26 @@
           <a:lstStyle/>
           <a:p>
             <a:r>
-              <a:rPr lang="zh-CN" altLang="en-US" sz="3200" dirty="0"/>
-              <a:t>前馈神经网络的训练过程可以分为以下三步</a:t>
-            </a:r>
+              <a:rPr lang="zh-CN" altLang="en-US" dirty="0"/>
+              <a:t>前向模式和反向模式</a:t>
+            </a:r>
+            <a:endParaRPr lang="en-US" altLang="zh-CN" dirty="0"/>
           </a:p>
           <a:p>
             <a:pPr lvl="1"/>
             <a:r>
-              <a:rPr lang="zh-CN" altLang="en-US" sz="2800" dirty="0">
-                <a:solidFill>
-                  <a:srgbClr val="FF0000"/>
-                </a:solidFill>
-              </a:rPr>
-              <a:t>前向计算</a:t>
-            </a:r>
-            <a:r>
-              <a:rPr lang="zh-CN" altLang="en-US" sz="2800" dirty="0"/>
-              <a:t>每一层的状态和激活值，直到最后一层</a:t>
-            </a:r>
-          </a:p>
-          <a:p>
-            <a:pPr lvl="1"/>
-            <a:r>
-              <a:rPr lang="zh-CN" altLang="en-US" sz="2800" dirty="0">
-                <a:solidFill>
-                  <a:srgbClr val="FF0000"/>
-                </a:solidFill>
-              </a:rPr>
-              <a:t>反向计算</a:t>
-            </a:r>
-            <a:r>
-              <a:rPr lang="zh-CN" altLang="en-US" sz="2800" dirty="0"/>
-              <a:t>每一层的参数的偏导数</a:t>
-            </a:r>
-            <a:endParaRPr lang="en-US" altLang="zh-CN" sz="2800" dirty="0"/>
-          </a:p>
-          <a:p>
-            <a:pPr lvl="1"/>
-            <a:r>
-              <a:rPr lang="zh-CN" altLang="en-US" sz="2800" dirty="0">
-                <a:solidFill>
-                  <a:srgbClr val="FF0000"/>
-                </a:solidFill>
-              </a:rPr>
-              <a:t>更新参数</a:t>
+              <a:rPr lang="zh-CN" altLang="en-US" dirty="0"/>
+              <a:t>反向模式和反向传播的计算梯度的方式相同</a:t>
+            </a:r>
+            <a:endParaRPr lang="en-US" altLang="zh-CN" dirty="0"/>
+          </a:p>
+          <a:p>
+            <a:endParaRPr lang="en-US" altLang="zh-CN" dirty="0"/>
+          </a:p>
+          <a:p>
+            <a:r>
+              <a:rPr lang="zh-CN" altLang="en-US" dirty="0"/>
+              <a:t>如果函数和参数之间有多条路径，可以将这多条路径上的导数再进行相加，得到最终的梯度。</a:t>
             </a:r>
           </a:p>
         </p:txBody>
@@ -13394,7 +13324,7 @@
     </p:spTree>
     <p:extLst>
       <p:ext uri="{BB962C8B-B14F-4D97-AF65-F5344CB8AC3E}">
-        <p14:creationId xmlns:p14="http://schemas.microsoft.com/office/powerpoint/2010/main" val="3440884166"/>
+        <p14:creationId xmlns:p14="http://schemas.microsoft.com/office/powerpoint/2010/main" val="1580473456"/>
       </p:ext>
     </p:extLst>
   </p:cSld>
@@ -13438,7 +13368,15 @@
           <a:p>
             <a:r>
               <a:rPr lang="zh-CN" altLang="en-US" dirty="0"/>
-              <a:t>静态计算图和动态计算图</a:t>
+              <a:t>反向传播算法 </a:t>
+            </a:r>
+            <a:r>
+              <a:rPr lang="en-US" altLang="zh-CN" dirty="0"/>
+              <a:t>(</a:t>
+            </a:r>
+            <a:r>
+              <a:rPr lang="zh-CN" altLang="en-US" dirty="0"/>
+              <a:t>自动微分的反向模式）</a:t>
             </a:r>
           </a:p>
         </p:txBody>
@@ -13459,6 +13397,122 @@
           <a:lstStyle/>
           <a:p>
             <a:r>
+              <a:rPr lang="zh-CN" altLang="en-US" sz="3200" dirty="0"/>
+              <a:t>前馈神经网络的训练过程可以分为以下三步</a:t>
+            </a:r>
+          </a:p>
+          <a:p>
+            <a:pPr lvl="1"/>
+            <a:r>
+              <a:rPr lang="zh-CN" altLang="en-US" sz="2800" dirty="0">
+                <a:solidFill>
+                  <a:srgbClr val="FF0000"/>
+                </a:solidFill>
+              </a:rPr>
+              <a:t>前向计算</a:t>
+            </a:r>
+            <a:r>
+              <a:rPr lang="zh-CN" altLang="en-US" sz="2800" dirty="0"/>
+              <a:t>每一层的状态和激活值，直到最后一层</a:t>
+            </a:r>
+          </a:p>
+          <a:p>
+            <a:pPr lvl="1"/>
+            <a:r>
+              <a:rPr lang="zh-CN" altLang="en-US" sz="2800" dirty="0">
+                <a:solidFill>
+                  <a:srgbClr val="FF0000"/>
+                </a:solidFill>
+              </a:rPr>
+              <a:t>反向计算</a:t>
+            </a:r>
+            <a:r>
+              <a:rPr lang="zh-CN" altLang="en-US" sz="2800" dirty="0"/>
+              <a:t>每一层的参数的偏导数</a:t>
+            </a:r>
+            <a:endParaRPr lang="en-US" altLang="zh-CN" sz="2800" dirty="0"/>
+          </a:p>
+          <a:p>
+            <a:pPr lvl="1"/>
+            <a:r>
+              <a:rPr lang="zh-CN" altLang="en-US" sz="2800" dirty="0">
+                <a:solidFill>
+                  <a:srgbClr val="FF0000"/>
+                </a:solidFill>
+              </a:rPr>
+              <a:t>更新参数</a:t>
+            </a:r>
+          </a:p>
+        </p:txBody>
+      </p:sp>
+    </p:spTree>
+    <p:extLst>
+      <p:ext uri="{BB962C8B-B14F-4D97-AF65-F5344CB8AC3E}">
+        <p14:creationId xmlns:p14="http://schemas.microsoft.com/office/powerpoint/2010/main" val="3440884166"/>
+      </p:ext>
+    </p:extLst>
+  </p:cSld>
+  <p:clrMapOvr>
+    <a:masterClrMapping/>
+  </p:clrMapOvr>
+</p:sld>
+</file>
+
+<file path=ppt/slides/slide25.xml><?xml version="1.0" encoding="utf-8"?>
+<p:sld xmlns:a="http://schemas.openxmlformats.org/drawingml/2006/main" xmlns:r="http://schemas.openxmlformats.org/officeDocument/2006/relationships" xmlns:p="http://schemas.openxmlformats.org/presentationml/2006/main">
+  <p:cSld>
+    <p:spTree>
+      <p:nvGrpSpPr>
+        <p:cNvPr id="1" name=""/>
+        <p:cNvGrpSpPr/>
+        <p:nvPr/>
+      </p:nvGrpSpPr>
+      <p:grpSpPr>
+        <a:xfrm>
+          <a:off x="0" y="0"/>
+          <a:ext cx="0" cy="0"/>
+          <a:chOff x="0" y="0"/>
+          <a:chExt cx="0" cy="0"/>
+        </a:xfrm>
+      </p:grpSpPr>
+      <p:sp>
+        <p:nvSpPr>
+          <p:cNvPr id="2" name="标题 1"/>
+          <p:cNvSpPr>
+            <a:spLocks noGrp="1"/>
+          </p:cNvSpPr>
+          <p:nvPr>
+            <p:ph type="title"/>
+          </p:nvPr>
+        </p:nvSpPr>
+        <p:spPr/>
+        <p:txBody>
+          <a:bodyPr/>
+          <a:lstStyle/>
+          <a:p>
+            <a:r>
+              <a:rPr lang="zh-CN" altLang="en-US" dirty="0"/>
+              <a:t>静态计算图和动态计算图</a:t>
+            </a:r>
+          </a:p>
+        </p:txBody>
+      </p:sp>
+      <p:sp>
+        <p:nvSpPr>
+          <p:cNvPr id="3" name="内容占位符 2"/>
+          <p:cNvSpPr>
+            <a:spLocks noGrp="1"/>
+          </p:cNvSpPr>
+          <p:nvPr>
+            <p:ph sz="quarter" idx="1"/>
+          </p:nvPr>
+        </p:nvSpPr>
+        <p:spPr/>
+        <p:txBody>
+          <a:bodyPr/>
+          <a:lstStyle/>
+          <a:p>
+            <a:r>
               <a:rPr lang="zh-CN" altLang="en-US" sz="2800" dirty="0"/>
               <a:t>静态计算图是在编译时构建计算图，计算图构建好之后在程序运行时不能改变。</a:t>
             </a:r>
@@ -13536,7 +13590,7 @@
 </p:sld>
 </file>
 
-<file path=ppt/slides/slide25.xml><?xml version="1.0" encoding="utf-8"?>
+<file path=ppt/slides/slide26.xml><?xml version="1.0" encoding="utf-8"?>
 <p:sld xmlns:a="http://schemas.openxmlformats.org/drawingml/2006/main" xmlns:r="http://schemas.openxmlformats.org/officeDocument/2006/relationships" xmlns:p="http://schemas.openxmlformats.org/presentationml/2006/main">
   <p:cSld>
     <p:spTree>
@@ -13618,7 +13672,7 @@
 </p:sld>
 </file>
 
-<file path=ppt/slides/slide26.xml><?xml version="1.0" encoding="utf-8"?>
+<file path=ppt/slides/slide27.xml><?xml version="1.0" encoding="utf-8"?>
 <p:sld xmlns:a="http://schemas.openxmlformats.org/drawingml/2006/main" xmlns:r="http://schemas.openxmlformats.org/officeDocument/2006/relationships" xmlns:p="http://schemas.openxmlformats.org/presentationml/2006/main">
   <p:cSld>
     <p:spTree>
@@ -14098,7 +14152,7 @@
 </p:sld>
 </file>
 
-<file path=ppt/slides/slide27.xml><?xml version="1.0" encoding="utf-8"?>
+<file path=ppt/slides/slide28.xml><?xml version="1.0" encoding="utf-8"?>
 <p:sld xmlns:a="http://schemas.openxmlformats.org/drawingml/2006/main" xmlns:r="http://schemas.openxmlformats.org/officeDocument/2006/relationships" xmlns:p="http://schemas.openxmlformats.org/presentationml/2006/main">
   <p:cSld>
     <p:spTree>
@@ -14317,7 +14371,7 @@
 </p:sld>
 </file>
 
-<file path=ppt/slides/slide28.xml><?xml version="1.0" encoding="utf-8"?>
+<file path=ppt/slides/slide29.xml><?xml version="1.0" encoding="utf-8"?>
 <p:sld xmlns:a="http://schemas.openxmlformats.org/drawingml/2006/main" xmlns:r="http://schemas.openxmlformats.org/officeDocument/2006/relationships" xmlns:p="http://schemas.openxmlformats.org/presentationml/2006/main">
   <p:cSld>
     <p:spTree>
@@ -14447,7 +14501,88 @@
 </p:sld>
 </file>
 
-<file path=ppt/slides/slide29.xml><?xml version="1.0" encoding="utf-8"?>
+<file path=ppt/slides/slide3.xml><?xml version="1.0" encoding="utf-8"?>
+<p:sld xmlns:a="http://schemas.openxmlformats.org/drawingml/2006/main" xmlns:r="http://schemas.openxmlformats.org/officeDocument/2006/relationships" xmlns:p="http://schemas.openxmlformats.org/presentationml/2006/main">
+  <p:cSld>
+    <p:spTree>
+      <p:nvGrpSpPr>
+        <p:cNvPr id="1" name=""/>
+        <p:cNvGrpSpPr/>
+        <p:nvPr/>
+      </p:nvGrpSpPr>
+      <p:grpSpPr>
+        <a:xfrm>
+          <a:off x="0" y="0"/>
+          <a:ext cx="0" cy="0"/>
+          <a:chOff x="0" y="0"/>
+          <a:chExt cx="0" cy="0"/>
+        </a:xfrm>
+      </p:grpSpPr>
+      <p:sp>
+        <p:nvSpPr>
+          <p:cNvPr id="2" name="标题 1"/>
+          <p:cNvSpPr>
+            <a:spLocks noGrp="1"/>
+          </p:cNvSpPr>
+          <p:nvPr>
+            <p:ph type="title"/>
+          </p:nvPr>
+        </p:nvSpPr>
+        <p:spPr/>
+        <p:txBody>
+          <a:bodyPr/>
+          <a:lstStyle/>
+          <a:p>
+            <a:r>
+              <a:rPr lang="zh-CN" altLang="en-US" dirty="0"/>
+              <a:t>人工神经元</a:t>
+            </a:r>
+          </a:p>
+        </p:txBody>
+      </p:sp>
+      <p:pic>
+        <p:nvPicPr>
+          <p:cNvPr id="4" name="内容占位符 3" descr="屏幕剪辑"/>
+          <p:cNvPicPr>
+            <a:picLocks noGrp="1" noChangeAspect="1"/>
+          </p:cNvPicPr>
+          <p:nvPr>
+            <p:ph sz="quarter" idx="1"/>
+          </p:nvPr>
+        </p:nvPicPr>
+        <p:blipFill>
+          <a:blip r:embed="rId2">
+            <a:extLst>
+              <a:ext uri="{28A0092B-C50C-407E-A947-70E740481C1C}">
+                <a14:useLocalDpi xmlns:a14="http://schemas.microsoft.com/office/drawing/2010/main"/>
+              </a:ext>
+            </a:extLst>
+          </a:blip>
+          <a:stretch>
+            <a:fillRect/>
+          </a:stretch>
+        </p:blipFill>
+        <p:spPr>
+          <a:xfrm>
+            <a:off x="1905000" y="1828800"/>
+            <a:ext cx="4990271" cy="3641725"/>
+          </a:xfrm>
+        </p:spPr>
+      </p:pic>
+    </p:spTree>
+    <p:extLst>
+      <p:ext uri="{BB962C8B-B14F-4D97-AF65-F5344CB8AC3E}">
+        <p14:creationId xmlns:p14="http://schemas.microsoft.com/office/powerpoint/2010/main" val="1849516299"/>
+      </p:ext>
+    </p:extLst>
+  </p:cSld>
+  <p:clrMapOvr>
+    <a:masterClrMapping/>
+  </p:clrMapOvr>
+</p:sld>
+</file>
+
+<file path=ppt/slides/slide30.xml><?xml version="1.0" encoding="utf-8"?>
 <p:sld xmlns:a="http://schemas.openxmlformats.org/drawingml/2006/main" xmlns:r="http://schemas.openxmlformats.org/officeDocument/2006/relationships" xmlns:p="http://schemas.openxmlformats.org/presentationml/2006/main">
   <p:cSld>
     <p:spTree>
@@ -14570,88 +14705,7 @@
 </p:sld>
 </file>
 
-<file path=ppt/slides/slide3.xml><?xml version="1.0" encoding="utf-8"?>
-<p:sld xmlns:a="http://schemas.openxmlformats.org/drawingml/2006/main" xmlns:r="http://schemas.openxmlformats.org/officeDocument/2006/relationships" xmlns:p="http://schemas.openxmlformats.org/presentationml/2006/main">
-  <p:cSld>
-    <p:spTree>
-      <p:nvGrpSpPr>
-        <p:cNvPr id="1" name=""/>
-        <p:cNvGrpSpPr/>
-        <p:nvPr/>
-      </p:nvGrpSpPr>
-      <p:grpSpPr>
-        <a:xfrm>
-          <a:off x="0" y="0"/>
-          <a:ext cx="0" cy="0"/>
-          <a:chOff x="0" y="0"/>
-          <a:chExt cx="0" cy="0"/>
-        </a:xfrm>
-      </p:grpSpPr>
-      <p:sp>
-        <p:nvSpPr>
-          <p:cNvPr id="2" name="标题 1"/>
-          <p:cNvSpPr>
-            <a:spLocks noGrp="1"/>
-          </p:cNvSpPr>
-          <p:nvPr>
-            <p:ph type="title"/>
-          </p:nvPr>
-        </p:nvSpPr>
-        <p:spPr/>
-        <p:txBody>
-          <a:bodyPr/>
-          <a:lstStyle/>
-          <a:p>
-            <a:r>
-              <a:rPr lang="zh-CN" altLang="en-US" dirty="0"/>
-              <a:t>人工神经元</a:t>
-            </a:r>
-          </a:p>
-        </p:txBody>
-      </p:sp>
-      <p:pic>
-        <p:nvPicPr>
-          <p:cNvPr id="4" name="内容占位符 3" descr="屏幕剪辑"/>
-          <p:cNvPicPr>
-            <a:picLocks noGrp="1" noChangeAspect="1"/>
-          </p:cNvPicPr>
-          <p:nvPr>
-            <p:ph sz="quarter" idx="1"/>
-          </p:nvPr>
-        </p:nvPicPr>
-        <p:blipFill>
-          <a:blip r:embed="rId2">
-            <a:extLst>
-              <a:ext uri="{28A0092B-C50C-407E-A947-70E740481C1C}">
-                <a14:useLocalDpi xmlns:a14="http://schemas.microsoft.com/office/drawing/2010/main"/>
-              </a:ext>
-            </a:extLst>
-          </a:blip>
-          <a:stretch>
-            <a:fillRect/>
-          </a:stretch>
-        </p:blipFill>
-        <p:spPr>
-          <a:xfrm>
-            <a:off x="1905000" y="1828800"/>
-            <a:ext cx="4990271" cy="3641725"/>
-          </a:xfrm>
-        </p:spPr>
-      </p:pic>
-    </p:spTree>
-    <p:extLst>
-      <p:ext uri="{BB962C8B-B14F-4D97-AF65-F5344CB8AC3E}">
-        <p14:creationId xmlns:p14="http://schemas.microsoft.com/office/powerpoint/2010/main" val="1849516299"/>
-      </p:ext>
-    </p:extLst>
-  </p:cSld>
-  <p:clrMapOvr>
-    <a:masterClrMapping/>
-  </p:clrMapOvr>
-</p:sld>
-</file>
-
-<file path=ppt/slides/slide30.xml><?xml version="1.0" encoding="utf-8"?>
+<file path=ppt/slides/slide31.xml><?xml version="1.0" encoding="utf-8"?>
 <p:sld xmlns:a="http://schemas.openxmlformats.org/drawingml/2006/main" xmlns:r="http://schemas.openxmlformats.org/officeDocument/2006/relationships" xmlns:p="http://schemas.openxmlformats.org/presentationml/2006/main">
   <p:cSld>
     <p:spTree>
@@ -15313,7 +15367,7 @@
 </p:sld>
 </file>
 
-<file path=ppt/slides/slide31.xml><?xml version="1.0" encoding="utf-8"?>
+<file path=ppt/slides/slide32.xml><?xml version="1.0" encoding="utf-8"?>
 <p:sld xmlns:a="http://schemas.openxmlformats.org/drawingml/2006/main" xmlns:r="http://schemas.openxmlformats.org/officeDocument/2006/relationships" xmlns:p="http://schemas.openxmlformats.org/presentationml/2006/main">
   <p:cSld>
     <p:spTree>
@@ -15451,7 +15505,7 @@
 </p:sld>
 </file>
 
-<file path=ppt/slides/slide32.xml><?xml version="1.0" encoding="utf-8"?>
+<file path=ppt/slides/slide33.xml><?xml version="1.0" encoding="utf-8"?>
 <p:sld xmlns:a="http://schemas.openxmlformats.org/drawingml/2006/main" xmlns:r="http://schemas.openxmlformats.org/officeDocument/2006/relationships" xmlns:p="http://schemas.openxmlformats.org/presentationml/2006/main">
   <p:cSld>
     <p:spTree>
@@ -15902,6 +15956,170 @@
       </p:grpSpPr>
       <p:sp>
         <p:nvSpPr>
+          <p:cNvPr id="2" name="标题 1">
+            <a:extLst>
+              <a:ext uri="{FF2B5EF4-FFF2-40B4-BE49-F238E27FC236}">
+                <a16:creationId xmlns:a16="http://schemas.microsoft.com/office/drawing/2014/main" id="{7A6B9B12-1B7B-43CA-AC38-BB3021645BB5}"/>
+              </a:ext>
+            </a:extLst>
+          </p:cNvPr>
+          <p:cNvSpPr>
+            <a:spLocks noGrp="1"/>
+          </p:cNvSpPr>
+          <p:nvPr>
+            <p:ph type="title"/>
+          </p:nvPr>
+        </p:nvSpPr>
+        <p:spPr/>
+        <p:txBody>
+          <a:bodyPr/>
+          <a:lstStyle/>
+          <a:p>
+            <a:r>
+              <a:rPr lang="zh-CN" altLang="en-US" dirty="0"/>
+              <a:t>常见激活函数</a:t>
+            </a:r>
+          </a:p>
+        </p:txBody>
+      </p:sp>
+      <p:pic>
+        <p:nvPicPr>
+          <p:cNvPr id="4" name="图片 3">
+            <a:extLst>
+              <a:ext uri="{FF2B5EF4-FFF2-40B4-BE49-F238E27FC236}">
+                <a16:creationId xmlns:a16="http://schemas.microsoft.com/office/drawing/2014/main" id="{47841044-17CE-4BE5-9585-BAC0FC5C06C1}"/>
+              </a:ext>
+            </a:extLst>
+          </p:cNvPr>
+          <p:cNvPicPr>
+            <a:picLocks noChangeAspect="1"/>
+          </p:cNvPicPr>
+          <p:nvPr/>
+        </p:nvPicPr>
+        <p:blipFill>
+          <a:blip r:embed="rId2">
+            <a:extLst>
+              <a:ext uri="{28A0092B-C50C-407E-A947-70E740481C1C}">
+                <a14:useLocalDpi xmlns:a14="http://schemas.microsoft.com/office/drawing/2010/main" val="0"/>
+              </a:ext>
+            </a:extLst>
+          </a:blip>
+          <a:stretch>
+            <a:fillRect/>
+          </a:stretch>
+        </p:blipFill>
+        <p:spPr>
+          <a:xfrm>
+            <a:off x="1981200" y="2057400"/>
+            <a:ext cx="5486400" cy="3916218"/>
+          </a:xfrm>
+          <a:prstGeom prst="rect">
+            <a:avLst/>
+          </a:prstGeom>
+        </p:spPr>
+      </p:pic>
+      <p:sp>
+        <p:nvSpPr>
+          <p:cNvPr id="5" name="矩形 4">
+            <a:extLst>
+              <a:ext uri="{FF2B5EF4-FFF2-40B4-BE49-F238E27FC236}">
+                <a16:creationId xmlns:a16="http://schemas.microsoft.com/office/drawing/2014/main" id="{D73D2517-005C-4B67-AB77-A5F034848FD7}"/>
+              </a:ext>
+            </a:extLst>
+          </p:cNvPr>
+          <p:cNvSpPr/>
+          <p:nvPr/>
+        </p:nvSpPr>
+        <p:spPr>
+          <a:xfrm>
+            <a:off x="609600" y="1535668"/>
+            <a:ext cx="1261884" cy="369332"/>
+          </a:xfrm>
+          <a:prstGeom prst="rect">
+            <a:avLst/>
+          </a:prstGeom>
+        </p:spPr>
+        <p:txBody>
+          <a:bodyPr wrap="none">
+            <a:spAutoFit/>
+          </a:bodyPr>
+          <a:lstStyle/>
+          <a:p>
+            <a:r>
+              <a:rPr lang="zh-CN" altLang="en-US" dirty="0"/>
+              <a:t>Swish函数</a:t>
+            </a:r>
+          </a:p>
+        </p:txBody>
+      </p:sp>
+      <p:pic>
+        <p:nvPicPr>
+          <p:cNvPr id="7" name="图片 6">
+            <a:extLst>
+              <a:ext uri="{FF2B5EF4-FFF2-40B4-BE49-F238E27FC236}">
+                <a16:creationId xmlns:a16="http://schemas.microsoft.com/office/drawing/2014/main" id="{7B89587D-5576-4414-8F3E-98A1CDDE89F1}"/>
+              </a:ext>
+            </a:extLst>
+          </p:cNvPr>
+          <p:cNvPicPr>
+            <a:picLocks noChangeAspect="1"/>
+          </p:cNvPicPr>
+          <p:nvPr/>
+        </p:nvPicPr>
+        <p:blipFill>
+          <a:blip r:embed="rId3">
+            <a:extLst>
+              <a:ext uri="{28A0092B-C50C-407E-A947-70E740481C1C}">
+                <a14:useLocalDpi xmlns:a14="http://schemas.microsoft.com/office/drawing/2010/main" val="0"/>
+              </a:ext>
+            </a:extLst>
+          </a:blip>
+          <a:stretch>
+            <a:fillRect/>
+          </a:stretch>
+        </p:blipFill>
+        <p:spPr>
+          <a:xfrm>
+            <a:off x="2209800" y="1405412"/>
+            <a:ext cx="3149947" cy="499588"/>
+          </a:xfrm>
+          <a:prstGeom prst="rect">
+            <a:avLst/>
+          </a:prstGeom>
+        </p:spPr>
+      </p:pic>
+    </p:spTree>
+    <p:extLst>
+      <p:ext uri="{BB962C8B-B14F-4D97-AF65-F5344CB8AC3E}">
+        <p14:creationId xmlns:p14="http://schemas.microsoft.com/office/powerpoint/2010/main" val="3169972513"/>
+      </p:ext>
+    </p:extLst>
+  </p:cSld>
+  <p:clrMapOvr>
+    <a:masterClrMapping/>
+  </p:clrMapOvr>
+</p:sld>
+</file>
+
+<file path=ppt/slides/slide7.xml><?xml version="1.0" encoding="utf-8"?>
+<p:sld xmlns:a="http://schemas.openxmlformats.org/drawingml/2006/main" xmlns:r="http://schemas.openxmlformats.org/officeDocument/2006/relationships" xmlns:p="http://schemas.openxmlformats.org/presentationml/2006/main">
+  <p:cSld>
+    <p:spTree>
+      <p:nvGrpSpPr>
+        <p:cNvPr id="1" name=""/>
+        <p:cNvGrpSpPr/>
+        <p:nvPr/>
+      </p:nvGrpSpPr>
+      <p:grpSpPr>
+        <a:xfrm>
+          <a:off x="0" y="0"/>
+          <a:ext cx="0" cy="0"/>
+          <a:chOff x="0" y="0"/>
+          <a:chExt cx="0" cy="0"/>
+        </a:xfrm>
+      </p:grpSpPr>
+      <p:sp>
+        <p:nvSpPr>
           <p:cNvPr id="2" name="标题 1"/>
           <p:cNvSpPr>
             <a:spLocks noGrp="1"/>
@@ -15965,7 +16183,7 @@
 </p:sld>
 </file>
 
-<file path=ppt/slides/slide7.xml><?xml version="1.0" encoding="utf-8"?>
+<file path=ppt/slides/slide8.xml><?xml version="1.0" encoding="utf-8"?>
 <p:sld xmlns:a="http://schemas.openxmlformats.org/drawingml/2006/main" xmlns:r="http://schemas.openxmlformats.org/officeDocument/2006/relationships" xmlns:p="http://schemas.openxmlformats.org/presentationml/2006/main">
   <p:cSld>
     <p:spTree>
@@ -16085,7 +16303,7 @@
 </p:sld>
 </file>
 
-<file path=ppt/slides/slide8.xml><?xml version="1.0" encoding="utf-8"?>
+<file path=ppt/slides/slide9.xml><?xml version="1.0" encoding="utf-8"?>
 <p:sld xmlns:a="http://schemas.openxmlformats.org/drawingml/2006/main" xmlns:r="http://schemas.openxmlformats.org/officeDocument/2006/relationships" xmlns:p="http://schemas.openxmlformats.org/presentationml/2006/main">
   <p:cSld>
     <p:spTree>
@@ -16181,58 +16399,6 @@
     <p:extLst>
       <p:ext uri="{BB962C8B-B14F-4D97-AF65-F5344CB8AC3E}">
         <p14:creationId xmlns:p14="http://schemas.microsoft.com/office/powerpoint/2010/main" val="1032805071"/>
-      </p:ext>
-    </p:extLst>
-  </p:cSld>
-  <p:clrMapOvr>
-    <a:masterClrMapping/>
-  </p:clrMapOvr>
-</p:sld>
-</file>
-
-<file path=ppt/slides/slide9.xml><?xml version="1.0" encoding="utf-8"?>
-<p:sld xmlns:a="http://schemas.openxmlformats.org/drawingml/2006/main" xmlns:r="http://schemas.openxmlformats.org/officeDocument/2006/relationships" xmlns:p="http://schemas.openxmlformats.org/presentationml/2006/main">
-  <p:cSld>
-    <p:spTree>
-      <p:nvGrpSpPr>
-        <p:cNvPr id="1" name=""/>
-        <p:cNvGrpSpPr/>
-        <p:nvPr/>
-      </p:nvGrpSpPr>
-      <p:grpSpPr>
-        <a:xfrm>
-          <a:off x="0" y="0"/>
-          <a:ext cx="0" cy="0"/>
-          <a:chOff x="0" y="0"/>
-          <a:chExt cx="0" cy="0"/>
-        </a:xfrm>
-      </p:grpSpPr>
-      <p:sp>
-        <p:nvSpPr>
-          <p:cNvPr id="2" name="标题 1"/>
-          <p:cNvSpPr>
-            <a:spLocks noGrp="1"/>
-          </p:cNvSpPr>
-          <p:nvPr>
-            <p:ph type="ctrTitle"/>
-          </p:nvPr>
-        </p:nvSpPr>
-        <p:spPr/>
-        <p:txBody>
-          <a:bodyPr/>
-          <a:lstStyle/>
-          <a:p>
-            <a:r>
-              <a:rPr lang="zh-CN" altLang="en-US" dirty="0"/>
-              <a:t>前馈神经网络</a:t>
-            </a:r>
-          </a:p>
-        </p:txBody>
-      </p:sp>
-    </p:spTree>
-    <p:extLst>
-      <p:ext uri="{BB962C8B-B14F-4D97-AF65-F5344CB8AC3E}">
-        <p14:creationId xmlns:p14="http://schemas.microsoft.com/office/powerpoint/2010/main" val="1837691702"/>
       </p:ext>
     </p:extLst>
   </p:cSld>

--- a/ppt/chap-前馈神经网络.pptx
+++ b/ppt/chap-前馈神经网络.pptx
@@ -5,42 +5,43 @@
     <p:sldMasterId id="2147483756" r:id="rId1"/>
   </p:sldMasterIdLst>
   <p:notesMasterIdLst>
-    <p:notesMasterId r:id="rId35"/>
+    <p:notesMasterId r:id="rId36"/>
   </p:notesMasterIdLst>
   <p:sldIdLst>
     <p:sldId id="256" r:id="rId2"/>
     <p:sldId id="448" r:id="rId3"/>
     <p:sldId id="449" r:id="rId4"/>
-    <p:sldId id="491" r:id="rId5"/>
-    <p:sldId id="492" r:id="rId6"/>
-    <p:sldId id="501" r:id="rId7"/>
-    <p:sldId id="463" r:id="rId8"/>
-    <p:sldId id="450" r:id="rId9"/>
-    <p:sldId id="451" r:id="rId10"/>
-    <p:sldId id="460" r:id="rId11"/>
-    <p:sldId id="464" r:id="rId12"/>
-    <p:sldId id="465" r:id="rId13"/>
-    <p:sldId id="466" r:id="rId14"/>
-    <p:sldId id="490" r:id="rId15"/>
-    <p:sldId id="483" r:id="rId16"/>
-    <p:sldId id="495" r:id="rId17"/>
-    <p:sldId id="468" r:id="rId18"/>
-    <p:sldId id="493" r:id="rId19"/>
-    <p:sldId id="469" r:id="rId20"/>
-    <p:sldId id="484" r:id="rId21"/>
-    <p:sldId id="485" r:id="rId22"/>
-    <p:sldId id="486" r:id="rId23"/>
-    <p:sldId id="487" r:id="rId24"/>
-    <p:sldId id="476" r:id="rId25"/>
-    <p:sldId id="488" r:id="rId26"/>
-    <p:sldId id="496" r:id="rId27"/>
-    <p:sldId id="497" r:id="rId28"/>
-    <p:sldId id="499" r:id="rId29"/>
-    <p:sldId id="494" r:id="rId30"/>
-    <p:sldId id="489" r:id="rId31"/>
-    <p:sldId id="477" r:id="rId32"/>
-    <p:sldId id="500" r:id="rId33"/>
-    <p:sldId id="447" r:id="rId34"/>
+    <p:sldId id="502" r:id="rId5"/>
+    <p:sldId id="491" r:id="rId6"/>
+    <p:sldId id="492" r:id="rId7"/>
+    <p:sldId id="501" r:id="rId8"/>
+    <p:sldId id="463" r:id="rId9"/>
+    <p:sldId id="450" r:id="rId10"/>
+    <p:sldId id="451" r:id="rId11"/>
+    <p:sldId id="460" r:id="rId12"/>
+    <p:sldId id="464" r:id="rId13"/>
+    <p:sldId id="465" r:id="rId14"/>
+    <p:sldId id="466" r:id="rId15"/>
+    <p:sldId id="490" r:id="rId16"/>
+    <p:sldId id="483" r:id="rId17"/>
+    <p:sldId id="495" r:id="rId18"/>
+    <p:sldId id="468" r:id="rId19"/>
+    <p:sldId id="493" r:id="rId20"/>
+    <p:sldId id="469" r:id="rId21"/>
+    <p:sldId id="484" r:id="rId22"/>
+    <p:sldId id="485" r:id="rId23"/>
+    <p:sldId id="486" r:id="rId24"/>
+    <p:sldId id="487" r:id="rId25"/>
+    <p:sldId id="476" r:id="rId26"/>
+    <p:sldId id="488" r:id="rId27"/>
+    <p:sldId id="496" r:id="rId28"/>
+    <p:sldId id="497" r:id="rId29"/>
+    <p:sldId id="499" r:id="rId30"/>
+    <p:sldId id="494" r:id="rId31"/>
+    <p:sldId id="489" r:id="rId32"/>
+    <p:sldId id="477" r:id="rId33"/>
+    <p:sldId id="500" r:id="rId34"/>
+    <p:sldId id="447" r:id="rId35"/>
   </p:sldIdLst>
   <p:sldSz cx="9144000" cy="6858000" type="screen4x3"/>
   <p:notesSz cx="6858000" cy="9144000"/>
@@ -177,6 +178,7 @@
             <p14:sldId id="256"/>
             <p14:sldId id="448"/>
             <p14:sldId id="449"/>
+            <p14:sldId id="502"/>
             <p14:sldId id="491"/>
             <p14:sldId id="492"/>
             <p14:sldId id="501"/>
@@ -4419,7 +4421,7 @@
               <a:pPr>
                 <a:defRPr/>
               </a:pPr>
-              <a:t>4</a:t>
+              <a:t>5</a:t>
             </a:fld>
             <a:endParaRPr lang="en-US" altLang="zh-CN"/>
           </a:p>
@@ -4515,7 +4517,7 @@
               <a:pPr>
                 <a:defRPr/>
               </a:pPr>
-              <a:t>15</a:t>
+              <a:t>16</a:t>
             </a:fld>
             <a:endParaRPr lang="en-US" altLang="zh-CN"/>
           </a:p>
@@ -4688,7 +4690,7 @@
           <a:p>
             <a:fld id="{3F9096D2-8776-4F5C-A458-4FD37E7160D3}" type="slidenum">
               <a:rPr lang="zh-TW" altLang="en-US" smtClean="0"/>
-              <a:t>19</a:t>
+              <a:t>20</a:t>
             </a:fld>
             <a:endParaRPr lang="zh-TW" altLang="en-US"/>
           </a:p>
@@ -4772,7 +4774,7 @@
           <a:p>
             <a:fld id="{3F9096D2-8776-4F5C-A458-4FD37E7160D3}" type="slidenum">
               <a:rPr lang="zh-TW" altLang="en-US" smtClean="0"/>
-              <a:t>28</a:t>
+              <a:t>29</a:t>
             </a:fld>
             <a:endParaRPr lang="zh-TW" altLang="en-US"/>
           </a:p>
@@ -6574,14 +6576,14 @@
           </a:ln>
           <a:extLst>
             <a:ext uri="{909E8E84-426E-40dd-AFC4-6F175D3DCCD1}">
-              <a14:hiddenFill xmlns:a14="http://schemas.microsoft.com/office/drawing/2010/main" xmlns="">
+              <a14:hiddenFill xmlns="" xmlns:a14="http://schemas.microsoft.com/office/drawing/2010/main">
                 <a:solidFill>
                   <a:srgbClr val="FFFFFF"/>
                 </a:solidFill>
               </a14:hiddenFill>
             </a:ext>
             <a:ext uri="{91240B29-F687-4f45-9708-019B960494DF}">
-              <a14:hiddenLine xmlns:a14="http://schemas.microsoft.com/office/drawing/2010/main" xmlns="" w="9525">
+              <a14:hiddenLine xmlns="" xmlns:a14="http://schemas.microsoft.com/office/drawing/2010/main" w="9525">
                 <a:solidFill>
                   <a:srgbClr val="000000"/>
                 </a:solidFill>
@@ -6632,14 +6634,14 @@
           </a:ln>
           <a:extLst>
             <a:ext uri="{909E8E84-426E-40dd-AFC4-6F175D3DCCD1}">
-              <a14:hiddenFill xmlns:a14="http://schemas.microsoft.com/office/drawing/2010/main" xmlns="">
+              <a14:hiddenFill xmlns="" xmlns:a14="http://schemas.microsoft.com/office/drawing/2010/main">
                 <a:solidFill>
                   <a:srgbClr val="FFFFFF"/>
                 </a:solidFill>
               </a14:hiddenFill>
             </a:ext>
             <a:ext uri="{91240B29-F687-4f45-9708-019B960494DF}">
-              <a14:hiddenLine xmlns:a14="http://schemas.microsoft.com/office/drawing/2010/main" xmlns="" w="9525">
+              <a14:hiddenLine xmlns="" xmlns:a14="http://schemas.microsoft.com/office/drawing/2010/main" w="9525">
                 <a:solidFill>
                   <a:srgbClr val="000000"/>
                 </a:solidFill>
@@ -6722,7 +6724,7 @@
           </a:ln>
           <a:extLst>
             <a:ext uri="{909E8E84-426E-40dd-AFC4-6F175D3DCCD1}">
-              <a14:hiddenFill xmlns:a14="http://schemas.microsoft.com/office/drawing/2010/main" xmlns="">
+              <a14:hiddenFill xmlns="" xmlns:a14="http://schemas.microsoft.com/office/drawing/2010/main">
                 <a:noFill/>
               </a14:hiddenFill>
             </a:ext>
@@ -6764,7 +6766,7 @@
           </a:ln>
           <a:extLst>
             <a:ext uri="{909E8E84-426E-40dd-AFC4-6F175D3DCCD1}">
-              <a14:hiddenFill xmlns:a14="http://schemas.microsoft.com/office/drawing/2010/main" xmlns="">
+              <a14:hiddenFill xmlns="" xmlns:a14="http://schemas.microsoft.com/office/drawing/2010/main">
                 <a:noFill/>
               </a14:hiddenFill>
             </a:ext>
@@ -7575,6 +7577,111 @@
             <a:spLocks noGrp="1"/>
           </p:cNvSpPr>
           <p:nvPr>
+            <p:ph type="title"/>
+          </p:nvPr>
+        </p:nvSpPr>
+        <p:spPr/>
+        <p:txBody>
+          <a:bodyPr/>
+          <a:lstStyle/>
+          <a:p>
+            <a:r>
+              <a:rPr lang="zh-CN" altLang="en-US" dirty="0"/>
+              <a:t>人工神经网络</a:t>
+            </a:r>
+          </a:p>
+        </p:txBody>
+      </p:sp>
+      <p:sp>
+        <p:nvSpPr>
+          <p:cNvPr id="3" name="内容占位符 2"/>
+          <p:cNvSpPr>
+            <a:spLocks noGrp="1"/>
+          </p:cNvSpPr>
+          <p:nvPr>
+            <p:ph sz="quarter" idx="1"/>
+          </p:nvPr>
+        </p:nvSpPr>
+        <p:spPr/>
+        <p:txBody>
+          <a:bodyPr/>
+          <a:lstStyle/>
+          <a:p>
+            <a:r>
+              <a:rPr lang="zh-CN" altLang="en-US"/>
+              <a:t>人工神经网络由神经元模型构成，这种由许多神经元组成的信息处理网络具有并行分布结构。</a:t>
+            </a:r>
+            <a:endParaRPr lang="zh-CN" altLang="en-US" dirty="0"/>
+          </a:p>
+        </p:txBody>
+      </p:sp>
+      <p:pic>
+        <p:nvPicPr>
+          <p:cNvPr id="5" name="图片 4" descr="屏幕剪辑"/>
+          <p:cNvPicPr>
+            <a:picLocks noChangeAspect="1"/>
+          </p:cNvPicPr>
+          <p:nvPr/>
+        </p:nvPicPr>
+        <p:blipFill>
+          <a:blip r:embed="rId2">
+            <a:extLst>
+              <a:ext uri="{28A0092B-C50C-407E-A947-70E740481C1C}">
+                <a14:useLocalDpi xmlns:a14="http://schemas.microsoft.com/office/drawing/2010/main" val="0"/>
+              </a:ext>
+            </a:extLst>
+          </a:blip>
+          <a:stretch>
+            <a:fillRect/>
+          </a:stretch>
+        </p:blipFill>
+        <p:spPr>
+          <a:xfrm>
+            <a:off x="1447800" y="3505200"/>
+            <a:ext cx="6128817" cy="1921379"/>
+          </a:xfrm>
+          <a:prstGeom prst="rect">
+            <a:avLst/>
+          </a:prstGeom>
+        </p:spPr>
+      </p:pic>
+    </p:spTree>
+    <p:extLst>
+      <p:ext uri="{BB962C8B-B14F-4D97-AF65-F5344CB8AC3E}">
+        <p14:creationId xmlns:p14="http://schemas.microsoft.com/office/powerpoint/2010/main" val="1032805071"/>
+      </p:ext>
+    </p:extLst>
+  </p:cSld>
+  <p:clrMapOvr>
+    <a:masterClrMapping/>
+  </p:clrMapOvr>
+</p:sld>
+</file>
+
+<file path=ppt/slides/slide11.xml><?xml version="1.0" encoding="utf-8"?>
+<p:sld xmlns:a="http://schemas.openxmlformats.org/drawingml/2006/main" xmlns:r="http://schemas.openxmlformats.org/officeDocument/2006/relationships" xmlns:p="http://schemas.openxmlformats.org/presentationml/2006/main">
+  <p:cSld>
+    <p:spTree>
+      <p:nvGrpSpPr>
+        <p:cNvPr id="1" name=""/>
+        <p:cNvGrpSpPr/>
+        <p:nvPr/>
+      </p:nvGrpSpPr>
+      <p:grpSpPr>
+        <a:xfrm>
+          <a:off x="0" y="0"/>
+          <a:ext cx="0" cy="0"/>
+          <a:chOff x="0" y="0"/>
+          <a:chExt cx="0" cy="0"/>
+        </a:xfrm>
+      </p:grpSpPr>
+      <p:sp>
+        <p:nvSpPr>
+          <p:cNvPr id="2" name="标题 1"/>
+          <p:cNvSpPr>
+            <a:spLocks noGrp="1"/>
+          </p:cNvSpPr>
+          <p:nvPr>
             <p:ph type="ctrTitle"/>
           </p:nvPr>
         </p:nvSpPr>
@@ -7603,7 +7710,7 @@
 </p:sld>
 </file>
 
-<file path=ppt/slides/slide11.xml><?xml version="1.0" encoding="utf-8"?>
+<file path=ppt/slides/slide12.xml><?xml version="1.0" encoding="utf-8"?>
 <p:sld xmlns:a="http://schemas.openxmlformats.org/drawingml/2006/main" xmlns:r="http://schemas.openxmlformats.org/officeDocument/2006/relationships" xmlns:p="http://schemas.openxmlformats.org/presentationml/2006/main">
   <p:cSld>
     <p:spTree>
@@ -7755,7 +7862,7 @@
 </p:sld>
 </file>
 
-<file path=ppt/slides/slide12.xml><?xml version="1.0" encoding="utf-8"?>
+<file path=ppt/slides/slide13.xml><?xml version="1.0" encoding="utf-8"?>
 <p:sld xmlns:a="http://schemas.openxmlformats.org/drawingml/2006/main" xmlns:r="http://schemas.openxmlformats.org/officeDocument/2006/relationships" xmlns:p="http://schemas.openxmlformats.org/presentationml/2006/main">
   <p:cSld>
     <p:spTree>
@@ -7859,7 +7966,7 @@
 </p:sld>
 </file>
 
-<file path=ppt/slides/slide13.xml><?xml version="1.0" encoding="utf-8"?>
+<file path=ppt/slides/slide14.xml><?xml version="1.0" encoding="utf-8"?>
 <p:sld xmlns:a="http://schemas.openxmlformats.org/drawingml/2006/main" xmlns:r="http://schemas.openxmlformats.org/officeDocument/2006/relationships" xmlns:p="http://schemas.openxmlformats.org/presentationml/2006/main">
   <p:cSld>
     <p:spTree>
@@ -8041,7 +8148,7 @@
 </p:sld>
 </file>
 
-<file path=ppt/slides/slide14.xml><?xml version="1.0" encoding="utf-8"?>
+<file path=ppt/slides/slide15.xml><?xml version="1.0" encoding="utf-8"?>
 <p:sld xmlns:a="http://schemas.openxmlformats.org/drawingml/2006/main" xmlns:r="http://schemas.openxmlformats.org/officeDocument/2006/relationships" xmlns:p="http://schemas.openxmlformats.org/presentationml/2006/main">
   <p:cSld>
     <p:spTree>
@@ -8123,7 +8230,7 @@
 </p:sld>
 </file>
 
-<file path=ppt/slides/slide15.xml><?xml version="1.0" encoding="utf-8"?>
+<file path=ppt/slides/slide16.xml><?xml version="1.0" encoding="utf-8"?>
 <p:sld xmlns:a="http://schemas.openxmlformats.org/drawingml/2006/main" xmlns:r="http://schemas.openxmlformats.org/officeDocument/2006/relationships" xmlns:p="http://schemas.openxmlformats.org/presentationml/2006/main">
   <p:cSld>
     <p:spTree>
@@ -8233,7 +8340,7 @@
 </p:sld>
 </file>
 
-<file path=ppt/slides/slide16.xml><?xml version="1.0" encoding="utf-8"?>
+<file path=ppt/slides/slide17.xml><?xml version="1.0" encoding="utf-8"?>
 <p:sld xmlns:a="http://schemas.openxmlformats.org/drawingml/2006/main" xmlns:r="http://schemas.openxmlformats.org/officeDocument/2006/relationships" xmlns:p="http://schemas.openxmlformats.org/presentationml/2006/main">
   <p:cSld>
     <p:spTree>
@@ -8618,7 +8725,7 @@
 </p:sld>
 </file>
 
-<file path=ppt/slides/slide17.xml><?xml version="1.0" encoding="utf-8"?>
+<file path=ppt/slides/slide18.xml><?xml version="1.0" encoding="utf-8"?>
 <p:sld xmlns:a="http://schemas.openxmlformats.org/drawingml/2006/main" xmlns:r="http://schemas.openxmlformats.org/officeDocument/2006/relationships" xmlns:p="http://schemas.openxmlformats.org/presentationml/2006/main">
   <p:cSld>
     <p:spTree>
@@ -8814,7 +8921,7 @@
 </p:sld>
 </file>
 
-<file path=ppt/slides/slide18.xml><?xml version="1.0" encoding="utf-8"?>
+<file path=ppt/slides/slide19.xml><?xml version="1.0" encoding="utf-8"?>
 <p:sld xmlns:a="http://schemas.openxmlformats.org/drawingml/2006/main" xmlns:r="http://schemas.openxmlformats.org/officeDocument/2006/relationships" xmlns:p="http://schemas.openxmlformats.org/presentationml/2006/main">
   <p:cSld>
     <p:spTree>
@@ -9297,7 +9404,153 @@
 </p:sld>
 </file>
 
-<file path=ppt/slides/slide19.xml><?xml version="1.0" encoding="utf-8"?>
+<file path=ppt/slides/slide2.xml><?xml version="1.0" encoding="utf-8"?>
+<p:sld xmlns:a="http://schemas.openxmlformats.org/drawingml/2006/main" xmlns:r="http://schemas.openxmlformats.org/officeDocument/2006/relationships" xmlns:p="http://schemas.openxmlformats.org/presentationml/2006/main">
+  <p:cSld>
+    <p:spTree>
+      <p:nvGrpSpPr>
+        <p:cNvPr id="1" name=""/>
+        <p:cNvGrpSpPr/>
+        <p:nvPr/>
+      </p:nvGrpSpPr>
+      <p:grpSpPr>
+        <a:xfrm>
+          <a:off x="0" y="0"/>
+          <a:ext cx="0" cy="0"/>
+          <a:chOff x="0" y="0"/>
+          <a:chExt cx="0" cy="0"/>
+        </a:xfrm>
+      </p:grpSpPr>
+      <p:sp>
+        <p:nvSpPr>
+          <p:cNvPr id="2" name="标题 1"/>
+          <p:cNvSpPr>
+            <a:spLocks noGrp="1"/>
+          </p:cNvSpPr>
+          <p:nvPr>
+            <p:ph type="title"/>
+          </p:nvPr>
+        </p:nvSpPr>
+        <p:spPr/>
+        <p:txBody>
+          <a:bodyPr/>
+          <a:lstStyle/>
+          <a:p>
+            <a:r>
+              <a:rPr lang="zh-CN" altLang="en-US" dirty="0"/>
+              <a:t>生物神经元</a:t>
+            </a:r>
+          </a:p>
+        </p:txBody>
+      </p:sp>
+      <p:pic>
+        <p:nvPicPr>
+          <p:cNvPr id="4" name="内容占位符 3"/>
+          <p:cNvPicPr>
+            <a:picLocks noGrp="1" noChangeAspect="1"/>
+          </p:cNvPicPr>
+          <p:nvPr>
+            <p:ph sz="quarter" idx="1"/>
+          </p:nvPr>
+        </p:nvPicPr>
+        <p:blipFill>
+          <a:blip r:embed="rId3">
+            <a:extLst>
+              <a:ext uri="{28A0092B-C50C-407E-A947-70E740481C1C}">
+                <a14:useLocalDpi xmlns:a14="http://schemas.microsoft.com/office/drawing/2010/main"/>
+              </a:ext>
+            </a:extLst>
+          </a:blip>
+          <a:stretch>
+            <a:fillRect/>
+          </a:stretch>
+        </p:blipFill>
+        <p:spPr>
+          <a:xfrm>
+            <a:off x="741988" y="1219200"/>
+            <a:ext cx="7660024" cy="4937125"/>
+          </a:xfrm>
+        </p:spPr>
+      </p:pic>
+      <p:sp>
+        <p:nvSpPr>
+          <p:cNvPr id="5" name="矩形 4"/>
+          <p:cNvSpPr/>
+          <p:nvPr/>
+        </p:nvSpPr>
+        <p:spPr>
+          <a:xfrm>
+            <a:off x="4572000" y="4495800"/>
+            <a:ext cx="4114800" cy="954107"/>
+          </a:xfrm>
+          <a:prstGeom prst="rect">
+            <a:avLst/>
+          </a:prstGeom>
+        </p:spPr>
+        <p:txBody>
+          <a:bodyPr wrap="square">
+            <a:spAutoFit/>
+          </a:bodyPr>
+          <a:lstStyle/>
+          <a:p>
+            <a:r>
+              <a:rPr lang="zh-CN" altLang="en-US" sz="2800" dirty="0"/>
+              <a:t>单个神经细胞只有两种状态：兴奋和抑制</a:t>
+            </a:r>
+          </a:p>
+        </p:txBody>
+      </p:sp>
+      <p:sp>
+        <p:nvSpPr>
+          <p:cNvPr id="8" name="矩形 7"/>
+          <p:cNvSpPr/>
+          <p:nvPr/>
+        </p:nvSpPr>
+        <p:spPr>
+          <a:xfrm>
+            <a:off x="6248400" y="512782"/>
+            <a:ext cx="2595582" cy="369332"/>
+          </a:xfrm>
+          <a:prstGeom prst="rect">
+            <a:avLst/>
+          </a:prstGeom>
+        </p:spPr>
+        <p:txBody>
+          <a:bodyPr wrap="none">
+            <a:spAutoFit/>
+          </a:bodyPr>
+          <a:lstStyle/>
+          <a:p>
+            <a:r>
+              <a:rPr lang="en-US" altLang="zh-CN" dirty="0">
+                <a:hlinkClick r:id="rId4" action="ppaction://hlinkfile"/>
+              </a:rPr>
+              <a:t>video:</a:t>
+            </a:r>
+            <a:r>
+              <a:rPr lang="zh-CN" altLang="en-US" dirty="0">
+                <a:hlinkClick r:id="rId4" action="ppaction://hlinkfile"/>
+              </a:rPr>
+              <a:t> structure of brain</a:t>
+            </a:r>
+            <a:endParaRPr lang="zh-CN" altLang="en-US" dirty="0"/>
+          </a:p>
+        </p:txBody>
+      </p:sp>
+    </p:spTree>
+    <p:extLst>
+      <p:ext uri="{BB962C8B-B14F-4D97-AF65-F5344CB8AC3E}">
+        <p14:creationId xmlns:p14="http://schemas.microsoft.com/office/powerpoint/2010/main" val="3354367713"/>
+      </p:ext>
+    </p:extLst>
+  </p:cSld>
+  <p:clrMapOvr>
+    <a:masterClrMapping/>
+  </p:clrMapOvr>
+</p:sld>
+</file>
+
+<file path=ppt/slides/slide20.xml><?xml version="1.0" encoding="utf-8"?>
 <p:sld xmlns:a="http://schemas.openxmlformats.org/drawingml/2006/main" xmlns:r="http://schemas.openxmlformats.org/officeDocument/2006/relationships" xmlns:p="http://schemas.openxmlformats.org/presentationml/2006/main">
   <p:cSld>
     <p:spTree>
@@ -9515,7 +9768,7 @@
           <a:graphicData uri="http://schemas.openxmlformats.org/presentationml/2006/ole">
             <mc:AlternateContent xmlns:mc="http://schemas.openxmlformats.org/markup-compatibility/2006">
               <mc:Choice xmlns:v="urn:schemas-microsoft-com:vml" Requires="v">
-                <p:oleObj spid="_x0000_s1128" name="方程式" r:id="rId5" imgW="152280" imgH="139680" progId="Equation.3">
+                <p:oleObj spid="_x0000_s1135" name="方程式" r:id="rId5" imgW="152280" imgH="139680" progId="Equation.3">
                   <p:embed/>
                 </p:oleObj>
               </mc:Choice>
@@ -11605,153 +11858,7 @@
 </p:sld>
 </file>
 
-<file path=ppt/slides/slide2.xml><?xml version="1.0" encoding="utf-8"?>
-<p:sld xmlns:a="http://schemas.openxmlformats.org/drawingml/2006/main" xmlns:r="http://schemas.openxmlformats.org/officeDocument/2006/relationships" xmlns:p="http://schemas.openxmlformats.org/presentationml/2006/main">
-  <p:cSld>
-    <p:spTree>
-      <p:nvGrpSpPr>
-        <p:cNvPr id="1" name=""/>
-        <p:cNvGrpSpPr/>
-        <p:nvPr/>
-      </p:nvGrpSpPr>
-      <p:grpSpPr>
-        <a:xfrm>
-          <a:off x="0" y="0"/>
-          <a:ext cx="0" cy="0"/>
-          <a:chOff x="0" y="0"/>
-          <a:chExt cx="0" cy="0"/>
-        </a:xfrm>
-      </p:grpSpPr>
-      <p:sp>
-        <p:nvSpPr>
-          <p:cNvPr id="2" name="标题 1"/>
-          <p:cNvSpPr>
-            <a:spLocks noGrp="1"/>
-          </p:cNvSpPr>
-          <p:nvPr>
-            <p:ph type="title"/>
-          </p:nvPr>
-        </p:nvSpPr>
-        <p:spPr/>
-        <p:txBody>
-          <a:bodyPr/>
-          <a:lstStyle/>
-          <a:p>
-            <a:r>
-              <a:rPr lang="zh-CN" altLang="en-US" dirty="0"/>
-              <a:t>生物神经元</a:t>
-            </a:r>
-          </a:p>
-        </p:txBody>
-      </p:sp>
-      <p:pic>
-        <p:nvPicPr>
-          <p:cNvPr id="4" name="内容占位符 3"/>
-          <p:cNvPicPr>
-            <a:picLocks noGrp="1" noChangeAspect="1"/>
-          </p:cNvPicPr>
-          <p:nvPr>
-            <p:ph sz="quarter" idx="1"/>
-          </p:nvPr>
-        </p:nvPicPr>
-        <p:blipFill>
-          <a:blip r:embed="rId3">
-            <a:extLst>
-              <a:ext uri="{28A0092B-C50C-407E-A947-70E740481C1C}">
-                <a14:useLocalDpi xmlns:a14="http://schemas.microsoft.com/office/drawing/2010/main"/>
-              </a:ext>
-            </a:extLst>
-          </a:blip>
-          <a:stretch>
-            <a:fillRect/>
-          </a:stretch>
-        </p:blipFill>
-        <p:spPr>
-          <a:xfrm>
-            <a:off x="741988" y="1219200"/>
-            <a:ext cx="7660024" cy="4937125"/>
-          </a:xfrm>
-        </p:spPr>
-      </p:pic>
-      <p:sp>
-        <p:nvSpPr>
-          <p:cNvPr id="5" name="矩形 4"/>
-          <p:cNvSpPr/>
-          <p:nvPr/>
-        </p:nvSpPr>
-        <p:spPr>
-          <a:xfrm>
-            <a:off x="4572000" y="4495800"/>
-            <a:ext cx="4114800" cy="954107"/>
-          </a:xfrm>
-          <a:prstGeom prst="rect">
-            <a:avLst/>
-          </a:prstGeom>
-        </p:spPr>
-        <p:txBody>
-          <a:bodyPr wrap="square">
-            <a:spAutoFit/>
-          </a:bodyPr>
-          <a:lstStyle/>
-          <a:p>
-            <a:r>
-              <a:rPr lang="zh-CN" altLang="en-US" sz="2800" dirty="0"/>
-              <a:t>单个神经细胞只有两种状态：兴奋和抑制</a:t>
-            </a:r>
-          </a:p>
-        </p:txBody>
-      </p:sp>
-      <p:sp>
-        <p:nvSpPr>
-          <p:cNvPr id="8" name="矩形 7"/>
-          <p:cNvSpPr/>
-          <p:nvPr/>
-        </p:nvSpPr>
-        <p:spPr>
-          <a:xfrm>
-            <a:off x="6248400" y="512782"/>
-            <a:ext cx="2595582" cy="369332"/>
-          </a:xfrm>
-          <a:prstGeom prst="rect">
-            <a:avLst/>
-          </a:prstGeom>
-        </p:spPr>
-        <p:txBody>
-          <a:bodyPr wrap="none">
-            <a:spAutoFit/>
-          </a:bodyPr>
-          <a:lstStyle/>
-          <a:p>
-            <a:r>
-              <a:rPr lang="en-US" altLang="zh-CN" dirty="0">
-                <a:hlinkClick r:id="rId4" action="ppaction://hlinkfile"/>
-              </a:rPr>
-              <a:t>video:</a:t>
-            </a:r>
-            <a:r>
-              <a:rPr lang="zh-CN" altLang="en-US" dirty="0">
-                <a:hlinkClick r:id="rId4" action="ppaction://hlinkfile"/>
-              </a:rPr>
-              <a:t> structure of brain</a:t>
-            </a:r>
-            <a:endParaRPr lang="zh-CN" altLang="en-US" dirty="0"/>
-          </a:p>
-        </p:txBody>
-      </p:sp>
-    </p:spTree>
-    <p:extLst>
-      <p:ext uri="{BB962C8B-B14F-4D97-AF65-F5344CB8AC3E}">
-        <p14:creationId xmlns:p14="http://schemas.microsoft.com/office/powerpoint/2010/main" val="3354367713"/>
-      </p:ext>
-    </p:extLst>
-  </p:cSld>
-  <p:clrMapOvr>
-    <a:masterClrMapping/>
-  </p:clrMapOvr>
-</p:sld>
-</file>
-
-<file path=ppt/slides/slide20.xml><?xml version="1.0" encoding="utf-8"?>
+<file path=ppt/slides/slide21.xml><?xml version="1.0" encoding="utf-8"?>
 <p:sld xmlns:a="http://schemas.openxmlformats.org/drawingml/2006/main" xmlns:r="http://schemas.openxmlformats.org/officeDocument/2006/relationships" xmlns:p="http://schemas.openxmlformats.org/presentationml/2006/main">
   <p:cSld>
     <p:spTree>
@@ -12914,7 +13021,7 @@
 </p:sld>
 </file>
 
-<file path=ppt/slides/slide21.xml><?xml version="1.0" encoding="utf-8"?>
+<file path=ppt/slides/slide22.xml><?xml version="1.0" encoding="utf-8"?>
 <p:sld xmlns:a="http://schemas.openxmlformats.org/drawingml/2006/main" xmlns:r="http://schemas.openxmlformats.org/officeDocument/2006/relationships" xmlns:p="http://schemas.openxmlformats.org/presentationml/2006/main">
   <p:cSld>
     <p:spTree>
@@ -13062,7 +13169,7 @@
 </p:sld>
 </file>
 
-<file path=ppt/slides/slide22.xml><?xml version="1.0" encoding="utf-8"?>
+<file path=ppt/slides/slide23.xml><?xml version="1.0" encoding="utf-8"?>
 <p:sld xmlns:a="http://schemas.openxmlformats.org/drawingml/2006/main" xmlns:r="http://schemas.openxmlformats.org/officeDocument/2006/relationships" xmlns:p="http://schemas.openxmlformats.org/presentationml/2006/main">
   <p:cSld>
     <p:spTree>
@@ -13241,99 +13348,6 @@
 </p:sld>
 </file>
 
-<file path=ppt/slides/slide23.xml><?xml version="1.0" encoding="utf-8"?>
-<p:sld xmlns:a="http://schemas.openxmlformats.org/drawingml/2006/main" xmlns:r="http://schemas.openxmlformats.org/officeDocument/2006/relationships" xmlns:p="http://schemas.openxmlformats.org/presentationml/2006/main">
-  <p:cSld>
-    <p:spTree>
-      <p:nvGrpSpPr>
-        <p:cNvPr id="1" name=""/>
-        <p:cNvGrpSpPr/>
-        <p:nvPr/>
-      </p:nvGrpSpPr>
-      <p:grpSpPr>
-        <a:xfrm>
-          <a:off x="0" y="0"/>
-          <a:ext cx="0" cy="0"/>
-          <a:chOff x="0" y="0"/>
-          <a:chExt cx="0" cy="0"/>
-        </a:xfrm>
-      </p:grpSpPr>
-      <p:sp>
-        <p:nvSpPr>
-          <p:cNvPr id="2" name="标题 1"/>
-          <p:cNvSpPr>
-            <a:spLocks noGrp="1"/>
-          </p:cNvSpPr>
-          <p:nvPr>
-            <p:ph type="title"/>
-          </p:nvPr>
-        </p:nvSpPr>
-        <p:spPr/>
-        <p:txBody>
-          <a:bodyPr/>
-          <a:lstStyle/>
-          <a:p>
-            <a:r>
-              <a:rPr lang="zh-CN" altLang="en-US"/>
-              <a:t>自动微分</a:t>
-            </a:r>
-            <a:endParaRPr lang="zh-CN" altLang="en-US" dirty="0"/>
-          </a:p>
-        </p:txBody>
-      </p:sp>
-      <p:sp>
-        <p:nvSpPr>
-          <p:cNvPr id="3" name="内容占位符 2"/>
-          <p:cNvSpPr>
-            <a:spLocks noGrp="1"/>
-          </p:cNvSpPr>
-          <p:nvPr>
-            <p:ph sz="quarter" idx="1"/>
-          </p:nvPr>
-        </p:nvSpPr>
-        <p:spPr/>
-        <p:txBody>
-          <a:bodyPr/>
-          <a:lstStyle/>
-          <a:p>
-            <a:r>
-              <a:rPr lang="zh-CN" altLang="en-US" dirty="0"/>
-              <a:t>前向模式和反向模式</a:t>
-            </a:r>
-            <a:endParaRPr lang="en-US" altLang="zh-CN" dirty="0"/>
-          </a:p>
-          <a:p>
-            <a:pPr lvl="1"/>
-            <a:r>
-              <a:rPr lang="zh-CN" altLang="en-US" dirty="0"/>
-              <a:t>反向模式和反向传播的计算梯度的方式相同</a:t>
-            </a:r>
-            <a:endParaRPr lang="en-US" altLang="zh-CN" dirty="0"/>
-          </a:p>
-          <a:p>
-            <a:endParaRPr lang="en-US" altLang="zh-CN" dirty="0"/>
-          </a:p>
-          <a:p>
-            <a:r>
-              <a:rPr lang="zh-CN" altLang="en-US" dirty="0"/>
-              <a:t>如果函数和参数之间有多条路径，可以将这多条路径上的导数再进行相加，得到最终的梯度。</a:t>
-            </a:r>
-          </a:p>
-        </p:txBody>
-      </p:sp>
-    </p:spTree>
-    <p:extLst>
-      <p:ext uri="{BB962C8B-B14F-4D97-AF65-F5344CB8AC3E}">
-        <p14:creationId xmlns:p14="http://schemas.microsoft.com/office/powerpoint/2010/main" val="1580473456"/>
-      </p:ext>
-    </p:extLst>
-  </p:cSld>
-  <p:clrMapOvr>
-    <a:masterClrMapping/>
-  </p:clrMapOvr>
-</p:sld>
-</file>
-
 <file path=ppt/slides/slide24.xml><?xml version="1.0" encoding="utf-8"?>
 <p:sld xmlns:a="http://schemas.openxmlformats.org/drawingml/2006/main" xmlns:r="http://schemas.openxmlformats.org/officeDocument/2006/relationships" xmlns:p="http://schemas.openxmlformats.org/presentationml/2006/main">
   <p:cSld>
@@ -13367,17 +13381,10 @@
           <a:lstStyle/>
           <a:p>
             <a:r>
-              <a:rPr lang="zh-CN" altLang="en-US" dirty="0"/>
-              <a:t>反向传播算法 </a:t>
-            </a:r>
-            <a:r>
-              <a:rPr lang="en-US" altLang="zh-CN" dirty="0"/>
-              <a:t>(</a:t>
-            </a:r>
-            <a:r>
-              <a:rPr lang="zh-CN" altLang="en-US" dirty="0"/>
-              <a:t>自动微分的反向模式）</a:t>
-            </a:r>
+              <a:rPr lang="zh-CN" altLang="en-US"/>
+              <a:t>自动微分</a:t>
+            </a:r>
+            <a:endParaRPr lang="zh-CN" altLang="en-US" dirty="0"/>
           </a:p>
         </p:txBody>
       </p:sp>
@@ -13397,50 +13404,26 @@
           <a:lstStyle/>
           <a:p>
             <a:r>
-              <a:rPr lang="zh-CN" altLang="en-US" sz="3200" dirty="0"/>
-              <a:t>前馈神经网络的训练过程可以分为以下三步</a:t>
-            </a:r>
+              <a:rPr lang="zh-CN" altLang="en-US" dirty="0"/>
+              <a:t>前向模式和反向模式</a:t>
+            </a:r>
+            <a:endParaRPr lang="en-US" altLang="zh-CN" dirty="0"/>
           </a:p>
           <a:p>
             <a:pPr lvl="1"/>
             <a:r>
-              <a:rPr lang="zh-CN" altLang="en-US" sz="2800" dirty="0">
-                <a:solidFill>
-                  <a:srgbClr val="FF0000"/>
-                </a:solidFill>
-              </a:rPr>
-              <a:t>前向计算</a:t>
-            </a:r>
-            <a:r>
-              <a:rPr lang="zh-CN" altLang="en-US" sz="2800" dirty="0"/>
-              <a:t>每一层的状态和激活值，直到最后一层</a:t>
-            </a:r>
-          </a:p>
-          <a:p>
-            <a:pPr lvl="1"/>
-            <a:r>
-              <a:rPr lang="zh-CN" altLang="en-US" sz="2800" dirty="0">
-                <a:solidFill>
-                  <a:srgbClr val="FF0000"/>
-                </a:solidFill>
-              </a:rPr>
-              <a:t>反向计算</a:t>
-            </a:r>
-            <a:r>
-              <a:rPr lang="zh-CN" altLang="en-US" sz="2800" dirty="0"/>
-              <a:t>每一层的参数的偏导数</a:t>
-            </a:r>
-            <a:endParaRPr lang="en-US" altLang="zh-CN" sz="2800" dirty="0"/>
-          </a:p>
-          <a:p>
-            <a:pPr lvl="1"/>
-            <a:r>
-              <a:rPr lang="zh-CN" altLang="en-US" sz="2800" dirty="0">
-                <a:solidFill>
-                  <a:srgbClr val="FF0000"/>
-                </a:solidFill>
-              </a:rPr>
-              <a:t>更新参数</a:t>
+              <a:rPr lang="zh-CN" altLang="en-US" dirty="0"/>
+              <a:t>反向模式和反向传播的计算梯度的方式相同</a:t>
+            </a:r>
+            <a:endParaRPr lang="en-US" altLang="zh-CN" dirty="0"/>
+          </a:p>
+          <a:p>
+            <a:endParaRPr lang="en-US" altLang="zh-CN" dirty="0"/>
+          </a:p>
+          <a:p>
+            <a:r>
+              <a:rPr lang="zh-CN" altLang="en-US" dirty="0"/>
+              <a:t>如果函数和参数之间有多条路径，可以将这多条路径上的导数再进行相加，得到最终的梯度。</a:t>
             </a:r>
           </a:p>
         </p:txBody>
@@ -13448,7 +13431,7 @@
     </p:spTree>
     <p:extLst>
       <p:ext uri="{BB962C8B-B14F-4D97-AF65-F5344CB8AC3E}">
-        <p14:creationId xmlns:p14="http://schemas.microsoft.com/office/powerpoint/2010/main" val="3440884166"/>
+        <p14:creationId xmlns:p14="http://schemas.microsoft.com/office/powerpoint/2010/main" val="1580473456"/>
       </p:ext>
     </p:extLst>
   </p:cSld>
@@ -13492,7 +13475,15 @@
           <a:p>
             <a:r>
               <a:rPr lang="zh-CN" altLang="en-US" dirty="0"/>
-              <a:t>静态计算图和动态计算图</a:t>
+              <a:t>反向传播算法 </a:t>
+            </a:r>
+            <a:r>
+              <a:rPr lang="en-US" altLang="zh-CN" dirty="0"/>
+              <a:t>(</a:t>
+            </a:r>
+            <a:r>
+              <a:rPr lang="zh-CN" altLang="en-US" dirty="0"/>
+              <a:t>自动微分的反向模式）</a:t>
             </a:r>
           </a:p>
         </p:txBody>
@@ -13513,6 +13504,122 @@
           <a:lstStyle/>
           <a:p>
             <a:r>
+              <a:rPr lang="zh-CN" altLang="en-US" sz="3200" dirty="0"/>
+              <a:t>前馈神经网络的训练过程可以分为以下三步</a:t>
+            </a:r>
+          </a:p>
+          <a:p>
+            <a:pPr lvl="1"/>
+            <a:r>
+              <a:rPr lang="zh-CN" altLang="en-US" sz="2800" dirty="0">
+                <a:solidFill>
+                  <a:srgbClr val="FF0000"/>
+                </a:solidFill>
+              </a:rPr>
+              <a:t>前向计算</a:t>
+            </a:r>
+            <a:r>
+              <a:rPr lang="zh-CN" altLang="en-US" sz="2800" dirty="0"/>
+              <a:t>每一层的状态和激活值，直到最后一层</a:t>
+            </a:r>
+          </a:p>
+          <a:p>
+            <a:pPr lvl="1"/>
+            <a:r>
+              <a:rPr lang="zh-CN" altLang="en-US" sz="2800" dirty="0">
+                <a:solidFill>
+                  <a:srgbClr val="FF0000"/>
+                </a:solidFill>
+              </a:rPr>
+              <a:t>反向计算</a:t>
+            </a:r>
+            <a:r>
+              <a:rPr lang="zh-CN" altLang="en-US" sz="2800" dirty="0"/>
+              <a:t>每一层的参数的偏导数</a:t>
+            </a:r>
+            <a:endParaRPr lang="en-US" altLang="zh-CN" sz="2800" dirty="0"/>
+          </a:p>
+          <a:p>
+            <a:pPr lvl="1"/>
+            <a:r>
+              <a:rPr lang="zh-CN" altLang="en-US" sz="2800" dirty="0">
+                <a:solidFill>
+                  <a:srgbClr val="FF0000"/>
+                </a:solidFill>
+              </a:rPr>
+              <a:t>更新参数</a:t>
+            </a:r>
+          </a:p>
+        </p:txBody>
+      </p:sp>
+    </p:spTree>
+    <p:extLst>
+      <p:ext uri="{BB962C8B-B14F-4D97-AF65-F5344CB8AC3E}">
+        <p14:creationId xmlns:p14="http://schemas.microsoft.com/office/powerpoint/2010/main" val="3440884166"/>
+      </p:ext>
+    </p:extLst>
+  </p:cSld>
+  <p:clrMapOvr>
+    <a:masterClrMapping/>
+  </p:clrMapOvr>
+</p:sld>
+</file>
+
+<file path=ppt/slides/slide26.xml><?xml version="1.0" encoding="utf-8"?>
+<p:sld xmlns:a="http://schemas.openxmlformats.org/drawingml/2006/main" xmlns:r="http://schemas.openxmlformats.org/officeDocument/2006/relationships" xmlns:p="http://schemas.openxmlformats.org/presentationml/2006/main">
+  <p:cSld>
+    <p:spTree>
+      <p:nvGrpSpPr>
+        <p:cNvPr id="1" name=""/>
+        <p:cNvGrpSpPr/>
+        <p:nvPr/>
+      </p:nvGrpSpPr>
+      <p:grpSpPr>
+        <a:xfrm>
+          <a:off x="0" y="0"/>
+          <a:ext cx="0" cy="0"/>
+          <a:chOff x="0" y="0"/>
+          <a:chExt cx="0" cy="0"/>
+        </a:xfrm>
+      </p:grpSpPr>
+      <p:sp>
+        <p:nvSpPr>
+          <p:cNvPr id="2" name="标题 1"/>
+          <p:cNvSpPr>
+            <a:spLocks noGrp="1"/>
+          </p:cNvSpPr>
+          <p:nvPr>
+            <p:ph type="title"/>
+          </p:nvPr>
+        </p:nvSpPr>
+        <p:spPr/>
+        <p:txBody>
+          <a:bodyPr/>
+          <a:lstStyle/>
+          <a:p>
+            <a:r>
+              <a:rPr lang="zh-CN" altLang="en-US" dirty="0"/>
+              <a:t>静态计算图和动态计算图</a:t>
+            </a:r>
+          </a:p>
+        </p:txBody>
+      </p:sp>
+      <p:sp>
+        <p:nvSpPr>
+          <p:cNvPr id="3" name="内容占位符 2"/>
+          <p:cNvSpPr>
+            <a:spLocks noGrp="1"/>
+          </p:cNvSpPr>
+          <p:nvPr>
+            <p:ph sz="quarter" idx="1"/>
+          </p:nvPr>
+        </p:nvSpPr>
+        <p:spPr/>
+        <p:txBody>
+          <a:bodyPr/>
+          <a:lstStyle/>
+          <a:p>
+            <a:r>
               <a:rPr lang="zh-CN" altLang="en-US" sz="2800" dirty="0"/>
               <a:t>静态计算图是在编译时构建计算图，计算图构建好之后在程序运行时不能改变。</a:t>
             </a:r>
@@ -13590,7 +13697,7 @@
 </p:sld>
 </file>
 
-<file path=ppt/slides/slide26.xml><?xml version="1.0" encoding="utf-8"?>
+<file path=ppt/slides/slide27.xml><?xml version="1.0" encoding="utf-8"?>
 <p:sld xmlns:a="http://schemas.openxmlformats.org/drawingml/2006/main" xmlns:r="http://schemas.openxmlformats.org/officeDocument/2006/relationships" xmlns:p="http://schemas.openxmlformats.org/presentationml/2006/main">
   <p:cSld>
     <p:spTree>
@@ -13672,7 +13779,7 @@
 </p:sld>
 </file>
 
-<file path=ppt/slides/slide27.xml><?xml version="1.0" encoding="utf-8"?>
+<file path=ppt/slides/slide28.xml><?xml version="1.0" encoding="utf-8"?>
 <p:sld xmlns:a="http://schemas.openxmlformats.org/drawingml/2006/main" xmlns:r="http://schemas.openxmlformats.org/officeDocument/2006/relationships" xmlns:p="http://schemas.openxmlformats.org/presentationml/2006/main">
   <p:cSld>
     <p:spTree>
@@ -14152,7 +14259,7 @@
 </p:sld>
 </file>
 
-<file path=ppt/slides/slide28.xml><?xml version="1.0" encoding="utf-8"?>
+<file path=ppt/slides/slide29.xml><?xml version="1.0" encoding="utf-8"?>
 <p:sld xmlns:a="http://schemas.openxmlformats.org/drawingml/2006/main" xmlns:r="http://schemas.openxmlformats.org/officeDocument/2006/relationships" xmlns:p="http://schemas.openxmlformats.org/presentationml/2006/main">
   <p:cSld>
     <p:spTree>
@@ -14371,136 +14478,6 @@
 </p:sld>
 </file>
 
-<file path=ppt/slides/slide29.xml><?xml version="1.0" encoding="utf-8"?>
-<p:sld xmlns:a="http://schemas.openxmlformats.org/drawingml/2006/main" xmlns:r="http://schemas.openxmlformats.org/officeDocument/2006/relationships" xmlns:p="http://schemas.openxmlformats.org/presentationml/2006/main">
-  <p:cSld>
-    <p:spTree>
-      <p:nvGrpSpPr>
-        <p:cNvPr id="1" name=""/>
-        <p:cNvGrpSpPr/>
-        <p:nvPr/>
-      </p:nvGrpSpPr>
-      <p:grpSpPr>
-        <a:xfrm>
-          <a:off x="0" y="0"/>
-          <a:ext cx="0" cy="0"/>
-          <a:chOff x="0" y="0"/>
-          <a:chExt cx="0" cy="0"/>
-        </a:xfrm>
-      </p:grpSpPr>
-      <p:sp>
-        <p:nvSpPr>
-          <p:cNvPr id="2" name="标题 1"/>
-          <p:cNvSpPr>
-            <a:spLocks noGrp="1"/>
-          </p:cNvSpPr>
-          <p:nvPr>
-            <p:ph type="title"/>
-          </p:nvPr>
-        </p:nvSpPr>
-        <p:spPr/>
-        <p:txBody>
-          <a:bodyPr/>
-          <a:lstStyle/>
-          <a:p>
-            <a:r>
-              <a:rPr lang="zh-CN" altLang="en-US" dirty="0"/>
-              <a:t>优化问题</a:t>
-            </a:r>
-          </a:p>
-        </p:txBody>
-      </p:sp>
-      <p:sp>
-        <p:nvSpPr>
-          <p:cNvPr id="3" name="内容占位符 2"/>
-          <p:cNvSpPr>
-            <a:spLocks noGrp="1"/>
-          </p:cNvSpPr>
-          <p:nvPr>
-            <p:ph sz="quarter" idx="1"/>
-          </p:nvPr>
-        </p:nvSpPr>
-        <p:spPr/>
-        <p:txBody>
-          <a:bodyPr/>
-          <a:lstStyle/>
-          <a:p>
-            <a:r>
-              <a:rPr lang="zh-CN" altLang="en-US" dirty="0"/>
-              <a:t>难点</a:t>
-            </a:r>
-            <a:endParaRPr lang="en-US" altLang="zh-CN" dirty="0"/>
-          </a:p>
-          <a:p>
-            <a:pPr lvl="1"/>
-            <a:r>
-              <a:rPr lang="zh-CN" altLang="en-US" dirty="0"/>
-              <a:t>参数过多，影响训练</a:t>
-            </a:r>
-          </a:p>
-          <a:p>
-            <a:pPr lvl="1"/>
-            <a:r>
-              <a:rPr lang="zh-CN" altLang="en-US" dirty="0"/>
-              <a:t>非凸优化问题：即存在局部最优而非全局最优解，影响迭代</a:t>
-            </a:r>
-          </a:p>
-          <a:p>
-            <a:pPr lvl="1"/>
-            <a:r>
-              <a:rPr lang="zh-CN" altLang="en-US" dirty="0"/>
-              <a:t>下层参数比较难调</a:t>
-            </a:r>
-          </a:p>
-          <a:p>
-            <a:pPr lvl="1"/>
-            <a:r>
-              <a:rPr lang="zh-CN" altLang="en-US" dirty="0"/>
-              <a:t>参数解释起来比较困难</a:t>
-            </a:r>
-          </a:p>
-          <a:p>
-            <a:r>
-              <a:rPr lang="zh-CN" altLang="en-US" dirty="0"/>
-              <a:t>需求</a:t>
-            </a:r>
-          </a:p>
-          <a:p>
-            <a:pPr lvl="1"/>
-            <a:r>
-              <a:rPr lang="zh-CN" altLang="en-US" dirty="0"/>
-              <a:t>计算资源要大</a:t>
-            </a:r>
-          </a:p>
-          <a:p>
-            <a:pPr lvl="1"/>
-            <a:r>
-              <a:rPr lang="zh-CN" altLang="en-US" dirty="0"/>
-              <a:t>数据要多</a:t>
-            </a:r>
-          </a:p>
-          <a:p>
-            <a:pPr lvl="1"/>
-            <a:r>
-              <a:rPr lang="zh-CN" altLang="en-US" dirty="0"/>
-              <a:t>算法效率要好：即收敛快</a:t>
-            </a:r>
-          </a:p>
-        </p:txBody>
-      </p:sp>
-    </p:spTree>
-    <p:extLst>
-      <p:ext uri="{BB962C8B-B14F-4D97-AF65-F5344CB8AC3E}">
-        <p14:creationId xmlns:p14="http://schemas.microsoft.com/office/powerpoint/2010/main" val="2332967793"/>
-      </p:ext>
-    </p:extLst>
-  </p:cSld>
-  <p:clrMapOvr>
-    <a:masterClrMapping/>
-  </p:clrMapOvr>
-</p:sld>
-</file>
-
 <file path=ppt/slides/slide3.xml><?xml version="1.0" encoding="utf-8"?>
 <p:sld xmlns:a="http://schemas.openxmlformats.org/drawingml/2006/main" xmlns:r="http://schemas.openxmlformats.org/officeDocument/2006/relationships" xmlns:p="http://schemas.openxmlformats.org/presentationml/2006/main">
   <p:cSld>
@@ -14638,6 +14615,136 @@
           <a:p>
             <a:r>
               <a:rPr lang="zh-CN" altLang="en-US" dirty="0"/>
+              <a:t>难点</a:t>
+            </a:r>
+            <a:endParaRPr lang="en-US" altLang="zh-CN" dirty="0"/>
+          </a:p>
+          <a:p>
+            <a:pPr lvl="1"/>
+            <a:r>
+              <a:rPr lang="zh-CN" altLang="en-US" dirty="0"/>
+              <a:t>参数过多，影响训练</a:t>
+            </a:r>
+          </a:p>
+          <a:p>
+            <a:pPr lvl="1"/>
+            <a:r>
+              <a:rPr lang="zh-CN" altLang="en-US" dirty="0"/>
+              <a:t>非凸优化问题：即存在局部最优而非全局最优解，影响迭代</a:t>
+            </a:r>
+          </a:p>
+          <a:p>
+            <a:pPr lvl="1"/>
+            <a:r>
+              <a:rPr lang="zh-CN" altLang="en-US" dirty="0"/>
+              <a:t>下层参数比较难调</a:t>
+            </a:r>
+          </a:p>
+          <a:p>
+            <a:pPr lvl="1"/>
+            <a:r>
+              <a:rPr lang="zh-CN" altLang="en-US" dirty="0"/>
+              <a:t>参数解释起来比较困难</a:t>
+            </a:r>
+          </a:p>
+          <a:p>
+            <a:r>
+              <a:rPr lang="zh-CN" altLang="en-US" dirty="0"/>
+              <a:t>需求</a:t>
+            </a:r>
+          </a:p>
+          <a:p>
+            <a:pPr lvl="1"/>
+            <a:r>
+              <a:rPr lang="zh-CN" altLang="en-US" dirty="0"/>
+              <a:t>计算资源要大</a:t>
+            </a:r>
+          </a:p>
+          <a:p>
+            <a:pPr lvl="1"/>
+            <a:r>
+              <a:rPr lang="zh-CN" altLang="en-US" dirty="0"/>
+              <a:t>数据要多</a:t>
+            </a:r>
+          </a:p>
+          <a:p>
+            <a:pPr lvl="1"/>
+            <a:r>
+              <a:rPr lang="zh-CN" altLang="en-US" dirty="0"/>
+              <a:t>算法效率要好：即收敛快</a:t>
+            </a:r>
+          </a:p>
+        </p:txBody>
+      </p:sp>
+    </p:spTree>
+    <p:extLst>
+      <p:ext uri="{BB962C8B-B14F-4D97-AF65-F5344CB8AC3E}">
+        <p14:creationId xmlns:p14="http://schemas.microsoft.com/office/powerpoint/2010/main" val="2332967793"/>
+      </p:ext>
+    </p:extLst>
+  </p:cSld>
+  <p:clrMapOvr>
+    <a:masterClrMapping/>
+  </p:clrMapOvr>
+</p:sld>
+</file>
+
+<file path=ppt/slides/slide31.xml><?xml version="1.0" encoding="utf-8"?>
+<p:sld xmlns:a="http://schemas.openxmlformats.org/drawingml/2006/main" xmlns:r="http://schemas.openxmlformats.org/officeDocument/2006/relationships" xmlns:p="http://schemas.openxmlformats.org/presentationml/2006/main">
+  <p:cSld>
+    <p:spTree>
+      <p:nvGrpSpPr>
+        <p:cNvPr id="1" name=""/>
+        <p:cNvGrpSpPr/>
+        <p:nvPr/>
+      </p:nvGrpSpPr>
+      <p:grpSpPr>
+        <a:xfrm>
+          <a:off x="0" y="0"/>
+          <a:ext cx="0" cy="0"/>
+          <a:chOff x="0" y="0"/>
+          <a:chExt cx="0" cy="0"/>
+        </a:xfrm>
+      </p:grpSpPr>
+      <p:sp>
+        <p:nvSpPr>
+          <p:cNvPr id="2" name="标题 1"/>
+          <p:cNvSpPr>
+            <a:spLocks noGrp="1"/>
+          </p:cNvSpPr>
+          <p:nvPr>
+            <p:ph type="title"/>
+          </p:nvPr>
+        </p:nvSpPr>
+        <p:spPr/>
+        <p:txBody>
+          <a:bodyPr/>
+          <a:lstStyle/>
+          <a:p>
+            <a:r>
+              <a:rPr lang="zh-CN" altLang="en-US" dirty="0"/>
+              <a:t>优化问题</a:t>
+            </a:r>
+          </a:p>
+        </p:txBody>
+      </p:sp>
+      <p:sp>
+        <p:nvSpPr>
+          <p:cNvPr id="3" name="内容占位符 2"/>
+          <p:cNvSpPr>
+            <a:spLocks noGrp="1"/>
+          </p:cNvSpPr>
+          <p:nvPr>
+            <p:ph sz="quarter" idx="1"/>
+          </p:nvPr>
+        </p:nvSpPr>
+        <p:spPr/>
+        <p:txBody>
+          <a:bodyPr/>
+          <a:lstStyle/>
+          <a:p>
+            <a:r>
+              <a:rPr lang="zh-CN" altLang="en-US" dirty="0"/>
               <a:t>非凸优化问题</a:t>
             </a:r>
             <a:endParaRPr lang="en-US" altLang="zh-CN" dirty="0"/>
@@ -14705,7 +14812,7 @@
 </p:sld>
 </file>
 
-<file path=ppt/slides/slide31.xml><?xml version="1.0" encoding="utf-8"?>
+<file path=ppt/slides/slide32.xml><?xml version="1.0" encoding="utf-8"?>
 <p:sld xmlns:a="http://schemas.openxmlformats.org/drawingml/2006/main" xmlns:r="http://schemas.openxmlformats.org/officeDocument/2006/relationships" xmlns:p="http://schemas.openxmlformats.org/presentationml/2006/main">
   <p:cSld>
     <p:spTree>
@@ -15367,7 +15474,7 @@
 </p:sld>
 </file>
 
-<file path=ppt/slides/slide32.xml><?xml version="1.0" encoding="utf-8"?>
+<file path=ppt/slides/slide33.xml><?xml version="1.0" encoding="utf-8"?>
 <p:sld xmlns:a="http://schemas.openxmlformats.org/drawingml/2006/main" xmlns:r="http://schemas.openxmlformats.org/officeDocument/2006/relationships" xmlns:p="http://schemas.openxmlformats.org/presentationml/2006/main">
   <p:cSld>
     <p:spTree>
@@ -15505,7 +15612,7 @@
 </p:sld>
 </file>
 
-<file path=ppt/slides/slide33.xml><?xml version="1.0" encoding="utf-8"?>
+<file path=ppt/slides/slide34.xml><?xml version="1.0" encoding="utf-8"?>
 <p:sld xmlns:a="http://schemas.openxmlformats.org/drawingml/2006/main" xmlns:r="http://schemas.openxmlformats.org/officeDocument/2006/relationships" xmlns:p="http://schemas.openxmlformats.org/presentationml/2006/main">
   <p:cSld>
     <p:spTree>
@@ -15564,6 +15671,112 @@
 </file>
 
 <file path=ppt/slides/slide4.xml><?xml version="1.0" encoding="utf-8"?>
+<p:sld xmlns:a="http://schemas.openxmlformats.org/drawingml/2006/main" xmlns:r="http://schemas.openxmlformats.org/officeDocument/2006/relationships" xmlns:p="http://schemas.openxmlformats.org/presentationml/2006/main">
+  <p:cSld>
+    <p:spTree>
+      <p:nvGrpSpPr>
+        <p:cNvPr id="1" name=""/>
+        <p:cNvGrpSpPr/>
+        <p:nvPr/>
+      </p:nvGrpSpPr>
+      <p:grpSpPr>
+        <a:xfrm>
+          <a:off x="0" y="0"/>
+          <a:ext cx="0" cy="0"/>
+          <a:chOff x="0" y="0"/>
+          <a:chExt cx="0" cy="0"/>
+        </a:xfrm>
+      </p:grpSpPr>
+      <p:sp>
+        <p:nvSpPr>
+          <p:cNvPr id="2" name="标题 1">
+            <a:extLst>
+              <a:ext uri="{FF2B5EF4-FFF2-40B4-BE49-F238E27FC236}">
+                <a16:creationId xmlns:a16="http://schemas.microsoft.com/office/drawing/2014/main" id="{951BC911-2219-4A8F-B197-119C16218CD3}"/>
+              </a:ext>
+            </a:extLst>
+          </p:cNvPr>
+          <p:cNvSpPr>
+            <a:spLocks noGrp="1"/>
+          </p:cNvSpPr>
+          <p:nvPr>
+            <p:ph type="title"/>
+          </p:nvPr>
+        </p:nvSpPr>
+        <p:spPr/>
+        <p:txBody>
+          <a:bodyPr/>
+          <a:lstStyle/>
+          <a:p>
+            <a:r>
+              <a:rPr lang="zh-CN" altLang="en-US" dirty="0"/>
+              <a:t>激活函数的性质</a:t>
+            </a:r>
+          </a:p>
+        </p:txBody>
+      </p:sp>
+      <p:sp>
+        <p:nvSpPr>
+          <p:cNvPr id="3" name="内容占位符 2">
+            <a:extLst>
+              <a:ext uri="{FF2B5EF4-FFF2-40B4-BE49-F238E27FC236}">
+                <a16:creationId xmlns:a16="http://schemas.microsoft.com/office/drawing/2014/main" id="{0DC6B594-104B-4694-A05B-3F355C9FAC99}"/>
+              </a:ext>
+            </a:extLst>
+          </p:cNvPr>
+          <p:cNvSpPr>
+            <a:spLocks noGrp="1"/>
+          </p:cNvSpPr>
+          <p:nvPr>
+            <p:ph sz="quarter" idx="1"/>
+          </p:nvPr>
+        </p:nvSpPr>
+        <p:spPr/>
+        <p:txBody>
+          <a:bodyPr/>
+          <a:lstStyle/>
+          <a:p>
+            <a:r>
+              <a:rPr lang="zh-CN" altLang="en-US" dirty="0"/>
+              <a:t>连续并可导（允许少数点上不可导）的非线性函数。可导的激活函数可以直接利用数值优化的方法来学习网络参数</a:t>
+            </a:r>
+            <a:endParaRPr lang="en-US" altLang="zh-CN" dirty="0"/>
+          </a:p>
+          <a:p>
+            <a:endParaRPr lang="en-US" altLang="zh-CN" dirty="0"/>
+          </a:p>
+          <a:p>
+            <a:r>
+              <a:rPr lang="zh-CN" altLang="en-US" dirty="0"/>
+              <a:t>激活函数及其导函数要尽可能的简单，有利于提高网络计算效率。  </a:t>
+            </a:r>
+            <a:endParaRPr lang="en-US" altLang="zh-CN" dirty="0"/>
+          </a:p>
+          <a:p>
+            <a:endParaRPr lang="en-US" altLang="zh-CN" dirty="0"/>
+          </a:p>
+          <a:p>
+            <a:r>
+              <a:rPr lang="zh-CN" altLang="en-US" dirty="0"/>
+              <a:t>激活函数的导函数的值域要在一个合适的区间内，不能太大也不能太小，否则会影响训练的效率和稳定性。</a:t>
+            </a:r>
+          </a:p>
+        </p:txBody>
+      </p:sp>
+    </p:spTree>
+    <p:extLst>
+      <p:ext uri="{BB962C8B-B14F-4D97-AF65-F5344CB8AC3E}">
+        <p14:creationId xmlns:p14="http://schemas.microsoft.com/office/powerpoint/2010/main" val="428203453"/>
+      </p:ext>
+    </p:extLst>
+  </p:cSld>
+  <p:clrMapOvr>
+    <a:masterClrMapping/>
+  </p:clrMapOvr>
+</p:sld>
+</file>
+
+<file path=ppt/slides/slide5.xml><?xml version="1.0" encoding="utf-8"?>
 <p:sld xmlns:a="http://schemas.openxmlformats.org/drawingml/2006/main" xmlns:r="http://schemas.openxmlformats.org/officeDocument/2006/relationships" xmlns:p="http://schemas.openxmlformats.org/presentationml/2006/main">
   <p:cSld>
     <p:spTree>
@@ -15705,7 +15918,7 @@
 </p:sld>
 </file>
 
-<file path=ppt/slides/slide5.xml><?xml version="1.0" encoding="utf-8"?>
+<file path=ppt/slides/slide6.xml><?xml version="1.0" encoding="utf-8"?>
 <p:sld xmlns:a="http://schemas.openxmlformats.org/drawingml/2006/main" xmlns:r="http://schemas.openxmlformats.org/officeDocument/2006/relationships" xmlns:p="http://schemas.openxmlformats.org/presentationml/2006/main">
   <p:cSld>
     <p:spTree>
@@ -15937,7 +16150,7 @@
 </p:sld>
 </file>
 
-<file path=ppt/slides/slide6.xml><?xml version="1.0" encoding="utf-8"?>
+<file path=ppt/slides/slide7.xml><?xml version="1.0" encoding="utf-8"?>
 <p:sld xmlns:a="http://schemas.openxmlformats.org/drawingml/2006/main" xmlns:r="http://schemas.openxmlformats.org/officeDocument/2006/relationships" xmlns:p="http://schemas.openxmlformats.org/presentationml/2006/main">
   <p:cSld>
     <p:spTree>
@@ -16033,7 +16246,7 @@
         <p:spPr>
           <a:xfrm>
             <a:off x="609600" y="1535668"/>
-            <a:ext cx="1261884" cy="369332"/>
+            <a:ext cx="1622560" cy="461665"/>
           </a:xfrm>
           <a:prstGeom prst="rect">
             <a:avLst/>
@@ -16046,7 +16259,7 @@
           <a:lstStyle/>
           <a:p>
             <a:r>
-              <a:rPr lang="zh-CN" altLang="en-US" dirty="0"/>
+              <a:rPr lang="zh-CN" altLang="en-US" sz="2400" dirty="0"/>
               <a:t>Swish函数</a:t>
             </a:r>
           </a:p>
@@ -16080,7 +16293,7 @@
         </p:blipFill>
         <p:spPr>
           <a:xfrm>
-            <a:off x="2209800" y="1405412"/>
+            <a:off x="2514600" y="1535668"/>
             <a:ext cx="3149947" cy="499588"/>
           </a:xfrm>
           <a:prstGeom prst="rect">
@@ -16101,7 +16314,7 @@
 </p:sld>
 </file>
 
-<file path=ppt/slides/slide7.xml><?xml version="1.0" encoding="utf-8"?>
+<file path=ppt/slides/slide8.xml><?xml version="1.0" encoding="utf-8"?>
 <p:sld xmlns:a="http://schemas.openxmlformats.org/drawingml/2006/main" xmlns:r="http://schemas.openxmlformats.org/officeDocument/2006/relationships" xmlns:p="http://schemas.openxmlformats.org/presentationml/2006/main">
   <p:cSld>
     <p:spTree>
@@ -16183,126 +16396,6 @@
 </p:sld>
 </file>
 
-<file path=ppt/slides/slide8.xml><?xml version="1.0" encoding="utf-8"?>
-<p:sld xmlns:a="http://schemas.openxmlformats.org/drawingml/2006/main" xmlns:r="http://schemas.openxmlformats.org/officeDocument/2006/relationships" xmlns:p="http://schemas.openxmlformats.org/presentationml/2006/main">
-  <p:cSld>
-    <p:spTree>
-      <p:nvGrpSpPr>
-        <p:cNvPr id="1" name=""/>
-        <p:cNvGrpSpPr/>
-        <p:nvPr/>
-      </p:nvGrpSpPr>
-      <p:grpSpPr>
-        <a:xfrm>
-          <a:off x="0" y="0"/>
-          <a:ext cx="0" cy="0"/>
-          <a:chOff x="0" y="0"/>
-          <a:chExt cx="0" cy="0"/>
-        </a:xfrm>
-      </p:grpSpPr>
-      <p:sp>
-        <p:nvSpPr>
-          <p:cNvPr id="2" name="标题 1"/>
-          <p:cNvSpPr>
-            <a:spLocks noGrp="1"/>
-          </p:cNvSpPr>
-          <p:nvPr>
-            <p:ph type="title"/>
-          </p:nvPr>
-        </p:nvSpPr>
-        <p:spPr/>
-        <p:txBody>
-          <a:bodyPr/>
-          <a:lstStyle/>
-          <a:p>
-            <a:r>
-              <a:rPr lang="zh-CN" altLang="en-US" dirty="0"/>
-              <a:t>人工神经网络</a:t>
-            </a:r>
-          </a:p>
-        </p:txBody>
-      </p:sp>
-      <p:sp>
-        <p:nvSpPr>
-          <p:cNvPr id="3" name="内容占位符 2"/>
-          <p:cNvSpPr>
-            <a:spLocks noGrp="1"/>
-          </p:cNvSpPr>
-          <p:nvPr>
-            <p:ph sz="quarter" idx="1"/>
-          </p:nvPr>
-        </p:nvSpPr>
-        <p:spPr/>
-        <p:txBody>
-          <a:bodyPr/>
-          <a:lstStyle/>
-          <a:p>
-            <a:r>
-              <a:rPr lang="zh-CN" altLang="en-US" dirty="0"/>
-              <a:t>人工神经网络主要由大量的神经元以及它们之间的有向连接构成。因此考虑三方面：</a:t>
-            </a:r>
-            <a:endParaRPr lang="en-US" altLang="zh-CN" dirty="0"/>
-          </a:p>
-          <a:p>
-            <a:endParaRPr lang="zh-CN" altLang="en-US" dirty="0"/>
-          </a:p>
-          <a:p>
-            <a:r>
-              <a:rPr lang="zh-CN" altLang="en-US" dirty="0"/>
-              <a:t>神经元的激活规则</a:t>
-            </a:r>
-            <a:endParaRPr lang="en-US" altLang="zh-CN" dirty="0"/>
-          </a:p>
-          <a:p>
-            <a:pPr lvl="1"/>
-            <a:r>
-              <a:rPr lang="zh-CN" altLang="en-US" dirty="0"/>
-              <a:t>主要是指神经元输入到输出之间的映射关系，一般为非线性函数。</a:t>
-            </a:r>
-          </a:p>
-          <a:p>
-            <a:r>
-              <a:rPr lang="zh-CN" altLang="en-US" dirty="0"/>
-              <a:t>网络的拓扑结构</a:t>
-            </a:r>
-            <a:endParaRPr lang="en-US" altLang="zh-CN" dirty="0"/>
-          </a:p>
-          <a:p>
-            <a:pPr lvl="1"/>
-            <a:r>
-              <a:rPr lang="zh-CN" altLang="en-US" dirty="0"/>
-              <a:t>不同神经元之间的连接关系。</a:t>
-            </a:r>
-          </a:p>
-          <a:p>
-            <a:r>
-              <a:rPr lang="zh-CN" altLang="en-US" dirty="0"/>
-              <a:t>学习算法</a:t>
-            </a:r>
-            <a:endParaRPr lang="en-US" altLang="zh-CN" dirty="0"/>
-          </a:p>
-          <a:p>
-            <a:pPr lvl="1"/>
-            <a:r>
-              <a:rPr lang="zh-CN" altLang="en-US" dirty="0"/>
-              <a:t>通过训练数据来学习神经网络的参数。</a:t>
-            </a:r>
-          </a:p>
-        </p:txBody>
-      </p:sp>
-    </p:spTree>
-    <p:extLst>
-      <p:ext uri="{BB962C8B-B14F-4D97-AF65-F5344CB8AC3E}">
-        <p14:creationId xmlns:p14="http://schemas.microsoft.com/office/powerpoint/2010/main" val="1496855212"/>
-      </p:ext>
-    </p:extLst>
-  </p:cSld>
-  <p:clrMapOvr>
-    <a:masterClrMapping/>
-  </p:clrMapOvr>
-</p:sld>
-</file>
-
 <file path=ppt/slides/slide9.xml><?xml version="1.0" encoding="utf-8"?>
 <p:sld xmlns:a="http://schemas.openxmlformats.org/drawingml/2006/main" xmlns:r="http://schemas.openxmlformats.org/officeDocument/2006/relationships" xmlns:p="http://schemas.openxmlformats.org/presentationml/2006/main">
   <p:cSld>
@@ -16358,47 +16451,62 @@
           <a:lstStyle/>
           <a:p>
             <a:r>
-              <a:rPr lang="zh-CN" altLang="en-US"/>
-              <a:t>人工神经网络由神经元模型构成，这种由许多神经元组成的信息处理网络具有并行分布结构。</a:t>
-            </a:r>
+              <a:rPr lang="zh-CN" altLang="en-US" dirty="0"/>
+              <a:t>人工神经网络主要由大量的神经元以及它们之间的有向连接构成。因此考虑三方面：</a:t>
+            </a:r>
+            <a:endParaRPr lang="en-US" altLang="zh-CN" dirty="0"/>
+          </a:p>
+          <a:p>
             <a:endParaRPr lang="zh-CN" altLang="en-US" dirty="0"/>
+          </a:p>
+          <a:p>
+            <a:r>
+              <a:rPr lang="zh-CN" altLang="en-US" dirty="0"/>
+              <a:t>神经元的激活规则</a:t>
+            </a:r>
+            <a:endParaRPr lang="en-US" altLang="zh-CN" dirty="0"/>
+          </a:p>
+          <a:p>
+            <a:pPr lvl="1"/>
+            <a:r>
+              <a:rPr lang="zh-CN" altLang="en-US" dirty="0"/>
+              <a:t>主要是指神经元输入到输出之间的映射关系，一般为非线性函数。</a:t>
+            </a:r>
+          </a:p>
+          <a:p>
+            <a:r>
+              <a:rPr lang="zh-CN" altLang="en-US" dirty="0"/>
+              <a:t>网络的拓扑结构</a:t>
+            </a:r>
+            <a:endParaRPr lang="en-US" altLang="zh-CN" dirty="0"/>
+          </a:p>
+          <a:p>
+            <a:pPr lvl="1"/>
+            <a:r>
+              <a:rPr lang="zh-CN" altLang="en-US" dirty="0"/>
+              <a:t>不同神经元之间的连接关系。</a:t>
+            </a:r>
+          </a:p>
+          <a:p>
+            <a:r>
+              <a:rPr lang="zh-CN" altLang="en-US" dirty="0"/>
+              <a:t>学习算法</a:t>
+            </a:r>
+            <a:endParaRPr lang="en-US" altLang="zh-CN" dirty="0"/>
+          </a:p>
+          <a:p>
+            <a:pPr lvl="1"/>
+            <a:r>
+              <a:rPr lang="zh-CN" altLang="en-US" dirty="0"/>
+              <a:t>通过训练数据来学习神经网络的参数。</a:t>
+            </a:r>
           </a:p>
         </p:txBody>
       </p:sp>
-      <p:pic>
-        <p:nvPicPr>
-          <p:cNvPr id="5" name="图片 4" descr="屏幕剪辑"/>
-          <p:cNvPicPr>
-            <a:picLocks noChangeAspect="1"/>
-          </p:cNvPicPr>
-          <p:nvPr/>
-        </p:nvPicPr>
-        <p:blipFill>
-          <a:blip r:embed="rId2">
-            <a:extLst>
-              <a:ext uri="{28A0092B-C50C-407E-A947-70E740481C1C}">
-                <a14:useLocalDpi xmlns:a14="http://schemas.microsoft.com/office/drawing/2010/main" val="0"/>
-              </a:ext>
-            </a:extLst>
-          </a:blip>
-          <a:stretch>
-            <a:fillRect/>
-          </a:stretch>
-        </p:blipFill>
-        <p:spPr>
-          <a:xfrm>
-            <a:off x="1447800" y="3505200"/>
-            <a:ext cx="6128817" cy="1921379"/>
-          </a:xfrm>
-          <a:prstGeom prst="rect">
-            <a:avLst/>
-          </a:prstGeom>
-        </p:spPr>
-      </p:pic>
     </p:spTree>
     <p:extLst>
       <p:ext uri="{BB962C8B-B14F-4D97-AF65-F5344CB8AC3E}">
-        <p14:creationId xmlns:p14="http://schemas.microsoft.com/office/powerpoint/2010/main" val="1032805071"/>
+        <p14:creationId xmlns:p14="http://schemas.microsoft.com/office/powerpoint/2010/main" val="1496855212"/>
       </p:ext>
     </p:extLst>
   </p:cSld>

--- a/ppt/chap-前馈神经网络.pptx
+++ b/ppt/chap-前馈神经网络.pptx
@@ -3638,7 +3638,7 @@
               <a:pPr>
                 <a:defRPr/>
               </a:pPr>
-              <a:t>3/15/2019</a:t>
+              <a:t>7/25/2019</a:t>
             </a:fld>
             <a:endParaRPr lang="en-US" altLang="zh-CN"/>
           </a:p>
@@ -6576,14 +6576,14 @@
           </a:ln>
           <a:extLst>
             <a:ext uri="{909E8E84-426E-40dd-AFC4-6F175D3DCCD1}">
-              <a14:hiddenFill xmlns="" xmlns:a14="http://schemas.microsoft.com/office/drawing/2010/main">
+              <a14:hiddenFill xmlns:a14="http://schemas.microsoft.com/office/drawing/2010/main" xmlns="">
                 <a:solidFill>
                   <a:srgbClr val="FFFFFF"/>
                 </a:solidFill>
               </a14:hiddenFill>
             </a:ext>
             <a:ext uri="{91240B29-F687-4f45-9708-019B960494DF}">
-              <a14:hiddenLine xmlns="" xmlns:a14="http://schemas.microsoft.com/office/drawing/2010/main" w="9525">
+              <a14:hiddenLine xmlns:a14="http://schemas.microsoft.com/office/drawing/2010/main" xmlns="" w="9525">
                 <a:solidFill>
                   <a:srgbClr val="000000"/>
                 </a:solidFill>
@@ -6634,14 +6634,14 @@
           </a:ln>
           <a:extLst>
             <a:ext uri="{909E8E84-426E-40dd-AFC4-6F175D3DCCD1}">
-              <a14:hiddenFill xmlns="" xmlns:a14="http://schemas.microsoft.com/office/drawing/2010/main">
+              <a14:hiddenFill xmlns:a14="http://schemas.microsoft.com/office/drawing/2010/main" xmlns="">
                 <a:solidFill>
                   <a:srgbClr val="FFFFFF"/>
                 </a:solidFill>
               </a14:hiddenFill>
             </a:ext>
             <a:ext uri="{91240B29-F687-4f45-9708-019B960494DF}">
-              <a14:hiddenLine xmlns="" xmlns:a14="http://schemas.microsoft.com/office/drawing/2010/main" w="9525">
+              <a14:hiddenLine xmlns:a14="http://schemas.microsoft.com/office/drawing/2010/main" xmlns="" w="9525">
                 <a:solidFill>
                   <a:srgbClr val="000000"/>
                 </a:solidFill>
@@ -6724,7 +6724,7 @@
           </a:ln>
           <a:extLst>
             <a:ext uri="{909E8E84-426E-40dd-AFC4-6F175D3DCCD1}">
-              <a14:hiddenFill xmlns="" xmlns:a14="http://schemas.microsoft.com/office/drawing/2010/main">
+              <a14:hiddenFill xmlns:a14="http://schemas.microsoft.com/office/drawing/2010/main" xmlns="">
                 <a:noFill/>
               </a14:hiddenFill>
             </a:ext>
@@ -6766,7 +6766,7 @@
           </a:ln>
           <a:extLst>
             <a:ext uri="{909E8E84-426E-40dd-AFC4-6F175D3DCCD1}">
-              <a14:hiddenFill xmlns="" xmlns:a14="http://schemas.microsoft.com/office/drawing/2010/main">
+              <a14:hiddenFill xmlns:a14="http://schemas.microsoft.com/office/drawing/2010/main" xmlns="">
                 <a:noFill/>
               </a14:hiddenFill>
             </a:ext>
@@ -7035,7 +7035,7 @@
         <a:spcAft>
           <a:spcPct val="0"/>
         </a:spcAft>
-        <a:defRPr sz="3600" kern="1200">
+        <a:defRPr sz="3200" kern="1200">
           <a:solidFill>
             <a:schemeClr val="tx2"/>
           </a:solidFill>
@@ -7173,7 +7173,7 @@
         <a:buChar char=""/>
         <a:defRPr lang="en-US" altLang="zh-CN" sz="3200" kern="1200" dirty="0" smtClean="0">
           <a:solidFill>
-            <a:schemeClr val="tx2"/>
+            <a:schemeClr val="accent2"/>
           </a:solidFill>
           <a:latin typeface="+mn-ea"/>
           <a:ea typeface="+mn-ea"/>
@@ -9768,7 +9768,7 @@
           <a:graphicData uri="http://schemas.openxmlformats.org/presentationml/2006/ole">
             <mc:AlternateContent xmlns:mc="http://schemas.openxmlformats.org/markup-compatibility/2006">
               <mc:Choice xmlns:v="urn:schemas-microsoft-com:vml" Requires="v">
-                <p:oleObj spid="_x0000_s1135" name="方程式" r:id="rId5" imgW="152280" imgH="139680" progId="Equation.3">
+                <p:oleObj spid="_x0000_s1138" name="方程式" r:id="rId5" imgW="152280" imgH="139680" progId="Equation.3">
                   <p:embed/>
                 </p:oleObj>
               </mc:Choice>
@@ -15583,19 +15583,24 @@
             <a:endParaRPr lang="en-US" altLang="zh-CN" dirty="0"/>
           </a:p>
           <a:p>
-            <a:endParaRPr lang="en-US" altLang="zh-CN" dirty="0"/>
-          </a:p>
-          <a:p>
-            <a:r>
-              <a:rPr lang="en-US" altLang="zh-CN" sz="2400" dirty="0">
+            <a:pPr lvl="1"/>
+            <a:r>
+              <a:rPr lang="en-US" altLang="zh-CN" dirty="0">
                 <a:hlinkClick r:id="rId2"/>
               </a:rPr>
-              <a:t>https://github.com/nndl/exercise/tree/master/for_chapter_4_%20simple%20neural%20network</a:t>
-            </a:r>
-            <a:endParaRPr lang="en-US" altLang="zh-CN" sz="2400" dirty="0"/>
-          </a:p>
-          <a:p>
-            <a:endParaRPr lang="zh-CN" altLang="en-US" dirty="0"/>
+              <a:t>https://github.com/nndl/exercise/</a:t>
+            </a:r>
+            <a:endParaRPr lang="en-US" altLang="zh-CN" dirty="0"/>
+          </a:p>
+          <a:p>
+            <a:pPr lvl="1"/>
+            <a:r>
+              <a:rPr lang="en-US" altLang="zh-CN" u="sng" dirty="0">
+                <a:hlinkClick r:id="rId3" tooltip="chap4_ simple neural network"/>
+              </a:rPr>
+              <a:t>chap4_ simple neural network</a:t>
+            </a:r>
+            <a:endParaRPr lang="en-US" altLang="zh-CN" dirty="0"/>
           </a:p>
         </p:txBody>
       </p:sp>
@@ -15738,27 +15743,45 @@
           <a:p>
             <a:r>
               <a:rPr lang="zh-CN" altLang="en-US" dirty="0"/>
-              <a:t>连续并可导（允许少数点上不可导）的非线性函数。可导的激活函数可以直接利用数值优化的方法来学习网络参数</a:t>
+              <a:t>连续并可导（允许少数点上不可导）的非线性函数。</a:t>
             </a:r>
             <a:endParaRPr lang="en-US" altLang="zh-CN" dirty="0"/>
           </a:p>
           <a:p>
+            <a:pPr lvl="1"/>
+            <a:r>
+              <a:rPr lang="zh-CN" altLang="en-US" dirty="0"/>
+              <a:t>可导的激活函数可以直接利用数值优化的方法来学习网络参数。</a:t>
+            </a:r>
             <a:endParaRPr lang="en-US" altLang="zh-CN" dirty="0"/>
           </a:p>
           <a:p>
             <a:r>
               <a:rPr lang="zh-CN" altLang="en-US" dirty="0"/>
-              <a:t>激活函数及其导函数要尽可能的简单，有利于提高网络计算效率。  </a:t>
+              <a:t>激活函数及其导函数要尽可能的简单</a:t>
             </a:r>
             <a:endParaRPr lang="en-US" altLang="zh-CN" dirty="0"/>
           </a:p>
           <a:p>
+            <a:pPr lvl="1"/>
+            <a:r>
+              <a:rPr lang="zh-CN" altLang="en-US" dirty="0"/>
+              <a:t>有利于提高网络计算效率。  </a:t>
+            </a:r>
             <a:endParaRPr lang="en-US" altLang="zh-CN" dirty="0"/>
           </a:p>
           <a:p>
             <a:r>
               <a:rPr lang="zh-CN" altLang="en-US" dirty="0"/>
-              <a:t>激活函数的导函数的值域要在一个合适的区间内，不能太大也不能太小，否则会影响训练的效率和稳定性。</a:t>
+              <a:t>激活函数的导函数的值域要在一个合适的区间内</a:t>
+            </a:r>
+            <a:endParaRPr lang="en-US" altLang="zh-CN" dirty="0"/>
+          </a:p>
+          <a:p>
+            <a:pPr lvl="1"/>
+            <a:r>
+              <a:rPr lang="zh-CN" altLang="en-US" dirty="0"/>
+              <a:t>不能太大也不能太小，否则会影响训练的效率和稳定性。</a:t>
             </a:r>
           </a:p>
         </p:txBody>

--- a/ppt/chap-前馈神经网络.pptx
+++ b/ppt/chap-前馈神经网络.pptx
@@ -5,7 +5,7 @@
     <p:sldMasterId id="2147483756" r:id="rId1"/>
   </p:sldMasterIdLst>
   <p:notesMasterIdLst>
-    <p:notesMasterId r:id="rId36"/>
+    <p:notesMasterId r:id="rId41"/>
   </p:notesMasterIdLst>
   <p:sldIdLst>
     <p:sldId id="256" r:id="rId2"/>
@@ -15,33 +15,38 @@
     <p:sldId id="491" r:id="rId6"/>
     <p:sldId id="492" r:id="rId7"/>
     <p:sldId id="501" r:id="rId8"/>
-    <p:sldId id="463" r:id="rId9"/>
-    <p:sldId id="450" r:id="rId10"/>
-    <p:sldId id="451" r:id="rId11"/>
-    <p:sldId id="460" r:id="rId12"/>
-    <p:sldId id="464" r:id="rId13"/>
-    <p:sldId id="465" r:id="rId14"/>
-    <p:sldId id="466" r:id="rId15"/>
-    <p:sldId id="490" r:id="rId16"/>
-    <p:sldId id="483" r:id="rId17"/>
-    <p:sldId id="495" r:id="rId18"/>
-    <p:sldId id="468" r:id="rId19"/>
-    <p:sldId id="493" r:id="rId20"/>
-    <p:sldId id="469" r:id="rId21"/>
-    <p:sldId id="484" r:id="rId22"/>
-    <p:sldId id="485" r:id="rId23"/>
-    <p:sldId id="486" r:id="rId24"/>
-    <p:sldId id="487" r:id="rId25"/>
-    <p:sldId id="476" r:id="rId26"/>
-    <p:sldId id="488" r:id="rId27"/>
-    <p:sldId id="496" r:id="rId28"/>
-    <p:sldId id="497" r:id="rId29"/>
-    <p:sldId id="499" r:id="rId30"/>
-    <p:sldId id="494" r:id="rId31"/>
-    <p:sldId id="489" r:id="rId32"/>
-    <p:sldId id="477" r:id="rId33"/>
-    <p:sldId id="500" r:id="rId34"/>
-    <p:sldId id="447" r:id="rId35"/>
+    <p:sldId id="503" r:id="rId9"/>
+    <p:sldId id="463" r:id="rId10"/>
+    <p:sldId id="450" r:id="rId11"/>
+    <p:sldId id="451" r:id="rId12"/>
+    <p:sldId id="460" r:id="rId13"/>
+    <p:sldId id="464" r:id="rId14"/>
+    <p:sldId id="504" r:id="rId15"/>
+    <p:sldId id="465" r:id="rId16"/>
+    <p:sldId id="466" r:id="rId17"/>
+    <p:sldId id="490" r:id="rId18"/>
+    <p:sldId id="483" r:id="rId19"/>
+    <p:sldId id="495" r:id="rId20"/>
+    <p:sldId id="468" r:id="rId21"/>
+    <p:sldId id="493" r:id="rId22"/>
+    <p:sldId id="469" r:id="rId23"/>
+    <p:sldId id="484" r:id="rId24"/>
+    <p:sldId id="505" r:id="rId25"/>
+    <p:sldId id="506" r:id="rId26"/>
+    <p:sldId id="507" r:id="rId27"/>
+    <p:sldId id="485" r:id="rId28"/>
+    <p:sldId id="486" r:id="rId29"/>
+    <p:sldId id="487" r:id="rId30"/>
+    <p:sldId id="476" r:id="rId31"/>
+    <p:sldId id="488" r:id="rId32"/>
+    <p:sldId id="496" r:id="rId33"/>
+    <p:sldId id="497" r:id="rId34"/>
+    <p:sldId id="499" r:id="rId35"/>
+    <p:sldId id="494" r:id="rId36"/>
+    <p:sldId id="489" r:id="rId37"/>
+    <p:sldId id="477" r:id="rId38"/>
+    <p:sldId id="500" r:id="rId39"/>
+    <p:sldId id="447" r:id="rId40"/>
   </p:sldIdLst>
   <p:sldSz cx="9144000" cy="6858000" type="screen4x3"/>
   <p:notesSz cx="6858000" cy="9144000"/>
@@ -182,11 +187,13 @@
             <p14:sldId id="491"/>
             <p14:sldId id="492"/>
             <p14:sldId id="501"/>
+            <p14:sldId id="503"/>
             <p14:sldId id="463"/>
             <p14:sldId id="450"/>
             <p14:sldId id="451"/>
             <p14:sldId id="460"/>
             <p14:sldId id="464"/>
+            <p14:sldId id="504"/>
             <p14:sldId id="465"/>
             <p14:sldId id="466"/>
             <p14:sldId id="490"/>
@@ -196,6 +203,9 @@
             <p14:sldId id="493"/>
             <p14:sldId id="469"/>
             <p14:sldId id="484"/>
+            <p14:sldId id="505"/>
+            <p14:sldId id="506"/>
+            <p14:sldId id="507"/>
             <p14:sldId id="485"/>
             <p14:sldId id="486"/>
             <p14:sldId id="487"/>
@@ -3535,6 +3545,296 @@
 </dgm:styleDef>
 </file>
 
+<file path=ppt/ink/ink1.xml><?xml version="1.0" encoding="utf-8"?>
+<inkml:ink xmlns:inkml="http://www.w3.org/2003/InkML">
+  <inkml:definitions>
+    <inkml:context xml:id="ctx0">
+      <inkml:inkSource xml:id="inkSrc0">
+        <inkml:traceFormat>
+          <inkml:channel name="X" type="integer" min="-2.14748E9" max="2.14748E9" units="cm"/>
+          <inkml:channel name="Y" type="integer" min="-2.14748E9" max="2.14748E9" units="cm"/>
+          <inkml:channel name="F" type="integer" max="32767" units="dev"/>
+          <inkml:channel name="OA" type="integer" max="360" units="deg"/>
+          <inkml:channel name="OE" type="integer" max="90" units="deg"/>
+        </inkml:traceFormat>
+        <inkml:channelProperties>
+          <inkml:channelProperty channel="X" name="resolution" value="1000" units="1/cm"/>
+          <inkml:channelProperty channel="Y" name="resolution" value="1000" units="1/cm"/>
+          <inkml:channelProperty channel="F" name="resolution" value="0" units="1/dev"/>
+          <inkml:channelProperty channel="OA" name="resolution" value="1000" units="1/deg"/>
+          <inkml:channelProperty channel="OE" name="resolution" value="1000" units="1/deg"/>
+        </inkml:channelProperties>
+      </inkml:inkSource>
+      <inkml:timestamp xml:id="ts0" timeString="2019-08-17T07:35:11.198"/>
+    </inkml:context>
+    <inkml:brush xml:id="br0">
+      <inkml:brushProperty name="width" value="0.05" units="cm"/>
+      <inkml:brushProperty name="height" value="0.05" units="cm"/>
+      <inkml:brushProperty name="color" value="#FF0066"/>
+    </inkml:brush>
+  </inkml:definitions>
+  <inkml:trace contextRef="#ctx0" brushRef="#br0">29 0 11344 0 0,'0'0'521'0'0,"0"0"-12"0"0,0 0-162 0 0,0 0 530 0 0,0 0 274 0 0,0 0 53 0 0,0 0-54 0 0,0 0-264 0 0,0 0-112 0 0,0 0-26 0 0,0 0-60 0 0,0 0-236 0 0,0 0-106 0 0,-1 3-24 0 0,-14 53 542 0 0,4 6-344 0 0,10-37-334 0 0,1 45-1318 0 0,6-40-3431 0 0,-6-28 2857 0 0</inkml:trace>
+</inkml:ink>
+</file>
+
+<file path=ppt/ink/ink2.xml><?xml version="1.0" encoding="utf-8"?>
+<inkml:ink xmlns:inkml="http://www.w3.org/2003/InkML">
+  <inkml:definitions>
+    <inkml:context xml:id="ctx0">
+      <inkml:inkSource xml:id="inkSrc0">
+        <inkml:traceFormat>
+          <inkml:channel name="X" type="integer" min="-2.14748E9" max="2.14748E9" units="cm"/>
+          <inkml:channel name="Y" type="integer" min="-2.14748E9" max="2.14748E9" units="cm"/>
+          <inkml:channel name="F" type="integer" max="32767" units="dev"/>
+          <inkml:channel name="OA" type="integer" max="360" units="deg"/>
+          <inkml:channel name="OE" type="integer" max="90" units="deg"/>
+        </inkml:traceFormat>
+        <inkml:channelProperties>
+          <inkml:channelProperty channel="X" name="resolution" value="1000" units="1/cm"/>
+          <inkml:channelProperty channel="Y" name="resolution" value="1000" units="1/cm"/>
+          <inkml:channelProperty channel="F" name="resolution" value="0" units="1/dev"/>
+          <inkml:channelProperty channel="OA" name="resolution" value="1000" units="1/deg"/>
+          <inkml:channelProperty channel="OE" name="resolution" value="1000" units="1/deg"/>
+        </inkml:channelProperties>
+      </inkml:inkSource>
+      <inkml:timestamp xml:id="ts0" timeString="2019-08-17T07:35:11.675"/>
+    </inkml:context>
+    <inkml:brush xml:id="br0">
+      <inkml:brushProperty name="width" value="0.05" units="cm"/>
+      <inkml:brushProperty name="height" value="0.05" units="cm"/>
+      <inkml:brushProperty name="color" value="#FF0066"/>
+    </inkml:brush>
+  </inkml:definitions>
+  <inkml:trace contextRef="#ctx0" brushRef="#br0">272 117 4144 0 0,'0'0'191'0'0,"0"0"373"0"0,0 0 1462 0 0,0 0 638 0 0,0 0 125 0 0,2-2-266 0 0,24-24 206 0 0,70-49 1542 0 0,-58 61-3237 0 0,-37 14-906 0 0,2 1-10 0 0,22 13 16 0 0,-15-4-111 0 0,-6-4-19 0 0,0 0 0 0 0,0 1-1 0 0,-1-1 1 0 0,0 1 0 0 0,0 0 0 0 0,0 0 0 0 0,-1 0-1 0 0,0 0 1 0 0,0 0 0 0 0,-1 1 0 0 0,0-1 0 0 0,-1 1-1 0 0,1-1 1 0 0,-1 2-4 0 0,0 232 211 0 0,-4-159-158 0 0,-17 69 71 0 0,-19-34 558 0 0,38-112-624 0 0,0 0 0 0 0,-1 0 0 0 0,1-1 1 0 0,-1 1-1 0 0,0-1 0 0 0,-1 1 1 0 0,1-1-1 0 0,-1 0 0 0 0,0-1 1 0 0,0 1-1 0 0,0 0 0 0 0,0-1 0 0 0,-1 0 1 0 0,1 0-1 0 0,-1 0 0 0 0,0-1 1 0 0,0 0-1 0 0,0 0 0 0 0,0 0 1 0 0,0 0-1 0 0,-1-1 0 0 0,0 1-58 0 0,-71-13 832 0 0,57 2-800 0 0,1 0 0 0 0,0-1 0 0 0,0-1 0 0 0,1-1 0 0 0,0-1 0 0 0,1 0 0 0 0,-15-16-32 0 0,-21-23-288 0 0,48 45-81 0 0,-30-49-392 0 0,21 17-7543 0 0,13 30 939 0 0</inkml:trace>
+</inkml:ink>
+</file>
+
+<file path=ppt/ink/ink3.xml><?xml version="1.0" encoding="utf-8"?>
+<inkml:ink xmlns:inkml="http://www.w3.org/2003/InkML">
+  <inkml:definitions>
+    <inkml:context xml:id="ctx0">
+      <inkml:inkSource xml:id="inkSrc0">
+        <inkml:traceFormat>
+          <inkml:channel name="X" type="integer" min="-2.14748E9" max="2.14748E9" units="cm"/>
+          <inkml:channel name="Y" type="integer" min="-2.14748E9" max="2.14748E9" units="cm"/>
+          <inkml:channel name="F" type="integer" max="32767" units="dev"/>
+          <inkml:channel name="OA" type="integer" max="360" units="deg"/>
+          <inkml:channel name="OE" type="integer" max="90" units="deg"/>
+        </inkml:traceFormat>
+        <inkml:channelProperties>
+          <inkml:channelProperty channel="X" name="resolution" value="1000" units="1/cm"/>
+          <inkml:channelProperty channel="Y" name="resolution" value="1000" units="1/cm"/>
+          <inkml:channelProperty channel="F" name="resolution" value="0" units="1/dev"/>
+          <inkml:channelProperty channel="OA" name="resolution" value="1000" units="1/deg"/>
+          <inkml:channelProperty channel="OE" name="resolution" value="1000" units="1/deg"/>
+        </inkml:channelProperties>
+      </inkml:inkSource>
+      <inkml:timestamp xml:id="ts0" timeString="2019-08-17T07:35:18.489"/>
+    </inkml:context>
+    <inkml:brush xml:id="br0">
+      <inkml:brushProperty name="width" value="0.05" units="cm"/>
+      <inkml:brushProperty name="height" value="0.05" units="cm"/>
+      <inkml:brushProperty name="color" value="#FF0066"/>
+    </inkml:brush>
+  </inkml:definitions>
+  <inkml:trace contextRef="#ctx0" brushRef="#br0">0 165 7368 0 0,'14'0'568'0'0,"-4"-9"-68"0"0,7 2 1371 0 0,-9 5 3675 0 0,-6 2-5386 0 0,0 1 0 0 0,0-1 0 0 0,0 0 1 0 0,0 1-1 0 0,0-1 0 0 0,0 1 0 0 0,0 0 0 0 0,0 0 1 0 0,0-1-1 0 0,0 1 0 0 0,0 1 0 0 0,-1-1 1 0 0,1 0-1 0 0,0 0 0 0 0,-1 1 0 0 0,1-1 0 0 0,-1 1 1 0 0,1-1-1 0 0,-1 1-160 0 0,7 32 716 0 0,-4-18-504 0 0,0-3-105 0 0,0-1 0 0 0,-1 1 0 0 0,-1 0 0 0 0,0 0 0 0 0,-1 0 0 0 0,0 0 0 0 0,-1 2-107 0 0,-3 67 341 0 0,12 4 39 0 0,-12-3 2 0 0,16-6-28 0 0,5 43 197 0 0,-7-76-388 0 0,-11-42-160 0 0,0 0 0 0 0,0 0 0 0 0,0 0 0 0 0,1 0 0 0 0,-1 0 0 0 0,1 0 0 0 0,-1 0 0 0 0,1 0 0 0 0,-1 0 0 0 0,1 0 0 0 0,0-1 0 0 0,0 1 0 0 0,0 0 0 0 0,0 0 0 0 0,0-1 0 0 0,0 1 0 0 0,1-1 0 0 0,-1 1 1 0 0,0-1-1 0 0,1 1 0 0 0,-1-1 0 0 0,1 0 0 0 0,-1 0 0 0 0,1 0 0 0 0,1 1-3 0 0,9 7 25 0 0,-10-8 44 0 0,-1-1-1 0 0,65-29 518 0 0,-34-3-133 0 0,-21 26-417 0 0,33-28-31 0 0,-25-16-5 0 0,17-36 0 0 0,-23-21 118 0 0,-10 96-97 0 0,-1 0 0 0 0,0-1 1 0 0,-1 1-1 0 0,-1-1 0 0 0,0 0 1 0 0,0 1-1 0 0,-1-1 0 0 0,-1-6-21 0 0,8-99 231 0 0,-8 101-176 0 0,2 15-50 0 0,0 0 0 0 0,-1 0-1 0 0,1-1 1 0 0,0 1 0 0 0,0 0 0 0 0,0 0 0 0 0,-1 0-1 0 0,1 0 1 0 0,0 0 0 0 0,1 0 0 0 0,-1 0 0 0 0,0 0-1 0 0,0 0 1 0 0,0 0 0 0 0,1-1 0 0 0,-1 1 0 0 0,0 0-1 0 0,1 0 1 0 0,-1 0 0 0 0,1 0 0 0 0,-1 1 0 0 0,1-1-1 0 0,0 0 1 0 0,-1 0 0 0 0,1 0 0 0 0,0 0 0 0 0,0 0 0 0 0,-1 1-1 0 0,1-1 1 0 0,0 0 0 0 0,0 1-5 0 0,1-1 53 0 0,0 4 1 0 0,6 40-44 0 0,-20 22 44 0 0,24 3-128 0 0,-20-9 8 0 0,6-51 59 0 0,0-1 1 0 0,1 1-1 0 0,0 0 1 0 0,0 0-1 0 0,1 0 1 0 0,0 0-1 0 0,0 0 0 0 0,1 0 1 0 0,0 0-1 0 0,1 5 7 0 0,-3 39 0 0 0,2-48 0 0 0,-1-1 0 0 0,1 1 0 0 0,0 0 0 0 0,1-1 0 0 0,-1 1 0 0 0,0-1 0 0 0,1 1 0 0 0,0-1 0 0 0,0 0 0 0 0,0 0 0 0 0,0 0 0 0 0,0 0 0 0 0,1 0 0 0 0,0 0 0 0 0,-1-1 0 0 0,1 1 0 0 0,0-1 0 0 0,0 1 0 0 0,2 0 0 0 0,5 6 0 0 0,-7-6 8 0 0,1 0-1 0 0,-1-1 0 0 0,0 1 0 0 0,1-1 1 0 0,0 1-1 0 0,0-1 0 0 0,-1 0 0 0 0,1 0 1 0 0,1-1-1 0 0,-1 1 0 0 0,0-1 1 0 0,0 0-1 0 0,0 0 0 0 0,1 0 0 0 0,-1-1 1 0 0,0 0-1 0 0,1 0 0 0 0,-1 0 1 0 0,0 0-1 0 0,1 0 0 0 0,-1-1 0 0 0,0 0 1 0 0,1 0-1 0 0,3-1-7 0 0,2-2 46 0 0,0 0 0 0 0,1-1 1 0 0,-2 0-1 0 0,1 0 0 0 0,-1-1 0 0 0,1-1 0 0 0,-2 1 1 0 0,1-2-1 0 0,-1 1 0 0 0,0-1 0 0 0,0 0 1 0 0,5-9-47 0 0,1-3 110 0 0,-1 0 0 0 0,-1-1 0 0 0,-1 0 0 0 0,-1-1 0 0 0,7-22-110 0 0,16-71 327 0 0,-27 90-279 0 0,-2 0 0 0 0,-1-1 1 0 0,-1 0-1 0 0,-1 0 0 0 0,-1-5-48 0 0,-6-88-12 0 0,12 27-2020 0 0,-5 89 120 0 0,-1 3-3784 0 0,0 0-1619 0 0</inkml:trace>
+  <inkml:trace contextRef="#ctx0" brushRef="#br0" timeOffset="323.137">845 829 9216 0 0,'2'-1'706'0'0,"52"-43"3573"0"0,2-3 266 0 0,-47 51-1561 0 0,-6 36-2668 0 0,-13 37-5 0 0,9 17 43 0 0,8-74-178 0 0,2-9-96 0 0,3-1-97 0 0,-11-9-92 0 0,1-1 0 0 0,0 0 0 0 0,-1 1-1 0 0,1-1 1 0 0,0 0 0 0 0,0 0 0 0 0,-1 1 0 0 0,1-1 0 0 0,0-1 0 0 0,0 1 0 0 0,-1 0-1 0 0,1 0 1 0 0,0-1 0 0 0,0 1 0 0 0,-1-1 0 0 0,1 1 0 0 0,0-1 0 0 0,-1 0-1 0 0,1 0 1 0 0,-1 1 0 0 0,1-1 0 0 0,-1 0 0 0 0,0-1 0 0 0,1 1 0 0 0,-1 0 0 0 0,0 0-1 0 0,1 0 1 0 0,-1-1 0 0 0,0 1 0 0 0,0-1 0 0 0,0 1 0 0 0,0-1 0 0 0,-1 1-1 0 0,1-1 1 0 0,0 0 0 0 0,-1 1 0 0 0,1-1 0 0 0,-1 0 0 0 0,1 0 109 0 0,0 0-377 0 0,8-12-1692 0 0</inkml:trace>
+  <inkml:trace contextRef="#ctx0" brushRef="#br0" timeOffset="577.668">1155 375 14368 0 0,'0'0'661'0'0,"0"0"-17"0"0,0 0-265 0 0,0 0 419 0 0,0 0 235 0 0,0 2 45 0 0,1 77 2160 0 0,16-40-5689 0 0,-13-34 726 0 0,0 4 6 0 0</inkml:trace>
+  <inkml:trace contextRef="#ctx0" brushRef="#br0" timeOffset="826.018">1420 340 14168 0 0,'0'0'322'0'0,"0"0"45"0"0,0 0 18 0 0,0 0-41 0 0,0 0-101 0 0,0 0 406 0 0,0 0 204 0 0,0 2 41 0 0,-11 45 775 0 0,-17-3-3636 0 0,9-26 759 0 0</inkml:trace>
+  <inkml:trace contextRef="#ctx0" brushRef="#br0" timeOffset="1005.536">1247 881 1376 0 0,'2'0'107'0'0,"22"-5"330"0"0,21-4 7695 0 0,14-10-2386 0 0,-17 14-4179 0 0,5 26 618 0 0,-28-9-1500 0 0,-11-1-161 0 0,-5-7-438 0 0,-1 0 0 0 0,0 1-1 0 0,0-1 1 0 0,0 0 0 0 0,0 1-1 0 0,-1 0 1 0 0,0-1 0 0 0,0 1 0 0 0,0 0-1 0 0,-1-1 1 0 0,1 1 0 0 0,-1 4-86 0 0,3 20 385 0 0,7 76 353 0 0,-9 31 318 0 0,-2-120-917 0 0,0-1 0 0 0,-1 1-1 0 0,0-1 1 0 0,-2 1 0 0 0,0-1-1 0 0,-5 13-138 0 0,-19 31 968 0 0,24-51-884 0 0,-1 0-1 0 0,0-1 1 0 0,-1 1 0 0 0,1-1-1 0 0,-1 0 1 0 0,-1-1-1 0 0,1 0 1 0 0,-1 0 0 0 0,0 0-1 0 0,-4 2-83 0 0,-61 21 949 0 0,18-43-338 0 0,5 3-575 0 0,27 0-600 0 0,0 0-1 0 0,1-1 1 0 0,1-1 0 0 0,0-1-1 0 0,1 0 1 0 0,0-2-1 0 0,2 0 1 0 0,-1-1 0 0 0,2-1-1 0 0,-3-4 565 0 0,-6-11-1588 0 0</inkml:trace>
+</inkml:ink>
+</file>
+
+<file path=ppt/ink/ink4.xml><?xml version="1.0" encoding="utf-8"?>
+<inkml:ink xmlns:inkml="http://www.w3.org/2003/InkML">
+  <inkml:definitions>
+    <inkml:context xml:id="ctx0">
+      <inkml:inkSource xml:id="inkSrc0">
+        <inkml:traceFormat>
+          <inkml:channel name="X" type="integer" min="-2.14748E9" max="2.14748E9" units="cm"/>
+          <inkml:channel name="Y" type="integer" min="-2.14748E9" max="2.14748E9" units="cm"/>
+          <inkml:channel name="F" type="integer" max="32767" units="dev"/>
+          <inkml:channel name="OA" type="integer" max="360" units="deg"/>
+          <inkml:channel name="OE" type="integer" max="90" units="deg"/>
+        </inkml:traceFormat>
+        <inkml:channelProperties>
+          <inkml:channelProperty channel="X" name="resolution" value="1000" units="1/cm"/>
+          <inkml:channelProperty channel="Y" name="resolution" value="1000" units="1/cm"/>
+          <inkml:channelProperty channel="F" name="resolution" value="0" units="1/dev"/>
+          <inkml:channelProperty channel="OA" name="resolution" value="1000" units="1/deg"/>
+          <inkml:channelProperty channel="OE" name="resolution" value="1000" units="1/deg"/>
+        </inkml:channelProperties>
+      </inkml:inkSource>
+      <inkml:timestamp xml:id="ts0" timeString="2019-08-17T07:35:33.430"/>
+    </inkml:context>
+    <inkml:brush xml:id="br0">
+      <inkml:brushProperty name="width" value="0.05" units="cm"/>
+      <inkml:brushProperty name="height" value="0.05" units="cm"/>
+      <inkml:brushProperty name="color" value="#FF0066"/>
+    </inkml:brush>
+  </inkml:definitions>
+  <inkml:trace contextRef="#ctx0" brushRef="#br0">3370 2376 5528 0 0,'0'0'422'0'0,"-2"0"17"0"0,0-1 16 0 0,-1 0 0 0 0,1 1 0 0 0,0-1 0 0 0,0-1 0 0 0,0 1 0 0 0,0 0 0 0 0,1 0-1 0 0,-1-1 1 0 0,0 1 0 0 0,0-1 0 0 0,1 0 0 0 0,-1 1 0 0 0,1-1 0 0 0,-1 0 0 0 0,1 0 0 0 0,0 0 0 0 0,0 0 0 0 0,0 0 0 0 0,0 0 0 0 0,0 0-455 0 0,0 0 1082 0 0,1 2-53 0 0,0 0-62 0 0,0 0-240 0 0,0 0-102 0 0,0 0-17 0 0,0 0-51 0 0,-1 3-185 0 0,-16 43 642 0 0,8 46-388 0 0,20-18-744 0 0</inkml:trace>
+  <inkml:trace contextRef="#ctx0" brushRef="#br0" timeOffset="-2">122 1656 9504 0 0,'0'0'432'0'0,"0"0"-6"0"0,-11-6-127 0 0,-7 6 4348 0 0,9 21-1734 0 0,18 30-1223 0 0,-6-45-1584 0 0,0 1-1 0 0,0-1 0 0 0,1 0 0 0 0,0 0 0 0 0,0-1 1 0 0,0 1-1 0 0,1-1 0 0 0,0 0 0 0 0,0 0 0 0 0,0 0 0 0 0,1-1 1 0 0,0 0-1 0 0,0 0 0 0 0,0 0 0 0 0,0-1 0 0 0,0 0 1 0 0,1 0-1 0 0,-1 0 0 0 0,5 0-105 0 0,107 60 609 0 0,-19-9-281 0 0,94 57-181 0 0,-102-72-14 0 0,61 17 46 0 0,-136-50-154 0 0,217 62 235 0 0,-101-34 20 0 0,-50-10-16 0 0,106 29 344 0 0,-14-23-373 0 0,-129-24-182 0 0,14 1 1 0 0,7 1 16 0 0,-6 8-4 0 0,-4 3-44 0 0,14-3 92 0 0,0 7-37 0 0,-25-10 0 0 0,19-10-13 0 0,23 26 0 0 0,-53-14 0 0 0,47 14 272 0 0,-33-15-333 0 0,19 4 1 0 0,-39-9 133 0 0,-25-8-73 0 0,-3-1 0 0 0,3 2-10 0 0,28 11-44 0 0,1 2-22 0 0,5-6-48 0 0,-8 1 60 0 0,-27-9 0 0 0</inkml:trace>
+  <inkml:trace contextRef="#ctx0" brushRef="#br0" timeOffset="-1">2693 2687 28575 0 0,'-36'-12'0'0'0,"-71"-36"0"0"0,-64-18 0 0 0,73 22 0 0 0,-32-25 0 0 0,-40-26 0 0 0,13 11 0 0 0,-28 2 0 0 0,147 67 0 0 0,-173-46-64 0 0,-84-12 0 0 0,109 12-12 0 0,15-5-56 0 0,56-10 60 0 0,54 21 72 0 0,-49-40-64 0 0,79 70 64 0 0,-22-8-72 0 0,25 18 8 0 0,-1 10 64 0 0,4 5-11 0 0,1 1-42 0 0,8-1 42 0 0,7 5-31 0 0,-3 7 20 0 0,11-11-31 0 0,1 1 0 0 0,-1 6 42 0 0,-3 2 11 0 0,-24 10 0 0 0,-34-17-11 0 0,23-1-42 0 0,-23 1-11 0 0,37-3 53 0 0,23 0-42 0 0,2 0-14 0 0,0 0-7 0 0,2 1 18 0 0,57 32-27 0 0,-45-21 64 0 0,1-1-1 0 0,0-1 1 0 0,1 0-1 0 0,0-1 1 0 0,15 5 19 0 0,31 18-39 0 0,129 59 39 0 0,-36-28 0 0 0,-79-30 67 0 0,1-3-1 0 0,52 12-66 0 0,36 13 59 0 0,76 35 88 0 0,-149-49-41 0 0,-10 2-20 0 0,9-8 20 0 0,-30-6-95 0 0,80 23 53 0 0,-30-4 0 0 0,46 16 64 0 0,-115-41-117 0 0,41 20 42 0 0,-24-15-53 0 0,51 8 117 0 0,-97-29-107 0 0,1 0-1 0 0,0-1 0 0 0,0 0 0 0 0,1-1 0 0 0,0-1 0 0 0,0 0 0 0 0,15 1-9 0 0,50 19 11 0 0,-35-5 0 0 0,48 0 53 0 0,-42-7-9 0 0</inkml:trace>
+  <inkml:trace contextRef="#ctx0" brushRef="#br0" timeOffset="-15721.485">2070 2241 1376 0 0,'0'-1'107'0'0,"-22"-46"4722"0"0,13-22-1039 0 0,11-32-1684 0 0,-2 49-1076 0 0,2 0 0 0 0,3 0 0 0 0,5-22-1030 0 0,-4 24 478 0 0,-5 41-379 0 0,8-61 779 0 0,2 0-1 0 0,17-53-877 0 0,32-44 544 0 0,-20 99-433 0 0,3 3-1 0 0,2 1 0 0 0,3 3 1 0 0,3 1-1 0 0,2 3 1 0 0,37-29-111 0 0,18-14 43 0 0,4 5 0 0 0,17-4-43 0 0,-57 50 130 0 0,1 4-1 0 0,2 3 0 0 0,9 0-129 0 0,202-71 440 0 0,-246 98-368 0 0,376-116 260 0 0,-203 83-232 0 0,96-1 582 0 0,-154 36-136 0 0,-105 12-127 0 0,1 2 0 0 0,-1 2-1 0 0,24 6-418 0 0,-38-8 388 0 0,-34-1-250 0 0,-2 0 38 0 0,0 0 14 0 0,0 0 2 0 0,0 0-58 0 0,0 0-248 0 0,0 0-108 0 0,0 0-24 0 0,-1 1-56 0 0,-5 6-481 0 0,-5 3 325 0 0,-4-1-4407 0 0,-14 7 2904 0 0,4-1-13 0 0</inkml:trace>
+</inkml:ink>
+</file>
+
+<file path=ppt/ink/ink5.xml><?xml version="1.0" encoding="utf-8"?>
+<inkml:ink xmlns:inkml="http://www.w3.org/2003/InkML">
+  <inkml:definitions>
+    <inkml:context xml:id="ctx0">
+      <inkml:inkSource xml:id="inkSrc0">
+        <inkml:traceFormat>
+          <inkml:channel name="X" type="integer" min="-2.14748E9" max="2.14748E9" units="cm"/>
+          <inkml:channel name="Y" type="integer" min="-2.14748E9" max="2.14748E9" units="cm"/>
+        </inkml:traceFormat>
+        <inkml:channelProperties>
+          <inkml:channelProperty channel="X" name="resolution" value="1000" units="1/cm"/>
+          <inkml:channelProperty channel="Y" name="resolution" value="1000" units="1/cm"/>
+        </inkml:channelProperties>
+      </inkml:inkSource>
+      <inkml:timestamp xml:id="ts0" timeString="2019-08-17T07:35:38.895"/>
+    </inkml:context>
+    <inkml:brush xml:id="br0">
+      <inkml:brushProperty name="width" value="0.05" units="cm"/>
+      <inkml:brushProperty name="height" value="0.05" units="cm"/>
+      <inkml:brushProperty name="color" value="#FF0066"/>
+      <inkml:brushProperty name="ignorePressure" value="1"/>
+    </inkml:brush>
+  </inkml:definitions>
+  <inkml:trace contextRef="#ctx0" brushRef="#br0">0 1,'0'0</inkml:trace>
+</inkml:ink>
+</file>
+
+<file path=ppt/ink/ink6.xml><?xml version="1.0" encoding="utf-8"?>
+<inkml:ink xmlns:inkml="http://www.w3.org/2003/InkML">
+  <inkml:definitions>
+    <inkml:context xml:id="ctx0">
+      <inkml:inkSource xml:id="inkSrc0">
+        <inkml:traceFormat>
+          <inkml:channel name="X" type="integer" min="-2.14748E9" max="2.14748E9" units="cm"/>
+          <inkml:channel name="Y" type="integer" min="-2.14748E9" max="2.14748E9" units="cm"/>
+          <inkml:channel name="F" type="integer" max="32767" units="dev"/>
+          <inkml:channel name="OA" type="integer" max="360" units="deg"/>
+          <inkml:channel name="OE" type="integer" max="90" units="deg"/>
+        </inkml:traceFormat>
+        <inkml:channelProperties>
+          <inkml:channelProperty channel="X" name="resolution" value="1000" units="1/cm"/>
+          <inkml:channelProperty channel="Y" name="resolution" value="1000" units="1/cm"/>
+          <inkml:channelProperty channel="F" name="resolution" value="0" units="1/dev"/>
+          <inkml:channelProperty channel="OA" name="resolution" value="1000" units="1/deg"/>
+          <inkml:channelProperty channel="OE" name="resolution" value="1000" units="1/deg"/>
+        </inkml:channelProperties>
+      </inkml:inkSource>
+      <inkml:timestamp xml:id="ts0" timeString="2019-08-17T07:35:40.141"/>
+    </inkml:context>
+    <inkml:brush xml:id="br0">
+      <inkml:brushProperty name="width" value="0.05" units="cm"/>
+      <inkml:brushProperty name="height" value="0.05" units="cm"/>
+      <inkml:brushProperty name="color" value="#FF0066"/>
+    </inkml:brush>
+  </inkml:definitions>
+  <inkml:trace contextRef="#ctx0" brushRef="#br0">0 101 7168 0 0,'0'0'330'0'0,"0"0"-8"0"0,0 0-114 0 0,0 0 301 0 0,0 0 158 0 0,0 0 33 0 0,0 0 14 0 0,0 0 45 0 0,0 0 17 0 0,0 0 7 0 0,0 0-35 0 0,0 0-152 0 0,0 0-70 0 0,0 0-12 0 0,0 0-2 0 0,0 0-2 0 0,0 0-5 0 0,1-2-1 0 0,12-13 504 0 0,-11 14-504 0 0,4-9 471 0 0,8-3-118 0 0,-12 12-595 0 0,-1-1 20 0 0,30-37 957 0 0,-15 35-894 0 0,37-10 827 0 0,-39 18-1088 0 0,-4 1-84 0 0,-1 5 11 0 0,-8-9-8 0 0,1 1-1 0 0,-1 1 0 0 0,1 0 0 0 0,-1 0 1 0 0,0-1-1 0 0,1 1 0 0 0,-1 0 0 0 0,0 0 0 0 0,-1 0 0 0 0,1 0 1 0 0,-1 0-1 0 0,1 0 0 0 0,-1 0 0 0 0,0 0 0 0 0,0 1 1 0 0,0-1-1 0 0,0 0 0 0 0,-1 1-2 0 0,-5 62-55 0 0,-10-8 275 0 0,0 14-220 0 0,16-31-205 0 0,10-28 278 0 0,42-13 427 0 0,-11-20-196 0 0,-5-5-186 0 0,-1 2 68 0 0,-30 18-245 0 0,-1 3-16 0 0,0-1 1 0 0,-1 0 0 0 0,1 0-1 0 0,-1 0 1 0 0,0-1-1 0 0,0 1 1 0 0,-1-1 0 0 0,1 1-1 0 0,-1-1 1 0 0,1 0 0 0 0,-1 0-1 0 0,0 0 1 0 0,-1 0 0 0 0,1 0-1 0 0,-1-1 1 0 0,1-1 74 0 0,3-11-879 0 0,-4 15 223 0 0,0 0-874 0 0,1-10-389 0 0,-1-4-80 0 0</inkml:trace>
+</inkml:ink>
+</file>
+
+<file path=ppt/ink/ink7.xml><?xml version="1.0" encoding="utf-8"?>
+<inkml:ink xmlns:inkml="http://www.w3.org/2003/InkML">
+  <inkml:definitions>
+    <inkml:context xml:id="ctx0">
+      <inkml:inkSource xml:id="inkSrc0">
+        <inkml:traceFormat>
+          <inkml:channel name="X" type="integer" min="-2.14748E9" max="2.14748E9" units="cm"/>
+          <inkml:channel name="Y" type="integer" min="-2.14748E9" max="2.14748E9" units="cm"/>
+          <inkml:channel name="F" type="integer" max="32767" units="dev"/>
+          <inkml:channel name="OA" type="integer" max="360" units="deg"/>
+          <inkml:channel name="OE" type="integer" max="90" units="deg"/>
+        </inkml:traceFormat>
+        <inkml:channelProperties>
+          <inkml:channelProperty channel="X" name="resolution" value="1000" units="1/cm"/>
+          <inkml:channelProperty channel="Y" name="resolution" value="1000" units="1/cm"/>
+          <inkml:channelProperty channel="F" name="resolution" value="0" units="1/dev"/>
+          <inkml:channelProperty channel="OA" name="resolution" value="1000" units="1/deg"/>
+          <inkml:channelProperty channel="OE" name="resolution" value="1000" units="1/deg"/>
+        </inkml:channelProperties>
+      </inkml:inkSource>
+      <inkml:timestamp xml:id="ts0" timeString="2019-08-17T07:35:40.803"/>
+    </inkml:context>
+    <inkml:brush xml:id="br0">
+      <inkml:brushProperty name="width" value="0.05" units="cm"/>
+      <inkml:brushProperty name="height" value="0.05" units="cm"/>
+      <inkml:brushProperty name="color" value="#FF0066"/>
+    </inkml:brush>
+  </inkml:definitions>
+  <inkml:trace contextRef="#ctx0" brushRef="#br0">23 0 3680 0 0,'0'0'167'0'0,"0"0"270"0"0,0 0 1031 0 0,0 0 445 0 0,0 0 87 0 0,0 0-128 0 0,0 0-597 0 0,0 0-262 0 0,0 0-56 0 0,0 0-75 0 0,0 0-272 0 0,0 0-118 0 0,0 0-20 0 0,0 0-15 0 0,0 0-33 0 0,0 0-9 0 0,0 3-6 0 0,-16 51 1885 0 0,16-52-2021 0 0,0 1-8 0 0,-6 60 263 0 0,11 29 0 0 0,-4-1 536 0 0,-1-89-984 0 0,0-2-74 0 0,0 0-380 0 0,0 0-159 0 0,0 0-955 0 0,0-2-3857 0 0,0-6-1648 0 0</inkml:trace>
+</inkml:ink>
+</file>
+
+<file path=ppt/ink/ink8.xml><?xml version="1.0" encoding="utf-8"?>
+<inkml:ink xmlns:inkml="http://www.w3.org/2003/InkML">
+  <inkml:definitions>
+    <inkml:context xml:id="ctx0">
+      <inkml:inkSource xml:id="inkSrc0">
+        <inkml:traceFormat>
+          <inkml:channel name="X" type="integer" min="-2.14748E9" max="2.14748E9" units="cm"/>
+          <inkml:channel name="Y" type="integer" min="-2.14748E9" max="2.14748E9" units="cm"/>
+          <inkml:channel name="F" type="integer" max="32767" units="dev"/>
+          <inkml:channel name="OA" type="integer" max="360" units="deg"/>
+          <inkml:channel name="OE" type="integer" max="90" units="deg"/>
+        </inkml:traceFormat>
+        <inkml:channelProperties>
+          <inkml:channelProperty channel="X" name="resolution" value="1000" units="1/cm"/>
+          <inkml:channelProperty channel="Y" name="resolution" value="1000" units="1/cm"/>
+          <inkml:channelProperty channel="F" name="resolution" value="0" units="1/dev"/>
+          <inkml:channelProperty channel="OA" name="resolution" value="1000" units="1/deg"/>
+          <inkml:channelProperty channel="OE" name="resolution" value="1000" units="1/deg"/>
+        </inkml:channelProperties>
+      </inkml:inkSource>
+      <inkml:timestamp xml:id="ts0" timeString="2019-08-17T07:35:43.661"/>
+    </inkml:context>
+    <inkml:brush xml:id="br0">
+      <inkml:brushProperty name="width" value="0.05" units="cm"/>
+      <inkml:brushProperty name="height" value="0.05" units="cm"/>
+      <inkml:brushProperty name="color" value="#FF0066"/>
+    </inkml:brush>
+  </inkml:definitions>
+  <inkml:trace contextRef="#ctx0" brushRef="#br0">33 43 1024 0 0,'-33'-42'0'0'0</inkml:trace>
+</inkml:ink>
+</file>
+
+<file path=ppt/ink/ink9.xml><?xml version="1.0" encoding="utf-8"?>
+<inkml:ink xmlns:inkml="http://www.w3.org/2003/InkML">
+  <inkml:definitions>
+    <inkml:context xml:id="ctx0">
+      <inkml:inkSource xml:id="inkSrc0">
+        <inkml:traceFormat>
+          <inkml:channel name="X" type="integer" min="-2.14748E9" max="2.14748E9" units="cm"/>
+          <inkml:channel name="Y" type="integer" min="-2.14748E9" max="2.14748E9" units="cm"/>
+          <inkml:channel name="F" type="integer" max="32767" units="dev"/>
+          <inkml:channel name="OA" type="integer" max="360" units="deg"/>
+          <inkml:channel name="OE" type="integer" max="90" units="deg"/>
+        </inkml:traceFormat>
+        <inkml:channelProperties>
+          <inkml:channelProperty channel="X" name="resolution" value="1000" units="1/cm"/>
+          <inkml:channelProperty channel="Y" name="resolution" value="1000" units="1/cm"/>
+          <inkml:channelProperty channel="F" name="resolution" value="0" units="1/dev"/>
+          <inkml:channelProperty channel="OA" name="resolution" value="1000" units="1/deg"/>
+          <inkml:channelProperty channel="OE" name="resolution" value="1000" units="1/deg"/>
+        </inkml:channelProperties>
+      </inkml:inkSource>
+      <inkml:timestamp xml:id="ts0" timeString="2019-08-17T07:35:44.184"/>
+    </inkml:context>
+    <inkml:brush xml:id="br0">
+      <inkml:brushProperty name="width" value="0.05" units="cm"/>
+      <inkml:brushProperty name="height" value="0.05" units="cm"/>
+      <inkml:brushProperty name="color" value="#FF0066"/>
+    </inkml:brush>
+  </inkml:definitions>
+  <inkml:trace contextRef="#ctx0" brushRef="#br0">77 34 1376 0 0,'-30'-4'128'0'0,"11"-2"264"0"0,16-1 4382 0 0,-17-7 5534 0 0,19 13-11209 0 0,-2-1 1882 0 0,3 2-328 0 0,0 0-143 0 0,0 0-29 0 0,0 0-38 0 0,0 0-130 0 0,0 0-52 0 0,0 0-6 0 0,0 3 9 0 0,0 0-197 0 0,1 0 0 0 0,-1 0 1 0 0,1-1-1 0 0,0 1 0 0 0,-1 0 0 0 0,1 0 0 0 0,1-1 0 0 0,-1 1 1 0 0,0 0-1 0 0,1-1 0 0 0,-1 1 0 0 0,1-1 0 0 0,0 0 0 0 0,0 0 1 0 0,0 1-1 0 0,0-1 0 0 0,0 0 0 0 0,1 0-67 0 0,4 5 175 0 0,53 52 988 0 0,-23-24-766 0 0,-35-31-360 0 0,2 1 1 0 0,-1-1-1 0 0,0 1 0 0 0,1-1 1 0 0,0 0-1 0 0,0 0 0 0 0,0-1 1 0 0,0 1-1 0 0,1-1 0 0 0,-1 0 1 0 0,1 0-1 0 0,4 2-37 0 0,63 53 313 0 0,-16-34-185 0 0,-41-13-74 0 0,6 16-43 0 0,-13-24-12 0 0,16 9 13 0 0,-11 1 146 0 0,-2-2-56 0 0,-2 8 76 0 0,32 22 4 0 0,-40-41-178 0 0,0 1 0 0 0,-1-1 0 0 0,1 0 0 0 0,0 1 0 0 0,-1-1 0 0 0,1 0 0 0 0,0 1 0 0 0,-1-1-1 0 0,1 1 1 0 0,-1-1 0 0 0,1 1 0 0 0,-1-1 0 0 0,1 1 0 0 0,-1 0 0 0 0,1-1 0 0 0,-1 1 0 0 0,0-1 0 0 0,1 1 0 0 0,-1 0-1 0 0,0 0 1 0 0,1-1 0 0 0,-1 1 0 0 0,0 0 0 0 0,0-1 0 0 0,0 1 0 0 0,0 0 0 0 0,0 0 0 0 0,1-1 0 0 0,-2 1 0 0 0,1 0 0 0 0,0 0-1 0 0,0-1 1 0 0,0 1 0 0 0,0 0 0 0 0,0 0 0 0 0,0-1 0 0 0,-1 1 0 0 0,1 0 0 0 0,0-1 0 0 0,-1 1 0 0 0,1 0 0 0 0,-1-1-1 0 0,1 1 1 0 0,0-1 0 0 0,-1 1-4 0 0,-13 28 100 0 0,-23 0-12 0 0,-22 17 388 0 0,2-17-203 0 0,25-16-170 0 0,-6 19 73 0 0,10-16-177 0 0,22-14-82 0 0,1 1-1 0 0,-1 0 0 0 0,1 0 1 0 0,0 1-1 0 0,0 0 0 0 0,0 0 1 0 0,0 0-1 0 0,1 0 1 0 0,0 0-1 0 0,-4 6 84 0 0,-21 16-2827 0 0,21-14-2825 0 0,7 1-1615 0 0</inkml:trace>
+</inkml:ink>
+</file>
+
 <file path=ppt/notesMasters/notesMaster1.xml><?xml version="1.0" encoding="utf-8"?>
 <p:notesMaster xmlns:a="http://schemas.openxmlformats.org/drawingml/2006/main" xmlns:r="http://schemas.openxmlformats.org/officeDocument/2006/relationships" xmlns:p="http://schemas.openxmlformats.org/presentationml/2006/main">
   <p:cSld>
@@ -3638,7 +3938,7 @@
               <a:pPr>
                 <a:defRPr/>
               </a:pPr>
-              <a:t>7/25/2019</a:t>
+              <a:t>8/17/2019</a:t>
             </a:fld>
             <a:endParaRPr lang="en-US" altLang="zh-CN"/>
           </a:p>
@@ -4517,7 +4817,7 @@
               <a:pPr>
                 <a:defRPr/>
               </a:pPr>
-              <a:t>16</a:t>
+              <a:t>18</a:t>
             </a:fld>
             <a:endParaRPr lang="en-US" altLang="zh-CN"/>
           </a:p>
@@ -4690,7 +4990,7 @@
           <a:p>
             <a:fld id="{3F9096D2-8776-4F5C-A458-4FD37E7160D3}" type="slidenum">
               <a:rPr lang="zh-TW" altLang="en-US" smtClean="0"/>
-              <a:t>20</a:t>
+              <a:t>22</a:t>
             </a:fld>
             <a:endParaRPr lang="zh-TW" altLang="en-US"/>
           </a:p>
@@ -4774,7 +5074,7 @@
           <a:p>
             <a:fld id="{3F9096D2-8776-4F5C-A458-4FD37E7160D3}" type="slidenum">
               <a:rPr lang="zh-TW" altLang="en-US" smtClean="0"/>
-              <a:t>29</a:t>
+              <a:t>34</a:t>
             </a:fld>
             <a:endParaRPr lang="zh-TW" altLang="en-US"/>
           </a:p>
@@ -7608,47 +7908,62 @@
           <a:lstStyle/>
           <a:p>
             <a:r>
-              <a:rPr lang="zh-CN" altLang="en-US"/>
-              <a:t>人工神经网络由神经元模型构成，这种由许多神经元组成的信息处理网络具有并行分布结构。</a:t>
-            </a:r>
+              <a:rPr lang="zh-CN" altLang="en-US" dirty="0"/>
+              <a:t>人工神经网络主要由大量的神经元以及它们之间的有向连接构成。因此考虑三方面：</a:t>
+            </a:r>
+            <a:endParaRPr lang="en-US" altLang="zh-CN" dirty="0"/>
+          </a:p>
+          <a:p>
             <a:endParaRPr lang="zh-CN" altLang="en-US" dirty="0"/>
+          </a:p>
+          <a:p>
+            <a:r>
+              <a:rPr lang="zh-CN" altLang="en-US" dirty="0"/>
+              <a:t>神经元的激活规则</a:t>
+            </a:r>
+            <a:endParaRPr lang="en-US" altLang="zh-CN" dirty="0"/>
+          </a:p>
+          <a:p>
+            <a:pPr lvl="1"/>
+            <a:r>
+              <a:rPr lang="zh-CN" altLang="en-US" dirty="0"/>
+              <a:t>主要是指神经元输入到输出之间的映射关系，一般为非线性函数。</a:t>
+            </a:r>
+          </a:p>
+          <a:p>
+            <a:r>
+              <a:rPr lang="zh-CN" altLang="en-US" dirty="0"/>
+              <a:t>网络的拓扑结构</a:t>
+            </a:r>
+            <a:endParaRPr lang="en-US" altLang="zh-CN" dirty="0"/>
+          </a:p>
+          <a:p>
+            <a:pPr lvl="1"/>
+            <a:r>
+              <a:rPr lang="zh-CN" altLang="en-US" dirty="0"/>
+              <a:t>不同神经元之间的连接关系。</a:t>
+            </a:r>
+          </a:p>
+          <a:p>
+            <a:r>
+              <a:rPr lang="zh-CN" altLang="en-US" dirty="0"/>
+              <a:t>学习算法</a:t>
+            </a:r>
+            <a:endParaRPr lang="en-US" altLang="zh-CN" dirty="0"/>
+          </a:p>
+          <a:p>
+            <a:pPr lvl="1"/>
+            <a:r>
+              <a:rPr lang="zh-CN" altLang="en-US" dirty="0"/>
+              <a:t>通过训练数据来学习神经网络的参数。</a:t>
+            </a:r>
           </a:p>
         </p:txBody>
       </p:sp>
-      <p:pic>
-        <p:nvPicPr>
-          <p:cNvPr id="5" name="图片 4" descr="屏幕剪辑"/>
-          <p:cNvPicPr>
-            <a:picLocks noChangeAspect="1"/>
-          </p:cNvPicPr>
-          <p:nvPr/>
-        </p:nvPicPr>
-        <p:blipFill>
-          <a:blip r:embed="rId2">
-            <a:extLst>
-              <a:ext uri="{28A0092B-C50C-407E-A947-70E740481C1C}">
-                <a14:useLocalDpi xmlns:a14="http://schemas.microsoft.com/office/drawing/2010/main" val="0"/>
-              </a:ext>
-            </a:extLst>
-          </a:blip>
-          <a:stretch>
-            <a:fillRect/>
-          </a:stretch>
-        </p:blipFill>
-        <p:spPr>
-          <a:xfrm>
-            <a:off x="1447800" y="3505200"/>
-            <a:ext cx="6128817" cy="1921379"/>
-          </a:xfrm>
-          <a:prstGeom prst="rect">
-            <a:avLst/>
-          </a:prstGeom>
-        </p:spPr>
-      </p:pic>
     </p:spTree>
     <p:extLst>
       <p:ext uri="{BB962C8B-B14F-4D97-AF65-F5344CB8AC3E}">
-        <p14:creationId xmlns:p14="http://schemas.microsoft.com/office/powerpoint/2010/main" val="1032805071"/>
+        <p14:creationId xmlns:p14="http://schemas.microsoft.com/office/powerpoint/2010/main" val="1496855212"/>
       </p:ext>
     </p:extLst>
   </p:cSld>
@@ -7682,6 +7997,117 @@
             <a:spLocks noGrp="1"/>
           </p:cNvSpPr>
           <p:nvPr>
+            <p:ph type="title"/>
+          </p:nvPr>
+        </p:nvSpPr>
+        <p:spPr/>
+        <p:txBody>
+          <a:bodyPr/>
+          <a:lstStyle/>
+          <a:p>
+            <a:r>
+              <a:rPr lang="zh-CN" altLang="en-US" dirty="0"/>
+              <a:t>人工神经网络</a:t>
+            </a:r>
+          </a:p>
+        </p:txBody>
+      </p:sp>
+      <p:sp>
+        <p:nvSpPr>
+          <p:cNvPr id="3" name="内容占位符 2"/>
+          <p:cNvSpPr>
+            <a:spLocks noGrp="1"/>
+          </p:cNvSpPr>
+          <p:nvPr>
+            <p:ph sz="quarter" idx="1"/>
+          </p:nvPr>
+        </p:nvSpPr>
+        <p:spPr/>
+        <p:txBody>
+          <a:bodyPr/>
+          <a:lstStyle/>
+          <a:p>
+            <a:r>
+              <a:rPr lang="zh-CN" altLang="en-US"/>
+              <a:t>人工神经网络由神经元模型构成，这种由许多神经元组成的信息处理网络具有并行分布结构。</a:t>
+            </a:r>
+            <a:endParaRPr lang="zh-CN" altLang="en-US" dirty="0"/>
+          </a:p>
+        </p:txBody>
+      </p:sp>
+      <p:pic>
+        <p:nvPicPr>
+          <p:cNvPr id="6" name="图片 5">
+            <a:extLst>
+              <a:ext uri="{FF2B5EF4-FFF2-40B4-BE49-F238E27FC236}">
+                <a16:creationId xmlns:a16="http://schemas.microsoft.com/office/drawing/2014/main" id="{738FCA1A-15AA-4E1A-94A0-FDCA143BFEAD}"/>
+              </a:ext>
+            </a:extLst>
+          </p:cNvPr>
+          <p:cNvPicPr>
+            <a:picLocks noChangeAspect="1"/>
+          </p:cNvPicPr>
+          <p:nvPr/>
+        </p:nvPicPr>
+        <p:blipFill>
+          <a:blip r:embed="rId2">
+            <a:extLst>
+              <a:ext uri="{28A0092B-C50C-407E-A947-70E740481C1C}">
+                <a14:useLocalDpi xmlns:a14="http://schemas.microsoft.com/office/drawing/2010/main" val="0"/>
+              </a:ext>
+            </a:extLst>
+          </a:blip>
+          <a:stretch>
+            <a:fillRect/>
+          </a:stretch>
+        </p:blipFill>
+        <p:spPr>
+          <a:xfrm>
+            <a:off x="1219200" y="3124200"/>
+            <a:ext cx="7171533" cy="2362200"/>
+          </a:xfrm>
+          <a:prstGeom prst="rect">
+            <a:avLst/>
+          </a:prstGeom>
+        </p:spPr>
+      </p:pic>
+    </p:spTree>
+    <p:extLst>
+      <p:ext uri="{BB962C8B-B14F-4D97-AF65-F5344CB8AC3E}">
+        <p14:creationId xmlns:p14="http://schemas.microsoft.com/office/powerpoint/2010/main" val="1032805071"/>
+      </p:ext>
+    </p:extLst>
+  </p:cSld>
+  <p:clrMapOvr>
+    <a:masterClrMapping/>
+  </p:clrMapOvr>
+</p:sld>
+</file>
+
+<file path=ppt/slides/slide12.xml><?xml version="1.0" encoding="utf-8"?>
+<p:sld xmlns:a="http://schemas.openxmlformats.org/drawingml/2006/main" xmlns:r="http://schemas.openxmlformats.org/officeDocument/2006/relationships" xmlns:p="http://schemas.openxmlformats.org/presentationml/2006/main">
+  <p:cSld>
+    <p:spTree>
+      <p:nvGrpSpPr>
+        <p:cNvPr id="1" name=""/>
+        <p:cNvGrpSpPr/>
+        <p:nvPr/>
+      </p:nvGrpSpPr>
+      <p:grpSpPr>
+        <a:xfrm>
+          <a:off x="0" y="0"/>
+          <a:ext cx="0" cy="0"/>
+          <a:chOff x="0" y="0"/>
+          <a:chExt cx="0" cy="0"/>
+        </a:xfrm>
+      </p:grpSpPr>
+      <p:sp>
+        <p:nvSpPr>
+          <p:cNvPr id="2" name="标题 1"/>
+          <p:cNvSpPr>
+            <a:spLocks noGrp="1"/>
+          </p:cNvSpPr>
+          <p:nvPr>
             <p:ph type="ctrTitle"/>
           </p:nvPr>
         </p:nvSpPr>
@@ -7710,7 +8136,7 @@
 </p:sld>
 </file>
 
-<file path=ppt/slides/slide12.xml><?xml version="1.0" encoding="utf-8"?>
+<file path=ppt/slides/slide13.xml><?xml version="1.0" encoding="utf-8"?>
 <p:sld xmlns:a="http://schemas.openxmlformats.org/drawingml/2006/main" xmlns:r="http://schemas.openxmlformats.org/officeDocument/2006/relationships" xmlns:p="http://schemas.openxmlformats.org/presentationml/2006/main">
   <p:cSld>
     <p:spTree>
@@ -7862,7 +8288,560 @@
 </p:sld>
 </file>
 
-<file path=ppt/slides/slide13.xml><?xml version="1.0" encoding="utf-8"?>
+<file path=ppt/slides/slide14.xml><?xml version="1.0" encoding="utf-8"?>
+<p:sld xmlns:a="http://schemas.openxmlformats.org/drawingml/2006/main" xmlns:r="http://schemas.openxmlformats.org/officeDocument/2006/relationships" xmlns:p="http://schemas.openxmlformats.org/presentationml/2006/main">
+  <p:cSld>
+    <p:spTree>
+      <p:nvGrpSpPr>
+        <p:cNvPr id="1" name=""/>
+        <p:cNvGrpSpPr/>
+        <p:nvPr/>
+      </p:nvGrpSpPr>
+      <p:grpSpPr>
+        <a:xfrm>
+          <a:off x="0" y="0"/>
+          <a:ext cx="0" cy="0"/>
+          <a:chOff x="0" y="0"/>
+          <a:chExt cx="0" cy="0"/>
+        </a:xfrm>
+      </p:grpSpPr>
+      <p:sp>
+        <p:nvSpPr>
+          <p:cNvPr id="2" name="标题 1">
+            <a:extLst>
+              <a:ext uri="{FF2B5EF4-FFF2-40B4-BE49-F238E27FC236}">
+                <a16:creationId xmlns:a16="http://schemas.microsoft.com/office/drawing/2014/main" id="{E301485F-B971-4D6A-B7C8-263E3A49C56F}"/>
+              </a:ext>
+            </a:extLst>
+          </p:cNvPr>
+          <p:cNvSpPr>
+            <a:spLocks noGrp="1"/>
+          </p:cNvSpPr>
+          <p:nvPr>
+            <p:ph type="title"/>
+          </p:nvPr>
+        </p:nvSpPr>
+        <p:spPr/>
+        <p:txBody>
+          <a:bodyPr/>
+          <a:lstStyle/>
+          <a:p>
+            <a:r>
+              <a:rPr lang="zh-CN" altLang="en-US" dirty="0"/>
+              <a:t>信息传递过程</a:t>
+            </a:r>
+          </a:p>
+        </p:txBody>
+      </p:sp>
+      <p:pic>
+        <p:nvPicPr>
+          <p:cNvPr id="3" name="图片 2" descr="屏幕剪辑">
+            <a:extLst>
+              <a:ext uri="{FF2B5EF4-FFF2-40B4-BE49-F238E27FC236}">
+                <a16:creationId xmlns:a16="http://schemas.microsoft.com/office/drawing/2014/main" id="{DC188C75-CD36-4AC9-98E5-308B9F80E443}"/>
+              </a:ext>
+            </a:extLst>
+          </p:cNvPr>
+          <p:cNvPicPr>
+            <a:picLocks noChangeAspect="1"/>
+          </p:cNvPicPr>
+          <p:nvPr/>
+        </p:nvPicPr>
+        <p:blipFill>
+          <a:blip r:embed="rId2">
+            <a:extLst>
+              <a:ext uri="{28A0092B-C50C-407E-A947-70E740481C1C}">
+                <a14:useLocalDpi xmlns:a14="http://schemas.microsoft.com/office/drawing/2010/main" val="0"/>
+              </a:ext>
+            </a:extLst>
+          </a:blip>
+          <a:stretch>
+            <a:fillRect/>
+          </a:stretch>
+        </p:blipFill>
+        <p:spPr>
+          <a:xfrm>
+            <a:off x="1752600" y="1219200"/>
+            <a:ext cx="5638800" cy="3222170"/>
+          </a:xfrm>
+          <a:prstGeom prst="rect">
+            <a:avLst/>
+          </a:prstGeom>
+        </p:spPr>
+      </p:pic>
+      <mc:AlternateContent xmlns:mc="http://schemas.openxmlformats.org/markup-compatibility/2006" xmlns:p14="http://schemas.microsoft.com/office/powerpoint/2010/main">
+        <mc:Choice Requires="p14">
+          <p:contentPart p14:bwMode="auto" r:id="rId3">
+            <p14:nvContentPartPr>
+              <p14:cNvPr id="10" name="墨迹 9">
+                <a:extLst>
+                  <a:ext uri="{FF2B5EF4-FFF2-40B4-BE49-F238E27FC236}">
+                    <a16:creationId xmlns:a16="http://schemas.microsoft.com/office/drawing/2014/main" id="{E2A5C7FF-8E62-498F-860D-1CDEB890EEEA}"/>
+                  </a:ext>
+                </a:extLst>
+              </p14:cNvPr>
+              <p14:cNvContentPartPr/>
+              <p14:nvPr/>
+            </p14:nvContentPartPr>
+            <p14:xfrm>
+              <a:off x="4004180" y="2242667"/>
+              <a:ext cx="10800" cy="89280"/>
+            </p14:xfrm>
+          </p:contentPart>
+        </mc:Choice>
+        <mc:Fallback xmlns="">
+          <p:pic>
+            <p:nvPicPr>
+              <p:cNvPr id="10" name="墨迹 9">
+                <a:extLst>
+                  <a:ext uri="{FF2B5EF4-FFF2-40B4-BE49-F238E27FC236}">
+                    <a16:creationId xmlns:a16="http://schemas.microsoft.com/office/drawing/2014/main" id="{E2A5C7FF-8E62-498F-860D-1CDEB890EEEA}"/>
+                  </a:ext>
+                </a:extLst>
+              </p:cNvPr>
+              <p:cNvPicPr/>
+              <p:nvPr/>
+            </p:nvPicPr>
+            <p:blipFill>
+              <a:blip r:embed="rId4"/>
+              <a:stretch>
+                <a:fillRect/>
+              </a:stretch>
+            </p:blipFill>
+            <p:spPr>
+              <a:xfrm>
+                <a:off x="3995540" y="2233667"/>
+                <a:ext cx="28440" cy="106920"/>
+              </a:xfrm>
+              <a:prstGeom prst="rect">
+                <a:avLst/>
+              </a:prstGeom>
+            </p:spPr>
+          </p:pic>
+        </mc:Fallback>
+      </mc:AlternateContent>
+      <mc:AlternateContent xmlns:mc="http://schemas.openxmlformats.org/markup-compatibility/2006" xmlns:p14="http://schemas.microsoft.com/office/powerpoint/2010/main">
+        <mc:Choice Requires="p14">
+          <p:contentPart p14:bwMode="auto" r:id="rId5">
+            <p14:nvContentPartPr>
+              <p14:cNvPr id="11" name="墨迹 10">
+                <a:extLst>
+                  <a:ext uri="{FF2B5EF4-FFF2-40B4-BE49-F238E27FC236}">
+                    <a16:creationId xmlns:a16="http://schemas.microsoft.com/office/drawing/2014/main" id="{A8DBDB1A-06BD-4DD6-B2F4-5D98FDC8B6BF}"/>
+                  </a:ext>
+                </a:extLst>
+              </p14:cNvPr>
+              <p14:cNvContentPartPr/>
+              <p14:nvPr/>
+            </p14:nvContentPartPr>
+            <p14:xfrm>
+              <a:off x="3855860" y="2427347"/>
+              <a:ext cx="182160" cy="287640"/>
+            </p14:xfrm>
+          </p:contentPart>
+        </mc:Choice>
+        <mc:Fallback xmlns="">
+          <p:pic>
+            <p:nvPicPr>
+              <p:cNvPr id="11" name="墨迹 10">
+                <a:extLst>
+                  <a:ext uri="{FF2B5EF4-FFF2-40B4-BE49-F238E27FC236}">
+                    <a16:creationId xmlns:a16="http://schemas.microsoft.com/office/drawing/2014/main" id="{A8DBDB1A-06BD-4DD6-B2F4-5D98FDC8B6BF}"/>
+                  </a:ext>
+                </a:extLst>
+              </p:cNvPr>
+              <p:cNvPicPr/>
+              <p:nvPr/>
+            </p:nvPicPr>
+            <p:blipFill>
+              <a:blip r:embed="rId6"/>
+              <a:stretch>
+                <a:fillRect/>
+              </a:stretch>
+            </p:blipFill>
+            <p:spPr>
+              <a:xfrm>
+                <a:off x="3847220" y="2418347"/>
+                <a:ext cx="199800" cy="305280"/>
+              </a:xfrm>
+              <a:prstGeom prst="rect">
+                <a:avLst/>
+              </a:prstGeom>
+            </p:spPr>
+          </p:pic>
+        </mc:Fallback>
+      </mc:AlternateContent>
+      <mc:AlternateContent xmlns:mc="http://schemas.openxmlformats.org/markup-compatibility/2006" xmlns:p14="http://schemas.microsoft.com/office/powerpoint/2010/main">
+        <mc:Choice Requires="p14">
+          <p:contentPart p14:bwMode="auto" r:id="rId7">
+            <p14:nvContentPartPr>
+              <p14:cNvPr id="20" name="墨迹 19">
+                <a:extLst>
+                  <a:ext uri="{FF2B5EF4-FFF2-40B4-BE49-F238E27FC236}">
+                    <a16:creationId xmlns:a16="http://schemas.microsoft.com/office/drawing/2014/main" id="{ECBE67FD-1D79-411F-A445-F03D0651E065}"/>
+                  </a:ext>
+                </a:extLst>
+              </p14:cNvPr>
+              <p14:cNvContentPartPr/>
+              <p14:nvPr/>
+            </p14:nvContentPartPr>
+            <p14:xfrm>
+              <a:off x="6226460" y="1861067"/>
+              <a:ext cx="549000" cy="542520"/>
+            </p14:xfrm>
+          </p:contentPart>
+        </mc:Choice>
+        <mc:Fallback xmlns="">
+          <p:pic>
+            <p:nvPicPr>
+              <p:cNvPr id="20" name="墨迹 19">
+                <a:extLst>
+                  <a:ext uri="{FF2B5EF4-FFF2-40B4-BE49-F238E27FC236}">
+                    <a16:creationId xmlns:a16="http://schemas.microsoft.com/office/drawing/2014/main" id="{ECBE67FD-1D79-411F-A445-F03D0651E065}"/>
+                  </a:ext>
+                </a:extLst>
+              </p:cNvPr>
+              <p:cNvPicPr/>
+              <p:nvPr/>
+            </p:nvPicPr>
+            <p:blipFill>
+              <a:blip r:embed="rId8"/>
+              <a:stretch>
+                <a:fillRect/>
+              </a:stretch>
+            </p:blipFill>
+            <p:spPr>
+              <a:xfrm>
+                <a:off x="6217460" y="1852061"/>
+                <a:ext cx="566640" cy="560172"/>
+              </a:xfrm>
+              <a:prstGeom prst="rect">
+                <a:avLst/>
+              </a:prstGeom>
+            </p:spPr>
+          </p:pic>
+        </mc:Fallback>
+      </mc:AlternateContent>
+      <mc:AlternateContent xmlns:mc="http://schemas.openxmlformats.org/markup-compatibility/2006" xmlns:p14="http://schemas.microsoft.com/office/powerpoint/2010/main">
+        <mc:Choice Requires="p14">
+          <p:contentPart p14:bwMode="auto" r:id="rId9">
+            <p14:nvContentPartPr>
+              <p14:cNvPr id="23" name="墨迹 22">
+                <a:extLst>
+                  <a:ext uri="{FF2B5EF4-FFF2-40B4-BE49-F238E27FC236}">
+                    <a16:creationId xmlns:a16="http://schemas.microsoft.com/office/drawing/2014/main" id="{ED1BBD7E-EE6E-42A7-897D-02BC52067F11}"/>
+                  </a:ext>
+                </a:extLst>
+              </p14:cNvPr>
+              <p14:cNvContentPartPr/>
+              <p14:nvPr/>
+            </p14:nvContentPartPr>
+            <p14:xfrm>
+              <a:off x="4237460" y="1958627"/>
+              <a:ext cx="1756080" cy="997560"/>
+            </p14:xfrm>
+          </p:contentPart>
+        </mc:Choice>
+        <mc:Fallback xmlns="">
+          <p:pic>
+            <p:nvPicPr>
+              <p:cNvPr id="23" name="墨迹 22">
+                <a:extLst>
+                  <a:ext uri="{FF2B5EF4-FFF2-40B4-BE49-F238E27FC236}">
+                    <a16:creationId xmlns:a16="http://schemas.microsoft.com/office/drawing/2014/main" id="{ED1BBD7E-EE6E-42A7-897D-02BC52067F11}"/>
+                  </a:ext>
+                </a:extLst>
+              </p:cNvPr>
+              <p:cNvPicPr/>
+              <p:nvPr/>
+            </p:nvPicPr>
+            <p:blipFill>
+              <a:blip r:embed="rId10"/>
+              <a:stretch>
+                <a:fillRect/>
+              </a:stretch>
+            </p:blipFill>
+            <p:spPr>
+              <a:xfrm>
+                <a:off x="4228820" y="1949984"/>
+                <a:ext cx="1773720" cy="1015206"/>
+              </a:xfrm>
+              <a:prstGeom prst="rect">
+                <a:avLst/>
+              </a:prstGeom>
+            </p:spPr>
+          </p:pic>
+        </mc:Fallback>
+      </mc:AlternateContent>
+      <mc:AlternateContent xmlns:mc="http://schemas.openxmlformats.org/markup-compatibility/2006" xmlns:p14="http://schemas.microsoft.com/office/powerpoint/2010/main">
+        <mc:Choice Requires="p14">
+          <p:contentPart p14:bwMode="auto" r:id="rId11">
+            <p14:nvContentPartPr>
+              <p14:cNvPr id="24" name="墨迹 23">
+                <a:extLst>
+                  <a:ext uri="{FF2B5EF4-FFF2-40B4-BE49-F238E27FC236}">
+                    <a16:creationId xmlns:a16="http://schemas.microsoft.com/office/drawing/2014/main" id="{A0200D79-BB66-4248-9059-51A66B3B43CA}"/>
+                  </a:ext>
+                </a:extLst>
+              </p14:cNvPr>
+              <p14:cNvContentPartPr/>
+              <p14:nvPr/>
+            </p14:nvContentPartPr>
+            <p14:xfrm>
+              <a:off x="9906020" y="5201507"/>
+              <a:ext cx="360" cy="360"/>
+            </p14:xfrm>
+          </p:contentPart>
+        </mc:Choice>
+        <mc:Fallback xmlns="">
+          <p:pic>
+            <p:nvPicPr>
+              <p:cNvPr id="24" name="墨迹 23">
+                <a:extLst>
+                  <a:ext uri="{FF2B5EF4-FFF2-40B4-BE49-F238E27FC236}">
+                    <a16:creationId xmlns:a16="http://schemas.microsoft.com/office/drawing/2014/main" id="{A0200D79-BB66-4248-9059-51A66B3B43CA}"/>
+                  </a:ext>
+                </a:extLst>
+              </p:cNvPr>
+              <p:cNvPicPr/>
+              <p:nvPr/>
+            </p:nvPicPr>
+            <p:blipFill>
+              <a:blip r:embed="rId12"/>
+              <a:stretch>
+                <a:fillRect/>
+              </a:stretch>
+            </p:blipFill>
+            <p:spPr>
+              <a:xfrm>
+                <a:off x="9897020" y="5192867"/>
+                <a:ext cx="18000" cy="18000"/>
+              </a:xfrm>
+              <a:prstGeom prst="rect">
+                <a:avLst/>
+              </a:prstGeom>
+            </p:spPr>
+          </p:pic>
+        </mc:Fallback>
+      </mc:AlternateContent>
+      <mc:AlternateContent xmlns:mc="http://schemas.openxmlformats.org/markup-compatibility/2006" xmlns:p14="http://schemas.microsoft.com/office/powerpoint/2010/main">
+        <mc:Choice Requires="p14">
+          <p:contentPart p14:bwMode="auto" r:id="rId13">
+            <p14:nvContentPartPr>
+              <p14:cNvPr id="25" name="墨迹 24">
+                <a:extLst>
+                  <a:ext uri="{FF2B5EF4-FFF2-40B4-BE49-F238E27FC236}">
+                    <a16:creationId xmlns:a16="http://schemas.microsoft.com/office/drawing/2014/main" id="{3B3EC40F-26D6-4DB9-8EB8-5539A5BA46A8}"/>
+                  </a:ext>
+                </a:extLst>
+              </p14:cNvPr>
+              <p14:cNvContentPartPr/>
+              <p14:nvPr/>
+            </p14:nvContentPartPr>
+            <p14:xfrm>
+              <a:off x="5354900" y="3026747"/>
+              <a:ext cx="137160" cy="117000"/>
+            </p14:xfrm>
+          </p:contentPart>
+        </mc:Choice>
+        <mc:Fallback xmlns="">
+          <p:pic>
+            <p:nvPicPr>
+              <p:cNvPr id="25" name="墨迹 24">
+                <a:extLst>
+                  <a:ext uri="{FF2B5EF4-FFF2-40B4-BE49-F238E27FC236}">
+                    <a16:creationId xmlns:a16="http://schemas.microsoft.com/office/drawing/2014/main" id="{3B3EC40F-26D6-4DB9-8EB8-5539A5BA46A8}"/>
+                  </a:ext>
+                </a:extLst>
+              </p:cNvPr>
+              <p:cNvPicPr/>
+              <p:nvPr/>
+            </p:nvPicPr>
+            <p:blipFill>
+              <a:blip r:embed="rId14"/>
+              <a:stretch>
+                <a:fillRect/>
+              </a:stretch>
+            </p:blipFill>
+            <p:spPr>
+              <a:xfrm>
+                <a:off x="5345900" y="3017747"/>
+                <a:ext cx="154800" cy="134640"/>
+              </a:xfrm>
+              <a:prstGeom prst="rect">
+                <a:avLst/>
+              </a:prstGeom>
+            </p:spPr>
+          </p:pic>
+        </mc:Fallback>
+      </mc:AlternateContent>
+      <mc:AlternateContent xmlns:mc="http://schemas.openxmlformats.org/markup-compatibility/2006" xmlns:p14="http://schemas.microsoft.com/office/powerpoint/2010/main">
+        <mc:Choice Requires="p14">
+          <p:contentPart p14:bwMode="auto" r:id="rId15">
+            <p14:nvContentPartPr>
+              <p14:cNvPr id="26" name="墨迹 25">
+                <a:extLst>
+                  <a:ext uri="{FF2B5EF4-FFF2-40B4-BE49-F238E27FC236}">
+                    <a16:creationId xmlns:a16="http://schemas.microsoft.com/office/drawing/2014/main" id="{BA06A8F6-1641-4B81-96E6-313AA5728946}"/>
+                  </a:ext>
+                </a:extLst>
+              </p14:cNvPr>
+              <p14:cNvContentPartPr/>
+              <p14:nvPr/>
+            </p14:nvContentPartPr>
+            <p14:xfrm>
+              <a:off x="5405300" y="2829827"/>
+              <a:ext cx="8280" cy="111960"/>
+            </p14:xfrm>
+          </p:contentPart>
+        </mc:Choice>
+        <mc:Fallback xmlns="">
+          <p:pic>
+            <p:nvPicPr>
+              <p:cNvPr id="26" name="墨迹 25">
+                <a:extLst>
+                  <a:ext uri="{FF2B5EF4-FFF2-40B4-BE49-F238E27FC236}">
+                    <a16:creationId xmlns:a16="http://schemas.microsoft.com/office/drawing/2014/main" id="{BA06A8F6-1641-4B81-96E6-313AA5728946}"/>
+                  </a:ext>
+                </a:extLst>
+              </p:cNvPr>
+              <p:cNvPicPr/>
+              <p:nvPr/>
+            </p:nvPicPr>
+            <p:blipFill>
+              <a:blip r:embed="rId16"/>
+              <a:stretch>
+                <a:fillRect/>
+              </a:stretch>
+            </p:blipFill>
+            <p:spPr>
+              <a:xfrm>
+                <a:off x="5396660" y="2820827"/>
+                <a:ext cx="25920" cy="129600"/>
+              </a:xfrm>
+              <a:prstGeom prst="rect">
+                <a:avLst/>
+              </a:prstGeom>
+            </p:spPr>
+          </p:pic>
+        </mc:Fallback>
+      </mc:AlternateContent>
+      <mc:AlternateContent xmlns:mc="http://schemas.openxmlformats.org/markup-compatibility/2006" xmlns:p14="http://schemas.microsoft.com/office/powerpoint/2010/main">
+        <mc:Choice Requires="p14">
+          <p:contentPart p14:bwMode="auto" r:id="rId17">
+            <p14:nvContentPartPr>
+              <p14:cNvPr id="27" name="墨迹 26">
+                <a:extLst>
+                  <a:ext uri="{FF2B5EF4-FFF2-40B4-BE49-F238E27FC236}">
+                    <a16:creationId xmlns:a16="http://schemas.microsoft.com/office/drawing/2014/main" id="{F4A6A8A1-EA0C-43DD-99EE-88DB74B7E701}"/>
+                  </a:ext>
+                </a:extLst>
+              </p14:cNvPr>
+              <p14:cNvContentPartPr/>
+              <p14:nvPr/>
+            </p14:nvContentPartPr>
+            <p14:xfrm>
+              <a:off x="8889380" y="4736747"/>
+              <a:ext cx="11880" cy="15480"/>
+            </p14:xfrm>
+          </p:contentPart>
+        </mc:Choice>
+        <mc:Fallback xmlns="">
+          <p:pic>
+            <p:nvPicPr>
+              <p:cNvPr id="27" name="墨迹 26">
+                <a:extLst>
+                  <a:ext uri="{FF2B5EF4-FFF2-40B4-BE49-F238E27FC236}">
+                    <a16:creationId xmlns:a16="http://schemas.microsoft.com/office/drawing/2014/main" id="{F4A6A8A1-EA0C-43DD-99EE-88DB74B7E701}"/>
+                  </a:ext>
+                </a:extLst>
+              </p:cNvPr>
+              <p:cNvPicPr/>
+              <p:nvPr/>
+            </p:nvPicPr>
+            <p:blipFill>
+              <a:blip r:embed="rId18"/>
+              <a:stretch>
+                <a:fillRect/>
+              </a:stretch>
+            </p:blipFill>
+            <p:spPr>
+              <a:xfrm>
+                <a:off x="8880380" y="4728107"/>
+                <a:ext cx="29520" cy="33120"/>
+              </a:xfrm>
+              <a:prstGeom prst="rect">
+                <a:avLst/>
+              </a:prstGeom>
+            </p:spPr>
+          </p:pic>
+        </mc:Fallback>
+      </mc:AlternateContent>
+      <mc:AlternateContent xmlns:mc="http://schemas.openxmlformats.org/markup-compatibility/2006" xmlns:p14="http://schemas.microsoft.com/office/powerpoint/2010/main">
+        <mc:Choice Requires="p14">
+          <p:contentPart p14:bwMode="auto" r:id="rId19">
+            <p14:nvContentPartPr>
+              <p14:cNvPr id="28" name="墨迹 27">
+                <a:extLst>
+                  <a:ext uri="{FF2B5EF4-FFF2-40B4-BE49-F238E27FC236}">
+                    <a16:creationId xmlns:a16="http://schemas.microsoft.com/office/drawing/2014/main" id="{ECDB5257-1051-48D7-831A-8147CE7E16D7}"/>
+                  </a:ext>
+                </a:extLst>
+              </p14:cNvPr>
+              <p14:cNvContentPartPr/>
+              <p14:nvPr/>
+            </p14:nvContentPartPr>
+            <p14:xfrm>
+              <a:off x="5928740" y="1843787"/>
+              <a:ext cx="168840" cy="266760"/>
+            </p14:xfrm>
+          </p:contentPart>
+        </mc:Choice>
+        <mc:Fallback xmlns="">
+          <p:pic>
+            <p:nvPicPr>
+              <p:cNvPr id="28" name="墨迹 27">
+                <a:extLst>
+                  <a:ext uri="{FF2B5EF4-FFF2-40B4-BE49-F238E27FC236}">
+                    <a16:creationId xmlns:a16="http://schemas.microsoft.com/office/drawing/2014/main" id="{ECDB5257-1051-48D7-831A-8147CE7E16D7}"/>
+                  </a:ext>
+                </a:extLst>
+              </p:cNvPr>
+              <p:cNvPicPr/>
+              <p:nvPr/>
+            </p:nvPicPr>
+            <p:blipFill>
+              <a:blip r:embed="rId20"/>
+              <a:stretch>
+                <a:fillRect/>
+              </a:stretch>
+            </p:blipFill>
+            <p:spPr>
+              <a:xfrm>
+                <a:off x="5920100" y="1834787"/>
+                <a:ext cx="186480" cy="284400"/>
+              </a:xfrm>
+              <a:prstGeom prst="rect">
+                <a:avLst/>
+              </a:prstGeom>
+            </p:spPr>
+          </p:pic>
+        </mc:Fallback>
+      </mc:AlternateContent>
+    </p:spTree>
+    <p:extLst>
+      <p:ext uri="{BB962C8B-B14F-4D97-AF65-F5344CB8AC3E}">
+        <p14:creationId xmlns:p14="http://schemas.microsoft.com/office/powerpoint/2010/main" val="2881734120"/>
+      </p:ext>
+    </p:extLst>
+  </p:cSld>
+  <p:clrMapOvr>
+    <a:masterClrMapping/>
+  </p:clrMapOvr>
+</p:sld>
+</file>
+
+<file path=ppt/slides/slide15.xml><?xml version="1.0" encoding="utf-8"?>
 <p:sld xmlns:a="http://schemas.openxmlformats.org/drawingml/2006/main" xmlns:r="http://schemas.openxmlformats.org/officeDocument/2006/relationships" xmlns:p="http://schemas.openxmlformats.org/presentationml/2006/main">
   <p:cSld>
     <p:spTree>
@@ -7966,7 +8945,7 @@
 </p:sld>
 </file>
 
-<file path=ppt/slides/slide14.xml><?xml version="1.0" encoding="utf-8"?>
+<file path=ppt/slides/slide16.xml><?xml version="1.0" encoding="utf-8"?>
 <p:sld xmlns:a="http://schemas.openxmlformats.org/drawingml/2006/main" xmlns:r="http://schemas.openxmlformats.org/officeDocument/2006/relationships" xmlns:p="http://schemas.openxmlformats.org/presentationml/2006/main">
   <p:cSld>
     <p:spTree>
@@ -8148,7 +9127,7 @@
 </p:sld>
 </file>
 
-<file path=ppt/slides/slide15.xml><?xml version="1.0" encoding="utf-8"?>
+<file path=ppt/slides/slide17.xml><?xml version="1.0" encoding="utf-8"?>
 <p:sld xmlns:a="http://schemas.openxmlformats.org/drawingml/2006/main" xmlns:r="http://schemas.openxmlformats.org/officeDocument/2006/relationships" xmlns:p="http://schemas.openxmlformats.org/presentationml/2006/main">
   <p:cSld>
     <p:spTree>
@@ -8230,7 +9209,7 @@
 </p:sld>
 </file>
 
-<file path=ppt/slides/slide16.xml><?xml version="1.0" encoding="utf-8"?>
+<file path=ppt/slides/slide18.xml><?xml version="1.0" encoding="utf-8"?>
 <p:sld xmlns:a="http://schemas.openxmlformats.org/drawingml/2006/main" xmlns:r="http://schemas.openxmlformats.org/officeDocument/2006/relationships" xmlns:p="http://schemas.openxmlformats.org/presentationml/2006/main">
   <p:cSld>
     <p:spTree>
@@ -8340,7 +9319,7 @@
 </p:sld>
 </file>
 
-<file path=ppt/slides/slide17.xml><?xml version="1.0" encoding="utf-8"?>
+<file path=ppt/slides/slide19.xml><?xml version="1.0" encoding="utf-8"?>
 <p:sld xmlns:a="http://schemas.openxmlformats.org/drawingml/2006/main" xmlns:r="http://schemas.openxmlformats.org/officeDocument/2006/relationships" xmlns:p="http://schemas.openxmlformats.org/presentationml/2006/main">
   <p:cSld>
     <p:spTree>
@@ -8725,7 +9704,7 @@
 </p:sld>
 </file>
 
-<file path=ppt/slides/slide18.xml><?xml version="1.0" encoding="utf-8"?>
+<file path=ppt/slides/slide2.xml><?xml version="1.0" encoding="utf-8"?>
 <p:sld xmlns:a="http://schemas.openxmlformats.org/drawingml/2006/main" xmlns:r="http://schemas.openxmlformats.org/officeDocument/2006/relationships" xmlns:p="http://schemas.openxmlformats.org/presentationml/2006/main">
   <p:cSld>
     <p:spTree>
@@ -8759,6 +9738,152 @@
           <a:p>
             <a:r>
               <a:rPr lang="zh-CN" altLang="en-US" dirty="0"/>
+              <a:t>生物神经元</a:t>
+            </a:r>
+          </a:p>
+        </p:txBody>
+      </p:sp>
+      <p:pic>
+        <p:nvPicPr>
+          <p:cNvPr id="4" name="内容占位符 3"/>
+          <p:cNvPicPr>
+            <a:picLocks noGrp="1" noChangeAspect="1"/>
+          </p:cNvPicPr>
+          <p:nvPr>
+            <p:ph sz="quarter" idx="1"/>
+          </p:nvPr>
+        </p:nvPicPr>
+        <p:blipFill>
+          <a:blip r:embed="rId3">
+            <a:extLst>
+              <a:ext uri="{28A0092B-C50C-407E-A947-70E740481C1C}">
+                <a14:useLocalDpi xmlns:a14="http://schemas.microsoft.com/office/drawing/2010/main"/>
+              </a:ext>
+            </a:extLst>
+          </a:blip>
+          <a:stretch>
+            <a:fillRect/>
+          </a:stretch>
+        </p:blipFill>
+        <p:spPr>
+          <a:xfrm>
+            <a:off x="741988" y="1219200"/>
+            <a:ext cx="7660024" cy="4937125"/>
+          </a:xfrm>
+        </p:spPr>
+      </p:pic>
+      <p:sp>
+        <p:nvSpPr>
+          <p:cNvPr id="5" name="矩形 4"/>
+          <p:cNvSpPr/>
+          <p:nvPr/>
+        </p:nvSpPr>
+        <p:spPr>
+          <a:xfrm>
+            <a:off x="4572000" y="4495800"/>
+            <a:ext cx="4114800" cy="954107"/>
+          </a:xfrm>
+          <a:prstGeom prst="rect">
+            <a:avLst/>
+          </a:prstGeom>
+        </p:spPr>
+        <p:txBody>
+          <a:bodyPr wrap="square">
+            <a:spAutoFit/>
+          </a:bodyPr>
+          <a:lstStyle/>
+          <a:p>
+            <a:r>
+              <a:rPr lang="zh-CN" altLang="en-US" sz="2800" dirty="0"/>
+              <a:t>单个神经细胞只有两种状态：兴奋和抑制</a:t>
+            </a:r>
+          </a:p>
+        </p:txBody>
+      </p:sp>
+      <p:sp>
+        <p:nvSpPr>
+          <p:cNvPr id="8" name="矩形 7"/>
+          <p:cNvSpPr/>
+          <p:nvPr/>
+        </p:nvSpPr>
+        <p:spPr>
+          <a:xfrm>
+            <a:off x="6248400" y="512782"/>
+            <a:ext cx="2595582" cy="369332"/>
+          </a:xfrm>
+          <a:prstGeom prst="rect">
+            <a:avLst/>
+          </a:prstGeom>
+        </p:spPr>
+        <p:txBody>
+          <a:bodyPr wrap="none">
+            <a:spAutoFit/>
+          </a:bodyPr>
+          <a:lstStyle/>
+          <a:p>
+            <a:r>
+              <a:rPr lang="en-US" altLang="zh-CN" dirty="0">
+                <a:hlinkClick r:id="rId4" action="ppaction://hlinkfile"/>
+              </a:rPr>
+              <a:t>video:</a:t>
+            </a:r>
+            <a:r>
+              <a:rPr lang="zh-CN" altLang="en-US" dirty="0">
+                <a:hlinkClick r:id="rId4" action="ppaction://hlinkfile"/>
+              </a:rPr>
+              <a:t> structure of brain</a:t>
+            </a:r>
+            <a:endParaRPr lang="zh-CN" altLang="en-US" dirty="0"/>
+          </a:p>
+        </p:txBody>
+      </p:sp>
+    </p:spTree>
+    <p:extLst>
+      <p:ext uri="{BB962C8B-B14F-4D97-AF65-F5344CB8AC3E}">
+        <p14:creationId xmlns:p14="http://schemas.microsoft.com/office/powerpoint/2010/main" val="3354367713"/>
+      </p:ext>
+    </p:extLst>
+  </p:cSld>
+  <p:clrMapOvr>
+    <a:masterClrMapping/>
+  </p:clrMapOvr>
+</p:sld>
+</file>
+
+<file path=ppt/slides/slide20.xml><?xml version="1.0" encoding="utf-8"?>
+<p:sld xmlns:a="http://schemas.openxmlformats.org/drawingml/2006/main" xmlns:r="http://schemas.openxmlformats.org/officeDocument/2006/relationships" xmlns:p="http://schemas.openxmlformats.org/presentationml/2006/main">
+  <p:cSld>
+    <p:spTree>
+      <p:nvGrpSpPr>
+        <p:cNvPr id="1" name=""/>
+        <p:cNvGrpSpPr/>
+        <p:nvPr/>
+      </p:nvGrpSpPr>
+      <p:grpSpPr>
+        <a:xfrm>
+          <a:off x="0" y="0"/>
+          <a:ext cx="0" cy="0"/>
+          <a:chOff x="0" y="0"/>
+          <a:chExt cx="0" cy="0"/>
+        </a:xfrm>
+      </p:grpSpPr>
+      <p:sp>
+        <p:nvSpPr>
+          <p:cNvPr id="2" name="标题 1"/>
+          <p:cNvSpPr>
+            <a:spLocks noGrp="1"/>
+          </p:cNvSpPr>
+          <p:nvPr>
+            <p:ph type="title"/>
+          </p:nvPr>
+        </p:nvSpPr>
+        <p:spPr/>
+        <p:txBody>
+          <a:bodyPr/>
+          <a:lstStyle/>
+          <a:p>
+            <a:r>
+              <a:rPr lang="zh-CN" altLang="en-US" dirty="0"/>
               <a:t>应用到机器学习</a:t>
             </a:r>
           </a:p>
@@ -8813,7 +9938,7 @@
             </a:r>
             <a:r>
               <a:rPr lang="zh-CN" altLang="en-US" dirty="0"/>
-              <a:t>函数进行归一化后可以作为每个类的后验概率。</a:t>
+              <a:t>函数进行归一化后可以作为每个类的条件概率。</a:t>
             </a:r>
             <a:endParaRPr lang="en-US" altLang="zh-CN" dirty="0"/>
           </a:p>
@@ -8921,7 +10046,7 @@
 </p:sld>
 </file>
 
-<file path=ppt/slides/slide19.xml><?xml version="1.0" encoding="utf-8"?>
+<file path=ppt/slides/slide21.xml><?xml version="1.0" encoding="utf-8"?>
 <p:sld xmlns:a="http://schemas.openxmlformats.org/drawingml/2006/main" xmlns:r="http://schemas.openxmlformats.org/officeDocument/2006/relationships" xmlns:p="http://schemas.openxmlformats.org/presentationml/2006/main">
   <p:cSld>
     <p:spTree>
@@ -9404,153 +10529,7 @@
 </p:sld>
 </file>
 
-<file path=ppt/slides/slide2.xml><?xml version="1.0" encoding="utf-8"?>
-<p:sld xmlns:a="http://schemas.openxmlformats.org/drawingml/2006/main" xmlns:r="http://schemas.openxmlformats.org/officeDocument/2006/relationships" xmlns:p="http://schemas.openxmlformats.org/presentationml/2006/main">
-  <p:cSld>
-    <p:spTree>
-      <p:nvGrpSpPr>
-        <p:cNvPr id="1" name=""/>
-        <p:cNvGrpSpPr/>
-        <p:nvPr/>
-      </p:nvGrpSpPr>
-      <p:grpSpPr>
-        <a:xfrm>
-          <a:off x="0" y="0"/>
-          <a:ext cx="0" cy="0"/>
-          <a:chOff x="0" y="0"/>
-          <a:chExt cx="0" cy="0"/>
-        </a:xfrm>
-      </p:grpSpPr>
-      <p:sp>
-        <p:nvSpPr>
-          <p:cNvPr id="2" name="标题 1"/>
-          <p:cNvSpPr>
-            <a:spLocks noGrp="1"/>
-          </p:cNvSpPr>
-          <p:nvPr>
-            <p:ph type="title"/>
-          </p:nvPr>
-        </p:nvSpPr>
-        <p:spPr/>
-        <p:txBody>
-          <a:bodyPr/>
-          <a:lstStyle/>
-          <a:p>
-            <a:r>
-              <a:rPr lang="zh-CN" altLang="en-US" dirty="0"/>
-              <a:t>生物神经元</a:t>
-            </a:r>
-          </a:p>
-        </p:txBody>
-      </p:sp>
-      <p:pic>
-        <p:nvPicPr>
-          <p:cNvPr id="4" name="内容占位符 3"/>
-          <p:cNvPicPr>
-            <a:picLocks noGrp="1" noChangeAspect="1"/>
-          </p:cNvPicPr>
-          <p:nvPr>
-            <p:ph sz="quarter" idx="1"/>
-          </p:nvPr>
-        </p:nvPicPr>
-        <p:blipFill>
-          <a:blip r:embed="rId3">
-            <a:extLst>
-              <a:ext uri="{28A0092B-C50C-407E-A947-70E740481C1C}">
-                <a14:useLocalDpi xmlns:a14="http://schemas.microsoft.com/office/drawing/2010/main"/>
-              </a:ext>
-            </a:extLst>
-          </a:blip>
-          <a:stretch>
-            <a:fillRect/>
-          </a:stretch>
-        </p:blipFill>
-        <p:spPr>
-          <a:xfrm>
-            <a:off x="741988" y="1219200"/>
-            <a:ext cx="7660024" cy="4937125"/>
-          </a:xfrm>
-        </p:spPr>
-      </p:pic>
-      <p:sp>
-        <p:nvSpPr>
-          <p:cNvPr id="5" name="矩形 4"/>
-          <p:cNvSpPr/>
-          <p:nvPr/>
-        </p:nvSpPr>
-        <p:spPr>
-          <a:xfrm>
-            <a:off x="4572000" y="4495800"/>
-            <a:ext cx="4114800" cy="954107"/>
-          </a:xfrm>
-          <a:prstGeom prst="rect">
-            <a:avLst/>
-          </a:prstGeom>
-        </p:spPr>
-        <p:txBody>
-          <a:bodyPr wrap="square">
-            <a:spAutoFit/>
-          </a:bodyPr>
-          <a:lstStyle/>
-          <a:p>
-            <a:r>
-              <a:rPr lang="zh-CN" altLang="en-US" sz="2800" dirty="0"/>
-              <a:t>单个神经细胞只有两种状态：兴奋和抑制</a:t>
-            </a:r>
-          </a:p>
-        </p:txBody>
-      </p:sp>
-      <p:sp>
-        <p:nvSpPr>
-          <p:cNvPr id="8" name="矩形 7"/>
-          <p:cNvSpPr/>
-          <p:nvPr/>
-        </p:nvSpPr>
-        <p:spPr>
-          <a:xfrm>
-            <a:off x="6248400" y="512782"/>
-            <a:ext cx="2595582" cy="369332"/>
-          </a:xfrm>
-          <a:prstGeom prst="rect">
-            <a:avLst/>
-          </a:prstGeom>
-        </p:spPr>
-        <p:txBody>
-          <a:bodyPr wrap="none">
-            <a:spAutoFit/>
-          </a:bodyPr>
-          <a:lstStyle/>
-          <a:p>
-            <a:r>
-              <a:rPr lang="en-US" altLang="zh-CN" dirty="0">
-                <a:hlinkClick r:id="rId4" action="ppaction://hlinkfile"/>
-              </a:rPr>
-              <a:t>video:</a:t>
-            </a:r>
-            <a:r>
-              <a:rPr lang="zh-CN" altLang="en-US" dirty="0">
-                <a:hlinkClick r:id="rId4" action="ppaction://hlinkfile"/>
-              </a:rPr>
-              <a:t> structure of brain</a:t>
-            </a:r>
-            <a:endParaRPr lang="zh-CN" altLang="en-US" dirty="0"/>
-          </a:p>
-        </p:txBody>
-      </p:sp>
-    </p:spTree>
-    <p:extLst>
-      <p:ext uri="{BB962C8B-B14F-4D97-AF65-F5344CB8AC3E}">
-        <p14:creationId xmlns:p14="http://schemas.microsoft.com/office/powerpoint/2010/main" val="3354367713"/>
-      </p:ext>
-    </p:extLst>
-  </p:cSld>
-  <p:clrMapOvr>
-    <a:masterClrMapping/>
-  </p:clrMapOvr>
-</p:sld>
-</file>
-
-<file path=ppt/slides/slide20.xml><?xml version="1.0" encoding="utf-8"?>
+<file path=ppt/slides/slide22.xml><?xml version="1.0" encoding="utf-8"?>
 <p:sld xmlns:a="http://schemas.openxmlformats.org/drawingml/2006/main" xmlns:r="http://schemas.openxmlformats.org/officeDocument/2006/relationships" xmlns:p="http://schemas.openxmlformats.org/presentationml/2006/main">
   <p:cSld>
     <p:spTree>
@@ -9768,7 +10747,7 @@
           <a:graphicData uri="http://schemas.openxmlformats.org/presentationml/2006/ole">
             <mc:AlternateContent xmlns:mc="http://schemas.openxmlformats.org/markup-compatibility/2006">
               <mc:Choice xmlns:v="urn:schemas-microsoft-com:vml" Requires="v">
-                <p:oleObj spid="_x0000_s1138" name="方程式" r:id="rId5" imgW="152280" imgH="139680" progId="Equation.3">
+                <p:oleObj spid="_x0000_s1169" name="方程式" r:id="rId5" imgW="152280" imgH="139680" progId="Equation.3">
                   <p:embed/>
                 </p:oleObj>
               </mc:Choice>
@@ -11858,7 +12837,7 @@
 </p:sld>
 </file>
 
-<file path=ppt/slides/slide21.xml><?xml version="1.0" encoding="utf-8"?>
+<file path=ppt/slides/slide23.xml><?xml version="1.0" encoding="utf-8"?>
 <p:sld xmlns:a="http://schemas.openxmlformats.org/drawingml/2006/main" xmlns:r="http://schemas.openxmlformats.org/officeDocument/2006/relationships" xmlns:p="http://schemas.openxmlformats.org/presentationml/2006/main">
   <p:cSld>
     <p:spTree>
@@ -11952,18 +12931,6 @@
           </a:p>
           <a:p>
             <a:pPr lvl="1"/>
-            <a:r>
-              <a:rPr lang="zh-CN" altLang="en-US" dirty="0"/>
-              <a:t>略，详见</a:t>
-            </a:r>
-            <a:r>
-              <a:rPr lang="en-US" altLang="zh-CN" dirty="0"/>
-              <a:t>4.4</a:t>
-            </a:r>
-            <a:r>
-              <a:rPr lang="zh-CN" altLang="en-US" dirty="0"/>
-              <a:t>节</a:t>
-            </a:r>
             <a:endParaRPr lang="en-US" altLang="zh-CN" dirty="0"/>
           </a:p>
           <a:p>
@@ -12843,49 +13810,6 @@
                                   </p:childTnLst>
                                 </p:cTn>
                               </p:par>
-                              <p:par>
-                                <p:cTn id="11" presetID="10" presetClass="entr" presetSubtype="0" fill="hold" nodeType="withEffect">
-                                  <p:stCondLst>
-                                    <p:cond delay="0"/>
-                                  </p:stCondLst>
-                                  <p:childTnLst>
-                                    <p:set>
-                                      <p:cBhvr>
-                                        <p:cTn id="12" dur="1" fill="hold">
-                                          <p:stCondLst>
-                                            <p:cond delay="0"/>
-                                          </p:stCondLst>
-                                        </p:cTn>
-                                        <p:tgtEl>
-                                          <p:spTgt spid="3">
-                                            <p:txEl>
-                                              <p:pRg st="6" end="6"/>
-                                            </p:txEl>
-                                          </p:spTgt>
-                                        </p:tgtEl>
-                                        <p:attrNameLst>
-                                          <p:attrName>style.visibility</p:attrName>
-                                        </p:attrNameLst>
-                                      </p:cBhvr>
-                                      <p:to>
-                                        <p:strVal val="visible"/>
-                                      </p:to>
-                                    </p:set>
-                                    <p:animEffect transition="in" filter="fade">
-                                      <p:cBhvr>
-                                        <p:cTn id="13" dur="500"/>
-                                        <p:tgtEl>
-                                          <p:spTgt spid="3">
-                                            <p:txEl>
-                                              <p:pRg st="6" end="6"/>
-                                            </p:txEl>
-                                          </p:spTgt>
-                                        </p:tgtEl>
-                                      </p:cBhvr>
-                                    </p:animEffect>
-                                  </p:childTnLst>
-                                </p:cTn>
-                              </p:par>
                             </p:childTnLst>
                           </p:cTn>
                         </p:par>
@@ -12893,26 +13817,26 @@
                     </p:cTn>
                   </p:par>
                   <p:par>
-                    <p:cTn id="14" fill="hold">
+                    <p:cTn id="11" fill="hold">
                       <p:stCondLst>
                         <p:cond delay="indefinite"/>
                       </p:stCondLst>
                       <p:childTnLst>
                         <p:par>
-                          <p:cTn id="15" fill="hold">
+                          <p:cTn id="12" fill="hold">
                             <p:stCondLst>
                               <p:cond delay="0"/>
                             </p:stCondLst>
                             <p:childTnLst>
                               <p:par>
-                                <p:cTn id="16" presetID="10" presetClass="entr" presetSubtype="0" fill="hold" nodeType="clickEffect">
+                                <p:cTn id="13" presetID="10" presetClass="entr" presetSubtype="0" fill="hold" nodeType="clickEffect">
                                   <p:stCondLst>
                                     <p:cond delay="0"/>
                                   </p:stCondLst>
                                   <p:childTnLst>
                                     <p:set>
                                       <p:cBhvr>
-                                        <p:cTn id="17" dur="1" fill="hold">
+                                        <p:cTn id="14" dur="1" fill="hold">
                                           <p:stCondLst>
                                             <p:cond delay="0"/>
                                           </p:stCondLst>
@@ -12934,7 +13858,7 @@
                                     </p:set>
                                     <p:animEffect transition="in" filter="fade">
                                       <p:cBhvr>
-                                        <p:cTn id="18" dur="500"/>
+                                        <p:cTn id="15" dur="500"/>
                                         <p:tgtEl>
                                           <p:spTgt spid="3">
                                             <p:txEl>
@@ -12948,14 +13872,14 @@
                                 </p:cTn>
                               </p:par>
                               <p:par>
-                                <p:cTn id="19" presetID="10" presetClass="entr" presetSubtype="0" fill="hold" nodeType="withEffect">
+                                <p:cTn id="16" presetID="10" presetClass="entr" presetSubtype="0" fill="hold" nodeType="withEffect">
                                   <p:stCondLst>
                                     <p:cond delay="0"/>
                                   </p:stCondLst>
                                   <p:childTnLst>
                                     <p:set>
                                       <p:cBhvr>
-                                        <p:cTn id="20" dur="1" fill="hold">
+                                        <p:cTn id="17" dur="1" fill="hold">
                                           <p:stCondLst>
                                             <p:cond delay="0"/>
                                           </p:stCondLst>
@@ -12977,7 +13901,7 @@
                                     </p:set>
                                     <p:animEffect transition="in" filter="fade">
                                       <p:cBhvr>
-                                        <p:cTn id="21" dur="500"/>
+                                        <p:cTn id="18" dur="500"/>
                                         <p:tgtEl>
                                           <p:spTgt spid="3">
                                             <p:txEl>
@@ -13021,7 +13945,823 @@
 </p:sld>
 </file>
 
-<file path=ppt/slides/slide22.xml><?xml version="1.0" encoding="utf-8"?>
+<file path=ppt/slides/slide24.xml><?xml version="1.0" encoding="utf-8"?>
+<p:sld xmlns:a="http://schemas.openxmlformats.org/drawingml/2006/main" xmlns:r="http://schemas.openxmlformats.org/officeDocument/2006/relationships" xmlns:p="http://schemas.openxmlformats.org/presentationml/2006/main">
+  <p:cSld>
+    <p:spTree>
+      <p:nvGrpSpPr>
+        <p:cNvPr id="1" name=""/>
+        <p:cNvGrpSpPr/>
+        <p:nvPr/>
+      </p:nvGrpSpPr>
+      <p:grpSpPr>
+        <a:xfrm>
+          <a:off x="0" y="0"/>
+          <a:ext cx="0" cy="0"/>
+          <a:chOff x="0" y="0"/>
+          <a:chExt cx="0" cy="0"/>
+        </a:xfrm>
+      </p:grpSpPr>
+      <p:sp>
+        <p:nvSpPr>
+          <p:cNvPr id="2" name="标题 1">
+            <a:extLst>
+              <a:ext uri="{FF2B5EF4-FFF2-40B4-BE49-F238E27FC236}">
+                <a16:creationId xmlns:a16="http://schemas.microsoft.com/office/drawing/2014/main" id="{AA2C6771-FF8F-4CB7-A0B6-B8A82DCB9CE8}"/>
+              </a:ext>
+            </a:extLst>
+          </p:cNvPr>
+          <p:cNvSpPr>
+            <a:spLocks noGrp="1"/>
+          </p:cNvSpPr>
+          <p:nvPr>
+            <p:ph type="title"/>
+          </p:nvPr>
+        </p:nvSpPr>
+        <p:spPr/>
+        <p:txBody>
+          <a:bodyPr/>
+          <a:lstStyle/>
+          <a:p>
+            <a:r>
+              <a:rPr lang="zh-CN" altLang="en-US" dirty="0"/>
+              <a:t>反向传播算法</a:t>
+            </a:r>
+          </a:p>
+        </p:txBody>
+      </p:sp>
+      <p:pic>
+        <p:nvPicPr>
+          <p:cNvPr id="4" name="图片 3">
+            <a:extLst>
+              <a:ext uri="{FF2B5EF4-FFF2-40B4-BE49-F238E27FC236}">
+                <a16:creationId xmlns:a16="http://schemas.microsoft.com/office/drawing/2014/main" id="{22697552-09BC-45D8-9103-295A7622E2B5}"/>
+              </a:ext>
+            </a:extLst>
+          </p:cNvPr>
+          <p:cNvPicPr>
+            <a:picLocks noChangeAspect="1"/>
+          </p:cNvPicPr>
+          <p:nvPr/>
+        </p:nvPicPr>
+        <p:blipFill>
+          <a:blip r:embed="rId2">
+            <a:extLst>
+              <a:ext uri="{28A0092B-C50C-407E-A947-70E740481C1C}">
+                <a14:useLocalDpi xmlns:a14="http://schemas.microsoft.com/office/drawing/2010/main" val="0"/>
+              </a:ext>
+            </a:extLst>
+          </a:blip>
+          <a:stretch>
+            <a:fillRect/>
+          </a:stretch>
+        </p:blipFill>
+        <p:spPr>
+          <a:xfrm>
+            <a:off x="609600" y="2626753"/>
+            <a:ext cx="2981579" cy="1604493"/>
+          </a:xfrm>
+          <a:prstGeom prst="rect">
+            <a:avLst/>
+          </a:prstGeom>
+        </p:spPr>
+      </p:pic>
+      <p:pic>
+        <p:nvPicPr>
+          <p:cNvPr id="6" name="图片 5">
+            <a:extLst>
+              <a:ext uri="{FF2B5EF4-FFF2-40B4-BE49-F238E27FC236}">
+                <a16:creationId xmlns:a16="http://schemas.microsoft.com/office/drawing/2014/main" id="{4BC1C0EA-DADD-4843-97A5-7E93C4948576}"/>
+              </a:ext>
+            </a:extLst>
+          </p:cNvPr>
+          <p:cNvPicPr>
+            <a:picLocks noChangeAspect="1"/>
+          </p:cNvPicPr>
+          <p:nvPr/>
+        </p:nvPicPr>
+        <p:blipFill>
+          <a:blip r:embed="rId3">
+            <a:extLst>
+              <a:ext uri="{28A0092B-C50C-407E-A947-70E740481C1C}">
+                <a14:useLocalDpi xmlns:a14="http://schemas.microsoft.com/office/drawing/2010/main" val="0"/>
+              </a:ext>
+            </a:extLst>
+          </a:blip>
+          <a:stretch>
+            <a:fillRect/>
+          </a:stretch>
+        </p:blipFill>
+        <p:spPr>
+          <a:xfrm>
+            <a:off x="4572000" y="623675"/>
+            <a:ext cx="4199022" cy="2459427"/>
+          </a:xfrm>
+          <a:prstGeom prst="rect">
+            <a:avLst/>
+          </a:prstGeom>
+        </p:spPr>
+      </p:pic>
+      <p:cxnSp>
+        <p:nvCxnSpPr>
+          <p:cNvPr id="8" name="直接箭头连接符 7">
+            <a:extLst>
+              <a:ext uri="{FF2B5EF4-FFF2-40B4-BE49-F238E27FC236}">
+                <a16:creationId xmlns:a16="http://schemas.microsoft.com/office/drawing/2014/main" id="{3A7B0FB5-4BB1-4C10-8322-8961E0B1F4F6}"/>
+              </a:ext>
+            </a:extLst>
+          </p:cNvPr>
+          <p:cNvCxnSpPr>
+            <a:cxnSpLocks/>
+          </p:cNvCxnSpPr>
+          <p:nvPr/>
+        </p:nvCxnSpPr>
+        <p:spPr>
+          <a:xfrm flipV="1">
+            <a:off x="2362200" y="1411922"/>
+            <a:ext cx="2057400" cy="1214831"/>
+          </a:xfrm>
+          <a:prstGeom prst="straightConnector1">
+            <a:avLst/>
+          </a:prstGeom>
+          <a:ln>
+            <a:tailEnd type="triangle"/>
+          </a:ln>
+        </p:spPr>
+        <p:style>
+          <a:lnRef idx="2">
+            <a:schemeClr val="accent2"/>
+          </a:lnRef>
+          <a:fillRef idx="0">
+            <a:schemeClr val="accent2"/>
+          </a:fillRef>
+          <a:effectRef idx="1">
+            <a:schemeClr val="accent2"/>
+          </a:effectRef>
+          <a:fontRef idx="minor">
+            <a:schemeClr val="tx1"/>
+          </a:fontRef>
+        </p:style>
+      </p:cxnSp>
+      <p:cxnSp>
+        <p:nvCxnSpPr>
+          <p:cNvPr id="9" name="直接箭头连接符 8">
+            <a:extLst>
+              <a:ext uri="{FF2B5EF4-FFF2-40B4-BE49-F238E27FC236}">
+                <a16:creationId xmlns:a16="http://schemas.microsoft.com/office/drawing/2014/main" id="{7452BA96-F3F6-47D9-AD76-96A2A7E8F916}"/>
+              </a:ext>
+            </a:extLst>
+          </p:cNvPr>
+          <p:cNvCxnSpPr>
+            <a:cxnSpLocks/>
+          </p:cNvCxnSpPr>
+          <p:nvPr/>
+        </p:nvCxnSpPr>
+        <p:spPr>
+          <a:xfrm>
+            <a:off x="2286000" y="4343399"/>
+            <a:ext cx="1676400" cy="1223644"/>
+          </a:xfrm>
+          <a:prstGeom prst="straightConnector1">
+            <a:avLst/>
+          </a:prstGeom>
+          <a:ln>
+            <a:tailEnd type="triangle"/>
+          </a:ln>
+        </p:spPr>
+        <p:style>
+          <a:lnRef idx="2">
+            <a:schemeClr val="accent2"/>
+          </a:lnRef>
+          <a:fillRef idx="0">
+            <a:schemeClr val="accent2"/>
+          </a:fillRef>
+          <a:effectRef idx="1">
+            <a:schemeClr val="accent2"/>
+          </a:effectRef>
+          <a:fontRef idx="minor">
+            <a:schemeClr val="tx1"/>
+          </a:fontRef>
+        </p:style>
+      </p:cxnSp>
+      <p:pic>
+        <p:nvPicPr>
+          <p:cNvPr id="13" name="图片 12">
+            <a:extLst>
+              <a:ext uri="{FF2B5EF4-FFF2-40B4-BE49-F238E27FC236}">
+                <a16:creationId xmlns:a16="http://schemas.microsoft.com/office/drawing/2014/main" id="{CE0D4854-2052-47EF-9D70-1C06A704B71B}"/>
+              </a:ext>
+            </a:extLst>
+          </p:cNvPr>
+          <p:cNvPicPr>
+            <a:picLocks noChangeAspect="1"/>
+          </p:cNvPicPr>
+          <p:nvPr/>
+        </p:nvPicPr>
+        <p:blipFill>
+          <a:blip r:embed="rId4">
+            <a:extLst>
+              <a:ext uri="{28A0092B-C50C-407E-A947-70E740481C1C}">
+                <a14:useLocalDpi xmlns:a14="http://schemas.microsoft.com/office/drawing/2010/main" val="0"/>
+              </a:ext>
+            </a:extLst>
+          </a:blip>
+          <a:stretch>
+            <a:fillRect/>
+          </a:stretch>
+        </p:blipFill>
+        <p:spPr>
+          <a:xfrm>
+            <a:off x="4664895" y="5257910"/>
+            <a:ext cx="3327933" cy="831984"/>
+          </a:xfrm>
+          <a:prstGeom prst="rect">
+            <a:avLst/>
+          </a:prstGeom>
+        </p:spPr>
+      </p:pic>
+      <p:pic>
+        <p:nvPicPr>
+          <p:cNvPr id="17" name="图片 16">
+            <a:extLst>
+              <a:ext uri="{FF2B5EF4-FFF2-40B4-BE49-F238E27FC236}">
+                <a16:creationId xmlns:a16="http://schemas.microsoft.com/office/drawing/2014/main" id="{DB9464B5-AD85-470B-9C89-7A565A650457}"/>
+              </a:ext>
+            </a:extLst>
+          </p:cNvPr>
+          <p:cNvPicPr>
+            <a:picLocks noChangeAspect="1"/>
+          </p:cNvPicPr>
+          <p:nvPr/>
+        </p:nvPicPr>
+        <p:blipFill>
+          <a:blip r:embed="rId5">
+            <a:extLst>
+              <a:ext uri="{28A0092B-C50C-407E-A947-70E740481C1C}">
+                <a14:useLocalDpi xmlns:a14="http://schemas.microsoft.com/office/drawing/2010/main" val="0"/>
+              </a:ext>
+            </a:extLst>
+          </a:blip>
+          <a:stretch>
+            <a:fillRect/>
+          </a:stretch>
+        </p:blipFill>
+        <p:spPr>
+          <a:xfrm>
+            <a:off x="4422464" y="3733800"/>
+            <a:ext cx="3812796" cy="831983"/>
+          </a:xfrm>
+          <a:prstGeom prst="rect">
+            <a:avLst/>
+          </a:prstGeom>
+        </p:spPr>
+      </p:pic>
+      <p:pic>
+        <p:nvPicPr>
+          <p:cNvPr id="20" name="图片 19">
+            <a:extLst>
+              <a:ext uri="{FF2B5EF4-FFF2-40B4-BE49-F238E27FC236}">
+                <a16:creationId xmlns:a16="http://schemas.microsoft.com/office/drawing/2014/main" id="{AB3E0056-D445-4B90-9457-4113B6480CFC}"/>
+              </a:ext>
+            </a:extLst>
+          </p:cNvPr>
+          <p:cNvPicPr>
+            <a:picLocks noChangeAspect="1"/>
+          </p:cNvPicPr>
+          <p:nvPr/>
+        </p:nvPicPr>
+        <p:blipFill>
+          <a:blip r:embed="rId6">
+            <a:extLst>
+              <a:ext uri="{28A0092B-C50C-407E-A947-70E740481C1C}">
+                <a14:useLocalDpi xmlns:a14="http://schemas.microsoft.com/office/drawing/2010/main" val="0"/>
+              </a:ext>
+            </a:extLst>
+          </a:blip>
+          <a:stretch>
+            <a:fillRect/>
+          </a:stretch>
+        </p:blipFill>
+        <p:spPr>
+          <a:xfrm>
+            <a:off x="228600" y="1254289"/>
+            <a:ext cx="3242499" cy="599100"/>
+          </a:xfrm>
+          <a:prstGeom prst="rect">
+            <a:avLst/>
+          </a:prstGeom>
+          <a:ln>
+            <a:solidFill>
+              <a:srgbClr val="FF0000"/>
+            </a:solidFill>
+          </a:ln>
+        </p:spPr>
+      </p:pic>
+      <p:cxnSp>
+        <p:nvCxnSpPr>
+          <p:cNvPr id="22" name="直接箭头连接符 21">
+            <a:extLst>
+              <a:ext uri="{FF2B5EF4-FFF2-40B4-BE49-F238E27FC236}">
+                <a16:creationId xmlns:a16="http://schemas.microsoft.com/office/drawing/2014/main" id="{E0CA07F2-9B1E-45CC-9644-4CEE5947EEAE}"/>
+              </a:ext>
+            </a:extLst>
+          </p:cNvPr>
+          <p:cNvCxnSpPr>
+            <a:stCxn id="4" idx="3"/>
+          </p:cNvCxnSpPr>
+          <p:nvPr/>
+        </p:nvCxnSpPr>
+        <p:spPr>
+          <a:xfrm>
+            <a:off x="3591179" y="3429000"/>
+            <a:ext cx="980821" cy="457200"/>
+          </a:xfrm>
+          <a:prstGeom prst="straightConnector1">
+            <a:avLst/>
+          </a:prstGeom>
+          <a:ln>
+            <a:tailEnd type="triangle"/>
+          </a:ln>
+        </p:spPr>
+        <p:style>
+          <a:lnRef idx="2">
+            <a:schemeClr val="accent1"/>
+          </a:lnRef>
+          <a:fillRef idx="0">
+            <a:schemeClr val="accent1"/>
+          </a:fillRef>
+          <a:effectRef idx="1">
+            <a:schemeClr val="accent1"/>
+          </a:effectRef>
+          <a:fontRef idx="minor">
+            <a:schemeClr val="tx1"/>
+          </a:fontRef>
+        </p:style>
+      </p:cxnSp>
+    </p:spTree>
+    <p:extLst>
+      <p:ext uri="{BB962C8B-B14F-4D97-AF65-F5344CB8AC3E}">
+        <p14:creationId xmlns:p14="http://schemas.microsoft.com/office/powerpoint/2010/main" val="834648688"/>
+      </p:ext>
+    </p:extLst>
+  </p:cSld>
+  <p:clrMapOvr>
+    <a:masterClrMapping/>
+  </p:clrMapOvr>
+</p:sld>
+</file>
+
+<file path=ppt/slides/slide25.xml><?xml version="1.0" encoding="utf-8"?>
+<p:sld xmlns:a="http://schemas.openxmlformats.org/drawingml/2006/main" xmlns:r="http://schemas.openxmlformats.org/officeDocument/2006/relationships" xmlns:p="http://schemas.openxmlformats.org/presentationml/2006/main">
+  <p:cSld>
+    <p:spTree>
+      <p:nvGrpSpPr>
+        <p:cNvPr id="1" name=""/>
+        <p:cNvGrpSpPr/>
+        <p:nvPr/>
+      </p:nvGrpSpPr>
+      <p:grpSpPr>
+        <a:xfrm>
+          <a:off x="0" y="0"/>
+          <a:ext cx="0" cy="0"/>
+          <a:chOff x="0" y="0"/>
+          <a:chExt cx="0" cy="0"/>
+        </a:xfrm>
+      </p:grpSpPr>
+      <p:sp>
+        <p:nvSpPr>
+          <p:cNvPr id="2" name="标题 1">
+            <a:extLst>
+              <a:ext uri="{FF2B5EF4-FFF2-40B4-BE49-F238E27FC236}">
+                <a16:creationId xmlns:a16="http://schemas.microsoft.com/office/drawing/2014/main" id="{AA2C6771-FF8F-4CB7-A0B6-B8A82DCB9CE8}"/>
+              </a:ext>
+            </a:extLst>
+          </p:cNvPr>
+          <p:cNvSpPr>
+            <a:spLocks noGrp="1"/>
+          </p:cNvSpPr>
+          <p:nvPr>
+            <p:ph type="title"/>
+          </p:nvPr>
+        </p:nvSpPr>
+        <p:spPr/>
+        <p:txBody>
+          <a:bodyPr/>
+          <a:lstStyle/>
+          <a:p>
+            <a:r>
+              <a:rPr lang="zh-CN" altLang="en-US" dirty="0"/>
+              <a:t>反向传播算法</a:t>
+            </a:r>
+          </a:p>
+        </p:txBody>
+      </p:sp>
+      <p:pic>
+        <p:nvPicPr>
+          <p:cNvPr id="17" name="图片 16">
+            <a:extLst>
+              <a:ext uri="{FF2B5EF4-FFF2-40B4-BE49-F238E27FC236}">
+                <a16:creationId xmlns:a16="http://schemas.microsoft.com/office/drawing/2014/main" id="{DB9464B5-AD85-470B-9C89-7A565A650457}"/>
+              </a:ext>
+            </a:extLst>
+          </p:cNvPr>
+          <p:cNvPicPr>
+            <a:picLocks noChangeAspect="1"/>
+          </p:cNvPicPr>
+          <p:nvPr/>
+        </p:nvPicPr>
+        <p:blipFill>
+          <a:blip r:embed="rId2">
+            <a:extLst>
+              <a:ext uri="{28A0092B-C50C-407E-A947-70E740481C1C}">
+                <a14:useLocalDpi xmlns:a14="http://schemas.microsoft.com/office/drawing/2010/main" val="0"/>
+              </a:ext>
+            </a:extLst>
+          </a:blip>
+          <a:stretch>
+            <a:fillRect/>
+          </a:stretch>
+        </p:blipFill>
+        <p:spPr>
+          <a:xfrm>
+            <a:off x="3810000" y="296149"/>
+            <a:ext cx="3812796" cy="831983"/>
+          </a:xfrm>
+          <a:prstGeom prst="rect">
+            <a:avLst/>
+          </a:prstGeom>
+        </p:spPr>
+      </p:pic>
+      <p:cxnSp>
+        <p:nvCxnSpPr>
+          <p:cNvPr id="22" name="直接箭头连接符 21">
+            <a:extLst>
+              <a:ext uri="{FF2B5EF4-FFF2-40B4-BE49-F238E27FC236}">
+                <a16:creationId xmlns:a16="http://schemas.microsoft.com/office/drawing/2014/main" id="{E0CA07F2-9B1E-45CC-9644-4CEE5947EEAE}"/>
+              </a:ext>
+            </a:extLst>
+          </p:cNvPr>
+          <p:cNvCxnSpPr>
+            <a:cxnSpLocks/>
+          </p:cNvCxnSpPr>
+          <p:nvPr/>
+        </p:nvCxnSpPr>
+        <p:spPr>
+          <a:xfrm>
+            <a:off x="4453657" y="1640330"/>
+            <a:ext cx="593405" cy="0"/>
+          </a:xfrm>
+          <a:prstGeom prst="straightConnector1">
+            <a:avLst/>
+          </a:prstGeom>
+          <a:ln>
+            <a:tailEnd type="triangle"/>
+          </a:ln>
+        </p:spPr>
+        <p:style>
+          <a:lnRef idx="2">
+            <a:schemeClr val="accent1"/>
+          </a:lnRef>
+          <a:fillRef idx="0">
+            <a:schemeClr val="accent1"/>
+          </a:fillRef>
+          <a:effectRef idx="1">
+            <a:schemeClr val="accent1"/>
+          </a:effectRef>
+          <a:fontRef idx="minor">
+            <a:schemeClr val="tx1"/>
+          </a:fontRef>
+        </p:style>
+      </p:cxnSp>
+      <p:pic>
+        <p:nvPicPr>
+          <p:cNvPr id="5" name="图片 4">
+            <a:extLst>
+              <a:ext uri="{FF2B5EF4-FFF2-40B4-BE49-F238E27FC236}">
+                <a16:creationId xmlns:a16="http://schemas.microsoft.com/office/drawing/2014/main" id="{2ACA4FCC-6572-4080-A5D2-BF0F334A6FD7}"/>
+              </a:ext>
+            </a:extLst>
+          </p:cNvPr>
+          <p:cNvPicPr>
+            <a:picLocks noChangeAspect="1"/>
+          </p:cNvPicPr>
+          <p:nvPr/>
+        </p:nvPicPr>
+        <p:blipFill>
+          <a:blip r:embed="rId3">
+            <a:extLst>
+              <a:ext uri="{28A0092B-C50C-407E-A947-70E740481C1C}">
+                <a14:useLocalDpi xmlns:a14="http://schemas.microsoft.com/office/drawing/2010/main" val="0"/>
+              </a:ext>
+            </a:extLst>
+          </a:blip>
+          <a:stretch>
+            <a:fillRect/>
+          </a:stretch>
+        </p:blipFill>
+        <p:spPr>
+          <a:xfrm>
+            <a:off x="546716" y="1401538"/>
+            <a:ext cx="3728248" cy="477585"/>
+          </a:xfrm>
+          <a:prstGeom prst="rect">
+            <a:avLst/>
+          </a:prstGeom>
+        </p:spPr>
+      </p:pic>
+      <p:pic>
+        <p:nvPicPr>
+          <p:cNvPr id="10" name="图片 9">
+            <a:extLst>
+              <a:ext uri="{FF2B5EF4-FFF2-40B4-BE49-F238E27FC236}">
+                <a16:creationId xmlns:a16="http://schemas.microsoft.com/office/drawing/2014/main" id="{EA1C7B16-4C30-4E60-A7CB-D0C1C9FB1D41}"/>
+              </a:ext>
+            </a:extLst>
+          </p:cNvPr>
+          <p:cNvPicPr>
+            <a:picLocks noChangeAspect="1"/>
+          </p:cNvPicPr>
+          <p:nvPr/>
+        </p:nvPicPr>
+        <p:blipFill>
+          <a:blip r:embed="rId4">
+            <a:extLst>
+              <a:ext uri="{28A0092B-C50C-407E-A947-70E740481C1C}">
+                <a14:useLocalDpi xmlns:a14="http://schemas.microsoft.com/office/drawing/2010/main" val="0"/>
+              </a:ext>
+            </a:extLst>
+          </a:blip>
+          <a:stretch>
+            <a:fillRect/>
+          </a:stretch>
+        </p:blipFill>
+        <p:spPr>
+          <a:xfrm>
+            <a:off x="546716" y="2178719"/>
+            <a:ext cx="1919706" cy="609600"/>
+          </a:xfrm>
+          <a:prstGeom prst="rect">
+            <a:avLst/>
+          </a:prstGeom>
+        </p:spPr>
+      </p:pic>
+      <p:pic>
+        <p:nvPicPr>
+          <p:cNvPr id="12" name="图片 11">
+            <a:extLst>
+              <a:ext uri="{FF2B5EF4-FFF2-40B4-BE49-F238E27FC236}">
+                <a16:creationId xmlns:a16="http://schemas.microsoft.com/office/drawing/2014/main" id="{2FA104C6-F808-45B6-850C-D65B59129CAC}"/>
+              </a:ext>
+            </a:extLst>
+          </p:cNvPr>
+          <p:cNvPicPr>
+            <a:picLocks noChangeAspect="1"/>
+          </p:cNvPicPr>
+          <p:nvPr/>
+        </p:nvPicPr>
+        <p:blipFill>
+          <a:blip r:embed="rId5">
+            <a:extLst>
+              <a:ext uri="{28A0092B-C50C-407E-A947-70E740481C1C}">
+                <a14:useLocalDpi xmlns:a14="http://schemas.microsoft.com/office/drawing/2010/main" val="0"/>
+              </a:ext>
+            </a:extLst>
+          </a:blip>
+          <a:stretch>
+            <a:fillRect/>
+          </a:stretch>
+        </p:blipFill>
+        <p:spPr>
+          <a:xfrm>
+            <a:off x="5562600" y="1219200"/>
+            <a:ext cx="2949907" cy="990600"/>
+          </a:xfrm>
+          <a:prstGeom prst="rect">
+            <a:avLst/>
+          </a:prstGeom>
+        </p:spPr>
+      </p:pic>
+      <p:pic>
+        <p:nvPicPr>
+          <p:cNvPr id="15" name="图片 14">
+            <a:extLst>
+              <a:ext uri="{FF2B5EF4-FFF2-40B4-BE49-F238E27FC236}">
+                <a16:creationId xmlns:a16="http://schemas.microsoft.com/office/drawing/2014/main" id="{254538A3-37C4-44C1-8B9E-02ED054D6436}"/>
+              </a:ext>
+            </a:extLst>
+          </p:cNvPr>
+          <p:cNvPicPr>
+            <a:picLocks noChangeAspect="1"/>
+          </p:cNvPicPr>
+          <p:nvPr/>
+        </p:nvPicPr>
+        <p:blipFill>
+          <a:blip r:embed="rId6">
+            <a:extLst>
+              <a:ext uri="{28A0092B-C50C-407E-A947-70E740481C1C}">
+                <a14:useLocalDpi xmlns:a14="http://schemas.microsoft.com/office/drawing/2010/main" val="0"/>
+              </a:ext>
+            </a:extLst>
+          </a:blip>
+          <a:stretch>
+            <a:fillRect/>
+          </a:stretch>
+        </p:blipFill>
+        <p:spPr>
+          <a:xfrm>
+            <a:off x="4453657" y="2178719"/>
+            <a:ext cx="2917170" cy="1402681"/>
+          </a:xfrm>
+          <a:prstGeom prst="rect">
+            <a:avLst/>
+          </a:prstGeom>
+        </p:spPr>
+      </p:pic>
+      <p:cxnSp>
+        <p:nvCxnSpPr>
+          <p:cNvPr id="21" name="直接箭头连接符 20">
+            <a:extLst>
+              <a:ext uri="{FF2B5EF4-FFF2-40B4-BE49-F238E27FC236}">
+                <a16:creationId xmlns:a16="http://schemas.microsoft.com/office/drawing/2014/main" id="{017ACAF0-E47D-4A15-B5AE-685DB8C57FD1}"/>
+              </a:ext>
+            </a:extLst>
+          </p:cNvPr>
+          <p:cNvCxnSpPr>
+            <a:cxnSpLocks/>
+          </p:cNvCxnSpPr>
+          <p:nvPr/>
+        </p:nvCxnSpPr>
+        <p:spPr>
+          <a:xfrm>
+            <a:off x="3200400" y="2495940"/>
+            <a:ext cx="513162" cy="0"/>
+          </a:xfrm>
+          <a:prstGeom prst="straightConnector1">
+            <a:avLst/>
+          </a:prstGeom>
+          <a:ln>
+            <a:tailEnd type="triangle"/>
+          </a:ln>
+        </p:spPr>
+        <p:style>
+          <a:lnRef idx="2">
+            <a:schemeClr val="accent1"/>
+          </a:lnRef>
+          <a:fillRef idx="0">
+            <a:schemeClr val="accent1"/>
+          </a:fillRef>
+          <a:effectRef idx="1">
+            <a:schemeClr val="accent1"/>
+          </a:effectRef>
+          <a:fontRef idx="minor">
+            <a:schemeClr val="tx1"/>
+          </a:fontRef>
+        </p:style>
+      </p:cxnSp>
+      <p:pic>
+        <p:nvPicPr>
+          <p:cNvPr id="24" name="图片 23">
+            <a:extLst>
+              <a:ext uri="{FF2B5EF4-FFF2-40B4-BE49-F238E27FC236}">
+                <a16:creationId xmlns:a16="http://schemas.microsoft.com/office/drawing/2014/main" id="{322A38A1-E6D2-406C-9379-DF865F3CAFF2}"/>
+              </a:ext>
+            </a:extLst>
+          </p:cNvPr>
+          <p:cNvPicPr>
+            <a:picLocks noChangeAspect="1"/>
+          </p:cNvPicPr>
+          <p:nvPr/>
+        </p:nvPicPr>
+        <p:blipFill>
+          <a:blip r:embed="rId7">
+            <a:extLst>
+              <a:ext uri="{28A0092B-C50C-407E-A947-70E740481C1C}">
+                <a14:useLocalDpi xmlns:a14="http://schemas.microsoft.com/office/drawing/2010/main" val="0"/>
+              </a:ext>
+            </a:extLst>
+          </a:blip>
+          <a:stretch>
+            <a:fillRect/>
+          </a:stretch>
+        </p:blipFill>
+        <p:spPr>
+          <a:xfrm>
+            <a:off x="2156820" y="3352800"/>
+            <a:ext cx="5465976" cy="2957169"/>
+          </a:xfrm>
+          <a:prstGeom prst="rect">
+            <a:avLst/>
+          </a:prstGeom>
+        </p:spPr>
+      </p:pic>
+    </p:spTree>
+    <p:extLst>
+      <p:ext uri="{BB962C8B-B14F-4D97-AF65-F5344CB8AC3E}">
+        <p14:creationId xmlns:p14="http://schemas.microsoft.com/office/powerpoint/2010/main" val="653682395"/>
+      </p:ext>
+    </p:extLst>
+  </p:cSld>
+  <p:clrMapOvr>
+    <a:masterClrMapping/>
+  </p:clrMapOvr>
+</p:sld>
+</file>
+
+<file path=ppt/slides/slide26.xml><?xml version="1.0" encoding="utf-8"?>
+<p:sld xmlns:a="http://schemas.openxmlformats.org/drawingml/2006/main" xmlns:r="http://schemas.openxmlformats.org/officeDocument/2006/relationships" xmlns:p="http://schemas.openxmlformats.org/presentationml/2006/main">
+  <p:cSld>
+    <p:spTree>
+      <p:nvGrpSpPr>
+        <p:cNvPr id="1" name=""/>
+        <p:cNvGrpSpPr/>
+        <p:nvPr/>
+      </p:nvGrpSpPr>
+      <p:grpSpPr>
+        <a:xfrm>
+          <a:off x="0" y="0"/>
+          <a:ext cx="0" cy="0"/>
+          <a:chOff x="0" y="0"/>
+          <a:chExt cx="0" cy="0"/>
+        </a:xfrm>
+      </p:grpSpPr>
+      <p:sp>
+        <p:nvSpPr>
+          <p:cNvPr id="2" name="标题 1">
+            <a:extLst>
+              <a:ext uri="{FF2B5EF4-FFF2-40B4-BE49-F238E27FC236}">
+                <a16:creationId xmlns:a16="http://schemas.microsoft.com/office/drawing/2014/main" id="{2AFD8E6C-3E1F-4375-A566-4E10FDE17C90}"/>
+              </a:ext>
+            </a:extLst>
+          </p:cNvPr>
+          <p:cNvSpPr>
+            <a:spLocks noGrp="1"/>
+          </p:cNvSpPr>
+          <p:nvPr>
+            <p:ph type="title"/>
+          </p:nvPr>
+        </p:nvSpPr>
+        <p:spPr/>
+        <p:txBody>
+          <a:bodyPr/>
+          <a:lstStyle/>
+          <a:p>
+            <a:r>
+              <a:rPr lang="zh-CN" altLang="en-US" dirty="0"/>
+              <a:t>反向传播算法</a:t>
+            </a:r>
+          </a:p>
+        </p:txBody>
+      </p:sp>
+      <p:pic>
+        <p:nvPicPr>
+          <p:cNvPr id="4" name="图片 3">
+            <a:extLst>
+              <a:ext uri="{FF2B5EF4-FFF2-40B4-BE49-F238E27FC236}">
+                <a16:creationId xmlns:a16="http://schemas.microsoft.com/office/drawing/2014/main" id="{036659C5-FC01-4590-98FD-6234D7948432}"/>
+              </a:ext>
+            </a:extLst>
+          </p:cNvPr>
+          <p:cNvPicPr>
+            <a:picLocks noChangeAspect="1"/>
+          </p:cNvPicPr>
+          <p:nvPr/>
+        </p:nvPicPr>
+        <p:blipFill>
+          <a:blip r:embed="rId2">
+            <a:extLst>
+              <a:ext uri="{28A0092B-C50C-407E-A947-70E740481C1C}">
+                <a14:useLocalDpi xmlns:a14="http://schemas.microsoft.com/office/drawing/2010/main" val="0"/>
+              </a:ext>
+            </a:extLst>
+          </a:blip>
+          <a:stretch>
+            <a:fillRect/>
+          </a:stretch>
+        </p:blipFill>
+        <p:spPr>
+          <a:xfrm>
+            <a:off x="1193427" y="1447800"/>
+            <a:ext cx="6757145" cy="4339645"/>
+          </a:xfrm>
+          <a:prstGeom prst="rect">
+            <a:avLst/>
+          </a:prstGeom>
+        </p:spPr>
+      </p:pic>
+    </p:spTree>
+    <p:extLst>
+      <p:ext uri="{BB962C8B-B14F-4D97-AF65-F5344CB8AC3E}">
+        <p14:creationId xmlns:p14="http://schemas.microsoft.com/office/powerpoint/2010/main" val="1830680973"/>
+      </p:ext>
+    </p:extLst>
+  </p:cSld>
+  <p:clrMapOvr>
+    <a:masterClrMapping/>
+  </p:clrMapOvr>
+</p:sld>
+</file>
+
+<file path=ppt/slides/slide27.xml><?xml version="1.0" encoding="utf-8"?>
 <p:sld xmlns:a="http://schemas.openxmlformats.org/drawingml/2006/main" xmlns:r="http://schemas.openxmlformats.org/officeDocument/2006/relationships" xmlns:p="http://schemas.openxmlformats.org/presentationml/2006/main">
   <p:cSld>
     <p:spTree>
@@ -13169,7 +14909,7 @@
 </p:sld>
 </file>
 
-<file path=ppt/slides/slide23.xml><?xml version="1.0" encoding="utf-8"?>
+<file path=ppt/slides/slide28.xml><?xml version="1.0" encoding="utf-8"?>
 <p:sld xmlns:a="http://schemas.openxmlformats.org/drawingml/2006/main" xmlns:r="http://schemas.openxmlformats.org/officeDocument/2006/relationships" xmlns:p="http://schemas.openxmlformats.org/presentationml/2006/main">
   <p:cSld>
     <p:spTree>
@@ -13348,7 +15088,7 @@
 </p:sld>
 </file>
 
-<file path=ppt/slides/slide24.xml><?xml version="1.0" encoding="utf-8"?>
+<file path=ppt/slides/slide29.xml><?xml version="1.0" encoding="utf-8"?>
 <p:sld xmlns:a="http://schemas.openxmlformats.org/drawingml/2006/main" xmlns:r="http://schemas.openxmlformats.org/officeDocument/2006/relationships" xmlns:p="http://schemas.openxmlformats.org/presentationml/2006/main">
   <p:cSld>
     <p:spTree>
@@ -13441,7 +15181,7 @@
 </p:sld>
 </file>
 
-<file path=ppt/slides/slide25.xml><?xml version="1.0" encoding="utf-8"?>
+<file path=ppt/slides/slide3.xml><?xml version="1.0" encoding="utf-8"?>
 <p:sld xmlns:a="http://schemas.openxmlformats.org/drawingml/2006/main" xmlns:r="http://schemas.openxmlformats.org/officeDocument/2006/relationships" xmlns:p="http://schemas.openxmlformats.org/presentationml/2006/main">
   <p:cSld>
     <p:spTree>
@@ -13475,87 +15215,44 @@
           <a:p>
             <a:r>
               <a:rPr lang="zh-CN" altLang="en-US" dirty="0"/>
-              <a:t>反向传播算法 </a:t>
-            </a:r>
-            <a:r>
-              <a:rPr lang="en-US" altLang="zh-CN" dirty="0"/>
-              <a:t>(</a:t>
-            </a:r>
-            <a:r>
-              <a:rPr lang="zh-CN" altLang="en-US" dirty="0"/>
-              <a:t>自动微分的反向模式）</a:t>
+              <a:t>人工神经元</a:t>
             </a:r>
           </a:p>
         </p:txBody>
       </p:sp>
-      <p:sp>
-        <p:nvSpPr>
-          <p:cNvPr id="3" name="内容占位符 2"/>
-          <p:cNvSpPr>
-            <a:spLocks noGrp="1"/>
-          </p:cNvSpPr>
+      <p:pic>
+        <p:nvPicPr>
+          <p:cNvPr id="4" name="内容占位符 3" descr="屏幕剪辑"/>
+          <p:cNvPicPr>
+            <a:picLocks noGrp="1" noChangeAspect="1"/>
+          </p:cNvPicPr>
           <p:nvPr>
             <p:ph sz="quarter" idx="1"/>
           </p:nvPr>
-        </p:nvSpPr>
-        <p:spPr/>
-        <p:txBody>
-          <a:bodyPr/>
-          <a:lstStyle/>
-          <a:p>
-            <a:r>
-              <a:rPr lang="zh-CN" altLang="en-US" sz="3200" dirty="0"/>
-              <a:t>前馈神经网络的训练过程可以分为以下三步</a:t>
-            </a:r>
-          </a:p>
-          <a:p>
-            <a:pPr lvl="1"/>
-            <a:r>
-              <a:rPr lang="zh-CN" altLang="en-US" sz="2800" dirty="0">
-                <a:solidFill>
-                  <a:srgbClr val="FF0000"/>
-                </a:solidFill>
-              </a:rPr>
-              <a:t>前向计算</a:t>
-            </a:r>
-            <a:r>
-              <a:rPr lang="zh-CN" altLang="en-US" sz="2800" dirty="0"/>
-              <a:t>每一层的状态和激活值，直到最后一层</a:t>
-            </a:r>
-          </a:p>
-          <a:p>
-            <a:pPr lvl="1"/>
-            <a:r>
-              <a:rPr lang="zh-CN" altLang="en-US" sz="2800" dirty="0">
-                <a:solidFill>
-                  <a:srgbClr val="FF0000"/>
-                </a:solidFill>
-              </a:rPr>
-              <a:t>反向计算</a:t>
-            </a:r>
-            <a:r>
-              <a:rPr lang="zh-CN" altLang="en-US" sz="2800" dirty="0"/>
-              <a:t>每一层的参数的偏导数</a:t>
-            </a:r>
-            <a:endParaRPr lang="en-US" altLang="zh-CN" sz="2800" dirty="0"/>
-          </a:p>
-          <a:p>
-            <a:pPr lvl="1"/>
-            <a:r>
-              <a:rPr lang="zh-CN" altLang="en-US" sz="2800" dirty="0">
-                <a:solidFill>
-                  <a:srgbClr val="FF0000"/>
-                </a:solidFill>
-              </a:rPr>
-              <a:t>更新参数</a:t>
-            </a:r>
-          </a:p>
-        </p:txBody>
-      </p:sp>
+        </p:nvPicPr>
+        <p:blipFill>
+          <a:blip r:embed="rId2">
+            <a:extLst>
+              <a:ext uri="{28A0092B-C50C-407E-A947-70E740481C1C}">
+                <a14:useLocalDpi xmlns:a14="http://schemas.microsoft.com/office/drawing/2010/main"/>
+              </a:ext>
+            </a:extLst>
+          </a:blip>
+          <a:stretch>
+            <a:fillRect/>
+          </a:stretch>
+        </p:blipFill>
+        <p:spPr>
+          <a:xfrm>
+            <a:off x="1905000" y="1828800"/>
+            <a:ext cx="4990271" cy="3641725"/>
+          </a:xfrm>
+        </p:spPr>
+      </p:pic>
     </p:spTree>
     <p:extLst>
       <p:ext uri="{BB962C8B-B14F-4D97-AF65-F5344CB8AC3E}">
-        <p14:creationId xmlns:p14="http://schemas.microsoft.com/office/powerpoint/2010/main" val="3440884166"/>
+        <p14:creationId xmlns:p14="http://schemas.microsoft.com/office/powerpoint/2010/main" val="1849516299"/>
       </p:ext>
     </p:extLst>
   </p:cSld>
@@ -13565,7 +15262,7 @@
 </p:sld>
 </file>
 
-<file path=ppt/slides/slide26.xml><?xml version="1.0" encoding="utf-8"?>
+<file path=ppt/slides/slide30.xml><?xml version="1.0" encoding="utf-8"?>
 <p:sld xmlns:a="http://schemas.openxmlformats.org/drawingml/2006/main" xmlns:r="http://schemas.openxmlformats.org/officeDocument/2006/relationships" xmlns:p="http://schemas.openxmlformats.org/presentationml/2006/main">
   <p:cSld>
     <p:spTree>
@@ -13599,7 +15296,15 @@
           <a:p>
             <a:r>
               <a:rPr lang="zh-CN" altLang="en-US" dirty="0"/>
-              <a:t>静态计算图和动态计算图</a:t>
+              <a:t>反向传播算法 </a:t>
+            </a:r>
+            <a:r>
+              <a:rPr lang="en-US" altLang="zh-CN" dirty="0"/>
+              <a:t>(</a:t>
+            </a:r>
+            <a:r>
+              <a:rPr lang="zh-CN" altLang="en-US" dirty="0"/>
+              <a:t>自动微分的反向模式）</a:t>
             </a:r>
           </a:p>
         </p:txBody>
@@ -13620,6 +15325,122 @@
           <a:lstStyle/>
           <a:p>
             <a:r>
+              <a:rPr lang="zh-CN" altLang="en-US" sz="3200" dirty="0"/>
+              <a:t>前馈神经网络的训练过程可以分为以下三步</a:t>
+            </a:r>
+          </a:p>
+          <a:p>
+            <a:pPr lvl="1"/>
+            <a:r>
+              <a:rPr lang="zh-CN" altLang="en-US" sz="2800" dirty="0">
+                <a:solidFill>
+                  <a:srgbClr val="FF0000"/>
+                </a:solidFill>
+              </a:rPr>
+              <a:t>前向计算</a:t>
+            </a:r>
+            <a:r>
+              <a:rPr lang="zh-CN" altLang="en-US" sz="2800" dirty="0"/>
+              <a:t>每一层的状态和激活值，直到最后一层</a:t>
+            </a:r>
+          </a:p>
+          <a:p>
+            <a:pPr lvl="1"/>
+            <a:r>
+              <a:rPr lang="zh-CN" altLang="en-US" sz="2800" dirty="0">
+                <a:solidFill>
+                  <a:srgbClr val="FF0000"/>
+                </a:solidFill>
+              </a:rPr>
+              <a:t>反向计算</a:t>
+            </a:r>
+            <a:r>
+              <a:rPr lang="zh-CN" altLang="en-US" sz="2800" dirty="0"/>
+              <a:t>每一层的参数的偏导数</a:t>
+            </a:r>
+            <a:endParaRPr lang="en-US" altLang="zh-CN" sz="2800" dirty="0"/>
+          </a:p>
+          <a:p>
+            <a:pPr lvl="1"/>
+            <a:r>
+              <a:rPr lang="zh-CN" altLang="en-US" sz="2800" dirty="0">
+                <a:solidFill>
+                  <a:srgbClr val="FF0000"/>
+                </a:solidFill>
+              </a:rPr>
+              <a:t>更新参数</a:t>
+            </a:r>
+          </a:p>
+        </p:txBody>
+      </p:sp>
+    </p:spTree>
+    <p:extLst>
+      <p:ext uri="{BB962C8B-B14F-4D97-AF65-F5344CB8AC3E}">
+        <p14:creationId xmlns:p14="http://schemas.microsoft.com/office/powerpoint/2010/main" val="3440884166"/>
+      </p:ext>
+    </p:extLst>
+  </p:cSld>
+  <p:clrMapOvr>
+    <a:masterClrMapping/>
+  </p:clrMapOvr>
+</p:sld>
+</file>
+
+<file path=ppt/slides/slide31.xml><?xml version="1.0" encoding="utf-8"?>
+<p:sld xmlns:a="http://schemas.openxmlformats.org/drawingml/2006/main" xmlns:r="http://schemas.openxmlformats.org/officeDocument/2006/relationships" xmlns:p="http://schemas.openxmlformats.org/presentationml/2006/main">
+  <p:cSld>
+    <p:spTree>
+      <p:nvGrpSpPr>
+        <p:cNvPr id="1" name=""/>
+        <p:cNvGrpSpPr/>
+        <p:nvPr/>
+      </p:nvGrpSpPr>
+      <p:grpSpPr>
+        <a:xfrm>
+          <a:off x="0" y="0"/>
+          <a:ext cx="0" cy="0"/>
+          <a:chOff x="0" y="0"/>
+          <a:chExt cx="0" cy="0"/>
+        </a:xfrm>
+      </p:grpSpPr>
+      <p:sp>
+        <p:nvSpPr>
+          <p:cNvPr id="2" name="标题 1"/>
+          <p:cNvSpPr>
+            <a:spLocks noGrp="1"/>
+          </p:cNvSpPr>
+          <p:nvPr>
+            <p:ph type="title"/>
+          </p:nvPr>
+        </p:nvSpPr>
+        <p:spPr/>
+        <p:txBody>
+          <a:bodyPr/>
+          <a:lstStyle/>
+          <a:p>
+            <a:r>
+              <a:rPr lang="zh-CN" altLang="en-US" dirty="0"/>
+              <a:t>静态计算图和动态计算图</a:t>
+            </a:r>
+          </a:p>
+        </p:txBody>
+      </p:sp>
+      <p:sp>
+        <p:nvSpPr>
+          <p:cNvPr id="3" name="内容占位符 2"/>
+          <p:cNvSpPr>
+            <a:spLocks noGrp="1"/>
+          </p:cNvSpPr>
+          <p:nvPr>
+            <p:ph sz="quarter" idx="1"/>
+          </p:nvPr>
+        </p:nvSpPr>
+        <p:spPr/>
+        <p:txBody>
+          <a:bodyPr/>
+          <a:lstStyle/>
+          <a:p>
+            <a:r>
               <a:rPr lang="zh-CN" altLang="en-US" sz="2800" dirty="0"/>
               <a:t>静态计算图是在编译时构建计算图，计算图构建好之后在程序运行时不能改变。</a:t>
             </a:r>
@@ -13697,7 +15518,7 @@
 </p:sld>
 </file>
 
-<file path=ppt/slides/slide27.xml><?xml version="1.0" encoding="utf-8"?>
+<file path=ppt/slides/slide32.xml><?xml version="1.0" encoding="utf-8"?>
 <p:sld xmlns:a="http://schemas.openxmlformats.org/drawingml/2006/main" xmlns:r="http://schemas.openxmlformats.org/officeDocument/2006/relationships" xmlns:p="http://schemas.openxmlformats.org/presentationml/2006/main">
   <p:cSld>
     <p:spTree>
@@ -13779,7 +15600,7 @@
 </p:sld>
 </file>
 
-<file path=ppt/slides/slide28.xml><?xml version="1.0" encoding="utf-8"?>
+<file path=ppt/slides/slide33.xml><?xml version="1.0" encoding="utf-8"?>
 <p:sld xmlns:a="http://schemas.openxmlformats.org/drawingml/2006/main" xmlns:r="http://schemas.openxmlformats.org/officeDocument/2006/relationships" xmlns:p="http://schemas.openxmlformats.org/presentationml/2006/main">
   <p:cSld>
     <p:spTree>
@@ -14259,7 +16080,7 @@
 </p:sld>
 </file>
 
-<file path=ppt/slides/slide29.xml><?xml version="1.0" encoding="utf-8"?>
+<file path=ppt/slides/slide34.xml><?xml version="1.0" encoding="utf-8"?>
 <p:sld xmlns:a="http://schemas.openxmlformats.org/drawingml/2006/main" xmlns:r="http://schemas.openxmlformats.org/officeDocument/2006/relationships" xmlns:p="http://schemas.openxmlformats.org/presentationml/2006/main">
   <p:cSld>
     <p:spTree>
@@ -14478,7 +16299,7 @@
 </p:sld>
 </file>
 
-<file path=ppt/slides/slide3.xml><?xml version="1.0" encoding="utf-8"?>
+<file path=ppt/slides/slide35.xml><?xml version="1.0" encoding="utf-8"?>
 <p:sld xmlns:a="http://schemas.openxmlformats.org/drawingml/2006/main" xmlns:r="http://schemas.openxmlformats.org/officeDocument/2006/relationships" xmlns:p="http://schemas.openxmlformats.org/presentationml/2006/main">
   <p:cSld>
     <p:spTree>
@@ -14512,87 +16333,6 @@
           <a:p>
             <a:r>
               <a:rPr lang="zh-CN" altLang="en-US" dirty="0"/>
-              <a:t>人工神经元</a:t>
-            </a:r>
-          </a:p>
-        </p:txBody>
-      </p:sp>
-      <p:pic>
-        <p:nvPicPr>
-          <p:cNvPr id="4" name="内容占位符 3" descr="屏幕剪辑"/>
-          <p:cNvPicPr>
-            <a:picLocks noGrp="1" noChangeAspect="1"/>
-          </p:cNvPicPr>
-          <p:nvPr>
-            <p:ph sz="quarter" idx="1"/>
-          </p:nvPr>
-        </p:nvPicPr>
-        <p:blipFill>
-          <a:blip r:embed="rId2">
-            <a:extLst>
-              <a:ext uri="{28A0092B-C50C-407E-A947-70E740481C1C}">
-                <a14:useLocalDpi xmlns:a14="http://schemas.microsoft.com/office/drawing/2010/main"/>
-              </a:ext>
-            </a:extLst>
-          </a:blip>
-          <a:stretch>
-            <a:fillRect/>
-          </a:stretch>
-        </p:blipFill>
-        <p:spPr>
-          <a:xfrm>
-            <a:off x="1905000" y="1828800"/>
-            <a:ext cx="4990271" cy="3641725"/>
-          </a:xfrm>
-        </p:spPr>
-      </p:pic>
-    </p:spTree>
-    <p:extLst>
-      <p:ext uri="{BB962C8B-B14F-4D97-AF65-F5344CB8AC3E}">
-        <p14:creationId xmlns:p14="http://schemas.microsoft.com/office/powerpoint/2010/main" val="1849516299"/>
-      </p:ext>
-    </p:extLst>
-  </p:cSld>
-  <p:clrMapOvr>
-    <a:masterClrMapping/>
-  </p:clrMapOvr>
-</p:sld>
-</file>
-
-<file path=ppt/slides/slide30.xml><?xml version="1.0" encoding="utf-8"?>
-<p:sld xmlns:a="http://schemas.openxmlformats.org/drawingml/2006/main" xmlns:r="http://schemas.openxmlformats.org/officeDocument/2006/relationships" xmlns:p="http://schemas.openxmlformats.org/presentationml/2006/main">
-  <p:cSld>
-    <p:spTree>
-      <p:nvGrpSpPr>
-        <p:cNvPr id="1" name=""/>
-        <p:cNvGrpSpPr/>
-        <p:nvPr/>
-      </p:nvGrpSpPr>
-      <p:grpSpPr>
-        <a:xfrm>
-          <a:off x="0" y="0"/>
-          <a:ext cx="0" cy="0"/>
-          <a:chOff x="0" y="0"/>
-          <a:chExt cx="0" cy="0"/>
-        </a:xfrm>
-      </p:grpSpPr>
-      <p:sp>
-        <p:nvSpPr>
-          <p:cNvPr id="2" name="标题 1"/>
-          <p:cNvSpPr>
-            <a:spLocks noGrp="1"/>
-          </p:cNvSpPr>
-          <p:nvPr>
-            <p:ph type="title"/>
-          </p:nvPr>
-        </p:nvSpPr>
-        <p:spPr/>
-        <p:txBody>
-          <a:bodyPr/>
-          <a:lstStyle/>
-          <a:p>
-            <a:r>
-              <a:rPr lang="zh-CN" altLang="en-US" dirty="0"/>
               <a:t>优化问题</a:t>
             </a:r>
           </a:p>
@@ -14637,7 +16377,7 @@
             <a:pPr lvl="1"/>
             <a:r>
               <a:rPr lang="zh-CN" altLang="en-US" dirty="0"/>
-              <a:t>下层参数比较难调</a:t>
+              <a:t>梯度消失问题，下层参数比较难调</a:t>
             </a:r>
           </a:p>
           <a:p>
@@ -14689,7 +16429,7 @@
 </p:sld>
 </file>
 
-<file path=ppt/slides/slide31.xml><?xml version="1.0" encoding="utf-8"?>
+<file path=ppt/slides/slide36.xml><?xml version="1.0" encoding="utf-8"?>
 <p:sld xmlns:a="http://schemas.openxmlformats.org/drawingml/2006/main" xmlns:r="http://schemas.openxmlformats.org/officeDocument/2006/relationships" xmlns:p="http://schemas.openxmlformats.org/presentationml/2006/main">
   <p:cSld>
     <p:spTree>
@@ -14812,7 +16552,7 @@
 </p:sld>
 </file>
 
-<file path=ppt/slides/slide32.xml><?xml version="1.0" encoding="utf-8"?>
+<file path=ppt/slides/slide37.xml><?xml version="1.0" encoding="utf-8"?>
 <p:sld xmlns:a="http://schemas.openxmlformats.org/drawingml/2006/main" xmlns:r="http://schemas.openxmlformats.org/officeDocument/2006/relationships" xmlns:p="http://schemas.openxmlformats.org/presentationml/2006/main">
   <p:cSld>
     <p:spTree>
@@ -15474,7 +17214,7 @@
 </p:sld>
 </file>
 
-<file path=ppt/slides/slide33.xml><?xml version="1.0" encoding="utf-8"?>
+<file path=ppt/slides/slide38.xml><?xml version="1.0" encoding="utf-8"?>
 <p:sld xmlns:a="http://schemas.openxmlformats.org/drawingml/2006/main" xmlns:r="http://schemas.openxmlformats.org/officeDocument/2006/relationships" xmlns:p="http://schemas.openxmlformats.org/presentationml/2006/main">
   <p:cSld>
     <p:spTree>
@@ -15530,14 +17270,44 @@
           <a:lstStyle/>
           <a:p>
             <a:r>
+              <a:rPr lang="zh-CN" altLang="en-US" dirty="0"/>
+              <a:t>知识点</a:t>
+            </a:r>
+            <a:endParaRPr lang="en-US" altLang="zh-CN" dirty="0"/>
+          </a:p>
+          <a:p>
+            <a:pPr lvl="1"/>
+            <a:r>
+              <a:rPr lang="zh-CN" altLang="en-US" dirty="0"/>
+              <a:t>激活函数</a:t>
+            </a:r>
+            <a:endParaRPr lang="en-US" altLang="zh-CN" dirty="0"/>
+          </a:p>
+          <a:p>
+            <a:pPr lvl="1"/>
+            <a:r>
+              <a:rPr lang="zh-CN" altLang="en-US" dirty="0"/>
+              <a:t>误差反向传播</a:t>
+            </a:r>
+            <a:endParaRPr lang="en-US" altLang="zh-CN" dirty="0"/>
+          </a:p>
+          <a:p>
+            <a:pPr lvl="1"/>
+            <a:r>
+              <a:rPr lang="zh-CN" altLang="en-US" dirty="0"/>
+              <a:t>自动微分与计算图</a:t>
+            </a:r>
+            <a:endParaRPr lang="en-US" altLang="zh-CN" dirty="0"/>
+          </a:p>
+          <a:p>
+            <a:r>
+              <a:rPr lang="zh-CN" altLang="en-US" dirty="0"/>
+              <a:t>编程练习</a:t>
+            </a:r>
+            <a:r>
               <a:rPr lang="en-US" altLang="zh-CN" dirty="0"/>
-              <a:t>1. </a:t>
-            </a:r>
-            <a:r>
-              <a:rPr lang="zh-CN" altLang="en-US" dirty="0"/>
-              <a:t>实现</a:t>
-            </a:r>
-            <a:endParaRPr lang="en-US" altLang="zh-CN" dirty="0"/>
+              <a:t>1</a:t>
+            </a:r>
           </a:p>
           <a:p>
             <a:pPr lvl="1"/>
@@ -15556,15 +17326,24 @@
             <a:endParaRPr lang="en-US" altLang="zh-CN" dirty="0"/>
           </a:p>
           <a:p>
+            <a:pPr lvl="1"/>
+            <a:r>
+              <a:rPr lang="en-US" altLang="zh-CN" dirty="0">
+                <a:hlinkClick r:id="rId2" tooltip="chap4_ simple neural network"/>
+              </a:rPr>
+              <a:t>chap4_ simple neural network</a:t>
+            </a:r>
+            <a:endParaRPr lang="en-US" altLang="zh-CN" dirty="0"/>
+          </a:p>
+          <a:p>
+            <a:r>
+              <a:rPr lang="zh-CN" altLang="en-US" dirty="0"/>
+              <a:t>编程练习</a:t>
+            </a:r>
             <a:r>
               <a:rPr lang="en-US" altLang="zh-CN" dirty="0"/>
-              <a:t>2. </a:t>
-            </a:r>
-            <a:r>
-              <a:rPr lang="zh-CN" altLang="en-US" dirty="0"/>
-              <a:t>函数拟合</a:t>
-            </a:r>
-            <a:endParaRPr lang="en-US" altLang="zh-CN" dirty="0"/>
+              <a:t>2</a:t>
+            </a:r>
           </a:p>
           <a:p>
             <a:pPr lvl="1"/>
@@ -15578,7 +17357,7 @@
             </a:r>
             <a:r>
               <a:rPr lang="zh-CN" altLang="en-US" dirty="0"/>
-              <a:t>网络可以模拟任何函数</a:t>
+              <a:t>网络可以模拟任何有界闭集函数。</a:t>
             </a:r>
             <a:endParaRPr lang="en-US" altLang="zh-CN" dirty="0"/>
           </a:p>
@@ -15586,20 +17365,13 @@
             <a:pPr lvl="1"/>
             <a:r>
               <a:rPr lang="en-US" altLang="zh-CN" dirty="0">
-                <a:hlinkClick r:id="rId2"/>
-              </a:rPr>
-              <a:t>https://github.com/nndl/exercise/</a:t>
-            </a:r>
-            <a:endParaRPr lang="en-US" altLang="zh-CN" dirty="0"/>
-          </a:p>
-          <a:p>
-            <a:pPr lvl="1"/>
-            <a:r>
-              <a:rPr lang="en-US" altLang="zh-CN" u="sng" dirty="0">
-                <a:hlinkClick r:id="rId3" tooltip="chap4_ simple neural network"/>
+                <a:hlinkClick r:id="rId2" tooltip="chap4_ simple neural network"/>
               </a:rPr>
               <a:t>chap4_ simple neural network</a:t>
             </a:r>
+            <a:endParaRPr lang="en-US" altLang="zh-CN" dirty="0"/>
+          </a:p>
+          <a:p>
             <a:endParaRPr lang="en-US" altLang="zh-CN" dirty="0"/>
           </a:p>
         </p:txBody>
@@ -15617,7 +17389,7 @@
 </p:sld>
 </file>
 
-<file path=ppt/slides/slide34.xml><?xml version="1.0" encoding="utf-8"?>
+<file path=ppt/slides/slide39.xml><?xml version="1.0" encoding="utf-8"?>
 <p:sld xmlns:a="http://schemas.openxmlformats.org/drawingml/2006/main" xmlns:r="http://schemas.openxmlformats.org/officeDocument/2006/relationships" xmlns:p="http://schemas.openxmlformats.org/presentationml/2006/main">
   <p:cSld>
     <p:spTree>
@@ -15783,6 +17555,22 @@
               <a:rPr lang="zh-CN" altLang="en-US" dirty="0"/>
               <a:t>不能太大也不能太小，否则会影响训练的效率和稳定性。</a:t>
             </a:r>
+            <a:endParaRPr lang="en-US" altLang="zh-CN" dirty="0"/>
+          </a:p>
+          <a:p>
+            <a:r>
+              <a:rPr lang="zh-CN" altLang="en-US" dirty="0"/>
+              <a:t>单调递增</a:t>
+            </a:r>
+            <a:endParaRPr lang="en-US" altLang="zh-CN" dirty="0"/>
+          </a:p>
+          <a:p>
+            <a:pPr lvl="1"/>
+            <a:r>
+              <a:rPr lang="en-US" altLang="zh-CN" dirty="0"/>
+              <a:t>?</a:t>
+            </a:r>
+            <a:endParaRPr lang="zh-CN" altLang="en-US" dirty="0"/>
           </a:p>
         </p:txBody>
       </p:sp>
@@ -15860,8 +17648,8 @@
         </p:blipFill>
         <p:spPr>
           <a:xfrm>
-            <a:off x="1260030" y="2286000"/>
-            <a:ext cx="1578470" cy="533414"/>
+            <a:off x="1260029" y="2286000"/>
+            <a:ext cx="2260023" cy="763732"/>
           </a:xfrm>
           <a:prstGeom prst="rect">
             <a:avLst/>
@@ -15891,7 +17679,7 @@
         <p:spPr>
           <a:xfrm>
             <a:off x="914400" y="3581400"/>
-            <a:ext cx="2269731" cy="478984"/>
+            <a:ext cx="3249757" cy="685800"/>
           </a:xfrm>
           <a:prstGeom prst="rect">
             <a:avLst/>
@@ -16003,7 +17791,7 @@
         <p:spPr>
           <a:xfrm>
             <a:off x="1066800" y="1371600"/>
-            <a:ext cx="1643800" cy="919575"/>
+            <a:ext cx="2224128" cy="1244222"/>
           </a:xfrm>
           <a:prstGeom prst="rect">
             <a:avLst/>
@@ -16033,7 +17821,7 @@
         <p:spPr>
           <a:xfrm>
             <a:off x="672082" y="2302771"/>
-            <a:ext cx="2759611" cy="932624"/>
+            <a:ext cx="3733865" cy="1261878"/>
           </a:xfrm>
           <a:prstGeom prst="rect">
             <a:avLst/>
@@ -16062,8 +17850,8 @@
         </p:blipFill>
         <p:spPr>
           <a:xfrm>
-            <a:off x="936048" y="3246991"/>
-            <a:ext cx="2503798" cy="895898"/>
+            <a:off x="936047" y="3246991"/>
+            <a:ext cx="3387739" cy="1212186"/>
           </a:xfrm>
           <a:prstGeom prst="rect">
             <a:avLst/>
@@ -16093,7 +17881,7 @@
         <p:spPr>
           <a:xfrm>
             <a:off x="1123847" y="4191000"/>
-            <a:ext cx="2737847" cy="848776"/>
+            <a:ext cx="3704417" cy="1148428"/>
           </a:xfrm>
           <a:prstGeom prst="rect">
             <a:avLst/>
@@ -16152,8 +17940,8 @@
         </p:blipFill>
         <p:spPr>
           <a:xfrm>
-            <a:off x="838200" y="5208217"/>
-            <a:ext cx="2060069" cy="261916"/>
+            <a:off x="990600" y="5715000"/>
+            <a:ext cx="2787357" cy="354383"/>
           </a:xfrm>
           <a:prstGeom prst="rect">
             <a:avLst/>
@@ -16356,7 +18144,13 @@
       </p:grpSpPr>
       <p:sp>
         <p:nvSpPr>
-          <p:cNvPr id="2" name="标题 1"/>
+          <p:cNvPr id="2" name="标题 1">
+            <a:extLst>
+              <a:ext uri="{FF2B5EF4-FFF2-40B4-BE49-F238E27FC236}">
+                <a16:creationId xmlns:a16="http://schemas.microsoft.com/office/drawing/2014/main" id="{2558D14E-384B-4F89-9B60-AAEBAC0AB952}"/>
+              </a:ext>
+            </a:extLst>
+          </p:cNvPr>
           <p:cNvSpPr>
             <a:spLocks noGrp="1"/>
           </p:cNvSpPr>
@@ -16371,14 +18165,126 @@
           <a:p>
             <a:r>
               <a:rPr lang="zh-CN" altLang="en-US" dirty="0"/>
-              <a:t>常见激活函数及其导数</a:t>
-            </a:r>
+              <a:t>常见激活函数</a:t>
+            </a:r>
+          </a:p>
+        </p:txBody>
+      </p:sp>
+      <p:sp>
+        <p:nvSpPr>
+          <p:cNvPr id="3" name="内容占位符 2">
+            <a:extLst>
+              <a:ext uri="{FF2B5EF4-FFF2-40B4-BE49-F238E27FC236}">
+                <a16:creationId xmlns:a16="http://schemas.microsoft.com/office/drawing/2014/main" id="{682A3B00-0AAD-4140-B53A-F40602E2B2EF}"/>
+              </a:ext>
+            </a:extLst>
+          </p:cNvPr>
+          <p:cNvSpPr>
+            <a:spLocks noGrp="1"/>
+          </p:cNvSpPr>
+          <p:nvPr>
+            <p:ph sz="quarter" idx="1"/>
+          </p:nvPr>
+        </p:nvSpPr>
+        <p:spPr/>
+        <p:txBody>
+          <a:bodyPr/>
+          <a:lstStyle/>
+          <a:p>
+            <a:r>
+              <a:rPr lang="zh-CN" altLang="en-US" dirty="0"/>
+              <a:t>高斯误差线性单元（</a:t>
+            </a:r>
+            <a:r>
+              <a:rPr lang="en-US" altLang="zh-CN" dirty="0"/>
+              <a:t>Gaussian Error Linear Unit</a:t>
+            </a:r>
+            <a:r>
+              <a:rPr lang="zh-CN" altLang="en-US" dirty="0"/>
+              <a:t>，</a:t>
+            </a:r>
+            <a:r>
+              <a:rPr lang="en-US" altLang="zh-CN" dirty="0"/>
+              <a:t>GELU</a:t>
+            </a:r>
+            <a:r>
+              <a:rPr lang="zh-CN" altLang="en-US" dirty="0"/>
+              <a:t>）</a:t>
+            </a:r>
+            <a:endParaRPr lang="en-US" altLang="zh-CN" dirty="0"/>
+          </a:p>
+          <a:p>
+            <a:endParaRPr lang="en-US" altLang="zh-CN" dirty="0"/>
+          </a:p>
+          <a:p>
+            <a:endParaRPr lang="en-US" altLang="zh-CN" dirty="0"/>
+          </a:p>
+          <a:p>
+            <a:pPr lvl="1"/>
+            <a:r>
+              <a:rPr lang="zh-CN" altLang="en-US" dirty="0"/>
+              <a:t>其中</a:t>
+            </a:r>
+            <a:r>
+              <a:rPr lang="en-US" altLang="zh-CN" dirty="0"/>
+              <a:t>P(X ≤ x)</a:t>
+            </a:r>
+            <a:r>
+              <a:rPr lang="zh-CN" altLang="en-US" dirty="0"/>
+              <a:t>是高斯分布</a:t>
+            </a:r>
+            <a:r>
+              <a:rPr lang="en-US" altLang="zh-CN" dirty="0"/>
+              <a:t>N(µ,</a:t>
+            </a:r>
+            <a:r>
+              <a:rPr lang="el-GR" altLang="zh-CN" dirty="0"/>
+              <a:t>σ 2 )</a:t>
+            </a:r>
+            <a:r>
+              <a:rPr lang="zh-CN" altLang="en-US" dirty="0"/>
+              <a:t>的累积分布函数，其中</a:t>
+            </a:r>
+            <a:r>
+              <a:rPr lang="en-US" altLang="zh-CN" dirty="0"/>
+              <a:t>µ,</a:t>
+            </a:r>
+            <a:r>
+              <a:rPr lang="el-GR" altLang="zh-CN" dirty="0"/>
+              <a:t>σ</a:t>
+            </a:r>
+            <a:r>
+              <a:rPr lang="zh-CN" altLang="en-US" dirty="0"/>
+              <a:t>为超参数，一般设</a:t>
+            </a:r>
+            <a:r>
+              <a:rPr lang="en-US" altLang="zh-CN" dirty="0"/>
+              <a:t>µ = 0,</a:t>
+            </a:r>
+            <a:r>
+              <a:rPr lang="el-GR" altLang="zh-CN" dirty="0"/>
+              <a:t>σ = 1</a:t>
+            </a:r>
+            <a:r>
+              <a:rPr lang="zh-CN" altLang="en-US" dirty="0"/>
+              <a:t>即可</a:t>
+            </a:r>
+            <a:endParaRPr lang="en-US" altLang="zh-CN" dirty="0"/>
+          </a:p>
+          <a:p>
+            <a:endParaRPr lang="zh-CN" altLang="en-US" dirty="0"/>
           </a:p>
         </p:txBody>
       </p:sp>
       <p:pic>
         <p:nvPicPr>
-          <p:cNvPr id="5" name="图片 4" descr="屏幕剪辑"/>
+          <p:cNvPr id="5" name="图片 4">
+            <a:extLst>
+              <a:ext uri="{FF2B5EF4-FFF2-40B4-BE49-F238E27FC236}">
+                <a16:creationId xmlns:a16="http://schemas.microsoft.com/office/drawing/2014/main" id="{87C719F1-7679-4018-83B3-16F6DBAE0827}"/>
+              </a:ext>
+            </a:extLst>
+          </p:cNvPr>
           <p:cNvPicPr>
             <a:picLocks noChangeAspect="1"/>
           </p:cNvPicPr>
@@ -16398,8 +18304,8 @@
         </p:blipFill>
         <p:spPr>
           <a:xfrm>
-            <a:off x="1447800" y="2133600"/>
-            <a:ext cx="5925036" cy="2794941"/>
+            <a:off x="2634614" y="2438400"/>
+            <a:ext cx="2909985" cy="550352"/>
           </a:xfrm>
           <a:prstGeom prst="rect">
             <a:avLst/>
@@ -16409,7 +18315,7 @@
     </p:spTree>
     <p:extLst>
       <p:ext uri="{BB962C8B-B14F-4D97-AF65-F5344CB8AC3E}">
-        <p14:creationId xmlns:p14="http://schemas.microsoft.com/office/powerpoint/2010/main" val="3785357825"/>
+        <p14:creationId xmlns:p14="http://schemas.microsoft.com/office/powerpoint/2010/main" val="2949568978"/>
       </p:ext>
     </p:extLst>
   </p:cSld>
@@ -16453,83 +18359,45 @@
           <a:p>
             <a:r>
               <a:rPr lang="zh-CN" altLang="en-US" dirty="0"/>
-              <a:t>人工神经网络</a:t>
+              <a:t>常见激活函数及其导数</a:t>
             </a:r>
           </a:p>
         </p:txBody>
       </p:sp>
-      <p:sp>
-        <p:nvSpPr>
-          <p:cNvPr id="3" name="内容占位符 2"/>
-          <p:cNvSpPr>
-            <a:spLocks noGrp="1"/>
-          </p:cNvSpPr>
-          <p:nvPr>
-            <p:ph sz="quarter" idx="1"/>
-          </p:nvPr>
-        </p:nvSpPr>
-        <p:spPr/>
-        <p:txBody>
-          <a:bodyPr/>
-          <a:lstStyle/>
-          <a:p>
-            <a:r>
-              <a:rPr lang="zh-CN" altLang="en-US" dirty="0"/>
-              <a:t>人工神经网络主要由大量的神经元以及它们之间的有向连接构成。因此考虑三方面：</a:t>
-            </a:r>
-            <a:endParaRPr lang="en-US" altLang="zh-CN" dirty="0"/>
-          </a:p>
-          <a:p>
-            <a:endParaRPr lang="zh-CN" altLang="en-US" dirty="0"/>
-          </a:p>
-          <a:p>
-            <a:r>
-              <a:rPr lang="zh-CN" altLang="en-US" dirty="0"/>
-              <a:t>神经元的激活规则</a:t>
-            </a:r>
-            <a:endParaRPr lang="en-US" altLang="zh-CN" dirty="0"/>
-          </a:p>
-          <a:p>
-            <a:pPr lvl="1"/>
-            <a:r>
-              <a:rPr lang="zh-CN" altLang="en-US" dirty="0"/>
-              <a:t>主要是指神经元输入到输出之间的映射关系，一般为非线性函数。</a:t>
-            </a:r>
-          </a:p>
-          <a:p>
-            <a:r>
-              <a:rPr lang="zh-CN" altLang="en-US" dirty="0"/>
-              <a:t>网络的拓扑结构</a:t>
-            </a:r>
-            <a:endParaRPr lang="en-US" altLang="zh-CN" dirty="0"/>
-          </a:p>
-          <a:p>
-            <a:pPr lvl="1"/>
-            <a:r>
-              <a:rPr lang="zh-CN" altLang="en-US" dirty="0"/>
-              <a:t>不同神经元之间的连接关系。</a:t>
-            </a:r>
-          </a:p>
-          <a:p>
-            <a:r>
-              <a:rPr lang="zh-CN" altLang="en-US" dirty="0"/>
-              <a:t>学习算法</a:t>
-            </a:r>
-            <a:endParaRPr lang="en-US" altLang="zh-CN" dirty="0"/>
-          </a:p>
-          <a:p>
-            <a:pPr lvl="1"/>
-            <a:r>
-              <a:rPr lang="zh-CN" altLang="en-US" dirty="0"/>
-              <a:t>通过训练数据来学习神经网络的参数。</a:t>
-            </a:r>
-          </a:p>
-        </p:txBody>
-      </p:sp>
+      <p:pic>
+        <p:nvPicPr>
+          <p:cNvPr id="5" name="图片 4" descr="屏幕剪辑"/>
+          <p:cNvPicPr>
+            <a:picLocks noChangeAspect="1"/>
+          </p:cNvPicPr>
+          <p:nvPr/>
+        </p:nvPicPr>
+        <p:blipFill>
+          <a:blip r:embed="rId2">
+            <a:extLst>
+              <a:ext uri="{28A0092B-C50C-407E-A947-70E740481C1C}">
+                <a14:useLocalDpi xmlns:a14="http://schemas.microsoft.com/office/drawing/2010/main" val="0"/>
+              </a:ext>
+            </a:extLst>
+          </a:blip>
+          <a:stretch>
+            <a:fillRect/>
+          </a:stretch>
+        </p:blipFill>
+        <p:spPr>
+          <a:xfrm>
+            <a:off x="1447800" y="2133600"/>
+            <a:ext cx="5925036" cy="2794941"/>
+          </a:xfrm>
+          <a:prstGeom prst="rect">
+            <a:avLst/>
+          </a:prstGeom>
+        </p:spPr>
+      </p:pic>
     </p:spTree>
     <p:extLst>
       <p:ext uri="{BB962C8B-B14F-4D97-AF65-F5344CB8AC3E}">
-        <p14:creationId xmlns:p14="http://schemas.microsoft.com/office/powerpoint/2010/main" val="1496855212"/>
+        <p14:creationId xmlns:p14="http://schemas.microsoft.com/office/powerpoint/2010/main" val="3785357825"/>
       </p:ext>
     </p:extLst>
   </p:cSld>

--- a/ppt/chap-前馈神经网络.pptx
+++ b/ppt/chap-前馈神经网络.pptx
@@ -5,50 +5,54 @@
     <p:sldMasterId id="2147483756" r:id="rId1"/>
   </p:sldMasterIdLst>
   <p:notesMasterIdLst>
-    <p:notesMasterId r:id="rId41"/>
+    <p:notesMasterId r:id="rId45"/>
   </p:notesMasterIdLst>
   <p:sldIdLst>
     <p:sldId id="256" r:id="rId2"/>
-    <p:sldId id="448" r:id="rId3"/>
-    <p:sldId id="449" r:id="rId4"/>
-    <p:sldId id="502" r:id="rId5"/>
-    <p:sldId id="491" r:id="rId6"/>
-    <p:sldId id="492" r:id="rId7"/>
-    <p:sldId id="501" r:id="rId8"/>
-    <p:sldId id="503" r:id="rId9"/>
-    <p:sldId id="463" r:id="rId10"/>
-    <p:sldId id="450" r:id="rId11"/>
-    <p:sldId id="451" r:id="rId12"/>
-    <p:sldId id="460" r:id="rId13"/>
-    <p:sldId id="464" r:id="rId14"/>
-    <p:sldId id="504" r:id="rId15"/>
-    <p:sldId id="465" r:id="rId16"/>
-    <p:sldId id="466" r:id="rId17"/>
-    <p:sldId id="490" r:id="rId18"/>
-    <p:sldId id="483" r:id="rId19"/>
-    <p:sldId id="495" r:id="rId20"/>
-    <p:sldId id="468" r:id="rId21"/>
-    <p:sldId id="493" r:id="rId22"/>
-    <p:sldId id="469" r:id="rId23"/>
-    <p:sldId id="484" r:id="rId24"/>
-    <p:sldId id="505" r:id="rId25"/>
-    <p:sldId id="506" r:id="rId26"/>
-    <p:sldId id="507" r:id="rId27"/>
-    <p:sldId id="485" r:id="rId28"/>
-    <p:sldId id="486" r:id="rId29"/>
-    <p:sldId id="487" r:id="rId30"/>
-    <p:sldId id="476" r:id="rId31"/>
-    <p:sldId id="488" r:id="rId32"/>
-    <p:sldId id="496" r:id="rId33"/>
-    <p:sldId id="497" r:id="rId34"/>
-    <p:sldId id="499" r:id="rId35"/>
-    <p:sldId id="494" r:id="rId36"/>
-    <p:sldId id="489" r:id="rId37"/>
-    <p:sldId id="477" r:id="rId38"/>
-    <p:sldId id="500" r:id="rId39"/>
-    <p:sldId id="447" r:id="rId40"/>
+    <p:sldId id="510" r:id="rId3"/>
+    <p:sldId id="511" r:id="rId4"/>
+    <p:sldId id="448" r:id="rId5"/>
+    <p:sldId id="449" r:id="rId6"/>
+    <p:sldId id="502" r:id="rId7"/>
+    <p:sldId id="491" r:id="rId8"/>
+    <p:sldId id="492" r:id="rId9"/>
+    <p:sldId id="501" r:id="rId10"/>
+    <p:sldId id="503" r:id="rId11"/>
+    <p:sldId id="463" r:id="rId12"/>
+    <p:sldId id="450" r:id="rId13"/>
+    <p:sldId id="451" r:id="rId14"/>
+    <p:sldId id="460" r:id="rId15"/>
+    <p:sldId id="464" r:id="rId16"/>
+    <p:sldId id="504" r:id="rId17"/>
+    <p:sldId id="465" r:id="rId18"/>
+    <p:sldId id="466" r:id="rId19"/>
+    <p:sldId id="490" r:id="rId20"/>
+    <p:sldId id="483" r:id="rId21"/>
+    <p:sldId id="495" r:id="rId22"/>
+    <p:sldId id="468" r:id="rId23"/>
+    <p:sldId id="493" r:id="rId24"/>
+    <p:sldId id="469" r:id="rId25"/>
+    <p:sldId id="484" r:id="rId26"/>
+    <p:sldId id="509" r:id="rId27"/>
+    <p:sldId id="508" r:id="rId28"/>
+    <p:sldId id="505" r:id="rId29"/>
+    <p:sldId id="506" r:id="rId30"/>
+    <p:sldId id="507" r:id="rId31"/>
+    <p:sldId id="485" r:id="rId32"/>
+    <p:sldId id="486" r:id="rId33"/>
+    <p:sldId id="487" r:id="rId34"/>
+    <p:sldId id="476" r:id="rId35"/>
+    <p:sldId id="488" r:id="rId36"/>
+    <p:sldId id="496" r:id="rId37"/>
+    <p:sldId id="497" r:id="rId38"/>
+    <p:sldId id="499" r:id="rId39"/>
+    <p:sldId id="494" r:id="rId40"/>
+    <p:sldId id="489" r:id="rId41"/>
+    <p:sldId id="477" r:id="rId42"/>
+    <p:sldId id="500" r:id="rId43"/>
+    <p:sldId id="447" r:id="rId44"/>
   </p:sldIdLst>
-  <p:sldSz cx="9144000" cy="6858000" type="screen4x3"/>
+  <p:sldSz cx="12192000" cy="6858000"/>
   <p:notesSz cx="6858000" cy="9144000"/>
   <p:defaultTextStyle>
     <a:defPPr>
@@ -181,6 +185,8 @@
         <p14:section name="默认节" id="{F7C6C2FB-27F1-4C54-84AD-CB6625FEB4C3}">
           <p14:sldIdLst>
             <p14:sldId id="256"/>
+            <p14:sldId id="510"/>
+            <p14:sldId id="511"/>
             <p14:sldId id="448"/>
             <p14:sldId id="449"/>
             <p14:sldId id="502"/>
@@ -203,6 +209,8 @@
             <p14:sldId id="493"/>
             <p14:sldId id="469"/>
             <p14:sldId id="484"/>
+            <p14:sldId id="509"/>
+            <p14:sldId id="508"/>
             <p14:sldId id="505"/>
             <p14:sldId id="506"/>
             <p14:sldId id="507"/>
@@ -230,7 +238,7 @@
             <a:srgbClr val="A4A3A4"/>
           </p15:clr>
         </p15:guide>
-        <p15:guide id="2" pos="2880" userDrawn="1">
+        <p15:guide id="2" pos="3840" userDrawn="1">
           <p15:clr>
             <a:srgbClr val="A4A3A4"/>
           </p15:clr>
@@ -3938,7 +3946,7 @@
               <a:pPr>
                 <a:defRPr/>
               </a:pPr>
-              <a:t>8/17/2019</a:t>
+              <a:t>10/10/2019</a:t>
             </a:fld>
             <a:endParaRPr lang="en-US" altLang="zh-CN"/>
           </a:p>
@@ -3956,8 +3964,8 @@
         </p:nvSpPr>
         <p:spPr>
           <a:xfrm>
-            <a:off x="1143000" y="685800"/>
-            <a:ext cx="4572000" cy="3429000"/>
+            <a:off x="381000" y="685800"/>
+            <a:ext cx="6096000" cy="3429000"/>
           </a:xfrm>
           <a:prstGeom prst="rect">
             <a:avLst/>
@@ -4288,8 +4296,8 @@
         </p:nvSpPr>
         <p:spPr>
           <a:xfrm>
-            <a:off x="1143000" y="685800"/>
-            <a:ext cx="4572000" cy="3429000"/>
+            <a:off x="381000" y="685800"/>
+            <a:ext cx="6096000" cy="3429000"/>
           </a:xfrm>
         </p:spPr>
       </p:sp>
@@ -4381,7 +4389,12 @@
             <p:ph type="sldImg"/>
           </p:nvPr>
         </p:nvSpPr>
-        <p:spPr/>
+        <p:spPr>
+          <a:xfrm>
+            <a:off x="381000" y="685800"/>
+            <a:ext cx="6096000" cy="3429000"/>
+          </a:xfrm>
+        </p:spPr>
       </p:sp>
       <p:sp>
         <p:nvSpPr>
@@ -4574,7 +4587,7 @@
               <a:pPr>
                 <a:defRPr/>
               </a:pPr>
-              <a:t>2</a:t>
+              <a:t>4</a:t>
             </a:fld>
             <a:endParaRPr lang="en-US" altLang="zh-CN"/>
           </a:p>
@@ -4620,7 +4633,12 @@
             <p:ph type="sldImg"/>
           </p:nvPr>
         </p:nvSpPr>
-        <p:spPr/>
+        <p:spPr>
+          <a:xfrm>
+            <a:off x="381000" y="685800"/>
+            <a:ext cx="6096000" cy="3429000"/>
+          </a:xfrm>
+        </p:spPr>
       </p:sp>
       <p:sp>
         <p:nvSpPr>
@@ -4637,64 +4655,7 @@
           <a:bodyPr/>
           <a:lstStyle/>
           <a:p>
-            <a:r>
-              <a:rPr lang="en-US" altLang="zh-CN" dirty="0" err="1"/>
-              <a:t>Tanh</a:t>
-            </a:r>
-            <a:r>
-              <a:rPr lang="zh-CN" altLang="en-US" dirty="0"/>
-              <a:t>函数的输出是零中心化</a:t>
-            </a:r>
-          </a:p>
-          <a:p>
-            <a:r>
-              <a:rPr lang="zh-CN" altLang="en-US" dirty="0"/>
-              <a:t>的（</a:t>
-            </a:r>
-            <a:r>
-              <a:rPr lang="en-US" altLang="zh-CN" dirty="0"/>
-              <a:t>zero-centered</a:t>
-            </a:r>
-            <a:r>
-              <a:rPr lang="zh-CN" altLang="en-US" dirty="0"/>
-              <a:t>），而</a:t>
-            </a:r>
-            <a:r>
-              <a:rPr lang="en-US" altLang="zh-CN" dirty="0"/>
-              <a:t>logistic</a:t>
-            </a:r>
-            <a:r>
-              <a:rPr lang="zh-CN" altLang="en-US" dirty="0"/>
-              <a:t>函数的输出恒大于</a:t>
-            </a:r>
-            <a:r>
-              <a:rPr lang="en-US" altLang="zh-CN" dirty="0"/>
-              <a:t>0</a:t>
-            </a:r>
-            <a:r>
-              <a:rPr lang="zh-CN" altLang="en-US" dirty="0"/>
-              <a:t>。非零中心化的输出会使得</a:t>
-            </a:r>
-          </a:p>
-          <a:p>
-            <a:r>
-              <a:rPr lang="zh-CN" altLang="en-US" dirty="0"/>
-              <a:t>其后一层的神经元的输入发生偏置偏移（</a:t>
-            </a:r>
-            <a:r>
-              <a:rPr lang="en-US" altLang="zh-CN" dirty="0"/>
-              <a:t>bias shift</a:t>
-            </a:r>
-            <a:r>
-              <a:rPr lang="zh-CN" altLang="en-US" dirty="0"/>
-              <a:t>），并进一步使得梯度下降</a:t>
-            </a:r>
-          </a:p>
-          <a:p>
-            <a:r>
-              <a:rPr lang="zh-CN" altLang="en-US" dirty="0"/>
-              <a:t>的收敛速度变慢。</a:t>
-            </a:r>
+            <a:endParaRPr lang="zh-CN" altLang="en-US" dirty="0"/>
           </a:p>
         </p:txBody>
       </p:sp>
@@ -4721,7 +4682,7 @@
               <a:pPr>
                 <a:defRPr/>
               </a:pPr>
-              <a:t>5</a:t>
+              <a:t>7</a:t>
             </a:fld>
             <a:endParaRPr lang="en-US" altLang="zh-CN"/>
           </a:p>
@@ -4767,7 +4728,12 @@
             <p:ph type="sldImg"/>
           </p:nvPr>
         </p:nvSpPr>
-        <p:spPr/>
+        <p:spPr>
+          <a:xfrm>
+            <a:off x="381000" y="685800"/>
+            <a:ext cx="6096000" cy="3429000"/>
+          </a:xfrm>
+        </p:spPr>
       </p:sp>
       <p:sp>
         <p:nvSpPr>
@@ -4817,7 +4783,7 @@
               <a:pPr>
                 <a:defRPr/>
               </a:pPr>
-              <a:t>18</a:t>
+              <a:t>20</a:t>
             </a:fld>
             <a:endParaRPr lang="en-US" altLang="zh-CN"/>
           </a:p>
@@ -4863,7 +4829,12 @@
             <p:ph type="sldImg"/>
           </p:nvPr>
         </p:nvSpPr>
-        <p:spPr/>
+        <p:spPr>
+          <a:xfrm>
+            <a:off x="381000" y="685800"/>
+            <a:ext cx="6096000" cy="3429000"/>
+          </a:xfrm>
+        </p:spPr>
       </p:sp>
       <mc:AlternateContent xmlns:mc="http://schemas.openxmlformats.org/markup-compatibility/2006" xmlns:a14="http://schemas.microsoft.com/office/drawing/2010/main">
         <mc:Choice Requires="a14">
@@ -4990,7 +4961,7 @@
           <a:p>
             <a:fld id="{3F9096D2-8776-4F5C-A458-4FD37E7160D3}" type="slidenum">
               <a:rPr lang="zh-TW" altLang="en-US" smtClean="0"/>
-              <a:t>22</a:t>
+              <a:t>24</a:t>
             </a:fld>
             <a:endParaRPr lang="zh-TW" altLang="en-US"/>
           </a:p>
@@ -5036,7 +5007,12 @@
             <p:ph type="sldImg"/>
           </p:nvPr>
         </p:nvSpPr>
-        <p:spPr/>
+        <p:spPr>
+          <a:xfrm>
+            <a:off x="381000" y="685800"/>
+            <a:ext cx="6096000" cy="3429000"/>
+          </a:xfrm>
+        </p:spPr>
       </p:sp>
       <p:sp>
         <p:nvSpPr>
@@ -5074,7 +5050,7 @@
           <a:p>
             <a:fld id="{3F9096D2-8776-4F5C-A458-4FD37E7160D3}" type="slidenum">
               <a:rPr lang="zh-TW" altLang="en-US" smtClean="0"/>
-              <a:t>34</a:t>
+              <a:t>38</a:t>
             </a:fld>
             <a:endParaRPr lang="zh-TW" altLang="en-US"/>
           </a:p>
@@ -5118,8 +5094,8 @@
         </p:nvSpPr>
         <p:spPr>
           <a:xfrm>
-            <a:off x="749300" y="2438402"/>
-            <a:ext cx="7315200" cy="1956197"/>
+            <a:off x="999067" y="2438403"/>
+            <a:ext cx="9753600" cy="1956197"/>
           </a:xfrm>
           <a:prstGeom prst="rect">
             <a:avLst/>
@@ -5267,8 +5243,8 @@
         </p:nvSpPr>
         <p:spPr>
           <a:xfrm>
-            <a:off x="228600" y="673895"/>
-            <a:ext cx="5410200" cy="719623"/>
+            <a:off x="304800" y="673896"/>
+            <a:ext cx="7213600" cy="719623"/>
           </a:xfrm>
           <a:prstGeom prst="rect">
             <a:avLst/>
@@ -5416,8 +5392,8 @@
         </p:nvSpPr>
         <p:spPr>
           <a:xfrm>
-            <a:off x="749300" y="2438402"/>
-            <a:ext cx="228600" cy="1956197"/>
+            <a:off x="999067" y="2438403"/>
+            <a:ext cx="304800" cy="1956197"/>
           </a:xfrm>
           <a:prstGeom prst="rect">
             <a:avLst/>
@@ -5565,8 +5541,8 @@
         </p:nvSpPr>
         <p:spPr>
           <a:xfrm>
-            <a:off x="269854" y="665099"/>
-            <a:ext cx="140865" cy="731230"/>
+            <a:off x="359806" y="665099"/>
+            <a:ext cx="187820" cy="731230"/>
           </a:xfrm>
           <a:prstGeom prst="rect">
             <a:avLst/>
@@ -5718,8 +5694,8 @@
         </p:nvSpPr>
         <p:spPr>
           <a:xfrm>
-            <a:off x="1063625" y="2676526"/>
-            <a:ext cx="6858000" cy="1514475"/>
+            <a:off x="1418167" y="2676527"/>
+            <a:ext cx="9144000" cy="1514475"/>
           </a:xfrm>
         </p:spPr>
         <p:txBody>
@@ -5752,8 +5728,8 @@
         </p:nvSpPr>
         <p:spPr>
           <a:xfrm>
-            <a:off x="422254" y="726666"/>
-            <a:ext cx="5140347" cy="568735"/>
+            <a:off x="563006" y="726666"/>
+            <a:ext cx="6853796" cy="568735"/>
           </a:xfrm>
         </p:spPr>
         <p:txBody>
@@ -5812,8 +5788,8 @@
         </p:nvSpPr>
         <p:spPr>
           <a:xfrm>
-            <a:off x="2209801" y="4800600"/>
-            <a:ext cx="5053013" cy="1600200"/>
+            <a:off x="2946402" y="4800600"/>
+            <a:ext cx="6737351" cy="1600200"/>
           </a:xfrm>
         </p:spPr>
         <p:txBody>
@@ -5877,8 +5853,8 @@
         </p:nvSpPr>
         <p:spPr>
           <a:xfrm>
-            <a:off x="749300" y="2438402"/>
-            <a:ext cx="7315200" cy="1956197"/>
+            <a:off x="999067" y="2438403"/>
+            <a:ext cx="9753600" cy="1956197"/>
           </a:xfrm>
           <a:prstGeom prst="rect">
             <a:avLst/>
@@ -6026,8 +6002,8 @@
         </p:nvSpPr>
         <p:spPr>
           <a:xfrm>
-            <a:off x="749300" y="2438402"/>
-            <a:ext cx="228600" cy="1956197"/>
+            <a:off x="999067" y="2438403"/>
+            <a:ext cx="304800" cy="1956197"/>
           </a:xfrm>
           <a:prstGeom prst="rect">
             <a:avLst/>
@@ -6179,8 +6155,8 @@
         </p:nvSpPr>
         <p:spPr>
           <a:xfrm>
-            <a:off x="1063625" y="2676526"/>
-            <a:ext cx="6858000" cy="1514475"/>
+            <a:off x="1418167" y="2676527"/>
+            <a:ext cx="9144000" cy="1514475"/>
           </a:xfrm>
         </p:spPr>
         <p:txBody>
@@ -6272,8 +6248,8 @@
         </p:nvSpPr>
         <p:spPr>
           <a:xfrm>
-            <a:off x="457200" y="1219200"/>
-            <a:ext cx="8229600" cy="4937760"/>
+            <a:off x="609600" y="1219200"/>
+            <a:ext cx="10972800" cy="4937760"/>
           </a:xfrm>
         </p:spPr>
         <p:txBody>
@@ -6449,8 +6425,8 @@
         </p:nvSpPr>
         <p:spPr>
           <a:xfrm>
-            <a:off x="457200" y="228600"/>
-            <a:ext cx="8229600" cy="914400"/>
+            <a:off x="609600" y="228600"/>
+            <a:ext cx="10972800" cy="914400"/>
           </a:xfrm>
         </p:spPr>
         <p:txBody>
@@ -6476,8 +6452,8 @@
         </p:nvSpPr>
         <p:spPr>
           <a:xfrm>
-            <a:off x="457200" y="1219200"/>
-            <a:ext cx="4041648" cy="4937760"/>
+            <a:off x="609600" y="1219200"/>
+            <a:ext cx="5388864" cy="4937760"/>
           </a:xfrm>
         </p:spPr>
         <p:txBody>
@@ -6532,8 +6508,8 @@
         </p:nvSpPr>
         <p:spPr>
           <a:xfrm>
-            <a:off x="4632198" y="1216152"/>
-            <a:ext cx="4041648" cy="4937760"/>
+            <a:off x="6176264" y="1216152"/>
+            <a:ext cx="5388864" cy="4937760"/>
           </a:xfrm>
         </p:spPr>
         <p:txBody>
@@ -6618,8 +6594,8 @@
         </p:nvSpPr>
         <p:spPr>
           <a:xfrm>
-            <a:off x="457200" y="228600"/>
-            <a:ext cx="8229600" cy="914400"/>
+            <a:off x="609600" y="228600"/>
+            <a:ext cx="10972800" cy="914400"/>
           </a:xfrm>
         </p:spPr>
         <p:txBody>
@@ -6645,8 +6621,8 @@
         </p:nvSpPr>
         <p:spPr>
           <a:xfrm>
-            <a:off x="457200" y="1219200"/>
-            <a:ext cx="4724400" cy="4937760"/>
+            <a:off x="609600" y="1219200"/>
+            <a:ext cx="6299200" cy="4937760"/>
           </a:xfrm>
         </p:spPr>
         <p:txBody>
@@ -6697,7 +6673,7 @@
         </p:nvCxnSpPr>
         <p:spPr>
           <a:xfrm>
-            <a:off x="5334000" y="1219200"/>
+            <a:off x="7112000" y="1219200"/>
             <a:ext cx="0" cy="4937760"/>
           </a:xfrm>
           <a:prstGeom prst="line">
@@ -6787,8 +6763,8 @@
         </p:nvSpPr>
         <p:spPr>
           <a:xfrm>
-            <a:off x="3657600" y="3048002"/>
-            <a:ext cx="2286000" cy="646331"/>
+            <a:off x="4876800" y="3048003"/>
+            <a:ext cx="3048000" cy="646331"/>
           </a:xfrm>
           <a:prstGeom prst="rect">
             <a:avLst/>
@@ -6864,8 +6840,8 @@
         </p:nvSpPr>
         <p:spPr bwMode="auto">
           <a:xfrm>
-            <a:off x="457200" y="152400"/>
-            <a:ext cx="8229600" cy="990600"/>
+            <a:off x="609600" y="152400"/>
+            <a:ext cx="10972800" cy="990600"/>
           </a:xfrm>
           <a:prstGeom prst="rect">
             <a:avLst/>
@@ -6876,14 +6852,14 @@
           </a:ln>
           <a:extLst>
             <a:ext uri="{909E8E84-426E-40dd-AFC4-6F175D3DCCD1}">
-              <a14:hiddenFill xmlns:a14="http://schemas.microsoft.com/office/drawing/2010/main" xmlns="">
+              <a14:hiddenFill xmlns="" xmlns:a14="http://schemas.microsoft.com/office/drawing/2010/main">
                 <a:solidFill>
                   <a:srgbClr val="FFFFFF"/>
                 </a:solidFill>
               </a14:hiddenFill>
             </a:ext>
             <a:ext uri="{91240B29-F687-4f45-9708-019B960494DF}">
-              <a14:hiddenLine xmlns:a14="http://schemas.microsoft.com/office/drawing/2010/main" xmlns="" w="9525">
+              <a14:hiddenLine xmlns="" xmlns:a14="http://schemas.microsoft.com/office/drawing/2010/main" w="9525">
                 <a:solidFill>
                   <a:srgbClr val="000000"/>
                 </a:solidFill>
@@ -6922,8 +6898,8 @@
         </p:nvSpPr>
         <p:spPr bwMode="auto">
           <a:xfrm>
-            <a:off x="457200" y="1219200"/>
-            <a:ext cx="8229600" cy="4910138"/>
+            <a:off x="609600" y="1219200"/>
+            <a:ext cx="10972800" cy="4910138"/>
           </a:xfrm>
           <a:prstGeom prst="rect">
             <a:avLst/>
@@ -6934,14 +6910,14 @@
           </a:ln>
           <a:extLst>
             <a:ext uri="{909E8E84-426E-40dd-AFC4-6F175D3DCCD1}">
-              <a14:hiddenFill xmlns:a14="http://schemas.microsoft.com/office/drawing/2010/main" xmlns="">
+              <a14:hiddenFill xmlns="" xmlns:a14="http://schemas.microsoft.com/office/drawing/2010/main">
                 <a:solidFill>
                   <a:srgbClr val="FFFFFF"/>
                 </a:solidFill>
               </a14:hiddenFill>
             </a:ext>
             <a:ext uri="{91240B29-F687-4f45-9708-019B960494DF}">
-              <a14:hiddenLine xmlns:a14="http://schemas.microsoft.com/office/drawing/2010/main" xmlns="" w="9525">
+              <a14:hiddenLine xmlns="" xmlns:a14="http://schemas.microsoft.com/office/drawing/2010/main" w="9525">
                 <a:solidFill>
                   <a:srgbClr val="000000"/>
                 </a:solidFill>
@@ -7006,8 +6982,8 @@
         </p:nvSpPr>
         <p:spPr bwMode="auto">
           <a:xfrm>
-            <a:off x="457200" y="1143000"/>
-            <a:ext cx="8229600" cy="0"/>
+            <a:off x="609600" y="1143000"/>
+            <a:ext cx="10972800" cy="0"/>
           </a:xfrm>
           <a:prstGeom prst="line">
             <a:avLst/>
@@ -7024,7 +7000,7 @@
           </a:ln>
           <a:extLst>
             <a:ext uri="{909E8E84-426E-40dd-AFC4-6F175D3DCCD1}">
-              <a14:hiddenFill xmlns:a14="http://schemas.microsoft.com/office/drawing/2010/main" xmlns="">
+              <a14:hiddenFill xmlns="" xmlns:a14="http://schemas.microsoft.com/office/drawing/2010/main">
                 <a:noFill/>
               </a14:hiddenFill>
             </a:ext>
@@ -7048,8 +7024,8 @@
         </p:nvSpPr>
         <p:spPr bwMode="auto">
           <a:xfrm>
-            <a:off x="457200" y="6353175"/>
-            <a:ext cx="8229600" cy="0"/>
+            <a:off x="609600" y="6353175"/>
+            <a:ext cx="10972800" cy="0"/>
           </a:xfrm>
           <a:prstGeom prst="line">
             <a:avLst/>
@@ -7066,7 +7042,7 @@
           </a:ln>
           <a:extLst>
             <a:ext uri="{909E8E84-426E-40dd-AFC4-6F175D3DCCD1}">
-              <a14:hiddenFill xmlns:a14="http://schemas.microsoft.com/office/drawing/2010/main" xmlns="">
+              <a14:hiddenFill xmlns="" xmlns:a14="http://schemas.microsoft.com/office/drawing/2010/main">
                 <a:noFill/>
               </a14:hiddenFill>
             </a:ext>
@@ -7093,8 +7069,8 @@
         </p:nvSpPr>
         <p:spPr>
           <a:xfrm>
-            <a:off x="3048000" y="6362436"/>
-            <a:ext cx="2971800" cy="365125"/>
+            <a:off x="4064000" y="6362437"/>
+            <a:ext cx="3962400" cy="365125"/>
           </a:xfrm>
           <a:prstGeom prst="rect">
             <a:avLst/>
@@ -7271,7 +7247,7 @@
         </p:nvSpPr>
         <p:spPr>
           <a:xfrm>
-            <a:off x="8229600" y="6362436"/>
+            <a:off x="10972800" y="6362437"/>
             <a:ext cx="375424" cy="307777"/>
           </a:xfrm>
           <a:prstGeom prst="rect">
@@ -7872,7 +7848,13 @@
       </p:grpSpPr>
       <p:sp>
         <p:nvSpPr>
-          <p:cNvPr id="2" name="标题 1"/>
+          <p:cNvPr id="2" name="标题 1">
+            <a:extLst>
+              <a:ext uri="{FF2B5EF4-FFF2-40B4-BE49-F238E27FC236}">
+                <a16:creationId xmlns:a16="http://schemas.microsoft.com/office/drawing/2014/main" id="{2558D14E-384B-4F89-9B60-AAEBAC0AB952}"/>
+              </a:ext>
+            </a:extLst>
+          </p:cNvPr>
           <p:cNvSpPr>
             <a:spLocks noGrp="1"/>
           </p:cNvSpPr>
@@ -7887,14 +7869,20 @@
           <a:p>
             <a:r>
               <a:rPr lang="zh-CN" altLang="en-US" dirty="0"/>
-              <a:t>人工神经网络</a:t>
+              <a:t>常见激活函数</a:t>
             </a:r>
           </a:p>
         </p:txBody>
       </p:sp>
       <p:sp>
         <p:nvSpPr>
-          <p:cNvPr id="3" name="内容占位符 2"/>
+          <p:cNvPr id="3" name="内容占位符 2">
+            <a:extLst>
+              <a:ext uri="{FF2B5EF4-FFF2-40B4-BE49-F238E27FC236}">
+                <a16:creationId xmlns:a16="http://schemas.microsoft.com/office/drawing/2014/main" id="{682A3B00-0AAD-4140-B53A-F40602E2B2EF}"/>
+              </a:ext>
+            </a:extLst>
+          </p:cNvPr>
           <p:cNvSpPr>
             <a:spLocks noGrp="1"/>
           </p:cNvSpPr>
@@ -7909,61 +7897,207 @@
           <a:p>
             <a:r>
               <a:rPr lang="zh-CN" altLang="en-US" dirty="0"/>
-              <a:t>人工神经网络主要由大量的神经元以及它们之间的有向连接构成。因此考虑三方面：</a:t>
+              <a:t>高斯误差线性单元（</a:t>
+            </a:r>
+            <a:r>
+              <a:rPr lang="en-US" altLang="zh-CN" dirty="0"/>
+              <a:t>Gaussian Error Linear Unit</a:t>
+            </a:r>
+            <a:r>
+              <a:rPr lang="zh-CN" altLang="en-US" dirty="0"/>
+              <a:t>，</a:t>
+            </a:r>
+            <a:r>
+              <a:rPr lang="en-US" altLang="zh-CN" dirty="0"/>
+              <a:t>GELU</a:t>
+            </a:r>
+            <a:r>
+              <a:rPr lang="zh-CN" altLang="en-US" dirty="0"/>
+              <a:t>）</a:t>
             </a:r>
             <a:endParaRPr lang="en-US" altLang="zh-CN" dirty="0"/>
           </a:p>
           <a:p>
+            <a:endParaRPr lang="en-US" altLang="zh-CN" dirty="0"/>
+          </a:p>
+          <a:p>
+            <a:endParaRPr lang="en-US" altLang="zh-CN" dirty="0"/>
+          </a:p>
+          <a:p>
+            <a:pPr lvl="1"/>
+            <a:r>
+              <a:rPr lang="zh-CN" altLang="en-US" dirty="0"/>
+              <a:t>其中</a:t>
+            </a:r>
+            <a:r>
+              <a:rPr lang="en-US" altLang="zh-CN" dirty="0"/>
+              <a:t>P(X ≤ x)</a:t>
+            </a:r>
+            <a:r>
+              <a:rPr lang="zh-CN" altLang="en-US" dirty="0"/>
+              <a:t>是高斯分布</a:t>
+            </a:r>
+            <a:r>
+              <a:rPr lang="en-US" altLang="zh-CN" dirty="0"/>
+              <a:t>N(µ,</a:t>
+            </a:r>
+            <a:r>
+              <a:rPr lang="el-GR" altLang="zh-CN" dirty="0"/>
+              <a:t>σ 2 )</a:t>
+            </a:r>
+            <a:r>
+              <a:rPr lang="zh-CN" altLang="en-US" dirty="0"/>
+              <a:t>的累积分布函数，其中</a:t>
+            </a:r>
+            <a:r>
+              <a:rPr lang="en-US" altLang="zh-CN" dirty="0"/>
+              <a:t>µ,</a:t>
+            </a:r>
+            <a:r>
+              <a:rPr lang="el-GR" altLang="zh-CN" dirty="0"/>
+              <a:t>σ</a:t>
+            </a:r>
+            <a:r>
+              <a:rPr lang="zh-CN" altLang="en-US" dirty="0"/>
+              <a:t>为超参数，一般设</a:t>
+            </a:r>
+            <a:r>
+              <a:rPr lang="en-US" altLang="zh-CN" dirty="0"/>
+              <a:t>µ = 0,</a:t>
+            </a:r>
+            <a:r>
+              <a:rPr lang="el-GR" altLang="zh-CN" dirty="0"/>
+              <a:t>σ = 1</a:t>
+            </a:r>
+            <a:r>
+              <a:rPr lang="zh-CN" altLang="en-US" dirty="0"/>
+              <a:t>即可</a:t>
+            </a:r>
+            <a:endParaRPr lang="en-US" altLang="zh-CN" dirty="0"/>
+          </a:p>
+          <a:p>
+            <a:endParaRPr lang="en-US" altLang="zh-CN" dirty="0"/>
+          </a:p>
+          <a:p>
+            <a:r>
+              <a:rPr lang="zh-CN" altLang="en-US" dirty="0"/>
+              <a:t>由于高斯分布的累积分布函数为</a:t>
+            </a:r>
+            <a:r>
+              <a:rPr lang="en-US" altLang="zh-CN" dirty="0"/>
+              <a:t>S</a:t>
+            </a:r>
+            <a:r>
+              <a:rPr lang="zh-CN" altLang="en-US" dirty="0"/>
+              <a:t>型函数，因此</a:t>
+            </a:r>
+            <a:r>
+              <a:rPr lang="en-US" altLang="zh-CN" dirty="0"/>
+              <a:t>GELU</a:t>
+            </a:r>
+            <a:r>
+              <a:rPr lang="zh-CN" altLang="en-US" dirty="0"/>
+              <a:t>可以用</a:t>
+            </a:r>
+            <a:r>
+              <a:rPr lang="en-US" altLang="zh-CN" dirty="0"/>
+              <a:t>Tanh</a:t>
+            </a:r>
+            <a:r>
+              <a:rPr lang="zh-CN" altLang="en-US" dirty="0"/>
+              <a:t>函数或</a:t>
+            </a:r>
+            <a:r>
+              <a:rPr lang="en-US" altLang="zh-CN" dirty="0"/>
+              <a:t>Logistic</a:t>
+            </a:r>
+            <a:r>
+              <a:rPr lang="zh-CN" altLang="en-US" dirty="0"/>
+              <a:t>函数来近似</a:t>
+            </a:r>
+            <a:endParaRPr lang="en-US" altLang="zh-CN" dirty="0"/>
+          </a:p>
+          <a:p>
             <a:endParaRPr lang="zh-CN" altLang="en-US" dirty="0"/>
-          </a:p>
-          <a:p>
-            <a:r>
-              <a:rPr lang="zh-CN" altLang="en-US" dirty="0"/>
-              <a:t>神经元的激活规则</a:t>
-            </a:r>
-            <a:endParaRPr lang="en-US" altLang="zh-CN" dirty="0"/>
-          </a:p>
-          <a:p>
-            <a:pPr lvl="1"/>
-            <a:r>
-              <a:rPr lang="zh-CN" altLang="en-US" dirty="0"/>
-              <a:t>主要是指神经元输入到输出之间的映射关系，一般为非线性函数。</a:t>
-            </a:r>
-          </a:p>
-          <a:p>
-            <a:r>
-              <a:rPr lang="zh-CN" altLang="en-US" dirty="0"/>
-              <a:t>网络的拓扑结构</a:t>
-            </a:r>
-            <a:endParaRPr lang="en-US" altLang="zh-CN" dirty="0"/>
-          </a:p>
-          <a:p>
-            <a:pPr lvl="1"/>
-            <a:r>
-              <a:rPr lang="zh-CN" altLang="en-US" dirty="0"/>
-              <a:t>不同神经元之间的连接关系。</a:t>
-            </a:r>
-          </a:p>
-          <a:p>
-            <a:r>
-              <a:rPr lang="zh-CN" altLang="en-US" dirty="0"/>
-              <a:t>学习算法</a:t>
-            </a:r>
-            <a:endParaRPr lang="en-US" altLang="zh-CN" dirty="0"/>
-          </a:p>
-          <a:p>
-            <a:pPr lvl="1"/>
-            <a:r>
-              <a:rPr lang="zh-CN" altLang="en-US" dirty="0"/>
-              <a:t>通过训练数据来学习神经网络的参数。</a:t>
-            </a:r>
           </a:p>
         </p:txBody>
       </p:sp>
+      <p:pic>
+        <p:nvPicPr>
+          <p:cNvPr id="5" name="图片 4">
+            <a:extLst>
+              <a:ext uri="{FF2B5EF4-FFF2-40B4-BE49-F238E27FC236}">
+                <a16:creationId xmlns:a16="http://schemas.microsoft.com/office/drawing/2014/main" id="{87C719F1-7679-4018-83B3-16F6DBAE0827}"/>
+              </a:ext>
+            </a:extLst>
+          </p:cNvPr>
+          <p:cNvPicPr>
+            <a:picLocks noChangeAspect="1"/>
+          </p:cNvPicPr>
+          <p:nvPr/>
+        </p:nvPicPr>
+        <p:blipFill>
+          <a:blip r:embed="rId2">
+            <a:extLst>
+              <a:ext uri="{28A0092B-C50C-407E-A947-70E740481C1C}">
+                <a14:useLocalDpi xmlns:a14="http://schemas.microsoft.com/office/drawing/2010/main" val="0"/>
+              </a:ext>
+            </a:extLst>
+          </a:blip>
+          <a:stretch>
+            <a:fillRect/>
+          </a:stretch>
+        </p:blipFill>
+        <p:spPr>
+          <a:xfrm>
+            <a:off x="4191001" y="2057400"/>
+            <a:ext cx="2743200" cy="518809"/>
+          </a:xfrm>
+          <a:prstGeom prst="rect">
+            <a:avLst/>
+          </a:prstGeom>
+        </p:spPr>
+      </p:pic>
+      <p:pic>
+        <p:nvPicPr>
+          <p:cNvPr id="6" name="图片 5">
+            <a:extLst>
+              <a:ext uri="{FF2B5EF4-FFF2-40B4-BE49-F238E27FC236}">
+                <a16:creationId xmlns:a16="http://schemas.microsoft.com/office/drawing/2014/main" id="{4109F8FD-87D4-4D5F-B7C9-3F8B8AD8A434}"/>
+              </a:ext>
+            </a:extLst>
+          </p:cNvPr>
+          <p:cNvPicPr>
+            <a:picLocks noChangeAspect="1"/>
+          </p:cNvPicPr>
+          <p:nvPr/>
+        </p:nvPicPr>
+        <p:blipFill>
+          <a:blip r:embed="rId3">
+            <a:extLst>
+              <a:ext uri="{28A0092B-C50C-407E-A947-70E740481C1C}">
+                <a14:useLocalDpi xmlns:a14="http://schemas.microsoft.com/office/drawing/2010/main" val="0"/>
+              </a:ext>
+            </a:extLst>
+          </a:blip>
+          <a:stretch>
+            <a:fillRect/>
+          </a:stretch>
+        </p:blipFill>
+        <p:spPr>
+          <a:xfrm>
+            <a:off x="3733800" y="5257800"/>
+            <a:ext cx="5376958" cy="1066800"/>
+          </a:xfrm>
+          <a:prstGeom prst="rect">
+            <a:avLst/>
+          </a:prstGeom>
+        </p:spPr>
+      </p:pic>
     </p:spTree>
     <p:extLst>
       <p:ext uri="{BB962C8B-B14F-4D97-AF65-F5344CB8AC3E}">
-        <p14:creationId xmlns:p14="http://schemas.microsoft.com/office/powerpoint/2010/main" val="1496855212"/>
+        <p14:creationId xmlns:p14="http://schemas.microsoft.com/office/powerpoint/2010/main" val="2949568978"/>
       </p:ext>
     </p:extLst>
   </p:cSld>
@@ -8007,43 +8141,14 @@
           <a:p>
             <a:r>
               <a:rPr lang="zh-CN" altLang="en-US" dirty="0"/>
-              <a:t>人工神经网络</a:t>
-            </a:r>
-          </a:p>
-        </p:txBody>
-      </p:sp>
-      <p:sp>
-        <p:nvSpPr>
-          <p:cNvPr id="3" name="内容占位符 2"/>
-          <p:cNvSpPr>
-            <a:spLocks noGrp="1"/>
-          </p:cNvSpPr>
-          <p:nvPr>
-            <p:ph sz="quarter" idx="1"/>
-          </p:nvPr>
-        </p:nvSpPr>
-        <p:spPr/>
-        <p:txBody>
-          <a:bodyPr/>
-          <a:lstStyle/>
-          <a:p>
-            <a:r>
-              <a:rPr lang="zh-CN" altLang="en-US"/>
-              <a:t>人工神经网络由神经元模型构成，这种由许多神经元组成的信息处理网络具有并行分布结构。</a:t>
-            </a:r>
-            <a:endParaRPr lang="zh-CN" altLang="en-US" dirty="0"/>
+              <a:t>常见激活函数及其导数</a:t>
+            </a:r>
           </a:p>
         </p:txBody>
       </p:sp>
       <p:pic>
         <p:nvPicPr>
-          <p:cNvPr id="6" name="图片 5">
-            <a:extLst>
-              <a:ext uri="{FF2B5EF4-FFF2-40B4-BE49-F238E27FC236}">
-                <a16:creationId xmlns:a16="http://schemas.microsoft.com/office/drawing/2014/main" id="{738FCA1A-15AA-4E1A-94A0-FDCA143BFEAD}"/>
-              </a:ext>
-            </a:extLst>
-          </p:cNvPr>
+          <p:cNvPr id="5" name="图片 4" descr="屏幕剪辑"/>
           <p:cNvPicPr>
             <a:picLocks noChangeAspect="1"/>
           </p:cNvPicPr>
@@ -8063,8 +8168,8 @@
         </p:blipFill>
         <p:spPr>
           <a:xfrm>
-            <a:off x="1219200" y="3124200"/>
-            <a:ext cx="7171533" cy="2362200"/>
+            <a:off x="2971800" y="2133601"/>
+            <a:ext cx="5925036" cy="2794941"/>
           </a:xfrm>
           <a:prstGeom prst="rect">
             <a:avLst/>
@@ -8074,7 +8179,7 @@
     </p:spTree>
     <p:extLst>
       <p:ext uri="{BB962C8B-B14F-4D97-AF65-F5344CB8AC3E}">
-        <p14:creationId xmlns:p14="http://schemas.microsoft.com/office/powerpoint/2010/main" val="1032805071"/>
+        <p14:creationId xmlns:p14="http://schemas.microsoft.com/office/powerpoint/2010/main" val="3785357825"/>
       </p:ext>
     </p:extLst>
   </p:cSld>
@@ -8108,7 +8213,7 @@
             <a:spLocks noGrp="1"/>
           </p:cNvSpPr>
           <p:nvPr>
-            <p:ph type="ctrTitle"/>
+            <p:ph type="title"/>
           </p:nvPr>
         </p:nvSpPr>
         <p:spPr/>
@@ -8118,7 +8223,75 @@
           <a:p>
             <a:r>
               <a:rPr lang="zh-CN" altLang="en-US" dirty="0"/>
-              <a:t>前馈神经网络</a:t>
+              <a:t>人工神经网络</a:t>
+            </a:r>
+          </a:p>
+        </p:txBody>
+      </p:sp>
+      <p:sp>
+        <p:nvSpPr>
+          <p:cNvPr id="3" name="内容占位符 2"/>
+          <p:cNvSpPr>
+            <a:spLocks noGrp="1"/>
+          </p:cNvSpPr>
+          <p:nvPr>
+            <p:ph sz="quarter" idx="1"/>
+          </p:nvPr>
+        </p:nvSpPr>
+        <p:spPr/>
+        <p:txBody>
+          <a:bodyPr/>
+          <a:lstStyle/>
+          <a:p>
+            <a:r>
+              <a:rPr lang="zh-CN" altLang="en-US" dirty="0"/>
+              <a:t>人工神经网络主要由大量的神经元以及它们之间的有向连接构成。因此考虑三方面：</a:t>
+            </a:r>
+            <a:endParaRPr lang="en-US" altLang="zh-CN" dirty="0"/>
+          </a:p>
+          <a:p>
+            <a:endParaRPr lang="zh-CN" altLang="en-US" dirty="0"/>
+          </a:p>
+          <a:p>
+            <a:r>
+              <a:rPr lang="zh-CN" altLang="en-US" dirty="0"/>
+              <a:t>神经元的激活规则</a:t>
+            </a:r>
+            <a:endParaRPr lang="en-US" altLang="zh-CN" dirty="0"/>
+          </a:p>
+          <a:p>
+            <a:pPr lvl="1"/>
+            <a:r>
+              <a:rPr lang="zh-CN" altLang="en-US" dirty="0"/>
+              <a:t>主要是指神经元输入到输出之间的映射关系，一般为非线性函数。</a:t>
+            </a:r>
+          </a:p>
+          <a:p>
+            <a:r>
+              <a:rPr lang="zh-CN" altLang="en-US" dirty="0"/>
+              <a:t>网络的拓扑结构</a:t>
+            </a:r>
+            <a:endParaRPr lang="en-US" altLang="zh-CN" dirty="0"/>
+          </a:p>
+          <a:p>
+            <a:pPr lvl="1"/>
+            <a:r>
+              <a:rPr lang="zh-CN" altLang="en-US" dirty="0"/>
+              <a:t>不同神经元之间的连接关系。</a:t>
+            </a:r>
+          </a:p>
+          <a:p>
+            <a:r>
+              <a:rPr lang="zh-CN" altLang="en-US" dirty="0"/>
+              <a:t>学习算法</a:t>
+            </a:r>
+            <a:endParaRPr lang="en-US" altLang="zh-CN" dirty="0"/>
+          </a:p>
+          <a:p>
+            <a:pPr lvl="1"/>
+            <a:r>
+              <a:rPr lang="zh-CN" altLang="en-US" dirty="0"/>
+              <a:t>通过训练数据来学习神经网络的参数。</a:t>
             </a:r>
           </a:p>
         </p:txBody>
@@ -8126,7 +8299,7 @@
     </p:spTree>
     <p:extLst>
       <p:ext uri="{BB962C8B-B14F-4D97-AF65-F5344CB8AC3E}">
-        <p14:creationId xmlns:p14="http://schemas.microsoft.com/office/powerpoint/2010/main" val="1837691702"/>
+        <p14:creationId xmlns:p14="http://schemas.microsoft.com/office/powerpoint/2010/main" val="1496855212"/>
       </p:ext>
     </p:extLst>
   </p:cSld>
@@ -8191,63 +8364,22 @@
           <a:lstStyle/>
           <a:p>
             <a:r>
-              <a:rPr lang="zh-CN" altLang="en-US" dirty="0"/>
-              <a:t>前馈神经网络（全连接神经网络、多层感知器）</a:t>
-            </a:r>
-            <a:endParaRPr lang="en-US" altLang="zh-CN" dirty="0"/>
-          </a:p>
-          <a:p>
-            <a:pPr lvl="1"/>
-            <a:r>
-              <a:rPr lang="zh-CN" altLang="en-US" dirty="0"/>
-              <a:t>各神经元分别属于不同的</a:t>
-            </a:r>
-            <a:r>
-              <a:rPr lang="zh-CN" altLang="en-US" dirty="0">
-                <a:solidFill>
-                  <a:srgbClr val="FF0000"/>
-                </a:solidFill>
-              </a:rPr>
-              <a:t>层</a:t>
-            </a:r>
-            <a:r>
-              <a:rPr lang="zh-CN" altLang="en-US" dirty="0"/>
-              <a:t>，层内无连接。</a:t>
-            </a:r>
-            <a:endParaRPr lang="en-US" altLang="zh-CN" dirty="0"/>
-          </a:p>
-          <a:p>
-            <a:pPr lvl="1"/>
-            <a:r>
-              <a:rPr lang="zh-CN" altLang="en-US" dirty="0"/>
-              <a:t>相邻两层之间的神经元全部</a:t>
-            </a:r>
-            <a:r>
-              <a:rPr lang="zh-CN" altLang="en-US" dirty="0">
-                <a:solidFill>
-                  <a:srgbClr val="FF0000"/>
-                </a:solidFill>
-              </a:rPr>
-              <a:t>两两连接</a:t>
-            </a:r>
-            <a:r>
-              <a:rPr lang="zh-CN" altLang="en-US" dirty="0"/>
-              <a:t>。</a:t>
-            </a:r>
-            <a:endParaRPr lang="en-US" altLang="zh-CN" dirty="0"/>
-          </a:p>
-          <a:p>
-            <a:pPr lvl="1"/>
-            <a:r>
-              <a:rPr lang="zh-CN" altLang="en-US" dirty="0"/>
-              <a:t>整个网络中无反馈，信号从输入层向输出层单向传播，可用一个有向无环图表示。</a:t>
-            </a:r>
+              <a:rPr lang="zh-CN" altLang="en-US"/>
+              <a:t>人工神经网络由神经元模型构成，这种由许多神经元组成的信息处理网络具有并行分布结构。</a:t>
+            </a:r>
+            <a:endParaRPr lang="zh-CN" altLang="en-US" dirty="0"/>
           </a:p>
         </p:txBody>
       </p:sp>
       <p:pic>
         <p:nvPicPr>
-          <p:cNvPr id="4" name="图片 3" descr="屏幕剪辑"/>
+          <p:cNvPr id="5" name="图片 4">
+            <a:extLst>
+              <a:ext uri="{FF2B5EF4-FFF2-40B4-BE49-F238E27FC236}">
+                <a16:creationId xmlns:a16="http://schemas.microsoft.com/office/drawing/2014/main" id="{16F9F4CE-B589-4727-9497-9C241AA92ED5}"/>
+              </a:ext>
+            </a:extLst>
+          </p:cNvPr>
           <p:cNvPicPr>
             <a:picLocks noChangeAspect="1"/>
           </p:cNvPicPr>
@@ -8267,18 +8399,52 @@
         </p:blipFill>
         <p:spPr>
           <a:xfrm>
-            <a:off x="2743200" y="4064182"/>
-            <a:ext cx="3771900" cy="2155371"/>
+            <a:off x="2057400" y="2743200"/>
+            <a:ext cx="6945267" cy="2253402"/>
           </a:xfrm>
           <a:prstGeom prst="rect">
             <a:avLst/>
           </a:prstGeom>
         </p:spPr>
       </p:pic>
+      <p:sp>
+        <p:nvSpPr>
+          <p:cNvPr id="7" name="矩形 6">
+            <a:extLst>
+              <a:ext uri="{FF2B5EF4-FFF2-40B4-BE49-F238E27FC236}">
+                <a16:creationId xmlns:a16="http://schemas.microsoft.com/office/drawing/2014/main" id="{448F4CB9-3818-4CEB-9306-AE1FFBBDC714}"/>
+              </a:ext>
+            </a:extLst>
+          </p:cNvPr>
+          <p:cNvSpPr/>
+          <p:nvPr/>
+        </p:nvSpPr>
+        <p:spPr>
+          <a:xfrm>
+            <a:off x="3048000" y="5562600"/>
+            <a:ext cx="6096000" cy="369332"/>
+          </a:xfrm>
+          <a:prstGeom prst="rect">
+            <a:avLst/>
+          </a:prstGeom>
+        </p:spPr>
+        <p:txBody>
+          <a:bodyPr>
+            <a:spAutoFit/>
+          </a:bodyPr>
+          <a:lstStyle/>
+          <a:p>
+            <a:r>
+              <a:rPr lang="zh-CN" altLang="en-US" dirty="0"/>
+              <a:t>圆形节点表示一个神经元，方形节点表示一组神经元。</a:t>
+            </a:r>
+          </a:p>
+        </p:txBody>
+      </p:sp>
     </p:spTree>
     <p:extLst>
       <p:ext uri="{BB962C8B-B14F-4D97-AF65-F5344CB8AC3E}">
-        <p14:creationId xmlns:p14="http://schemas.microsoft.com/office/powerpoint/2010/main" val="2922830713"/>
+        <p14:creationId xmlns:p14="http://schemas.microsoft.com/office/powerpoint/2010/main" val="1032805071"/>
       </p:ext>
     </p:extLst>
   </p:cSld>
@@ -8307,18 +8473,12 @@
       </p:grpSpPr>
       <p:sp>
         <p:nvSpPr>
-          <p:cNvPr id="2" name="标题 1">
-            <a:extLst>
-              <a:ext uri="{FF2B5EF4-FFF2-40B4-BE49-F238E27FC236}">
-                <a16:creationId xmlns:a16="http://schemas.microsoft.com/office/drawing/2014/main" id="{E301485F-B971-4D6A-B7C8-263E3A49C56F}"/>
-              </a:ext>
-            </a:extLst>
-          </p:cNvPr>
+          <p:cNvPr id="2" name="标题 1"/>
           <p:cNvSpPr>
             <a:spLocks noGrp="1"/>
           </p:cNvSpPr>
           <p:nvPr>
-            <p:ph type="title"/>
+            <p:ph type="ctrTitle"/>
           </p:nvPr>
         </p:nvSpPr>
         <p:spPr/>
@@ -8328,510 +8488,15 @@
           <a:p>
             <a:r>
               <a:rPr lang="zh-CN" altLang="en-US" dirty="0"/>
-              <a:t>信息传递过程</a:t>
+              <a:t>前馈神经网络</a:t>
             </a:r>
           </a:p>
         </p:txBody>
       </p:sp>
-      <p:pic>
-        <p:nvPicPr>
-          <p:cNvPr id="3" name="图片 2" descr="屏幕剪辑">
-            <a:extLst>
-              <a:ext uri="{FF2B5EF4-FFF2-40B4-BE49-F238E27FC236}">
-                <a16:creationId xmlns:a16="http://schemas.microsoft.com/office/drawing/2014/main" id="{DC188C75-CD36-4AC9-98E5-308B9F80E443}"/>
-              </a:ext>
-            </a:extLst>
-          </p:cNvPr>
-          <p:cNvPicPr>
-            <a:picLocks noChangeAspect="1"/>
-          </p:cNvPicPr>
-          <p:nvPr/>
-        </p:nvPicPr>
-        <p:blipFill>
-          <a:blip r:embed="rId2">
-            <a:extLst>
-              <a:ext uri="{28A0092B-C50C-407E-A947-70E740481C1C}">
-                <a14:useLocalDpi xmlns:a14="http://schemas.microsoft.com/office/drawing/2010/main" val="0"/>
-              </a:ext>
-            </a:extLst>
-          </a:blip>
-          <a:stretch>
-            <a:fillRect/>
-          </a:stretch>
-        </p:blipFill>
-        <p:spPr>
-          <a:xfrm>
-            <a:off x="1752600" y="1219200"/>
-            <a:ext cx="5638800" cy="3222170"/>
-          </a:xfrm>
-          <a:prstGeom prst="rect">
-            <a:avLst/>
-          </a:prstGeom>
-        </p:spPr>
-      </p:pic>
-      <mc:AlternateContent xmlns:mc="http://schemas.openxmlformats.org/markup-compatibility/2006" xmlns:p14="http://schemas.microsoft.com/office/powerpoint/2010/main">
-        <mc:Choice Requires="p14">
-          <p:contentPart p14:bwMode="auto" r:id="rId3">
-            <p14:nvContentPartPr>
-              <p14:cNvPr id="10" name="墨迹 9">
-                <a:extLst>
-                  <a:ext uri="{FF2B5EF4-FFF2-40B4-BE49-F238E27FC236}">
-                    <a16:creationId xmlns:a16="http://schemas.microsoft.com/office/drawing/2014/main" id="{E2A5C7FF-8E62-498F-860D-1CDEB890EEEA}"/>
-                  </a:ext>
-                </a:extLst>
-              </p14:cNvPr>
-              <p14:cNvContentPartPr/>
-              <p14:nvPr/>
-            </p14:nvContentPartPr>
-            <p14:xfrm>
-              <a:off x="4004180" y="2242667"/>
-              <a:ext cx="10800" cy="89280"/>
-            </p14:xfrm>
-          </p:contentPart>
-        </mc:Choice>
-        <mc:Fallback xmlns="">
-          <p:pic>
-            <p:nvPicPr>
-              <p:cNvPr id="10" name="墨迹 9">
-                <a:extLst>
-                  <a:ext uri="{FF2B5EF4-FFF2-40B4-BE49-F238E27FC236}">
-                    <a16:creationId xmlns:a16="http://schemas.microsoft.com/office/drawing/2014/main" id="{E2A5C7FF-8E62-498F-860D-1CDEB890EEEA}"/>
-                  </a:ext>
-                </a:extLst>
-              </p:cNvPr>
-              <p:cNvPicPr/>
-              <p:nvPr/>
-            </p:nvPicPr>
-            <p:blipFill>
-              <a:blip r:embed="rId4"/>
-              <a:stretch>
-                <a:fillRect/>
-              </a:stretch>
-            </p:blipFill>
-            <p:spPr>
-              <a:xfrm>
-                <a:off x="3995540" y="2233667"/>
-                <a:ext cx="28440" cy="106920"/>
-              </a:xfrm>
-              <a:prstGeom prst="rect">
-                <a:avLst/>
-              </a:prstGeom>
-            </p:spPr>
-          </p:pic>
-        </mc:Fallback>
-      </mc:AlternateContent>
-      <mc:AlternateContent xmlns:mc="http://schemas.openxmlformats.org/markup-compatibility/2006" xmlns:p14="http://schemas.microsoft.com/office/powerpoint/2010/main">
-        <mc:Choice Requires="p14">
-          <p:contentPart p14:bwMode="auto" r:id="rId5">
-            <p14:nvContentPartPr>
-              <p14:cNvPr id="11" name="墨迹 10">
-                <a:extLst>
-                  <a:ext uri="{FF2B5EF4-FFF2-40B4-BE49-F238E27FC236}">
-                    <a16:creationId xmlns:a16="http://schemas.microsoft.com/office/drawing/2014/main" id="{A8DBDB1A-06BD-4DD6-B2F4-5D98FDC8B6BF}"/>
-                  </a:ext>
-                </a:extLst>
-              </p14:cNvPr>
-              <p14:cNvContentPartPr/>
-              <p14:nvPr/>
-            </p14:nvContentPartPr>
-            <p14:xfrm>
-              <a:off x="3855860" y="2427347"/>
-              <a:ext cx="182160" cy="287640"/>
-            </p14:xfrm>
-          </p:contentPart>
-        </mc:Choice>
-        <mc:Fallback xmlns="">
-          <p:pic>
-            <p:nvPicPr>
-              <p:cNvPr id="11" name="墨迹 10">
-                <a:extLst>
-                  <a:ext uri="{FF2B5EF4-FFF2-40B4-BE49-F238E27FC236}">
-                    <a16:creationId xmlns:a16="http://schemas.microsoft.com/office/drawing/2014/main" id="{A8DBDB1A-06BD-4DD6-B2F4-5D98FDC8B6BF}"/>
-                  </a:ext>
-                </a:extLst>
-              </p:cNvPr>
-              <p:cNvPicPr/>
-              <p:nvPr/>
-            </p:nvPicPr>
-            <p:blipFill>
-              <a:blip r:embed="rId6"/>
-              <a:stretch>
-                <a:fillRect/>
-              </a:stretch>
-            </p:blipFill>
-            <p:spPr>
-              <a:xfrm>
-                <a:off x="3847220" y="2418347"/>
-                <a:ext cx="199800" cy="305280"/>
-              </a:xfrm>
-              <a:prstGeom prst="rect">
-                <a:avLst/>
-              </a:prstGeom>
-            </p:spPr>
-          </p:pic>
-        </mc:Fallback>
-      </mc:AlternateContent>
-      <mc:AlternateContent xmlns:mc="http://schemas.openxmlformats.org/markup-compatibility/2006" xmlns:p14="http://schemas.microsoft.com/office/powerpoint/2010/main">
-        <mc:Choice Requires="p14">
-          <p:contentPart p14:bwMode="auto" r:id="rId7">
-            <p14:nvContentPartPr>
-              <p14:cNvPr id="20" name="墨迹 19">
-                <a:extLst>
-                  <a:ext uri="{FF2B5EF4-FFF2-40B4-BE49-F238E27FC236}">
-                    <a16:creationId xmlns:a16="http://schemas.microsoft.com/office/drawing/2014/main" id="{ECBE67FD-1D79-411F-A445-F03D0651E065}"/>
-                  </a:ext>
-                </a:extLst>
-              </p14:cNvPr>
-              <p14:cNvContentPartPr/>
-              <p14:nvPr/>
-            </p14:nvContentPartPr>
-            <p14:xfrm>
-              <a:off x="6226460" y="1861067"/>
-              <a:ext cx="549000" cy="542520"/>
-            </p14:xfrm>
-          </p:contentPart>
-        </mc:Choice>
-        <mc:Fallback xmlns="">
-          <p:pic>
-            <p:nvPicPr>
-              <p:cNvPr id="20" name="墨迹 19">
-                <a:extLst>
-                  <a:ext uri="{FF2B5EF4-FFF2-40B4-BE49-F238E27FC236}">
-                    <a16:creationId xmlns:a16="http://schemas.microsoft.com/office/drawing/2014/main" id="{ECBE67FD-1D79-411F-A445-F03D0651E065}"/>
-                  </a:ext>
-                </a:extLst>
-              </p:cNvPr>
-              <p:cNvPicPr/>
-              <p:nvPr/>
-            </p:nvPicPr>
-            <p:blipFill>
-              <a:blip r:embed="rId8"/>
-              <a:stretch>
-                <a:fillRect/>
-              </a:stretch>
-            </p:blipFill>
-            <p:spPr>
-              <a:xfrm>
-                <a:off x="6217460" y="1852061"/>
-                <a:ext cx="566640" cy="560172"/>
-              </a:xfrm>
-              <a:prstGeom prst="rect">
-                <a:avLst/>
-              </a:prstGeom>
-            </p:spPr>
-          </p:pic>
-        </mc:Fallback>
-      </mc:AlternateContent>
-      <mc:AlternateContent xmlns:mc="http://schemas.openxmlformats.org/markup-compatibility/2006" xmlns:p14="http://schemas.microsoft.com/office/powerpoint/2010/main">
-        <mc:Choice Requires="p14">
-          <p:contentPart p14:bwMode="auto" r:id="rId9">
-            <p14:nvContentPartPr>
-              <p14:cNvPr id="23" name="墨迹 22">
-                <a:extLst>
-                  <a:ext uri="{FF2B5EF4-FFF2-40B4-BE49-F238E27FC236}">
-                    <a16:creationId xmlns:a16="http://schemas.microsoft.com/office/drawing/2014/main" id="{ED1BBD7E-EE6E-42A7-897D-02BC52067F11}"/>
-                  </a:ext>
-                </a:extLst>
-              </p14:cNvPr>
-              <p14:cNvContentPartPr/>
-              <p14:nvPr/>
-            </p14:nvContentPartPr>
-            <p14:xfrm>
-              <a:off x="4237460" y="1958627"/>
-              <a:ext cx="1756080" cy="997560"/>
-            </p14:xfrm>
-          </p:contentPart>
-        </mc:Choice>
-        <mc:Fallback xmlns="">
-          <p:pic>
-            <p:nvPicPr>
-              <p:cNvPr id="23" name="墨迹 22">
-                <a:extLst>
-                  <a:ext uri="{FF2B5EF4-FFF2-40B4-BE49-F238E27FC236}">
-                    <a16:creationId xmlns:a16="http://schemas.microsoft.com/office/drawing/2014/main" id="{ED1BBD7E-EE6E-42A7-897D-02BC52067F11}"/>
-                  </a:ext>
-                </a:extLst>
-              </p:cNvPr>
-              <p:cNvPicPr/>
-              <p:nvPr/>
-            </p:nvPicPr>
-            <p:blipFill>
-              <a:blip r:embed="rId10"/>
-              <a:stretch>
-                <a:fillRect/>
-              </a:stretch>
-            </p:blipFill>
-            <p:spPr>
-              <a:xfrm>
-                <a:off x="4228820" y="1949984"/>
-                <a:ext cx="1773720" cy="1015206"/>
-              </a:xfrm>
-              <a:prstGeom prst="rect">
-                <a:avLst/>
-              </a:prstGeom>
-            </p:spPr>
-          </p:pic>
-        </mc:Fallback>
-      </mc:AlternateContent>
-      <mc:AlternateContent xmlns:mc="http://schemas.openxmlformats.org/markup-compatibility/2006" xmlns:p14="http://schemas.microsoft.com/office/powerpoint/2010/main">
-        <mc:Choice Requires="p14">
-          <p:contentPart p14:bwMode="auto" r:id="rId11">
-            <p14:nvContentPartPr>
-              <p14:cNvPr id="24" name="墨迹 23">
-                <a:extLst>
-                  <a:ext uri="{FF2B5EF4-FFF2-40B4-BE49-F238E27FC236}">
-                    <a16:creationId xmlns:a16="http://schemas.microsoft.com/office/drawing/2014/main" id="{A0200D79-BB66-4248-9059-51A66B3B43CA}"/>
-                  </a:ext>
-                </a:extLst>
-              </p14:cNvPr>
-              <p14:cNvContentPartPr/>
-              <p14:nvPr/>
-            </p14:nvContentPartPr>
-            <p14:xfrm>
-              <a:off x="9906020" y="5201507"/>
-              <a:ext cx="360" cy="360"/>
-            </p14:xfrm>
-          </p:contentPart>
-        </mc:Choice>
-        <mc:Fallback xmlns="">
-          <p:pic>
-            <p:nvPicPr>
-              <p:cNvPr id="24" name="墨迹 23">
-                <a:extLst>
-                  <a:ext uri="{FF2B5EF4-FFF2-40B4-BE49-F238E27FC236}">
-                    <a16:creationId xmlns:a16="http://schemas.microsoft.com/office/drawing/2014/main" id="{A0200D79-BB66-4248-9059-51A66B3B43CA}"/>
-                  </a:ext>
-                </a:extLst>
-              </p:cNvPr>
-              <p:cNvPicPr/>
-              <p:nvPr/>
-            </p:nvPicPr>
-            <p:blipFill>
-              <a:blip r:embed="rId12"/>
-              <a:stretch>
-                <a:fillRect/>
-              </a:stretch>
-            </p:blipFill>
-            <p:spPr>
-              <a:xfrm>
-                <a:off x="9897020" y="5192867"/>
-                <a:ext cx="18000" cy="18000"/>
-              </a:xfrm>
-              <a:prstGeom prst="rect">
-                <a:avLst/>
-              </a:prstGeom>
-            </p:spPr>
-          </p:pic>
-        </mc:Fallback>
-      </mc:AlternateContent>
-      <mc:AlternateContent xmlns:mc="http://schemas.openxmlformats.org/markup-compatibility/2006" xmlns:p14="http://schemas.microsoft.com/office/powerpoint/2010/main">
-        <mc:Choice Requires="p14">
-          <p:contentPart p14:bwMode="auto" r:id="rId13">
-            <p14:nvContentPartPr>
-              <p14:cNvPr id="25" name="墨迹 24">
-                <a:extLst>
-                  <a:ext uri="{FF2B5EF4-FFF2-40B4-BE49-F238E27FC236}">
-                    <a16:creationId xmlns:a16="http://schemas.microsoft.com/office/drawing/2014/main" id="{3B3EC40F-26D6-4DB9-8EB8-5539A5BA46A8}"/>
-                  </a:ext>
-                </a:extLst>
-              </p14:cNvPr>
-              <p14:cNvContentPartPr/>
-              <p14:nvPr/>
-            </p14:nvContentPartPr>
-            <p14:xfrm>
-              <a:off x="5354900" y="3026747"/>
-              <a:ext cx="137160" cy="117000"/>
-            </p14:xfrm>
-          </p:contentPart>
-        </mc:Choice>
-        <mc:Fallback xmlns="">
-          <p:pic>
-            <p:nvPicPr>
-              <p:cNvPr id="25" name="墨迹 24">
-                <a:extLst>
-                  <a:ext uri="{FF2B5EF4-FFF2-40B4-BE49-F238E27FC236}">
-                    <a16:creationId xmlns:a16="http://schemas.microsoft.com/office/drawing/2014/main" id="{3B3EC40F-26D6-4DB9-8EB8-5539A5BA46A8}"/>
-                  </a:ext>
-                </a:extLst>
-              </p:cNvPr>
-              <p:cNvPicPr/>
-              <p:nvPr/>
-            </p:nvPicPr>
-            <p:blipFill>
-              <a:blip r:embed="rId14"/>
-              <a:stretch>
-                <a:fillRect/>
-              </a:stretch>
-            </p:blipFill>
-            <p:spPr>
-              <a:xfrm>
-                <a:off x="5345900" y="3017747"/>
-                <a:ext cx="154800" cy="134640"/>
-              </a:xfrm>
-              <a:prstGeom prst="rect">
-                <a:avLst/>
-              </a:prstGeom>
-            </p:spPr>
-          </p:pic>
-        </mc:Fallback>
-      </mc:AlternateContent>
-      <mc:AlternateContent xmlns:mc="http://schemas.openxmlformats.org/markup-compatibility/2006" xmlns:p14="http://schemas.microsoft.com/office/powerpoint/2010/main">
-        <mc:Choice Requires="p14">
-          <p:contentPart p14:bwMode="auto" r:id="rId15">
-            <p14:nvContentPartPr>
-              <p14:cNvPr id="26" name="墨迹 25">
-                <a:extLst>
-                  <a:ext uri="{FF2B5EF4-FFF2-40B4-BE49-F238E27FC236}">
-                    <a16:creationId xmlns:a16="http://schemas.microsoft.com/office/drawing/2014/main" id="{BA06A8F6-1641-4B81-96E6-313AA5728946}"/>
-                  </a:ext>
-                </a:extLst>
-              </p14:cNvPr>
-              <p14:cNvContentPartPr/>
-              <p14:nvPr/>
-            </p14:nvContentPartPr>
-            <p14:xfrm>
-              <a:off x="5405300" y="2829827"/>
-              <a:ext cx="8280" cy="111960"/>
-            </p14:xfrm>
-          </p:contentPart>
-        </mc:Choice>
-        <mc:Fallback xmlns="">
-          <p:pic>
-            <p:nvPicPr>
-              <p:cNvPr id="26" name="墨迹 25">
-                <a:extLst>
-                  <a:ext uri="{FF2B5EF4-FFF2-40B4-BE49-F238E27FC236}">
-                    <a16:creationId xmlns:a16="http://schemas.microsoft.com/office/drawing/2014/main" id="{BA06A8F6-1641-4B81-96E6-313AA5728946}"/>
-                  </a:ext>
-                </a:extLst>
-              </p:cNvPr>
-              <p:cNvPicPr/>
-              <p:nvPr/>
-            </p:nvPicPr>
-            <p:blipFill>
-              <a:blip r:embed="rId16"/>
-              <a:stretch>
-                <a:fillRect/>
-              </a:stretch>
-            </p:blipFill>
-            <p:spPr>
-              <a:xfrm>
-                <a:off x="5396660" y="2820827"/>
-                <a:ext cx="25920" cy="129600"/>
-              </a:xfrm>
-              <a:prstGeom prst="rect">
-                <a:avLst/>
-              </a:prstGeom>
-            </p:spPr>
-          </p:pic>
-        </mc:Fallback>
-      </mc:AlternateContent>
-      <mc:AlternateContent xmlns:mc="http://schemas.openxmlformats.org/markup-compatibility/2006" xmlns:p14="http://schemas.microsoft.com/office/powerpoint/2010/main">
-        <mc:Choice Requires="p14">
-          <p:contentPart p14:bwMode="auto" r:id="rId17">
-            <p14:nvContentPartPr>
-              <p14:cNvPr id="27" name="墨迹 26">
-                <a:extLst>
-                  <a:ext uri="{FF2B5EF4-FFF2-40B4-BE49-F238E27FC236}">
-                    <a16:creationId xmlns:a16="http://schemas.microsoft.com/office/drawing/2014/main" id="{F4A6A8A1-EA0C-43DD-99EE-88DB74B7E701}"/>
-                  </a:ext>
-                </a:extLst>
-              </p14:cNvPr>
-              <p14:cNvContentPartPr/>
-              <p14:nvPr/>
-            </p14:nvContentPartPr>
-            <p14:xfrm>
-              <a:off x="8889380" y="4736747"/>
-              <a:ext cx="11880" cy="15480"/>
-            </p14:xfrm>
-          </p:contentPart>
-        </mc:Choice>
-        <mc:Fallback xmlns="">
-          <p:pic>
-            <p:nvPicPr>
-              <p:cNvPr id="27" name="墨迹 26">
-                <a:extLst>
-                  <a:ext uri="{FF2B5EF4-FFF2-40B4-BE49-F238E27FC236}">
-                    <a16:creationId xmlns:a16="http://schemas.microsoft.com/office/drawing/2014/main" id="{F4A6A8A1-EA0C-43DD-99EE-88DB74B7E701}"/>
-                  </a:ext>
-                </a:extLst>
-              </p:cNvPr>
-              <p:cNvPicPr/>
-              <p:nvPr/>
-            </p:nvPicPr>
-            <p:blipFill>
-              <a:blip r:embed="rId18"/>
-              <a:stretch>
-                <a:fillRect/>
-              </a:stretch>
-            </p:blipFill>
-            <p:spPr>
-              <a:xfrm>
-                <a:off x="8880380" y="4728107"/>
-                <a:ext cx="29520" cy="33120"/>
-              </a:xfrm>
-              <a:prstGeom prst="rect">
-                <a:avLst/>
-              </a:prstGeom>
-            </p:spPr>
-          </p:pic>
-        </mc:Fallback>
-      </mc:AlternateContent>
-      <mc:AlternateContent xmlns:mc="http://schemas.openxmlformats.org/markup-compatibility/2006" xmlns:p14="http://schemas.microsoft.com/office/powerpoint/2010/main">
-        <mc:Choice Requires="p14">
-          <p:contentPart p14:bwMode="auto" r:id="rId19">
-            <p14:nvContentPartPr>
-              <p14:cNvPr id="28" name="墨迹 27">
-                <a:extLst>
-                  <a:ext uri="{FF2B5EF4-FFF2-40B4-BE49-F238E27FC236}">
-                    <a16:creationId xmlns:a16="http://schemas.microsoft.com/office/drawing/2014/main" id="{ECDB5257-1051-48D7-831A-8147CE7E16D7}"/>
-                  </a:ext>
-                </a:extLst>
-              </p14:cNvPr>
-              <p14:cNvContentPartPr/>
-              <p14:nvPr/>
-            </p14:nvContentPartPr>
-            <p14:xfrm>
-              <a:off x="5928740" y="1843787"/>
-              <a:ext cx="168840" cy="266760"/>
-            </p14:xfrm>
-          </p:contentPart>
-        </mc:Choice>
-        <mc:Fallback xmlns="">
-          <p:pic>
-            <p:nvPicPr>
-              <p:cNvPr id="28" name="墨迹 27">
-                <a:extLst>
-                  <a:ext uri="{FF2B5EF4-FFF2-40B4-BE49-F238E27FC236}">
-                    <a16:creationId xmlns:a16="http://schemas.microsoft.com/office/drawing/2014/main" id="{ECDB5257-1051-48D7-831A-8147CE7E16D7}"/>
-                  </a:ext>
-                </a:extLst>
-              </p:cNvPr>
-              <p:cNvPicPr/>
-              <p:nvPr/>
-            </p:nvPicPr>
-            <p:blipFill>
-              <a:blip r:embed="rId20"/>
-              <a:stretch>
-                <a:fillRect/>
-              </a:stretch>
-            </p:blipFill>
-            <p:spPr>
-              <a:xfrm>
-                <a:off x="5920100" y="1834787"/>
-                <a:ext cx="186480" cy="284400"/>
-              </a:xfrm>
-              <a:prstGeom prst="rect">
-                <a:avLst/>
-              </a:prstGeom>
-            </p:spPr>
-          </p:pic>
-        </mc:Fallback>
-      </mc:AlternateContent>
     </p:spTree>
     <p:extLst>
       <p:ext uri="{BB962C8B-B14F-4D97-AF65-F5344CB8AC3E}">
-        <p14:creationId xmlns:p14="http://schemas.microsoft.com/office/powerpoint/2010/main" val="2881734120"/>
+        <p14:creationId xmlns:p14="http://schemas.microsoft.com/office/powerpoint/2010/main" val="1837691702"/>
       </p:ext>
     </p:extLst>
   </p:cSld>
@@ -8875,14 +8540,14 @@
           <a:p>
             <a:r>
               <a:rPr lang="zh-CN" altLang="en-US" dirty="0"/>
-              <a:t>前馈网络</a:t>
+              <a:t>网络结构</a:t>
             </a:r>
           </a:p>
         </p:txBody>
       </p:sp>
       <p:sp>
         <p:nvSpPr>
-          <p:cNvPr id="5" name="内容占位符 4"/>
+          <p:cNvPr id="3" name="内容占位符 2"/>
           <p:cNvSpPr>
             <a:spLocks noGrp="1"/>
           </p:cNvSpPr>
@@ -8897,14 +8562,62 @@
           <a:p>
             <a:r>
               <a:rPr lang="zh-CN" altLang="en-US" dirty="0"/>
-              <a:t>给定一个前馈神经网络，我们用下面的记号来描述这样网络。</a:t>
+              <a:t>前馈神经网络（全连接神经网络、多层感知器）</a:t>
+            </a:r>
+            <a:endParaRPr lang="en-US" altLang="zh-CN" dirty="0"/>
+          </a:p>
+          <a:p>
+            <a:pPr lvl="1"/>
+            <a:r>
+              <a:rPr lang="zh-CN" altLang="en-US" dirty="0"/>
+              <a:t>各神经元分别属于不同的</a:t>
+            </a:r>
+            <a:r>
+              <a:rPr lang="zh-CN" altLang="en-US" dirty="0">
+                <a:solidFill>
+                  <a:srgbClr val="FF0000"/>
+                </a:solidFill>
+              </a:rPr>
+              <a:t>层</a:t>
+            </a:r>
+            <a:r>
+              <a:rPr lang="zh-CN" altLang="en-US" dirty="0"/>
+              <a:t>，层内无连接。</a:t>
+            </a:r>
+            <a:endParaRPr lang="en-US" altLang="zh-CN" dirty="0"/>
+          </a:p>
+          <a:p>
+            <a:pPr lvl="1"/>
+            <a:r>
+              <a:rPr lang="zh-CN" altLang="en-US" dirty="0"/>
+              <a:t>相邻两层之间的神经元全部</a:t>
+            </a:r>
+            <a:r>
+              <a:rPr lang="zh-CN" altLang="en-US" dirty="0">
+                <a:solidFill>
+                  <a:srgbClr val="FF0000"/>
+                </a:solidFill>
+              </a:rPr>
+              <a:t>两两连接</a:t>
+            </a:r>
+            <a:r>
+              <a:rPr lang="zh-CN" altLang="en-US" dirty="0"/>
+              <a:t>。</a:t>
+            </a:r>
+            <a:endParaRPr lang="en-US" altLang="zh-CN" dirty="0"/>
+          </a:p>
+          <a:p>
+            <a:pPr lvl="1"/>
+            <a:r>
+              <a:rPr lang="zh-CN" altLang="en-US" dirty="0"/>
+              <a:t>整个网络中无反馈，信号从输入层向输出层单向传播，可用一个有向无环图表示。</a:t>
             </a:r>
           </a:p>
         </p:txBody>
       </p:sp>
       <p:pic>
         <p:nvPicPr>
-          <p:cNvPr id="7" name="图片 6" descr="屏幕剪辑"/>
+          <p:cNvPr id="4" name="图片 3" descr="屏幕剪辑"/>
           <p:cNvPicPr>
             <a:picLocks noChangeAspect="1"/>
           </p:cNvPicPr>
@@ -8914,7 +8627,7 @@
           <a:blip r:embed="rId2">
             <a:extLst>
               <a:ext uri="{28A0092B-C50C-407E-A947-70E740481C1C}">
-                <a14:useLocalDpi xmlns:a14="http://schemas.microsoft.com/office/drawing/2010/main"/>
+                <a14:useLocalDpi xmlns:a14="http://schemas.microsoft.com/office/drawing/2010/main" val="0"/>
               </a:ext>
             </a:extLst>
           </a:blip>
@@ -8924,8 +8637,8 @@
         </p:blipFill>
         <p:spPr>
           <a:xfrm>
-            <a:off x="1295400" y="2667000"/>
-            <a:ext cx="6258798" cy="3153215"/>
+            <a:off x="3886200" y="3886200"/>
+            <a:ext cx="3771900" cy="2155371"/>
           </a:xfrm>
           <a:prstGeom prst="rect">
             <a:avLst/>
@@ -8935,7 +8648,7 @@
     </p:spTree>
     <p:extLst>
       <p:ext uri="{BB962C8B-B14F-4D97-AF65-F5344CB8AC3E}">
-        <p14:creationId xmlns:p14="http://schemas.microsoft.com/office/powerpoint/2010/main" val="988559005"/>
+        <p14:creationId xmlns:p14="http://schemas.microsoft.com/office/powerpoint/2010/main" val="2922830713"/>
       </p:ext>
     </p:extLst>
   </p:cSld>
@@ -8964,7 +8677,13 @@
       </p:grpSpPr>
       <p:sp>
         <p:nvSpPr>
-          <p:cNvPr id="2" name="标题 1"/>
+          <p:cNvPr id="2" name="标题 1">
+            <a:extLst>
+              <a:ext uri="{FF2B5EF4-FFF2-40B4-BE49-F238E27FC236}">
+                <a16:creationId xmlns:a16="http://schemas.microsoft.com/office/drawing/2014/main" id="{E301485F-B971-4D6A-B7C8-263E3A49C56F}"/>
+              </a:ext>
+            </a:extLst>
+          </p:cNvPr>
           <p:cNvSpPr>
             <a:spLocks noGrp="1"/>
           </p:cNvSpPr>
@@ -8979,55 +8698,20 @@
           <a:p>
             <a:r>
               <a:rPr lang="zh-CN" altLang="en-US" dirty="0"/>
-              <a:t>前馈网络</a:t>
-            </a:r>
-          </a:p>
-        </p:txBody>
-      </p:sp>
-      <p:sp>
-        <p:nvSpPr>
-          <p:cNvPr id="5" name="内容占位符 4"/>
-          <p:cNvSpPr>
-            <a:spLocks noGrp="1"/>
-          </p:cNvSpPr>
-          <p:nvPr>
-            <p:ph sz="quarter" idx="1"/>
-          </p:nvPr>
-        </p:nvSpPr>
-        <p:spPr/>
-        <p:txBody>
-          <a:bodyPr/>
-          <a:lstStyle/>
-          <a:p>
-            <a:r>
-              <a:rPr lang="zh-CN" altLang="en-US" dirty="0"/>
-              <a:t>前馈神经网络通过下面公式进行信息传播。</a:t>
-            </a:r>
-            <a:endParaRPr lang="en-US" altLang="zh-CN" dirty="0"/>
-          </a:p>
-          <a:p>
-            <a:endParaRPr lang="en-US" altLang="zh-CN" dirty="0"/>
-          </a:p>
-          <a:p>
-            <a:endParaRPr lang="en-US" altLang="zh-CN" dirty="0"/>
-          </a:p>
-          <a:p>
-            <a:endParaRPr lang="en-US" altLang="zh-CN" dirty="0"/>
-          </a:p>
-          <a:p>
-            <a:endParaRPr lang="en-US" altLang="zh-CN" dirty="0"/>
-          </a:p>
-          <a:p>
-            <a:r>
-              <a:rPr lang="zh-CN" altLang="en-US" dirty="0"/>
-              <a:t>前馈计算：</a:t>
+              <a:t>信息传递过程</a:t>
             </a:r>
           </a:p>
         </p:txBody>
       </p:sp>
       <p:pic>
         <p:nvPicPr>
-          <p:cNvPr id="3" name="图片 2" descr="屏幕剪辑"/>
+          <p:cNvPr id="3" name="图片 2" descr="屏幕剪辑">
+            <a:extLst>
+              <a:ext uri="{FF2B5EF4-FFF2-40B4-BE49-F238E27FC236}">
+                <a16:creationId xmlns:a16="http://schemas.microsoft.com/office/drawing/2014/main" id="{DC188C75-CD36-4AC9-98E5-308B9F80E443}"/>
+              </a:ext>
+            </a:extLst>
+          </p:cNvPr>
           <p:cNvPicPr>
             <a:picLocks noChangeAspect="1"/>
           </p:cNvPicPr>
@@ -9037,7 +8721,7 @@
           <a:blip r:embed="rId2">
             <a:extLst>
               <a:ext uri="{28A0092B-C50C-407E-A947-70E740481C1C}">
-                <a14:useLocalDpi xmlns:a14="http://schemas.microsoft.com/office/drawing/2010/main"/>
+                <a14:useLocalDpi xmlns:a14="http://schemas.microsoft.com/office/drawing/2010/main" val="0"/>
               </a:ext>
             </a:extLst>
           </a:blip>
@@ -9047,77 +8731,477 @@
         </p:blipFill>
         <p:spPr>
           <a:xfrm>
-            <a:off x="2667000" y="1905000"/>
-            <a:ext cx="3029373" cy="571580"/>
+            <a:off x="3048000" y="1415662"/>
+            <a:ext cx="5638800" cy="3222170"/>
           </a:xfrm>
           <a:prstGeom prst="rect">
             <a:avLst/>
           </a:prstGeom>
         </p:spPr>
       </p:pic>
-      <p:pic>
-        <p:nvPicPr>
-          <p:cNvPr id="4" name="图片 3" descr="屏幕剪辑"/>
-          <p:cNvPicPr>
-            <a:picLocks noChangeAspect="1"/>
-          </p:cNvPicPr>
-          <p:nvPr/>
-        </p:nvPicPr>
-        <p:blipFill>
-          <a:blip r:embed="rId3">
-            <a:extLst>
-              <a:ext uri="{28A0092B-C50C-407E-A947-70E740481C1C}">
-                <a14:useLocalDpi xmlns:a14="http://schemas.microsoft.com/office/drawing/2010/main"/>
-              </a:ext>
-            </a:extLst>
-          </a:blip>
-          <a:stretch>
-            <a:fillRect/>
-          </a:stretch>
-        </p:blipFill>
-        <p:spPr>
-          <a:xfrm>
-            <a:off x="3333842" y="2709773"/>
-            <a:ext cx="1695687" cy="619211"/>
-          </a:xfrm>
-          <a:prstGeom prst="rect">
-            <a:avLst/>
-          </a:prstGeom>
-        </p:spPr>
-      </p:pic>
-      <p:pic>
-        <p:nvPicPr>
-          <p:cNvPr id="6" name="图片 5" descr="屏幕剪辑"/>
-          <p:cNvPicPr>
-            <a:picLocks noChangeAspect="1"/>
-          </p:cNvPicPr>
-          <p:nvPr/>
-        </p:nvPicPr>
-        <p:blipFill rotWithShape="1">
-          <a:blip r:embed="rId4">
-            <a:extLst>
-              <a:ext uri="{28A0092B-C50C-407E-A947-70E740481C1C}">
-                <a14:useLocalDpi xmlns:a14="http://schemas.microsoft.com/office/drawing/2010/main"/>
-              </a:ext>
-            </a:extLst>
-          </a:blip>
-          <a:srcRect t="1" r="3464" b="16678"/>
-          <a:stretch/>
-        </p:blipFill>
-        <p:spPr>
-          <a:xfrm>
-            <a:off x="232757" y="4800600"/>
-            <a:ext cx="8377843" cy="381000"/>
-          </a:xfrm>
-          <a:prstGeom prst="rect">
-            <a:avLst/>
-          </a:prstGeom>
-        </p:spPr>
-      </p:pic>
+      <mc:AlternateContent xmlns:mc="http://schemas.openxmlformats.org/markup-compatibility/2006">
+        <mc:Choice xmlns:p14="http://schemas.microsoft.com/office/powerpoint/2010/main" Requires="p14">
+          <p:contentPart p14:bwMode="auto" r:id="rId3">
+            <p14:nvContentPartPr>
+              <p14:cNvPr id="10" name="墨迹 9">
+                <a:extLst>
+                  <a:ext uri="{FF2B5EF4-FFF2-40B4-BE49-F238E27FC236}">
+                    <a16:creationId xmlns:a16="http://schemas.microsoft.com/office/drawing/2014/main" id="{E2A5C7FF-8E62-498F-860D-1CDEB890EEEA}"/>
+                  </a:ext>
+                </a:extLst>
+              </p14:cNvPr>
+              <p14:cNvContentPartPr/>
+              <p14:nvPr/>
+            </p14:nvContentPartPr>
+            <p14:xfrm>
+              <a:off x="5528180" y="2242667"/>
+              <a:ext cx="10800" cy="89280"/>
+            </p14:xfrm>
+          </p:contentPart>
+        </mc:Choice>
+        <mc:Fallback>
+          <p:pic>
+            <p:nvPicPr>
+              <p:cNvPr id="10" name="墨迹 9">
+                <a:extLst>
+                  <a:ext uri="{FF2B5EF4-FFF2-40B4-BE49-F238E27FC236}">
+                    <a16:creationId xmlns:a16="http://schemas.microsoft.com/office/drawing/2014/main" id="{E2A5C7FF-8E62-498F-860D-1CDEB890EEEA}"/>
+                  </a:ext>
+                </a:extLst>
+              </p:cNvPr>
+              <p:cNvPicPr/>
+              <p:nvPr/>
+            </p:nvPicPr>
+            <p:blipFill>
+              <a:blip r:embed="rId4"/>
+              <a:stretch>
+                <a:fillRect/>
+              </a:stretch>
+            </p:blipFill>
+            <p:spPr>
+              <a:xfrm>
+                <a:off x="5518870" y="2233703"/>
+                <a:ext cx="29048" cy="106849"/>
+              </a:xfrm>
+              <a:prstGeom prst="rect">
+                <a:avLst/>
+              </a:prstGeom>
+            </p:spPr>
+          </p:pic>
+        </mc:Fallback>
+      </mc:AlternateContent>
+      <mc:AlternateContent xmlns:mc="http://schemas.openxmlformats.org/markup-compatibility/2006">
+        <mc:Choice xmlns:p14="http://schemas.microsoft.com/office/powerpoint/2010/main" Requires="p14">
+          <p:contentPart p14:bwMode="auto" r:id="rId5">
+            <p14:nvContentPartPr>
+              <p14:cNvPr id="11" name="墨迹 10">
+                <a:extLst>
+                  <a:ext uri="{FF2B5EF4-FFF2-40B4-BE49-F238E27FC236}">
+                    <a16:creationId xmlns:a16="http://schemas.microsoft.com/office/drawing/2014/main" id="{A8DBDB1A-06BD-4DD6-B2F4-5D98FDC8B6BF}"/>
+                  </a:ext>
+                </a:extLst>
+              </p14:cNvPr>
+              <p14:cNvContentPartPr/>
+              <p14:nvPr/>
+            </p14:nvContentPartPr>
+            <p14:xfrm>
+              <a:off x="5379860" y="2427347"/>
+              <a:ext cx="182160" cy="287640"/>
+            </p14:xfrm>
+          </p:contentPart>
+        </mc:Choice>
+        <mc:Fallback>
+          <p:pic>
+            <p:nvPicPr>
+              <p:cNvPr id="11" name="墨迹 10">
+                <a:extLst>
+                  <a:ext uri="{FF2B5EF4-FFF2-40B4-BE49-F238E27FC236}">
+                    <a16:creationId xmlns:a16="http://schemas.microsoft.com/office/drawing/2014/main" id="{A8DBDB1A-06BD-4DD6-B2F4-5D98FDC8B6BF}"/>
+                  </a:ext>
+                </a:extLst>
+              </p:cNvPr>
+              <p:cNvPicPr/>
+              <p:nvPr/>
+            </p:nvPicPr>
+            <p:blipFill>
+              <a:blip r:embed="rId6"/>
+              <a:stretch>
+                <a:fillRect/>
+              </a:stretch>
+            </p:blipFill>
+            <p:spPr>
+              <a:xfrm>
+                <a:off x="5370860" y="2418358"/>
+                <a:ext cx="199800" cy="305258"/>
+              </a:xfrm>
+              <a:prstGeom prst="rect">
+                <a:avLst/>
+              </a:prstGeom>
+            </p:spPr>
+          </p:pic>
+        </mc:Fallback>
+      </mc:AlternateContent>
+      <mc:AlternateContent xmlns:mc="http://schemas.openxmlformats.org/markup-compatibility/2006">
+        <mc:Choice xmlns:p14="http://schemas.microsoft.com/office/powerpoint/2010/main" Requires="p14">
+          <p:contentPart p14:bwMode="auto" r:id="rId7">
+            <p14:nvContentPartPr>
+              <p14:cNvPr id="20" name="墨迹 19">
+                <a:extLst>
+                  <a:ext uri="{FF2B5EF4-FFF2-40B4-BE49-F238E27FC236}">
+                    <a16:creationId xmlns:a16="http://schemas.microsoft.com/office/drawing/2014/main" id="{ECBE67FD-1D79-411F-A445-F03D0651E065}"/>
+                  </a:ext>
+                </a:extLst>
+              </p14:cNvPr>
+              <p14:cNvContentPartPr/>
+              <p14:nvPr/>
+            </p14:nvContentPartPr>
+            <p14:xfrm>
+              <a:off x="7750460" y="1861067"/>
+              <a:ext cx="549000" cy="542520"/>
+            </p14:xfrm>
+          </p:contentPart>
+        </mc:Choice>
+        <mc:Fallback>
+          <p:pic>
+            <p:nvPicPr>
+              <p:cNvPr id="20" name="墨迹 19">
+                <a:extLst>
+                  <a:ext uri="{FF2B5EF4-FFF2-40B4-BE49-F238E27FC236}">
+                    <a16:creationId xmlns:a16="http://schemas.microsoft.com/office/drawing/2014/main" id="{ECBE67FD-1D79-411F-A445-F03D0651E065}"/>
+                  </a:ext>
+                </a:extLst>
+              </p:cNvPr>
+              <p:cNvPicPr/>
+              <p:nvPr/>
+            </p:nvPicPr>
+            <p:blipFill>
+              <a:blip r:embed="rId8"/>
+              <a:stretch>
+                <a:fillRect/>
+              </a:stretch>
+            </p:blipFill>
+            <p:spPr>
+              <a:xfrm>
+                <a:off x="7741466" y="1852067"/>
+                <a:ext cx="566628" cy="560160"/>
+              </a:xfrm>
+              <a:prstGeom prst="rect">
+                <a:avLst/>
+              </a:prstGeom>
+            </p:spPr>
+          </p:pic>
+        </mc:Fallback>
+      </mc:AlternateContent>
+      <mc:AlternateContent xmlns:mc="http://schemas.openxmlformats.org/markup-compatibility/2006">
+        <mc:Choice xmlns:p14="http://schemas.microsoft.com/office/powerpoint/2010/main" Requires="p14">
+          <p:contentPart p14:bwMode="auto" r:id="rId9">
+            <p14:nvContentPartPr>
+              <p14:cNvPr id="23" name="墨迹 22">
+                <a:extLst>
+                  <a:ext uri="{FF2B5EF4-FFF2-40B4-BE49-F238E27FC236}">
+                    <a16:creationId xmlns:a16="http://schemas.microsoft.com/office/drawing/2014/main" id="{ED1BBD7E-EE6E-42A7-897D-02BC52067F11}"/>
+                  </a:ext>
+                </a:extLst>
+              </p14:cNvPr>
+              <p14:cNvContentPartPr/>
+              <p14:nvPr/>
+            </p14:nvContentPartPr>
+            <p14:xfrm>
+              <a:off x="5761460" y="1958627"/>
+              <a:ext cx="1756080" cy="997560"/>
+            </p14:xfrm>
+          </p:contentPart>
+        </mc:Choice>
+        <mc:Fallback>
+          <p:pic>
+            <p:nvPicPr>
+              <p:cNvPr id="23" name="墨迹 22">
+                <a:extLst>
+                  <a:ext uri="{FF2B5EF4-FFF2-40B4-BE49-F238E27FC236}">
+                    <a16:creationId xmlns:a16="http://schemas.microsoft.com/office/drawing/2014/main" id="{ED1BBD7E-EE6E-42A7-897D-02BC52067F11}"/>
+                  </a:ext>
+                </a:extLst>
+              </p:cNvPr>
+              <p:cNvPicPr/>
+              <p:nvPr/>
+            </p:nvPicPr>
+            <p:blipFill>
+              <a:blip r:embed="rId10"/>
+              <a:stretch>
+                <a:fillRect/>
+              </a:stretch>
+            </p:blipFill>
+            <p:spPr>
+              <a:xfrm>
+                <a:off x="5752460" y="1949624"/>
+                <a:ext cx="1773720" cy="1015206"/>
+              </a:xfrm>
+              <a:prstGeom prst="rect">
+                <a:avLst/>
+              </a:prstGeom>
+            </p:spPr>
+          </p:pic>
+        </mc:Fallback>
+      </mc:AlternateContent>
+      <mc:AlternateContent xmlns:mc="http://schemas.openxmlformats.org/markup-compatibility/2006">
+        <mc:Choice xmlns:p14="http://schemas.microsoft.com/office/powerpoint/2010/main" Requires="p14">
+          <p:contentPart p14:bwMode="auto" r:id="rId11">
+            <p14:nvContentPartPr>
+              <p14:cNvPr id="24" name="墨迹 23">
+                <a:extLst>
+                  <a:ext uri="{FF2B5EF4-FFF2-40B4-BE49-F238E27FC236}">
+                    <a16:creationId xmlns:a16="http://schemas.microsoft.com/office/drawing/2014/main" id="{A0200D79-BB66-4248-9059-51A66B3B43CA}"/>
+                  </a:ext>
+                </a:extLst>
+              </p14:cNvPr>
+              <p14:cNvContentPartPr/>
+              <p14:nvPr/>
+            </p14:nvContentPartPr>
+            <p14:xfrm>
+              <a:off x="12954020" y="5201507"/>
+              <a:ext cx="360" cy="360"/>
+            </p14:xfrm>
+          </p:contentPart>
+        </mc:Choice>
+        <mc:Fallback>
+          <p:pic>
+            <p:nvPicPr>
+              <p:cNvPr id="24" name="墨迹 23">
+                <a:extLst>
+                  <a:ext uri="{FF2B5EF4-FFF2-40B4-BE49-F238E27FC236}">
+                    <a16:creationId xmlns:a16="http://schemas.microsoft.com/office/drawing/2014/main" id="{A0200D79-BB66-4248-9059-51A66B3B43CA}"/>
+                  </a:ext>
+                </a:extLst>
+              </p:cNvPr>
+              <p:cNvPicPr/>
+              <p:nvPr/>
+            </p:nvPicPr>
+            <p:blipFill>
+              <a:blip r:embed="rId12"/>
+              <a:stretch>
+                <a:fillRect/>
+              </a:stretch>
+            </p:blipFill>
+            <p:spPr>
+              <a:xfrm>
+                <a:off x="12945020" y="5192507"/>
+                <a:ext cx="18000" cy="18000"/>
+              </a:xfrm>
+              <a:prstGeom prst="rect">
+                <a:avLst/>
+              </a:prstGeom>
+            </p:spPr>
+          </p:pic>
+        </mc:Fallback>
+      </mc:AlternateContent>
+      <mc:AlternateContent xmlns:mc="http://schemas.openxmlformats.org/markup-compatibility/2006">
+        <mc:Choice xmlns:p14="http://schemas.microsoft.com/office/powerpoint/2010/main" Requires="p14">
+          <p:contentPart p14:bwMode="auto" r:id="rId13">
+            <p14:nvContentPartPr>
+              <p14:cNvPr id="25" name="墨迹 24">
+                <a:extLst>
+                  <a:ext uri="{FF2B5EF4-FFF2-40B4-BE49-F238E27FC236}">
+                    <a16:creationId xmlns:a16="http://schemas.microsoft.com/office/drawing/2014/main" id="{3B3EC40F-26D6-4DB9-8EB8-5539A5BA46A8}"/>
+                  </a:ext>
+                </a:extLst>
+              </p14:cNvPr>
+              <p14:cNvContentPartPr/>
+              <p14:nvPr/>
+            </p14:nvContentPartPr>
+            <p14:xfrm>
+              <a:off x="6878900" y="3026747"/>
+              <a:ext cx="137160" cy="117000"/>
+            </p14:xfrm>
+          </p:contentPart>
+        </mc:Choice>
+        <mc:Fallback>
+          <p:pic>
+            <p:nvPicPr>
+              <p:cNvPr id="25" name="墨迹 24">
+                <a:extLst>
+                  <a:ext uri="{FF2B5EF4-FFF2-40B4-BE49-F238E27FC236}">
+                    <a16:creationId xmlns:a16="http://schemas.microsoft.com/office/drawing/2014/main" id="{3B3EC40F-26D6-4DB9-8EB8-5539A5BA46A8}"/>
+                  </a:ext>
+                </a:extLst>
+              </p:cNvPr>
+              <p:cNvPicPr/>
+              <p:nvPr/>
+            </p:nvPicPr>
+            <p:blipFill>
+              <a:blip r:embed="rId14"/>
+              <a:stretch>
+                <a:fillRect/>
+              </a:stretch>
+            </p:blipFill>
+            <p:spPr>
+              <a:xfrm>
+                <a:off x="6869900" y="3017747"/>
+                <a:ext cx="154800" cy="134640"/>
+              </a:xfrm>
+              <a:prstGeom prst="rect">
+                <a:avLst/>
+              </a:prstGeom>
+            </p:spPr>
+          </p:pic>
+        </mc:Fallback>
+      </mc:AlternateContent>
+      <mc:AlternateContent xmlns:mc="http://schemas.openxmlformats.org/markup-compatibility/2006">
+        <mc:Choice xmlns:p14="http://schemas.microsoft.com/office/powerpoint/2010/main" Requires="p14">
+          <p:contentPart p14:bwMode="auto" r:id="rId15">
+            <p14:nvContentPartPr>
+              <p14:cNvPr id="26" name="墨迹 25">
+                <a:extLst>
+                  <a:ext uri="{FF2B5EF4-FFF2-40B4-BE49-F238E27FC236}">
+                    <a16:creationId xmlns:a16="http://schemas.microsoft.com/office/drawing/2014/main" id="{BA06A8F6-1641-4B81-96E6-313AA5728946}"/>
+                  </a:ext>
+                </a:extLst>
+              </p14:cNvPr>
+              <p14:cNvContentPartPr/>
+              <p14:nvPr/>
+            </p14:nvContentPartPr>
+            <p14:xfrm>
+              <a:off x="6929300" y="2829827"/>
+              <a:ext cx="8280" cy="111960"/>
+            </p14:xfrm>
+          </p:contentPart>
+        </mc:Choice>
+        <mc:Fallback>
+          <p:pic>
+            <p:nvPicPr>
+              <p:cNvPr id="26" name="墨迹 25">
+                <a:extLst>
+                  <a:ext uri="{FF2B5EF4-FFF2-40B4-BE49-F238E27FC236}">
+                    <a16:creationId xmlns:a16="http://schemas.microsoft.com/office/drawing/2014/main" id="{BA06A8F6-1641-4B81-96E6-313AA5728946}"/>
+                  </a:ext>
+                </a:extLst>
+              </p:cNvPr>
+              <p:cNvPicPr/>
+              <p:nvPr/>
+            </p:nvPicPr>
+            <p:blipFill>
+              <a:blip r:embed="rId16"/>
+              <a:stretch>
+                <a:fillRect/>
+              </a:stretch>
+            </p:blipFill>
+            <p:spPr>
+              <a:xfrm>
+                <a:off x="6920300" y="2820827"/>
+                <a:ext cx="25920" cy="129600"/>
+              </a:xfrm>
+              <a:prstGeom prst="rect">
+                <a:avLst/>
+              </a:prstGeom>
+            </p:spPr>
+          </p:pic>
+        </mc:Fallback>
+      </mc:AlternateContent>
+      <mc:AlternateContent xmlns:mc="http://schemas.openxmlformats.org/markup-compatibility/2006">
+        <mc:Choice xmlns:p14="http://schemas.microsoft.com/office/powerpoint/2010/main" Requires="p14">
+          <p:contentPart p14:bwMode="auto" r:id="rId17">
+            <p14:nvContentPartPr>
+              <p14:cNvPr id="27" name="墨迹 26">
+                <a:extLst>
+                  <a:ext uri="{FF2B5EF4-FFF2-40B4-BE49-F238E27FC236}">
+                    <a16:creationId xmlns:a16="http://schemas.microsoft.com/office/drawing/2014/main" id="{F4A6A8A1-EA0C-43DD-99EE-88DB74B7E701}"/>
+                  </a:ext>
+                </a:extLst>
+              </p14:cNvPr>
+              <p14:cNvContentPartPr/>
+              <p14:nvPr/>
+            </p14:nvContentPartPr>
+            <p14:xfrm>
+              <a:off x="10413380" y="4736747"/>
+              <a:ext cx="11880" cy="15480"/>
+            </p14:xfrm>
+          </p:contentPart>
+        </mc:Choice>
+        <mc:Fallback>
+          <p:pic>
+            <p:nvPicPr>
+              <p:cNvPr id="27" name="墨迹 26">
+                <a:extLst>
+                  <a:ext uri="{FF2B5EF4-FFF2-40B4-BE49-F238E27FC236}">
+                    <a16:creationId xmlns:a16="http://schemas.microsoft.com/office/drawing/2014/main" id="{F4A6A8A1-EA0C-43DD-99EE-88DB74B7E701}"/>
+                  </a:ext>
+                </a:extLst>
+              </p:cNvPr>
+              <p:cNvPicPr/>
+              <p:nvPr/>
+            </p:nvPicPr>
+            <p:blipFill>
+              <a:blip r:embed="rId18"/>
+              <a:stretch>
+                <a:fillRect/>
+              </a:stretch>
+            </p:blipFill>
+            <p:spPr>
+              <a:xfrm>
+                <a:off x="10404645" y="4727747"/>
+                <a:ext cx="29001" cy="33120"/>
+              </a:xfrm>
+              <a:prstGeom prst="rect">
+                <a:avLst/>
+              </a:prstGeom>
+            </p:spPr>
+          </p:pic>
+        </mc:Fallback>
+      </mc:AlternateContent>
+      <mc:AlternateContent xmlns:mc="http://schemas.openxmlformats.org/markup-compatibility/2006">
+        <mc:Choice xmlns:p14="http://schemas.microsoft.com/office/powerpoint/2010/main" Requires="p14">
+          <p:contentPart p14:bwMode="auto" r:id="rId19">
+            <p14:nvContentPartPr>
+              <p14:cNvPr id="28" name="墨迹 27">
+                <a:extLst>
+                  <a:ext uri="{FF2B5EF4-FFF2-40B4-BE49-F238E27FC236}">
+                    <a16:creationId xmlns:a16="http://schemas.microsoft.com/office/drawing/2014/main" id="{ECDB5257-1051-48D7-831A-8147CE7E16D7}"/>
+                  </a:ext>
+                </a:extLst>
+              </p14:cNvPr>
+              <p14:cNvContentPartPr/>
+              <p14:nvPr/>
+            </p14:nvContentPartPr>
+            <p14:xfrm>
+              <a:off x="7452740" y="1843787"/>
+              <a:ext cx="168840" cy="266760"/>
+            </p14:xfrm>
+          </p:contentPart>
+        </mc:Choice>
+        <mc:Fallback>
+          <p:pic>
+            <p:nvPicPr>
+              <p:cNvPr id="28" name="墨迹 27">
+                <a:extLst>
+                  <a:ext uri="{FF2B5EF4-FFF2-40B4-BE49-F238E27FC236}">
+                    <a16:creationId xmlns:a16="http://schemas.microsoft.com/office/drawing/2014/main" id="{ECDB5257-1051-48D7-831A-8147CE7E16D7}"/>
+                  </a:ext>
+                </a:extLst>
+              </p:cNvPr>
+              <p:cNvPicPr/>
+              <p:nvPr/>
+            </p:nvPicPr>
+            <p:blipFill>
+              <a:blip r:embed="rId20"/>
+              <a:stretch>
+                <a:fillRect/>
+              </a:stretch>
+            </p:blipFill>
+            <p:spPr>
+              <a:xfrm>
+                <a:off x="7443740" y="1834787"/>
+                <a:ext cx="186480" cy="284400"/>
+              </a:xfrm>
+              <a:prstGeom prst="rect">
+                <a:avLst/>
+              </a:prstGeom>
+            </p:spPr>
+          </p:pic>
+        </mc:Fallback>
+      </mc:AlternateContent>
     </p:spTree>
     <p:extLst>
       <p:ext uri="{BB962C8B-B14F-4D97-AF65-F5344CB8AC3E}">
-        <p14:creationId xmlns:p14="http://schemas.microsoft.com/office/powerpoint/2010/main" val="2020899712"/>
+        <p14:creationId xmlns:p14="http://schemas.microsoft.com/office/powerpoint/2010/main" val="2881734120"/>
       </p:ext>
     </p:extLst>
   </p:cSld>
@@ -9161,14 +9245,36 @@
           <a:p>
             <a:r>
               <a:rPr lang="zh-CN" altLang="en-US" dirty="0"/>
-              <a:t>深层前馈神经网络</a:t>
+              <a:t>前馈网络</a:t>
+            </a:r>
+          </a:p>
+        </p:txBody>
+      </p:sp>
+      <p:sp>
+        <p:nvSpPr>
+          <p:cNvPr id="5" name="内容占位符 4"/>
+          <p:cNvSpPr>
+            <a:spLocks noGrp="1"/>
+          </p:cNvSpPr>
+          <p:nvPr>
+            <p:ph sz="quarter" idx="1"/>
+          </p:nvPr>
+        </p:nvSpPr>
+        <p:spPr/>
+        <p:txBody>
+          <a:bodyPr/>
+          <a:lstStyle/>
+          <a:p>
+            <a:r>
+              <a:rPr lang="zh-CN" altLang="en-US" dirty="0"/>
+              <a:t>给定一个前馈神经网络，用下面的记号来描述这样网络：</a:t>
             </a:r>
           </a:p>
         </p:txBody>
       </p:sp>
       <p:pic>
         <p:nvPicPr>
-          <p:cNvPr id="3" name="图片 2"/>
+          <p:cNvPr id="7" name="图片 6" descr="屏幕剪辑"/>
           <p:cNvPicPr>
             <a:picLocks noChangeAspect="1"/>
           </p:cNvPicPr>
@@ -9178,7 +9284,7 @@
           <a:blip r:embed="rId2">
             <a:extLst>
               <a:ext uri="{28A0092B-C50C-407E-A947-70E740481C1C}">
-                <a14:useLocalDpi xmlns:a14="http://schemas.microsoft.com/office/drawing/2010/main" val="0"/>
+                <a14:useLocalDpi xmlns:a14="http://schemas.microsoft.com/office/drawing/2010/main"/>
               </a:ext>
             </a:extLst>
           </a:blip>
@@ -9188,8 +9294,8 @@
         </p:blipFill>
         <p:spPr>
           <a:xfrm>
-            <a:off x="1371600" y="1295400"/>
-            <a:ext cx="6153647" cy="4944308"/>
+            <a:off x="2667000" y="2667000"/>
+            <a:ext cx="6258798" cy="3153215"/>
           </a:xfrm>
           <a:prstGeom prst="rect">
             <a:avLst/>
@@ -9199,7 +9305,7 @@
     </p:spTree>
     <p:extLst>
       <p:ext uri="{BB962C8B-B14F-4D97-AF65-F5344CB8AC3E}">
-        <p14:creationId xmlns:p14="http://schemas.microsoft.com/office/powerpoint/2010/main" val="682720644"/>
+        <p14:creationId xmlns:p14="http://schemas.microsoft.com/office/powerpoint/2010/main" val="988559005"/>
       </p:ext>
     </p:extLst>
   </p:cSld>
@@ -9243,35 +9349,48 @@
           <a:p>
             <a:r>
               <a:rPr lang="zh-CN" altLang="en-US" dirty="0"/>
-              <a:t>通用近似定理</a:t>
+              <a:t>前馈网络</a:t>
             </a:r>
           </a:p>
         </p:txBody>
       </p:sp>
       <p:sp>
         <p:nvSpPr>
-          <p:cNvPr id="9" name="矩形 8"/>
-          <p:cNvSpPr/>
-          <p:nvPr/>
+          <p:cNvPr id="5" name="内容占位符 4"/>
+          <p:cNvSpPr>
+            <a:spLocks noGrp="1"/>
+          </p:cNvSpPr>
+          <p:nvPr>
+            <p:ph sz="quarter" idx="1"/>
+          </p:nvPr>
         </p:nvSpPr>
-        <p:spPr>
-          <a:xfrm>
-            <a:off x="1143000" y="5012972"/>
-            <a:ext cx="7239000" cy="1200329"/>
-          </a:xfrm>
-          <a:prstGeom prst="rect">
-            <a:avLst/>
-          </a:prstGeom>
-        </p:spPr>
+        <p:spPr/>
         <p:txBody>
-          <a:bodyPr wrap="square">
-            <a:spAutoFit/>
-          </a:bodyPr>
+          <a:bodyPr/>
           <a:lstStyle/>
           <a:p>
             <a:r>
               <a:rPr lang="zh-CN" altLang="en-US" dirty="0"/>
-              <a:t>根据通用近似定理，对于具有线性输出层和至少一个使用“挤压”性质的激活函数的隐藏层组成的前馈神经网络，只要其隐藏层神经元的数量足够，它可以以任意的精度来近似任何从一个定义在实数空间中的有界闭集函数。</a:t>
+              <a:t>前馈神经网络通过下面公式进行信息传播。</a:t>
+            </a:r>
+            <a:endParaRPr lang="en-US" altLang="zh-CN" dirty="0"/>
+          </a:p>
+          <a:p>
+            <a:endParaRPr lang="en-US" altLang="zh-CN" dirty="0"/>
+          </a:p>
+          <a:p>
+            <a:endParaRPr lang="en-US" altLang="zh-CN" dirty="0"/>
+          </a:p>
+          <a:p>
+            <a:endParaRPr lang="en-US" altLang="zh-CN" dirty="0"/>
+          </a:p>
+          <a:p>
+            <a:endParaRPr lang="en-US" altLang="zh-CN" dirty="0"/>
+          </a:p>
+          <a:p>
+            <a:r>
+              <a:rPr lang="zh-CN" altLang="en-US" dirty="0"/>
+              <a:t>前馈计算：</a:t>
             </a:r>
           </a:p>
         </p:txBody>
@@ -9285,10 +9404,10 @@
           <p:nvPr/>
         </p:nvPicPr>
         <p:blipFill>
-          <a:blip r:embed="rId3">
+          <a:blip r:embed="rId2">
             <a:extLst>
               <a:ext uri="{28A0092B-C50C-407E-A947-70E740481C1C}">
-                <a14:useLocalDpi xmlns:a14="http://schemas.microsoft.com/office/drawing/2010/main" val="0"/>
+                <a14:useLocalDpi xmlns:a14="http://schemas.microsoft.com/office/drawing/2010/main"/>
               </a:ext>
             </a:extLst>
           </a:blip>
@@ -9298,8 +9417,67 @@
         </p:blipFill>
         <p:spPr>
           <a:xfrm>
-            <a:off x="1938980" y="1183124"/>
-            <a:ext cx="5266040" cy="3829848"/>
+            <a:off x="4191001" y="1905000"/>
+            <a:ext cx="3029373" cy="571580"/>
+          </a:xfrm>
+          <a:prstGeom prst="rect">
+            <a:avLst/>
+          </a:prstGeom>
+        </p:spPr>
+      </p:pic>
+      <p:pic>
+        <p:nvPicPr>
+          <p:cNvPr id="4" name="图片 3" descr="屏幕剪辑"/>
+          <p:cNvPicPr>
+            <a:picLocks noChangeAspect="1"/>
+          </p:cNvPicPr>
+          <p:nvPr/>
+        </p:nvPicPr>
+        <p:blipFill>
+          <a:blip r:embed="rId3">
+            <a:extLst>
+              <a:ext uri="{28A0092B-C50C-407E-A947-70E740481C1C}">
+                <a14:useLocalDpi xmlns:a14="http://schemas.microsoft.com/office/drawing/2010/main"/>
+              </a:ext>
+            </a:extLst>
+          </a:blip>
+          <a:stretch>
+            <a:fillRect/>
+          </a:stretch>
+        </p:blipFill>
+        <p:spPr>
+          <a:xfrm>
+            <a:off x="4857843" y="2709774"/>
+            <a:ext cx="1695687" cy="619211"/>
+          </a:xfrm>
+          <a:prstGeom prst="rect">
+            <a:avLst/>
+          </a:prstGeom>
+        </p:spPr>
+      </p:pic>
+      <p:pic>
+        <p:nvPicPr>
+          <p:cNvPr id="6" name="图片 5" descr="屏幕剪辑"/>
+          <p:cNvPicPr>
+            <a:picLocks noChangeAspect="1"/>
+          </p:cNvPicPr>
+          <p:nvPr/>
+        </p:nvPicPr>
+        <p:blipFill rotWithShape="1">
+          <a:blip r:embed="rId4">
+            <a:extLst>
+              <a:ext uri="{28A0092B-C50C-407E-A947-70E740481C1C}">
+                <a14:useLocalDpi xmlns:a14="http://schemas.microsoft.com/office/drawing/2010/main"/>
+              </a:ext>
+            </a:extLst>
+          </a:blip>
+          <a:srcRect t="1" r="3464" b="16678"/>
+          <a:stretch/>
+        </p:blipFill>
+        <p:spPr>
+          <a:xfrm>
+            <a:off x="1756758" y="4800600"/>
+            <a:ext cx="8377843" cy="381000"/>
           </a:xfrm>
           <a:prstGeom prst="rect">
             <a:avLst/>
@@ -9309,7 +9487,7 @@
     </p:spTree>
     <p:extLst>
       <p:ext uri="{BB962C8B-B14F-4D97-AF65-F5344CB8AC3E}">
-        <p14:creationId xmlns:p14="http://schemas.microsoft.com/office/powerpoint/2010/main" val="4043031189"/>
+        <p14:creationId xmlns:p14="http://schemas.microsoft.com/office/powerpoint/2010/main" val="2020899712"/>
       </p:ext>
     </p:extLst>
   </p:cSld>
@@ -9336,8 +9514,258 @@
           <a:chExt cx="0" cy="0"/>
         </a:xfrm>
       </p:grpSpPr>
-      <mc:AlternateContent xmlns:mc="http://schemas.openxmlformats.org/markup-compatibility/2006" xmlns:a14="http://schemas.microsoft.com/office/drawing/2010/main">
-        <mc:Choice Requires="a14">
+      <p:sp>
+        <p:nvSpPr>
+          <p:cNvPr id="2" name="标题 1"/>
+          <p:cNvSpPr>
+            <a:spLocks noGrp="1"/>
+          </p:cNvSpPr>
+          <p:nvPr>
+            <p:ph type="title"/>
+          </p:nvPr>
+        </p:nvSpPr>
+        <p:spPr/>
+        <p:txBody>
+          <a:bodyPr/>
+          <a:lstStyle/>
+          <a:p>
+            <a:r>
+              <a:rPr lang="zh-CN" altLang="en-US" dirty="0"/>
+              <a:t>深层前馈神经网络</a:t>
+            </a:r>
+          </a:p>
+        </p:txBody>
+      </p:sp>
+      <p:pic>
+        <p:nvPicPr>
+          <p:cNvPr id="3" name="图片 2"/>
+          <p:cNvPicPr>
+            <a:picLocks noChangeAspect="1"/>
+          </p:cNvPicPr>
+          <p:nvPr/>
+        </p:nvPicPr>
+        <p:blipFill>
+          <a:blip r:embed="rId2">
+            <a:extLst>
+              <a:ext uri="{28A0092B-C50C-407E-A947-70E740481C1C}">
+                <a14:useLocalDpi xmlns:a14="http://schemas.microsoft.com/office/drawing/2010/main" val="0"/>
+              </a:ext>
+            </a:extLst>
+          </a:blip>
+          <a:stretch>
+            <a:fillRect/>
+          </a:stretch>
+        </p:blipFill>
+        <p:spPr>
+          <a:xfrm>
+            <a:off x="2895601" y="1295400"/>
+            <a:ext cx="6153647" cy="4944308"/>
+          </a:xfrm>
+          <a:prstGeom prst="rect">
+            <a:avLst/>
+          </a:prstGeom>
+        </p:spPr>
+      </p:pic>
+    </p:spTree>
+    <p:extLst>
+      <p:ext uri="{BB962C8B-B14F-4D97-AF65-F5344CB8AC3E}">
+        <p14:creationId xmlns:p14="http://schemas.microsoft.com/office/powerpoint/2010/main" val="682720644"/>
+      </p:ext>
+    </p:extLst>
+  </p:cSld>
+  <p:clrMapOvr>
+    <a:masterClrMapping/>
+  </p:clrMapOvr>
+</p:sld>
+</file>
+
+<file path=ppt/slides/slide2.xml><?xml version="1.0" encoding="utf-8"?>
+<p:sld xmlns:a="http://schemas.openxmlformats.org/drawingml/2006/main" xmlns:r="http://schemas.openxmlformats.org/officeDocument/2006/relationships" xmlns:p="http://schemas.openxmlformats.org/presentationml/2006/main">
+  <p:cSld>
+    <p:spTree>
+      <p:nvGrpSpPr>
+        <p:cNvPr id="1" name=""/>
+        <p:cNvGrpSpPr/>
+        <p:nvPr/>
+      </p:nvGrpSpPr>
+      <p:grpSpPr>
+        <a:xfrm>
+          <a:off x="0" y="0"/>
+          <a:ext cx="0" cy="0"/>
+          <a:chOff x="0" y="0"/>
+          <a:chExt cx="0" cy="0"/>
+        </a:xfrm>
+      </p:grpSpPr>
+      <p:sp>
+        <p:nvSpPr>
+          <p:cNvPr id="2" name="标题 1">
+            <a:extLst>
+              <a:ext uri="{FF2B5EF4-FFF2-40B4-BE49-F238E27FC236}">
+                <a16:creationId xmlns:a16="http://schemas.microsoft.com/office/drawing/2014/main" id="{FE809F92-8DE2-48CF-9503-E28A23C0D5A6}"/>
+              </a:ext>
+            </a:extLst>
+          </p:cNvPr>
+          <p:cNvSpPr>
+            <a:spLocks noGrp="1"/>
+          </p:cNvSpPr>
+          <p:nvPr>
+            <p:ph type="ctrTitle"/>
+          </p:nvPr>
+        </p:nvSpPr>
+        <p:spPr/>
+        <p:txBody>
+          <a:bodyPr/>
+          <a:lstStyle/>
+          <a:p>
+            <a:r>
+              <a:rPr lang="zh-CN" altLang="en-US" dirty="0"/>
+              <a:t>神经网络</a:t>
+            </a:r>
+          </a:p>
+        </p:txBody>
+      </p:sp>
+    </p:spTree>
+    <p:extLst>
+      <p:ext uri="{BB962C8B-B14F-4D97-AF65-F5344CB8AC3E}">
+        <p14:creationId xmlns:p14="http://schemas.microsoft.com/office/powerpoint/2010/main" val="3314473414"/>
+      </p:ext>
+    </p:extLst>
+  </p:cSld>
+  <p:clrMapOvr>
+    <a:masterClrMapping/>
+  </p:clrMapOvr>
+</p:sld>
+</file>
+
+<file path=ppt/slides/slide20.xml><?xml version="1.0" encoding="utf-8"?>
+<p:sld xmlns:a="http://schemas.openxmlformats.org/drawingml/2006/main" xmlns:r="http://schemas.openxmlformats.org/officeDocument/2006/relationships" xmlns:p="http://schemas.openxmlformats.org/presentationml/2006/main">
+  <p:cSld>
+    <p:spTree>
+      <p:nvGrpSpPr>
+        <p:cNvPr id="1" name=""/>
+        <p:cNvGrpSpPr/>
+        <p:nvPr/>
+      </p:nvGrpSpPr>
+      <p:grpSpPr>
+        <a:xfrm>
+          <a:off x="0" y="0"/>
+          <a:ext cx="0" cy="0"/>
+          <a:chOff x="0" y="0"/>
+          <a:chExt cx="0" cy="0"/>
+        </a:xfrm>
+      </p:grpSpPr>
+      <p:sp>
+        <p:nvSpPr>
+          <p:cNvPr id="2" name="标题 1"/>
+          <p:cNvSpPr>
+            <a:spLocks noGrp="1"/>
+          </p:cNvSpPr>
+          <p:nvPr>
+            <p:ph type="title"/>
+          </p:nvPr>
+        </p:nvSpPr>
+        <p:spPr/>
+        <p:txBody>
+          <a:bodyPr/>
+          <a:lstStyle/>
+          <a:p>
+            <a:r>
+              <a:rPr lang="zh-CN" altLang="en-US" dirty="0"/>
+              <a:t>通用近似定理</a:t>
+            </a:r>
+          </a:p>
+        </p:txBody>
+      </p:sp>
+      <p:sp>
+        <p:nvSpPr>
+          <p:cNvPr id="9" name="矩形 8"/>
+          <p:cNvSpPr/>
+          <p:nvPr/>
+        </p:nvSpPr>
+        <p:spPr>
+          <a:xfrm>
+            <a:off x="2667000" y="5012973"/>
+            <a:ext cx="7239000" cy="1200329"/>
+          </a:xfrm>
+          <a:prstGeom prst="rect">
+            <a:avLst/>
+          </a:prstGeom>
+        </p:spPr>
+        <p:txBody>
+          <a:bodyPr wrap="square">
+            <a:spAutoFit/>
+          </a:bodyPr>
+          <a:lstStyle/>
+          <a:p>
+            <a:r>
+              <a:rPr lang="zh-CN" altLang="en-US" dirty="0"/>
+              <a:t>根据通用近似定理，对于具有线性输出层和至少一个使用“挤压”性质的激活函数的隐藏层组成的前馈神经网络，只要其隐藏层神经元的数量足够，它可以以任意的精度来近似任何从一个定义在实数空间中的有界闭集函数。</a:t>
+            </a:r>
+          </a:p>
+        </p:txBody>
+      </p:sp>
+      <p:pic>
+        <p:nvPicPr>
+          <p:cNvPr id="3" name="图片 2" descr="屏幕剪辑"/>
+          <p:cNvPicPr>
+            <a:picLocks noChangeAspect="1"/>
+          </p:cNvPicPr>
+          <p:nvPr/>
+        </p:nvPicPr>
+        <p:blipFill>
+          <a:blip r:embed="rId3">
+            <a:extLst>
+              <a:ext uri="{28A0092B-C50C-407E-A947-70E740481C1C}">
+                <a14:useLocalDpi xmlns:a14="http://schemas.microsoft.com/office/drawing/2010/main" val="0"/>
+              </a:ext>
+            </a:extLst>
+          </a:blip>
+          <a:stretch>
+            <a:fillRect/>
+          </a:stretch>
+        </p:blipFill>
+        <p:spPr>
+          <a:xfrm>
+            <a:off x="3462980" y="1183124"/>
+            <a:ext cx="5266040" cy="3829848"/>
+          </a:xfrm>
+          <a:prstGeom prst="rect">
+            <a:avLst/>
+          </a:prstGeom>
+        </p:spPr>
+      </p:pic>
+    </p:spTree>
+    <p:extLst>
+      <p:ext uri="{BB962C8B-B14F-4D97-AF65-F5344CB8AC3E}">
+        <p14:creationId xmlns:p14="http://schemas.microsoft.com/office/powerpoint/2010/main" val="4043031189"/>
+      </p:ext>
+    </p:extLst>
+  </p:cSld>
+  <p:clrMapOvr>
+    <a:masterClrMapping/>
+  </p:clrMapOvr>
+</p:sld>
+</file>
+
+<file path=ppt/slides/slide21.xml><?xml version="1.0" encoding="utf-8"?>
+<p:sld xmlns:a="http://schemas.openxmlformats.org/drawingml/2006/main" xmlns:r="http://schemas.openxmlformats.org/officeDocument/2006/relationships" xmlns:p="http://schemas.openxmlformats.org/presentationml/2006/main">
+  <p:cSld>
+    <p:spTree>
+      <p:nvGrpSpPr>
+        <p:cNvPr id="1" name=""/>
+        <p:cNvGrpSpPr/>
+        <p:nvPr/>
+      </p:nvGrpSpPr>
+      <p:grpSpPr>
+        <a:xfrm>
+          <a:off x="0" y="0"/>
+          <a:ext cx="0" cy="0"/>
+          <a:chOff x="0" y="0"/>
+          <a:chExt cx="0" cy="0"/>
+        </a:xfrm>
+      </p:grpSpPr>
+      <mc:AlternateContent xmlns:mc="http://schemas.openxmlformats.org/markup-compatibility/2006">
+        <mc:Choice xmlns:a14="http://schemas.microsoft.com/office/drawing/2010/main" Requires="a14">
           <p:sp>
             <p:nvSpPr>
               <p:cNvPr id="3" name="内容占位符 2"/>
@@ -9357,6 +9785,9 @@
                   <a:rPr lang="zh-CN" altLang="en-US" dirty="0"/>
                   <a:t>神经网络可以作为一个“万能”函数来使用，可以用来进行复杂的特征转换，或逼近一个复杂的条件分布。</a:t>
                 </a:r>
+                <a:endParaRPr lang="en-US" altLang="zh-CN" dirty="0"/>
+              </a:p>
+              <a:p>
                 <a:endParaRPr lang="en-US" altLang="zh-CN" dirty="0"/>
               </a:p>
               <a:p>
@@ -9423,7 +9854,7 @@
             </p:txBody>
           </p:sp>
         </mc:Choice>
-        <mc:Fallback xmlns="">
+        <mc:Fallback>
           <p:sp>
             <p:nvSpPr>
               <p:cNvPr id="3" name="内容占位符 2"/>
@@ -9438,7 +9869,7 @@
               <a:blipFill>
                 <a:blip r:embed="rId2"/>
                 <a:stretch>
-                  <a:fillRect l="-1037" t="-1728" r="-1556" b="-1235"/>
+                  <a:fillRect l="-778" t="-1728" r="-1389" b="-2469"/>
                 </a:stretch>
               </a:blipFill>
             </p:spPr>
@@ -9479,7 +9910,7 @@
         </p:blipFill>
         <p:spPr>
           <a:xfrm>
-            <a:off x="2519957" y="2873810"/>
+            <a:off x="4043958" y="2873810"/>
             <a:ext cx="3271243" cy="707590"/>
           </a:xfrm>
           <a:prstGeom prst="rect">
@@ -9517,7 +9948,7 @@
         </p:nvCxnSpPr>
         <p:spPr>
           <a:xfrm>
-            <a:off x="4114800" y="3505200"/>
+            <a:off x="5638800" y="3505200"/>
             <a:ext cx="808224" cy="0"/>
           </a:xfrm>
           <a:prstGeom prst="line">
@@ -9547,7 +9978,7 @@
         </p:nvSpPr>
         <p:spPr>
           <a:xfrm>
-            <a:off x="5791200" y="4343400"/>
+            <a:off x="7315200" y="4343401"/>
             <a:ext cx="1415772" cy="461665"/>
           </a:xfrm>
           <a:prstGeom prst="rect">
@@ -9578,7 +10009,7 @@
         </p:nvCxnSpPr>
         <p:spPr>
           <a:xfrm>
-            <a:off x="4419600" y="3505200"/>
+            <a:off x="5943600" y="3505200"/>
             <a:ext cx="2079486" cy="838200"/>
           </a:xfrm>
           <a:prstGeom prst="line">
@@ -9608,7 +10039,7 @@
         </p:nvCxnSpPr>
         <p:spPr>
           <a:xfrm flipV="1">
-            <a:off x="3634769" y="3581401"/>
+            <a:off x="5158770" y="3581401"/>
             <a:ext cx="2080231" cy="38098"/>
           </a:xfrm>
           <a:prstGeom prst="line">
@@ -9638,7 +10069,7 @@
         </p:nvSpPr>
         <p:spPr>
           <a:xfrm>
-            <a:off x="2879506" y="4343399"/>
+            <a:off x="4403506" y="4343400"/>
             <a:ext cx="1107996" cy="461665"/>
           </a:xfrm>
           <a:prstGeom prst="rect">
@@ -9669,7 +10100,7 @@
         </p:nvCxnSpPr>
         <p:spPr>
           <a:xfrm flipV="1">
-            <a:off x="3433504" y="3619499"/>
+            <a:off x="4957505" y="3619499"/>
             <a:ext cx="1037359" cy="723900"/>
           </a:xfrm>
           <a:prstGeom prst="line">
@@ -9704,7 +10135,7 @@
 </p:sld>
 </file>
 
-<file path=ppt/slides/slide2.xml><?xml version="1.0" encoding="utf-8"?>
+<file path=ppt/slides/slide22.xml><?xml version="1.0" encoding="utf-8"?>
 <p:sld xmlns:a="http://schemas.openxmlformats.org/drawingml/2006/main" xmlns:r="http://schemas.openxmlformats.org/officeDocument/2006/relationships" xmlns:p="http://schemas.openxmlformats.org/presentationml/2006/main">
   <p:cSld>
     <p:spTree>
@@ -9738,152 +10169,6 @@
           <a:p>
             <a:r>
               <a:rPr lang="zh-CN" altLang="en-US" dirty="0"/>
-              <a:t>生物神经元</a:t>
-            </a:r>
-          </a:p>
-        </p:txBody>
-      </p:sp>
-      <p:pic>
-        <p:nvPicPr>
-          <p:cNvPr id="4" name="内容占位符 3"/>
-          <p:cNvPicPr>
-            <a:picLocks noGrp="1" noChangeAspect="1"/>
-          </p:cNvPicPr>
-          <p:nvPr>
-            <p:ph sz="quarter" idx="1"/>
-          </p:nvPr>
-        </p:nvPicPr>
-        <p:blipFill>
-          <a:blip r:embed="rId3">
-            <a:extLst>
-              <a:ext uri="{28A0092B-C50C-407E-A947-70E740481C1C}">
-                <a14:useLocalDpi xmlns:a14="http://schemas.microsoft.com/office/drawing/2010/main"/>
-              </a:ext>
-            </a:extLst>
-          </a:blip>
-          <a:stretch>
-            <a:fillRect/>
-          </a:stretch>
-        </p:blipFill>
-        <p:spPr>
-          <a:xfrm>
-            <a:off x="741988" y="1219200"/>
-            <a:ext cx="7660024" cy="4937125"/>
-          </a:xfrm>
-        </p:spPr>
-      </p:pic>
-      <p:sp>
-        <p:nvSpPr>
-          <p:cNvPr id="5" name="矩形 4"/>
-          <p:cNvSpPr/>
-          <p:nvPr/>
-        </p:nvSpPr>
-        <p:spPr>
-          <a:xfrm>
-            <a:off x="4572000" y="4495800"/>
-            <a:ext cx="4114800" cy="954107"/>
-          </a:xfrm>
-          <a:prstGeom prst="rect">
-            <a:avLst/>
-          </a:prstGeom>
-        </p:spPr>
-        <p:txBody>
-          <a:bodyPr wrap="square">
-            <a:spAutoFit/>
-          </a:bodyPr>
-          <a:lstStyle/>
-          <a:p>
-            <a:r>
-              <a:rPr lang="zh-CN" altLang="en-US" sz="2800" dirty="0"/>
-              <a:t>单个神经细胞只有两种状态：兴奋和抑制</a:t>
-            </a:r>
-          </a:p>
-        </p:txBody>
-      </p:sp>
-      <p:sp>
-        <p:nvSpPr>
-          <p:cNvPr id="8" name="矩形 7"/>
-          <p:cNvSpPr/>
-          <p:nvPr/>
-        </p:nvSpPr>
-        <p:spPr>
-          <a:xfrm>
-            <a:off x="6248400" y="512782"/>
-            <a:ext cx="2595582" cy="369332"/>
-          </a:xfrm>
-          <a:prstGeom prst="rect">
-            <a:avLst/>
-          </a:prstGeom>
-        </p:spPr>
-        <p:txBody>
-          <a:bodyPr wrap="none">
-            <a:spAutoFit/>
-          </a:bodyPr>
-          <a:lstStyle/>
-          <a:p>
-            <a:r>
-              <a:rPr lang="en-US" altLang="zh-CN" dirty="0">
-                <a:hlinkClick r:id="rId4" action="ppaction://hlinkfile"/>
-              </a:rPr>
-              <a:t>video:</a:t>
-            </a:r>
-            <a:r>
-              <a:rPr lang="zh-CN" altLang="en-US" dirty="0">
-                <a:hlinkClick r:id="rId4" action="ppaction://hlinkfile"/>
-              </a:rPr>
-              <a:t> structure of brain</a:t>
-            </a:r>
-            <a:endParaRPr lang="zh-CN" altLang="en-US" dirty="0"/>
-          </a:p>
-        </p:txBody>
-      </p:sp>
-    </p:spTree>
-    <p:extLst>
-      <p:ext uri="{BB962C8B-B14F-4D97-AF65-F5344CB8AC3E}">
-        <p14:creationId xmlns:p14="http://schemas.microsoft.com/office/powerpoint/2010/main" val="3354367713"/>
-      </p:ext>
-    </p:extLst>
-  </p:cSld>
-  <p:clrMapOvr>
-    <a:masterClrMapping/>
-  </p:clrMapOvr>
-</p:sld>
-</file>
-
-<file path=ppt/slides/slide20.xml><?xml version="1.0" encoding="utf-8"?>
-<p:sld xmlns:a="http://schemas.openxmlformats.org/drawingml/2006/main" xmlns:r="http://schemas.openxmlformats.org/officeDocument/2006/relationships" xmlns:p="http://schemas.openxmlformats.org/presentationml/2006/main">
-  <p:cSld>
-    <p:spTree>
-      <p:nvGrpSpPr>
-        <p:cNvPr id="1" name=""/>
-        <p:cNvGrpSpPr/>
-        <p:nvPr/>
-      </p:nvGrpSpPr>
-      <p:grpSpPr>
-        <a:xfrm>
-          <a:off x="0" y="0"/>
-          <a:ext cx="0" cy="0"/>
-          <a:chOff x="0" y="0"/>
-          <a:chExt cx="0" cy="0"/>
-        </a:xfrm>
-      </p:grpSpPr>
-      <p:sp>
-        <p:nvSpPr>
-          <p:cNvPr id="2" name="标题 1"/>
-          <p:cNvSpPr>
-            <a:spLocks noGrp="1"/>
-          </p:cNvSpPr>
-          <p:nvPr>
-            <p:ph type="title"/>
-          </p:nvPr>
-        </p:nvSpPr>
-        <p:spPr/>
-        <p:txBody>
-          <a:bodyPr/>
-          <a:lstStyle/>
-          <a:p>
-            <a:r>
-              <a:rPr lang="zh-CN" altLang="en-US" dirty="0"/>
               <a:t>应用到机器学习</a:t>
             </a:r>
           </a:p>
@@ -9946,6 +10231,10 @@
             <a:endParaRPr lang="en-US" altLang="zh-CN" dirty="0"/>
           </a:p>
           <a:p>
+            <a:endParaRPr lang="en-US" altLang="zh-CN" dirty="0"/>
+          </a:p>
+          <a:p>
+            <a:pPr lvl="1"/>
             <a:endParaRPr lang="en-US" altLang="zh-CN" dirty="0"/>
           </a:p>
           <a:p>
@@ -9995,7 +10284,7 @@
         </p:blipFill>
         <p:spPr>
           <a:xfrm>
-            <a:off x="2971800" y="3048000"/>
+            <a:off x="4495800" y="3048000"/>
             <a:ext cx="2620400" cy="778336"/>
           </a:xfrm>
           <a:prstGeom prst="rect">
@@ -10025,7 +10314,7 @@
         </p:blipFill>
         <p:spPr>
           <a:xfrm>
-            <a:off x="2934393" y="5174137"/>
+            <a:off x="4458394" y="5174138"/>
             <a:ext cx="2825869" cy="480999"/>
           </a:xfrm>
           <a:prstGeom prst="rect">
@@ -10046,7 +10335,7 @@
 </p:sld>
 </file>
 
-<file path=ppt/slides/slide21.xml><?xml version="1.0" encoding="utf-8"?>
+<file path=ppt/slides/slide23.xml><?xml version="1.0" encoding="utf-8"?>
 <p:sld xmlns:a="http://schemas.openxmlformats.org/drawingml/2006/main" xmlns:r="http://schemas.openxmlformats.org/officeDocument/2006/relationships" xmlns:p="http://schemas.openxmlformats.org/presentationml/2006/main">
   <p:cSld>
     <p:spTree>
@@ -10448,7 +10737,7 @@
         </p:blipFill>
         <p:spPr>
           <a:xfrm>
-            <a:off x="1981200" y="3352800"/>
+            <a:off x="3505200" y="3124200"/>
             <a:ext cx="4789840" cy="832779"/>
           </a:xfrm>
           <a:prstGeom prst="rect">
@@ -10478,7 +10767,7 @@
         </p:blipFill>
         <p:spPr>
           <a:xfrm>
-            <a:off x="3200400" y="4800600"/>
+            <a:off x="4724400" y="4800601"/>
             <a:ext cx="3040320" cy="725919"/>
           </a:xfrm>
           <a:prstGeom prst="rect">
@@ -10508,7 +10797,7 @@
         </p:blipFill>
         <p:spPr>
           <a:xfrm>
-            <a:off x="3374567" y="5563468"/>
+            <a:off x="4898568" y="5563469"/>
             <a:ext cx="2875851" cy="594697"/>
           </a:xfrm>
           <a:prstGeom prst="rect">
@@ -10529,7 +10818,7 @@
 </p:sld>
 </file>
 
-<file path=ppt/slides/slide22.xml><?xml version="1.0" encoding="utf-8"?>
+<file path=ppt/slides/slide24.xml><?xml version="1.0" encoding="utf-8"?>
 <p:sld xmlns:a="http://schemas.openxmlformats.org/drawingml/2006/main" xmlns:r="http://schemas.openxmlformats.org/officeDocument/2006/relationships" xmlns:p="http://schemas.openxmlformats.org/presentationml/2006/main">
   <p:cSld>
     <p:spTree>
@@ -10569,8 +10858,8 @@
           </a:p>
         </p:txBody>
       </p:sp>
-      <mc:AlternateContent xmlns:mc="http://schemas.openxmlformats.org/markup-compatibility/2006" xmlns:a14="http://schemas.microsoft.com/office/drawing/2010/main">
-        <mc:Choice Requires="a14">
+      <mc:AlternateContent xmlns:mc="http://schemas.openxmlformats.org/markup-compatibility/2006">
+        <mc:Choice xmlns:a14="http://schemas.microsoft.com/office/drawing/2010/main" Requires="a14">
           <p:sp>
             <p:nvSpPr>
               <p:cNvPr id="62" name="文字方塊 61"/>
@@ -10579,7 +10868,7 @@
             </p:nvSpPr>
             <p:spPr>
               <a:xfrm>
-                <a:off x="34229" y="3165979"/>
+                <a:off x="1558230" y="3165980"/>
                 <a:ext cx="1400487" cy="830997"/>
               </a:xfrm>
               <a:prstGeom prst="rect">
@@ -10620,7 +10909,7 @@
             </p:txBody>
           </p:sp>
         </mc:Choice>
-        <mc:Fallback xmlns="">
+        <mc:Fallback>
           <p:sp>
             <p:nvSpPr>
               <p:cNvPr id="62" name="文字方塊 61"/>
@@ -10631,16 +10920,16 @@
             </p:nvSpPr>
             <p:spPr>
               <a:xfrm>
-                <a:off x="34229" y="3165979"/>
+                <a:off x="1558230" y="3165980"/>
                 <a:ext cx="1400487" cy="830997"/>
               </a:xfrm>
               <a:prstGeom prst="rect">
                 <a:avLst/>
               </a:prstGeom>
-              <a:blipFill rotWithShape="0">
+              <a:blipFill>
                 <a:blip r:embed="rId4"/>
                 <a:stretch>
-                  <a:fillRect t="-5839" b="-15328"/>
+                  <a:fillRect t="-5109" b="-16058"/>
                 </a:stretch>
               </a:blipFill>
             </p:spPr>
@@ -10649,7 +10938,7 @@
               <a:lstStyle/>
               <a:p>
                 <a:r>
-                  <a:rPr lang="zh-TW" altLang="en-US">
+                  <a:rPr lang="zh-CN" altLang="en-US">
                     <a:noFill/>
                   </a:rPr>
                   <a:t> </a:t>
@@ -10667,7 +10956,7 @@
         </p:nvSpPr>
         <p:spPr>
           <a:xfrm>
-            <a:off x="5143866" y="458002"/>
+            <a:off x="6667867" y="458002"/>
             <a:ext cx="3926673" cy="523220"/>
           </a:xfrm>
           <a:prstGeom prst="rect">
@@ -10701,7 +10990,7 @@
         </p:nvCxnSpPr>
         <p:spPr>
           <a:xfrm>
-            <a:off x="526852" y="6115278"/>
+            <a:off x="2050852" y="6115278"/>
             <a:ext cx="8281104" cy="0"/>
           </a:xfrm>
           <a:prstGeom prst="straightConnector1">
@@ -10740,14 +11029,14 @@
           </p:nvPr>
         </p:nvGraphicFramePr>
         <p:xfrm>
-          <a:off x="8290382" y="6148136"/>
+          <a:off x="9814383" y="6148136"/>
           <a:ext cx="327025" cy="298450"/>
         </p:xfrm>
         <a:graphic>
           <a:graphicData uri="http://schemas.openxmlformats.org/presentationml/2006/ole">
             <mc:AlternateContent xmlns:mc="http://schemas.openxmlformats.org/markup-compatibility/2006">
               <mc:Choice xmlns:v="urn:schemas-microsoft-com:vml" Requires="v">
-                <p:oleObj spid="_x0000_s1169" name="方程式" r:id="rId5" imgW="152280" imgH="139680" progId="Equation.3">
+                <p:oleObj spid="_x0000_s1202" name="方程式" r:id="rId5" imgW="152280" imgH="139680" progId="Equation.3">
                   <p:embed/>
                 </p:oleObj>
               </mc:Choice>
@@ -10771,7 +11060,7 @@
                     </p:blipFill>
                     <p:spPr bwMode="auto">
                       <a:xfrm>
-                        <a:off x="8290382" y="6148136"/>
+                        <a:off x="9814383" y="6148136"/>
                         <a:ext cx="327025" cy="298450"/>
                       </a:xfrm>
                       <a:prstGeom prst="rect">
@@ -10795,7 +11084,7 @@
         </p:nvCxnSpPr>
         <p:spPr>
           <a:xfrm flipV="1">
-            <a:off x="1339907" y="2561642"/>
+            <a:off x="2863907" y="2561643"/>
             <a:ext cx="0" cy="3877167"/>
           </a:xfrm>
           <a:prstGeom prst="straightConnector1">
@@ -10823,8 +11112,8 @@
           </a:fontRef>
         </p:style>
       </p:cxnSp>
-      <mc:AlternateContent xmlns:mc="http://schemas.openxmlformats.org/markup-compatibility/2006" xmlns:a14="http://schemas.microsoft.com/office/drawing/2010/main">
-        <mc:Choice Requires="a14">
+      <mc:AlternateContent xmlns:mc="http://schemas.openxmlformats.org/markup-compatibility/2006">
+        <mc:Choice xmlns:a14="http://schemas.microsoft.com/office/drawing/2010/main" Requires="a14">
           <p:sp>
             <p:nvSpPr>
               <p:cNvPr id="35" name="文字方塊 34"/>
@@ -10833,7 +11122,7 @@
             </p:nvSpPr>
             <p:spPr>
               <a:xfrm>
-                <a:off x="1830777" y="2026757"/>
+                <a:off x="3354778" y="2026757"/>
                 <a:ext cx="5203253" cy="1569660"/>
               </a:xfrm>
               <a:prstGeom prst="rect">
@@ -11018,7 +11307,7 @@
             </p:txBody>
           </p:sp>
         </mc:Choice>
-        <mc:Fallback xmlns="">
+        <mc:Fallback>
           <p:sp>
             <p:nvSpPr>
               <p:cNvPr id="35" name="文字方塊 34"/>
@@ -11029,7 +11318,7 @@
             </p:nvSpPr>
             <p:spPr>
               <a:xfrm>
-                <a:off x="1830777" y="2026757"/>
+                <a:off x="3354778" y="2026757"/>
                 <a:ext cx="5203253" cy="1569660"/>
               </a:xfrm>
               <a:prstGeom prst="rect">
@@ -11065,7 +11354,7 @@
         </p:nvSpPr>
         <p:spPr>
           <a:xfrm>
-            <a:off x="994530" y="2472587"/>
+            <a:off x="2518530" y="2472588"/>
             <a:ext cx="6681626" cy="4208267"/>
           </a:xfrm>
           <a:custGeom>
@@ -11329,7 +11618,7 @@
         </p:nvSpPr>
         <p:spPr>
           <a:xfrm>
-            <a:off x="1925062" y="5950305"/>
+            <a:off x="3449063" y="5950306"/>
             <a:ext cx="191799" cy="191799"/>
           </a:xfrm>
           <a:prstGeom prst="ellipse">
@@ -11375,7 +11664,7 @@
         </p:nvCxnSpPr>
         <p:spPr>
           <a:xfrm>
-            <a:off x="1971466" y="4571187"/>
+            <a:off x="3495466" y="4571188"/>
             <a:ext cx="0" cy="1471877"/>
           </a:xfrm>
           <a:prstGeom prst="line">
@@ -11413,7 +11702,7 @@
         </p:nvCxnSpPr>
         <p:spPr>
           <a:xfrm>
-            <a:off x="1271969" y="3941036"/>
+            <a:off x="2795970" y="3941036"/>
             <a:ext cx="1591247" cy="1508056"/>
           </a:xfrm>
           <a:prstGeom prst="line">
@@ -11449,7 +11738,7 @@
         </p:nvSpPr>
         <p:spPr>
           <a:xfrm>
-            <a:off x="3535534" y="6008114"/>
+            <a:off x="5059535" y="6008115"/>
             <a:ext cx="191799" cy="191799"/>
           </a:xfrm>
           <a:prstGeom prst="ellipse">
@@ -11495,7 +11784,7 @@
         </p:nvSpPr>
         <p:spPr>
           <a:xfrm rot="5400000">
-            <a:off x="2646903" y="5028801"/>
+            <a:off x="4170903" y="5028801"/>
             <a:ext cx="312400" cy="1663274"/>
           </a:xfrm>
           <a:prstGeom prst="leftBrace">
@@ -11541,7 +11830,7 @@
         </p:nvCxnSpPr>
         <p:spPr>
           <a:xfrm>
-            <a:off x="3631433" y="5127346"/>
+            <a:off x="5155433" y="5127347"/>
             <a:ext cx="0" cy="976667"/>
           </a:xfrm>
           <a:prstGeom prst="line">
@@ -11579,7 +11868,7 @@
         </p:nvCxnSpPr>
         <p:spPr>
           <a:xfrm>
-            <a:off x="2985632" y="5019049"/>
+            <a:off x="4509633" y="5019050"/>
             <a:ext cx="1231903" cy="239227"/>
           </a:xfrm>
           <a:prstGeom prst="line">
@@ -11615,7 +11904,7 @@
         </p:nvSpPr>
         <p:spPr>
           <a:xfrm>
-            <a:off x="4595041" y="5988795"/>
+            <a:off x="6119042" y="5988796"/>
             <a:ext cx="191799" cy="191799"/>
           </a:xfrm>
           <a:prstGeom prst="ellipse">
@@ -11661,7 +11950,7 @@
         </p:nvCxnSpPr>
         <p:spPr>
           <a:xfrm>
-            <a:off x="4724400" y="5257800"/>
+            <a:off x="6248400" y="5257801"/>
             <a:ext cx="0" cy="898659"/>
           </a:xfrm>
           <a:prstGeom prst="line">
@@ -11699,7 +11988,7 @@
         </p:nvSpPr>
         <p:spPr>
           <a:xfrm rot="5400000">
-            <a:off x="3988570" y="5364414"/>
+            <a:off x="5512570" y="5364414"/>
             <a:ext cx="312400" cy="1020060"/>
           </a:xfrm>
           <a:prstGeom prst="leftBrace">
@@ -11737,8 +12026,8 @@
           </a:p>
         </p:txBody>
       </p:sp>
-      <mc:AlternateContent xmlns:mc="http://schemas.openxmlformats.org/markup-compatibility/2006" xmlns:a14="http://schemas.microsoft.com/office/drawing/2010/main">
-        <mc:Choice Requires="a14">
+      <mc:AlternateContent xmlns:mc="http://schemas.openxmlformats.org/markup-compatibility/2006">
+        <mc:Choice xmlns:a14="http://schemas.microsoft.com/office/drawing/2010/main" Requires="a14">
           <p:sp>
             <p:nvSpPr>
               <p:cNvPr id="3" name="矩形 2"/>
@@ -11747,8 +12036,8 @@
             </p:nvSpPr>
             <p:spPr>
               <a:xfrm>
-                <a:off x="5334000" y="1427052"/>
-                <a:ext cx="3265638" cy="499560"/>
+                <a:off x="6858000" y="1427052"/>
+                <a:ext cx="2959528" cy="523477"/>
               </a:xfrm>
               <a:prstGeom prst="rect">
                 <a:avLst/>
@@ -12076,7 +12365,7 @@
             </p:txBody>
           </p:sp>
         </mc:Choice>
-        <mc:Fallback xmlns="">
+        <mc:Fallback>
           <p:sp>
             <p:nvSpPr>
               <p:cNvPr id="3" name="矩形 2"/>
@@ -12087,8 +12376,8 @@
             </p:nvSpPr>
             <p:spPr>
               <a:xfrm>
-                <a:off x="5334000" y="1427052"/>
-                <a:ext cx="3265638" cy="499560"/>
+                <a:off x="6858000" y="1427052"/>
+                <a:ext cx="2959528" cy="523477"/>
               </a:xfrm>
               <a:prstGeom prst="rect">
                 <a:avLst/>
@@ -12096,7 +12385,7 @@
               <a:blipFill>
                 <a:blip r:embed="rId8"/>
                 <a:stretch>
-                  <a:fillRect l="-1493" b="-8537"/>
+                  <a:fillRect l="-1649" b="-3488"/>
                 </a:stretch>
               </a:blipFill>
             </p:spPr>
@@ -12123,7 +12412,7 @@
         </p:nvSpPr>
         <p:spPr>
           <a:xfrm rot="5400000">
-            <a:off x="5222318" y="5317796"/>
+            <a:off x="6746319" y="5317796"/>
             <a:ext cx="319651" cy="1275312"/>
           </a:xfrm>
           <a:prstGeom prst="leftBrace">
@@ -12169,7 +12458,7 @@
         </p:nvCxnSpPr>
         <p:spPr>
           <a:xfrm>
-            <a:off x="6019800" y="5909367"/>
+            <a:off x="7543800" y="5909367"/>
             <a:ext cx="0" cy="290546"/>
           </a:xfrm>
           <a:prstGeom prst="line">
@@ -12207,7 +12496,7 @@
         </p:nvSpPr>
         <p:spPr>
           <a:xfrm>
-            <a:off x="5876499" y="6046204"/>
+            <a:off x="7400500" y="6046205"/>
             <a:ext cx="191799" cy="191799"/>
           </a:xfrm>
           <a:prstGeom prst="ellipse">
@@ -12253,7 +12542,7 @@
         </p:nvCxnSpPr>
         <p:spPr>
           <a:xfrm>
-            <a:off x="4049079" y="4876008"/>
+            <a:off x="5573080" y="4876009"/>
             <a:ext cx="1361121" cy="745651"/>
           </a:xfrm>
           <a:prstGeom prst="line">
@@ -12837,7 +13126,7 @@
 </p:sld>
 </file>
 
-<file path=ppt/slides/slide23.xml><?xml version="1.0" encoding="utf-8"?>
+<file path=ppt/slides/slide25.xml><?xml version="1.0" encoding="utf-8"?>
 <p:sld xmlns:a="http://schemas.openxmlformats.org/drawingml/2006/main" xmlns:r="http://schemas.openxmlformats.org/officeDocument/2006/relationships" xmlns:p="http://schemas.openxmlformats.org/presentationml/2006/main">
   <p:cSld>
     <p:spTree>
@@ -12969,8 +13258,8 @@
           </a:p>
         </p:txBody>
       </p:sp>
-      <mc:AlternateContent xmlns:mc="http://schemas.openxmlformats.org/markup-compatibility/2006" xmlns:a14="http://schemas.microsoft.com/office/drawing/2010/main">
-        <mc:Choice Requires="a14">
+      <mc:AlternateContent xmlns:mc="http://schemas.openxmlformats.org/markup-compatibility/2006">
+        <mc:Choice xmlns:a14="http://schemas.microsoft.com/office/drawing/2010/main" Requires="a14">
           <p:sp>
             <p:nvSpPr>
               <p:cNvPr id="4" name="文本框 3"/>
@@ -12979,7 +13268,7 @@
             </p:nvSpPr>
             <p:spPr>
               <a:xfrm flipH="1">
-                <a:off x="533400" y="2362200"/>
+                <a:off x="2057401" y="2362201"/>
                 <a:ext cx="7922741" cy="677045"/>
               </a:xfrm>
               <a:prstGeom prst="rect">
@@ -12997,7 +13286,7 @@
                 <a14:m>
                   <m:oMath xmlns:m="http://schemas.openxmlformats.org/officeDocument/2006/math">
                     <m:r>
-                      <a:rPr lang="en-US" altLang="zh-CN" sz="2400" i="1" smtClean="0">
+                      <a:rPr lang="en-US" altLang="zh-CN" sz="2400" i="1">
                         <a:solidFill>
                           <a:srgbClr val="FF0000"/>
                         </a:solidFill>
@@ -13007,7 +13296,7 @@
                       <m:t>𝑦</m:t>
                     </m:r>
                     <m:r>
-                      <a:rPr lang="en-US" altLang="zh-CN" sz="2400" i="1" smtClean="0">
+                      <a:rPr lang="en-US" altLang="zh-CN" sz="2400" i="1">
                         <a:solidFill>
                           <a:srgbClr val="FF0000"/>
                         </a:solidFill>
@@ -13017,7 +13306,7 @@
                       <m:t>=</m:t>
                     </m:r>
                     <m:r>
-                      <a:rPr lang="en-US" altLang="zh-CN" sz="2400" i="1" smtClean="0">
+                      <a:rPr lang="en-US" altLang="zh-CN" sz="2400" i="1">
                         <a:solidFill>
                           <a:srgbClr val="FF0000"/>
                         </a:solidFill>
@@ -13222,7 +13511,7 @@
                     <m:f>
                       <m:fPr>
                         <m:ctrlPr>
-                          <a:rPr lang="en-US" altLang="zh-CN" sz="2400" i="1" smtClean="0">
+                          <a:rPr lang="en-US" altLang="zh-CN" sz="2400" i="1">
                             <a:solidFill>
                               <a:srgbClr val="FF0000"/>
                             </a:solidFill>
@@ -13232,7 +13521,7 @@
                       </m:fPr>
                       <m:num>
                         <m:r>
-                          <a:rPr lang="en-US" altLang="zh-CN" sz="2400" i="1" smtClean="0">
+                          <a:rPr lang="en-US" altLang="zh-CN" sz="2400" i="1">
                             <a:solidFill>
                               <a:srgbClr val="FF0000"/>
                             </a:solidFill>
@@ -13241,7 +13530,7 @@
                           <m:t>𝜕</m:t>
                         </m:r>
                         <m:r>
-                          <a:rPr lang="en-US" altLang="zh-CN" sz="2400" i="1" smtClean="0">
+                          <a:rPr lang="en-US" altLang="zh-CN" sz="2400" i="1">
                             <a:solidFill>
                               <a:srgbClr val="FF0000"/>
                             </a:solidFill>
@@ -13252,7 +13541,7 @@
                       </m:num>
                       <m:den>
                         <m:r>
-                          <a:rPr lang="en-US" altLang="zh-CN" sz="2400" i="1" smtClean="0">
+                          <a:rPr lang="en-US" altLang="zh-CN" sz="2400" i="1">
                             <a:solidFill>
                               <a:srgbClr val="FF0000"/>
                             </a:solidFill>
@@ -13261,7 +13550,7 @@
                           <m:t>𝜕</m:t>
                         </m:r>
                         <m:r>
-                          <a:rPr lang="en-US" altLang="zh-CN" sz="2400" i="1" smtClean="0">
+                          <a:rPr lang="en-US" altLang="zh-CN" sz="2400" i="1">
                             <a:solidFill>
                               <a:srgbClr val="FF0000"/>
                             </a:solidFill>
@@ -13313,7 +13602,7 @@
                           <m:t>𝑓</m:t>
                         </m:r>
                         <m:r>
-                          <a:rPr lang="en-US" altLang="zh-CN" sz="2400" b="0" i="1" baseline="30000" smtClean="0">
+                          <a:rPr lang="en-US" altLang="zh-CN" sz="2400" i="1" baseline="30000">
                             <a:solidFill>
                               <a:srgbClr val="FF0000"/>
                             </a:solidFill>
@@ -13380,7 +13669,7 @@
                           <m:t>𝑓</m:t>
                         </m:r>
                         <m:r>
-                          <a:rPr lang="en-US" altLang="zh-CN" sz="2400" b="0" i="1" baseline="30000" smtClean="0">
+                          <a:rPr lang="en-US" altLang="zh-CN" sz="2400" i="1" baseline="30000">
                             <a:solidFill>
                               <a:srgbClr val="FF0000"/>
                             </a:solidFill>
@@ -13411,7 +13700,7 @@
                           <m:t>𝑓</m:t>
                         </m:r>
                         <m:r>
-                          <a:rPr lang="en-US" altLang="zh-CN" sz="2400" b="0" i="1" baseline="30000" smtClean="0">
+                          <a:rPr lang="en-US" altLang="zh-CN" sz="2400" i="1" baseline="30000">
                             <a:solidFill>
                               <a:srgbClr val="FF0000"/>
                             </a:solidFill>
@@ -13454,7 +13743,7 @@
                           <m:t>𝑓</m:t>
                         </m:r>
                         <m:r>
-                          <a:rPr lang="en-US" altLang="zh-CN" sz="2400" b="0" i="1" baseline="30000" smtClean="0">
+                          <a:rPr lang="en-US" altLang="zh-CN" sz="2400" i="1" baseline="30000">
                             <a:solidFill>
                               <a:srgbClr val="FF0000"/>
                             </a:solidFill>
@@ -13485,7 +13774,7 @@
                           <m:t>𝑓</m:t>
                         </m:r>
                         <m:r>
-                          <a:rPr lang="en-US" altLang="zh-CN" sz="2400" b="0" i="1" baseline="30000" smtClean="0">
+                          <a:rPr lang="en-US" altLang="zh-CN" sz="2400" i="1" baseline="30000">
                             <a:solidFill>
                               <a:srgbClr val="FF0000"/>
                             </a:solidFill>
@@ -13559,7 +13848,7 @@
                           <m:t>𝑓</m:t>
                         </m:r>
                         <m:r>
-                          <a:rPr lang="en-US" altLang="zh-CN" sz="2400" b="0" i="1" baseline="30000" smtClean="0">
+                          <a:rPr lang="en-US" altLang="zh-CN" sz="2400" i="1" baseline="30000">
                             <a:solidFill>
                               <a:srgbClr val="FF0000"/>
                             </a:solidFill>
@@ -13633,7 +13922,7 @@
                           <m:t>𝑓</m:t>
                         </m:r>
                         <m:r>
-                          <a:rPr lang="en-US" altLang="zh-CN" sz="2400" b="0" i="1" baseline="30000" smtClean="0">
+                          <a:rPr lang="en-US" altLang="zh-CN" sz="2400" i="1" baseline="30000">
                             <a:solidFill>
                               <a:srgbClr val="FF0000"/>
                             </a:solidFill>
@@ -13655,7 +13944,7 @@
             </p:txBody>
           </p:sp>
         </mc:Choice>
-        <mc:Fallback xmlns="">
+        <mc:Fallback>
           <p:sp>
             <p:nvSpPr>
               <p:cNvPr id="4" name="文本框 3"/>
@@ -13666,7 +13955,7 @@
             </p:nvSpPr>
             <p:spPr>
               <a:xfrm flipH="1">
-                <a:off x="533400" y="2362200"/>
+                <a:off x="2057401" y="2362201"/>
                 <a:ext cx="7922741" cy="677045"/>
               </a:xfrm>
               <a:prstGeom prst="rect">
@@ -13945,7 +14234,387 @@
 </p:sld>
 </file>
 
-<file path=ppt/slides/slide24.xml><?xml version="1.0" encoding="utf-8"?>
+<file path=ppt/slides/slide26.xml><?xml version="1.0" encoding="utf-8"?>
+<p:sld xmlns:a="http://schemas.openxmlformats.org/drawingml/2006/main" xmlns:r="http://schemas.openxmlformats.org/officeDocument/2006/relationships" xmlns:p="http://schemas.openxmlformats.org/presentationml/2006/main">
+  <p:cSld>
+    <p:spTree>
+      <p:nvGrpSpPr>
+        <p:cNvPr id="1" name=""/>
+        <p:cNvGrpSpPr/>
+        <p:nvPr/>
+      </p:nvGrpSpPr>
+      <p:grpSpPr>
+        <a:xfrm>
+          <a:off x="0" y="0"/>
+          <a:ext cx="0" cy="0"/>
+          <a:chOff x="0" y="0"/>
+          <a:chExt cx="0" cy="0"/>
+        </a:xfrm>
+      </p:grpSpPr>
+      <p:sp>
+        <p:nvSpPr>
+          <p:cNvPr id="2" name="标题 1">
+            <a:extLst>
+              <a:ext uri="{FF2B5EF4-FFF2-40B4-BE49-F238E27FC236}">
+                <a16:creationId xmlns:a16="http://schemas.microsoft.com/office/drawing/2014/main" id="{F6A2A7D9-9485-4DEC-B5B0-9FA3898B8327}"/>
+              </a:ext>
+            </a:extLst>
+          </p:cNvPr>
+          <p:cNvSpPr>
+            <a:spLocks noGrp="1"/>
+          </p:cNvSpPr>
+          <p:nvPr>
+            <p:ph type="title"/>
+          </p:nvPr>
+        </p:nvSpPr>
+        <p:spPr/>
+        <p:txBody>
+          <a:bodyPr/>
+          <a:lstStyle/>
+          <a:p>
+            <a:r>
+              <a:rPr lang="zh-CN" altLang="en-US" dirty="0"/>
+              <a:t>矩阵微积分</a:t>
+            </a:r>
+          </a:p>
+        </p:txBody>
+      </p:sp>
+      <p:sp>
+        <p:nvSpPr>
+          <p:cNvPr id="3" name="内容占位符 2">
+            <a:extLst>
+              <a:ext uri="{FF2B5EF4-FFF2-40B4-BE49-F238E27FC236}">
+                <a16:creationId xmlns:a16="http://schemas.microsoft.com/office/drawing/2014/main" id="{93AF135C-8460-4F7B-97C2-1FF773FE217A}"/>
+              </a:ext>
+            </a:extLst>
+          </p:cNvPr>
+          <p:cNvSpPr>
+            <a:spLocks noGrp="1"/>
+          </p:cNvSpPr>
+          <p:nvPr>
+            <p:ph sz="quarter" idx="1"/>
+          </p:nvPr>
+        </p:nvSpPr>
+        <p:spPr/>
+        <p:txBody>
+          <a:bodyPr/>
+          <a:lstStyle/>
+          <a:p>
+            <a:r>
+              <a:rPr lang="zh-CN" altLang="en-US" dirty="0"/>
+              <a:t>矩阵微积分（</a:t>
+            </a:r>
+            <a:r>
+              <a:rPr lang="en-US" altLang="zh-CN" dirty="0"/>
+              <a:t>Matrix Calculus</a:t>
+            </a:r>
+            <a:r>
+              <a:rPr lang="zh-CN" altLang="en-US" dirty="0"/>
+              <a:t>）是多元微积分的一种表达方式，即使用矩阵和向量来表示因变量每个成分关于自变量每个成分的偏导数。</a:t>
+            </a:r>
+            <a:endParaRPr lang="en-US" altLang="zh-CN" dirty="0"/>
+          </a:p>
+          <a:p>
+            <a:r>
+              <a:rPr lang="zh-CN" altLang="en-US" dirty="0"/>
+              <a:t>分母布局</a:t>
+            </a:r>
+            <a:endParaRPr lang="en-US" altLang="zh-CN" dirty="0"/>
+          </a:p>
+          <a:p>
+            <a:pPr lvl="1"/>
+            <a:r>
+              <a:rPr lang="zh-CN" altLang="en-US" dirty="0"/>
+              <a:t>标量关于向量的偏导数</a:t>
+            </a:r>
+            <a:endParaRPr lang="en-US" altLang="zh-CN" dirty="0"/>
+          </a:p>
+          <a:p>
+            <a:pPr lvl="1"/>
+            <a:endParaRPr lang="en-US" altLang="zh-CN" dirty="0"/>
+          </a:p>
+          <a:p>
+            <a:pPr lvl="1"/>
+            <a:endParaRPr lang="en-US" altLang="zh-CN" dirty="0"/>
+          </a:p>
+          <a:p>
+            <a:pPr lvl="1"/>
+            <a:r>
+              <a:rPr lang="zh-CN" altLang="en-US" dirty="0"/>
+              <a:t>向量关于向量的偏导数</a:t>
+            </a:r>
+            <a:endParaRPr lang="en-US" altLang="zh-CN" dirty="0"/>
+          </a:p>
+          <a:p>
+            <a:pPr lvl="1"/>
+            <a:endParaRPr lang="en-US" altLang="zh-CN" dirty="0"/>
+          </a:p>
+          <a:p>
+            <a:pPr lvl="1"/>
+            <a:endParaRPr lang="en-US" altLang="zh-CN" dirty="0"/>
+          </a:p>
+          <a:p>
+            <a:pPr lvl="1"/>
+            <a:endParaRPr lang="en-US" altLang="zh-CN" dirty="0"/>
+          </a:p>
+          <a:p>
+            <a:pPr lvl="1"/>
+            <a:endParaRPr lang="zh-CN" altLang="en-US" dirty="0"/>
+          </a:p>
+        </p:txBody>
+      </p:sp>
+      <p:pic>
+        <p:nvPicPr>
+          <p:cNvPr id="5" name="图片 4">
+            <a:extLst>
+              <a:ext uri="{FF2B5EF4-FFF2-40B4-BE49-F238E27FC236}">
+                <a16:creationId xmlns:a16="http://schemas.microsoft.com/office/drawing/2014/main" id="{7C1E51F3-A5DE-441E-93A3-6275C63BF239}"/>
+              </a:ext>
+            </a:extLst>
+          </p:cNvPr>
+          <p:cNvPicPr>
+            <a:picLocks noChangeAspect="1"/>
+          </p:cNvPicPr>
+          <p:nvPr/>
+        </p:nvPicPr>
+        <p:blipFill>
+          <a:blip r:embed="rId2">
+            <a:extLst>
+              <a:ext uri="{28A0092B-C50C-407E-A947-70E740481C1C}">
+                <a14:useLocalDpi xmlns:a14="http://schemas.microsoft.com/office/drawing/2010/main" val="0"/>
+              </a:ext>
+            </a:extLst>
+          </a:blip>
+          <a:stretch>
+            <a:fillRect/>
+          </a:stretch>
+        </p:blipFill>
+        <p:spPr>
+          <a:xfrm>
+            <a:off x="4572000" y="3810000"/>
+            <a:ext cx="1943151" cy="549743"/>
+          </a:xfrm>
+          <a:prstGeom prst="rect">
+            <a:avLst/>
+          </a:prstGeom>
+        </p:spPr>
+      </p:pic>
+      <p:pic>
+        <p:nvPicPr>
+          <p:cNvPr id="7" name="图片 6">
+            <a:extLst>
+              <a:ext uri="{FF2B5EF4-FFF2-40B4-BE49-F238E27FC236}">
+                <a16:creationId xmlns:a16="http://schemas.microsoft.com/office/drawing/2014/main" id="{D2C6ACA0-FD0C-4600-9F0D-D3300E746FD8}"/>
+              </a:ext>
+            </a:extLst>
+          </p:cNvPr>
+          <p:cNvPicPr>
+            <a:picLocks noChangeAspect="1"/>
+          </p:cNvPicPr>
+          <p:nvPr/>
+        </p:nvPicPr>
+        <p:blipFill>
+          <a:blip r:embed="rId3">
+            <a:extLst>
+              <a:ext uri="{28A0092B-C50C-407E-A947-70E740481C1C}">
+                <a14:useLocalDpi xmlns:a14="http://schemas.microsoft.com/office/drawing/2010/main" val="0"/>
+              </a:ext>
+            </a:extLst>
+          </a:blip>
+          <a:stretch>
+            <a:fillRect/>
+          </a:stretch>
+        </p:blipFill>
+        <p:spPr>
+          <a:xfrm>
+            <a:off x="4419600" y="4942096"/>
+            <a:ext cx="3146054" cy="1393408"/>
+          </a:xfrm>
+          <a:prstGeom prst="rect">
+            <a:avLst/>
+          </a:prstGeom>
+        </p:spPr>
+      </p:pic>
+    </p:spTree>
+    <p:extLst>
+      <p:ext uri="{BB962C8B-B14F-4D97-AF65-F5344CB8AC3E}">
+        <p14:creationId xmlns:p14="http://schemas.microsoft.com/office/powerpoint/2010/main" val="2333086134"/>
+      </p:ext>
+    </p:extLst>
+  </p:cSld>
+  <p:clrMapOvr>
+    <a:masterClrMapping/>
+  </p:clrMapOvr>
+</p:sld>
+</file>
+
+<file path=ppt/slides/slide27.xml><?xml version="1.0" encoding="utf-8"?>
+<p:sld xmlns:a="http://schemas.openxmlformats.org/drawingml/2006/main" xmlns:r="http://schemas.openxmlformats.org/officeDocument/2006/relationships" xmlns:p="http://schemas.openxmlformats.org/presentationml/2006/main">
+  <p:cSld>
+    <p:spTree>
+      <p:nvGrpSpPr>
+        <p:cNvPr id="1" name=""/>
+        <p:cNvGrpSpPr/>
+        <p:nvPr/>
+      </p:nvGrpSpPr>
+      <p:grpSpPr>
+        <a:xfrm>
+          <a:off x="0" y="0"/>
+          <a:ext cx="0" cy="0"/>
+          <a:chOff x="0" y="0"/>
+          <a:chExt cx="0" cy="0"/>
+        </a:xfrm>
+      </p:grpSpPr>
+      <p:sp>
+        <p:nvSpPr>
+          <p:cNvPr id="2" name="标题 1">
+            <a:extLst>
+              <a:ext uri="{FF2B5EF4-FFF2-40B4-BE49-F238E27FC236}">
+                <a16:creationId xmlns:a16="http://schemas.microsoft.com/office/drawing/2014/main" id="{D8A4EF68-1D9A-45B1-8EF8-357A291E63EC}"/>
+              </a:ext>
+            </a:extLst>
+          </p:cNvPr>
+          <p:cNvSpPr>
+            <a:spLocks noGrp="1"/>
+          </p:cNvSpPr>
+          <p:nvPr>
+            <p:ph type="title"/>
+          </p:nvPr>
+        </p:nvSpPr>
+        <p:spPr/>
+        <p:txBody>
+          <a:bodyPr/>
+          <a:lstStyle/>
+          <a:p>
+            <a:r>
+              <a:rPr lang="zh-CN" altLang="en-US" dirty="0"/>
+              <a:t>链式法则</a:t>
+            </a:r>
+          </a:p>
+        </p:txBody>
+      </p:sp>
+      <p:sp>
+        <p:nvSpPr>
+          <p:cNvPr id="3" name="内容占位符 2">
+            <a:extLst>
+              <a:ext uri="{FF2B5EF4-FFF2-40B4-BE49-F238E27FC236}">
+                <a16:creationId xmlns:a16="http://schemas.microsoft.com/office/drawing/2014/main" id="{11299042-2D5C-40A1-84D1-9B9B344C2BB6}"/>
+              </a:ext>
+            </a:extLst>
+          </p:cNvPr>
+          <p:cNvSpPr>
+            <a:spLocks noGrp="1"/>
+          </p:cNvSpPr>
+          <p:nvPr>
+            <p:ph sz="quarter" idx="1"/>
+          </p:nvPr>
+        </p:nvSpPr>
+        <p:spPr/>
+        <p:txBody>
+          <a:bodyPr/>
+          <a:lstStyle/>
+          <a:p>
+            <a:r>
+              <a:rPr lang="zh-CN" altLang="en-US" dirty="0"/>
+              <a:t>链式法则（</a:t>
+            </a:r>
+            <a:r>
+              <a:rPr lang="en-US" altLang="zh-CN" dirty="0"/>
+              <a:t>Chain Rule</a:t>
+            </a:r>
+            <a:r>
+              <a:rPr lang="zh-CN" altLang="en-US" dirty="0"/>
+              <a:t>）是在微积分中求复合函数导数的一种常用方法。</a:t>
+            </a:r>
+          </a:p>
+        </p:txBody>
+      </p:sp>
+      <p:pic>
+        <p:nvPicPr>
+          <p:cNvPr id="5" name="图片 4">
+            <a:extLst>
+              <a:ext uri="{FF2B5EF4-FFF2-40B4-BE49-F238E27FC236}">
+                <a16:creationId xmlns:a16="http://schemas.microsoft.com/office/drawing/2014/main" id="{EAFCD164-26E6-4520-BE21-E975FC5EE400}"/>
+              </a:ext>
+            </a:extLst>
+          </p:cNvPr>
+          <p:cNvPicPr>
+            <a:picLocks noChangeAspect="1"/>
+          </p:cNvPicPr>
+          <p:nvPr/>
+        </p:nvPicPr>
+        <p:blipFill>
+          <a:blip r:embed="rId2">
+            <a:extLst>
+              <a:ext uri="{28A0092B-C50C-407E-A947-70E740481C1C}">
+                <a14:useLocalDpi xmlns:a14="http://schemas.microsoft.com/office/drawing/2010/main" val="0"/>
+              </a:ext>
+            </a:extLst>
+          </a:blip>
+          <a:stretch>
+            <a:fillRect/>
+          </a:stretch>
+        </p:blipFill>
+        <p:spPr>
+          <a:xfrm>
+            <a:off x="1325573" y="2362200"/>
+            <a:ext cx="4766552" cy="1219200"/>
+          </a:xfrm>
+          <a:prstGeom prst="rect">
+            <a:avLst/>
+          </a:prstGeom>
+        </p:spPr>
+      </p:pic>
+      <p:pic>
+        <p:nvPicPr>
+          <p:cNvPr id="7" name="图片 6">
+            <a:extLst>
+              <a:ext uri="{FF2B5EF4-FFF2-40B4-BE49-F238E27FC236}">
+                <a16:creationId xmlns:a16="http://schemas.microsoft.com/office/drawing/2014/main" id="{A9682330-F571-44BE-AFE6-A12D31CA435B}"/>
+              </a:ext>
+            </a:extLst>
+          </p:cNvPr>
+          <p:cNvPicPr>
+            <a:picLocks noChangeAspect="1"/>
+          </p:cNvPicPr>
+          <p:nvPr/>
+        </p:nvPicPr>
+        <p:blipFill>
+          <a:blip r:embed="rId3">
+            <a:extLst>
+              <a:ext uri="{28A0092B-C50C-407E-A947-70E740481C1C}">
+                <a14:useLocalDpi xmlns:a14="http://schemas.microsoft.com/office/drawing/2010/main" val="0"/>
+              </a:ext>
+            </a:extLst>
+          </a:blip>
+          <a:stretch>
+            <a:fillRect/>
+          </a:stretch>
+        </p:blipFill>
+        <p:spPr>
+          <a:xfrm>
+            <a:off x="1325573" y="3688080"/>
+            <a:ext cx="4915029" cy="2569096"/>
+          </a:xfrm>
+          <a:prstGeom prst="rect">
+            <a:avLst/>
+          </a:prstGeom>
+        </p:spPr>
+      </p:pic>
+    </p:spTree>
+    <p:extLst>
+      <p:ext uri="{BB962C8B-B14F-4D97-AF65-F5344CB8AC3E}">
+        <p14:creationId xmlns:p14="http://schemas.microsoft.com/office/powerpoint/2010/main" val="1955528350"/>
+      </p:ext>
+    </p:extLst>
+  </p:cSld>
+  <p:clrMapOvr>
+    <a:masterClrMapping/>
+  </p:clrMapOvr>
+</p:sld>
+</file>
+
+<file path=ppt/slides/slide28.xml><?xml version="1.0" encoding="utf-8"?>
 <p:sld xmlns:a="http://schemas.openxmlformats.org/drawingml/2006/main" xmlns:r="http://schemas.openxmlformats.org/officeDocument/2006/relationships" xmlns:p="http://schemas.openxmlformats.org/presentationml/2006/main">
   <p:cSld>
     <p:spTree>
@@ -14018,7 +14687,7 @@
         </p:blipFill>
         <p:spPr>
           <a:xfrm>
-            <a:off x="609600" y="2626753"/>
+            <a:off x="2133601" y="2626754"/>
             <a:ext cx="2981579" cy="1604493"/>
           </a:xfrm>
           <a:prstGeom prst="rect">
@@ -14054,7 +14723,7 @@
         </p:blipFill>
         <p:spPr>
           <a:xfrm>
-            <a:off x="4572000" y="623675"/>
+            <a:off x="6096000" y="623676"/>
             <a:ext cx="4199022" cy="2459427"/>
           </a:xfrm>
           <a:prstGeom prst="rect">
@@ -14078,7 +14747,7 @@
         </p:nvCxnSpPr>
         <p:spPr>
           <a:xfrm flipV="1">
-            <a:off x="2362200" y="1411922"/>
+            <a:off x="3886200" y="1411923"/>
             <a:ext cx="2057400" cy="1214831"/>
           </a:xfrm>
           <a:prstGeom prst="straightConnector1">
@@ -14119,7 +14788,7 @@
         </p:nvCxnSpPr>
         <p:spPr>
           <a:xfrm>
-            <a:off x="2286000" y="4343399"/>
+            <a:off x="3810000" y="4343399"/>
             <a:ext cx="1676400" cy="1223644"/>
           </a:xfrm>
           <a:prstGeom prst="straightConnector1">
@@ -14172,7 +14841,7 @@
         </p:blipFill>
         <p:spPr>
           <a:xfrm>
-            <a:off x="4664895" y="5257910"/>
+            <a:off x="6188896" y="5257910"/>
             <a:ext cx="3327933" cy="831984"/>
           </a:xfrm>
           <a:prstGeom prst="rect">
@@ -14208,7 +14877,7 @@
         </p:blipFill>
         <p:spPr>
           <a:xfrm>
-            <a:off x="4422464" y="3733800"/>
+            <a:off x="5946464" y="3733801"/>
             <a:ext cx="3812796" cy="831983"/>
           </a:xfrm>
           <a:prstGeom prst="rect">
@@ -14244,7 +14913,7 @@
         </p:blipFill>
         <p:spPr>
           <a:xfrm>
-            <a:off x="228600" y="1254289"/>
+            <a:off x="1752601" y="1254289"/>
             <a:ext cx="3242499" cy="599100"/>
           </a:xfrm>
           <a:prstGeom prst="rect">
@@ -14273,7 +14942,7 @@
         </p:nvCxnSpPr>
         <p:spPr>
           <a:xfrm>
-            <a:off x="3591179" y="3429000"/>
+            <a:off x="5115180" y="3429000"/>
             <a:ext cx="980821" cy="457200"/>
           </a:xfrm>
           <a:prstGeom prst="straightConnector1">
@@ -14298,6 +14967,45 @@
           </a:fontRef>
         </p:style>
       </p:cxnSp>
+      <p:sp>
+        <p:nvSpPr>
+          <p:cNvPr id="3" name="文本框 2">
+            <a:extLst>
+              <a:ext uri="{FF2B5EF4-FFF2-40B4-BE49-F238E27FC236}">
+                <a16:creationId xmlns:a16="http://schemas.microsoft.com/office/drawing/2014/main" id="{AC831AE6-B8F3-4C57-B60B-42EBFBF6EB8B}"/>
+              </a:ext>
+            </a:extLst>
+          </p:cNvPr>
+          <p:cNvSpPr txBox="1"/>
+          <p:nvPr/>
+        </p:nvSpPr>
+        <p:spPr>
+          <a:xfrm>
+            <a:off x="10151962" y="3965126"/>
+            <a:ext cx="877163" cy="369332"/>
+          </a:xfrm>
+          <a:prstGeom prst="rect">
+            <a:avLst/>
+          </a:prstGeom>
+          <a:noFill/>
+        </p:spPr>
+        <p:txBody>
+          <a:bodyPr wrap="none" rtlCol="0">
+            <a:spAutoFit/>
+          </a:bodyPr>
+          <a:lstStyle/>
+          <a:p>
+            <a:r>
+              <a:rPr lang="zh-CN" altLang="en-US" dirty="0">
+                <a:solidFill>
+                  <a:srgbClr val="FF0000"/>
+                </a:solidFill>
+              </a:rPr>
+              <a:t>误差项</a:t>
+            </a:r>
+          </a:p>
+        </p:txBody>
+      </p:sp>
     </p:spTree>
     <p:extLst>
       <p:ext uri="{BB962C8B-B14F-4D97-AF65-F5344CB8AC3E}">
@@ -14311,7 +15019,7 @@
 </p:sld>
 </file>
 
-<file path=ppt/slides/slide25.xml><?xml version="1.0" encoding="utf-8"?>
+<file path=ppt/slides/slide29.xml><?xml version="1.0" encoding="utf-8"?>
 <p:sld xmlns:a="http://schemas.openxmlformats.org/drawingml/2006/main" xmlns:r="http://schemas.openxmlformats.org/officeDocument/2006/relationships" xmlns:p="http://schemas.openxmlformats.org/presentationml/2006/main">
   <p:cSld>
     <p:spTree>
@@ -14328,40 +15036,12 @@
           <a:chExt cx="0" cy="0"/>
         </a:xfrm>
       </p:grpSpPr>
-      <p:sp>
-        <p:nvSpPr>
-          <p:cNvPr id="2" name="标题 1">
+      <p:pic>
+        <p:nvPicPr>
+          <p:cNvPr id="24" name="图片 23">
             <a:extLst>
               <a:ext uri="{FF2B5EF4-FFF2-40B4-BE49-F238E27FC236}">
-                <a16:creationId xmlns:a16="http://schemas.microsoft.com/office/drawing/2014/main" id="{AA2C6771-FF8F-4CB7-A0B6-B8A82DCB9CE8}"/>
-              </a:ext>
-            </a:extLst>
-          </p:cNvPr>
-          <p:cNvSpPr>
-            <a:spLocks noGrp="1"/>
-          </p:cNvSpPr>
-          <p:nvPr>
-            <p:ph type="title"/>
-          </p:nvPr>
-        </p:nvSpPr>
-        <p:spPr/>
-        <p:txBody>
-          <a:bodyPr/>
-          <a:lstStyle/>
-          <a:p>
-            <a:r>
-              <a:rPr lang="zh-CN" altLang="en-US" dirty="0"/>
-              <a:t>反向传播算法</a:t>
-            </a:r>
-          </a:p>
-        </p:txBody>
-      </p:sp>
-      <p:pic>
-        <p:nvPicPr>
-          <p:cNvPr id="17" name="图片 16">
-            <a:extLst>
-              <a:ext uri="{FF2B5EF4-FFF2-40B4-BE49-F238E27FC236}">
-                <a16:creationId xmlns:a16="http://schemas.microsoft.com/office/drawing/2014/main" id="{DB9464B5-AD85-470B-9C89-7A565A650457}"/>
+                <a16:creationId xmlns:a16="http://schemas.microsoft.com/office/drawing/2014/main" id="{322A38A1-E6D2-406C-9379-DF865F3CAFF2}"/>
               </a:ext>
             </a:extLst>
           </p:cNvPr>
@@ -14384,8 +15064,72 @@
         </p:blipFill>
         <p:spPr>
           <a:xfrm>
-            <a:off x="3810000" y="296149"/>
-            <a:ext cx="3812796" cy="831983"/>
+            <a:off x="3438900" y="3539013"/>
+            <a:ext cx="4803396" cy="2598704"/>
+          </a:xfrm>
+          <a:prstGeom prst="rect">
+            <a:avLst/>
+          </a:prstGeom>
+        </p:spPr>
+      </p:pic>
+      <p:sp>
+        <p:nvSpPr>
+          <p:cNvPr id="2" name="标题 1">
+            <a:extLst>
+              <a:ext uri="{FF2B5EF4-FFF2-40B4-BE49-F238E27FC236}">
+                <a16:creationId xmlns:a16="http://schemas.microsoft.com/office/drawing/2014/main" id="{AA2C6771-FF8F-4CB7-A0B6-B8A82DCB9CE8}"/>
+              </a:ext>
+            </a:extLst>
+          </p:cNvPr>
+          <p:cNvSpPr>
+            <a:spLocks noGrp="1"/>
+          </p:cNvSpPr>
+          <p:nvPr>
+            <p:ph type="title"/>
+          </p:nvPr>
+        </p:nvSpPr>
+        <p:spPr/>
+        <p:txBody>
+          <a:bodyPr/>
+          <a:lstStyle/>
+          <a:p>
+            <a:r>
+              <a:rPr lang="zh-CN" altLang="en-US" dirty="0"/>
+              <a:t>计算</a:t>
+            </a:r>
+          </a:p>
+        </p:txBody>
+      </p:sp>
+      <p:pic>
+        <p:nvPicPr>
+          <p:cNvPr id="17" name="图片 16">
+            <a:extLst>
+              <a:ext uri="{FF2B5EF4-FFF2-40B4-BE49-F238E27FC236}">
+                <a16:creationId xmlns:a16="http://schemas.microsoft.com/office/drawing/2014/main" id="{DB9464B5-AD85-470B-9C89-7A565A650457}"/>
+              </a:ext>
+            </a:extLst>
+          </p:cNvPr>
+          <p:cNvPicPr>
+            <a:picLocks noChangeAspect="1"/>
+          </p:cNvPicPr>
+          <p:nvPr/>
+        </p:nvPicPr>
+        <p:blipFill>
+          <a:blip r:embed="rId3">
+            <a:extLst>
+              <a:ext uri="{28A0092B-C50C-407E-A947-70E740481C1C}">
+                <a14:useLocalDpi xmlns:a14="http://schemas.microsoft.com/office/drawing/2010/main" val="0"/>
+              </a:ext>
+            </a:extLst>
+          </a:blip>
+          <a:stretch>
+            <a:fillRect/>
+          </a:stretch>
+        </p:blipFill>
+        <p:spPr>
+          <a:xfrm>
+            <a:off x="1633530" y="376136"/>
+            <a:ext cx="3200400" cy="698353"/>
           </a:xfrm>
           <a:prstGeom prst="rect">
             <a:avLst/>
@@ -14403,13 +15147,14 @@
           </p:cNvPr>
           <p:cNvCxnSpPr>
             <a:cxnSpLocks/>
+            <a:endCxn id="12" idx="2"/>
           </p:cNvCxnSpPr>
           <p:nvPr/>
         </p:nvCxnSpPr>
         <p:spPr>
-          <a:xfrm>
-            <a:off x="4453657" y="1640330"/>
-            <a:ext cx="593405" cy="0"/>
+          <a:xfrm flipH="1" flipV="1">
+            <a:off x="2078510" y="4075396"/>
+            <a:ext cx="2097786" cy="420406"/>
           </a:xfrm>
           <a:prstGeom prst="straightConnector1">
             <a:avLst/>
@@ -14448,7 +15193,7 @@
           <p:nvPr/>
         </p:nvPicPr>
         <p:blipFill>
-          <a:blip r:embed="rId3">
+          <a:blip r:embed="rId4">
             <a:extLst>
               <a:ext uri="{28A0092B-C50C-407E-A947-70E740481C1C}">
                 <a14:useLocalDpi xmlns:a14="http://schemas.microsoft.com/office/drawing/2010/main" val="0"/>
@@ -14461,7 +15206,7 @@
         </p:blipFill>
         <p:spPr>
           <a:xfrm>
-            <a:off x="546716" y="1401538"/>
+            <a:off x="3839206" y="1884146"/>
             <a:ext cx="3728248" cy="477585"/>
           </a:xfrm>
           <a:prstGeom prst="rect">
@@ -14484,7 +15229,7 @@
           <p:nvPr/>
         </p:nvPicPr>
         <p:blipFill>
-          <a:blip r:embed="rId4">
+          <a:blip r:embed="rId5">
             <a:extLst>
               <a:ext uri="{28A0092B-C50C-407E-A947-70E740481C1C}">
                 <a14:useLocalDpi xmlns:a14="http://schemas.microsoft.com/office/drawing/2010/main" val="0"/>
@@ -14497,7 +15242,7 @@
         </p:blipFill>
         <p:spPr>
           <a:xfrm>
-            <a:off x="546716" y="2178719"/>
+            <a:off x="3839206" y="1176813"/>
             <a:ext cx="1919706" cy="609600"/>
           </a:xfrm>
           <a:prstGeom prst="rect">
@@ -14520,7 +15265,7 @@
           <p:nvPr/>
         </p:nvPicPr>
         <p:blipFill>
-          <a:blip r:embed="rId5">
+          <a:blip r:embed="rId6">
             <a:extLst>
               <a:ext uri="{28A0092B-C50C-407E-A947-70E740481C1C}">
                 <a14:useLocalDpi xmlns:a14="http://schemas.microsoft.com/office/drawing/2010/main" val="0"/>
@@ -14533,8 +15278,8 @@
         </p:blipFill>
         <p:spPr>
           <a:xfrm>
-            <a:off x="5562600" y="1219200"/>
-            <a:ext cx="2949907" cy="990600"/>
+            <a:off x="914400" y="3293563"/>
+            <a:ext cx="2328220" cy="781833"/>
           </a:xfrm>
           <a:prstGeom prst="rect">
             <a:avLst/>
@@ -14556,7 +15301,7 @@
           <p:nvPr/>
         </p:nvPicPr>
         <p:blipFill>
-          <a:blip r:embed="rId6">
+          <a:blip r:embed="rId7">
             <a:extLst>
               <a:ext uri="{28A0092B-C50C-407E-A947-70E740481C1C}">
                 <a14:useLocalDpi xmlns:a14="http://schemas.microsoft.com/office/drawing/2010/main" val="0"/>
@@ -14569,7 +15314,7 @@
         </p:blipFill>
         <p:spPr>
           <a:xfrm>
-            <a:off x="4453657" y="2178719"/>
+            <a:off x="7642555" y="2592222"/>
             <a:ext cx="2917170" cy="1402681"/>
           </a:xfrm>
           <a:prstGeom prst="rect">
@@ -14592,9 +15337,9 @@
           <p:nvPr/>
         </p:nvCxnSpPr>
         <p:spPr>
-          <a:xfrm>
-            <a:off x="3200400" y="2495940"/>
-            <a:ext cx="513162" cy="0"/>
+          <a:xfrm flipV="1">
+            <a:off x="5791200" y="3124200"/>
+            <a:ext cx="1752600" cy="1180410"/>
           </a:xfrm>
           <a:prstGeom prst="straightConnector1">
             <a:avLst/>
@@ -14618,42 +15363,6 @@
           </a:fontRef>
         </p:style>
       </p:cxnSp>
-      <p:pic>
-        <p:nvPicPr>
-          <p:cNvPr id="24" name="图片 23">
-            <a:extLst>
-              <a:ext uri="{FF2B5EF4-FFF2-40B4-BE49-F238E27FC236}">
-                <a16:creationId xmlns:a16="http://schemas.microsoft.com/office/drawing/2014/main" id="{322A38A1-E6D2-406C-9379-DF865F3CAFF2}"/>
-              </a:ext>
-            </a:extLst>
-          </p:cNvPr>
-          <p:cNvPicPr>
-            <a:picLocks noChangeAspect="1"/>
-          </p:cNvPicPr>
-          <p:nvPr/>
-        </p:nvPicPr>
-        <p:blipFill>
-          <a:blip r:embed="rId7">
-            <a:extLst>
-              <a:ext uri="{28A0092B-C50C-407E-A947-70E740481C1C}">
-                <a14:useLocalDpi xmlns:a14="http://schemas.microsoft.com/office/drawing/2010/main" val="0"/>
-              </a:ext>
-            </a:extLst>
-          </a:blip>
-          <a:stretch>
-            <a:fillRect/>
-          </a:stretch>
-        </p:blipFill>
-        <p:spPr>
-          <a:xfrm>
-            <a:off x="2156820" y="3352800"/>
-            <a:ext cx="5465976" cy="2957169"/>
-          </a:xfrm>
-          <a:prstGeom prst="rect">
-            <a:avLst/>
-          </a:prstGeom>
-        </p:spPr>
-      </p:pic>
     </p:spTree>
     <p:extLst>
       <p:ext uri="{BB962C8B-B14F-4D97-AF65-F5344CB8AC3E}">
@@ -14664,10 +15373,542 @@
   <p:clrMapOvr>
     <a:masterClrMapping/>
   </p:clrMapOvr>
+  <p:timing>
+    <p:tnLst>
+      <p:par>
+        <p:cTn id="1" dur="indefinite" restart="never" nodeType="tmRoot">
+          <p:childTnLst>
+            <p:seq concurrent="1" nextAc="seek">
+              <p:cTn id="2" dur="indefinite" nodeType="mainSeq">
+                <p:childTnLst>
+                  <p:par>
+                    <p:cTn id="3" fill="hold">
+                      <p:stCondLst>
+                        <p:cond delay="indefinite"/>
+                      </p:stCondLst>
+                      <p:childTnLst>
+                        <p:par>
+                          <p:cTn id="4" fill="hold">
+                            <p:stCondLst>
+                              <p:cond delay="0"/>
+                            </p:stCondLst>
+                            <p:childTnLst>
+                              <p:par>
+                                <p:cTn id="5" presetID="10" presetClass="entr" presetSubtype="0" fill="hold" nodeType="clickEffect">
+                                  <p:stCondLst>
+                                    <p:cond delay="0"/>
+                                  </p:stCondLst>
+                                  <p:childTnLst>
+                                    <p:set>
+                                      <p:cBhvr>
+                                        <p:cTn id="6" dur="1" fill="hold">
+                                          <p:stCondLst>
+                                            <p:cond delay="0"/>
+                                          </p:stCondLst>
+                                        </p:cTn>
+                                        <p:tgtEl>
+                                          <p:spTgt spid="5"/>
+                                        </p:tgtEl>
+                                        <p:attrNameLst>
+                                          <p:attrName>style.visibility</p:attrName>
+                                        </p:attrNameLst>
+                                      </p:cBhvr>
+                                      <p:to>
+                                        <p:strVal val="visible"/>
+                                      </p:to>
+                                    </p:set>
+                                    <p:animEffect transition="in" filter="fade">
+                                      <p:cBhvr>
+                                        <p:cTn id="7" dur="500"/>
+                                        <p:tgtEl>
+                                          <p:spTgt spid="5"/>
+                                        </p:tgtEl>
+                                      </p:cBhvr>
+                                    </p:animEffect>
+                                  </p:childTnLst>
+                                </p:cTn>
+                              </p:par>
+                              <p:par>
+                                <p:cTn id="8" presetID="10" presetClass="entr" presetSubtype="0" fill="hold" nodeType="withEffect">
+                                  <p:stCondLst>
+                                    <p:cond delay="0"/>
+                                  </p:stCondLst>
+                                  <p:childTnLst>
+                                    <p:set>
+                                      <p:cBhvr>
+                                        <p:cTn id="9" dur="1" fill="hold">
+                                          <p:stCondLst>
+                                            <p:cond delay="0"/>
+                                          </p:stCondLst>
+                                        </p:cTn>
+                                        <p:tgtEl>
+                                          <p:spTgt spid="10"/>
+                                        </p:tgtEl>
+                                        <p:attrNameLst>
+                                          <p:attrName>style.visibility</p:attrName>
+                                        </p:attrNameLst>
+                                      </p:cBhvr>
+                                      <p:to>
+                                        <p:strVal val="visible"/>
+                                      </p:to>
+                                    </p:set>
+                                    <p:animEffect transition="in" filter="fade">
+                                      <p:cBhvr>
+                                        <p:cTn id="10" dur="500"/>
+                                        <p:tgtEl>
+                                          <p:spTgt spid="10"/>
+                                        </p:tgtEl>
+                                      </p:cBhvr>
+                                    </p:animEffect>
+                                  </p:childTnLst>
+                                </p:cTn>
+                              </p:par>
+                            </p:childTnLst>
+                          </p:cTn>
+                        </p:par>
+                      </p:childTnLst>
+                    </p:cTn>
+                  </p:par>
+                  <p:par>
+                    <p:cTn id="11" fill="hold">
+                      <p:stCondLst>
+                        <p:cond delay="indefinite"/>
+                      </p:stCondLst>
+                      <p:childTnLst>
+                        <p:par>
+                          <p:cTn id="12" fill="hold">
+                            <p:stCondLst>
+                              <p:cond delay="0"/>
+                            </p:stCondLst>
+                            <p:childTnLst>
+                              <p:par>
+                                <p:cTn id="13" presetID="10" presetClass="entr" presetSubtype="0" fill="hold" nodeType="clickEffect">
+                                  <p:stCondLst>
+                                    <p:cond delay="0"/>
+                                  </p:stCondLst>
+                                  <p:childTnLst>
+                                    <p:set>
+                                      <p:cBhvr>
+                                        <p:cTn id="14" dur="1" fill="hold">
+                                          <p:stCondLst>
+                                            <p:cond delay="0"/>
+                                          </p:stCondLst>
+                                        </p:cTn>
+                                        <p:tgtEl>
+                                          <p:spTgt spid="24"/>
+                                        </p:tgtEl>
+                                        <p:attrNameLst>
+                                          <p:attrName>style.visibility</p:attrName>
+                                        </p:attrNameLst>
+                                      </p:cBhvr>
+                                      <p:to>
+                                        <p:strVal val="visible"/>
+                                      </p:to>
+                                    </p:set>
+                                    <p:animEffect transition="in" filter="fade">
+                                      <p:cBhvr>
+                                        <p:cTn id="15" dur="500"/>
+                                        <p:tgtEl>
+                                          <p:spTgt spid="24"/>
+                                        </p:tgtEl>
+                                      </p:cBhvr>
+                                    </p:animEffect>
+                                  </p:childTnLst>
+                                </p:cTn>
+                              </p:par>
+                            </p:childTnLst>
+                          </p:cTn>
+                        </p:par>
+                      </p:childTnLst>
+                    </p:cTn>
+                  </p:par>
+                  <p:par>
+                    <p:cTn id="16" fill="hold">
+                      <p:stCondLst>
+                        <p:cond delay="indefinite"/>
+                      </p:stCondLst>
+                      <p:childTnLst>
+                        <p:par>
+                          <p:cTn id="17" fill="hold">
+                            <p:stCondLst>
+                              <p:cond delay="0"/>
+                            </p:stCondLst>
+                            <p:childTnLst>
+                              <p:par>
+                                <p:cTn id="18" presetID="10" presetClass="entr" presetSubtype="0" fill="hold" nodeType="clickEffect">
+                                  <p:stCondLst>
+                                    <p:cond delay="0"/>
+                                  </p:stCondLst>
+                                  <p:childTnLst>
+                                    <p:set>
+                                      <p:cBhvr>
+                                        <p:cTn id="19" dur="1" fill="hold">
+                                          <p:stCondLst>
+                                            <p:cond delay="0"/>
+                                          </p:stCondLst>
+                                        </p:cTn>
+                                        <p:tgtEl>
+                                          <p:spTgt spid="12"/>
+                                        </p:tgtEl>
+                                        <p:attrNameLst>
+                                          <p:attrName>style.visibility</p:attrName>
+                                        </p:attrNameLst>
+                                      </p:cBhvr>
+                                      <p:to>
+                                        <p:strVal val="visible"/>
+                                      </p:to>
+                                    </p:set>
+                                    <p:animEffect transition="in" filter="fade">
+                                      <p:cBhvr>
+                                        <p:cTn id="20" dur="500"/>
+                                        <p:tgtEl>
+                                          <p:spTgt spid="12"/>
+                                        </p:tgtEl>
+                                      </p:cBhvr>
+                                    </p:animEffect>
+                                  </p:childTnLst>
+                                </p:cTn>
+                              </p:par>
+                              <p:par>
+                                <p:cTn id="21" presetID="10" presetClass="entr" presetSubtype="0" fill="hold" nodeType="withEffect">
+                                  <p:stCondLst>
+                                    <p:cond delay="0"/>
+                                  </p:stCondLst>
+                                  <p:childTnLst>
+                                    <p:set>
+                                      <p:cBhvr>
+                                        <p:cTn id="22" dur="1" fill="hold">
+                                          <p:stCondLst>
+                                            <p:cond delay="0"/>
+                                          </p:stCondLst>
+                                        </p:cTn>
+                                        <p:tgtEl>
+                                          <p:spTgt spid="22"/>
+                                        </p:tgtEl>
+                                        <p:attrNameLst>
+                                          <p:attrName>style.visibility</p:attrName>
+                                        </p:attrNameLst>
+                                      </p:cBhvr>
+                                      <p:to>
+                                        <p:strVal val="visible"/>
+                                      </p:to>
+                                    </p:set>
+                                    <p:animEffect transition="in" filter="fade">
+                                      <p:cBhvr>
+                                        <p:cTn id="23" dur="500"/>
+                                        <p:tgtEl>
+                                          <p:spTgt spid="22"/>
+                                        </p:tgtEl>
+                                      </p:cBhvr>
+                                    </p:animEffect>
+                                  </p:childTnLst>
+                                </p:cTn>
+                              </p:par>
+                            </p:childTnLst>
+                          </p:cTn>
+                        </p:par>
+                      </p:childTnLst>
+                    </p:cTn>
+                  </p:par>
+                  <p:par>
+                    <p:cTn id="24" fill="hold">
+                      <p:stCondLst>
+                        <p:cond delay="indefinite"/>
+                      </p:stCondLst>
+                      <p:childTnLst>
+                        <p:par>
+                          <p:cTn id="25" fill="hold">
+                            <p:stCondLst>
+                              <p:cond delay="0"/>
+                            </p:stCondLst>
+                            <p:childTnLst>
+                              <p:par>
+                                <p:cTn id="26" presetID="10" presetClass="entr" presetSubtype="0" fill="hold" nodeType="clickEffect">
+                                  <p:stCondLst>
+                                    <p:cond delay="0"/>
+                                  </p:stCondLst>
+                                  <p:childTnLst>
+                                    <p:set>
+                                      <p:cBhvr>
+                                        <p:cTn id="27" dur="1" fill="hold">
+                                          <p:stCondLst>
+                                            <p:cond delay="0"/>
+                                          </p:stCondLst>
+                                        </p:cTn>
+                                        <p:tgtEl>
+                                          <p:spTgt spid="15"/>
+                                        </p:tgtEl>
+                                        <p:attrNameLst>
+                                          <p:attrName>style.visibility</p:attrName>
+                                        </p:attrNameLst>
+                                      </p:cBhvr>
+                                      <p:to>
+                                        <p:strVal val="visible"/>
+                                      </p:to>
+                                    </p:set>
+                                    <p:animEffect transition="in" filter="fade">
+                                      <p:cBhvr>
+                                        <p:cTn id="28" dur="500"/>
+                                        <p:tgtEl>
+                                          <p:spTgt spid="15"/>
+                                        </p:tgtEl>
+                                      </p:cBhvr>
+                                    </p:animEffect>
+                                  </p:childTnLst>
+                                </p:cTn>
+                              </p:par>
+                              <p:par>
+                                <p:cTn id="29" presetID="10" presetClass="entr" presetSubtype="0" fill="hold" nodeType="withEffect">
+                                  <p:stCondLst>
+                                    <p:cond delay="0"/>
+                                  </p:stCondLst>
+                                  <p:childTnLst>
+                                    <p:set>
+                                      <p:cBhvr>
+                                        <p:cTn id="30" dur="1" fill="hold">
+                                          <p:stCondLst>
+                                            <p:cond delay="0"/>
+                                          </p:stCondLst>
+                                        </p:cTn>
+                                        <p:tgtEl>
+                                          <p:spTgt spid="21"/>
+                                        </p:tgtEl>
+                                        <p:attrNameLst>
+                                          <p:attrName>style.visibility</p:attrName>
+                                        </p:attrNameLst>
+                                      </p:cBhvr>
+                                      <p:to>
+                                        <p:strVal val="visible"/>
+                                      </p:to>
+                                    </p:set>
+                                    <p:animEffect transition="in" filter="fade">
+                                      <p:cBhvr>
+                                        <p:cTn id="31" dur="500"/>
+                                        <p:tgtEl>
+                                          <p:spTgt spid="21"/>
+                                        </p:tgtEl>
+                                      </p:cBhvr>
+                                    </p:animEffect>
+                                  </p:childTnLst>
+                                </p:cTn>
+                              </p:par>
+                            </p:childTnLst>
+                          </p:cTn>
+                        </p:par>
+                      </p:childTnLst>
+                    </p:cTn>
+                  </p:par>
+                </p:childTnLst>
+              </p:cTn>
+              <p:prevCondLst>
+                <p:cond evt="onPrev" delay="0">
+                  <p:tgtEl>
+                    <p:sldTgt/>
+                  </p:tgtEl>
+                </p:cond>
+              </p:prevCondLst>
+              <p:nextCondLst>
+                <p:cond evt="onNext" delay="0">
+                  <p:tgtEl>
+                    <p:sldTgt/>
+                  </p:tgtEl>
+                </p:cond>
+              </p:nextCondLst>
+            </p:seq>
+          </p:childTnLst>
+        </p:cTn>
+      </p:par>
+    </p:tnLst>
+  </p:timing>
 </p:sld>
 </file>
 
-<file path=ppt/slides/slide26.xml><?xml version="1.0" encoding="utf-8"?>
+<file path=ppt/slides/slide3.xml><?xml version="1.0" encoding="utf-8"?>
+<p:sld xmlns:a="http://schemas.openxmlformats.org/drawingml/2006/main" xmlns:r="http://schemas.openxmlformats.org/officeDocument/2006/relationships" xmlns:p="http://schemas.openxmlformats.org/presentationml/2006/main">
+  <p:cSld>
+    <p:spTree>
+      <p:nvGrpSpPr>
+        <p:cNvPr id="1" name=""/>
+        <p:cNvGrpSpPr/>
+        <p:nvPr/>
+      </p:nvGrpSpPr>
+      <p:grpSpPr>
+        <a:xfrm>
+          <a:off x="0" y="0"/>
+          <a:ext cx="0" cy="0"/>
+          <a:chOff x="0" y="0"/>
+          <a:chExt cx="0" cy="0"/>
+        </a:xfrm>
+      </p:grpSpPr>
+      <p:sp>
+        <p:nvSpPr>
+          <p:cNvPr id="2" name="标题 1">
+            <a:extLst>
+              <a:ext uri="{FF2B5EF4-FFF2-40B4-BE49-F238E27FC236}">
+                <a16:creationId xmlns:a16="http://schemas.microsoft.com/office/drawing/2014/main" id="{3227FE42-6D2C-4776-9DD0-3D1EBABA4758}"/>
+              </a:ext>
+            </a:extLst>
+          </p:cNvPr>
+          <p:cNvSpPr>
+            <a:spLocks noGrp="1"/>
+          </p:cNvSpPr>
+          <p:nvPr>
+            <p:ph type="title"/>
+          </p:nvPr>
+        </p:nvSpPr>
+        <p:spPr/>
+        <p:txBody>
+          <a:bodyPr/>
+          <a:lstStyle/>
+          <a:p>
+            <a:r>
+              <a:rPr lang="zh-CN" altLang="en-US" dirty="0"/>
+              <a:t>神经网络</a:t>
+            </a:r>
+          </a:p>
+        </p:txBody>
+      </p:sp>
+      <p:sp>
+        <p:nvSpPr>
+          <p:cNvPr id="3" name="内容占位符 2">
+            <a:extLst>
+              <a:ext uri="{FF2B5EF4-FFF2-40B4-BE49-F238E27FC236}">
+                <a16:creationId xmlns:a16="http://schemas.microsoft.com/office/drawing/2014/main" id="{085AC8C5-F627-4938-95BE-E60C27BB047F}"/>
+              </a:ext>
+            </a:extLst>
+          </p:cNvPr>
+          <p:cNvSpPr>
+            <a:spLocks noGrp="1"/>
+          </p:cNvSpPr>
+          <p:nvPr>
+            <p:ph sz="quarter" idx="1"/>
+          </p:nvPr>
+        </p:nvSpPr>
+        <p:spPr/>
+        <p:txBody>
+          <a:bodyPr/>
+          <a:lstStyle/>
+          <a:p>
+            <a:r>
+              <a:rPr lang="zh-CN" altLang="en-US" dirty="0"/>
+              <a:t>神经网络最早是作为一种主要的连接主义模型。</a:t>
+            </a:r>
+            <a:r>
+              <a:rPr lang="en-US" altLang="zh-CN" dirty="0"/>
+              <a:t>20</a:t>
+            </a:r>
+            <a:r>
+              <a:rPr lang="zh-CN" altLang="en-US" dirty="0"/>
+              <a:t>世纪</a:t>
+            </a:r>
+            <a:r>
+              <a:rPr lang="en-US" altLang="zh-CN" dirty="0"/>
+              <a:t>80</a:t>
+            </a:r>
+            <a:r>
+              <a:rPr lang="zh-CN" altLang="en-US" dirty="0"/>
+              <a:t>年代后期，最流行的一种连接主义模型是分布式并行处理（</a:t>
+            </a:r>
+            <a:r>
+              <a:rPr lang="en-US" altLang="zh-CN" dirty="0"/>
+              <a:t>Parallel Distributed Processing</a:t>
+            </a:r>
+            <a:r>
+              <a:rPr lang="zh-CN" altLang="en-US" dirty="0"/>
+              <a:t>，</a:t>
+            </a:r>
+            <a:r>
+              <a:rPr lang="en-US" altLang="zh-CN" dirty="0"/>
+              <a:t>PDP</a:t>
+            </a:r>
+            <a:r>
+              <a:rPr lang="zh-CN" altLang="en-US" dirty="0"/>
+              <a:t>）网络，其有</a:t>
+            </a:r>
+            <a:r>
+              <a:rPr lang="en-US" altLang="zh-CN" dirty="0"/>
+              <a:t>3</a:t>
+            </a:r>
+            <a:r>
+              <a:rPr lang="zh-CN" altLang="en-US" dirty="0"/>
+              <a:t>个主要特性：</a:t>
+            </a:r>
+            <a:endParaRPr lang="en-US" altLang="zh-CN" dirty="0"/>
+          </a:p>
+          <a:p>
+            <a:pPr lvl="1"/>
+            <a:r>
+              <a:rPr lang="zh-CN" altLang="en-US" dirty="0"/>
+              <a:t>（</a:t>
+            </a:r>
+            <a:r>
+              <a:rPr lang="en-US" altLang="zh-CN" dirty="0"/>
+              <a:t>1</a:t>
+            </a:r>
+            <a:r>
+              <a:rPr lang="zh-CN" altLang="en-US" dirty="0"/>
+              <a:t>）信息表示是分布式的（非局部的）； </a:t>
+            </a:r>
+            <a:endParaRPr lang="en-US" altLang="zh-CN" dirty="0"/>
+          </a:p>
+          <a:p>
+            <a:pPr lvl="1"/>
+            <a:r>
+              <a:rPr lang="zh-CN" altLang="en-US" dirty="0"/>
+              <a:t>（</a:t>
+            </a:r>
+            <a:r>
+              <a:rPr lang="en-US" altLang="zh-CN" dirty="0"/>
+              <a:t>2</a:t>
+            </a:r>
+            <a:r>
+              <a:rPr lang="zh-CN" altLang="en-US" dirty="0"/>
+              <a:t>）记忆和知识是存储在单元之间的连接上；</a:t>
+            </a:r>
+            <a:endParaRPr lang="en-US" altLang="zh-CN" dirty="0"/>
+          </a:p>
+          <a:p>
+            <a:pPr lvl="1"/>
+            <a:r>
+              <a:rPr lang="zh-CN" altLang="en-US" dirty="0"/>
+              <a:t>（</a:t>
+            </a:r>
+            <a:r>
+              <a:rPr lang="en-US" altLang="zh-CN" dirty="0"/>
+              <a:t>3</a:t>
+            </a:r>
+            <a:r>
+              <a:rPr lang="zh-CN" altLang="en-US" dirty="0"/>
+              <a:t>）通过逐渐改变单元之间的连接强度来学习新的知识。</a:t>
+            </a:r>
+            <a:endParaRPr lang="en-US" altLang="zh-CN" dirty="0"/>
+          </a:p>
+          <a:p>
+            <a:pPr lvl="1"/>
+            <a:endParaRPr lang="en-US" altLang="zh-CN" dirty="0"/>
+          </a:p>
+          <a:p>
+            <a:r>
+              <a:rPr lang="zh-CN" altLang="en-US" dirty="0"/>
+              <a:t>引入误差反向传播来改进其学习能力之后，神经网络也越来越多地应用在各种机器学习任务上。</a:t>
+            </a:r>
+          </a:p>
+        </p:txBody>
+      </p:sp>
+    </p:spTree>
+    <p:extLst>
+      <p:ext uri="{BB962C8B-B14F-4D97-AF65-F5344CB8AC3E}">
+        <p14:creationId xmlns:p14="http://schemas.microsoft.com/office/powerpoint/2010/main" val="507988282"/>
+      </p:ext>
+    </p:extLst>
+  </p:cSld>
+  <p:clrMapOvr>
+    <a:masterClrMapping/>
+  </p:clrMapOvr>
+</p:sld>
+</file>
+
+<file path=ppt/slides/slide30.xml><?xml version="1.0" encoding="utf-8"?>
 <p:sld xmlns:a="http://schemas.openxmlformats.org/drawingml/2006/main" xmlns:r="http://schemas.openxmlformats.org/officeDocument/2006/relationships" xmlns:p="http://schemas.openxmlformats.org/presentationml/2006/main">
   <p:cSld>
     <p:spTree>
@@ -14740,7 +15981,7 @@
         </p:blipFill>
         <p:spPr>
           <a:xfrm>
-            <a:off x="1193427" y="1447800"/>
+            <a:off x="2717428" y="1447801"/>
             <a:ext cx="6757145" cy="4339645"/>
           </a:xfrm>
           <a:prstGeom prst="rect">
@@ -14752,631 +15993,6 @@
     <p:extLst>
       <p:ext uri="{BB962C8B-B14F-4D97-AF65-F5344CB8AC3E}">
         <p14:creationId xmlns:p14="http://schemas.microsoft.com/office/powerpoint/2010/main" val="1830680973"/>
-      </p:ext>
-    </p:extLst>
-  </p:cSld>
-  <p:clrMapOvr>
-    <a:masterClrMapping/>
-  </p:clrMapOvr>
-</p:sld>
-</file>
-
-<file path=ppt/slides/slide27.xml><?xml version="1.0" encoding="utf-8"?>
-<p:sld xmlns:a="http://schemas.openxmlformats.org/drawingml/2006/main" xmlns:r="http://schemas.openxmlformats.org/officeDocument/2006/relationships" xmlns:p="http://schemas.openxmlformats.org/presentationml/2006/main">
-  <p:cSld>
-    <p:spTree>
-      <p:nvGrpSpPr>
-        <p:cNvPr id="1" name=""/>
-        <p:cNvGrpSpPr/>
-        <p:nvPr/>
-      </p:nvGrpSpPr>
-      <p:grpSpPr>
-        <a:xfrm>
-          <a:off x="0" y="0"/>
-          <a:ext cx="0" cy="0"/>
-          <a:chOff x="0" y="0"/>
-          <a:chExt cx="0" cy="0"/>
-        </a:xfrm>
-      </p:grpSpPr>
-      <p:sp>
-        <p:nvSpPr>
-          <p:cNvPr id="2" name="标题 1"/>
-          <p:cNvSpPr>
-            <a:spLocks noGrp="1"/>
-          </p:cNvSpPr>
-          <p:nvPr>
-            <p:ph type="title"/>
-          </p:nvPr>
-        </p:nvSpPr>
-        <p:spPr/>
-        <p:txBody>
-          <a:bodyPr/>
-          <a:lstStyle/>
-          <a:p>
-            <a:r>
-              <a:rPr lang="zh-CN" altLang="en-US" dirty="0"/>
-              <a:t>自动微分与计算图</a:t>
-            </a:r>
-          </a:p>
-        </p:txBody>
-      </p:sp>
-      <p:sp>
-        <p:nvSpPr>
-          <p:cNvPr id="3" name="内容占位符 2"/>
-          <p:cNvSpPr>
-            <a:spLocks noGrp="1"/>
-          </p:cNvSpPr>
-          <p:nvPr>
-            <p:ph sz="quarter" idx="1"/>
-          </p:nvPr>
-        </p:nvSpPr>
-        <p:spPr/>
-        <p:txBody>
-          <a:bodyPr/>
-          <a:lstStyle/>
-          <a:p>
-            <a:r>
-              <a:rPr lang="zh-CN" altLang="en-US" dirty="0"/>
-              <a:t>自动微分也是利用链式法则来自动计算一个复合函数的梯度。</a:t>
-            </a:r>
-            <a:endParaRPr lang="en-US" altLang="zh-CN" dirty="0"/>
-          </a:p>
-          <a:p>
-            <a:endParaRPr lang="en-US" altLang="zh-CN" dirty="0"/>
-          </a:p>
-          <a:p>
-            <a:endParaRPr lang="en-US" altLang="zh-CN" dirty="0"/>
-          </a:p>
-          <a:p>
-            <a:r>
-              <a:rPr lang="zh-CN" altLang="en-US" dirty="0"/>
-              <a:t>计算图</a:t>
-            </a:r>
-            <a:endParaRPr lang="en-US" altLang="zh-CN" dirty="0"/>
-          </a:p>
-        </p:txBody>
-      </p:sp>
-      <p:pic>
-        <p:nvPicPr>
-          <p:cNvPr id="4" name="图片 3" descr="屏幕剪辑"/>
-          <p:cNvPicPr>
-            <a:picLocks noChangeAspect="1"/>
-          </p:cNvPicPr>
-          <p:nvPr/>
-        </p:nvPicPr>
-        <p:blipFill>
-          <a:blip r:embed="rId2">
-            <a:extLst>
-              <a:ext uri="{28A0092B-C50C-407E-A947-70E740481C1C}">
-                <a14:useLocalDpi xmlns:a14="http://schemas.microsoft.com/office/drawing/2010/main" val="0"/>
-              </a:ext>
-            </a:extLst>
-          </a:blip>
-          <a:stretch>
-            <a:fillRect/>
-          </a:stretch>
-        </p:blipFill>
-        <p:spPr>
-          <a:xfrm>
-            <a:off x="2362200" y="2514600"/>
-            <a:ext cx="3696056" cy="762000"/>
-          </a:xfrm>
-          <a:prstGeom prst="rect">
-            <a:avLst/>
-          </a:prstGeom>
-        </p:spPr>
-      </p:pic>
-      <p:pic>
-        <p:nvPicPr>
-          <p:cNvPr id="5" name="图片 4" descr="屏幕剪辑"/>
-          <p:cNvPicPr>
-            <a:picLocks noChangeAspect="1"/>
-          </p:cNvPicPr>
-          <p:nvPr/>
-        </p:nvPicPr>
-        <p:blipFill>
-          <a:blip r:embed="rId3">
-            <a:extLst>
-              <a:ext uri="{28A0092B-C50C-407E-A947-70E740481C1C}">
-                <a14:useLocalDpi xmlns:a14="http://schemas.microsoft.com/office/drawing/2010/main" val="0"/>
-              </a:ext>
-            </a:extLst>
-          </a:blip>
-          <a:stretch>
-            <a:fillRect/>
-          </a:stretch>
-        </p:blipFill>
-        <p:spPr>
-          <a:xfrm>
-            <a:off x="1219200" y="4267200"/>
-            <a:ext cx="6846016" cy="1600200"/>
-          </a:xfrm>
-          <a:prstGeom prst="rect">
-            <a:avLst/>
-          </a:prstGeom>
-        </p:spPr>
-      </p:pic>
-    </p:spTree>
-    <p:extLst>
-      <p:ext uri="{BB962C8B-B14F-4D97-AF65-F5344CB8AC3E}">
-        <p14:creationId xmlns:p14="http://schemas.microsoft.com/office/powerpoint/2010/main" val="3229195653"/>
-      </p:ext>
-    </p:extLst>
-  </p:cSld>
-  <p:clrMapOvr>
-    <a:masterClrMapping/>
-  </p:clrMapOvr>
-</p:sld>
-</file>
-
-<file path=ppt/slides/slide28.xml><?xml version="1.0" encoding="utf-8"?>
-<p:sld xmlns:a="http://schemas.openxmlformats.org/drawingml/2006/main" xmlns:r="http://schemas.openxmlformats.org/officeDocument/2006/relationships" xmlns:p="http://schemas.openxmlformats.org/presentationml/2006/main">
-  <p:cSld>
-    <p:spTree>
-      <p:nvGrpSpPr>
-        <p:cNvPr id="1" name=""/>
-        <p:cNvGrpSpPr/>
-        <p:nvPr/>
-      </p:nvGrpSpPr>
-      <p:grpSpPr>
-        <a:xfrm>
-          <a:off x="0" y="0"/>
-          <a:ext cx="0" cy="0"/>
-          <a:chOff x="0" y="0"/>
-          <a:chExt cx="0" cy="0"/>
-        </a:xfrm>
-      </p:grpSpPr>
-      <p:sp>
-        <p:nvSpPr>
-          <p:cNvPr id="2" name="标题 1"/>
-          <p:cNvSpPr>
-            <a:spLocks noGrp="1"/>
-          </p:cNvSpPr>
-          <p:nvPr>
-            <p:ph type="title"/>
-          </p:nvPr>
-        </p:nvSpPr>
-        <p:spPr/>
-        <p:txBody>
-          <a:bodyPr/>
-          <a:lstStyle/>
-          <a:p>
-            <a:r>
-              <a:rPr lang="zh-CN" altLang="en-US" dirty="0"/>
-              <a:t>计算图</a:t>
-            </a:r>
-          </a:p>
-        </p:txBody>
-      </p:sp>
-      <p:pic>
-        <p:nvPicPr>
-          <p:cNvPr id="4" name="图片 3" descr="屏幕剪辑"/>
-          <p:cNvPicPr>
-            <a:picLocks noChangeAspect="1"/>
-          </p:cNvPicPr>
-          <p:nvPr/>
-        </p:nvPicPr>
-        <p:blipFill>
-          <a:blip r:embed="rId2">
-            <a:extLst>
-              <a:ext uri="{28A0092B-C50C-407E-A947-70E740481C1C}">
-                <a14:useLocalDpi xmlns:a14="http://schemas.microsoft.com/office/drawing/2010/main" val="0"/>
-              </a:ext>
-            </a:extLst>
-          </a:blip>
-          <a:stretch>
-            <a:fillRect/>
-          </a:stretch>
-        </p:blipFill>
-        <p:spPr>
-          <a:xfrm>
-            <a:off x="2438400" y="212055"/>
-            <a:ext cx="6007816" cy="1404278"/>
-          </a:xfrm>
-          <a:prstGeom prst="rect">
-            <a:avLst/>
-          </a:prstGeom>
-        </p:spPr>
-      </p:pic>
-      <p:pic>
-        <p:nvPicPr>
-          <p:cNvPr id="5" name="图片 4" descr="屏幕剪辑"/>
-          <p:cNvPicPr>
-            <a:picLocks noChangeAspect="1"/>
-          </p:cNvPicPr>
-          <p:nvPr/>
-        </p:nvPicPr>
-        <p:blipFill>
-          <a:blip r:embed="rId3">
-            <a:extLst>
-              <a:ext uri="{28A0092B-C50C-407E-A947-70E740481C1C}">
-                <a14:useLocalDpi xmlns:a14="http://schemas.microsoft.com/office/drawing/2010/main" val="0"/>
-              </a:ext>
-            </a:extLst>
-          </a:blip>
-          <a:stretch>
-            <a:fillRect/>
-          </a:stretch>
-        </p:blipFill>
-        <p:spPr>
-          <a:xfrm>
-            <a:off x="3232508" y="1680144"/>
-            <a:ext cx="4660996" cy="2901720"/>
-          </a:xfrm>
-          <a:prstGeom prst="rect">
-            <a:avLst/>
-          </a:prstGeom>
-        </p:spPr>
-      </p:pic>
-      <p:pic>
-        <p:nvPicPr>
-          <p:cNvPr id="7" name="图片 6" descr="屏幕剪辑"/>
-          <p:cNvPicPr>
-            <a:picLocks noChangeAspect="1"/>
-          </p:cNvPicPr>
-          <p:nvPr/>
-        </p:nvPicPr>
-        <p:blipFill>
-          <a:blip r:embed="rId4">
-            <a:extLst>
-              <a:ext uri="{28A0092B-C50C-407E-A947-70E740481C1C}">
-                <a14:useLocalDpi xmlns:a14="http://schemas.microsoft.com/office/drawing/2010/main" val="0"/>
-              </a:ext>
-            </a:extLst>
-          </a:blip>
-          <a:stretch>
-            <a:fillRect/>
-          </a:stretch>
-        </p:blipFill>
-        <p:spPr>
-          <a:xfrm>
-            <a:off x="1181472" y="5055197"/>
-            <a:ext cx="5424055" cy="1288830"/>
-          </a:xfrm>
-          <a:prstGeom prst="rect">
-            <a:avLst/>
-          </a:prstGeom>
-        </p:spPr>
-      </p:pic>
-      <p:sp>
-        <p:nvSpPr>
-          <p:cNvPr id="8" name="矩形 7"/>
-          <p:cNvSpPr/>
-          <p:nvPr/>
-        </p:nvSpPr>
-        <p:spPr>
-          <a:xfrm>
-            <a:off x="381000" y="4595719"/>
-            <a:ext cx="3512500" cy="369332"/>
-          </a:xfrm>
-          <a:prstGeom prst="rect">
-            <a:avLst/>
-          </a:prstGeom>
-        </p:spPr>
-        <p:txBody>
-          <a:bodyPr wrap="none">
-            <a:spAutoFit/>
-          </a:bodyPr>
-          <a:lstStyle/>
-          <a:p>
-            <a:r>
-              <a:rPr lang="zh-CN" altLang="en-US" dirty="0"/>
-              <a:t>当</a:t>
-            </a:r>
-            <a:r>
-              <a:rPr lang="en-US" altLang="zh-CN" dirty="0"/>
-              <a:t>x = 1,w = 0,b = 0</a:t>
-            </a:r>
-            <a:r>
-              <a:rPr lang="zh-CN" altLang="en-US" dirty="0"/>
-              <a:t>时，可以得到</a:t>
-            </a:r>
-            <a:endParaRPr lang="en-US" altLang="zh-CN" dirty="0"/>
-          </a:p>
-        </p:txBody>
-      </p:sp>
-    </p:spTree>
-    <p:extLst>
-      <p:ext uri="{BB962C8B-B14F-4D97-AF65-F5344CB8AC3E}">
-        <p14:creationId xmlns:p14="http://schemas.microsoft.com/office/powerpoint/2010/main" val="2029964577"/>
-      </p:ext>
-    </p:extLst>
-  </p:cSld>
-  <p:clrMapOvr>
-    <a:masterClrMapping/>
-  </p:clrMapOvr>
-</p:sld>
-</file>
-
-<file path=ppt/slides/slide29.xml><?xml version="1.0" encoding="utf-8"?>
-<p:sld xmlns:a="http://schemas.openxmlformats.org/drawingml/2006/main" xmlns:r="http://schemas.openxmlformats.org/officeDocument/2006/relationships" xmlns:p="http://schemas.openxmlformats.org/presentationml/2006/main">
-  <p:cSld>
-    <p:spTree>
-      <p:nvGrpSpPr>
-        <p:cNvPr id="1" name=""/>
-        <p:cNvGrpSpPr/>
-        <p:nvPr/>
-      </p:nvGrpSpPr>
-      <p:grpSpPr>
-        <a:xfrm>
-          <a:off x="0" y="0"/>
-          <a:ext cx="0" cy="0"/>
-          <a:chOff x="0" y="0"/>
-          <a:chExt cx="0" cy="0"/>
-        </a:xfrm>
-      </p:grpSpPr>
-      <p:sp>
-        <p:nvSpPr>
-          <p:cNvPr id="2" name="标题 1"/>
-          <p:cNvSpPr>
-            <a:spLocks noGrp="1"/>
-          </p:cNvSpPr>
-          <p:nvPr>
-            <p:ph type="title"/>
-          </p:nvPr>
-        </p:nvSpPr>
-        <p:spPr/>
-        <p:txBody>
-          <a:bodyPr/>
-          <a:lstStyle/>
-          <a:p>
-            <a:r>
-              <a:rPr lang="zh-CN" altLang="en-US"/>
-              <a:t>自动微分</a:t>
-            </a:r>
-            <a:endParaRPr lang="zh-CN" altLang="en-US" dirty="0"/>
-          </a:p>
-        </p:txBody>
-      </p:sp>
-      <p:sp>
-        <p:nvSpPr>
-          <p:cNvPr id="3" name="内容占位符 2"/>
-          <p:cNvSpPr>
-            <a:spLocks noGrp="1"/>
-          </p:cNvSpPr>
-          <p:nvPr>
-            <p:ph sz="quarter" idx="1"/>
-          </p:nvPr>
-        </p:nvSpPr>
-        <p:spPr/>
-        <p:txBody>
-          <a:bodyPr/>
-          <a:lstStyle/>
-          <a:p>
-            <a:r>
-              <a:rPr lang="zh-CN" altLang="en-US" dirty="0"/>
-              <a:t>前向模式和反向模式</a:t>
-            </a:r>
-            <a:endParaRPr lang="en-US" altLang="zh-CN" dirty="0"/>
-          </a:p>
-          <a:p>
-            <a:pPr lvl="1"/>
-            <a:r>
-              <a:rPr lang="zh-CN" altLang="en-US" dirty="0"/>
-              <a:t>反向模式和反向传播的计算梯度的方式相同</a:t>
-            </a:r>
-            <a:endParaRPr lang="en-US" altLang="zh-CN" dirty="0"/>
-          </a:p>
-          <a:p>
-            <a:endParaRPr lang="en-US" altLang="zh-CN" dirty="0"/>
-          </a:p>
-          <a:p>
-            <a:r>
-              <a:rPr lang="zh-CN" altLang="en-US" dirty="0"/>
-              <a:t>如果函数和参数之间有多条路径，可以将这多条路径上的导数再进行相加，得到最终的梯度。</a:t>
-            </a:r>
-          </a:p>
-        </p:txBody>
-      </p:sp>
-    </p:spTree>
-    <p:extLst>
-      <p:ext uri="{BB962C8B-B14F-4D97-AF65-F5344CB8AC3E}">
-        <p14:creationId xmlns:p14="http://schemas.microsoft.com/office/powerpoint/2010/main" val="1580473456"/>
-      </p:ext>
-    </p:extLst>
-  </p:cSld>
-  <p:clrMapOvr>
-    <a:masterClrMapping/>
-  </p:clrMapOvr>
-</p:sld>
-</file>
-
-<file path=ppt/slides/slide3.xml><?xml version="1.0" encoding="utf-8"?>
-<p:sld xmlns:a="http://schemas.openxmlformats.org/drawingml/2006/main" xmlns:r="http://schemas.openxmlformats.org/officeDocument/2006/relationships" xmlns:p="http://schemas.openxmlformats.org/presentationml/2006/main">
-  <p:cSld>
-    <p:spTree>
-      <p:nvGrpSpPr>
-        <p:cNvPr id="1" name=""/>
-        <p:cNvGrpSpPr/>
-        <p:nvPr/>
-      </p:nvGrpSpPr>
-      <p:grpSpPr>
-        <a:xfrm>
-          <a:off x="0" y="0"/>
-          <a:ext cx="0" cy="0"/>
-          <a:chOff x="0" y="0"/>
-          <a:chExt cx="0" cy="0"/>
-        </a:xfrm>
-      </p:grpSpPr>
-      <p:sp>
-        <p:nvSpPr>
-          <p:cNvPr id="2" name="标题 1"/>
-          <p:cNvSpPr>
-            <a:spLocks noGrp="1"/>
-          </p:cNvSpPr>
-          <p:nvPr>
-            <p:ph type="title"/>
-          </p:nvPr>
-        </p:nvSpPr>
-        <p:spPr/>
-        <p:txBody>
-          <a:bodyPr/>
-          <a:lstStyle/>
-          <a:p>
-            <a:r>
-              <a:rPr lang="zh-CN" altLang="en-US" dirty="0"/>
-              <a:t>人工神经元</a:t>
-            </a:r>
-          </a:p>
-        </p:txBody>
-      </p:sp>
-      <p:pic>
-        <p:nvPicPr>
-          <p:cNvPr id="4" name="内容占位符 3" descr="屏幕剪辑"/>
-          <p:cNvPicPr>
-            <a:picLocks noGrp="1" noChangeAspect="1"/>
-          </p:cNvPicPr>
-          <p:nvPr>
-            <p:ph sz="quarter" idx="1"/>
-          </p:nvPr>
-        </p:nvPicPr>
-        <p:blipFill>
-          <a:blip r:embed="rId2">
-            <a:extLst>
-              <a:ext uri="{28A0092B-C50C-407E-A947-70E740481C1C}">
-                <a14:useLocalDpi xmlns:a14="http://schemas.microsoft.com/office/drawing/2010/main"/>
-              </a:ext>
-            </a:extLst>
-          </a:blip>
-          <a:stretch>
-            <a:fillRect/>
-          </a:stretch>
-        </p:blipFill>
-        <p:spPr>
-          <a:xfrm>
-            <a:off x="1905000" y="1828800"/>
-            <a:ext cx="4990271" cy="3641725"/>
-          </a:xfrm>
-        </p:spPr>
-      </p:pic>
-    </p:spTree>
-    <p:extLst>
-      <p:ext uri="{BB962C8B-B14F-4D97-AF65-F5344CB8AC3E}">
-        <p14:creationId xmlns:p14="http://schemas.microsoft.com/office/powerpoint/2010/main" val="1849516299"/>
-      </p:ext>
-    </p:extLst>
-  </p:cSld>
-  <p:clrMapOvr>
-    <a:masterClrMapping/>
-  </p:clrMapOvr>
-</p:sld>
-</file>
-
-<file path=ppt/slides/slide30.xml><?xml version="1.0" encoding="utf-8"?>
-<p:sld xmlns:a="http://schemas.openxmlformats.org/drawingml/2006/main" xmlns:r="http://schemas.openxmlformats.org/officeDocument/2006/relationships" xmlns:p="http://schemas.openxmlformats.org/presentationml/2006/main">
-  <p:cSld>
-    <p:spTree>
-      <p:nvGrpSpPr>
-        <p:cNvPr id="1" name=""/>
-        <p:cNvGrpSpPr/>
-        <p:nvPr/>
-      </p:nvGrpSpPr>
-      <p:grpSpPr>
-        <a:xfrm>
-          <a:off x="0" y="0"/>
-          <a:ext cx="0" cy="0"/>
-          <a:chOff x="0" y="0"/>
-          <a:chExt cx="0" cy="0"/>
-        </a:xfrm>
-      </p:grpSpPr>
-      <p:sp>
-        <p:nvSpPr>
-          <p:cNvPr id="2" name="标题 1"/>
-          <p:cNvSpPr>
-            <a:spLocks noGrp="1"/>
-          </p:cNvSpPr>
-          <p:nvPr>
-            <p:ph type="title"/>
-          </p:nvPr>
-        </p:nvSpPr>
-        <p:spPr/>
-        <p:txBody>
-          <a:bodyPr/>
-          <a:lstStyle/>
-          <a:p>
-            <a:r>
-              <a:rPr lang="zh-CN" altLang="en-US" dirty="0"/>
-              <a:t>反向传播算法 </a:t>
-            </a:r>
-            <a:r>
-              <a:rPr lang="en-US" altLang="zh-CN" dirty="0"/>
-              <a:t>(</a:t>
-            </a:r>
-            <a:r>
-              <a:rPr lang="zh-CN" altLang="en-US" dirty="0"/>
-              <a:t>自动微分的反向模式）</a:t>
-            </a:r>
-          </a:p>
-        </p:txBody>
-      </p:sp>
-      <p:sp>
-        <p:nvSpPr>
-          <p:cNvPr id="3" name="内容占位符 2"/>
-          <p:cNvSpPr>
-            <a:spLocks noGrp="1"/>
-          </p:cNvSpPr>
-          <p:nvPr>
-            <p:ph sz="quarter" idx="1"/>
-          </p:nvPr>
-        </p:nvSpPr>
-        <p:spPr/>
-        <p:txBody>
-          <a:bodyPr/>
-          <a:lstStyle/>
-          <a:p>
-            <a:r>
-              <a:rPr lang="zh-CN" altLang="en-US" sz="3200" dirty="0"/>
-              <a:t>前馈神经网络的训练过程可以分为以下三步</a:t>
-            </a:r>
-          </a:p>
-          <a:p>
-            <a:pPr lvl="1"/>
-            <a:r>
-              <a:rPr lang="zh-CN" altLang="en-US" sz="2800" dirty="0">
-                <a:solidFill>
-                  <a:srgbClr val="FF0000"/>
-                </a:solidFill>
-              </a:rPr>
-              <a:t>前向计算</a:t>
-            </a:r>
-            <a:r>
-              <a:rPr lang="zh-CN" altLang="en-US" sz="2800" dirty="0"/>
-              <a:t>每一层的状态和激活值，直到最后一层</a:t>
-            </a:r>
-          </a:p>
-          <a:p>
-            <a:pPr lvl="1"/>
-            <a:r>
-              <a:rPr lang="zh-CN" altLang="en-US" sz="2800" dirty="0">
-                <a:solidFill>
-                  <a:srgbClr val="FF0000"/>
-                </a:solidFill>
-              </a:rPr>
-              <a:t>反向计算</a:t>
-            </a:r>
-            <a:r>
-              <a:rPr lang="zh-CN" altLang="en-US" sz="2800" dirty="0"/>
-              <a:t>每一层的参数的偏导数</a:t>
-            </a:r>
-            <a:endParaRPr lang="en-US" altLang="zh-CN" sz="2800" dirty="0"/>
-          </a:p>
-          <a:p>
-            <a:pPr lvl="1"/>
-            <a:r>
-              <a:rPr lang="zh-CN" altLang="en-US" sz="2800" dirty="0">
-                <a:solidFill>
-                  <a:srgbClr val="FF0000"/>
-                </a:solidFill>
-              </a:rPr>
-              <a:t>更新参数</a:t>
-            </a:r>
-          </a:p>
-        </p:txBody>
-      </p:sp>
-    </p:spTree>
-    <p:extLst>
-      <p:ext uri="{BB962C8B-B14F-4D97-AF65-F5344CB8AC3E}">
-        <p14:creationId xmlns:p14="http://schemas.microsoft.com/office/powerpoint/2010/main" val="3440884166"/>
       </p:ext>
     </p:extLst>
   </p:cSld>
@@ -15420,7 +16036,7 @@
           <a:p>
             <a:r>
               <a:rPr lang="zh-CN" altLang="en-US" dirty="0"/>
-              <a:t>静态计算图和动态计算图</a:t>
+              <a:t>自动微分与计算图</a:t>
             </a:r>
           </a:p>
         </p:txBody>
@@ -15441,74 +16057,90 @@
           <a:lstStyle/>
           <a:p>
             <a:r>
-              <a:rPr lang="zh-CN" altLang="en-US" sz="2800" dirty="0"/>
-              <a:t>静态计算图是在编译时构建计算图，计算图构建好之后在程序运行时不能改变。</a:t>
-            </a:r>
-            <a:endParaRPr lang="en-US" altLang="zh-CN" sz="2800" dirty="0"/>
-          </a:p>
-          <a:p>
-            <a:pPr lvl="1"/>
-            <a:r>
-              <a:rPr lang="en-US" altLang="zh-CN" sz="2000" dirty="0" err="1"/>
-              <a:t>Theano</a:t>
-            </a:r>
-            <a:r>
-              <a:rPr lang="zh-CN" altLang="en-US" sz="2000" dirty="0"/>
-              <a:t>和</a:t>
-            </a:r>
-            <a:r>
-              <a:rPr lang="en-US" altLang="zh-CN" sz="2000" dirty="0" err="1"/>
-              <a:t>Tensorflow</a:t>
-            </a:r>
-            <a:endParaRPr lang="en-US" altLang="zh-CN" sz="2000" dirty="0"/>
-          </a:p>
-          <a:p>
-            <a:r>
-              <a:rPr lang="zh-CN" altLang="en-US" sz="2800" dirty="0"/>
-              <a:t>动态计算图是在程序运行时动态构建。两种构建方式各有优缺点。</a:t>
-            </a:r>
-            <a:endParaRPr lang="en-US" altLang="zh-CN" sz="2800" dirty="0"/>
-          </a:p>
-          <a:p>
-            <a:pPr lvl="1"/>
-            <a:r>
-              <a:rPr lang="en-US" altLang="zh-CN" sz="2000" dirty="0" err="1"/>
-              <a:t>DyNet</a:t>
-            </a:r>
-            <a:r>
-              <a:rPr lang="zh-CN" altLang="en-US" sz="2000" dirty="0"/>
-              <a:t>，</a:t>
-            </a:r>
-            <a:r>
-              <a:rPr lang="en-US" altLang="zh-CN" sz="2000" dirty="0" err="1"/>
-              <a:t>Chainer</a:t>
-            </a:r>
-            <a:r>
-              <a:rPr lang="zh-CN" altLang="en-US" sz="2000" dirty="0"/>
-              <a:t>和</a:t>
-            </a:r>
-            <a:r>
-              <a:rPr lang="en-US" altLang="zh-CN" sz="2000" dirty="0" err="1"/>
-              <a:t>PyTorch</a:t>
-            </a:r>
-            <a:endParaRPr lang="en-US" altLang="zh-CN" sz="2000" dirty="0"/>
-          </a:p>
-          <a:p>
-            <a:endParaRPr lang="en-US" altLang="zh-CN" sz="2800" dirty="0"/>
-          </a:p>
-          <a:p>
-            <a:r>
-              <a:rPr lang="zh-CN" altLang="en-US" sz="2800" dirty="0"/>
-              <a:t>静态计算图在构建时可以进行优化，并行能力强，但灵活性比较差低。动态计算图则不容易优化，当不同输入的网络结构不一致时，难以并行计算，但是灵活性比较高。</a:t>
-            </a:r>
-            <a:endParaRPr lang="en-US" altLang="zh-CN" sz="2800" dirty="0"/>
+              <a:rPr lang="zh-CN" altLang="en-US" dirty="0"/>
+              <a:t>自动微分是利用链式法则来自动计算一个复合函数的梯度。</a:t>
+            </a:r>
+            <a:endParaRPr lang="en-US" altLang="zh-CN" dirty="0"/>
+          </a:p>
+          <a:p>
+            <a:endParaRPr lang="en-US" altLang="zh-CN" dirty="0"/>
+          </a:p>
+          <a:p>
+            <a:endParaRPr lang="en-US" altLang="zh-CN" dirty="0"/>
+          </a:p>
+          <a:p>
+            <a:r>
+              <a:rPr lang="zh-CN" altLang="en-US" dirty="0"/>
+              <a:t>计算图</a:t>
+            </a:r>
+            <a:endParaRPr lang="en-US" altLang="zh-CN" dirty="0"/>
           </a:p>
         </p:txBody>
       </p:sp>
+      <p:pic>
+        <p:nvPicPr>
+          <p:cNvPr id="4" name="图片 3" descr="屏幕剪辑"/>
+          <p:cNvPicPr>
+            <a:picLocks noChangeAspect="1"/>
+          </p:cNvPicPr>
+          <p:nvPr/>
+        </p:nvPicPr>
+        <p:blipFill>
+          <a:blip r:embed="rId2">
+            <a:extLst>
+              <a:ext uri="{28A0092B-C50C-407E-A947-70E740481C1C}">
+                <a14:useLocalDpi xmlns:a14="http://schemas.microsoft.com/office/drawing/2010/main" val="0"/>
+              </a:ext>
+            </a:extLst>
+          </a:blip>
+          <a:stretch>
+            <a:fillRect/>
+          </a:stretch>
+        </p:blipFill>
+        <p:spPr>
+          <a:xfrm>
+            <a:off x="3810000" y="2057400"/>
+            <a:ext cx="3696056" cy="762000"/>
+          </a:xfrm>
+          <a:prstGeom prst="rect">
+            <a:avLst/>
+          </a:prstGeom>
+        </p:spPr>
+      </p:pic>
+      <p:pic>
+        <p:nvPicPr>
+          <p:cNvPr id="5" name="图片 4" descr="屏幕剪辑"/>
+          <p:cNvPicPr>
+            <a:picLocks noChangeAspect="1"/>
+          </p:cNvPicPr>
+          <p:nvPr/>
+        </p:nvPicPr>
+        <p:blipFill>
+          <a:blip r:embed="rId3">
+            <a:extLst>
+              <a:ext uri="{28A0092B-C50C-407E-A947-70E740481C1C}">
+                <a14:useLocalDpi xmlns:a14="http://schemas.microsoft.com/office/drawing/2010/main" val="0"/>
+              </a:ext>
+            </a:extLst>
+          </a:blip>
+          <a:stretch>
+            <a:fillRect/>
+          </a:stretch>
+        </p:blipFill>
+        <p:spPr>
+          <a:xfrm>
+            <a:off x="2743200" y="4267200"/>
+            <a:ext cx="6846016" cy="1600200"/>
+          </a:xfrm>
+          <a:prstGeom prst="rect">
+            <a:avLst/>
+          </a:prstGeom>
+        </p:spPr>
+      </p:pic>
     </p:spTree>
     <p:extLst>
       <p:ext uri="{BB962C8B-B14F-4D97-AF65-F5344CB8AC3E}">
-        <p14:creationId xmlns:p14="http://schemas.microsoft.com/office/powerpoint/2010/main" val="3072051011"/>
+        <p14:creationId xmlns:p14="http://schemas.microsoft.com/office/powerpoint/2010/main" val="3229195653"/>
       </p:ext>
     </p:extLst>
   </p:cSld>
@@ -15552,14 +16184,14 @@
           <a:p>
             <a:r>
               <a:rPr lang="zh-CN" altLang="en-US" dirty="0"/>
-              <a:t>如何实现？</a:t>
+              <a:t>计算图</a:t>
             </a:r>
           </a:p>
         </p:txBody>
       </p:sp>
       <p:pic>
         <p:nvPicPr>
-          <p:cNvPr id="3" name="图片 2"/>
+          <p:cNvPr id="4" name="图片 3" descr="屏幕剪辑"/>
           <p:cNvPicPr>
             <a:picLocks noChangeAspect="1"/>
           </p:cNvPicPr>
@@ -15579,18 +16211,115 @@
         </p:blipFill>
         <p:spPr>
           <a:xfrm>
-            <a:off x="1066800" y="1143000"/>
-            <a:ext cx="7391400" cy="5182618"/>
+            <a:off x="3962400" y="212055"/>
+            <a:ext cx="6007816" cy="1404278"/>
           </a:xfrm>
           <a:prstGeom prst="rect">
             <a:avLst/>
           </a:prstGeom>
         </p:spPr>
       </p:pic>
+      <p:pic>
+        <p:nvPicPr>
+          <p:cNvPr id="5" name="图片 4" descr="屏幕剪辑"/>
+          <p:cNvPicPr>
+            <a:picLocks noChangeAspect="1"/>
+          </p:cNvPicPr>
+          <p:nvPr/>
+        </p:nvPicPr>
+        <p:blipFill>
+          <a:blip r:embed="rId3">
+            <a:extLst>
+              <a:ext uri="{28A0092B-C50C-407E-A947-70E740481C1C}">
+                <a14:useLocalDpi xmlns:a14="http://schemas.microsoft.com/office/drawing/2010/main" val="0"/>
+              </a:ext>
+            </a:extLst>
+          </a:blip>
+          <a:stretch>
+            <a:fillRect/>
+          </a:stretch>
+        </p:blipFill>
+        <p:spPr>
+          <a:xfrm>
+            <a:off x="4756508" y="1680144"/>
+            <a:ext cx="4660996" cy="2901720"/>
+          </a:xfrm>
+          <a:prstGeom prst="rect">
+            <a:avLst/>
+          </a:prstGeom>
+        </p:spPr>
+      </p:pic>
+      <p:pic>
+        <p:nvPicPr>
+          <p:cNvPr id="7" name="图片 6" descr="屏幕剪辑"/>
+          <p:cNvPicPr>
+            <a:picLocks noChangeAspect="1"/>
+          </p:cNvPicPr>
+          <p:nvPr/>
+        </p:nvPicPr>
+        <p:blipFill>
+          <a:blip r:embed="rId4">
+            <a:extLst>
+              <a:ext uri="{28A0092B-C50C-407E-A947-70E740481C1C}">
+                <a14:useLocalDpi xmlns:a14="http://schemas.microsoft.com/office/drawing/2010/main" val="0"/>
+              </a:ext>
+            </a:extLst>
+          </a:blip>
+          <a:stretch>
+            <a:fillRect/>
+          </a:stretch>
+        </p:blipFill>
+        <p:spPr>
+          <a:xfrm>
+            <a:off x="2705473" y="5055197"/>
+            <a:ext cx="5424055" cy="1288830"/>
+          </a:xfrm>
+          <a:prstGeom prst="rect">
+            <a:avLst/>
+          </a:prstGeom>
+        </p:spPr>
+      </p:pic>
+      <p:sp>
+        <p:nvSpPr>
+          <p:cNvPr id="8" name="矩形 7"/>
+          <p:cNvSpPr/>
+          <p:nvPr/>
+        </p:nvSpPr>
+        <p:spPr>
+          <a:xfrm>
+            <a:off x="1905000" y="4595719"/>
+            <a:ext cx="3512500" cy="369332"/>
+          </a:xfrm>
+          <a:prstGeom prst="rect">
+            <a:avLst/>
+          </a:prstGeom>
+        </p:spPr>
+        <p:txBody>
+          <a:bodyPr wrap="none">
+            <a:spAutoFit/>
+          </a:bodyPr>
+          <a:lstStyle/>
+          <a:p>
+            <a:r>
+              <a:rPr lang="zh-CN" altLang="en-US" dirty="0"/>
+              <a:t>当</a:t>
+            </a:r>
+            <a:r>
+              <a:rPr lang="en-US" altLang="zh-CN" dirty="0"/>
+              <a:t>x = 1,w = 0,b = 0</a:t>
+            </a:r>
+            <a:r>
+              <a:rPr lang="zh-CN" altLang="en-US" dirty="0"/>
+              <a:t>时，可以得到</a:t>
+            </a:r>
+            <a:endParaRPr lang="en-US" altLang="zh-CN" dirty="0"/>
+          </a:p>
+        </p:txBody>
+      </p:sp>
     </p:spTree>
     <p:extLst>
       <p:ext uri="{BB962C8B-B14F-4D97-AF65-F5344CB8AC3E}">
-        <p14:creationId xmlns:p14="http://schemas.microsoft.com/office/powerpoint/2010/main" val="2025964273"/>
+        <p14:creationId xmlns:p14="http://schemas.microsoft.com/office/powerpoint/2010/main" val="2029964577"/>
       </p:ext>
     </p:extLst>
   </p:cSld>
@@ -15633,6 +16362,437 @@
           <a:lstStyle/>
           <a:p>
             <a:r>
+              <a:rPr lang="zh-CN" altLang="en-US"/>
+              <a:t>自动微分</a:t>
+            </a:r>
+            <a:endParaRPr lang="zh-CN" altLang="en-US" dirty="0"/>
+          </a:p>
+        </p:txBody>
+      </p:sp>
+      <p:sp>
+        <p:nvSpPr>
+          <p:cNvPr id="3" name="内容占位符 2"/>
+          <p:cNvSpPr>
+            <a:spLocks noGrp="1"/>
+          </p:cNvSpPr>
+          <p:nvPr>
+            <p:ph sz="quarter" idx="1"/>
+          </p:nvPr>
+        </p:nvSpPr>
+        <p:spPr/>
+        <p:txBody>
+          <a:bodyPr/>
+          <a:lstStyle/>
+          <a:p>
+            <a:r>
+              <a:rPr lang="zh-CN" altLang="en-US" dirty="0"/>
+              <a:t>前向模式和反向模式</a:t>
+            </a:r>
+            <a:endParaRPr lang="en-US" altLang="zh-CN" dirty="0"/>
+          </a:p>
+          <a:p>
+            <a:pPr lvl="1"/>
+            <a:r>
+              <a:rPr lang="zh-CN" altLang="en-US" dirty="0"/>
+              <a:t>反向模式和反向传播的计算梯度的方式相同</a:t>
+            </a:r>
+            <a:endParaRPr lang="en-US" altLang="zh-CN" dirty="0"/>
+          </a:p>
+          <a:p>
+            <a:endParaRPr lang="en-US" altLang="zh-CN" dirty="0"/>
+          </a:p>
+          <a:p>
+            <a:r>
+              <a:rPr lang="zh-CN" altLang="en-US" dirty="0"/>
+              <a:t>如果函数和参数之间有多条路径，可以将这多条路径上的导数再进行相加，得到最终的梯度。</a:t>
+            </a:r>
+          </a:p>
+        </p:txBody>
+      </p:sp>
+    </p:spTree>
+    <p:extLst>
+      <p:ext uri="{BB962C8B-B14F-4D97-AF65-F5344CB8AC3E}">
+        <p14:creationId xmlns:p14="http://schemas.microsoft.com/office/powerpoint/2010/main" val="1580473456"/>
+      </p:ext>
+    </p:extLst>
+  </p:cSld>
+  <p:clrMapOvr>
+    <a:masterClrMapping/>
+  </p:clrMapOvr>
+</p:sld>
+</file>
+
+<file path=ppt/slides/slide34.xml><?xml version="1.0" encoding="utf-8"?>
+<p:sld xmlns:a="http://schemas.openxmlformats.org/drawingml/2006/main" xmlns:r="http://schemas.openxmlformats.org/officeDocument/2006/relationships" xmlns:p="http://schemas.openxmlformats.org/presentationml/2006/main">
+  <p:cSld>
+    <p:spTree>
+      <p:nvGrpSpPr>
+        <p:cNvPr id="1" name=""/>
+        <p:cNvGrpSpPr/>
+        <p:nvPr/>
+      </p:nvGrpSpPr>
+      <p:grpSpPr>
+        <a:xfrm>
+          <a:off x="0" y="0"/>
+          <a:ext cx="0" cy="0"/>
+          <a:chOff x="0" y="0"/>
+          <a:chExt cx="0" cy="0"/>
+        </a:xfrm>
+      </p:grpSpPr>
+      <p:sp>
+        <p:nvSpPr>
+          <p:cNvPr id="2" name="标题 1"/>
+          <p:cNvSpPr>
+            <a:spLocks noGrp="1"/>
+          </p:cNvSpPr>
+          <p:nvPr>
+            <p:ph type="title"/>
+          </p:nvPr>
+        </p:nvSpPr>
+        <p:spPr/>
+        <p:txBody>
+          <a:bodyPr/>
+          <a:lstStyle/>
+          <a:p>
+            <a:r>
+              <a:rPr lang="zh-CN" altLang="en-US" dirty="0"/>
+              <a:t>反向传播算法 </a:t>
+            </a:r>
+            <a:r>
+              <a:rPr lang="en-US" altLang="zh-CN" dirty="0"/>
+              <a:t>(</a:t>
+            </a:r>
+            <a:r>
+              <a:rPr lang="zh-CN" altLang="en-US" dirty="0"/>
+              <a:t>自动微分的反向模式）</a:t>
+            </a:r>
+          </a:p>
+        </p:txBody>
+      </p:sp>
+      <p:sp>
+        <p:nvSpPr>
+          <p:cNvPr id="3" name="内容占位符 2"/>
+          <p:cNvSpPr>
+            <a:spLocks noGrp="1"/>
+          </p:cNvSpPr>
+          <p:nvPr>
+            <p:ph sz="quarter" idx="1"/>
+          </p:nvPr>
+        </p:nvSpPr>
+        <p:spPr/>
+        <p:txBody>
+          <a:bodyPr/>
+          <a:lstStyle/>
+          <a:p>
+            <a:r>
+              <a:rPr lang="zh-CN" altLang="en-US" dirty="0"/>
+              <a:t>前馈神经网络的训练过程可以分为以下三步</a:t>
+            </a:r>
+          </a:p>
+          <a:p>
+            <a:pPr lvl="1"/>
+            <a:r>
+              <a:rPr lang="zh-CN" altLang="en-US" sz="2800" dirty="0">
+                <a:solidFill>
+                  <a:srgbClr val="FF0000"/>
+                </a:solidFill>
+              </a:rPr>
+              <a:t>前向计算</a:t>
+            </a:r>
+            <a:r>
+              <a:rPr lang="zh-CN" altLang="en-US" sz="2800" dirty="0"/>
+              <a:t>每一层的状态和激活值，直到最后一层</a:t>
+            </a:r>
+          </a:p>
+          <a:p>
+            <a:pPr lvl="1"/>
+            <a:r>
+              <a:rPr lang="zh-CN" altLang="en-US" sz="2800" dirty="0">
+                <a:solidFill>
+                  <a:srgbClr val="FF0000"/>
+                </a:solidFill>
+              </a:rPr>
+              <a:t>反向计算</a:t>
+            </a:r>
+            <a:r>
+              <a:rPr lang="zh-CN" altLang="en-US" sz="2800" dirty="0"/>
+              <a:t>每一层的参数的偏导数</a:t>
+            </a:r>
+            <a:endParaRPr lang="en-US" altLang="zh-CN" sz="2800" dirty="0"/>
+          </a:p>
+          <a:p>
+            <a:pPr lvl="1"/>
+            <a:r>
+              <a:rPr lang="zh-CN" altLang="en-US" sz="2800" dirty="0">
+                <a:solidFill>
+                  <a:srgbClr val="FF0000"/>
+                </a:solidFill>
+              </a:rPr>
+              <a:t>更新参数</a:t>
+            </a:r>
+          </a:p>
+        </p:txBody>
+      </p:sp>
+    </p:spTree>
+    <p:extLst>
+      <p:ext uri="{BB962C8B-B14F-4D97-AF65-F5344CB8AC3E}">
+        <p14:creationId xmlns:p14="http://schemas.microsoft.com/office/powerpoint/2010/main" val="3440884166"/>
+      </p:ext>
+    </p:extLst>
+  </p:cSld>
+  <p:clrMapOvr>
+    <a:masterClrMapping/>
+  </p:clrMapOvr>
+</p:sld>
+</file>
+
+<file path=ppt/slides/slide35.xml><?xml version="1.0" encoding="utf-8"?>
+<p:sld xmlns:a="http://schemas.openxmlformats.org/drawingml/2006/main" xmlns:r="http://schemas.openxmlformats.org/officeDocument/2006/relationships" xmlns:p="http://schemas.openxmlformats.org/presentationml/2006/main">
+  <p:cSld>
+    <p:spTree>
+      <p:nvGrpSpPr>
+        <p:cNvPr id="1" name=""/>
+        <p:cNvGrpSpPr/>
+        <p:nvPr/>
+      </p:nvGrpSpPr>
+      <p:grpSpPr>
+        <a:xfrm>
+          <a:off x="0" y="0"/>
+          <a:ext cx="0" cy="0"/>
+          <a:chOff x="0" y="0"/>
+          <a:chExt cx="0" cy="0"/>
+        </a:xfrm>
+      </p:grpSpPr>
+      <p:sp>
+        <p:nvSpPr>
+          <p:cNvPr id="2" name="标题 1"/>
+          <p:cNvSpPr>
+            <a:spLocks noGrp="1"/>
+          </p:cNvSpPr>
+          <p:nvPr>
+            <p:ph type="title"/>
+          </p:nvPr>
+        </p:nvSpPr>
+        <p:spPr/>
+        <p:txBody>
+          <a:bodyPr/>
+          <a:lstStyle/>
+          <a:p>
+            <a:r>
+              <a:rPr lang="zh-CN" altLang="en-US" dirty="0"/>
+              <a:t>静态计算图和动态计算图</a:t>
+            </a:r>
+          </a:p>
+        </p:txBody>
+      </p:sp>
+      <p:sp>
+        <p:nvSpPr>
+          <p:cNvPr id="3" name="内容占位符 2"/>
+          <p:cNvSpPr>
+            <a:spLocks noGrp="1"/>
+          </p:cNvSpPr>
+          <p:nvPr>
+            <p:ph sz="quarter" idx="1"/>
+          </p:nvPr>
+        </p:nvSpPr>
+        <p:spPr/>
+        <p:txBody>
+          <a:bodyPr/>
+          <a:lstStyle/>
+          <a:p>
+            <a:r>
+              <a:rPr lang="zh-CN" altLang="en-US" sz="2800" dirty="0"/>
+              <a:t>静态计算图是在编译时构建计算图，计算图构建好之后在程序运行时不能改变。</a:t>
+            </a:r>
+            <a:endParaRPr lang="en-US" altLang="zh-CN" sz="2800" dirty="0"/>
+          </a:p>
+          <a:p>
+            <a:pPr lvl="1"/>
+            <a:r>
+              <a:rPr lang="en-US" altLang="zh-CN" sz="2000" dirty="0" err="1"/>
+              <a:t>Theano</a:t>
+            </a:r>
+            <a:r>
+              <a:rPr lang="zh-CN" altLang="en-US" sz="2000" dirty="0"/>
+              <a:t>和</a:t>
+            </a:r>
+            <a:r>
+              <a:rPr lang="en-US" altLang="zh-CN" sz="2000" dirty="0" err="1"/>
+              <a:t>Tensorflow</a:t>
+            </a:r>
+            <a:endParaRPr lang="en-US" altLang="zh-CN" sz="2000" dirty="0"/>
+          </a:p>
+          <a:p>
+            <a:r>
+              <a:rPr lang="zh-CN" altLang="en-US" sz="2800" dirty="0"/>
+              <a:t>动态计算图是在程序运行时动态构建。两种构建方式各有优缺点。</a:t>
+            </a:r>
+            <a:endParaRPr lang="en-US" altLang="zh-CN" sz="2800" dirty="0"/>
+          </a:p>
+          <a:p>
+            <a:pPr lvl="1"/>
+            <a:r>
+              <a:rPr lang="en-US" altLang="zh-CN" sz="2000" dirty="0" err="1"/>
+              <a:t>DyNet</a:t>
+            </a:r>
+            <a:r>
+              <a:rPr lang="zh-CN" altLang="en-US" sz="2000" dirty="0"/>
+              <a:t>，</a:t>
+            </a:r>
+            <a:r>
+              <a:rPr lang="en-US" altLang="zh-CN" sz="2000" dirty="0" err="1"/>
+              <a:t>Chainer</a:t>
+            </a:r>
+            <a:r>
+              <a:rPr lang="zh-CN" altLang="en-US" sz="2000" dirty="0"/>
+              <a:t>和</a:t>
+            </a:r>
+            <a:r>
+              <a:rPr lang="en-US" altLang="zh-CN" sz="2000" dirty="0" err="1"/>
+              <a:t>PyTorch</a:t>
+            </a:r>
+            <a:endParaRPr lang="en-US" altLang="zh-CN" sz="2000" dirty="0"/>
+          </a:p>
+          <a:p>
+            <a:endParaRPr lang="en-US" altLang="zh-CN" sz="2800" dirty="0"/>
+          </a:p>
+          <a:p>
+            <a:r>
+              <a:rPr lang="zh-CN" altLang="en-US" sz="2800" dirty="0"/>
+              <a:t>静态计算图在构建时可以进行优化，并行能力强，但灵活性比较差低。动态计算图则不容易优化，当不同输入的网络结构不一致时，难以并行计算，但是灵活性比较高。</a:t>
+            </a:r>
+            <a:endParaRPr lang="en-US" altLang="zh-CN" sz="2800" dirty="0"/>
+          </a:p>
+        </p:txBody>
+      </p:sp>
+    </p:spTree>
+    <p:extLst>
+      <p:ext uri="{BB962C8B-B14F-4D97-AF65-F5344CB8AC3E}">
+        <p14:creationId xmlns:p14="http://schemas.microsoft.com/office/powerpoint/2010/main" val="3072051011"/>
+      </p:ext>
+    </p:extLst>
+  </p:cSld>
+  <p:clrMapOvr>
+    <a:masterClrMapping/>
+  </p:clrMapOvr>
+</p:sld>
+</file>
+
+<file path=ppt/slides/slide36.xml><?xml version="1.0" encoding="utf-8"?>
+<p:sld xmlns:a="http://schemas.openxmlformats.org/drawingml/2006/main" xmlns:r="http://schemas.openxmlformats.org/officeDocument/2006/relationships" xmlns:p="http://schemas.openxmlformats.org/presentationml/2006/main">
+  <p:cSld>
+    <p:spTree>
+      <p:nvGrpSpPr>
+        <p:cNvPr id="1" name=""/>
+        <p:cNvGrpSpPr/>
+        <p:nvPr/>
+      </p:nvGrpSpPr>
+      <p:grpSpPr>
+        <a:xfrm>
+          <a:off x="0" y="0"/>
+          <a:ext cx="0" cy="0"/>
+          <a:chOff x="0" y="0"/>
+          <a:chExt cx="0" cy="0"/>
+        </a:xfrm>
+      </p:grpSpPr>
+      <p:sp>
+        <p:nvSpPr>
+          <p:cNvPr id="2" name="标题 1"/>
+          <p:cNvSpPr>
+            <a:spLocks noGrp="1"/>
+          </p:cNvSpPr>
+          <p:nvPr>
+            <p:ph type="title"/>
+          </p:nvPr>
+        </p:nvSpPr>
+        <p:spPr/>
+        <p:txBody>
+          <a:bodyPr/>
+          <a:lstStyle/>
+          <a:p>
+            <a:r>
+              <a:rPr lang="zh-CN" altLang="en-US" dirty="0"/>
+              <a:t>如何实现？</a:t>
+            </a:r>
+          </a:p>
+        </p:txBody>
+      </p:sp>
+      <p:pic>
+        <p:nvPicPr>
+          <p:cNvPr id="3" name="图片 2"/>
+          <p:cNvPicPr>
+            <a:picLocks noChangeAspect="1"/>
+          </p:cNvPicPr>
+          <p:nvPr/>
+        </p:nvPicPr>
+        <p:blipFill>
+          <a:blip r:embed="rId2">
+            <a:extLst>
+              <a:ext uri="{28A0092B-C50C-407E-A947-70E740481C1C}">
+                <a14:useLocalDpi xmlns:a14="http://schemas.microsoft.com/office/drawing/2010/main" val="0"/>
+              </a:ext>
+            </a:extLst>
+          </a:blip>
+          <a:stretch>
+            <a:fillRect/>
+          </a:stretch>
+        </p:blipFill>
+        <p:spPr>
+          <a:xfrm>
+            <a:off x="2590800" y="1371600"/>
+            <a:ext cx="6553200" cy="4594898"/>
+          </a:xfrm>
+          <a:prstGeom prst="rect">
+            <a:avLst/>
+          </a:prstGeom>
+        </p:spPr>
+      </p:pic>
+    </p:spTree>
+    <p:extLst>
+      <p:ext uri="{BB962C8B-B14F-4D97-AF65-F5344CB8AC3E}">
+        <p14:creationId xmlns:p14="http://schemas.microsoft.com/office/powerpoint/2010/main" val="2025964273"/>
+      </p:ext>
+    </p:extLst>
+  </p:cSld>
+  <p:clrMapOvr>
+    <a:masterClrMapping/>
+  </p:clrMapOvr>
+</p:sld>
+</file>
+
+<file path=ppt/slides/slide37.xml><?xml version="1.0" encoding="utf-8"?>
+<p:sld xmlns:a="http://schemas.openxmlformats.org/drawingml/2006/main" xmlns:r="http://schemas.openxmlformats.org/officeDocument/2006/relationships" xmlns:p="http://schemas.openxmlformats.org/presentationml/2006/main">
+  <p:cSld>
+    <p:spTree>
+      <p:nvGrpSpPr>
+        <p:cNvPr id="1" name=""/>
+        <p:cNvGrpSpPr/>
+        <p:nvPr/>
+      </p:nvGrpSpPr>
+      <p:grpSpPr>
+        <a:xfrm>
+          <a:off x="0" y="0"/>
+          <a:ext cx="0" cy="0"/>
+          <a:chOff x="0" y="0"/>
+          <a:chExt cx="0" cy="0"/>
+        </a:xfrm>
+      </p:grpSpPr>
+      <p:sp>
+        <p:nvSpPr>
+          <p:cNvPr id="2" name="标题 1"/>
+          <p:cNvSpPr>
+            <a:spLocks noGrp="1"/>
+          </p:cNvSpPr>
+          <p:nvPr>
+            <p:ph type="title"/>
+          </p:nvPr>
+        </p:nvSpPr>
+        <p:spPr/>
+        <p:txBody>
+          <a:bodyPr/>
+          <a:lstStyle/>
+          <a:p>
+            <a:r>
               <a:rPr lang="en-US" altLang="zh-CN" dirty="0"/>
               <a:t>Getting started: 30 seconds to </a:t>
             </a:r>
@@ -16080,7 +17240,7 @@
 </p:sld>
 </file>
 
-<file path=ppt/slides/slide34.xml><?xml version="1.0" encoding="utf-8"?>
+<file path=ppt/slides/slide38.xml><?xml version="1.0" encoding="utf-8"?>
 <p:sld xmlns:a="http://schemas.openxmlformats.org/drawingml/2006/main" xmlns:r="http://schemas.openxmlformats.org/officeDocument/2006/relationships" xmlns:p="http://schemas.openxmlformats.org/presentationml/2006/main">
   <p:cSld>
     <p:spTree>
@@ -16109,7 +17269,7 @@
           </p:nvPr>
         </p:nvGraphicFramePr>
         <p:xfrm>
-          <a:off x="901148" y="545557"/>
+          <a:off x="2425149" y="545558"/>
           <a:ext cx="6511705" cy="3504079"/>
         </p:xfrm>
         <a:graphic>
@@ -16149,8 +17309,8 @@
         </p:nvSpPr>
         <p:spPr>
           <a:xfrm>
-            <a:off x="152400" y="3276600"/>
-            <a:ext cx="4621778" cy="523220"/>
+            <a:off x="1676401" y="3276600"/>
+            <a:ext cx="5343129" cy="523220"/>
           </a:xfrm>
           <a:prstGeom prst="rect">
             <a:avLst/>
@@ -16193,7 +17353,7 @@
         </p:blipFill>
         <p:spPr bwMode="auto">
           <a:xfrm>
-            <a:off x="901148" y="3832950"/>
+            <a:off x="2425148" y="3832951"/>
             <a:ext cx="6868678" cy="2432657"/>
           </a:xfrm>
           <a:prstGeom prst="rect">
@@ -16299,7 +17459,7 @@
 </p:sld>
 </file>
 
-<file path=ppt/slides/slide35.xml><?xml version="1.0" encoding="utf-8"?>
+<file path=ppt/slides/slide39.xml><?xml version="1.0" encoding="utf-8"?>
 <p:sld xmlns:a="http://schemas.openxmlformats.org/drawingml/2006/main" xmlns:r="http://schemas.openxmlformats.org/officeDocument/2006/relationships" xmlns:p="http://schemas.openxmlformats.org/presentationml/2006/main">
   <p:cSld>
     <p:spTree>
@@ -16429,7 +17589,7 @@
 </p:sld>
 </file>
 
-<file path=ppt/slides/slide36.xml><?xml version="1.0" encoding="utf-8"?>
+<file path=ppt/slides/slide4.xml><?xml version="1.0" encoding="utf-8"?>
 <p:sld xmlns:a="http://schemas.openxmlformats.org/drawingml/2006/main" xmlns:r="http://schemas.openxmlformats.org/officeDocument/2006/relationships" xmlns:p="http://schemas.openxmlformats.org/presentationml/2006/main">
   <p:cSld>
     <p:spTree>
@@ -16463,65 +17623,26 @@
           <a:p>
             <a:r>
               <a:rPr lang="zh-CN" altLang="en-US" dirty="0"/>
-              <a:t>优化问题</a:t>
-            </a:r>
-          </a:p>
-        </p:txBody>
-      </p:sp>
-      <p:sp>
-        <p:nvSpPr>
-          <p:cNvPr id="3" name="内容占位符 2"/>
-          <p:cNvSpPr>
-            <a:spLocks noGrp="1"/>
-          </p:cNvSpPr>
-          <p:nvPr>
-            <p:ph sz="quarter" idx="1"/>
-          </p:nvPr>
-        </p:nvSpPr>
-        <p:spPr/>
-        <p:txBody>
-          <a:bodyPr/>
-          <a:lstStyle/>
-          <a:p>
-            <a:r>
-              <a:rPr lang="zh-CN" altLang="en-US" dirty="0"/>
-              <a:t>非凸优化问题</a:t>
-            </a:r>
-            <a:endParaRPr lang="en-US" altLang="zh-CN" dirty="0"/>
-          </a:p>
-          <a:p>
-            <a:endParaRPr lang="en-US" altLang="zh-CN" dirty="0"/>
-          </a:p>
-          <a:p>
-            <a:endParaRPr lang="en-US" altLang="zh-CN" dirty="0"/>
-          </a:p>
-          <a:p>
-            <a:endParaRPr lang="en-US" altLang="zh-CN" dirty="0"/>
-          </a:p>
-          <a:p>
-            <a:endParaRPr lang="en-US" altLang="zh-CN" dirty="0"/>
-          </a:p>
-          <a:p>
-            <a:endParaRPr lang="en-US" altLang="zh-CN" dirty="0"/>
-          </a:p>
-          <a:p>
-            <a:endParaRPr lang="en-US" altLang="zh-CN" dirty="0"/>
+              <a:t>生物神经元</a:t>
+            </a:r>
           </a:p>
         </p:txBody>
       </p:sp>
       <p:pic>
         <p:nvPicPr>
-          <p:cNvPr id="4" name="图片 3" descr="屏幕剪辑"/>
+          <p:cNvPr id="4" name="内容占位符 3"/>
           <p:cNvPicPr>
-            <a:picLocks noChangeAspect="1"/>
+            <a:picLocks noGrp="1" noChangeAspect="1"/>
           </p:cNvPicPr>
-          <p:nvPr/>
+          <p:nvPr>
+            <p:ph sz="quarter" idx="1"/>
+          </p:nvPr>
         </p:nvPicPr>
         <p:blipFill>
-          <a:blip r:embed="rId2">
+          <a:blip r:embed="rId3">
             <a:extLst>
               <a:ext uri="{28A0092B-C50C-407E-A947-70E740481C1C}">
-                <a14:useLocalDpi xmlns:a14="http://schemas.microsoft.com/office/drawing/2010/main" val="0"/>
+                <a14:useLocalDpi xmlns:a14="http://schemas.microsoft.com/office/drawing/2010/main"/>
               </a:ext>
             </a:extLst>
           </a:blip>
@@ -16531,18 +17652,80 @@
         </p:blipFill>
         <p:spPr>
           <a:xfrm>
-            <a:off x="2133600" y="1905000"/>
-            <a:ext cx="5325921" cy="2838127"/>
+            <a:off x="2265988" y="1219201"/>
+            <a:ext cx="7660024" cy="4937125"/>
+          </a:xfrm>
+        </p:spPr>
+      </p:pic>
+      <p:sp>
+        <p:nvSpPr>
+          <p:cNvPr id="5" name="矩形 4"/>
+          <p:cNvSpPr/>
+          <p:nvPr/>
+        </p:nvSpPr>
+        <p:spPr>
+          <a:xfrm>
+            <a:off x="6096000" y="4495801"/>
+            <a:ext cx="4114800" cy="954107"/>
           </a:xfrm>
           <a:prstGeom prst="rect">
             <a:avLst/>
           </a:prstGeom>
         </p:spPr>
-      </p:pic>
+        <p:txBody>
+          <a:bodyPr wrap="square">
+            <a:spAutoFit/>
+          </a:bodyPr>
+          <a:lstStyle/>
+          <a:p>
+            <a:r>
+              <a:rPr lang="zh-CN" altLang="en-US" sz="2800" dirty="0"/>
+              <a:t>单个神经细胞只有两种状态：兴奋和抑制</a:t>
+            </a:r>
+          </a:p>
+        </p:txBody>
+      </p:sp>
+      <p:sp>
+        <p:nvSpPr>
+          <p:cNvPr id="8" name="矩形 7"/>
+          <p:cNvSpPr/>
+          <p:nvPr/>
+        </p:nvSpPr>
+        <p:spPr>
+          <a:xfrm>
+            <a:off x="7772400" y="512782"/>
+            <a:ext cx="2595582" cy="369332"/>
+          </a:xfrm>
+          <a:prstGeom prst="rect">
+            <a:avLst/>
+          </a:prstGeom>
+        </p:spPr>
+        <p:txBody>
+          <a:bodyPr wrap="none">
+            <a:spAutoFit/>
+          </a:bodyPr>
+          <a:lstStyle/>
+          <a:p>
+            <a:r>
+              <a:rPr lang="en-US" altLang="zh-CN" dirty="0">
+                <a:hlinkClick r:id="rId4" action="ppaction://hlinkfile"/>
+              </a:rPr>
+              <a:t>video:</a:t>
+            </a:r>
+            <a:r>
+              <a:rPr lang="zh-CN" altLang="en-US" dirty="0">
+                <a:hlinkClick r:id="rId4" action="ppaction://hlinkfile"/>
+              </a:rPr>
+              <a:t> structure of brain</a:t>
+            </a:r>
+            <a:endParaRPr lang="zh-CN" altLang="en-US" dirty="0"/>
+          </a:p>
+        </p:txBody>
+      </p:sp>
     </p:spTree>
     <p:extLst>
       <p:ext uri="{BB962C8B-B14F-4D97-AF65-F5344CB8AC3E}">
-        <p14:creationId xmlns:p14="http://schemas.microsoft.com/office/powerpoint/2010/main" val="3227197317"/>
+        <p14:creationId xmlns:p14="http://schemas.microsoft.com/office/powerpoint/2010/main" val="3354367713"/>
       </p:ext>
     </p:extLst>
   </p:cSld>
@@ -16552,7 +17735,7 @@
 </p:sld>
 </file>
 
-<file path=ppt/slides/slide37.xml><?xml version="1.0" encoding="utf-8"?>
+<file path=ppt/slides/slide40.xml><?xml version="1.0" encoding="utf-8"?>
 <p:sld xmlns:a="http://schemas.openxmlformats.org/drawingml/2006/main" xmlns:r="http://schemas.openxmlformats.org/officeDocument/2006/relationships" xmlns:p="http://schemas.openxmlformats.org/presentationml/2006/main">
   <p:cSld>
     <p:spTree>
@@ -16608,6 +17791,129 @@
           <a:p>
             <a:r>
               <a:rPr lang="zh-CN" altLang="en-US" dirty="0"/>
+              <a:t>非凸优化问题</a:t>
+            </a:r>
+            <a:endParaRPr lang="en-US" altLang="zh-CN" dirty="0"/>
+          </a:p>
+          <a:p>
+            <a:endParaRPr lang="en-US" altLang="zh-CN" dirty="0"/>
+          </a:p>
+          <a:p>
+            <a:endParaRPr lang="en-US" altLang="zh-CN" dirty="0"/>
+          </a:p>
+          <a:p>
+            <a:endParaRPr lang="en-US" altLang="zh-CN" dirty="0"/>
+          </a:p>
+          <a:p>
+            <a:endParaRPr lang="en-US" altLang="zh-CN" dirty="0"/>
+          </a:p>
+          <a:p>
+            <a:endParaRPr lang="en-US" altLang="zh-CN" dirty="0"/>
+          </a:p>
+          <a:p>
+            <a:endParaRPr lang="en-US" altLang="zh-CN" dirty="0"/>
+          </a:p>
+        </p:txBody>
+      </p:sp>
+      <p:pic>
+        <p:nvPicPr>
+          <p:cNvPr id="4" name="图片 3" descr="屏幕剪辑"/>
+          <p:cNvPicPr>
+            <a:picLocks noChangeAspect="1"/>
+          </p:cNvPicPr>
+          <p:nvPr/>
+        </p:nvPicPr>
+        <p:blipFill>
+          <a:blip r:embed="rId2">
+            <a:extLst>
+              <a:ext uri="{28A0092B-C50C-407E-A947-70E740481C1C}">
+                <a14:useLocalDpi xmlns:a14="http://schemas.microsoft.com/office/drawing/2010/main" val="0"/>
+              </a:ext>
+            </a:extLst>
+          </a:blip>
+          <a:stretch>
+            <a:fillRect/>
+          </a:stretch>
+        </p:blipFill>
+        <p:spPr>
+          <a:xfrm>
+            <a:off x="3657601" y="1905001"/>
+            <a:ext cx="5325921" cy="2838127"/>
+          </a:xfrm>
+          <a:prstGeom prst="rect">
+            <a:avLst/>
+          </a:prstGeom>
+        </p:spPr>
+      </p:pic>
+    </p:spTree>
+    <p:extLst>
+      <p:ext uri="{BB962C8B-B14F-4D97-AF65-F5344CB8AC3E}">
+        <p14:creationId xmlns:p14="http://schemas.microsoft.com/office/powerpoint/2010/main" val="3227197317"/>
+      </p:ext>
+    </p:extLst>
+  </p:cSld>
+  <p:clrMapOvr>
+    <a:masterClrMapping/>
+  </p:clrMapOvr>
+</p:sld>
+</file>
+
+<file path=ppt/slides/slide41.xml><?xml version="1.0" encoding="utf-8"?>
+<p:sld xmlns:a="http://schemas.openxmlformats.org/drawingml/2006/main" xmlns:r="http://schemas.openxmlformats.org/officeDocument/2006/relationships" xmlns:p="http://schemas.openxmlformats.org/presentationml/2006/main">
+  <p:cSld>
+    <p:spTree>
+      <p:nvGrpSpPr>
+        <p:cNvPr id="1" name=""/>
+        <p:cNvGrpSpPr/>
+        <p:nvPr/>
+      </p:nvGrpSpPr>
+      <p:grpSpPr>
+        <a:xfrm>
+          <a:off x="0" y="0"/>
+          <a:ext cx="0" cy="0"/>
+          <a:chOff x="0" y="0"/>
+          <a:chExt cx="0" cy="0"/>
+        </a:xfrm>
+      </p:grpSpPr>
+      <p:sp>
+        <p:nvSpPr>
+          <p:cNvPr id="2" name="标题 1"/>
+          <p:cNvSpPr>
+            <a:spLocks noGrp="1"/>
+          </p:cNvSpPr>
+          <p:nvPr>
+            <p:ph type="title"/>
+          </p:nvPr>
+        </p:nvSpPr>
+        <p:spPr/>
+        <p:txBody>
+          <a:bodyPr/>
+          <a:lstStyle/>
+          <a:p>
+            <a:r>
+              <a:rPr lang="zh-CN" altLang="en-US" dirty="0"/>
+              <a:t>优化问题</a:t>
+            </a:r>
+          </a:p>
+        </p:txBody>
+      </p:sp>
+      <p:sp>
+        <p:nvSpPr>
+          <p:cNvPr id="3" name="内容占位符 2"/>
+          <p:cNvSpPr>
+            <a:spLocks noGrp="1"/>
+          </p:cNvSpPr>
+          <p:nvPr>
+            <p:ph sz="quarter" idx="1"/>
+          </p:nvPr>
+        </p:nvSpPr>
+        <p:spPr/>
+        <p:txBody>
+          <a:bodyPr/>
+          <a:lstStyle/>
+          <a:p>
+            <a:r>
+              <a:rPr lang="zh-CN" altLang="en-US" dirty="0"/>
               <a:t>梯度消失问题（</a:t>
             </a:r>
             <a:r>
@@ -16652,7 +17958,7 @@
         </p:blipFill>
         <p:spPr>
           <a:xfrm>
-            <a:off x="2209800" y="4287308"/>
+            <a:off x="3733800" y="4287308"/>
             <a:ext cx="4463260" cy="1937708"/>
           </a:xfrm>
           <a:prstGeom prst="rect">
@@ -16660,8 +17966,8 @@
           </a:prstGeom>
         </p:spPr>
       </p:pic>
-      <mc:AlternateContent xmlns:mc="http://schemas.openxmlformats.org/markup-compatibility/2006" xmlns:a14="http://schemas.microsoft.com/office/drawing/2010/main">
-        <mc:Choice Requires="a14">
+      <mc:AlternateContent xmlns:mc="http://schemas.openxmlformats.org/markup-compatibility/2006">
+        <mc:Choice xmlns:a14="http://schemas.microsoft.com/office/drawing/2010/main" Requires="a14">
           <p:sp>
             <p:nvSpPr>
               <p:cNvPr id="7" name="文本框 6"/>
@@ -16670,7 +17976,7 @@
             </p:nvSpPr>
             <p:spPr>
               <a:xfrm flipH="1">
-                <a:off x="1828800" y="2129896"/>
+                <a:off x="3352801" y="2129896"/>
                 <a:ext cx="5027141" cy="1848904"/>
               </a:xfrm>
               <a:prstGeom prst="rect">
@@ -16688,21 +17994,21 @@
                 <a14:m>
                   <m:oMath xmlns:m="http://schemas.openxmlformats.org/officeDocument/2006/math">
                     <m:r>
-                      <a:rPr lang="en-US" altLang="zh-CN" sz="2800" i="1" smtClean="0">
+                      <a:rPr lang="en-US" altLang="zh-CN" sz="2800" i="1">
                         <a:latin typeface="Cambria Math" panose="02040503050406030204" pitchFamily="18" charset="0"/>
                         <a:ea typeface="Cambria Math" panose="02040503050406030204" pitchFamily="18" charset="0"/>
                       </a:rPr>
                       <m:t>𝑦</m:t>
                     </m:r>
                     <m:r>
-                      <a:rPr lang="en-US" altLang="zh-CN" sz="2800" i="1" smtClean="0">
+                      <a:rPr lang="en-US" altLang="zh-CN" sz="2800" i="1">
                         <a:latin typeface="Cambria Math" panose="02040503050406030204" pitchFamily="18" charset="0"/>
                         <a:ea typeface="Cambria Math" panose="02040503050406030204" pitchFamily="18" charset="0"/>
                       </a:rPr>
                       <m:t>=</m:t>
                     </m:r>
                     <m:r>
-                      <a:rPr lang="en-US" altLang="zh-CN" sz="2800" i="1" smtClean="0">
+                      <a:rPr lang="en-US" altLang="zh-CN" sz="2800" i="1">
                         <a:latin typeface="Cambria Math" panose="02040503050406030204" pitchFamily="18" charset="0"/>
                         <a:ea typeface="Cambria Math" panose="02040503050406030204" pitchFamily="18" charset="0"/>
                       </a:rPr>
@@ -16852,20 +18158,20 @@
                       <m:f>
                         <m:fPr>
                           <m:ctrlPr>
-                            <a:rPr lang="en-US" altLang="zh-CN" sz="2800" i="1" smtClean="0">
+                            <a:rPr lang="en-US" altLang="zh-CN" sz="2800" i="1">
                               <a:latin typeface="Cambria Math" panose="02040503050406030204" pitchFamily="18" charset="0"/>
                             </a:rPr>
                           </m:ctrlPr>
                         </m:fPr>
                         <m:num>
                           <m:r>
-                            <a:rPr lang="en-US" altLang="zh-CN" sz="2800" i="1" smtClean="0">
+                            <a:rPr lang="en-US" altLang="zh-CN" sz="2800" i="1">
                               <a:latin typeface="Cambria Math" panose="02040503050406030204" pitchFamily="18" charset="0"/>
                             </a:rPr>
                             <m:t>𝜕</m:t>
                           </m:r>
                           <m:r>
-                            <a:rPr lang="en-US" altLang="zh-CN" sz="2800" i="1" smtClean="0">
+                            <a:rPr lang="en-US" altLang="zh-CN" sz="2800" i="1">
                               <a:latin typeface="Cambria Math" panose="02040503050406030204" pitchFamily="18" charset="0"/>
                             </a:rPr>
                             <m:t>𝑦</m:t>
@@ -16873,13 +18179,13 @@
                         </m:num>
                         <m:den>
                           <m:r>
-                            <a:rPr lang="en-US" altLang="zh-CN" sz="2800" i="1" smtClean="0">
+                            <a:rPr lang="en-US" altLang="zh-CN" sz="2800" i="1">
                               <a:latin typeface="Cambria Math" panose="02040503050406030204" pitchFamily="18" charset="0"/>
                             </a:rPr>
                             <m:t>𝜕</m:t>
                           </m:r>
                           <m:r>
-                            <a:rPr lang="en-US" altLang="zh-CN" sz="2800" i="1" smtClean="0">
+                            <a:rPr lang="en-US" altLang="zh-CN" sz="2800" i="1">
                               <a:latin typeface="Cambria Math" panose="02040503050406030204" pitchFamily="18" charset="0"/>
                             </a:rPr>
                             <m:t>𝑥</m:t>
@@ -16916,7 +18222,7 @@
                             <m:t>𝑓</m:t>
                           </m:r>
                           <m:r>
-                            <a:rPr lang="en-US" altLang="zh-CN" sz="2800" b="0" i="1" baseline="30000" smtClean="0">
+                            <a:rPr lang="en-US" altLang="zh-CN" sz="2800" i="1" baseline="30000">
                               <a:latin typeface="Cambria Math" panose="02040503050406030204" pitchFamily="18" charset="0"/>
                               <a:ea typeface="Cambria Math" panose="02040503050406030204" pitchFamily="18" charset="0"/>
                             </a:rPr>
@@ -16965,7 +18271,7 @@
                             <m:t>𝑓</m:t>
                           </m:r>
                           <m:r>
-                            <a:rPr lang="en-US" altLang="zh-CN" sz="2800" b="0" i="1" baseline="30000" smtClean="0">
+                            <a:rPr lang="en-US" altLang="zh-CN" sz="2800" i="1" baseline="30000">
                               <a:latin typeface="Cambria Math" panose="02040503050406030204" pitchFamily="18" charset="0"/>
                               <a:ea typeface="Cambria Math" panose="02040503050406030204" pitchFamily="18" charset="0"/>
                             </a:rPr>
@@ -16987,7 +18293,7 @@
                             <m:t>𝑓</m:t>
                           </m:r>
                           <m:r>
-                            <a:rPr lang="en-US" altLang="zh-CN" sz="2800" b="0" i="1" baseline="30000" smtClean="0">
+                            <a:rPr lang="en-US" altLang="zh-CN" sz="2800" i="1" baseline="30000">
                               <a:latin typeface="Cambria Math" panose="02040503050406030204" pitchFamily="18" charset="0"/>
                               <a:ea typeface="Cambria Math" panose="02040503050406030204" pitchFamily="18" charset="0"/>
                             </a:rPr>
@@ -17018,7 +18324,7 @@
                             <m:t>𝑓</m:t>
                           </m:r>
                           <m:r>
-                            <a:rPr lang="en-US" altLang="zh-CN" sz="2800" b="0" i="1" baseline="30000" smtClean="0">
+                            <a:rPr lang="en-US" altLang="zh-CN" sz="2800" i="1" baseline="30000">
                               <a:latin typeface="Cambria Math" panose="02040503050406030204" pitchFamily="18" charset="0"/>
                               <a:ea typeface="Cambria Math" panose="02040503050406030204" pitchFamily="18" charset="0"/>
                             </a:rPr>
@@ -17040,7 +18346,7 @@
                             <m:t>𝑓</m:t>
                           </m:r>
                           <m:r>
-                            <a:rPr lang="en-US" altLang="zh-CN" sz="2800" b="0" i="1" baseline="30000" smtClean="0">
+                            <a:rPr lang="en-US" altLang="zh-CN" sz="2800" i="1" baseline="30000">
                               <a:latin typeface="Cambria Math" panose="02040503050406030204" pitchFamily="18" charset="0"/>
                               <a:ea typeface="Cambria Math" panose="02040503050406030204" pitchFamily="18" charset="0"/>
                             </a:rPr>
@@ -17093,7 +18399,7 @@
                             <m:t>𝑓</m:t>
                           </m:r>
                           <m:r>
-                            <a:rPr lang="en-US" altLang="zh-CN" sz="2800" b="0" i="1" baseline="30000" smtClean="0">
+                            <a:rPr lang="en-US" altLang="zh-CN" sz="2800" i="1" baseline="30000">
                               <a:latin typeface="Cambria Math" panose="02040503050406030204" pitchFamily="18" charset="0"/>
                               <a:ea typeface="Cambria Math" panose="02040503050406030204" pitchFamily="18" charset="0"/>
                             </a:rPr>
@@ -17146,7 +18452,7 @@
                             <m:t>𝑓</m:t>
                           </m:r>
                           <m:r>
-                            <a:rPr lang="en-US" altLang="zh-CN" sz="2800" b="0" i="1" baseline="30000" smtClean="0">
+                            <a:rPr lang="en-US" altLang="zh-CN" sz="2800" i="1" baseline="30000">
                               <a:latin typeface="Cambria Math" panose="02040503050406030204" pitchFamily="18" charset="0"/>
                               <a:ea typeface="Cambria Math" panose="02040503050406030204" pitchFamily="18" charset="0"/>
                             </a:rPr>
@@ -17162,7 +18468,7 @@
             </p:txBody>
           </p:sp>
         </mc:Choice>
-        <mc:Fallback xmlns="">
+        <mc:Fallback>
           <p:sp>
             <p:nvSpPr>
               <p:cNvPr id="7" name="文本框 6"/>
@@ -17173,7 +18479,7 @@
             </p:nvSpPr>
             <p:spPr>
               <a:xfrm flipH="1">
-                <a:off x="1828800" y="2129896"/>
+                <a:off x="3352801" y="2129896"/>
                 <a:ext cx="5027141" cy="1848904"/>
               </a:xfrm>
               <a:prstGeom prst="rect">
@@ -17214,7 +18520,7 @@
 </p:sld>
 </file>
 
-<file path=ppt/slides/slide38.xml><?xml version="1.0" encoding="utf-8"?>
+<file path=ppt/slides/slide42.xml><?xml version="1.0" encoding="utf-8"?>
 <p:sld xmlns:a="http://schemas.openxmlformats.org/drawingml/2006/main" xmlns:r="http://schemas.openxmlformats.org/officeDocument/2006/relationships" xmlns:p="http://schemas.openxmlformats.org/presentationml/2006/main">
   <p:cSld>
     <p:spTree>
@@ -17389,7 +18695,7 @@
 </p:sld>
 </file>
 
-<file path=ppt/slides/slide39.xml><?xml version="1.0" encoding="utf-8"?>
+<file path=ppt/slides/slide43.xml><?xml version="1.0" encoding="utf-8"?>
 <p:sld xmlns:a="http://schemas.openxmlformats.org/drawingml/2006/main" xmlns:r="http://schemas.openxmlformats.org/officeDocument/2006/relationships" xmlns:p="http://schemas.openxmlformats.org/presentationml/2006/main">
   <p:cSld>
     <p:spTree>
@@ -17414,7 +18720,7 @@
         </p:nvSpPr>
         <p:spPr>
           <a:xfrm>
-            <a:off x="3352800" y="4038600"/>
+            <a:off x="4648200" y="3962400"/>
             <a:ext cx="2313454" cy="369332"/>
           </a:xfrm>
           <a:prstGeom prst="rect">
@@ -17447,7 +18753,374 @@
 </p:sld>
 </file>
 
-<file path=ppt/slides/slide4.xml><?xml version="1.0" encoding="utf-8"?>
+<file path=ppt/slides/slide5.xml><?xml version="1.0" encoding="utf-8"?>
+<p:sld xmlns:a="http://schemas.openxmlformats.org/drawingml/2006/main" xmlns:r="http://schemas.openxmlformats.org/officeDocument/2006/relationships" xmlns:p="http://schemas.openxmlformats.org/presentationml/2006/main">
+  <p:cSld>
+    <p:spTree>
+      <p:nvGrpSpPr>
+        <p:cNvPr id="1" name=""/>
+        <p:cNvGrpSpPr/>
+        <p:nvPr/>
+      </p:nvGrpSpPr>
+      <p:grpSpPr>
+        <a:xfrm>
+          <a:off x="0" y="0"/>
+          <a:ext cx="0" cy="0"/>
+          <a:chOff x="0" y="0"/>
+          <a:chExt cx="0" cy="0"/>
+        </a:xfrm>
+      </p:grpSpPr>
+      <p:pic>
+        <p:nvPicPr>
+          <p:cNvPr id="19" name="图片 18">
+            <a:extLst>
+              <a:ext uri="{FF2B5EF4-FFF2-40B4-BE49-F238E27FC236}">
+                <a16:creationId xmlns:a16="http://schemas.microsoft.com/office/drawing/2014/main" id="{83034532-044F-48EF-AA0B-4D187FE94C12}"/>
+              </a:ext>
+            </a:extLst>
+          </p:cNvPr>
+          <p:cNvPicPr>
+            <a:picLocks noChangeAspect="1"/>
+          </p:cNvPicPr>
+          <p:nvPr/>
+        </p:nvPicPr>
+        <p:blipFill>
+          <a:blip r:embed="rId2">
+            <a:extLst>
+              <a:ext uri="{28A0092B-C50C-407E-A947-70E740481C1C}">
+                <a14:useLocalDpi xmlns:a14="http://schemas.microsoft.com/office/drawing/2010/main" val="0"/>
+              </a:ext>
+            </a:extLst>
+          </a:blip>
+          <a:stretch>
+            <a:fillRect/>
+          </a:stretch>
+        </p:blipFill>
+        <p:spPr>
+          <a:xfrm>
+            <a:off x="3377892" y="2057400"/>
+            <a:ext cx="4883577" cy="3802361"/>
+          </a:xfrm>
+          <a:prstGeom prst="rect">
+            <a:avLst/>
+          </a:prstGeom>
+        </p:spPr>
+      </p:pic>
+      <p:sp>
+        <p:nvSpPr>
+          <p:cNvPr id="2" name="标题 1"/>
+          <p:cNvSpPr>
+            <a:spLocks noGrp="1"/>
+          </p:cNvSpPr>
+          <p:nvPr>
+            <p:ph type="title"/>
+          </p:nvPr>
+        </p:nvSpPr>
+        <p:spPr/>
+        <p:txBody>
+          <a:bodyPr/>
+          <a:lstStyle/>
+          <a:p>
+            <a:r>
+              <a:rPr lang="zh-CN" altLang="en-US" dirty="0"/>
+              <a:t>人工神经元</a:t>
+            </a:r>
+          </a:p>
+        </p:txBody>
+      </p:sp>
+      <p:sp>
+        <p:nvSpPr>
+          <p:cNvPr id="3" name="文本框 2">
+            <a:extLst>
+              <a:ext uri="{FF2B5EF4-FFF2-40B4-BE49-F238E27FC236}">
+                <a16:creationId xmlns:a16="http://schemas.microsoft.com/office/drawing/2014/main" id="{B2F6D778-6AA8-4F64-BF44-499071509A6D}"/>
+              </a:ext>
+            </a:extLst>
+          </p:cNvPr>
+          <p:cNvSpPr txBox="1"/>
+          <p:nvPr/>
+        </p:nvSpPr>
+        <p:spPr>
+          <a:xfrm>
+            <a:off x="6270010" y="5181600"/>
+            <a:ext cx="2492990" cy="369332"/>
+          </a:xfrm>
+          <a:prstGeom prst="rect">
+            <a:avLst/>
+          </a:prstGeom>
+          <a:noFill/>
+        </p:spPr>
+        <p:txBody>
+          <a:bodyPr wrap="none" rtlCol="0">
+            <a:spAutoFit/>
+          </a:bodyPr>
+          <a:lstStyle/>
+          <a:p>
+            <a:r>
+              <a:rPr lang="zh-CN" altLang="en-US" dirty="0">
+                <a:solidFill>
+                  <a:srgbClr val="FF0000"/>
+                </a:solidFill>
+              </a:rPr>
+              <a:t>一个简单的线性模型！</a:t>
+            </a:r>
+          </a:p>
+        </p:txBody>
+      </p:sp>
+      <p:pic>
+        <p:nvPicPr>
+          <p:cNvPr id="6" name="图片 5">
+            <a:extLst>
+              <a:ext uri="{FF2B5EF4-FFF2-40B4-BE49-F238E27FC236}">
+                <a16:creationId xmlns:a16="http://schemas.microsoft.com/office/drawing/2014/main" id="{2F01A7F6-6621-47B1-9BD1-02C64B487506}"/>
+              </a:ext>
+            </a:extLst>
+          </p:cNvPr>
+          <p:cNvPicPr>
+            <a:picLocks noChangeAspect="1"/>
+          </p:cNvPicPr>
+          <p:nvPr/>
+        </p:nvPicPr>
+        <p:blipFill>
+          <a:blip r:embed="rId3">
+            <a:extLst>
+              <a:ext uri="{28A0092B-C50C-407E-A947-70E740481C1C}">
+                <a14:useLocalDpi xmlns:a14="http://schemas.microsoft.com/office/drawing/2010/main" val="0"/>
+              </a:ext>
+            </a:extLst>
+          </a:blip>
+          <a:stretch>
+            <a:fillRect/>
+          </a:stretch>
+        </p:blipFill>
+        <p:spPr>
+          <a:xfrm>
+            <a:off x="5390961" y="1197927"/>
+            <a:ext cx="1758097" cy="1261748"/>
+          </a:xfrm>
+          <a:prstGeom prst="rect">
+            <a:avLst/>
+          </a:prstGeom>
+        </p:spPr>
+      </p:pic>
+      <p:pic>
+        <p:nvPicPr>
+          <p:cNvPr id="8" name="图片 7">
+            <a:extLst>
+              <a:ext uri="{FF2B5EF4-FFF2-40B4-BE49-F238E27FC236}">
+                <a16:creationId xmlns:a16="http://schemas.microsoft.com/office/drawing/2014/main" id="{606A4CF6-EA17-4B69-A42E-7AE378F9A0A3}"/>
+              </a:ext>
+            </a:extLst>
+          </p:cNvPr>
+          <p:cNvPicPr>
+            <a:picLocks noChangeAspect="1"/>
+          </p:cNvPicPr>
+          <p:nvPr/>
+        </p:nvPicPr>
+        <p:blipFill>
+          <a:blip r:embed="rId4">
+            <a:extLst>
+              <a:ext uri="{28A0092B-C50C-407E-A947-70E740481C1C}">
+                <a14:useLocalDpi xmlns:a14="http://schemas.microsoft.com/office/drawing/2010/main" val="0"/>
+              </a:ext>
+            </a:extLst>
+          </a:blip>
+          <a:stretch>
+            <a:fillRect/>
+          </a:stretch>
+        </p:blipFill>
+        <p:spPr>
+          <a:xfrm>
+            <a:off x="7725509" y="1841671"/>
+            <a:ext cx="1023284" cy="473541"/>
+          </a:xfrm>
+          <a:prstGeom prst="rect">
+            <a:avLst/>
+          </a:prstGeom>
+        </p:spPr>
+      </p:pic>
+      <p:cxnSp>
+        <p:nvCxnSpPr>
+          <p:cNvPr id="10" name="直接箭头连接符 9">
+            <a:extLst>
+              <a:ext uri="{FF2B5EF4-FFF2-40B4-BE49-F238E27FC236}">
+                <a16:creationId xmlns:a16="http://schemas.microsoft.com/office/drawing/2014/main" id="{46038E41-BE83-498F-9284-0E0917F5B7E7}"/>
+              </a:ext>
+            </a:extLst>
+          </p:cNvPr>
+          <p:cNvCxnSpPr>
+            <a:cxnSpLocks/>
+          </p:cNvCxnSpPr>
+          <p:nvPr/>
+        </p:nvCxnSpPr>
+        <p:spPr>
+          <a:xfrm flipV="1">
+            <a:off x="5334000" y="2459675"/>
+            <a:ext cx="485681" cy="588325"/>
+          </a:xfrm>
+          <a:prstGeom prst="straightConnector1">
+            <a:avLst/>
+          </a:prstGeom>
+          <a:ln>
+            <a:tailEnd type="triangle"/>
+          </a:ln>
+        </p:spPr>
+        <p:style>
+          <a:lnRef idx="1">
+            <a:schemeClr val="accent1"/>
+          </a:lnRef>
+          <a:fillRef idx="0">
+            <a:schemeClr val="accent1"/>
+          </a:fillRef>
+          <a:effectRef idx="0">
+            <a:schemeClr val="accent1"/>
+          </a:effectRef>
+          <a:fontRef idx="minor">
+            <a:schemeClr val="tx1"/>
+          </a:fontRef>
+        </p:style>
+      </p:cxnSp>
+      <p:cxnSp>
+        <p:nvCxnSpPr>
+          <p:cNvPr id="12" name="直接箭头连接符 11">
+            <a:extLst>
+              <a:ext uri="{FF2B5EF4-FFF2-40B4-BE49-F238E27FC236}">
+                <a16:creationId xmlns:a16="http://schemas.microsoft.com/office/drawing/2014/main" id="{1AB4CED1-09CB-43F0-811F-9723990C7BB3}"/>
+              </a:ext>
+            </a:extLst>
+          </p:cNvPr>
+          <p:cNvCxnSpPr>
+            <a:cxnSpLocks/>
+          </p:cNvCxnSpPr>
+          <p:nvPr/>
+        </p:nvCxnSpPr>
+        <p:spPr>
+          <a:xfrm flipV="1">
+            <a:off x="7149058" y="2459675"/>
+            <a:ext cx="623342" cy="935442"/>
+          </a:xfrm>
+          <a:prstGeom prst="straightConnector1">
+            <a:avLst/>
+          </a:prstGeom>
+          <a:ln>
+            <a:tailEnd type="triangle"/>
+          </a:ln>
+        </p:spPr>
+        <p:style>
+          <a:lnRef idx="1">
+            <a:schemeClr val="accent1"/>
+          </a:lnRef>
+          <a:fillRef idx="0">
+            <a:schemeClr val="accent1"/>
+          </a:fillRef>
+          <a:effectRef idx="0">
+            <a:schemeClr val="accent1"/>
+          </a:effectRef>
+          <a:fontRef idx="minor">
+            <a:schemeClr val="tx1"/>
+          </a:fontRef>
+        </p:style>
+      </p:cxnSp>
+    </p:spTree>
+    <p:extLst>
+      <p:ext uri="{BB962C8B-B14F-4D97-AF65-F5344CB8AC3E}">
+        <p14:creationId xmlns:p14="http://schemas.microsoft.com/office/powerpoint/2010/main" val="1849516299"/>
+      </p:ext>
+    </p:extLst>
+  </p:cSld>
+  <p:clrMapOvr>
+    <a:masterClrMapping/>
+  </p:clrMapOvr>
+  <p:timing>
+    <p:tnLst>
+      <p:par>
+        <p:cTn id="1" dur="indefinite" restart="never" nodeType="tmRoot">
+          <p:childTnLst>
+            <p:seq concurrent="1" nextAc="seek">
+              <p:cTn id="2" dur="indefinite" nodeType="mainSeq">
+                <p:childTnLst>
+                  <p:par>
+                    <p:cTn id="3" fill="hold">
+                      <p:stCondLst>
+                        <p:cond delay="indefinite"/>
+                      </p:stCondLst>
+                      <p:childTnLst>
+                        <p:par>
+                          <p:cTn id="4" fill="hold">
+                            <p:stCondLst>
+                              <p:cond delay="0"/>
+                            </p:stCondLst>
+                            <p:childTnLst>
+                              <p:par>
+                                <p:cTn id="5" presetID="10" presetClass="entr" presetSubtype="0" fill="hold" grpId="0" nodeType="clickEffect">
+                                  <p:stCondLst>
+                                    <p:cond delay="0"/>
+                                  </p:stCondLst>
+                                  <p:childTnLst>
+                                    <p:set>
+                                      <p:cBhvr>
+                                        <p:cTn id="6" dur="1" fill="hold">
+                                          <p:stCondLst>
+                                            <p:cond delay="0"/>
+                                          </p:stCondLst>
+                                        </p:cTn>
+                                        <p:tgtEl>
+                                          <p:spTgt spid="3"/>
+                                        </p:tgtEl>
+                                        <p:attrNameLst>
+                                          <p:attrName>style.visibility</p:attrName>
+                                        </p:attrNameLst>
+                                      </p:cBhvr>
+                                      <p:to>
+                                        <p:strVal val="visible"/>
+                                      </p:to>
+                                    </p:set>
+                                    <p:animEffect transition="in" filter="fade">
+                                      <p:cBhvr>
+                                        <p:cTn id="7" dur="500"/>
+                                        <p:tgtEl>
+                                          <p:spTgt spid="3"/>
+                                        </p:tgtEl>
+                                      </p:cBhvr>
+                                    </p:animEffect>
+                                  </p:childTnLst>
+                                </p:cTn>
+                              </p:par>
+                            </p:childTnLst>
+                          </p:cTn>
+                        </p:par>
+                      </p:childTnLst>
+                    </p:cTn>
+                  </p:par>
+                </p:childTnLst>
+              </p:cTn>
+              <p:prevCondLst>
+                <p:cond evt="onPrev" delay="0">
+                  <p:tgtEl>
+                    <p:sldTgt/>
+                  </p:tgtEl>
+                </p:cond>
+              </p:prevCondLst>
+              <p:nextCondLst>
+                <p:cond evt="onNext" delay="0">
+                  <p:tgtEl>
+                    <p:sldTgt/>
+                  </p:tgtEl>
+                </p:cond>
+              </p:nextCondLst>
+            </p:seq>
+          </p:childTnLst>
+        </p:cTn>
+      </p:par>
+    </p:tnLst>
+    <p:bldLst>
+      <p:bldP spid="3" grpId="0"/>
+    </p:bldLst>
+  </p:timing>
+</p:sld>
+</file>
+
+<file path=ppt/slides/slide6.xml><?xml version="1.0" encoding="utf-8"?>
 <p:sld xmlns:a="http://schemas.openxmlformats.org/drawingml/2006/main" xmlns:r="http://schemas.openxmlformats.org/officeDocument/2006/relationships" xmlns:p="http://schemas.openxmlformats.org/presentationml/2006/main">
   <p:cSld>
     <p:spTree>
@@ -17567,10 +19240,14 @@
           <a:p>
             <a:pPr lvl="1"/>
             <a:r>
-              <a:rPr lang="en-US" altLang="zh-CN" dirty="0"/>
-              <a:t>?</a:t>
-            </a:r>
-            <a:endParaRPr lang="zh-CN" altLang="en-US" dirty="0"/>
+              <a:rPr lang="en-US" altLang="zh-CN" dirty="0">
+                <a:latin typeface="+mn-lt"/>
+              </a:rPr>
+              <a:t>???</a:t>
+            </a:r>
+            <a:endParaRPr lang="zh-CN" altLang="en-US" dirty="0">
+              <a:latin typeface="+mn-lt"/>
+            </a:endParaRPr>
           </a:p>
         </p:txBody>
       </p:sp>
@@ -17587,7 +19264,7 @@
 </p:sld>
 </file>
 
-<file path=ppt/slides/slide5.xml><?xml version="1.0" encoding="utf-8"?>
+<file path=ppt/slides/slide7.xml><?xml version="1.0" encoding="utf-8"?>
 <p:sld xmlns:a="http://schemas.openxmlformats.org/drawingml/2006/main" xmlns:r="http://schemas.openxmlformats.org/officeDocument/2006/relationships" xmlns:p="http://schemas.openxmlformats.org/presentationml/2006/main">
   <p:cSld>
     <p:spTree>
@@ -17626,6 +19303,88 @@
           </a:p>
         </p:txBody>
       </p:sp>
+      <p:sp>
+        <p:nvSpPr>
+          <p:cNvPr id="4" name="内容占位符 3">
+            <a:extLst>
+              <a:ext uri="{FF2B5EF4-FFF2-40B4-BE49-F238E27FC236}">
+                <a16:creationId xmlns:a16="http://schemas.microsoft.com/office/drawing/2014/main" id="{86F72E8B-B43C-493E-9235-AE951AF96108}"/>
+              </a:ext>
+            </a:extLst>
+          </p:cNvPr>
+          <p:cNvSpPr>
+            <a:spLocks noGrp="1"/>
+          </p:cNvSpPr>
+          <p:nvPr>
+            <p:ph sz="quarter" idx="1"/>
+          </p:nvPr>
+        </p:nvSpPr>
+        <p:spPr/>
+        <p:txBody>
+          <a:bodyPr/>
+          <a:lstStyle/>
+          <a:p>
+            <a:endParaRPr lang="en-US" altLang="zh-CN" dirty="0"/>
+          </a:p>
+          <a:p>
+            <a:endParaRPr lang="en-US" altLang="zh-CN" dirty="0"/>
+          </a:p>
+          <a:p>
+            <a:endParaRPr lang="en-US" altLang="zh-CN" dirty="0"/>
+          </a:p>
+          <a:p>
+            <a:endParaRPr lang="en-US" altLang="zh-CN" dirty="0"/>
+          </a:p>
+          <a:p>
+            <a:endParaRPr lang="en-US" altLang="zh-CN" dirty="0"/>
+          </a:p>
+          <a:p>
+            <a:endParaRPr lang="en-US" altLang="zh-CN" dirty="0"/>
+          </a:p>
+          <a:p>
+            <a:r>
+              <a:rPr lang="zh-CN" altLang="en-US" dirty="0"/>
+              <a:t>性质：</a:t>
+            </a:r>
+            <a:endParaRPr lang="en-US" altLang="zh-CN" dirty="0"/>
+          </a:p>
+          <a:p>
+            <a:pPr lvl="1"/>
+            <a:r>
+              <a:rPr lang="zh-CN" altLang="en-US" dirty="0"/>
+              <a:t>饱和函数</a:t>
+            </a:r>
+            <a:endParaRPr lang="en-US" altLang="zh-CN" dirty="0"/>
+          </a:p>
+          <a:p>
+            <a:pPr lvl="1"/>
+            <a:r>
+              <a:rPr lang="en-US" altLang="zh-CN" dirty="0"/>
+              <a:t>Tanh</a:t>
+            </a:r>
+            <a:r>
+              <a:rPr lang="zh-CN" altLang="en-US" dirty="0"/>
+              <a:t>函数是零中心化的，而</a:t>
+            </a:r>
+            <a:r>
+              <a:rPr lang="en-US" altLang="zh-CN" dirty="0"/>
+              <a:t>logistic</a:t>
+            </a:r>
+            <a:r>
+              <a:rPr lang="zh-CN" altLang="en-US" dirty="0"/>
+              <a:t>函数的输出恒大于</a:t>
+            </a:r>
+            <a:r>
+              <a:rPr lang="en-US" altLang="zh-CN" dirty="0"/>
+              <a:t>0</a:t>
+            </a:r>
+          </a:p>
+          <a:p>
+            <a:pPr lvl="1"/>
+            <a:endParaRPr lang="zh-CN" altLang="en-US" dirty="0"/>
+          </a:p>
+        </p:txBody>
+      </p:sp>
       <p:pic>
         <p:nvPicPr>
           <p:cNvPr id="3" name="图片 2" descr="屏幕剪辑"/>
@@ -17648,7 +19407,7 @@
         </p:blipFill>
         <p:spPr>
           <a:xfrm>
-            <a:off x="1260029" y="2286000"/>
+            <a:off x="2098230" y="1752600"/>
             <a:ext cx="2260023" cy="763732"/>
           </a:xfrm>
           <a:prstGeom prst="rect">
@@ -17678,7 +19437,7 @@
         </p:blipFill>
         <p:spPr>
           <a:xfrm>
-            <a:off x="914400" y="3581400"/>
+            <a:off x="1752601" y="3048000"/>
             <a:ext cx="3249757" cy="685800"/>
           </a:xfrm>
           <a:prstGeom prst="rect">
@@ -17708,7 +19467,7 @@
         </p:blipFill>
         <p:spPr>
           <a:xfrm>
-            <a:off x="4343400" y="1905000"/>
+            <a:off x="5181600" y="1371600"/>
             <a:ext cx="3810000" cy="2938738"/>
           </a:xfrm>
           <a:prstGeom prst="rect">
@@ -17716,6 +19475,60 @@
           </a:prstGeom>
         </p:spPr>
       </p:pic>
+      <p:sp>
+        <p:nvSpPr>
+          <p:cNvPr id="6" name="矩形 5">
+            <a:extLst>
+              <a:ext uri="{FF2B5EF4-FFF2-40B4-BE49-F238E27FC236}">
+                <a16:creationId xmlns:a16="http://schemas.microsoft.com/office/drawing/2014/main" id="{F62E730C-1100-46C0-8BFD-870826845783}"/>
+              </a:ext>
+            </a:extLst>
+          </p:cNvPr>
+          <p:cNvSpPr/>
+          <p:nvPr/>
+        </p:nvSpPr>
+        <p:spPr>
+          <a:xfrm>
+            <a:off x="7239000" y="3810000"/>
+            <a:ext cx="4572000" cy="830997"/>
+          </a:xfrm>
+          <a:prstGeom prst="rect">
+            <a:avLst/>
+          </a:prstGeom>
+        </p:spPr>
+        <p:txBody>
+          <a:bodyPr wrap="square">
+            <a:spAutoFit/>
+          </a:bodyPr>
+          <a:lstStyle/>
+          <a:p>
+            <a:r>
+              <a:rPr lang="zh-CN" altLang="en-US" sz="1600" dirty="0">
+                <a:solidFill>
+                  <a:srgbClr val="FF0000"/>
+                </a:solidFill>
+              </a:rPr>
+              <a:t>非零中心化的输出会使得其后一层的神经元的输入发生偏置偏移（</a:t>
+            </a:r>
+            <a:r>
+              <a:rPr lang="en-US" altLang="zh-CN" sz="1600" dirty="0">
+                <a:solidFill>
+                  <a:srgbClr val="FF0000"/>
+                </a:solidFill>
+              </a:rPr>
+              <a:t>bias shift</a:t>
+            </a:r>
+            <a:r>
+              <a:rPr lang="zh-CN" altLang="en-US" sz="1600" dirty="0">
+                <a:solidFill>
+                  <a:srgbClr val="FF0000"/>
+                </a:solidFill>
+              </a:rPr>
+              <a:t>），并进一步使得梯度下降的收敛速度变慢。</a:t>
+            </a:r>
+          </a:p>
+        </p:txBody>
+      </p:sp>
     </p:spTree>
     <p:extLst>
       <p:ext uri="{BB962C8B-B14F-4D97-AF65-F5344CB8AC3E}">
@@ -17729,7 +19542,7 @@
 </p:sld>
 </file>
 
-<file path=ppt/slides/slide6.xml><?xml version="1.0" encoding="utf-8"?>
+<file path=ppt/slides/slide8.xml><?xml version="1.0" encoding="utf-8"?>
 <p:sld xmlns:a="http://schemas.openxmlformats.org/drawingml/2006/main" xmlns:r="http://schemas.openxmlformats.org/officeDocument/2006/relationships" xmlns:p="http://schemas.openxmlformats.org/presentationml/2006/main">
   <p:cSld>
     <p:spTree>
@@ -17762,9 +19575,10 @@
           <a:lstStyle/>
           <a:p>
             <a:r>
-              <a:rPr lang="zh-CN" altLang="en-US" dirty="0"/>
+              <a:rPr lang="zh-CN" altLang="en-US"/>
               <a:t>常见激活函数</a:t>
             </a:r>
+            <a:endParaRPr lang="zh-CN" altLang="en-US" dirty="0"/>
           </a:p>
         </p:txBody>
       </p:sp>
@@ -17790,7 +19604,7 @@
         </p:blipFill>
         <p:spPr>
           <a:xfrm>
-            <a:off x="1066800" y="1371600"/>
+            <a:off x="703534" y="1390771"/>
             <a:ext cx="2224128" cy="1244222"/>
           </a:xfrm>
           <a:prstGeom prst="rect">
@@ -17820,7 +19634,7 @@
         </p:blipFill>
         <p:spPr>
           <a:xfrm>
-            <a:off x="672082" y="2302771"/>
+            <a:off x="322534" y="2381371"/>
             <a:ext cx="3733865" cy="1261878"/>
           </a:xfrm>
           <a:prstGeom prst="rect">
@@ -17850,7 +19664,7 @@
         </p:blipFill>
         <p:spPr>
           <a:xfrm>
-            <a:off x="936047" y="3246991"/>
+            <a:off x="572782" y="3266162"/>
             <a:ext cx="3387739" cy="1212186"/>
           </a:xfrm>
           <a:prstGeom prst="rect">
@@ -17880,7 +19694,7 @@
         </p:blipFill>
         <p:spPr>
           <a:xfrm>
-            <a:off x="1123847" y="4191000"/>
+            <a:off x="760582" y="4210171"/>
             <a:ext cx="3704417" cy="1148428"/>
           </a:xfrm>
           <a:prstGeom prst="rect">
@@ -17910,7 +19724,7 @@
         </p:blipFill>
         <p:spPr>
           <a:xfrm>
-            <a:off x="4267200" y="1831387"/>
+            <a:off x="4343400" y="1524000"/>
             <a:ext cx="4631993" cy="3200484"/>
           </a:xfrm>
           <a:prstGeom prst="rect">
@@ -17940,7 +19754,7 @@
         </p:blipFill>
         <p:spPr>
           <a:xfrm>
-            <a:off x="990600" y="5715000"/>
+            <a:off x="627335" y="5734172"/>
             <a:ext cx="2787357" cy="354383"/>
           </a:xfrm>
           <a:prstGeom prst="rect">
@@ -17948,6 +19762,203 @@
           </a:prstGeom>
         </p:spPr>
       </p:pic>
+      <p:sp>
+        <p:nvSpPr>
+          <p:cNvPr id="9" name="矩形 8">
+            <a:extLst>
+              <a:ext uri="{FF2B5EF4-FFF2-40B4-BE49-F238E27FC236}">
+                <a16:creationId xmlns:a16="http://schemas.microsoft.com/office/drawing/2014/main" id="{6A95F8AF-D759-48DB-80D5-A819C68C4852}"/>
+              </a:ext>
+            </a:extLst>
+          </p:cNvPr>
+          <p:cNvSpPr/>
+          <p:nvPr/>
+        </p:nvSpPr>
+        <p:spPr>
+          <a:xfrm>
+            <a:off x="8561467" y="1379147"/>
+            <a:ext cx="3258800" cy="1077218"/>
+          </a:xfrm>
+          <a:prstGeom prst="rect">
+            <a:avLst/>
+          </a:prstGeom>
+        </p:spPr>
+        <p:txBody>
+          <a:bodyPr wrap="square">
+            <a:spAutoFit/>
+          </a:bodyPr>
+          <a:lstStyle/>
+          <a:p>
+            <a:pPr marL="80962" indent="-204788">
+              <a:buSzPct val="76000"/>
+              <a:buFont typeface="Wingdings 3" panose="05040102010807070707" pitchFamily="18" charset="2"/>
+              <a:buChar char=""/>
+            </a:pPr>
+            <a:r>
+              <a:rPr lang="zh-CN" altLang="en-US" sz="1600" dirty="0">
+                <a:latin typeface="华文楷体" panose="02010600040101010101" pitchFamily="2" charset="-122"/>
+                <a:ea typeface="华文楷体" panose="02010600040101010101" pitchFamily="2" charset="-122"/>
+              </a:rPr>
+              <a:t>计算上更加高效。</a:t>
+            </a:r>
+          </a:p>
+          <a:p>
+            <a:pPr marL="80962" indent="-204788">
+              <a:buSzPct val="76000"/>
+              <a:buFont typeface="Wingdings 3" panose="05040102010807070707" pitchFamily="18" charset="2"/>
+              <a:buChar char=""/>
+            </a:pPr>
+            <a:r>
+              <a:rPr lang="zh-CN" altLang="en-US" sz="1600" dirty="0">
+                <a:latin typeface="华文楷体" panose="02010600040101010101" pitchFamily="2" charset="-122"/>
+                <a:ea typeface="华文楷体" panose="02010600040101010101" pitchFamily="2" charset="-122"/>
+              </a:rPr>
+              <a:t>生物上的解释性</a:t>
+            </a:r>
+            <a:endParaRPr lang="en-US" altLang="zh-CN" sz="1600" dirty="0">
+              <a:latin typeface="华文楷体" panose="02010600040101010101" pitchFamily="2" charset="-122"/>
+              <a:ea typeface="华文楷体" panose="02010600040101010101" pitchFamily="2" charset="-122"/>
+            </a:endParaRPr>
+          </a:p>
+          <a:p>
+            <a:pPr marL="538162" lvl="1" indent="-204788">
+              <a:buSzPct val="76000"/>
+              <a:buFont typeface="Wingdings 3" panose="05040102010807070707" pitchFamily="18" charset="2"/>
+              <a:buChar char=""/>
+            </a:pPr>
+            <a:r>
+              <a:rPr lang="zh-CN" altLang="en-US" sz="1600" dirty="0">
+                <a:latin typeface="华文楷体" panose="02010600040101010101" pitchFamily="2" charset="-122"/>
+                <a:ea typeface="华文楷体" panose="02010600040101010101" pitchFamily="2" charset="-122"/>
+              </a:rPr>
+              <a:t>单侧抑制、宽兴奋边界</a:t>
+            </a:r>
+            <a:endParaRPr lang="en-US" altLang="zh-CN" sz="1600" dirty="0">
+              <a:latin typeface="华文楷体" panose="02010600040101010101" pitchFamily="2" charset="-122"/>
+              <a:ea typeface="华文楷体" panose="02010600040101010101" pitchFamily="2" charset="-122"/>
+            </a:endParaRPr>
+          </a:p>
+          <a:p>
+            <a:pPr marL="80962" indent="-204788">
+              <a:buSzPct val="76000"/>
+              <a:buFont typeface="Wingdings 3" panose="05040102010807070707" pitchFamily="18" charset="2"/>
+              <a:buChar char=""/>
+            </a:pPr>
+            <a:r>
+              <a:rPr lang="zh-CN" altLang="en-US" sz="1600" dirty="0">
+                <a:latin typeface="华文楷体" panose="02010600040101010101" pitchFamily="2" charset="-122"/>
+                <a:ea typeface="华文楷体" panose="02010600040101010101" pitchFamily="2" charset="-122"/>
+              </a:rPr>
+              <a:t>在一定程度上缓解梯度消失问题</a:t>
+            </a:r>
+          </a:p>
+        </p:txBody>
+      </p:sp>
+      <p:sp>
+        <p:nvSpPr>
+          <p:cNvPr id="11" name="矩形 10">
+            <a:extLst>
+              <a:ext uri="{FF2B5EF4-FFF2-40B4-BE49-F238E27FC236}">
+                <a16:creationId xmlns:a16="http://schemas.microsoft.com/office/drawing/2014/main" id="{00340ACB-1465-4B2B-809E-33154A5FDCEB}"/>
+              </a:ext>
+            </a:extLst>
+          </p:cNvPr>
+          <p:cNvSpPr/>
+          <p:nvPr/>
+        </p:nvSpPr>
+        <p:spPr>
+          <a:xfrm>
+            <a:off x="8527766" y="2932554"/>
+            <a:ext cx="3487400" cy="307777"/>
+          </a:xfrm>
+          <a:prstGeom prst="rect">
+            <a:avLst/>
+          </a:prstGeom>
+        </p:spPr>
+        <p:txBody>
+          <a:bodyPr wrap="square">
+            <a:spAutoFit/>
+          </a:bodyPr>
+          <a:lstStyle/>
+          <a:p>
+            <a:pPr marL="80962" indent="-204788">
+              <a:buSzPct val="76000"/>
+              <a:buFont typeface="Wingdings 3" panose="05040102010807070707" pitchFamily="18" charset="2"/>
+              <a:buChar char=""/>
+            </a:pPr>
+            <a:r>
+              <a:rPr lang="zh-CN" altLang="en-US" sz="1400" dirty="0">
+                <a:solidFill>
+                  <a:srgbClr val="FF0000"/>
+                </a:solidFill>
+                <a:latin typeface="华文楷体" panose="02010600040101010101" pitchFamily="2" charset="-122"/>
+                <a:ea typeface="华文楷体" panose="02010600040101010101" pitchFamily="2" charset="-122"/>
+              </a:rPr>
+              <a:t>死亡</a:t>
+            </a:r>
+            <a:r>
+              <a:rPr lang="en-US" altLang="zh-CN" sz="1400" dirty="0" err="1">
+                <a:solidFill>
+                  <a:srgbClr val="FF0000"/>
+                </a:solidFill>
+                <a:latin typeface="华文楷体" panose="02010600040101010101" pitchFamily="2" charset="-122"/>
+                <a:ea typeface="华文楷体" panose="02010600040101010101" pitchFamily="2" charset="-122"/>
+              </a:rPr>
+              <a:t>ReLU</a:t>
+            </a:r>
+            <a:r>
+              <a:rPr lang="zh-CN" altLang="en-US" sz="1400" dirty="0">
+                <a:solidFill>
+                  <a:srgbClr val="FF0000"/>
+                </a:solidFill>
+                <a:latin typeface="华文楷体" panose="02010600040101010101" pitchFamily="2" charset="-122"/>
+                <a:ea typeface="华文楷体" panose="02010600040101010101" pitchFamily="2" charset="-122"/>
+              </a:rPr>
+              <a:t>问题（</a:t>
+            </a:r>
+            <a:r>
+              <a:rPr lang="en-US" altLang="zh-CN" sz="1400" dirty="0">
+                <a:solidFill>
+                  <a:srgbClr val="FF0000"/>
+                </a:solidFill>
+                <a:latin typeface="华文楷体" panose="02010600040101010101" pitchFamily="2" charset="-122"/>
+                <a:ea typeface="华文楷体" panose="02010600040101010101" pitchFamily="2" charset="-122"/>
+              </a:rPr>
+              <a:t>Dying </a:t>
+            </a:r>
+            <a:r>
+              <a:rPr lang="en-US" altLang="zh-CN" sz="1400" dirty="0" err="1">
+                <a:solidFill>
+                  <a:srgbClr val="FF0000"/>
+                </a:solidFill>
+                <a:latin typeface="华文楷体" panose="02010600040101010101" pitchFamily="2" charset="-122"/>
+                <a:ea typeface="华文楷体" panose="02010600040101010101" pitchFamily="2" charset="-122"/>
+              </a:rPr>
+              <a:t>ReLU</a:t>
+            </a:r>
+            <a:r>
+              <a:rPr lang="en-US" altLang="zh-CN" sz="1400" dirty="0">
+                <a:solidFill>
+                  <a:srgbClr val="FF0000"/>
+                </a:solidFill>
+                <a:latin typeface="华文楷体" panose="02010600040101010101" pitchFamily="2" charset="-122"/>
+                <a:ea typeface="华文楷体" panose="02010600040101010101" pitchFamily="2" charset="-122"/>
+              </a:rPr>
+              <a:t> Problem</a:t>
+            </a:r>
+            <a:r>
+              <a:rPr lang="zh-CN" altLang="en-US" sz="1400" dirty="0">
+                <a:solidFill>
+                  <a:srgbClr val="FF0000"/>
+                </a:solidFill>
+                <a:latin typeface="华文楷体" panose="02010600040101010101" pitchFamily="2" charset="-122"/>
+                <a:ea typeface="华文楷体" panose="02010600040101010101" pitchFamily="2" charset="-122"/>
+              </a:rPr>
+              <a:t>）</a:t>
+            </a:r>
+          </a:p>
+        </p:txBody>
+      </p:sp>
     </p:spTree>
     <p:extLst>
       <p:ext uri="{BB962C8B-B14F-4D97-AF65-F5344CB8AC3E}">
@@ -17961,7 +19972,7 @@
 </p:sld>
 </file>
 
-<file path=ppt/slides/slide7.xml><?xml version="1.0" encoding="utf-8"?>
+<file path=ppt/slides/slide9.xml><?xml version="1.0" encoding="utf-8"?>
 <p:sld xmlns:a="http://schemas.openxmlformats.org/drawingml/2006/main" xmlns:r="http://schemas.openxmlformats.org/officeDocument/2006/relationships" xmlns:p="http://schemas.openxmlformats.org/presentationml/2006/main">
   <p:cSld>
     <p:spTree>
@@ -18034,7 +20045,7 @@
         </p:blipFill>
         <p:spPr>
           <a:xfrm>
-            <a:off x="1981200" y="2057400"/>
+            <a:off x="3505200" y="2057400"/>
             <a:ext cx="5486400" cy="3916218"/>
           </a:xfrm>
           <a:prstGeom prst="rect">
@@ -18056,7 +20067,7 @@
         </p:nvSpPr>
         <p:spPr>
           <a:xfrm>
-            <a:off x="609600" y="1535668"/>
+            <a:off x="2133600" y="1535669"/>
             <a:ext cx="1622560" cy="461665"/>
           </a:xfrm>
           <a:prstGeom prst="rect">
@@ -18104,7 +20115,7 @@
         </p:blipFill>
         <p:spPr>
           <a:xfrm>
-            <a:off x="2514600" y="1535668"/>
+            <a:off x="4038601" y="1535668"/>
             <a:ext cx="3149947" cy="499588"/>
           </a:xfrm>
           <a:prstGeom prst="rect">
@@ -18116,288 +20127,6 @@
     <p:extLst>
       <p:ext uri="{BB962C8B-B14F-4D97-AF65-F5344CB8AC3E}">
         <p14:creationId xmlns:p14="http://schemas.microsoft.com/office/powerpoint/2010/main" val="3169972513"/>
-      </p:ext>
-    </p:extLst>
-  </p:cSld>
-  <p:clrMapOvr>
-    <a:masterClrMapping/>
-  </p:clrMapOvr>
-</p:sld>
-</file>
-
-<file path=ppt/slides/slide8.xml><?xml version="1.0" encoding="utf-8"?>
-<p:sld xmlns:a="http://schemas.openxmlformats.org/drawingml/2006/main" xmlns:r="http://schemas.openxmlformats.org/officeDocument/2006/relationships" xmlns:p="http://schemas.openxmlformats.org/presentationml/2006/main">
-  <p:cSld>
-    <p:spTree>
-      <p:nvGrpSpPr>
-        <p:cNvPr id="1" name=""/>
-        <p:cNvGrpSpPr/>
-        <p:nvPr/>
-      </p:nvGrpSpPr>
-      <p:grpSpPr>
-        <a:xfrm>
-          <a:off x="0" y="0"/>
-          <a:ext cx="0" cy="0"/>
-          <a:chOff x="0" y="0"/>
-          <a:chExt cx="0" cy="0"/>
-        </a:xfrm>
-      </p:grpSpPr>
-      <p:sp>
-        <p:nvSpPr>
-          <p:cNvPr id="2" name="标题 1">
-            <a:extLst>
-              <a:ext uri="{FF2B5EF4-FFF2-40B4-BE49-F238E27FC236}">
-                <a16:creationId xmlns:a16="http://schemas.microsoft.com/office/drawing/2014/main" id="{2558D14E-384B-4F89-9B60-AAEBAC0AB952}"/>
-              </a:ext>
-            </a:extLst>
-          </p:cNvPr>
-          <p:cNvSpPr>
-            <a:spLocks noGrp="1"/>
-          </p:cNvSpPr>
-          <p:nvPr>
-            <p:ph type="title"/>
-          </p:nvPr>
-        </p:nvSpPr>
-        <p:spPr/>
-        <p:txBody>
-          <a:bodyPr/>
-          <a:lstStyle/>
-          <a:p>
-            <a:r>
-              <a:rPr lang="zh-CN" altLang="en-US" dirty="0"/>
-              <a:t>常见激活函数</a:t>
-            </a:r>
-          </a:p>
-        </p:txBody>
-      </p:sp>
-      <p:sp>
-        <p:nvSpPr>
-          <p:cNvPr id="3" name="内容占位符 2">
-            <a:extLst>
-              <a:ext uri="{FF2B5EF4-FFF2-40B4-BE49-F238E27FC236}">
-                <a16:creationId xmlns:a16="http://schemas.microsoft.com/office/drawing/2014/main" id="{682A3B00-0AAD-4140-B53A-F40602E2B2EF}"/>
-              </a:ext>
-            </a:extLst>
-          </p:cNvPr>
-          <p:cNvSpPr>
-            <a:spLocks noGrp="1"/>
-          </p:cNvSpPr>
-          <p:nvPr>
-            <p:ph sz="quarter" idx="1"/>
-          </p:nvPr>
-        </p:nvSpPr>
-        <p:spPr/>
-        <p:txBody>
-          <a:bodyPr/>
-          <a:lstStyle/>
-          <a:p>
-            <a:r>
-              <a:rPr lang="zh-CN" altLang="en-US" dirty="0"/>
-              <a:t>高斯误差线性单元（</a:t>
-            </a:r>
-            <a:r>
-              <a:rPr lang="en-US" altLang="zh-CN" dirty="0"/>
-              <a:t>Gaussian Error Linear Unit</a:t>
-            </a:r>
-            <a:r>
-              <a:rPr lang="zh-CN" altLang="en-US" dirty="0"/>
-              <a:t>，</a:t>
-            </a:r>
-            <a:r>
-              <a:rPr lang="en-US" altLang="zh-CN" dirty="0"/>
-              <a:t>GELU</a:t>
-            </a:r>
-            <a:r>
-              <a:rPr lang="zh-CN" altLang="en-US" dirty="0"/>
-              <a:t>）</a:t>
-            </a:r>
-            <a:endParaRPr lang="en-US" altLang="zh-CN" dirty="0"/>
-          </a:p>
-          <a:p>
-            <a:endParaRPr lang="en-US" altLang="zh-CN" dirty="0"/>
-          </a:p>
-          <a:p>
-            <a:endParaRPr lang="en-US" altLang="zh-CN" dirty="0"/>
-          </a:p>
-          <a:p>
-            <a:pPr lvl="1"/>
-            <a:r>
-              <a:rPr lang="zh-CN" altLang="en-US" dirty="0"/>
-              <a:t>其中</a:t>
-            </a:r>
-            <a:r>
-              <a:rPr lang="en-US" altLang="zh-CN" dirty="0"/>
-              <a:t>P(X ≤ x)</a:t>
-            </a:r>
-            <a:r>
-              <a:rPr lang="zh-CN" altLang="en-US" dirty="0"/>
-              <a:t>是高斯分布</a:t>
-            </a:r>
-            <a:r>
-              <a:rPr lang="en-US" altLang="zh-CN" dirty="0"/>
-              <a:t>N(µ,</a:t>
-            </a:r>
-            <a:r>
-              <a:rPr lang="el-GR" altLang="zh-CN" dirty="0"/>
-              <a:t>σ 2 )</a:t>
-            </a:r>
-            <a:r>
-              <a:rPr lang="zh-CN" altLang="en-US" dirty="0"/>
-              <a:t>的累积分布函数，其中</a:t>
-            </a:r>
-            <a:r>
-              <a:rPr lang="en-US" altLang="zh-CN" dirty="0"/>
-              <a:t>µ,</a:t>
-            </a:r>
-            <a:r>
-              <a:rPr lang="el-GR" altLang="zh-CN" dirty="0"/>
-              <a:t>σ</a:t>
-            </a:r>
-            <a:r>
-              <a:rPr lang="zh-CN" altLang="en-US" dirty="0"/>
-              <a:t>为超参数，一般设</a:t>
-            </a:r>
-            <a:r>
-              <a:rPr lang="en-US" altLang="zh-CN" dirty="0"/>
-              <a:t>µ = 0,</a:t>
-            </a:r>
-            <a:r>
-              <a:rPr lang="el-GR" altLang="zh-CN" dirty="0"/>
-              <a:t>σ = 1</a:t>
-            </a:r>
-            <a:r>
-              <a:rPr lang="zh-CN" altLang="en-US" dirty="0"/>
-              <a:t>即可</a:t>
-            </a:r>
-            <a:endParaRPr lang="en-US" altLang="zh-CN" dirty="0"/>
-          </a:p>
-          <a:p>
-            <a:endParaRPr lang="zh-CN" altLang="en-US" dirty="0"/>
-          </a:p>
-        </p:txBody>
-      </p:sp>
-      <p:pic>
-        <p:nvPicPr>
-          <p:cNvPr id="5" name="图片 4">
-            <a:extLst>
-              <a:ext uri="{FF2B5EF4-FFF2-40B4-BE49-F238E27FC236}">
-                <a16:creationId xmlns:a16="http://schemas.microsoft.com/office/drawing/2014/main" id="{87C719F1-7679-4018-83B3-16F6DBAE0827}"/>
-              </a:ext>
-            </a:extLst>
-          </p:cNvPr>
-          <p:cNvPicPr>
-            <a:picLocks noChangeAspect="1"/>
-          </p:cNvPicPr>
-          <p:nvPr/>
-        </p:nvPicPr>
-        <p:blipFill>
-          <a:blip r:embed="rId2">
-            <a:extLst>
-              <a:ext uri="{28A0092B-C50C-407E-A947-70E740481C1C}">
-                <a14:useLocalDpi xmlns:a14="http://schemas.microsoft.com/office/drawing/2010/main" val="0"/>
-              </a:ext>
-            </a:extLst>
-          </a:blip>
-          <a:stretch>
-            <a:fillRect/>
-          </a:stretch>
-        </p:blipFill>
-        <p:spPr>
-          <a:xfrm>
-            <a:off x="2634614" y="2438400"/>
-            <a:ext cx="2909985" cy="550352"/>
-          </a:xfrm>
-          <a:prstGeom prst="rect">
-            <a:avLst/>
-          </a:prstGeom>
-        </p:spPr>
-      </p:pic>
-    </p:spTree>
-    <p:extLst>
-      <p:ext uri="{BB962C8B-B14F-4D97-AF65-F5344CB8AC3E}">
-        <p14:creationId xmlns:p14="http://schemas.microsoft.com/office/powerpoint/2010/main" val="2949568978"/>
-      </p:ext>
-    </p:extLst>
-  </p:cSld>
-  <p:clrMapOvr>
-    <a:masterClrMapping/>
-  </p:clrMapOvr>
-</p:sld>
-</file>
-
-<file path=ppt/slides/slide9.xml><?xml version="1.0" encoding="utf-8"?>
-<p:sld xmlns:a="http://schemas.openxmlformats.org/drawingml/2006/main" xmlns:r="http://schemas.openxmlformats.org/officeDocument/2006/relationships" xmlns:p="http://schemas.openxmlformats.org/presentationml/2006/main">
-  <p:cSld>
-    <p:spTree>
-      <p:nvGrpSpPr>
-        <p:cNvPr id="1" name=""/>
-        <p:cNvGrpSpPr/>
-        <p:nvPr/>
-      </p:nvGrpSpPr>
-      <p:grpSpPr>
-        <a:xfrm>
-          <a:off x="0" y="0"/>
-          <a:ext cx="0" cy="0"/>
-          <a:chOff x="0" y="0"/>
-          <a:chExt cx="0" cy="0"/>
-        </a:xfrm>
-      </p:grpSpPr>
-      <p:sp>
-        <p:nvSpPr>
-          <p:cNvPr id="2" name="标题 1"/>
-          <p:cNvSpPr>
-            <a:spLocks noGrp="1"/>
-          </p:cNvSpPr>
-          <p:nvPr>
-            <p:ph type="title"/>
-          </p:nvPr>
-        </p:nvSpPr>
-        <p:spPr/>
-        <p:txBody>
-          <a:bodyPr/>
-          <a:lstStyle/>
-          <a:p>
-            <a:r>
-              <a:rPr lang="zh-CN" altLang="en-US" dirty="0"/>
-              <a:t>常见激活函数及其导数</a:t>
-            </a:r>
-          </a:p>
-        </p:txBody>
-      </p:sp>
-      <p:pic>
-        <p:nvPicPr>
-          <p:cNvPr id="5" name="图片 4" descr="屏幕剪辑"/>
-          <p:cNvPicPr>
-            <a:picLocks noChangeAspect="1"/>
-          </p:cNvPicPr>
-          <p:nvPr/>
-        </p:nvPicPr>
-        <p:blipFill>
-          <a:blip r:embed="rId2">
-            <a:extLst>
-              <a:ext uri="{28A0092B-C50C-407E-A947-70E740481C1C}">
-                <a14:useLocalDpi xmlns:a14="http://schemas.microsoft.com/office/drawing/2010/main" val="0"/>
-              </a:ext>
-            </a:extLst>
-          </a:blip>
-          <a:stretch>
-            <a:fillRect/>
-          </a:stretch>
-        </p:blipFill>
-        <p:spPr>
-          <a:xfrm>
-            <a:off x="1447800" y="2133600"/>
-            <a:ext cx="5925036" cy="2794941"/>
-          </a:xfrm>
-          <a:prstGeom prst="rect">
-            <a:avLst/>
-          </a:prstGeom>
-        </p:spPr>
-      </p:pic>
-    </p:spTree>
-    <p:extLst>
-      <p:ext uri="{BB962C8B-B14F-4D97-AF65-F5344CB8AC3E}">
-        <p14:creationId xmlns:p14="http://schemas.microsoft.com/office/powerpoint/2010/main" val="3785357825"/>
       </p:ext>
     </p:extLst>
   </p:cSld>

--- a/ppt/chap-前馈神经网络.pptx
+++ b/ppt/chap-前馈神经网络.pptx
@@ -2,7 +2,7 @@
 <file path=ppt/presentation.xml><?xml version="1.0" encoding="utf-8"?>
 <p:presentation xmlns:a="http://schemas.openxmlformats.org/drawingml/2006/main" xmlns:r="http://schemas.openxmlformats.org/officeDocument/2006/relationships" xmlns:p="http://schemas.openxmlformats.org/presentationml/2006/main" saveSubsetFonts="1">
   <p:sldMasterIdLst>
-    <p:sldMasterId id="2147483833" r:id="rId1"/>
+    <p:sldMasterId id="2147483844" r:id="rId1"/>
   </p:sldMasterIdLst>
   <p:notesMasterIdLst>
     <p:notesMasterId r:id="rId49"/>
@@ -1423,7 +1423,7 @@
   <dgm:whole/>
   <dgm:extLst>
     <a:ext uri="http://schemas.microsoft.com/office/drawing/2008/diagram">
-      <dsp:dataModelExt xmlns:dsp="http://schemas.microsoft.com/office/drawing/2008/diagram" relId="rId8" minVer="http://schemas.openxmlformats.org/drawingml/2006/diagram"/>
+      <dsp:dataModelExt xmlns:dsp="http://schemas.microsoft.com/office/drawing/2008/diagram" relId="rId9" minVer="http://schemas.openxmlformats.org/drawingml/2006/diagram"/>
     </a:ext>
   </dgm:extLst>
 </dgm:dataModel>
@@ -3756,7 +3756,7 @@
               <a:pPr>
                 <a:defRPr/>
               </a:pPr>
-              <a:t>3/23/2020</a:t>
+              <a:t>10/22/2020</a:t>
             </a:fld>
             <a:endParaRPr lang="en-US" altLang="zh-CN"/>
           </a:p>
@@ -4896,6 +4896,42 @@
           <a:chExt cx="0" cy="0"/>
         </a:xfrm>
       </p:grpSpPr>
+      <p:pic>
+        <p:nvPicPr>
+          <p:cNvPr id="3" name="图片 2">
+            <a:extLst>
+              <a:ext uri="{FF2B5EF4-FFF2-40B4-BE49-F238E27FC236}">
+                <a16:creationId xmlns:a16="http://schemas.microsoft.com/office/drawing/2014/main" id="{2966F891-39E4-4949-84B5-293BD1F65EA1}"/>
+              </a:ext>
+            </a:extLst>
+          </p:cNvPr>
+          <p:cNvPicPr>
+            <a:picLocks noChangeAspect="1"/>
+          </p:cNvPicPr>
+          <p:nvPr/>
+        </p:nvPicPr>
+        <p:blipFill>
+          <a:blip r:embed="rId2">
+            <a:extLst>
+              <a:ext uri="{28A0092B-C50C-407E-A947-70E740481C1C}">
+                <a14:useLocalDpi xmlns:a14="http://schemas.microsoft.com/office/drawing/2010/main" val="0"/>
+              </a:ext>
+            </a:extLst>
+          </a:blip>
+          <a:stretch>
+            <a:fillRect/>
+          </a:stretch>
+        </p:blipFill>
+        <p:spPr>
+          <a:xfrm>
+            <a:off x="359807" y="1524000"/>
+            <a:ext cx="6117446" cy="4684464"/>
+          </a:xfrm>
+          <a:prstGeom prst="rect">
+            <a:avLst/>
+          </a:prstGeom>
+        </p:spPr>
+      </p:pic>
       <p:sp>
         <p:nvSpPr>
           <p:cNvPr id="4" name="Rectangle 10"/>
@@ -4904,8 +4940,8 @@
         </p:nvSpPr>
         <p:spPr>
           <a:xfrm>
-            <a:off x="999067" y="2438403"/>
-            <a:ext cx="9753600" cy="1956197"/>
+            <a:off x="4038600" y="3657600"/>
+            <a:ext cx="6637866" cy="1654481"/>
           </a:xfrm>
           <a:prstGeom prst="rect">
             <a:avLst/>
@@ -5053,8 +5089,8 @@
         </p:nvSpPr>
         <p:spPr>
           <a:xfrm>
-            <a:off x="304800" y="673896"/>
-            <a:ext cx="7213600" cy="719623"/>
+            <a:off x="304800" y="673897"/>
+            <a:ext cx="6117446" cy="719623"/>
           </a:xfrm>
           <a:prstGeom prst="rect">
             <a:avLst/>
@@ -5186,7 +5222,7 @@
             <a:pPr algn="ctr" eaLnBrk="1" hangingPunct="1">
               <a:defRPr/>
             </a:pPr>
-            <a:endParaRPr lang="zh-CN" altLang="zh-CN" sz="3600">
+            <a:endParaRPr lang="zh-CN" altLang="zh-CN" sz="2700">
               <a:solidFill>
                 <a:srgbClr val="FFFFFF"/>
               </a:solidFill>
@@ -5202,14 +5238,14 @@
         </p:nvSpPr>
         <p:spPr>
           <a:xfrm>
-            <a:off x="999067" y="2438403"/>
-            <a:ext cx="304800" cy="1956197"/>
+            <a:off x="4038600" y="3657600"/>
+            <a:ext cx="304800" cy="1654481"/>
           </a:xfrm>
           <a:prstGeom prst="rect">
             <a:avLst/>
           </a:prstGeom>
           <a:solidFill>
-            <a:schemeClr val="accent1"/>
+            <a:srgbClr val="EB641B"/>
           </a:solidFill>
           <a:ln w="6350" cap="rnd" cmpd="sng" algn="ctr">
             <a:noFill/>
@@ -5351,7 +5387,7 @@
         </p:nvSpPr>
         <p:spPr>
           <a:xfrm>
-            <a:off x="359806" y="665099"/>
+            <a:off x="359807" y="665099"/>
             <a:ext cx="187820" cy="731230"/>
           </a:xfrm>
           <a:prstGeom prst="rect">
@@ -5484,7 +5520,7 @@
             <a:pPr algn="ctr" eaLnBrk="1" hangingPunct="1">
               <a:defRPr/>
             </a:pPr>
-            <a:endParaRPr lang="zh-CN" altLang="zh-CN">
+            <a:endParaRPr lang="zh-CN" altLang="zh-CN" dirty="0">
               <a:solidFill>
                 <a:srgbClr val="FFFFFF"/>
               </a:solidFill>
@@ -5504,15 +5540,15 @@
         </p:nvSpPr>
         <p:spPr>
           <a:xfrm>
-            <a:off x="1418167" y="2676527"/>
-            <a:ext cx="9144000" cy="1514475"/>
+            <a:off x="4343400" y="3827594"/>
+            <a:ext cx="6142566" cy="1280888"/>
           </a:xfrm>
         </p:spPr>
         <p:txBody>
           <a:bodyPr anchor="ctr"/>
           <a:lstStyle>
             <a:lvl1pPr algn="ctr">
-              <a:defRPr sz="3600" baseline="0">
+              <a:defRPr sz="2800" baseline="0">
                 <a:solidFill>
                   <a:schemeClr val="tx1"/>
                 </a:solidFill>
@@ -5543,8 +5579,11 @@
         <p:spPr>
           <a:xfrm>
             <a:off x="563006" y="726666"/>
-            <a:ext cx="6853796" cy="568735"/>
+            <a:ext cx="5812317" cy="568735"/>
           </a:xfrm>
+          <a:prstGeom prst="rect">
+            <a:avLst/>
+          </a:prstGeom>
         </p:spPr>
         <p:txBody>
           <a:bodyPr anchor="ctr"/>
@@ -5560,28 +5599,28 @@
                 <a:cs typeface="+mj-cs"/>
               </a:defRPr>
             </a:lvl1pPr>
-            <a:lvl2pPr marL="342900" indent="0" algn="ctr">
+            <a:lvl2pPr marL="257175" indent="0" algn="ctr">
               <a:buNone/>
             </a:lvl2pPr>
-            <a:lvl3pPr marL="685800" indent="0" algn="ctr">
+            <a:lvl3pPr marL="514350" indent="0" algn="ctr">
               <a:buNone/>
             </a:lvl3pPr>
-            <a:lvl4pPr marL="1028700" indent="0" algn="ctr">
+            <a:lvl4pPr marL="771525" indent="0" algn="ctr">
               <a:buNone/>
             </a:lvl4pPr>
-            <a:lvl5pPr marL="1371600" indent="0" algn="ctr">
+            <a:lvl5pPr marL="1028700" indent="0" algn="ctr">
               <a:buNone/>
             </a:lvl5pPr>
-            <a:lvl6pPr marL="1714500" indent="0" algn="ctr">
+            <a:lvl6pPr marL="1285875" indent="0" algn="ctr">
               <a:buNone/>
             </a:lvl6pPr>
-            <a:lvl7pPr marL="2057400" indent="0" algn="ctr">
+            <a:lvl7pPr marL="1543050" indent="0" algn="ctr">
               <a:buNone/>
             </a:lvl7pPr>
-            <a:lvl8pPr marL="2400300" indent="0" algn="ctr">
+            <a:lvl8pPr marL="1800225" indent="0" algn="ctr">
               <a:buNone/>
             </a:lvl8pPr>
-            <a:lvl9pPr marL="2743200" indent="0" algn="ctr">
+            <a:lvl9pPr marL="2057400" indent="0" algn="ctr">
               <a:buNone/>
             </a:lvl9pPr>
           </a:lstStyle>
@@ -5606,9 +5645,12 @@
         </p:nvSpPr>
         <p:spPr>
           <a:xfrm>
-            <a:off x="2946402" y="4800600"/>
-            <a:ext cx="6737351" cy="1600200"/>
+            <a:off x="5280025" y="5550204"/>
+            <a:ext cx="4273554" cy="790860"/>
           </a:xfrm>
+          <a:prstGeom prst="rect">
+            <a:avLst/>
+          </a:prstGeom>
         </p:spPr>
         <p:txBody>
           <a:bodyPr/>
@@ -5639,7 +5681,7 @@
     </p:spTree>
     <p:extLst>
       <p:ext uri="{BB962C8B-B14F-4D97-AF65-F5344CB8AC3E}">
-        <p14:creationId xmlns:p14="http://schemas.microsoft.com/office/powerpoint/2010/main" val="3205539377"/>
+        <p14:creationId xmlns:p14="http://schemas.microsoft.com/office/powerpoint/2010/main" val="1870396101"/>
       </p:ext>
     </p:extLst>
   </p:cSld>
@@ -5650,9 +5692,9 @@
 </p:sldLayout>
 </file>
 
-<file path=ppt/slideLayouts/slideLayout10.xml><?xml version="1.0" encoding="utf-8"?>
-<p:sldLayout xmlns:a="http://schemas.openxmlformats.org/drawingml/2006/main" xmlns:r="http://schemas.openxmlformats.org/officeDocument/2006/relationships" xmlns:p="http://schemas.openxmlformats.org/presentationml/2006/main" userDrawn="1">
-  <p:cSld name="Title and Content">
+<file path=ppt/slideLayouts/slideLayout2.xml><?xml version="1.0" encoding="utf-8"?>
+<p:sldLayout xmlns:a="http://schemas.openxmlformats.org/drawingml/2006/main" xmlns:r="http://schemas.openxmlformats.org/officeDocument/2006/relationships" xmlns:p="http://schemas.openxmlformats.org/presentationml/2006/main" showMasterSp="0" preserve="1">
+  <p:cSld name="Subsection">
     <p:spTree>
       <p:nvGrpSpPr>
         <p:cNvPr id="1" name=""/>
@@ -5667,162 +5709,58 @@
           <a:chExt cx="0" cy="0"/>
         </a:xfrm>
       </p:grpSpPr>
+      <p:pic>
+        <p:nvPicPr>
+          <p:cNvPr id="12" name="图片 11">
+            <a:extLst>
+              <a:ext uri="{FF2B5EF4-FFF2-40B4-BE49-F238E27FC236}">
+                <a16:creationId xmlns:a16="http://schemas.microsoft.com/office/drawing/2014/main" id="{22BBD6FA-A54A-485F-87D9-C9652F586CB9}"/>
+              </a:ext>
+            </a:extLst>
+          </p:cNvPr>
+          <p:cNvPicPr>
+            <a:picLocks noChangeAspect="1"/>
+          </p:cNvPicPr>
+          <p:nvPr/>
+        </p:nvPicPr>
+        <p:blipFill>
+          <a:blip r:embed="rId2">
+            <a:extLst>
+              <a:ext uri="{28A0092B-C50C-407E-A947-70E740481C1C}">
+                <a14:useLocalDpi xmlns:a14="http://schemas.microsoft.com/office/drawing/2010/main" val="0"/>
+              </a:ext>
+            </a:extLst>
+          </a:blip>
+          <a:stretch>
+            <a:fillRect/>
+          </a:stretch>
+        </p:blipFill>
+        <p:spPr>
+          <a:xfrm>
+            <a:off x="359807" y="1524000"/>
+            <a:ext cx="6117446" cy="4684464"/>
+          </a:xfrm>
+          <a:prstGeom prst="rect">
+            <a:avLst/>
+          </a:prstGeom>
+        </p:spPr>
+      </p:pic>
       <p:sp>
         <p:nvSpPr>
-          <p:cNvPr id="2" name="Title 1"/>
-          <p:cNvSpPr>
-            <a:spLocks noGrp="1"/>
-          </p:cNvSpPr>
-          <p:nvPr>
-            <p:ph type="title"/>
-          </p:nvPr>
-        </p:nvSpPr>
-        <p:spPr/>
-        <p:txBody>
-          <a:bodyPr/>
-          <a:lstStyle>
-            <a:lvl1pPr>
-              <a:defRPr>
-                <a:latin typeface="微软雅黑" panose="020B0503020204020204" pitchFamily="34" charset="-122"/>
-                <a:ea typeface="微软雅黑" panose="020B0503020204020204" pitchFamily="34" charset="-122"/>
-              </a:defRPr>
-            </a:lvl1pPr>
-          </a:lstStyle>
-          <a:p>
-            <a:r>
-              <a:rPr lang="en-US" dirty="0"/>
-              <a:t>Click to edit Master title style</a:t>
-            </a:r>
-          </a:p>
-        </p:txBody>
-      </p:sp>
-      <p:sp>
-        <p:nvSpPr>
-          <p:cNvPr id="8" name="Content Placeholder 7"/>
-          <p:cNvSpPr>
-            <a:spLocks noGrp="1"/>
-          </p:cNvSpPr>
-          <p:nvPr>
-            <p:ph sz="quarter" idx="1"/>
-          </p:nvPr>
-        </p:nvSpPr>
-        <p:spPr>
-          <a:xfrm>
-            <a:off x="609600" y="1219200"/>
-            <a:ext cx="10972800" cy="4937760"/>
-          </a:xfrm>
-        </p:spPr>
-        <p:txBody>
-          <a:bodyPr/>
-          <a:lstStyle>
-            <a:lvl1pPr>
-              <a:defRPr>
-                <a:latin typeface="华文楷体" panose="02010600040101010101" pitchFamily="2" charset="-122"/>
-                <a:ea typeface="华文楷体" panose="02010600040101010101" pitchFamily="2" charset="-122"/>
-              </a:defRPr>
-            </a:lvl1pPr>
-            <a:lvl2pPr>
-              <a:defRPr sz="2400">
-                <a:latin typeface="华文楷体" panose="02010600040101010101" pitchFamily="2" charset="-122"/>
-                <a:ea typeface="华文楷体" panose="02010600040101010101" pitchFamily="2" charset="-122"/>
-              </a:defRPr>
-            </a:lvl2pPr>
-            <a:lvl3pPr>
-              <a:defRPr sz="2400">
-                <a:latin typeface="华文楷体" panose="02010600040101010101" pitchFamily="2" charset="-122"/>
-                <a:ea typeface="华文楷体" panose="02010600040101010101" pitchFamily="2" charset="-122"/>
-              </a:defRPr>
-            </a:lvl3pPr>
-            <a:lvl4pPr>
-              <a:defRPr sz="1800">
-                <a:latin typeface="华文楷体" panose="02010600040101010101" pitchFamily="2" charset="-122"/>
-                <a:ea typeface="华文楷体" panose="02010600040101010101" pitchFamily="2" charset="-122"/>
-              </a:defRPr>
-            </a:lvl4pPr>
-            <a:lvl5pPr>
-              <a:defRPr sz="1600">
-                <a:latin typeface="华文楷体" panose="02010600040101010101" pitchFamily="2" charset="-122"/>
-                <a:ea typeface="华文楷体" panose="02010600040101010101" pitchFamily="2" charset="-122"/>
-              </a:defRPr>
-            </a:lvl5pPr>
-          </a:lstStyle>
-          <a:p>
-            <a:pPr lvl="0"/>
-            <a:r>
-              <a:rPr lang="en-US" dirty="0"/>
-              <a:t>Click to edit Master text styles</a:t>
-            </a:r>
-          </a:p>
-          <a:p>
-            <a:pPr lvl="1"/>
-            <a:r>
-              <a:rPr lang="en-US" dirty="0"/>
-              <a:t>Second level</a:t>
-            </a:r>
-          </a:p>
-          <a:p>
-            <a:pPr lvl="2"/>
-            <a:r>
-              <a:rPr lang="en-US" dirty="0"/>
-              <a:t>Third level</a:t>
-            </a:r>
-          </a:p>
-          <a:p>
-            <a:pPr lvl="3"/>
-            <a:r>
-              <a:rPr lang="en-US" dirty="0"/>
-              <a:t>Fourth level</a:t>
-            </a:r>
-          </a:p>
-          <a:p>
-            <a:pPr lvl="4"/>
-            <a:r>
-              <a:rPr lang="en-US" dirty="0"/>
-              <a:t>Fifth level</a:t>
-            </a:r>
-          </a:p>
-        </p:txBody>
-      </p:sp>
-    </p:spTree>
-    <p:extLst>
-      <p:ext uri="{BB962C8B-B14F-4D97-AF65-F5344CB8AC3E}">
-        <p14:creationId xmlns:p14="http://schemas.microsoft.com/office/powerpoint/2010/main" val="913919602"/>
-      </p:ext>
-    </p:extLst>
-  </p:cSld>
-  <p:clrMapOvr>
-    <a:masterClrMapping/>
-  </p:clrMapOvr>
-</p:sldLayout>
-</file>
-
-<file path=ppt/slideLayouts/slideLayout11.xml><?xml version="1.0" encoding="utf-8"?>
-<p:sldLayout xmlns:a="http://schemas.openxmlformats.org/drawingml/2006/main" xmlns:r="http://schemas.openxmlformats.org/officeDocument/2006/relationships" xmlns:p="http://schemas.openxmlformats.org/presentationml/2006/main" preserve="1" userDrawn="1">
-  <p:cSld name="1_Subsection">
-    <p:spTree>
-      <p:nvGrpSpPr>
-        <p:cNvPr id="1" name=""/>
-        <p:cNvGrpSpPr/>
-        <p:nvPr/>
-      </p:nvGrpSpPr>
-      <p:grpSpPr>
-        <a:xfrm>
-          <a:off x="0" y="0"/>
-          <a:ext cx="0" cy="0"/>
-          <a:chOff x="0" y="0"/>
-          <a:chExt cx="0" cy="0"/>
-        </a:xfrm>
-      </p:grpSpPr>
-      <p:sp>
-        <p:nvSpPr>
-          <p:cNvPr id="4" name="Rectangle 10"/>
+          <p:cNvPr id="16" name="Rectangle 10">
+            <a:extLst>
+              <a:ext uri="{FF2B5EF4-FFF2-40B4-BE49-F238E27FC236}">
+                <a16:creationId xmlns:a16="http://schemas.microsoft.com/office/drawing/2014/main" id="{80B6937C-32A7-4CC7-BE4A-AB7A564C7186}"/>
+              </a:ext>
+            </a:extLst>
+          </p:cNvPr>
           <p:cNvSpPr/>
           <p:nvPr/>
         </p:nvSpPr>
         <p:spPr>
           <a:xfrm>
-            <a:off x="999067" y="2438403"/>
-            <a:ext cx="9753600" cy="1956197"/>
+            <a:off x="4038600" y="3657600"/>
+            <a:ext cx="6637866" cy="1654481"/>
           </a:xfrm>
           <a:prstGeom prst="rect">
             <a:avLst/>
@@ -5964,20 +5902,26 @@
       </p:sp>
       <p:sp>
         <p:nvSpPr>
-          <p:cNvPr id="6" name="Rectangle 14"/>
+          <p:cNvPr id="17" name="Rectangle 14">
+            <a:extLst>
+              <a:ext uri="{FF2B5EF4-FFF2-40B4-BE49-F238E27FC236}">
+                <a16:creationId xmlns:a16="http://schemas.microsoft.com/office/drawing/2014/main" id="{EDC16F34-8BA1-4A4E-B0D4-81397E1E7CD0}"/>
+              </a:ext>
+            </a:extLst>
+          </p:cNvPr>
           <p:cNvSpPr/>
           <p:nvPr/>
         </p:nvSpPr>
         <p:spPr>
           <a:xfrm>
-            <a:off x="999067" y="2438403"/>
-            <a:ext cx="304800" cy="1956197"/>
+            <a:off x="4038600" y="3657600"/>
+            <a:ext cx="304800" cy="1654481"/>
           </a:xfrm>
           <a:prstGeom prst="rect">
             <a:avLst/>
           </a:prstGeom>
           <a:solidFill>
-            <a:schemeClr val="accent1"/>
+            <a:srgbClr val="EB641B"/>
           </a:solidFill>
           <a:ln w="6350" cap="rnd" cmpd="sng" algn="ctr">
             <a:noFill/>
@@ -6113,7 +6057,13 @@
       </p:sp>
       <p:sp>
         <p:nvSpPr>
-          <p:cNvPr id="8" name="Title 7"/>
+          <p:cNvPr id="18" name="Title 7">
+            <a:extLst>
+              <a:ext uri="{FF2B5EF4-FFF2-40B4-BE49-F238E27FC236}">
+                <a16:creationId xmlns:a16="http://schemas.microsoft.com/office/drawing/2014/main" id="{66A552C8-61F4-43FC-A974-9DE54534BA38}"/>
+              </a:ext>
+            </a:extLst>
+          </p:cNvPr>
           <p:cNvSpPr>
             <a:spLocks noGrp="1"/>
           </p:cNvSpPr>
@@ -6123,668 +6073,8 @@
         </p:nvSpPr>
         <p:spPr>
           <a:xfrm>
-            <a:off x="1418167" y="2676527"/>
-            <a:ext cx="9144000" cy="1514475"/>
-          </a:xfrm>
-        </p:spPr>
-        <p:txBody>
-          <a:bodyPr anchor="ctr"/>
-          <a:lstStyle>
-            <a:lvl1pPr algn="ctr">
-              <a:defRPr sz="2800">
-                <a:solidFill>
-                  <a:schemeClr val="tx1"/>
-                </a:solidFill>
-                <a:latin typeface="微软雅黑" panose="020B0503020204020204" pitchFamily="34" charset="-122"/>
-                <a:ea typeface="微软雅黑" panose="020B0503020204020204" pitchFamily="34" charset="-122"/>
-              </a:defRPr>
-            </a:lvl1pPr>
-          </a:lstStyle>
-          <a:p>
-            <a:endParaRPr lang="en-US" dirty="0"/>
-          </a:p>
-        </p:txBody>
-      </p:sp>
-    </p:spTree>
-    <p:extLst>
-      <p:ext uri="{BB962C8B-B14F-4D97-AF65-F5344CB8AC3E}">
-        <p14:creationId xmlns:p14="http://schemas.microsoft.com/office/powerpoint/2010/main" val="802082747"/>
-      </p:ext>
-    </p:extLst>
-  </p:cSld>
-  <p:clrMapOvr>
-    <a:masterClrMapping/>
-  </p:clrMapOvr>
-</p:sldLayout>
-</file>
-
-<file path=ppt/slideLayouts/slideLayout12.xml><?xml version="1.0" encoding="utf-8"?>
-<p:sldLayout xmlns:a="http://schemas.openxmlformats.org/drawingml/2006/main" xmlns:r="http://schemas.openxmlformats.org/officeDocument/2006/relationships" xmlns:p="http://schemas.openxmlformats.org/presentationml/2006/main" preserve="1" userDrawn="1">
-  <p:cSld name="1_Just Title">
-    <p:spTree>
-      <p:nvGrpSpPr>
-        <p:cNvPr id="1" name=""/>
-        <p:cNvGrpSpPr/>
-        <p:nvPr/>
-      </p:nvGrpSpPr>
-      <p:grpSpPr>
-        <a:xfrm>
-          <a:off x="0" y="0"/>
-          <a:ext cx="0" cy="0"/>
-          <a:chOff x="0" y="0"/>
-          <a:chExt cx="0" cy="0"/>
-        </a:xfrm>
-      </p:grpSpPr>
-      <p:sp>
-        <p:nvSpPr>
-          <p:cNvPr id="2" name="Title 1"/>
-          <p:cNvSpPr>
-            <a:spLocks noGrp="1"/>
-          </p:cNvSpPr>
-          <p:nvPr>
-            <p:ph type="title"/>
-          </p:nvPr>
-        </p:nvSpPr>
-        <p:spPr/>
-        <p:txBody>
-          <a:bodyPr/>
-          <a:lstStyle>
-            <a:lvl1pPr>
-              <a:defRPr>
-                <a:latin typeface="微软雅黑" panose="020B0503020204020204" pitchFamily="34" charset="-122"/>
-                <a:ea typeface="微软雅黑" panose="020B0503020204020204" pitchFamily="34" charset="-122"/>
-              </a:defRPr>
-            </a:lvl1pPr>
-          </a:lstStyle>
-          <a:p>
-            <a:r>
-              <a:rPr lang="en-US" altLang="zh-CN" dirty="0"/>
-              <a:t>Click to edit Master title style</a:t>
-            </a:r>
-            <a:endParaRPr lang="zh-CN" altLang="en-US" dirty="0"/>
-          </a:p>
-        </p:txBody>
-      </p:sp>
-    </p:spTree>
-    <p:extLst>
-      <p:ext uri="{BB962C8B-B14F-4D97-AF65-F5344CB8AC3E}">
-        <p14:creationId xmlns:p14="http://schemas.microsoft.com/office/powerpoint/2010/main" val="2531258794"/>
-      </p:ext>
-    </p:extLst>
-  </p:cSld>
-  <p:clrMapOvr>
-    <a:masterClrMapping/>
-  </p:clrMapOvr>
-</p:sldLayout>
-</file>
-
-<file path=ppt/slideLayouts/slideLayout13.xml><?xml version="1.0" encoding="utf-8"?>
-<p:sldLayout xmlns:a="http://schemas.openxmlformats.org/drawingml/2006/main" xmlns:r="http://schemas.openxmlformats.org/officeDocument/2006/relationships" xmlns:p="http://schemas.openxmlformats.org/presentationml/2006/main" preserve="1" userDrawn="1">
-  <p:cSld name="1_Two Content Text_IMG">
-    <p:spTree>
-      <p:nvGrpSpPr>
-        <p:cNvPr id="1" name=""/>
-        <p:cNvGrpSpPr/>
-        <p:nvPr/>
-      </p:nvGrpSpPr>
-      <p:grpSpPr>
-        <a:xfrm>
-          <a:off x="0" y="0"/>
-          <a:ext cx="0" cy="0"/>
-          <a:chOff x="0" y="0"/>
-          <a:chExt cx="0" cy="0"/>
-        </a:xfrm>
-      </p:grpSpPr>
-      <p:sp>
-        <p:nvSpPr>
-          <p:cNvPr id="2" name="Title 1"/>
-          <p:cNvSpPr>
-            <a:spLocks noGrp="1"/>
-          </p:cNvSpPr>
-          <p:nvPr>
-            <p:ph type="title"/>
-          </p:nvPr>
-        </p:nvSpPr>
-        <p:spPr>
-          <a:xfrm>
-            <a:off x="609600" y="228600"/>
-            <a:ext cx="10972800" cy="914400"/>
-          </a:xfrm>
-        </p:spPr>
-        <p:txBody>
-          <a:bodyPr/>
-          <a:lstStyle/>
-          <a:p>
-            <a:r>
-              <a:rPr lang="en-US" dirty="0"/>
-              <a:t>Click to edit Master title style</a:t>
-            </a:r>
-          </a:p>
-        </p:txBody>
-      </p:sp>
-      <p:sp>
-        <p:nvSpPr>
-          <p:cNvPr id="9" name="Content Placeholder 8"/>
-          <p:cNvSpPr>
-            <a:spLocks noGrp="1"/>
-          </p:cNvSpPr>
-          <p:nvPr>
-            <p:ph sz="quarter" idx="1"/>
-          </p:nvPr>
-        </p:nvSpPr>
-        <p:spPr>
-          <a:xfrm>
-            <a:off x="609600" y="1219200"/>
-            <a:ext cx="6299200" cy="4937760"/>
-          </a:xfrm>
-        </p:spPr>
-        <p:txBody>
-          <a:bodyPr/>
-          <a:lstStyle/>
-          <a:p>
-            <a:pPr lvl="0"/>
-            <a:r>
-              <a:rPr lang="en-US" dirty="0"/>
-              <a:t>Click to edit Master text styles</a:t>
-            </a:r>
-          </a:p>
-          <a:p>
-            <a:pPr lvl="1"/>
-            <a:r>
-              <a:rPr lang="en-US" dirty="0"/>
-              <a:t>Second level</a:t>
-            </a:r>
-          </a:p>
-          <a:p>
-            <a:pPr lvl="2"/>
-            <a:r>
-              <a:rPr lang="en-US" dirty="0"/>
-              <a:t>Third level</a:t>
-            </a:r>
-          </a:p>
-          <a:p>
-            <a:pPr lvl="3"/>
-            <a:r>
-              <a:rPr lang="en-US" dirty="0"/>
-              <a:t>Fourth level</a:t>
-            </a:r>
-          </a:p>
-          <a:p>
-            <a:pPr lvl="4"/>
-            <a:r>
-              <a:rPr lang="en-US" dirty="0"/>
-              <a:t>Fifth level</a:t>
-            </a:r>
-          </a:p>
-        </p:txBody>
-      </p:sp>
-      <p:cxnSp>
-        <p:nvCxnSpPr>
-          <p:cNvPr id="4" name="直接连接符 3"/>
-          <p:cNvCxnSpPr/>
-          <p:nvPr userDrawn="1"/>
-        </p:nvCxnSpPr>
-        <p:spPr>
-          <a:xfrm>
-            <a:off x="7112000" y="1219200"/>
-            <a:ext cx="0" cy="4937760"/>
-          </a:xfrm>
-          <a:prstGeom prst="line">
-            <a:avLst/>
-          </a:prstGeom>
-        </p:spPr>
-        <p:style>
-          <a:lnRef idx="1">
-            <a:schemeClr val="accent1"/>
-          </a:lnRef>
-          <a:fillRef idx="0">
-            <a:schemeClr val="accent1"/>
-          </a:fillRef>
-          <a:effectRef idx="0">
-            <a:schemeClr val="accent1"/>
-          </a:effectRef>
-          <a:fontRef idx="minor">
-            <a:schemeClr val="tx1"/>
-          </a:fontRef>
-        </p:style>
-      </p:cxnSp>
-    </p:spTree>
-    <p:extLst>
-      <p:ext uri="{BB962C8B-B14F-4D97-AF65-F5344CB8AC3E}">
-        <p14:creationId xmlns:p14="http://schemas.microsoft.com/office/powerpoint/2010/main" val="2635019372"/>
-      </p:ext>
-    </p:extLst>
-  </p:cSld>
-  <p:clrMapOvr>
-    <a:masterClrMapping/>
-  </p:clrMapOvr>
-</p:sldLayout>
-</file>
-
-<file path=ppt/slideLayouts/slideLayout14.xml><?xml version="1.0" encoding="utf-8"?>
-<p:sldLayout xmlns:a="http://schemas.openxmlformats.org/drawingml/2006/main" xmlns:r="http://schemas.openxmlformats.org/officeDocument/2006/relationships" xmlns:p="http://schemas.openxmlformats.org/presentationml/2006/main" showMasterSp="0" preserve="1" userDrawn="1">
-  <p:cSld name="1_empty">
-    <p:spTree>
-      <p:nvGrpSpPr>
-        <p:cNvPr id="1" name=""/>
-        <p:cNvGrpSpPr/>
-        <p:nvPr/>
-      </p:nvGrpSpPr>
-      <p:grpSpPr>
-        <a:xfrm>
-          <a:off x="0" y="0"/>
-          <a:ext cx="0" cy="0"/>
-          <a:chOff x="0" y="0"/>
-          <a:chExt cx="0" cy="0"/>
-        </a:xfrm>
-      </p:grpSpPr>
-    </p:spTree>
-    <p:extLst>
-      <p:ext uri="{BB962C8B-B14F-4D97-AF65-F5344CB8AC3E}">
-        <p14:creationId xmlns:p14="http://schemas.microsoft.com/office/powerpoint/2010/main" val="882683792"/>
-      </p:ext>
-    </p:extLst>
-  </p:cSld>
-  <p:clrMapOvr>
-    <a:masterClrMapping/>
-  </p:clrMapOvr>
-</p:sldLayout>
-</file>
-
-<file path=ppt/slideLayouts/slideLayout15.xml><?xml version="1.0" encoding="utf-8"?>
-<p:sldLayout xmlns:a="http://schemas.openxmlformats.org/drawingml/2006/main" xmlns:r="http://schemas.openxmlformats.org/officeDocument/2006/relationships" xmlns:p="http://schemas.openxmlformats.org/presentationml/2006/main" preserve="1" userDrawn="1">
-  <p:cSld name="1_End">
-    <p:spTree>
-      <p:nvGrpSpPr>
-        <p:cNvPr id="1" name=""/>
-        <p:cNvGrpSpPr/>
-        <p:nvPr/>
-      </p:nvGrpSpPr>
-      <p:grpSpPr>
-        <a:xfrm>
-          <a:off x="0" y="0"/>
-          <a:ext cx="0" cy="0"/>
-          <a:chOff x="0" y="0"/>
-          <a:chExt cx="0" cy="0"/>
-        </a:xfrm>
-      </p:grpSpPr>
-      <p:sp>
-        <p:nvSpPr>
-          <p:cNvPr id="4" name="Rectangle 3"/>
-          <p:cNvSpPr/>
-          <p:nvPr userDrawn="1"/>
-        </p:nvSpPr>
-        <p:spPr>
-          <a:xfrm>
-            <a:off x="4876800" y="3048003"/>
-            <a:ext cx="3048000" cy="646331"/>
-          </a:xfrm>
-          <a:prstGeom prst="rect">
-            <a:avLst/>
-          </a:prstGeom>
-        </p:spPr>
-        <p:txBody>
-          <a:bodyPr wrap="square">
-            <a:spAutoFit/>
-          </a:bodyPr>
-          <a:lstStyle/>
-          <a:p>
-            <a:r>
-              <a:rPr lang="zh-CN" altLang="en-US" sz="3600" dirty="0">
-                <a:latin typeface="华文楷体" panose="02010600040101010101" pitchFamily="2" charset="-122"/>
-                <a:ea typeface="华文楷体" panose="02010600040101010101" pitchFamily="2" charset="-122"/>
-              </a:rPr>
-              <a:t>谢  谢</a:t>
-            </a:r>
-            <a:endParaRPr lang="en-US" altLang="zh-CN" sz="3600" dirty="0">
-              <a:latin typeface="华文楷体" panose="02010600040101010101" pitchFamily="2" charset="-122"/>
-              <a:ea typeface="华文楷体" panose="02010600040101010101" pitchFamily="2" charset="-122"/>
-            </a:endParaRPr>
-          </a:p>
-        </p:txBody>
-      </p:sp>
-    </p:spTree>
-    <p:extLst>
-      <p:ext uri="{BB962C8B-B14F-4D97-AF65-F5344CB8AC3E}">
-        <p14:creationId xmlns:p14="http://schemas.microsoft.com/office/powerpoint/2010/main" val="1698082951"/>
-      </p:ext>
-    </p:extLst>
-  </p:cSld>
-  <p:clrMapOvr>
-    <a:masterClrMapping/>
-  </p:clrMapOvr>
-</p:sldLayout>
-</file>
-
-<file path=ppt/slideLayouts/slideLayout2.xml><?xml version="1.0" encoding="utf-8"?>
-<p:sldLayout xmlns:a="http://schemas.openxmlformats.org/drawingml/2006/main" xmlns:r="http://schemas.openxmlformats.org/officeDocument/2006/relationships" xmlns:p="http://schemas.openxmlformats.org/presentationml/2006/main" preserve="1">
-  <p:cSld name="Subsection">
-    <p:spTree>
-      <p:nvGrpSpPr>
-        <p:cNvPr id="1" name=""/>
-        <p:cNvGrpSpPr/>
-        <p:nvPr/>
-      </p:nvGrpSpPr>
-      <p:grpSpPr>
-        <a:xfrm>
-          <a:off x="0" y="0"/>
-          <a:ext cx="0" cy="0"/>
-          <a:chOff x="0" y="0"/>
-          <a:chExt cx="0" cy="0"/>
-        </a:xfrm>
-      </p:grpSpPr>
-      <p:sp>
-        <p:nvSpPr>
-          <p:cNvPr id="4" name="Rectangle 10"/>
-          <p:cNvSpPr/>
-          <p:nvPr/>
-        </p:nvSpPr>
-        <p:spPr>
-          <a:xfrm>
-            <a:off x="999067" y="2438403"/>
-            <a:ext cx="9753600" cy="1956197"/>
-          </a:xfrm>
-          <a:prstGeom prst="rect">
-            <a:avLst/>
-          </a:prstGeom>
-          <a:noFill/>
-          <a:ln w="6350" cap="rnd" cmpd="sng" algn="ctr">
-            <a:solidFill>
-              <a:schemeClr val="accent1"/>
-            </a:solidFill>
-            <a:prstDash val="solid"/>
-          </a:ln>
-          <a:effectLst/>
-        </p:spPr>
-        <p:style>
-          <a:lnRef idx="3">
-            <a:schemeClr val="lt1"/>
-          </a:lnRef>
-          <a:fillRef idx="1">
-            <a:schemeClr val="accent1"/>
-          </a:fillRef>
-          <a:effectRef idx="1">
-            <a:schemeClr val="accent1"/>
-          </a:effectRef>
-          <a:fontRef idx="minor">
-            <a:schemeClr val="lt1"/>
-          </a:fontRef>
-        </p:style>
-        <p:txBody>
-          <a:bodyPr anchor="ctr"/>
-          <a:lstStyle>
-            <a:lvl1pPr>
-              <a:defRPr>
-                <a:solidFill>
-                  <a:schemeClr val="tx1"/>
-                </a:solidFill>
-                <a:latin typeface="Cambria" panose="02040503050406030204" pitchFamily="18" charset="0"/>
-              </a:defRPr>
-            </a:lvl1pPr>
-            <a:lvl2pPr marL="742950" indent="-285750">
-              <a:defRPr>
-                <a:solidFill>
-                  <a:schemeClr val="tx1"/>
-                </a:solidFill>
-                <a:latin typeface="Cambria" panose="02040503050406030204" pitchFamily="18" charset="0"/>
-              </a:defRPr>
-            </a:lvl2pPr>
-            <a:lvl3pPr marL="1143000" indent="-228600">
-              <a:defRPr>
-                <a:solidFill>
-                  <a:schemeClr val="tx1"/>
-                </a:solidFill>
-                <a:latin typeface="Cambria" panose="02040503050406030204" pitchFamily="18" charset="0"/>
-              </a:defRPr>
-            </a:lvl3pPr>
-            <a:lvl4pPr marL="1600200" indent="-228600">
-              <a:defRPr>
-                <a:solidFill>
-                  <a:schemeClr val="tx1"/>
-                </a:solidFill>
-                <a:latin typeface="Cambria" panose="02040503050406030204" pitchFamily="18" charset="0"/>
-              </a:defRPr>
-            </a:lvl4pPr>
-            <a:lvl5pPr marL="2057400" indent="-228600">
-              <a:defRPr>
-                <a:solidFill>
-                  <a:schemeClr val="tx1"/>
-                </a:solidFill>
-                <a:latin typeface="Cambria" panose="02040503050406030204" pitchFamily="18" charset="0"/>
-              </a:defRPr>
-            </a:lvl5pPr>
-            <a:lvl6pPr marL="2514600" indent="-228600" fontAlgn="base">
-              <a:spcBef>
-                <a:spcPct val="0"/>
-              </a:spcBef>
-              <a:spcAft>
-                <a:spcPct val="0"/>
-              </a:spcAft>
-              <a:defRPr>
-                <a:solidFill>
-                  <a:schemeClr val="tx1"/>
-                </a:solidFill>
-                <a:latin typeface="Cambria" panose="02040503050406030204" pitchFamily="18" charset="0"/>
-              </a:defRPr>
-            </a:lvl6pPr>
-            <a:lvl7pPr marL="2971800" indent="-228600" fontAlgn="base">
-              <a:spcBef>
-                <a:spcPct val="0"/>
-              </a:spcBef>
-              <a:spcAft>
-                <a:spcPct val="0"/>
-              </a:spcAft>
-              <a:defRPr>
-                <a:solidFill>
-                  <a:schemeClr val="tx1"/>
-                </a:solidFill>
-                <a:latin typeface="Cambria" panose="02040503050406030204" pitchFamily="18" charset="0"/>
-              </a:defRPr>
-            </a:lvl7pPr>
-            <a:lvl8pPr marL="3429000" indent="-228600" fontAlgn="base">
-              <a:spcBef>
-                <a:spcPct val="0"/>
-              </a:spcBef>
-              <a:spcAft>
-                <a:spcPct val="0"/>
-              </a:spcAft>
-              <a:defRPr>
-                <a:solidFill>
-                  <a:schemeClr val="tx1"/>
-                </a:solidFill>
-                <a:latin typeface="Cambria" panose="02040503050406030204" pitchFamily="18" charset="0"/>
-              </a:defRPr>
-            </a:lvl8pPr>
-            <a:lvl9pPr marL="3886200" indent="-228600" fontAlgn="base">
-              <a:spcBef>
-                <a:spcPct val="0"/>
-              </a:spcBef>
-              <a:spcAft>
-                <a:spcPct val="0"/>
-              </a:spcAft>
-              <a:defRPr>
-                <a:solidFill>
-                  <a:schemeClr val="tx1"/>
-                </a:solidFill>
-                <a:latin typeface="Cambria" panose="02040503050406030204" pitchFamily="18" charset="0"/>
-              </a:defRPr>
-            </a:lvl9pPr>
-          </a:lstStyle>
-          <a:p>
-            <a:pPr algn="ctr" eaLnBrk="1" hangingPunct="1">
-              <a:defRPr/>
-            </a:pPr>
-            <a:endParaRPr lang="zh-CN" altLang="zh-CN">
-              <a:solidFill>
-                <a:srgbClr val="FFFFFF"/>
-              </a:solidFill>
-            </a:endParaRPr>
-          </a:p>
-        </p:txBody>
-      </p:sp>
-      <p:sp>
-        <p:nvSpPr>
-          <p:cNvPr id="6" name="Rectangle 14"/>
-          <p:cNvSpPr/>
-          <p:nvPr/>
-        </p:nvSpPr>
-        <p:spPr>
-          <a:xfrm>
-            <a:off x="999067" y="2438403"/>
-            <a:ext cx="304800" cy="1956197"/>
-          </a:xfrm>
-          <a:prstGeom prst="rect">
-            <a:avLst/>
-          </a:prstGeom>
-          <a:solidFill>
-            <a:schemeClr val="accent1"/>
-          </a:solidFill>
-          <a:ln w="6350" cap="rnd" cmpd="sng" algn="ctr">
-            <a:noFill/>
-            <a:prstDash val="solid"/>
-          </a:ln>
-          <a:effectLst/>
-        </p:spPr>
-        <p:style>
-          <a:lnRef idx="3">
-            <a:schemeClr val="lt1"/>
-          </a:lnRef>
-          <a:fillRef idx="1">
-            <a:schemeClr val="accent1"/>
-          </a:fillRef>
-          <a:effectRef idx="1">
-            <a:schemeClr val="accent1"/>
-          </a:effectRef>
-          <a:fontRef idx="minor">
-            <a:schemeClr val="lt1"/>
-          </a:fontRef>
-        </p:style>
-        <p:txBody>
-          <a:bodyPr anchor="ctr"/>
-          <a:lstStyle>
-            <a:lvl1pPr>
-              <a:defRPr>
-                <a:solidFill>
-                  <a:schemeClr val="tx1"/>
-                </a:solidFill>
-                <a:latin typeface="Cambria" panose="02040503050406030204" pitchFamily="18" charset="0"/>
-              </a:defRPr>
-            </a:lvl1pPr>
-            <a:lvl2pPr marL="742950" indent="-285750">
-              <a:defRPr>
-                <a:solidFill>
-                  <a:schemeClr val="tx1"/>
-                </a:solidFill>
-                <a:latin typeface="Cambria" panose="02040503050406030204" pitchFamily="18" charset="0"/>
-              </a:defRPr>
-            </a:lvl2pPr>
-            <a:lvl3pPr marL="1143000" indent="-228600">
-              <a:defRPr>
-                <a:solidFill>
-                  <a:schemeClr val="tx1"/>
-                </a:solidFill>
-                <a:latin typeface="Cambria" panose="02040503050406030204" pitchFamily="18" charset="0"/>
-              </a:defRPr>
-            </a:lvl3pPr>
-            <a:lvl4pPr marL="1600200" indent="-228600">
-              <a:defRPr>
-                <a:solidFill>
-                  <a:schemeClr val="tx1"/>
-                </a:solidFill>
-                <a:latin typeface="Cambria" panose="02040503050406030204" pitchFamily="18" charset="0"/>
-              </a:defRPr>
-            </a:lvl4pPr>
-            <a:lvl5pPr marL="2057400" indent="-228600">
-              <a:defRPr>
-                <a:solidFill>
-                  <a:schemeClr val="tx1"/>
-                </a:solidFill>
-                <a:latin typeface="Cambria" panose="02040503050406030204" pitchFamily="18" charset="0"/>
-              </a:defRPr>
-            </a:lvl5pPr>
-            <a:lvl6pPr marL="2514600" indent="-228600" fontAlgn="base">
-              <a:spcBef>
-                <a:spcPct val="0"/>
-              </a:spcBef>
-              <a:spcAft>
-                <a:spcPct val="0"/>
-              </a:spcAft>
-              <a:defRPr>
-                <a:solidFill>
-                  <a:schemeClr val="tx1"/>
-                </a:solidFill>
-                <a:latin typeface="Cambria" panose="02040503050406030204" pitchFamily="18" charset="0"/>
-              </a:defRPr>
-            </a:lvl6pPr>
-            <a:lvl7pPr marL="2971800" indent="-228600" fontAlgn="base">
-              <a:spcBef>
-                <a:spcPct val="0"/>
-              </a:spcBef>
-              <a:spcAft>
-                <a:spcPct val="0"/>
-              </a:spcAft>
-              <a:defRPr>
-                <a:solidFill>
-                  <a:schemeClr val="tx1"/>
-                </a:solidFill>
-                <a:latin typeface="Cambria" panose="02040503050406030204" pitchFamily="18" charset="0"/>
-              </a:defRPr>
-            </a:lvl7pPr>
-            <a:lvl8pPr marL="3429000" indent="-228600" fontAlgn="base">
-              <a:spcBef>
-                <a:spcPct val="0"/>
-              </a:spcBef>
-              <a:spcAft>
-                <a:spcPct val="0"/>
-              </a:spcAft>
-              <a:defRPr>
-                <a:solidFill>
-                  <a:schemeClr val="tx1"/>
-                </a:solidFill>
-                <a:latin typeface="Cambria" panose="02040503050406030204" pitchFamily="18" charset="0"/>
-              </a:defRPr>
-            </a:lvl8pPr>
-            <a:lvl9pPr marL="3886200" indent="-228600" fontAlgn="base">
-              <a:spcBef>
-                <a:spcPct val="0"/>
-              </a:spcBef>
-              <a:spcAft>
-                <a:spcPct val="0"/>
-              </a:spcAft>
-              <a:defRPr>
-                <a:solidFill>
-                  <a:schemeClr val="tx1"/>
-                </a:solidFill>
-                <a:latin typeface="Cambria" panose="02040503050406030204" pitchFamily="18" charset="0"/>
-              </a:defRPr>
-            </a:lvl9pPr>
-          </a:lstStyle>
-          <a:p>
-            <a:pPr algn="ctr" eaLnBrk="1" hangingPunct="1">
-              <a:defRPr/>
-            </a:pPr>
-            <a:endParaRPr lang="zh-CN" altLang="zh-CN">
-              <a:solidFill>
-                <a:srgbClr val="FFFFFF"/>
-              </a:solidFill>
-            </a:endParaRPr>
-          </a:p>
-        </p:txBody>
-      </p:sp>
-      <p:sp>
-        <p:nvSpPr>
-          <p:cNvPr id="8" name="Title 7"/>
-          <p:cNvSpPr>
-            <a:spLocks noGrp="1"/>
-          </p:cNvSpPr>
-          <p:nvPr>
-            <p:ph type="ctrTitle"/>
-          </p:nvPr>
-        </p:nvSpPr>
-        <p:spPr>
-          <a:xfrm>
-            <a:off x="1418167" y="2676527"/>
-            <a:ext cx="9144000" cy="1514475"/>
+            <a:off x="4343400" y="3827594"/>
+            <a:ext cx="6142566" cy="1280888"/>
           </a:xfrm>
         </p:spPr>
         <p:txBody>
@@ -6795,7 +6085,7 @@
                 <a:solidFill>
                   <a:schemeClr val="tx1"/>
                 </a:solidFill>
-                <a:latin typeface="+mn-lt"/>
+                <a:latin typeface="+mj-lt"/>
                 <a:ea typeface="+mj-ea"/>
               </a:defRPr>
             </a:lvl1pPr>
@@ -6812,7 +6102,7 @@
     </p:spTree>
     <p:extLst>
       <p:ext uri="{BB962C8B-B14F-4D97-AF65-F5344CB8AC3E}">
-        <p14:creationId xmlns:p14="http://schemas.microsoft.com/office/powerpoint/2010/main" val="410822172"/>
+        <p14:creationId xmlns:p14="http://schemas.microsoft.com/office/powerpoint/2010/main" val="2501441112"/>
       </p:ext>
     </p:extLst>
   </p:cSld>
@@ -6841,10 +6131,10 @@
       </p:grpSpPr>
       <p:sp>
         <p:nvSpPr>
-          <p:cNvPr id="5" name="Title Placeholder 21">
+          <p:cNvPr id="4" name="标题 3">
             <a:extLst>
               <a:ext uri="{FF2B5EF4-FFF2-40B4-BE49-F238E27FC236}">
-                <a16:creationId xmlns:a16="http://schemas.microsoft.com/office/drawing/2014/main" id="{D5AD6E5D-BDE8-480E-8362-D03951F55880}"/>
+                <a16:creationId xmlns:a16="http://schemas.microsoft.com/office/drawing/2014/main" id="{45050A8B-65E7-4672-9976-F9678ACCF210}"/>
               </a:ext>
             </a:extLst>
           </p:cNvPr>
@@ -6855,10 +6145,762 @@
             <p:ph type="title"/>
           </p:nvPr>
         </p:nvSpPr>
+        <p:spPr/>
+        <p:txBody>
+          <a:bodyPr/>
+          <a:lstStyle/>
+          <a:p>
+            <a:r>
+              <a:rPr lang="zh-CN" altLang="en-US"/>
+              <a:t>单击此处编辑母版标题样式</a:t>
+            </a:r>
+          </a:p>
+        </p:txBody>
+      </p:sp>
+      <p:sp>
+        <p:nvSpPr>
+          <p:cNvPr id="8" name="Text Placeholder 12">
+            <a:extLst>
+              <a:ext uri="{FF2B5EF4-FFF2-40B4-BE49-F238E27FC236}">
+                <a16:creationId xmlns:a16="http://schemas.microsoft.com/office/drawing/2014/main" id="{B69B4C9B-667A-475B-923C-B441E63112E2}"/>
+              </a:ext>
+            </a:extLst>
+          </p:cNvPr>
+          <p:cNvSpPr>
+            <a:spLocks noGrp="1"/>
+          </p:cNvSpPr>
+          <p:nvPr>
+            <p:ph idx="1"/>
+          </p:nvPr>
+        </p:nvSpPr>
         <p:spPr bwMode="auto">
           <a:xfrm>
-            <a:off x="609600" y="152400"/>
-            <a:ext cx="10972800" cy="990600"/>
+            <a:off x="609600" y="990600"/>
+            <a:ext cx="10972800" cy="5410200"/>
+          </a:xfrm>
+          <a:prstGeom prst="rect">
+            <a:avLst/>
+          </a:prstGeom>
+          <a:noFill/>
+          <a:ln>
+            <a:noFill/>
+          </a:ln>
+          <a:extLst>
+            <a:ext uri="{909E8E84-426E-40DD-AFC4-6F175D3DCCD1}">
+              <a14:hiddenFill xmlns:a14="http://schemas.microsoft.com/office/drawing/2010/main">
+                <a:solidFill>
+                  <a:srgbClr val="FFFFFF"/>
+                </a:solidFill>
+              </a14:hiddenFill>
+            </a:ext>
+            <a:ext uri="{91240B29-F687-4F45-9708-019B960494DF}">
+              <a14:hiddenLine xmlns:a14="http://schemas.microsoft.com/office/drawing/2010/main" w="9525">
+                <a:solidFill>
+                  <a:srgbClr val="000000"/>
+                </a:solidFill>
+                <a:miter lim="800000"/>
+                <a:headEnd/>
+                <a:tailEnd/>
+              </a14:hiddenLine>
+            </a:ext>
+          </a:extLst>
+        </p:spPr>
+        <p:txBody>
+          <a:bodyPr vert="horz" wrap="square" lIns="91440" tIns="45720" rIns="91440" bIns="45720" numCol="1" anchor="t" anchorCtr="0" compatLnSpc="1">
+            <a:prstTxWarp prst="textNoShape">
+              <a:avLst/>
+            </a:prstTxWarp>
+          </a:bodyPr>
+          <a:lstStyle>
+            <a:lvl1pPr>
+              <a:defRPr baseline="0">
+                <a:latin typeface="+mn-lt"/>
+              </a:defRPr>
+            </a:lvl1pPr>
+            <a:lvl2pPr>
+              <a:defRPr baseline="0">
+                <a:latin typeface="+mn-lt"/>
+              </a:defRPr>
+            </a:lvl2pPr>
+            <a:lvl3pPr>
+              <a:defRPr baseline="0">
+                <a:latin typeface="+mn-lt"/>
+              </a:defRPr>
+            </a:lvl3pPr>
+            <a:lvl4pPr>
+              <a:defRPr baseline="0">
+                <a:latin typeface="+mn-lt"/>
+              </a:defRPr>
+            </a:lvl4pPr>
+            <a:lvl5pPr>
+              <a:defRPr baseline="0">
+                <a:latin typeface="+mn-lt"/>
+              </a:defRPr>
+            </a:lvl5pPr>
+          </a:lstStyle>
+          <a:p>
+            <a:pPr lvl="0"/>
+            <a:r>
+              <a:rPr lang="zh-CN" altLang="en-US"/>
+              <a:t>编辑母版文本样式</a:t>
+            </a:r>
+          </a:p>
+          <a:p>
+            <a:pPr lvl="1"/>
+            <a:r>
+              <a:rPr lang="zh-CN" altLang="en-US"/>
+              <a:t>第二级</a:t>
+            </a:r>
+          </a:p>
+          <a:p>
+            <a:pPr lvl="2"/>
+            <a:r>
+              <a:rPr lang="zh-CN" altLang="en-US"/>
+              <a:t>第三级</a:t>
+            </a:r>
+          </a:p>
+        </p:txBody>
+      </p:sp>
+    </p:spTree>
+    <p:extLst>
+      <p:ext uri="{BB962C8B-B14F-4D97-AF65-F5344CB8AC3E}">
+        <p14:creationId xmlns:p14="http://schemas.microsoft.com/office/powerpoint/2010/main" val="3439753316"/>
+      </p:ext>
+    </p:extLst>
+  </p:cSld>
+  <p:clrMapOvr>
+    <a:masterClrMapping/>
+  </p:clrMapOvr>
+  <p:hf hdr="0" ftr="0" dt="0"/>
+</p:sldLayout>
+</file>
+
+<file path=ppt/slideLayouts/slideLayout4.xml><?xml version="1.0" encoding="utf-8"?>
+<p:sldLayout xmlns:a="http://schemas.openxmlformats.org/drawingml/2006/main" xmlns:r="http://schemas.openxmlformats.org/officeDocument/2006/relationships" xmlns:p="http://schemas.openxmlformats.org/presentationml/2006/main" preserve="1">
+  <p:cSld name="Just Title">
+    <p:spTree>
+      <p:nvGrpSpPr>
+        <p:cNvPr id="1" name=""/>
+        <p:cNvGrpSpPr/>
+        <p:nvPr/>
+      </p:nvGrpSpPr>
+      <p:grpSpPr>
+        <a:xfrm>
+          <a:off x="0" y="0"/>
+          <a:ext cx="0" cy="0"/>
+          <a:chOff x="0" y="0"/>
+          <a:chExt cx="0" cy="0"/>
+        </a:xfrm>
+      </p:grpSpPr>
+      <p:sp>
+        <p:nvSpPr>
+          <p:cNvPr id="2" name="标题 1">
+            <a:extLst>
+              <a:ext uri="{FF2B5EF4-FFF2-40B4-BE49-F238E27FC236}">
+                <a16:creationId xmlns:a16="http://schemas.microsoft.com/office/drawing/2014/main" id="{A7A3B309-5F91-4EC3-B303-AAA2C66728F2}"/>
+              </a:ext>
+            </a:extLst>
+          </p:cNvPr>
+          <p:cNvSpPr>
+            <a:spLocks noGrp="1"/>
+          </p:cNvSpPr>
+          <p:nvPr>
+            <p:ph type="title"/>
+          </p:nvPr>
+        </p:nvSpPr>
+        <p:spPr/>
+        <p:txBody>
+          <a:bodyPr/>
+          <a:lstStyle/>
+          <a:p>
+            <a:r>
+              <a:rPr lang="zh-CN" altLang="en-US"/>
+              <a:t>单击此处编辑母版标题样式</a:t>
+            </a:r>
+          </a:p>
+        </p:txBody>
+      </p:sp>
+    </p:spTree>
+    <p:extLst>
+      <p:ext uri="{BB962C8B-B14F-4D97-AF65-F5344CB8AC3E}">
+        <p14:creationId xmlns:p14="http://schemas.microsoft.com/office/powerpoint/2010/main" val="2360662450"/>
+      </p:ext>
+    </p:extLst>
+  </p:cSld>
+  <p:clrMapOvr>
+    <a:masterClrMapping/>
+  </p:clrMapOvr>
+</p:sldLayout>
+</file>
+
+<file path=ppt/slideLayouts/slideLayout5.xml><?xml version="1.0" encoding="utf-8"?>
+<p:sldLayout xmlns:a="http://schemas.openxmlformats.org/drawingml/2006/main" xmlns:r="http://schemas.openxmlformats.org/officeDocument/2006/relationships" xmlns:p="http://schemas.openxmlformats.org/presentationml/2006/main" preserve="1">
+  <p:cSld name="两栏内容">
+    <p:spTree>
+      <p:nvGrpSpPr>
+        <p:cNvPr id="1" name=""/>
+        <p:cNvGrpSpPr/>
+        <p:nvPr/>
+      </p:nvGrpSpPr>
+      <p:grpSpPr>
+        <a:xfrm>
+          <a:off x="0" y="0"/>
+          <a:ext cx="0" cy="0"/>
+          <a:chOff x="0" y="0"/>
+          <a:chExt cx="0" cy="0"/>
+        </a:xfrm>
+      </p:grpSpPr>
+      <p:sp>
+        <p:nvSpPr>
+          <p:cNvPr id="7" name="Text Placeholder 12">
+            <a:extLst>
+              <a:ext uri="{FF2B5EF4-FFF2-40B4-BE49-F238E27FC236}">
+                <a16:creationId xmlns:a16="http://schemas.microsoft.com/office/drawing/2014/main" id="{82554C09-2158-4702-9B4A-E0C68913C689}"/>
+              </a:ext>
+            </a:extLst>
+          </p:cNvPr>
+          <p:cNvSpPr>
+            <a:spLocks noGrp="1"/>
+          </p:cNvSpPr>
+          <p:nvPr>
+            <p:ph idx="1"/>
+          </p:nvPr>
+        </p:nvSpPr>
+        <p:spPr bwMode="auto">
+          <a:xfrm>
+            <a:off x="609600" y="1066799"/>
+            <a:ext cx="5486400" cy="5181599"/>
+          </a:xfrm>
+          <a:prstGeom prst="rect">
+            <a:avLst/>
+          </a:prstGeom>
+          <a:noFill/>
+          <a:ln>
+            <a:noFill/>
+          </a:ln>
+          <a:extLst>
+            <a:ext uri="{909E8E84-426E-40DD-AFC4-6F175D3DCCD1}">
+              <a14:hiddenFill xmlns:a14="http://schemas.microsoft.com/office/drawing/2010/main">
+                <a:solidFill>
+                  <a:srgbClr val="FFFFFF"/>
+                </a:solidFill>
+              </a14:hiddenFill>
+            </a:ext>
+            <a:ext uri="{91240B29-F687-4F45-9708-019B960494DF}">
+              <a14:hiddenLine xmlns:a14="http://schemas.microsoft.com/office/drawing/2010/main" w="9525">
+                <a:solidFill>
+                  <a:srgbClr val="000000"/>
+                </a:solidFill>
+                <a:miter lim="800000"/>
+                <a:headEnd/>
+                <a:tailEnd/>
+              </a14:hiddenLine>
+            </a:ext>
+          </a:extLst>
+        </p:spPr>
+        <p:txBody>
+          <a:bodyPr vert="horz" wrap="square" lIns="91440" tIns="45720" rIns="91440" bIns="45720" numCol="1" anchor="t" anchorCtr="0" compatLnSpc="1">
+            <a:prstTxWarp prst="textNoShape">
+              <a:avLst/>
+            </a:prstTxWarp>
+          </a:bodyPr>
+          <a:lstStyle>
+            <a:lvl1pPr>
+              <a:defRPr baseline="0">
+                <a:latin typeface="+mn-lt"/>
+              </a:defRPr>
+            </a:lvl1pPr>
+            <a:lvl2pPr>
+              <a:defRPr baseline="0">
+                <a:latin typeface="+mn-lt"/>
+              </a:defRPr>
+            </a:lvl2pPr>
+            <a:lvl3pPr>
+              <a:defRPr baseline="0">
+                <a:latin typeface="+mn-lt"/>
+              </a:defRPr>
+            </a:lvl3pPr>
+            <a:lvl4pPr>
+              <a:defRPr baseline="0">
+                <a:latin typeface="+mn-lt"/>
+              </a:defRPr>
+            </a:lvl4pPr>
+            <a:lvl5pPr>
+              <a:defRPr baseline="0">
+                <a:latin typeface="+mn-lt"/>
+              </a:defRPr>
+            </a:lvl5pPr>
+          </a:lstStyle>
+          <a:p>
+            <a:pPr lvl="0"/>
+            <a:r>
+              <a:rPr lang="zh-CN" altLang="en-US"/>
+              <a:t>编辑母版文本样式</a:t>
+            </a:r>
+          </a:p>
+          <a:p>
+            <a:pPr lvl="1"/>
+            <a:r>
+              <a:rPr lang="zh-CN" altLang="en-US"/>
+              <a:t>第二级</a:t>
+            </a:r>
+          </a:p>
+          <a:p>
+            <a:pPr lvl="2"/>
+            <a:r>
+              <a:rPr lang="zh-CN" altLang="en-US"/>
+              <a:t>第三级</a:t>
+            </a:r>
+          </a:p>
+          <a:p>
+            <a:pPr lvl="3"/>
+            <a:r>
+              <a:rPr lang="zh-CN" altLang="en-US"/>
+              <a:t>第四级</a:t>
+            </a:r>
+          </a:p>
+        </p:txBody>
+      </p:sp>
+      <p:sp>
+        <p:nvSpPr>
+          <p:cNvPr id="8" name="Text Placeholder 12">
+            <a:extLst>
+              <a:ext uri="{FF2B5EF4-FFF2-40B4-BE49-F238E27FC236}">
+                <a16:creationId xmlns:a16="http://schemas.microsoft.com/office/drawing/2014/main" id="{6DDB8618-EAD8-4F6C-91B0-8D6B79685A8E}"/>
+              </a:ext>
+            </a:extLst>
+          </p:cNvPr>
+          <p:cNvSpPr>
+            <a:spLocks noGrp="1"/>
+          </p:cNvSpPr>
+          <p:nvPr>
+            <p:ph idx="10"/>
+          </p:nvPr>
+        </p:nvSpPr>
+        <p:spPr bwMode="auto">
+          <a:xfrm>
+            <a:off x="6248400" y="1066800"/>
+            <a:ext cx="5334000" cy="5181598"/>
+          </a:xfrm>
+          <a:prstGeom prst="rect">
+            <a:avLst/>
+          </a:prstGeom>
+          <a:noFill/>
+          <a:ln>
+            <a:noFill/>
+          </a:ln>
+          <a:extLst>
+            <a:ext uri="{909E8E84-426E-40DD-AFC4-6F175D3DCCD1}">
+              <a14:hiddenFill xmlns:a14="http://schemas.microsoft.com/office/drawing/2010/main">
+                <a:solidFill>
+                  <a:srgbClr val="FFFFFF"/>
+                </a:solidFill>
+              </a14:hiddenFill>
+            </a:ext>
+            <a:ext uri="{91240B29-F687-4F45-9708-019B960494DF}">
+              <a14:hiddenLine xmlns:a14="http://schemas.microsoft.com/office/drawing/2010/main" w="9525">
+                <a:solidFill>
+                  <a:srgbClr val="000000"/>
+                </a:solidFill>
+                <a:miter lim="800000"/>
+                <a:headEnd/>
+                <a:tailEnd/>
+              </a14:hiddenLine>
+            </a:ext>
+          </a:extLst>
+        </p:spPr>
+        <p:txBody>
+          <a:bodyPr vert="horz" wrap="square" lIns="91440" tIns="45720" rIns="91440" bIns="45720" numCol="1" anchor="t" anchorCtr="0" compatLnSpc="1">
+            <a:prstTxWarp prst="textNoShape">
+              <a:avLst/>
+            </a:prstTxWarp>
+          </a:bodyPr>
+          <a:lstStyle/>
+          <a:p>
+            <a:pPr lvl="0"/>
+            <a:r>
+              <a:rPr lang="zh-CN" altLang="en-US"/>
+              <a:t>编辑母版文本样式</a:t>
+            </a:r>
+          </a:p>
+          <a:p>
+            <a:pPr lvl="1"/>
+            <a:r>
+              <a:rPr lang="zh-CN" altLang="en-US"/>
+              <a:t>第二级</a:t>
+            </a:r>
+          </a:p>
+          <a:p>
+            <a:pPr lvl="2"/>
+            <a:r>
+              <a:rPr lang="zh-CN" altLang="en-US"/>
+              <a:t>第三级</a:t>
+            </a:r>
+          </a:p>
+          <a:p>
+            <a:pPr lvl="3"/>
+            <a:r>
+              <a:rPr lang="zh-CN" altLang="en-US"/>
+              <a:t>第四级</a:t>
+            </a:r>
+          </a:p>
+        </p:txBody>
+      </p:sp>
+      <p:sp>
+        <p:nvSpPr>
+          <p:cNvPr id="3" name="标题 2">
+            <a:extLst>
+              <a:ext uri="{FF2B5EF4-FFF2-40B4-BE49-F238E27FC236}">
+                <a16:creationId xmlns:a16="http://schemas.microsoft.com/office/drawing/2014/main" id="{63866493-C33C-47CF-99CE-6E19EE056D71}"/>
+              </a:ext>
+            </a:extLst>
+          </p:cNvPr>
+          <p:cNvSpPr>
+            <a:spLocks noGrp="1"/>
+          </p:cNvSpPr>
+          <p:nvPr>
+            <p:ph type="title"/>
+          </p:nvPr>
+        </p:nvSpPr>
+        <p:spPr/>
+        <p:txBody>
+          <a:bodyPr/>
+          <a:lstStyle/>
+          <a:p>
+            <a:r>
+              <a:rPr lang="zh-CN" altLang="en-US"/>
+              <a:t>单击此处编辑母版标题样式</a:t>
+            </a:r>
+            <a:endParaRPr lang="zh-CN" altLang="en-US" dirty="0"/>
+          </a:p>
+        </p:txBody>
+      </p:sp>
+      <p:cxnSp>
+        <p:nvCxnSpPr>
+          <p:cNvPr id="6" name="直接连接符 5">
+            <a:extLst>
+              <a:ext uri="{FF2B5EF4-FFF2-40B4-BE49-F238E27FC236}">
+                <a16:creationId xmlns:a16="http://schemas.microsoft.com/office/drawing/2014/main" id="{8BBF6941-949E-4A04-9A27-6C5758225CF1}"/>
+              </a:ext>
+            </a:extLst>
+          </p:cNvPr>
+          <p:cNvCxnSpPr/>
+          <p:nvPr/>
+        </p:nvCxnSpPr>
+        <p:spPr>
+          <a:xfrm>
+            <a:off x="6172200" y="1066800"/>
+            <a:ext cx="0" cy="5181600"/>
+          </a:xfrm>
+          <a:prstGeom prst="line">
+            <a:avLst/>
+          </a:prstGeom>
+        </p:spPr>
+        <p:style>
+          <a:lnRef idx="1">
+            <a:schemeClr val="accent1"/>
+          </a:lnRef>
+          <a:fillRef idx="0">
+            <a:schemeClr val="accent1"/>
+          </a:fillRef>
+          <a:effectRef idx="0">
+            <a:schemeClr val="accent1"/>
+          </a:effectRef>
+          <a:fontRef idx="minor">
+            <a:schemeClr val="tx1"/>
+          </a:fontRef>
+        </p:style>
+      </p:cxnSp>
+    </p:spTree>
+    <p:extLst>
+      <p:ext uri="{BB962C8B-B14F-4D97-AF65-F5344CB8AC3E}">
+        <p14:creationId xmlns:p14="http://schemas.microsoft.com/office/powerpoint/2010/main" val="4098634907"/>
+      </p:ext>
+    </p:extLst>
+  </p:cSld>
+  <p:clrMapOvr>
+    <a:masterClrMapping/>
+  </p:clrMapOvr>
+  <p:hf hdr="0" ftr="0" dt="0"/>
+</p:sldLayout>
+</file>
+
+<file path=ppt/slideLayouts/slideLayout6.xml><?xml version="1.0" encoding="utf-8"?>
+<p:sldLayout xmlns:a="http://schemas.openxmlformats.org/drawingml/2006/main" xmlns:r="http://schemas.openxmlformats.org/officeDocument/2006/relationships" xmlns:p="http://schemas.openxmlformats.org/presentationml/2006/main" preserve="1">
+  <p:cSld name="Two Content Text_IMG">
+    <p:spTree>
+      <p:nvGrpSpPr>
+        <p:cNvPr id="1" name=""/>
+        <p:cNvGrpSpPr/>
+        <p:nvPr/>
+      </p:nvGrpSpPr>
+      <p:grpSpPr>
+        <a:xfrm>
+          <a:off x="0" y="0"/>
+          <a:ext cx="0" cy="0"/>
+          <a:chOff x="0" y="0"/>
+          <a:chExt cx="0" cy="0"/>
+        </a:xfrm>
+      </p:grpSpPr>
+      <p:sp>
+        <p:nvSpPr>
+          <p:cNvPr id="7" name="Text Placeholder 12">
+            <a:extLst>
+              <a:ext uri="{FF2B5EF4-FFF2-40B4-BE49-F238E27FC236}">
+                <a16:creationId xmlns:a16="http://schemas.microsoft.com/office/drawing/2014/main" id="{82554C09-2158-4702-9B4A-E0C68913C689}"/>
+              </a:ext>
+            </a:extLst>
+          </p:cNvPr>
+          <p:cNvSpPr>
+            <a:spLocks noGrp="1"/>
+          </p:cNvSpPr>
+          <p:nvPr>
+            <p:ph idx="1"/>
+          </p:nvPr>
+        </p:nvSpPr>
+        <p:spPr bwMode="auto">
+          <a:xfrm>
+            <a:off x="609599" y="990600"/>
+            <a:ext cx="5885794" cy="5410200"/>
+          </a:xfrm>
+          <a:prstGeom prst="rect">
+            <a:avLst/>
+          </a:prstGeom>
+          <a:noFill/>
+          <a:ln>
+            <a:noFill/>
+          </a:ln>
+          <a:extLst>
+            <a:ext uri="{909E8E84-426E-40DD-AFC4-6F175D3DCCD1}">
+              <a14:hiddenFill xmlns:a14="http://schemas.microsoft.com/office/drawing/2010/main">
+                <a:solidFill>
+                  <a:srgbClr val="FFFFFF"/>
+                </a:solidFill>
+              </a14:hiddenFill>
+            </a:ext>
+            <a:ext uri="{91240B29-F687-4F45-9708-019B960494DF}">
+              <a14:hiddenLine xmlns:a14="http://schemas.microsoft.com/office/drawing/2010/main" w="9525">
+                <a:solidFill>
+                  <a:srgbClr val="000000"/>
+                </a:solidFill>
+                <a:miter lim="800000"/>
+                <a:headEnd/>
+                <a:tailEnd/>
+              </a14:hiddenLine>
+            </a:ext>
+          </a:extLst>
+        </p:spPr>
+        <p:txBody>
+          <a:bodyPr vert="horz" wrap="square" lIns="91440" tIns="45720" rIns="91440" bIns="45720" numCol="1" anchor="t" anchorCtr="0" compatLnSpc="1">
+            <a:prstTxWarp prst="textNoShape">
+              <a:avLst/>
+            </a:prstTxWarp>
+          </a:bodyPr>
+          <a:lstStyle>
+            <a:lvl1pPr>
+              <a:defRPr baseline="0">
+                <a:latin typeface="+mn-lt"/>
+              </a:defRPr>
+            </a:lvl1pPr>
+            <a:lvl2pPr>
+              <a:defRPr baseline="0">
+                <a:latin typeface="+mn-lt"/>
+              </a:defRPr>
+            </a:lvl2pPr>
+            <a:lvl3pPr>
+              <a:defRPr baseline="0">
+                <a:latin typeface="+mn-lt"/>
+              </a:defRPr>
+            </a:lvl3pPr>
+            <a:lvl4pPr>
+              <a:defRPr baseline="0">
+                <a:latin typeface="+mn-lt"/>
+              </a:defRPr>
+            </a:lvl4pPr>
+            <a:lvl5pPr>
+              <a:defRPr baseline="0">
+                <a:latin typeface="+mn-lt"/>
+              </a:defRPr>
+            </a:lvl5pPr>
+          </a:lstStyle>
+          <a:p>
+            <a:pPr lvl="0"/>
+            <a:r>
+              <a:rPr lang="zh-CN" altLang="en-US"/>
+              <a:t>编辑母版文本样式</a:t>
+            </a:r>
+          </a:p>
+          <a:p>
+            <a:pPr lvl="1"/>
+            <a:r>
+              <a:rPr lang="zh-CN" altLang="en-US"/>
+              <a:t>第二级</a:t>
+            </a:r>
+          </a:p>
+          <a:p>
+            <a:pPr lvl="2"/>
+            <a:r>
+              <a:rPr lang="zh-CN" altLang="en-US"/>
+              <a:t>第三级</a:t>
+            </a:r>
+          </a:p>
+          <a:p>
+            <a:pPr lvl="3"/>
+            <a:r>
+              <a:rPr lang="zh-CN" altLang="en-US"/>
+              <a:t>第四级</a:t>
+            </a:r>
+          </a:p>
+        </p:txBody>
+      </p:sp>
+      <p:sp>
+        <p:nvSpPr>
+          <p:cNvPr id="3" name="标题 2">
+            <a:extLst>
+              <a:ext uri="{FF2B5EF4-FFF2-40B4-BE49-F238E27FC236}">
+                <a16:creationId xmlns:a16="http://schemas.microsoft.com/office/drawing/2014/main" id="{63866493-C33C-47CF-99CE-6E19EE056D71}"/>
+              </a:ext>
+            </a:extLst>
+          </p:cNvPr>
+          <p:cNvSpPr>
+            <a:spLocks noGrp="1"/>
+          </p:cNvSpPr>
+          <p:nvPr>
+            <p:ph type="title"/>
+          </p:nvPr>
+        </p:nvSpPr>
+        <p:spPr/>
+        <p:txBody>
+          <a:bodyPr/>
+          <a:lstStyle/>
+          <a:p>
+            <a:r>
+              <a:rPr lang="zh-CN" altLang="en-US"/>
+              <a:t>单击此处编辑母版标题样式</a:t>
+            </a:r>
+          </a:p>
+        </p:txBody>
+      </p:sp>
+      <p:cxnSp>
+        <p:nvCxnSpPr>
+          <p:cNvPr id="4" name="直接连接符 3">
+            <a:extLst>
+              <a:ext uri="{FF2B5EF4-FFF2-40B4-BE49-F238E27FC236}">
+                <a16:creationId xmlns:a16="http://schemas.microsoft.com/office/drawing/2014/main" id="{F4E9E31A-5EEF-4165-B7AF-A4322917E67F}"/>
+              </a:ext>
+            </a:extLst>
+          </p:cNvPr>
+          <p:cNvCxnSpPr>
+            <a:cxnSpLocks/>
+          </p:cNvCxnSpPr>
+          <p:nvPr/>
+        </p:nvCxnSpPr>
+        <p:spPr>
+          <a:xfrm>
+            <a:off x="6553200" y="1066800"/>
+            <a:ext cx="0" cy="5334000"/>
+          </a:xfrm>
+          <a:prstGeom prst="line">
+            <a:avLst/>
+          </a:prstGeom>
+        </p:spPr>
+        <p:style>
+          <a:lnRef idx="1">
+            <a:schemeClr val="accent1"/>
+          </a:lnRef>
+          <a:fillRef idx="0">
+            <a:schemeClr val="accent1"/>
+          </a:fillRef>
+          <a:effectRef idx="0">
+            <a:schemeClr val="accent1"/>
+          </a:effectRef>
+          <a:fontRef idx="minor">
+            <a:schemeClr val="tx1"/>
+          </a:fontRef>
+        </p:style>
+      </p:cxnSp>
+    </p:spTree>
+    <p:extLst>
+      <p:ext uri="{BB962C8B-B14F-4D97-AF65-F5344CB8AC3E}">
+        <p14:creationId xmlns:p14="http://schemas.microsoft.com/office/powerpoint/2010/main" val="3598945827"/>
+      </p:ext>
+    </p:extLst>
+  </p:cSld>
+  <p:clrMapOvr>
+    <a:masterClrMapping/>
+  </p:clrMapOvr>
+</p:sldLayout>
+</file>
+
+<file path=ppt/slideLayouts/slideLayout7.xml><?xml version="1.0" encoding="utf-8"?>
+<p:sldLayout xmlns:a="http://schemas.openxmlformats.org/drawingml/2006/main" xmlns:r="http://schemas.openxmlformats.org/officeDocument/2006/relationships" xmlns:p="http://schemas.openxmlformats.org/presentationml/2006/main" showMasterSp="0" preserve="1">
+  <p:cSld name="empty">
+    <p:spTree>
+      <p:nvGrpSpPr>
+        <p:cNvPr id="1" name=""/>
+        <p:cNvGrpSpPr/>
+        <p:nvPr/>
+      </p:nvGrpSpPr>
+      <p:grpSpPr>
+        <a:xfrm>
+          <a:off x="0" y="0"/>
+          <a:ext cx="0" cy="0"/>
+          <a:chOff x="0" y="0"/>
+          <a:chExt cx="0" cy="0"/>
+        </a:xfrm>
+      </p:grpSpPr>
+    </p:spTree>
+    <p:extLst>
+      <p:ext uri="{BB962C8B-B14F-4D97-AF65-F5344CB8AC3E}">
+        <p14:creationId xmlns:p14="http://schemas.microsoft.com/office/powerpoint/2010/main" val="2502983769"/>
+      </p:ext>
+    </p:extLst>
+  </p:cSld>
+  <p:clrMapOvr>
+    <a:masterClrMapping/>
+  </p:clrMapOvr>
+</p:sldLayout>
+</file>
+
+<file path=ppt/slideMasters/slideMaster1.xml><?xml version="1.0" encoding="utf-8"?>
+<p:sldMaster xmlns:a="http://schemas.openxmlformats.org/drawingml/2006/main" xmlns:r="http://schemas.openxmlformats.org/officeDocument/2006/relationships" xmlns:p="http://schemas.openxmlformats.org/presentationml/2006/main" preserve="1">
+  <p:cSld>
+    <p:bg>
+      <p:bgPr>
+        <a:solidFill>
+          <a:schemeClr val="bg1"/>
+        </a:solidFill>
+        <a:effectLst/>
+      </p:bgPr>
+    </p:bg>
+    <p:spTree>
+      <p:nvGrpSpPr>
+        <p:cNvPr id="1" name=""/>
+        <p:cNvGrpSpPr/>
+        <p:nvPr/>
+      </p:nvGrpSpPr>
+      <p:grpSpPr>
+        <a:xfrm>
+          <a:off x="0" y="0"/>
+          <a:ext cx="0" cy="0"/>
+          <a:chOff x="0" y="0"/>
+          <a:chExt cx="0" cy="0"/>
+        </a:xfrm>
+      </p:grpSpPr>
+      <p:sp>
+        <p:nvSpPr>
+          <p:cNvPr id="1026" name="Title Placeholder 21"/>
+          <p:cNvSpPr>
+            <a:spLocks noGrp="1"/>
+          </p:cNvSpPr>
+          <p:nvPr>
+            <p:ph type="title"/>
+          </p:nvPr>
+        </p:nvSpPr>
+        <p:spPr bwMode="auto">
+          <a:xfrm>
+            <a:off x="609600" y="152401"/>
+            <a:ext cx="10972800" cy="733410"/>
           </a:xfrm>
           <a:prstGeom prst="rect">
             <a:avLst/>
@@ -6897,7 +6939,7 @@
           <a:p>
             <a:pPr lvl="0"/>
             <a:r>
-              <a:rPr lang="zh-CN" altLang="en-US"/>
+              <a:rPr lang="zh-CN" altLang="en-US" dirty="0"/>
               <a:t>单击此处编辑母版标题样式</a:t>
             </a:r>
             <a:endParaRPr lang="en-US" altLang="zh-CN" dirty="0"/>
@@ -6906,24 +6948,18 @@
       </p:sp>
       <p:sp>
         <p:nvSpPr>
-          <p:cNvPr id="6" name="Text Placeholder 12">
-            <a:extLst>
-              <a:ext uri="{FF2B5EF4-FFF2-40B4-BE49-F238E27FC236}">
-                <a16:creationId xmlns:a16="http://schemas.microsoft.com/office/drawing/2014/main" id="{AC10D0FB-83BF-4952-B814-97EFFCF9C9D8}"/>
-              </a:ext>
-            </a:extLst>
-          </p:cNvPr>
+          <p:cNvPr id="1027" name="Text Placeholder 12"/>
           <p:cNvSpPr>
             <a:spLocks noGrp="1"/>
           </p:cNvSpPr>
           <p:nvPr>
-            <p:ph idx="1"/>
+            <p:ph type="body" idx="1"/>
           </p:nvPr>
         </p:nvSpPr>
         <p:spPr bwMode="auto">
           <a:xfrm>
-            <a:off x="609600" y="1219200"/>
-            <a:ext cx="10972800" cy="4910138"/>
+            <a:off x="609600" y="990599"/>
+            <a:ext cx="10972800" cy="5410197"/>
           </a:xfrm>
           <a:prstGeom prst="rect">
             <a:avLst/>
@@ -6962,1673 +6998,22 @@
           <a:p>
             <a:pPr lvl="0"/>
             <a:r>
-              <a:rPr lang="zh-CN" altLang="en-US"/>
+              <a:rPr lang="zh-CN" altLang="en-US" dirty="0"/>
               <a:t>编辑母版文本样式</a:t>
             </a:r>
           </a:p>
           <a:p>
             <a:pPr lvl="1"/>
             <a:r>
-              <a:rPr lang="zh-CN" altLang="en-US"/>
+              <a:rPr lang="zh-CN" altLang="en-US" dirty="0"/>
               <a:t>第二级</a:t>
             </a:r>
           </a:p>
           <a:p>
             <a:pPr lvl="2"/>
             <a:r>
-              <a:rPr lang="zh-CN" altLang="en-US"/>
+              <a:rPr lang="zh-CN" altLang="en-US" dirty="0"/>
               <a:t>第三级</a:t>
-            </a:r>
-          </a:p>
-          <a:p>
-            <a:pPr lvl="3"/>
-            <a:r>
-              <a:rPr lang="zh-CN" altLang="en-US"/>
-              <a:t>第四级</a:t>
-            </a:r>
-          </a:p>
-          <a:p>
-            <a:pPr lvl="4"/>
-            <a:r>
-              <a:rPr lang="zh-CN" altLang="en-US"/>
-              <a:t>第五级</a:t>
-            </a:r>
-            <a:endParaRPr lang="en-US" altLang="zh-CN" dirty="0"/>
-          </a:p>
-        </p:txBody>
-      </p:sp>
-    </p:spTree>
-    <p:extLst>
-      <p:ext uri="{BB962C8B-B14F-4D97-AF65-F5344CB8AC3E}">
-        <p14:creationId xmlns:p14="http://schemas.microsoft.com/office/powerpoint/2010/main" val="2069497348"/>
-      </p:ext>
-    </p:extLst>
-  </p:cSld>
-  <p:clrMapOvr>
-    <a:masterClrMapping/>
-  </p:clrMapOvr>
-  <p:hf hdr="0" ftr="0" dt="0"/>
-</p:sldLayout>
-</file>
-
-<file path=ppt/slideLayouts/slideLayout4.xml><?xml version="1.0" encoding="utf-8"?>
-<p:sldLayout xmlns:a="http://schemas.openxmlformats.org/drawingml/2006/main" xmlns:r="http://schemas.openxmlformats.org/officeDocument/2006/relationships" xmlns:p="http://schemas.openxmlformats.org/presentationml/2006/main" preserve="1">
-  <p:cSld name="Just Title">
-    <p:spTree>
-      <p:nvGrpSpPr>
-        <p:cNvPr id="1" name=""/>
-        <p:cNvGrpSpPr/>
-        <p:nvPr/>
-      </p:nvGrpSpPr>
-      <p:grpSpPr>
-        <a:xfrm>
-          <a:off x="0" y="0"/>
-          <a:ext cx="0" cy="0"/>
-          <a:chOff x="0" y="0"/>
-          <a:chExt cx="0" cy="0"/>
-        </a:xfrm>
-      </p:grpSpPr>
-      <p:sp>
-        <p:nvSpPr>
-          <p:cNvPr id="3" name="Title Placeholder 21">
-            <a:extLst>
-              <a:ext uri="{FF2B5EF4-FFF2-40B4-BE49-F238E27FC236}">
-                <a16:creationId xmlns:a16="http://schemas.microsoft.com/office/drawing/2014/main" id="{EBC9D0BF-F1BC-4851-A2B3-A3A66476486B}"/>
-              </a:ext>
-            </a:extLst>
-          </p:cNvPr>
-          <p:cNvSpPr>
-            <a:spLocks noGrp="1"/>
-          </p:cNvSpPr>
-          <p:nvPr>
-            <p:ph type="title"/>
-          </p:nvPr>
-        </p:nvSpPr>
-        <p:spPr bwMode="auto">
-          <a:xfrm>
-            <a:off x="609600" y="152400"/>
-            <a:ext cx="10972800" cy="990600"/>
-          </a:xfrm>
-          <a:prstGeom prst="rect">
-            <a:avLst/>
-          </a:prstGeom>
-          <a:noFill/>
-          <a:ln>
-            <a:noFill/>
-          </a:ln>
-          <a:extLst>
-            <a:ext uri="{909E8E84-426E-40DD-AFC4-6F175D3DCCD1}">
-              <a14:hiddenFill xmlns:a14="http://schemas.microsoft.com/office/drawing/2010/main">
-                <a:solidFill>
-                  <a:srgbClr val="FFFFFF"/>
-                </a:solidFill>
-              </a14:hiddenFill>
-            </a:ext>
-            <a:ext uri="{91240B29-F687-4F45-9708-019B960494DF}">
-              <a14:hiddenLine xmlns:a14="http://schemas.microsoft.com/office/drawing/2010/main" w="9525">
-                <a:solidFill>
-                  <a:srgbClr val="000000"/>
-                </a:solidFill>
-                <a:miter lim="800000"/>
-                <a:headEnd/>
-                <a:tailEnd/>
-              </a14:hiddenLine>
-            </a:ext>
-          </a:extLst>
-        </p:spPr>
-        <p:txBody>
-          <a:bodyPr vert="horz" wrap="square" lIns="91440" tIns="45720" rIns="91440" bIns="45720" numCol="1" anchor="b" anchorCtr="0" compatLnSpc="1">
-            <a:prstTxWarp prst="textNoShape">
-              <a:avLst/>
-            </a:prstTxWarp>
-          </a:bodyPr>
-          <a:lstStyle/>
-          <a:p>
-            <a:pPr lvl="0"/>
-            <a:r>
-              <a:rPr lang="zh-CN" altLang="en-US"/>
-              <a:t>单击此处编辑母版标题样式</a:t>
-            </a:r>
-            <a:endParaRPr lang="en-US" altLang="zh-CN" dirty="0"/>
-          </a:p>
-        </p:txBody>
-      </p:sp>
-    </p:spTree>
-    <p:extLst>
-      <p:ext uri="{BB962C8B-B14F-4D97-AF65-F5344CB8AC3E}">
-        <p14:creationId xmlns:p14="http://schemas.microsoft.com/office/powerpoint/2010/main" val="912366115"/>
-      </p:ext>
-    </p:extLst>
-  </p:cSld>
-  <p:clrMapOvr>
-    <a:masterClrMapping/>
-  </p:clrMapOvr>
-</p:sldLayout>
-</file>
-
-<file path=ppt/slideLayouts/slideLayout5.xml><?xml version="1.0" encoding="utf-8"?>
-<p:sldLayout xmlns:a="http://schemas.openxmlformats.org/drawingml/2006/main" xmlns:r="http://schemas.openxmlformats.org/officeDocument/2006/relationships" xmlns:p="http://schemas.openxmlformats.org/presentationml/2006/main" preserve="1">
-  <p:cSld name="两栏内容">
-    <p:spTree>
-      <p:nvGrpSpPr>
-        <p:cNvPr id="1" name=""/>
-        <p:cNvGrpSpPr/>
-        <p:nvPr/>
-      </p:nvGrpSpPr>
-      <p:grpSpPr>
-        <a:xfrm>
-          <a:off x="0" y="0"/>
-          <a:ext cx="0" cy="0"/>
-          <a:chOff x="0" y="0"/>
-          <a:chExt cx="0" cy="0"/>
-        </a:xfrm>
-      </p:grpSpPr>
-      <p:sp>
-        <p:nvSpPr>
-          <p:cNvPr id="2" name="Title 1"/>
-          <p:cNvSpPr>
-            <a:spLocks noGrp="1"/>
-          </p:cNvSpPr>
-          <p:nvPr>
-            <p:ph type="title"/>
-          </p:nvPr>
-        </p:nvSpPr>
-        <p:spPr>
-          <a:xfrm>
-            <a:off x="609600" y="228600"/>
-            <a:ext cx="10972800" cy="914400"/>
-          </a:xfrm>
-        </p:spPr>
-        <p:txBody>
-          <a:bodyPr/>
-          <a:lstStyle/>
-          <a:p>
-            <a:r>
-              <a:rPr lang="zh-CN" altLang="en-US"/>
-              <a:t>单击此处编辑母版标题样式</a:t>
-            </a:r>
-            <a:endParaRPr lang="en-US" dirty="0"/>
-          </a:p>
-        </p:txBody>
-      </p:sp>
-      <p:sp>
-        <p:nvSpPr>
-          <p:cNvPr id="7" name="Text Placeholder 12">
-            <a:extLst>
-              <a:ext uri="{FF2B5EF4-FFF2-40B4-BE49-F238E27FC236}">
-                <a16:creationId xmlns:a16="http://schemas.microsoft.com/office/drawing/2014/main" id="{82554C09-2158-4702-9B4A-E0C68913C689}"/>
-              </a:ext>
-            </a:extLst>
-          </p:cNvPr>
-          <p:cNvSpPr>
-            <a:spLocks noGrp="1"/>
-          </p:cNvSpPr>
-          <p:nvPr>
-            <p:ph idx="1"/>
-          </p:nvPr>
-        </p:nvSpPr>
-        <p:spPr bwMode="auto">
-          <a:xfrm>
-            <a:off x="609600" y="1219200"/>
-            <a:ext cx="5486400" cy="4910138"/>
-          </a:xfrm>
-          <a:prstGeom prst="rect">
-            <a:avLst/>
-          </a:prstGeom>
-          <a:noFill/>
-          <a:ln>
-            <a:noFill/>
-          </a:ln>
-          <a:extLst>
-            <a:ext uri="{909E8E84-426E-40DD-AFC4-6F175D3DCCD1}">
-              <a14:hiddenFill xmlns:a14="http://schemas.microsoft.com/office/drawing/2010/main">
-                <a:solidFill>
-                  <a:srgbClr val="FFFFFF"/>
-                </a:solidFill>
-              </a14:hiddenFill>
-            </a:ext>
-            <a:ext uri="{91240B29-F687-4F45-9708-019B960494DF}">
-              <a14:hiddenLine xmlns:a14="http://schemas.microsoft.com/office/drawing/2010/main" w="9525">
-                <a:solidFill>
-                  <a:srgbClr val="000000"/>
-                </a:solidFill>
-                <a:miter lim="800000"/>
-                <a:headEnd/>
-                <a:tailEnd/>
-              </a14:hiddenLine>
-            </a:ext>
-          </a:extLst>
-        </p:spPr>
-        <p:txBody>
-          <a:bodyPr vert="horz" wrap="square" lIns="91440" tIns="45720" rIns="91440" bIns="45720" numCol="1" anchor="t" anchorCtr="0" compatLnSpc="1">
-            <a:prstTxWarp prst="textNoShape">
-              <a:avLst/>
-            </a:prstTxWarp>
-          </a:bodyPr>
-          <a:lstStyle/>
-          <a:p>
-            <a:pPr lvl="0"/>
-            <a:r>
-              <a:rPr lang="zh-CN" altLang="en-US"/>
-              <a:t>编辑母版文本样式</a:t>
-            </a:r>
-          </a:p>
-          <a:p>
-            <a:pPr lvl="1"/>
-            <a:r>
-              <a:rPr lang="zh-CN" altLang="en-US"/>
-              <a:t>第二级</a:t>
-            </a:r>
-          </a:p>
-          <a:p>
-            <a:pPr lvl="2"/>
-            <a:r>
-              <a:rPr lang="zh-CN" altLang="en-US"/>
-              <a:t>第三级</a:t>
-            </a:r>
-          </a:p>
-          <a:p>
-            <a:pPr lvl="3"/>
-            <a:r>
-              <a:rPr lang="zh-CN" altLang="en-US"/>
-              <a:t>第四级</a:t>
-            </a:r>
-          </a:p>
-          <a:p>
-            <a:pPr lvl="4"/>
-            <a:r>
-              <a:rPr lang="zh-CN" altLang="en-US"/>
-              <a:t>第五级</a:t>
-            </a:r>
-            <a:endParaRPr lang="en-US" altLang="zh-CN" dirty="0"/>
-          </a:p>
-        </p:txBody>
-      </p:sp>
-      <p:sp>
-        <p:nvSpPr>
-          <p:cNvPr id="8" name="Text Placeholder 12">
-            <a:extLst>
-              <a:ext uri="{FF2B5EF4-FFF2-40B4-BE49-F238E27FC236}">
-                <a16:creationId xmlns:a16="http://schemas.microsoft.com/office/drawing/2014/main" id="{6DDB8618-EAD8-4F6C-91B0-8D6B79685A8E}"/>
-              </a:ext>
-            </a:extLst>
-          </p:cNvPr>
-          <p:cNvSpPr>
-            <a:spLocks noGrp="1"/>
-          </p:cNvSpPr>
-          <p:nvPr>
-            <p:ph idx="10"/>
-          </p:nvPr>
-        </p:nvSpPr>
-        <p:spPr bwMode="auto">
-          <a:xfrm>
-            <a:off x="6248400" y="1219200"/>
-            <a:ext cx="5334000" cy="4910138"/>
-          </a:xfrm>
-          <a:prstGeom prst="rect">
-            <a:avLst/>
-          </a:prstGeom>
-          <a:noFill/>
-          <a:ln>
-            <a:noFill/>
-          </a:ln>
-          <a:extLst>
-            <a:ext uri="{909E8E84-426E-40DD-AFC4-6F175D3DCCD1}">
-              <a14:hiddenFill xmlns:a14="http://schemas.microsoft.com/office/drawing/2010/main">
-                <a:solidFill>
-                  <a:srgbClr val="FFFFFF"/>
-                </a:solidFill>
-              </a14:hiddenFill>
-            </a:ext>
-            <a:ext uri="{91240B29-F687-4F45-9708-019B960494DF}">
-              <a14:hiddenLine xmlns:a14="http://schemas.microsoft.com/office/drawing/2010/main" w="9525">
-                <a:solidFill>
-                  <a:srgbClr val="000000"/>
-                </a:solidFill>
-                <a:miter lim="800000"/>
-                <a:headEnd/>
-                <a:tailEnd/>
-              </a14:hiddenLine>
-            </a:ext>
-          </a:extLst>
-        </p:spPr>
-        <p:txBody>
-          <a:bodyPr vert="horz" wrap="square" lIns="91440" tIns="45720" rIns="91440" bIns="45720" numCol="1" anchor="t" anchorCtr="0" compatLnSpc="1">
-            <a:prstTxWarp prst="textNoShape">
-              <a:avLst/>
-            </a:prstTxWarp>
-          </a:bodyPr>
-          <a:lstStyle/>
-          <a:p>
-            <a:pPr lvl="0"/>
-            <a:r>
-              <a:rPr lang="zh-CN" altLang="en-US"/>
-              <a:t>编辑母版文本样式</a:t>
-            </a:r>
-          </a:p>
-          <a:p>
-            <a:pPr lvl="1"/>
-            <a:r>
-              <a:rPr lang="zh-CN" altLang="en-US"/>
-              <a:t>第二级</a:t>
-            </a:r>
-          </a:p>
-          <a:p>
-            <a:pPr lvl="2"/>
-            <a:r>
-              <a:rPr lang="zh-CN" altLang="en-US"/>
-              <a:t>第三级</a:t>
-            </a:r>
-          </a:p>
-          <a:p>
-            <a:pPr lvl="3"/>
-            <a:r>
-              <a:rPr lang="zh-CN" altLang="en-US"/>
-              <a:t>第四级</a:t>
-            </a:r>
-          </a:p>
-          <a:p>
-            <a:pPr lvl="4"/>
-            <a:r>
-              <a:rPr lang="zh-CN" altLang="en-US"/>
-              <a:t>第五级</a:t>
-            </a:r>
-            <a:endParaRPr lang="en-US" altLang="zh-CN" dirty="0"/>
-          </a:p>
-        </p:txBody>
-      </p:sp>
-    </p:spTree>
-    <p:extLst>
-      <p:ext uri="{BB962C8B-B14F-4D97-AF65-F5344CB8AC3E}">
-        <p14:creationId xmlns:p14="http://schemas.microsoft.com/office/powerpoint/2010/main" val="2339777388"/>
-      </p:ext>
-    </p:extLst>
-  </p:cSld>
-  <p:clrMapOvr>
-    <a:masterClrMapping/>
-  </p:clrMapOvr>
-  <p:hf hdr="0" ftr="0" dt="0"/>
-</p:sldLayout>
-</file>
-
-<file path=ppt/slideLayouts/slideLayout6.xml><?xml version="1.0" encoding="utf-8"?>
-<p:sldLayout xmlns:a="http://schemas.openxmlformats.org/drawingml/2006/main" xmlns:r="http://schemas.openxmlformats.org/officeDocument/2006/relationships" xmlns:p="http://schemas.openxmlformats.org/presentationml/2006/main" preserve="1">
-  <p:cSld name="Two Content Text_IMG">
-    <p:spTree>
-      <p:nvGrpSpPr>
-        <p:cNvPr id="1" name=""/>
-        <p:cNvGrpSpPr/>
-        <p:nvPr/>
-      </p:nvGrpSpPr>
-      <p:grpSpPr>
-        <a:xfrm>
-          <a:off x="0" y="0"/>
-          <a:ext cx="0" cy="0"/>
-          <a:chOff x="0" y="0"/>
-          <a:chExt cx="0" cy="0"/>
-        </a:xfrm>
-      </p:grpSpPr>
-      <p:sp>
-        <p:nvSpPr>
-          <p:cNvPr id="2" name="Title 1"/>
-          <p:cNvSpPr>
-            <a:spLocks noGrp="1"/>
-          </p:cNvSpPr>
-          <p:nvPr>
-            <p:ph type="title"/>
-          </p:nvPr>
-        </p:nvSpPr>
-        <p:spPr>
-          <a:xfrm>
-            <a:off x="609600" y="228600"/>
-            <a:ext cx="10972800" cy="914400"/>
-          </a:xfrm>
-        </p:spPr>
-        <p:txBody>
-          <a:bodyPr/>
-          <a:lstStyle/>
-          <a:p>
-            <a:r>
-              <a:rPr lang="zh-CN" altLang="en-US"/>
-              <a:t>单击此处编辑母版标题样式</a:t>
-            </a:r>
-            <a:endParaRPr lang="en-US" dirty="0"/>
-          </a:p>
-        </p:txBody>
-      </p:sp>
-      <p:cxnSp>
-        <p:nvCxnSpPr>
-          <p:cNvPr id="4" name="直接连接符 3"/>
-          <p:cNvCxnSpPr/>
-          <p:nvPr/>
-        </p:nvCxnSpPr>
-        <p:spPr>
-          <a:xfrm>
-            <a:off x="7112000" y="1219200"/>
-            <a:ext cx="0" cy="4937760"/>
-          </a:xfrm>
-          <a:prstGeom prst="line">
-            <a:avLst/>
-          </a:prstGeom>
-        </p:spPr>
-        <p:style>
-          <a:lnRef idx="1">
-            <a:schemeClr val="accent1"/>
-          </a:lnRef>
-          <a:fillRef idx="0">
-            <a:schemeClr val="accent1"/>
-          </a:fillRef>
-          <a:effectRef idx="0">
-            <a:schemeClr val="accent1"/>
-          </a:effectRef>
-          <a:fontRef idx="minor">
-            <a:schemeClr val="tx1"/>
-          </a:fontRef>
-        </p:style>
-      </p:cxnSp>
-      <p:sp>
-        <p:nvSpPr>
-          <p:cNvPr id="6" name="Text Placeholder 12">
-            <a:extLst>
-              <a:ext uri="{FF2B5EF4-FFF2-40B4-BE49-F238E27FC236}">
-                <a16:creationId xmlns:a16="http://schemas.microsoft.com/office/drawing/2014/main" id="{5FC38BF8-FDC8-4EA5-B682-31675408FC12}"/>
-              </a:ext>
-            </a:extLst>
-          </p:cNvPr>
-          <p:cNvSpPr>
-            <a:spLocks noGrp="1"/>
-          </p:cNvSpPr>
-          <p:nvPr>
-            <p:ph idx="1"/>
-          </p:nvPr>
-        </p:nvSpPr>
-        <p:spPr bwMode="auto">
-          <a:xfrm>
-            <a:off x="609600" y="1219200"/>
-            <a:ext cx="6324596" cy="4910138"/>
-          </a:xfrm>
-          <a:prstGeom prst="rect">
-            <a:avLst/>
-          </a:prstGeom>
-          <a:noFill/>
-          <a:ln>
-            <a:noFill/>
-          </a:ln>
-          <a:extLst>
-            <a:ext uri="{909E8E84-426E-40DD-AFC4-6F175D3DCCD1}">
-              <a14:hiddenFill xmlns:a14="http://schemas.microsoft.com/office/drawing/2010/main">
-                <a:solidFill>
-                  <a:srgbClr val="FFFFFF"/>
-                </a:solidFill>
-              </a14:hiddenFill>
-            </a:ext>
-            <a:ext uri="{91240B29-F687-4F45-9708-019B960494DF}">
-              <a14:hiddenLine xmlns:a14="http://schemas.microsoft.com/office/drawing/2010/main" w="9525">
-                <a:solidFill>
-                  <a:srgbClr val="000000"/>
-                </a:solidFill>
-                <a:miter lim="800000"/>
-                <a:headEnd/>
-                <a:tailEnd/>
-              </a14:hiddenLine>
-            </a:ext>
-          </a:extLst>
-        </p:spPr>
-        <p:txBody>
-          <a:bodyPr vert="horz" wrap="square" lIns="91440" tIns="45720" rIns="91440" bIns="45720" numCol="1" anchor="t" anchorCtr="0" compatLnSpc="1">
-            <a:prstTxWarp prst="textNoShape">
-              <a:avLst/>
-            </a:prstTxWarp>
-          </a:bodyPr>
-          <a:lstStyle/>
-          <a:p>
-            <a:pPr lvl="0"/>
-            <a:r>
-              <a:rPr lang="zh-CN" altLang="en-US"/>
-              <a:t>编辑母版文本样式</a:t>
-            </a:r>
-          </a:p>
-          <a:p>
-            <a:pPr lvl="1"/>
-            <a:r>
-              <a:rPr lang="zh-CN" altLang="en-US"/>
-              <a:t>第二级</a:t>
-            </a:r>
-          </a:p>
-          <a:p>
-            <a:pPr lvl="2"/>
-            <a:r>
-              <a:rPr lang="zh-CN" altLang="en-US"/>
-              <a:t>第三级</a:t>
-            </a:r>
-          </a:p>
-          <a:p>
-            <a:pPr lvl="3"/>
-            <a:r>
-              <a:rPr lang="zh-CN" altLang="en-US"/>
-              <a:t>第四级</a:t>
-            </a:r>
-          </a:p>
-          <a:p>
-            <a:pPr lvl="4"/>
-            <a:r>
-              <a:rPr lang="zh-CN" altLang="en-US"/>
-              <a:t>第五级</a:t>
-            </a:r>
-            <a:endParaRPr lang="en-US" altLang="zh-CN" dirty="0"/>
-          </a:p>
-        </p:txBody>
-      </p:sp>
-      <p:cxnSp>
-        <p:nvCxnSpPr>
-          <p:cNvPr id="5" name="直接连接符 4">
-            <a:extLst>
-              <a:ext uri="{FF2B5EF4-FFF2-40B4-BE49-F238E27FC236}">
-                <a16:creationId xmlns:a16="http://schemas.microsoft.com/office/drawing/2014/main" id="{9587B3B5-50CF-40F4-BF23-B3582059E524}"/>
-              </a:ext>
-            </a:extLst>
-          </p:cNvPr>
-          <p:cNvCxnSpPr/>
-          <p:nvPr userDrawn="1"/>
-        </p:nvCxnSpPr>
-        <p:spPr>
-          <a:xfrm>
-            <a:off x="7112000" y="1219200"/>
-            <a:ext cx="0" cy="4937760"/>
-          </a:xfrm>
-          <a:prstGeom prst="line">
-            <a:avLst/>
-          </a:prstGeom>
-        </p:spPr>
-        <p:style>
-          <a:lnRef idx="1">
-            <a:schemeClr val="accent1"/>
-          </a:lnRef>
-          <a:fillRef idx="0">
-            <a:schemeClr val="accent1"/>
-          </a:fillRef>
-          <a:effectRef idx="0">
-            <a:schemeClr val="accent1"/>
-          </a:effectRef>
-          <a:fontRef idx="minor">
-            <a:schemeClr val="tx1"/>
-          </a:fontRef>
-        </p:style>
-      </p:cxnSp>
-    </p:spTree>
-    <p:extLst>
-      <p:ext uri="{BB962C8B-B14F-4D97-AF65-F5344CB8AC3E}">
-        <p14:creationId xmlns:p14="http://schemas.microsoft.com/office/powerpoint/2010/main" val="924858089"/>
-      </p:ext>
-    </p:extLst>
-  </p:cSld>
-  <p:clrMapOvr>
-    <a:masterClrMapping/>
-  </p:clrMapOvr>
-</p:sldLayout>
-</file>
-
-<file path=ppt/slideLayouts/slideLayout7.xml><?xml version="1.0" encoding="utf-8"?>
-<p:sldLayout xmlns:a="http://schemas.openxmlformats.org/drawingml/2006/main" xmlns:r="http://schemas.openxmlformats.org/officeDocument/2006/relationships" xmlns:p="http://schemas.openxmlformats.org/presentationml/2006/main" showMasterSp="0" preserve="1">
-  <p:cSld name="empty">
-    <p:spTree>
-      <p:nvGrpSpPr>
-        <p:cNvPr id="1" name=""/>
-        <p:cNvGrpSpPr/>
-        <p:nvPr/>
-      </p:nvGrpSpPr>
-      <p:grpSpPr>
-        <a:xfrm>
-          <a:off x="0" y="0"/>
-          <a:ext cx="0" cy="0"/>
-          <a:chOff x="0" y="0"/>
-          <a:chExt cx="0" cy="0"/>
-        </a:xfrm>
-      </p:grpSpPr>
-    </p:spTree>
-    <p:extLst>
-      <p:ext uri="{BB962C8B-B14F-4D97-AF65-F5344CB8AC3E}">
-        <p14:creationId xmlns:p14="http://schemas.microsoft.com/office/powerpoint/2010/main" val="1331152608"/>
-      </p:ext>
-    </p:extLst>
-  </p:cSld>
-  <p:clrMapOvr>
-    <a:masterClrMapping/>
-  </p:clrMapOvr>
-</p:sldLayout>
-</file>
-
-<file path=ppt/slideLayouts/slideLayout8.xml><?xml version="1.0" encoding="utf-8"?>
-<p:sldLayout xmlns:a="http://schemas.openxmlformats.org/drawingml/2006/main" xmlns:r="http://schemas.openxmlformats.org/officeDocument/2006/relationships" xmlns:p="http://schemas.openxmlformats.org/presentationml/2006/main" preserve="1">
-  <p:cSld name="End">
-    <p:spTree>
-      <p:nvGrpSpPr>
-        <p:cNvPr id="1" name=""/>
-        <p:cNvGrpSpPr/>
-        <p:nvPr/>
-      </p:nvGrpSpPr>
-      <p:grpSpPr>
-        <a:xfrm>
-          <a:off x="0" y="0"/>
-          <a:ext cx="0" cy="0"/>
-          <a:chOff x="0" y="0"/>
-          <a:chExt cx="0" cy="0"/>
-        </a:xfrm>
-      </p:grpSpPr>
-      <p:sp>
-        <p:nvSpPr>
-          <p:cNvPr id="4" name="Rectangle 3"/>
-          <p:cNvSpPr/>
-          <p:nvPr/>
-        </p:nvSpPr>
-        <p:spPr>
-          <a:xfrm>
-            <a:off x="4876800" y="3048003"/>
-            <a:ext cx="3048000" cy="646331"/>
-          </a:xfrm>
-          <a:prstGeom prst="rect">
-            <a:avLst/>
-          </a:prstGeom>
-        </p:spPr>
-        <p:txBody>
-          <a:bodyPr wrap="square">
-            <a:spAutoFit/>
-          </a:bodyPr>
-          <a:lstStyle/>
-          <a:p>
-            <a:r>
-              <a:rPr lang="zh-CN" altLang="en-US" sz="3600" dirty="0">
-                <a:latin typeface="华文楷体" panose="02010600040101010101" pitchFamily="2" charset="-122"/>
-                <a:ea typeface="华文楷体" panose="02010600040101010101" pitchFamily="2" charset="-122"/>
-              </a:rPr>
-              <a:t>谢  谢</a:t>
-            </a:r>
-            <a:endParaRPr lang="en-US" altLang="zh-CN" sz="3600" dirty="0">
-              <a:latin typeface="华文楷体" panose="02010600040101010101" pitchFamily="2" charset="-122"/>
-              <a:ea typeface="华文楷体" panose="02010600040101010101" pitchFamily="2" charset="-122"/>
-            </a:endParaRPr>
-          </a:p>
-        </p:txBody>
-      </p:sp>
-      <p:sp>
-        <p:nvSpPr>
-          <p:cNvPr id="3" name="Rectangle 3">
-            <a:extLst>
-              <a:ext uri="{FF2B5EF4-FFF2-40B4-BE49-F238E27FC236}">
-                <a16:creationId xmlns:a16="http://schemas.microsoft.com/office/drawing/2014/main" id="{16122B0A-1834-4754-89DF-306B97798CCC}"/>
-              </a:ext>
-            </a:extLst>
-          </p:cNvPr>
-          <p:cNvSpPr/>
-          <p:nvPr userDrawn="1"/>
-        </p:nvSpPr>
-        <p:spPr>
-          <a:xfrm>
-            <a:off x="4876800" y="3048003"/>
-            <a:ext cx="3048000" cy="646331"/>
-          </a:xfrm>
-          <a:prstGeom prst="rect">
-            <a:avLst/>
-          </a:prstGeom>
-        </p:spPr>
-        <p:txBody>
-          <a:bodyPr wrap="square">
-            <a:spAutoFit/>
-          </a:bodyPr>
-          <a:lstStyle/>
-          <a:p>
-            <a:r>
-              <a:rPr lang="zh-CN" altLang="en-US" sz="3600" dirty="0">
-                <a:latin typeface="华文楷体" panose="02010600040101010101" pitchFamily="2" charset="-122"/>
-                <a:ea typeface="华文楷体" panose="02010600040101010101" pitchFamily="2" charset="-122"/>
-              </a:rPr>
-              <a:t>谢  谢</a:t>
-            </a:r>
-            <a:endParaRPr lang="en-US" altLang="zh-CN" sz="3600" dirty="0">
-              <a:latin typeface="华文楷体" panose="02010600040101010101" pitchFamily="2" charset="-122"/>
-              <a:ea typeface="华文楷体" panose="02010600040101010101" pitchFamily="2" charset="-122"/>
-            </a:endParaRPr>
-          </a:p>
-        </p:txBody>
-      </p:sp>
-    </p:spTree>
-    <p:extLst>
-      <p:ext uri="{BB962C8B-B14F-4D97-AF65-F5344CB8AC3E}">
-        <p14:creationId xmlns:p14="http://schemas.microsoft.com/office/powerpoint/2010/main" val="2243063901"/>
-      </p:ext>
-    </p:extLst>
-  </p:cSld>
-  <p:clrMapOvr>
-    <a:masterClrMapping/>
-  </p:clrMapOvr>
-</p:sldLayout>
-</file>
-
-<file path=ppt/slideLayouts/slideLayout9.xml><?xml version="1.0" encoding="utf-8"?>
-<p:sldLayout xmlns:a="http://schemas.openxmlformats.org/drawingml/2006/main" xmlns:r="http://schemas.openxmlformats.org/officeDocument/2006/relationships" xmlns:p="http://schemas.openxmlformats.org/presentationml/2006/main" showMasterSp="0" userDrawn="1">
-  <p:cSld name="Title Slide">
-    <p:spTree>
-      <p:nvGrpSpPr>
-        <p:cNvPr id="1" name=""/>
-        <p:cNvGrpSpPr/>
-        <p:nvPr/>
-      </p:nvGrpSpPr>
-      <p:grpSpPr>
-        <a:xfrm>
-          <a:off x="0" y="0"/>
-          <a:ext cx="0" cy="0"/>
-          <a:chOff x="0" y="0"/>
-          <a:chExt cx="0" cy="0"/>
-        </a:xfrm>
-      </p:grpSpPr>
-      <p:sp>
-        <p:nvSpPr>
-          <p:cNvPr id="4" name="Rectangle 10"/>
-          <p:cNvSpPr/>
-          <p:nvPr/>
-        </p:nvSpPr>
-        <p:spPr>
-          <a:xfrm>
-            <a:off x="999067" y="2438403"/>
-            <a:ext cx="9753600" cy="1956197"/>
-          </a:xfrm>
-          <a:prstGeom prst="rect">
-            <a:avLst/>
-          </a:prstGeom>
-          <a:noFill/>
-          <a:ln w="6350" cap="rnd" cmpd="sng" algn="ctr">
-            <a:solidFill>
-              <a:schemeClr val="accent1"/>
-            </a:solidFill>
-            <a:prstDash val="solid"/>
-          </a:ln>
-          <a:effectLst/>
-        </p:spPr>
-        <p:style>
-          <a:lnRef idx="3">
-            <a:schemeClr val="lt1"/>
-          </a:lnRef>
-          <a:fillRef idx="1">
-            <a:schemeClr val="accent1"/>
-          </a:fillRef>
-          <a:effectRef idx="1">
-            <a:schemeClr val="accent1"/>
-          </a:effectRef>
-          <a:fontRef idx="minor">
-            <a:schemeClr val="lt1"/>
-          </a:fontRef>
-        </p:style>
-        <p:txBody>
-          <a:bodyPr anchor="ctr"/>
-          <a:lstStyle>
-            <a:lvl1pPr>
-              <a:defRPr>
-                <a:solidFill>
-                  <a:schemeClr val="tx1"/>
-                </a:solidFill>
-                <a:latin typeface="Cambria" panose="02040503050406030204" pitchFamily="18" charset="0"/>
-              </a:defRPr>
-            </a:lvl1pPr>
-            <a:lvl2pPr marL="742950" indent="-285750">
-              <a:defRPr>
-                <a:solidFill>
-                  <a:schemeClr val="tx1"/>
-                </a:solidFill>
-                <a:latin typeface="Cambria" panose="02040503050406030204" pitchFamily="18" charset="0"/>
-              </a:defRPr>
-            </a:lvl2pPr>
-            <a:lvl3pPr marL="1143000" indent="-228600">
-              <a:defRPr>
-                <a:solidFill>
-                  <a:schemeClr val="tx1"/>
-                </a:solidFill>
-                <a:latin typeface="Cambria" panose="02040503050406030204" pitchFamily="18" charset="0"/>
-              </a:defRPr>
-            </a:lvl3pPr>
-            <a:lvl4pPr marL="1600200" indent="-228600">
-              <a:defRPr>
-                <a:solidFill>
-                  <a:schemeClr val="tx1"/>
-                </a:solidFill>
-                <a:latin typeface="Cambria" panose="02040503050406030204" pitchFamily="18" charset="0"/>
-              </a:defRPr>
-            </a:lvl4pPr>
-            <a:lvl5pPr marL="2057400" indent="-228600">
-              <a:defRPr>
-                <a:solidFill>
-                  <a:schemeClr val="tx1"/>
-                </a:solidFill>
-                <a:latin typeface="Cambria" panose="02040503050406030204" pitchFamily="18" charset="0"/>
-              </a:defRPr>
-            </a:lvl5pPr>
-            <a:lvl6pPr marL="2514600" indent="-228600" fontAlgn="base">
-              <a:spcBef>
-                <a:spcPct val="0"/>
-              </a:spcBef>
-              <a:spcAft>
-                <a:spcPct val="0"/>
-              </a:spcAft>
-              <a:defRPr>
-                <a:solidFill>
-                  <a:schemeClr val="tx1"/>
-                </a:solidFill>
-                <a:latin typeface="Cambria" panose="02040503050406030204" pitchFamily="18" charset="0"/>
-              </a:defRPr>
-            </a:lvl6pPr>
-            <a:lvl7pPr marL="2971800" indent="-228600" fontAlgn="base">
-              <a:spcBef>
-                <a:spcPct val="0"/>
-              </a:spcBef>
-              <a:spcAft>
-                <a:spcPct val="0"/>
-              </a:spcAft>
-              <a:defRPr>
-                <a:solidFill>
-                  <a:schemeClr val="tx1"/>
-                </a:solidFill>
-                <a:latin typeface="Cambria" panose="02040503050406030204" pitchFamily="18" charset="0"/>
-              </a:defRPr>
-            </a:lvl7pPr>
-            <a:lvl8pPr marL="3429000" indent="-228600" fontAlgn="base">
-              <a:spcBef>
-                <a:spcPct val="0"/>
-              </a:spcBef>
-              <a:spcAft>
-                <a:spcPct val="0"/>
-              </a:spcAft>
-              <a:defRPr>
-                <a:solidFill>
-                  <a:schemeClr val="tx1"/>
-                </a:solidFill>
-                <a:latin typeface="Cambria" panose="02040503050406030204" pitchFamily="18" charset="0"/>
-              </a:defRPr>
-            </a:lvl8pPr>
-            <a:lvl9pPr marL="3886200" indent="-228600" fontAlgn="base">
-              <a:spcBef>
-                <a:spcPct val="0"/>
-              </a:spcBef>
-              <a:spcAft>
-                <a:spcPct val="0"/>
-              </a:spcAft>
-              <a:defRPr>
-                <a:solidFill>
-                  <a:schemeClr val="tx1"/>
-                </a:solidFill>
-                <a:latin typeface="Cambria" panose="02040503050406030204" pitchFamily="18" charset="0"/>
-              </a:defRPr>
-            </a:lvl9pPr>
-          </a:lstStyle>
-          <a:p>
-            <a:pPr algn="ctr" eaLnBrk="1" hangingPunct="1">
-              <a:defRPr/>
-            </a:pPr>
-            <a:endParaRPr lang="zh-CN" altLang="zh-CN">
-              <a:solidFill>
-                <a:srgbClr val="FFFFFF"/>
-              </a:solidFill>
-            </a:endParaRPr>
-          </a:p>
-        </p:txBody>
-      </p:sp>
-      <p:sp>
-        <p:nvSpPr>
-          <p:cNvPr id="5" name="Rectangle 11"/>
-          <p:cNvSpPr/>
-          <p:nvPr/>
-        </p:nvSpPr>
-        <p:spPr>
-          <a:xfrm>
-            <a:off x="304800" y="673896"/>
-            <a:ext cx="7213600" cy="719623"/>
-          </a:xfrm>
-          <a:prstGeom prst="rect">
-            <a:avLst/>
-          </a:prstGeom>
-          <a:noFill/>
-          <a:ln w="6350" cap="rnd" cmpd="sng" algn="ctr">
-            <a:solidFill>
-              <a:schemeClr val="accent2"/>
-            </a:solidFill>
-            <a:prstDash val="solid"/>
-          </a:ln>
-          <a:effectLst/>
-        </p:spPr>
-        <p:style>
-          <a:lnRef idx="3">
-            <a:schemeClr val="lt1"/>
-          </a:lnRef>
-          <a:fillRef idx="1">
-            <a:schemeClr val="accent1"/>
-          </a:fillRef>
-          <a:effectRef idx="1">
-            <a:schemeClr val="accent1"/>
-          </a:effectRef>
-          <a:fontRef idx="minor">
-            <a:schemeClr val="lt1"/>
-          </a:fontRef>
-        </p:style>
-        <p:txBody>
-          <a:bodyPr anchor="ctr"/>
-          <a:lstStyle>
-            <a:lvl1pPr>
-              <a:defRPr>
-                <a:solidFill>
-                  <a:schemeClr val="tx1"/>
-                </a:solidFill>
-                <a:latin typeface="Cambria" panose="02040503050406030204" pitchFamily="18" charset="0"/>
-              </a:defRPr>
-            </a:lvl1pPr>
-            <a:lvl2pPr marL="742950" indent="-285750">
-              <a:defRPr>
-                <a:solidFill>
-                  <a:schemeClr val="tx1"/>
-                </a:solidFill>
-                <a:latin typeface="Cambria" panose="02040503050406030204" pitchFamily="18" charset="0"/>
-              </a:defRPr>
-            </a:lvl2pPr>
-            <a:lvl3pPr marL="1143000" indent="-228600">
-              <a:defRPr>
-                <a:solidFill>
-                  <a:schemeClr val="tx1"/>
-                </a:solidFill>
-                <a:latin typeface="Cambria" panose="02040503050406030204" pitchFamily="18" charset="0"/>
-              </a:defRPr>
-            </a:lvl3pPr>
-            <a:lvl4pPr marL="1600200" indent="-228600">
-              <a:defRPr>
-                <a:solidFill>
-                  <a:schemeClr val="tx1"/>
-                </a:solidFill>
-                <a:latin typeface="Cambria" panose="02040503050406030204" pitchFamily="18" charset="0"/>
-              </a:defRPr>
-            </a:lvl4pPr>
-            <a:lvl5pPr marL="2057400" indent="-228600">
-              <a:defRPr>
-                <a:solidFill>
-                  <a:schemeClr val="tx1"/>
-                </a:solidFill>
-                <a:latin typeface="Cambria" panose="02040503050406030204" pitchFamily="18" charset="0"/>
-              </a:defRPr>
-            </a:lvl5pPr>
-            <a:lvl6pPr marL="2514600" indent="-228600" fontAlgn="base">
-              <a:spcBef>
-                <a:spcPct val="0"/>
-              </a:spcBef>
-              <a:spcAft>
-                <a:spcPct val="0"/>
-              </a:spcAft>
-              <a:defRPr>
-                <a:solidFill>
-                  <a:schemeClr val="tx1"/>
-                </a:solidFill>
-                <a:latin typeface="Cambria" panose="02040503050406030204" pitchFamily="18" charset="0"/>
-              </a:defRPr>
-            </a:lvl6pPr>
-            <a:lvl7pPr marL="2971800" indent="-228600" fontAlgn="base">
-              <a:spcBef>
-                <a:spcPct val="0"/>
-              </a:spcBef>
-              <a:spcAft>
-                <a:spcPct val="0"/>
-              </a:spcAft>
-              <a:defRPr>
-                <a:solidFill>
-                  <a:schemeClr val="tx1"/>
-                </a:solidFill>
-                <a:latin typeface="Cambria" panose="02040503050406030204" pitchFamily="18" charset="0"/>
-              </a:defRPr>
-            </a:lvl7pPr>
-            <a:lvl8pPr marL="3429000" indent="-228600" fontAlgn="base">
-              <a:spcBef>
-                <a:spcPct val="0"/>
-              </a:spcBef>
-              <a:spcAft>
-                <a:spcPct val="0"/>
-              </a:spcAft>
-              <a:defRPr>
-                <a:solidFill>
-                  <a:schemeClr val="tx1"/>
-                </a:solidFill>
-                <a:latin typeface="Cambria" panose="02040503050406030204" pitchFamily="18" charset="0"/>
-              </a:defRPr>
-            </a:lvl8pPr>
-            <a:lvl9pPr marL="3886200" indent="-228600" fontAlgn="base">
-              <a:spcBef>
-                <a:spcPct val="0"/>
-              </a:spcBef>
-              <a:spcAft>
-                <a:spcPct val="0"/>
-              </a:spcAft>
-              <a:defRPr>
-                <a:solidFill>
-                  <a:schemeClr val="tx1"/>
-                </a:solidFill>
-                <a:latin typeface="Cambria" panose="02040503050406030204" pitchFamily="18" charset="0"/>
-              </a:defRPr>
-            </a:lvl9pPr>
-          </a:lstStyle>
-          <a:p>
-            <a:pPr algn="ctr" eaLnBrk="1" hangingPunct="1">
-              <a:defRPr/>
-            </a:pPr>
-            <a:endParaRPr lang="zh-CN" altLang="zh-CN" sz="3600">
-              <a:solidFill>
-                <a:srgbClr val="FFFFFF"/>
-              </a:solidFill>
-            </a:endParaRPr>
-          </a:p>
-        </p:txBody>
-      </p:sp>
-      <p:sp>
-        <p:nvSpPr>
-          <p:cNvPr id="6" name="Rectangle 14"/>
-          <p:cNvSpPr/>
-          <p:nvPr/>
-        </p:nvSpPr>
-        <p:spPr>
-          <a:xfrm>
-            <a:off x="999067" y="2438403"/>
-            <a:ext cx="304800" cy="1956197"/>
-          </a:xfrm>
-          <a:prstGeom prst="rect">
-            <a:avLst/>
-          </a:prstGeom>
-          <a:solidFill>
-            <a:schemeClr val="accent1"/>
-          </a:solidFill>
-          <a:ln w="6350" cap="rnd" cmpd="sng" algn="ctr">
-            <a:noFill/>
-            <a:prstDash val="solid"/>
-          </a:ln>
-          <a:effectLst/>
-        </p:spPr>
-        <p:style>
-          <a:lnRef idx="3">
-            <a:schemeClr val="lt1"/>
-          </a:lnRef>
-          <a:fillRef idx="1">
-            <a:schemeClr val="accent1"/>
-          </a:fillRef>
-          <a:effectRef idx="1">
-            <a:schemeClr val="accent1"/>
-          </a:effectRef>
-          <a:fontRef idx="minor">
-            <a:schemeClr val="lt1"/>
-          </a:fontRef>
-        </p:style>
-        <p:txBody>
-          <a:bodyPr anchor="ctr"/>
-          <a:lstStyle>
-            <a:lvl1pPr>
-              <a:defRPr>
-                <a:solidFill>
-                  <a:schemeClr val="tx1"/>
-                </a:solidFill>
-                <a:latin typeface="Cambria" panose="02040503050406030204" pitchFamily="18" charset="0"/>
-              </a:defRPr>
-            </a:lvl1pPr>
-            <a:lvl2pPr marL="742950" indent="-285750">
-              <a:defRPr>
-                <a:solidFill>
-                  <a:schemeClr val="tx1"/>
-                </a:solidFill>
-                <a:latin typeface="Cambria" panose="02040503050406030204" pitchFamily="18" charset="0"/>
-              </a:defRPr>
-            </a:lvl2pPr>
-            <a:lvl3pPr marL="1143000" indent="-228600">
-              <a:defRPr>
-                <a:solidFill>
-                  <a:schemeClr val="tx1"/>
-                </a:solidFill>
-                <a:latin typeface="Cambria" panose="02040503050406030204" pitchFamily="18" charset="0"/>
-              </a:defRPr>
-            </a:lvl3pPr>
-            <a:lvl4pPr marL="1600200" indent="-228600">
-              <a:defRPr>
-                <a:solidFill>
-                  <a:schemeClr val="tx1"/>
-                </a:solidFill>
-                <a:latin typeface="Cambria" panose="02040503050406030204" pitchFamily="18" charset="0"/>
-              </a:defRPr>
-            </a:lvl4pPr>
-            <a:lvl5pPr marL="2057400" indent="-228600">
-              <a:defRPr>
-                <a:solidFill>
-                  <a:schemeClr val="tx1"/>
-                </a:solidFill>
-                <a:latin typeface="Cambria" panose="02040503050406030204" pitchFamily="18" charset="0"/>
-              </a:defRPr>
-            </a:lvl5pPr>
-            <a:lvl6pPr marL="2514600" indent="-228600" fontAlgn="base">
-              <a:spcBef>
-                <a:spcPct val="0"/>
-              </a:spcBef>
-              <a:spcAft>
-                <a:spcPct val="0"/>
-              </a:spcAft>
-              <a:defRPr>
-                <a:solidFill>
-                  <a:schemeClr val="tx1"/>
-                </a:solidFill>
-                <a:latin typeface="Cambria" panose="02040503050406030204" pitchFamily="18" charset="0"/>
-              </a:defRPr>
-            </a:lvl6pPr>
-            <a:lvl7pPr marL="2971800" indent="-228600" fontAlgn="base">
-              <a:spcBef>
-                <a:spcPct val="0"/>
-              </a:spcBef>
-              <a:spcAft>
-                <a:spcPct val="0"/>
-              </a:spcAft>
-              <a:defRPr>
-                <a:solidFill>
-                  <a:schemeClr val="tx1"/>
-                </a:solidFill>
-                <a:latin typeface="Cambria" panose="02040503050406030204" pitchFamily="18" charset="0"/>
-              </a:defRPr>
-            </a:lvl7pPr>
-            <a:lvl8pPr marL="3429000" indent="-228600" fontAlgn="base">
-              <a:spcBef>
-                <a:spcPct val="0"/>
-              </a:spcBef>
-              <a:spcAft>
-                <a:spcPct val="0"/>
-              </a:spcAft>
-              <a:defRPr>
-                <a:solidFill>
-                  <a:schemeClr val="tx1"/>
-                </a:solidFill>
-                <a:latin typeface="Cambria" panose="02040503050406030204" pitchFamily="18" charset="0"/>
-              </a:defRPr>
-            </a:lvl8pPr>
-            <a:lvl9pPr marL="3886200" indent="-228600" fontAlgn="base">
-              <a:spcBef>
-                <a:spcPct val="0"/>
-              </a:spcBef>
-              <a:spcAft>
-                <a:spcPct val="0"/>
-              </a:spcAft>
-              <a:defRPr>
-                <a:solidFill>
-                  <a:schemeClr val="tx1"/>
-                </a:solidFill>
-                <a:latin typeface="Cambria" panose="02040503050406030204" pitchFamily="18" charset="0"/>
-              </a:defRPr>
-            </a:lvl9pPr>
-          </a:lstStyle>
-          <a:p>
-            <a:pPr algn="ctr" eaLnBrk="1" hangingPunct="1">
-              <a:defRPr/>
-            </a:pPr>
-            <a:endParaRPr lang="zh-CN" altLang="zh-CN">
-              <a:solidFill>
-                <a:srgbClr val="FFFFFF"/>
-              </a:solidFill>
-            </a:endParaRPr>
-          </a:p>
-        </p:txBody>
-      </p:sp>
-      <p:sp>
-        <p:nvSpPr>
-          <p:cNvPr id="7" name="Rectangle 15"/>
-          <p:cNvSpPr/>
-          <p:nvPr/>
-        </p:nvSpPr>
-        <p:spPr>
-          <a:xfrm>
-            <a:off x="359806" y="665099"/>
-            <a:ext cx="187820" cy="731230"/>
-          </a:xfrm>
-          <a:prstGeom prst="rect">
-            <a:avLst/>
-          </a:prstGeom>
-          <a:solidFill>
-            <a:schemeClr val="accent2"/>
-          </a:solidFill>
-          <a:ln w="6350" cap="rnd" cmpd="sng" algn="ctr">
-            <a:noFill/>
-            <a:prstDash val="solid"/>
-          </a:ln>
-          <a:effectLst/>
-        </p:spPr>
-        <p:style>
-          <a:lnRef idx="3">
-            <a:schemeClr val="lt1"/>
-          </a:lnRef>
-          <a:fillRef idx="1">
-            <a:schemeClr val="accent1"/>
-          </a:fillRef>
-          <a:effectRef idx="1">
-            <a:schemeClr val="accent1"/>
-          </a:effectRef>
-          <a:fontRef idx="minor">
-            <a:schemeClr val="lt1"/>
-          </a:fontRef>
-        </p:style>
-        <p:txBody>
-          <a:bodyPr anchor="ctr"/>
-          <a:lstStyle>
-            <a:lvl1pPr>
-              <a:defRPr>
-                <a:solidFill>
-                  <a:schemeClr val="tx1"/>
-                </a:solidFill>
-                <a:latin typeface="Cambria" panose="02040503050406030204" pitchFamily="18" charset="0"/>
-              </a:defRPr>
-            </a:lvl1pPr>
-            <a:lvl2pPr marL="742950" indent="-285750">
-              <a:defRPr>
-                <a:solidFill>
-                  <a:schemeClr val="tx1"/>
-                </a:solidFill>
-                <a:latin typeface="Cambria" panose="02040503050406030204" pitchFamily="18" charset="0"/>
-              </a:defRPr>
-            </a:lvl2pPr>
-            <a:lvl3pPr marL="1143000" indent="-228600">
-              <a:defRPr>
-                <a:solidFill>
-                  <a:schemeClr val="tx1"/>
-                </a:solidFill>
-                <a:latin typeface="Cambria" panose="02040503050406030204" pitchFamily="18" charset="0"/>
-              </a:defRPr>
-            </a:lvl3pPr>
-            <a:lvl4pPr marL="1600200" indent="-228600">
-              <a:defRPr>
-                <a:solidFill>
-                  <a:schemeClr val="tx1"/>
-                </a:solidFill>
-                <a:latin typeface="Cambria" panose="02040503050406030204" pitchFamily="18" charset="0"/>
-              </a:defRPr>
-            </a:lvl4pPr>
-            <a:lvl5pPr marL="2057400" indent="-228600">
-              <a:defRPr>
-                <a:solidFill>
-                  <a:schemeClr val="tx1"/>
-                </a:solidFill>
-                <a:latin typeface="Cambria" panose="02040503050406030204" pitchFamily="18" charset="0"/>
-              </a:defRPr>
-            </a:lvl5pPr>
-            <a:lvl6pPr marL="2514600" indent="-228600" fontAlgn="base">
-              <a:spcBef>
-                <a:spcPct val="0"/>
-              </a:spcBef>
-              <a:spcAft>
-                <a:spcPct val="0"/>
-              </a:spcAft>
-              <a:defRPr>
-                <a:solidFill>
-                  <a:schemeClr val="tx1"/>
-                </a:solidFill>
-                <a:latin typeface="Cambria" panose="02040503050406030204" pitchFamily="18" charset="0"/>
-              </a:defRPr>
-            </a:lvl6pPr>
-            <a:lvl7pPr marL="2971800" indent="-228600" fontAlgn="base">
-              <a:spcBef>
-                <a:spcPct val="0"/>
-              </a:spcBef>
-              <a:spcAft>
-                <a:spcPct val="0"/>
-              </a:spcAft>
-              <a:defRPr>
-                <a:solidFill>
-                  <a:schemeClr val="tx1"/>
-                </a:solidFill>
-                <a:latin typeface="Cambria" panose="02040503050406030204" pitchFamily="18" charset="0"/>
-              </a:defRPr>
-            </a:lvl7pPr>
-            <a:lvl8pPr marL="3429000" indent="-228600" fontAlgn="base">
-              <a:spcBef>
-                <a:spcPct val="0"/>
-              </a:spcBef>
-              <a:spcAft>
-                <a:spcPct val="0"/>
-              </a:spcAft>
-              <a:defRPr>
-                <a:solidFill>
-                  <a:schemeClr val="tx1"/>
-                </a:solidFill>
-                <a:latin typeface="Cambria" panose="02040503050406030204" pitchFamily="18" charset="0"/>
-              </a:defRPr>
-            </a:lvl8pPr>
-            <a:lvl9pPr marL="3886200" indent="-228600" fontAlgn="base">
-              <a:spcBef>
-                <a:spcPct val="0"/>
-              </a:spcBef>
-              <a:spcAft>
-                <a:spcPct val="0"/>
-              </a:spcAft>
-              <a:defRPr>
-                <a:solidFill>
-                  <a:schemeClr val="tx1"/>
-                </a:solidFill>
-                <a:latin typeface="Cambria" panose="02040503050406030204" pitchFamily="18" charset="0"/>
-              </a:defRPr>
-            </a:lvl9pPr>
-          </a:lstStyle>
-          <a:p>
-            <a:pPr algn="ctr" eaLnBrk="1" hangingPunct="1">
-              <a:defRPr/>
-            </a:pPr>
-            <a:endParaRPr lang="zh-CN" altLang="zh-CN">
-              <a:solidFill>
-                <a:srgbClr val="FFFFFF"/>
-              </a:solidFill>
-            </a:endParaRPr>
-          </a:p>
-        </p:txBody>
-      </p:sp>
-      <p:sp>
-        <p:nvSpPr>
-          <p:cNvPr id="8" name="Title 7"/>
-          <p:cNvSpPr>
-            <a:spLocks noGrp="1"/>
-          </p:cNvSpPr>
-          <p:nvPr>
-            <p:ph type="ctrTitle"/>
-          </p:nvPr>
-        </p:nvSpPr>
-        <p:spPr>
-          <a:xfrm>
-            <a:off x="1418167" y="2676527"/>
-            <a:ext cx="9144000" cy="1514475"/>
-          </a:xfrm>
-        </p:spPr>
-        <p:txBody>
-          <a:bodyPr anchor="ctr"/>
-          <a:lstStyle>
-            <a:lvl1pPr algn="ctr">
-              <a:defRPr sz="3600">
-                <a:solidFill>
-                  <a:schemeClr val="tx1"/>
-                </a:solidFill>
-                <a:latin typeface="微软雅黑" panose="020B0503020204020204" pitchFamily="34" charset="-122"/>
-                <a:ea typeface="微软雅黑" panose="020B0503020204020204" pitchFamily="34" charset="-122"/>
-              </a:defRPr>
-            </a:lvl1pPr>
-          </a:lstStyle>
-          <a:p>
-            <a:endParaRPr lang="en-US" dirty="0"/>
-          </a:p>
-        </p:txBody>
-      </p:sp>
-      <p:sp>
-        <p:nvSpPr>
-          <p:cNvPr id="9" name="Subtitle 8"/>
-          <p:cNvSpPr>
-            <a:spLocks noGrp="1"/>
-          </p:cNvSpPr>
-          <p:nvPr>
-            <p:ph type="subTitle" idx="1"/>
-          </p:nvPr>
-        </p:nvSpPr>
-        <p:spPr>
-          <a:xfrm>
-            <a:off x="563006" y="726666"/>
-            <a:ext cx="6853796" cy="568735"/>
-          </a:xfrm>
-        </p:spPr>
-        <p:txBody>
-          <a:bodyPr anchor="ctr"/>
-          <a:lstStyle>
-            <a:lvl1pPr marL="0" indent="0" algn="ctr">
-              <a:buNone/>
-              <a:defRPr sz="2400">
-                <a:solidFill>
-                  <a:schemeClr val="tx2"/>
-                </a:solidFill>
-                <a:latin typeface="华文细黑" panose="02010600040101010101" pitchFamily="2" charset="-122"/>
-                <a:ea typeface="华文细黑" panose="02010600040101010101" pitchFamily="2" charset="-122"/>
-                <a:cs typeface="+mj-cs"/>
-              </a:defRPr>
-            </a:lvl1pPr>
-            <a:lvl2pPr marL="342900" indent="0" algn="ctr">
-              <a:buNone/>
-            </a:lvl2pPr>
-            <a:lvl3pPr marL="685800" indent="0" algn="ctr">
-              <a:buNone/>
-            </a:lvl3pPr>
-            <a:lvl4pPr marL="1028700" indent="0" algn="ctr">
-              <a:buNone/>
-            </a:lvl4pPr>
-            <a:lvl5pPr marL="1371600" indent="0" algn="ctr">
-              <a:buNone/>
-            </a:lvl5pPr>
-            <a:lvl6pPr marL="1714500" indent="0" algn="ctr">
-              <a:buNone/>
-            </a:lvl6pPr>
-            <a:lvl7pPr marL="2057400" indent="0" algn="ctr">
-              <a:buNone/>
-            </a:lvl7pPr>
-            <a:lvl8pPr marL="2400300" indent="0" algn="ctr">
-              <a:buNone/>
-            </a:lvl8pPr>
-            <a:lvl9pPr marL="2743200" indent="0" algn="ctr">
-              <a:buNone/>
-            </a:lvl9pPr>
-          </a:lstStyle>
-          <a:p>
-            <a:endParaRPr lang="en-US" dirty="0"/>
-          </a:p>
-        </p:txBody>
-      </p:sp>
-      <p:sp>
-        <p:nvSpPr>
-          <p:cNvPr id="25" name="Text Placeholder 24"/>
-          <p:cNvSpPr>
-            <a:spLocks noGrp="1"/>
-          </p:cNvSpPr>
-          <p:nvPr>
-            <p:ph type="body" sz="quarter" idx="10"/>
-          </p:nvPr>
-        </p:nvSpPr>
-        <p:spPr>
-          <a:xfrm>
-            <a:off x="2946402" y="4800600"/>
-            <a:ext cx="6737351" cy="1600200"/>
-          </a:xfrm>
-        </p:spPr>
-        <p:txBody>
-          <a:bodyPr/>
-          <a:lstStyle>
-            <a:lvl1pPr marL="0" indent="0" algn="ctr">
-              <a:buNone/>
-              <a:defRPr sz="2400">
-                <a:solidFill>
-                  <a:schemeClr val="accent1">
-                    <a:lumMod val="60000"/>
-                    <a:lumOff val="40000"/>
-                  </a:schemeClr>
-                </a:solidFill>
-                <a:latin typeface="+mn-ea"/>
-                <a:ea typeface="+mn-ea"/>
-              </a:defRPr>
-            </a:lvl1pPr>
-          </a:lstStyle>
-          <a:p>
-            <a:pPr lvl="0"/>
-            <a:endParaRPr lang="zh-CN" altLang="en-US" dirty="0"/>
-          </a:p>
-        </p:txBody>
-      </p:sp>
-    </p:spTree>
-    <p:extLst>
-      <p:ext uri="{BB962C8B-B14F-4D97-AF65-F5344CB8AC3E}">
-        <p14:creationId xmlns:p14="http://schemas.microsoft.com/office/powerpoint/2010/main" val="4073530966"/>
-      </p:ext>
-    </p:extLst>
-  </p:cSld>
-  <p:clrMapOvr>
-    <a:masterClrMapping/>
-  </p:clrMapOvr>
-</p:sldLayout>
-</file>
-
-<file path=ppt/slideMasters/slideMaster1.xml><?xml version="1.0" encoding="utf-8"?>
-<p:sldMaster xmlns:a="http://schemas.openxmlformats.org/drawingml/2006/main" xmlns:r="http://schemas.openxmlformats.org/officeDocument/2006/relationships" xmlns:p="http://schemas.openxmlformats.org/presentationml/2006/main">
-  <p:cSld>
-    <p:bg>
-      <p:bgPr>
-        <a:solidFill>
-          <a:schemeClr val="bg1"/>
-        </a:solidFill>
-        <a:effectLst/>
-      </p:bgPr>
-    </p:bg>
-    <p:spTree>
-      <p:nvGrpSpPr>
-        <p:cNvPr id="1" name=""/>
-        <p:cNvGrpSpPr/>
-        <p:nvPr/>
-      </p:nvGrpSpPr>
-      <p:grpSpPr>
-        <a:xfrm>
-          <a:off x="0" y="0"/>
-          <a:ext cx="0" cy="0"/>
-          <a:chOff x="0" y="0"/>
-          <a:chExt cx="0" cy="0"/>
-        </a:xfrm>
-      </p:grpSpPr>
-      <p:sp>
-        <p:nvSpPr>
-          <p:cNvPr id="1026" name="Title Placeholder 21"/>
-          <p:cNvSpPr>
-            <a:spLocks noGrp="1"/>
-          </p:cNvSpPr>
-          <p:nvPr>
-            <p:ph type="title"/>
-          </p:nvPr>
-        </p:nvSpPr>
-        <p:spPr bwMode="auto">
-          <a:xfrm>
-            <a:off x="609600" y="152400"/>
-            <a:ext cx="10972800" cy="990600"/>
-          </a:xfrm>
-          <a:prstGeom prst="rect">
-            <a:avLst/>
-          </a:prstGeom>
-          <a:noFill/>
-          <a:ln>
-            <a:noFill/>
-          </a:ln>
-          <a:extLst>
-            <a:ext uri="{909E8E84-426E-40DD-AFC4-6F175D3DCCD1}">
-              <a14:hiddenFill xmlns:a14="http://schemas.microsoft.com/office/drawing/2010/main">
-                <a:solidFill>
-                  <a:srgbClr val="FFFFFF"/>
-                </a:solidFill>
-              </a14:hiddenFill>
-            </a:ext>
-            <a:ext uri="{91240B29-F687-4F45-9708-019B960494DF}">
-              <a14:hiddenLine xmlns:a14="http://schemas.microsoft.com/office/drawing/2010/main" w="9525">
-                <a:solidFill>
-                  <a:srgbClr val="000000"/>
-                </a:solidFill>
-                <a:miter lim="800000"/>
-                <a:headEnd/>
-                <a:tailEnd/>
-              </a14:hiddenLine>
-            </a:ext>
-          </a:extLst>
-        </p:spPr>
-        <p:txBody>
-          <a:bodyPr vert="horz" wrap="square" lIns="91440" tIns="45720" rIns="91440" bIns="45720" numCol="1" anchor="b" anchorCtr="0" compatLnSpc="1">
-            <a:prstTxWarp prst="textNoShape">
-              <a:avLst/>
-            </a:prstTxWarp>
-          </a:bodyPr>
-          <a:lstStyle/>
-          <a:p>
-            <a:pPr lvl="0"/>
-            <a:r>
-              <a:rPr lang="zh-CN" altLang="en-US"/>
-              <a:t>单击此处编辑母版标题样式</a:t>
-            </a:r>
-            <a:endParaRPr lang="en-US" altLang="zh-CN" dirty="0"/>
-          </a:p>
-        </p:txBody>
-      </p:sp>
-      <p:sp>
-        <p:nvSpPr>
-          <p:cNvPr id="1027" name="Text Placeholder 12"/>
-          <p:cNvSpPr>
-            <a:spLocks noGrp="1"/>
-          </p:cNvSpPr>
-          <p:nvPr>
-            <p:ph type="body" idx="1"/>
-          </p:nvPr>
-        </p:nvSpPr>
-        <p:spPr bwMode="auto">
-          <a:xfrm>
-            <a:off x="609600" y="1219200"/>
-            <a:ext cx="10972800" cy="4910138"/>
-          </a:xfrm>
-          <a:prstGeom prst="rect">
-            <a:avLst/>
-          </a:prstGeom>
-          <a:noFill/>
-          <a:ln>
-            <a:noFill/>
-          </a:ln>
-          <a:extLst>
-            <a:ext uri="{909E8E84-426E-40DD-AFC4-6F175D3DCCD1}">
-              <a14:hiddenFill xmlns:a14="http://schemas.microsoft.com/office/drawing/2010/main">
-                <a:solidFill>
-                  <a:srgbClr val="FFFFFF"/>
-                </a:solidFill>
-              </a14:hiddenFill>
-            </a:ext>
-            <a:ext uri="{91240B29-F687-4F45-9708-019B960494DF}">
-              <a14:hiddenLine xmlns:a14="http://schemas.microsoft.com/office/drawing/2010/main" w="9525">
-                <a:solidFill>
-                  <a:srgbClr val="000000"/>
-                </a:solidFill>
-                <a:miter lim="800000"/>
-                <a:headEnd/>
-                <a:tailEnd/>
-              </a14:hiddenLine>
-            </a:ext>
-          </a:extLst>
-        </p:spPr>
-        <p:txBody>
-          <a:bodyPr vert="horz" wrap="square" lIns="91440" tIns="45720" rIns="91440" bIns="45720" numCol="1" anchor="t" anchorCtr="0" compatLnSpc="1">
-            <a:prstTxWarp prst="textNoShape">
-              <a:avLst/>
-            </a:prstTxWarp>
-          </a:bodyPr>
-          <a:lstStyle/>
-          <a:p>
-            <a:pPr lvl="0"/>
-            <a:r>
-              <a:rPr lang="zh-CN" altLang="en-US"/>
-              <a:t>编辑母版文本样式</a:t>
-            </a:r>
-          </a:p>
-          <a:p>
-            <a:pPr lvl="1"/>
-            <a:r>
-              <a:rPr lang="zh-CN" altLang="en-US"/>
-              <a:t>第二级</a:t>
-            </a:r>
-          </a:p>
-          <a:p>
-            <a:pPr lvl="2"/>
-            <a:r>
-              <a:rPr lang="zh-CN" altLang="en-US"/>
-              <a:t>第三级</a:t>
-            </a:r>
-          </a:p>
-          <a:p>
-            <a:pPr lvl="3"/>
-            <a:r>
-              <a:rPr lang="zh-CN" altLang="en-US"/>
-              <a:t>第四级</a:t>
-            </a:r>
-          </a:p>
-          <a:p>
-            <a:pPr lvl="4"/>
-            <a:r>
-              <a:rPr lang="zh-CN" altLang="en-US"/>
-              <a:t>第五级</a:t>
             </a:r>
             <a:endParaRPr lang="en-US" altLang="zh-CN" dirty="0"/>
           </a:p>
@@ -8644,7 +7029,7 @@
         </p:nvSpPr>
         <p:spPr bwMode="auto">
           <a:xfrm>
-            <a:off x="609600" y="1143000"/>
+            <a:off x="609600" y="898949"/>
             <a:ext cx="10972800" cy="0"/>
           </a:xfrm>
           <a:prstGeom prst="line">
@@ -8678,52 +7063,13 @@
       </p:sp>
       <p:sp>
         <p:nvSpPr>
-          <p:cNvPr id="15" name="Straight Connector 27"/>
-          <p:cNvSpPr>
-            <a:spLocks noChangeShapeType="1"/>
-          </p:cNvSpPr>
-          <p:nvPr/>
-        </p:nvSpPr>
-        <p:spPr bwMode="auto">
-          <a:xfrm>
-            <a:off x="609600" y="6353175"/>
-            <a:ext cx="10972800" cy="0"/>
-          </a:xfrm>
-          <a:prstGeom prst="line">
-            <a:avLst/>
-          </a:prstGeom>
-          <a:noFill/>
-          <a:ln w="9525" algn="ctr">
-            <a:solidFill>
-              <a:schemeClr val="accent2"/>
-            </a:solidFill>
-            <a:prstDash val="dash"/>
-            <a:round/>
-            <a:headEnd/>
-            <a:tailEnd/>
-          </a:ln>
-          <a:extLst>
-            <a:ext uri="{909E8E84-426E-40DD-AFC4-6F175D3DCCD1}">
-              <a14:hiddenFill xmlns:a14="http://schemas.microsoft.com/office/drawing/2010/main">
-                <a:noFill/>
-              </a14:hiddenFill>
-            </a:ext>
-          </a:extLst>
-        </p:spPr>
-        <p:txBody>
-          <a:bodyPr/>
-          <a:lstStyle/>
-          <a:p>
-            <a:endParaRPr lang="zh-CN" altLang="en-US" sz="1400">
-              <a:latin typeface="+mn-ea"/>
-              <a:ea typeface="+mn-ea"/>
-            </a:endParaRPr>
-          </a:p>
-        </p:txBody>
-      </p:sp>
-      <p:sp>
-        <p:nvSpPr>
-          <p:cNvPr id="16" name="Footer Placeholder 2"/>
+          <p:cNvPr id="9" name="Footer Placeholder 2">
+            <a:extLst>
+              <a:ext uri="{FF2B5EF4-FFF2-40B4-BE49-F238E27FC236}">
+                <a16:creationId xmlns:a16="http://schemas.microsoft.com/office/drawing/2014/main" id="{B4DA9BC6-43CA-408A-BEB7-8746EA49C870}"/>
+              </a:ext>
+            </a:extLst>
+          </p:cNvPr>
           <p:cNvSpPr txBox="1">
             <a:spLocks/>
           </p:cNvSpPr>
@@ -8731,7 +7077,7 @@
         </p:nvSpPr>
         <p:spPr>
           <a:xfrm>
-            <a:off x="4064000" y="6362437"/>
+            <a:off x="4114800" y="6492875"/>
             <a:ext cx="3962400" cy="365125"/>
           </a:xfrm>
           <a:prstGeom prst="rect">
@@ -8739,7 +7085,7 @@
           </a:prstGeom>
         </p:spPr>
         <p:txBody>
-          <a:bodyPr vert="horz" wrap="square" lIns="68580" tIns="34290" rIns="68580" bIns="34290" numCol="1" anchor="t" anchorCtr="0" compatLnSpc="1">
+          <a:bodyPr vert="horz" wrap="square" lIns="0" tIns="0" rIns="0" bIns="0" numCol="1" anchor="ctr" anchorCtr="0" compatLnSpc="1">
             <a:prstTxWarp prst="textNoShape">
               <a:avLst/>
             </a:prstTxWarp>
@@ -8903,13 +7249,19 @@
       </p:sp>
       <p:sp>
         <p:nvSpPr>
-          <p:cNvPr id="18" name="Rectangle 17"/>
+          <p:cNvPr id="13" name="Rectangle 17">
+            <a:extLst>
+              <a:ext uri="{FF2B5EF4-FFF2-40B4-BE49-F238E27FC236}">
+                <a16:creationId xmlns:a16="http://schemas.microsoft.com/office/drawing/2014/main" id="{5ED38AFC-6FCA-41F0-B286-064BF4E13FFB}"/>
+              </a:ext>
+            </a:extLst>
+          </p:cNvPr>
           <p:cNvSpPr/>
           <p:nvPr/>
         </p:nvSpPr>
         <p:spPr>
           <a:xfrm>
-            <a:off x="10972800" y="6362437"/>
+            <a:off x="10972800" y="6521549"/>
             <a:ext cx="375424" cy="307777"/>
           </a:xfrm>
           <a:prstGeom prst="rect">
@@ -8917,7 +7269,7 @@
           </a:prstGeom>
         </p:spPr>
         <p:txBody>
-          <a:bodyPr wrap="none">
+          <a:bodyPr wrap="none" anchor="ctr">
             <a:spAutoFit/>
           </a:bodyPr>
           <a:lstStyle/>
@@ -8952,21 +7304,21 @@
       </p:sp>
       <p:sp>
         <p:nvSpPr>
-          <p:cNvPr id="8" name="Straight Connector 27">
+          <p:cNvPr id="12" name="Straight Connector 27">
             <a:extLst>
               <a:ext uri="{FF2B5EF4-FFF2-40B4-BE49-F238E27FC236}">
-                <a16:creationId xmlns:a16="http://schemas.microsoft.com/office/drawing/2014/main" id="{629C05A7-56EE-4852-8ACE-A0CC5D26D6D1}"/>
+                <a16:creationId xmlns:a16="http://schemas.microsoft.com/office/drawing/2014/main" id="{D59285DE-C1F6-4B21-8CFE-2BDB4A08D1BB}"/>
               </a:ext>
             </a:extLst>
           </p:cNvPr>
           <p:cNvSpPr>
             <a:spLocks noChangeShapeType="1"/>
           </p:cNvSpPr>
-          <p:nvPr userDrawn="1"/>
+          <p:nvPr/>
         </p:nvSpPr>
         <p:spPr bwMode="auto">
           <a:xfrm>
-            <a:off x="609600" y="6353175"/>
+            <a:off x="609600" y="6477000"/>
             <a:ext cx="10972800" cy="0"/>
           </a:xfrm>
           <a:prstGeom prst="line">
@@ -8984,7 +7336,7 @@
           </a:ln>
           <a:extLst>
             <a:ext uri="{909E8E84-426E-40dd-AFC4-6F175D3DCCD1}">
-              <a14:hiddenFill xmlns:a14="http://schemas.microsoft.com/office/drawing/2010/main" xmlns="">
+              <a14:hiddenFill xmlns="" xmlns:a14="http://schemas.microsoft.com/office/drawing/2010/main">
                 <a:noFill/>
               </a14:hiddenFill>
             </a:ext>
@@ -9001,271 +7353,22 @@
           </a:p>
         </p:txBody>
       </p:sp>
-      <p:sp>
-        <p:nvSpPr>
-          <p:cNvPr id="9" name="Footer Placeholder 2">
-            <a:extLst>
-              <a:ext uri="{FF2B5EF4-FFF2-40B4-BE49-F238E27FC236}">
-                <a16:creationId xmlns:a16="http://schemas.microsoft.com/office/drawing/2014/main" id="{E87AADD3-10ED-408D-8583-7F45FBD220E3}"/>
-              </a:ext>
-            </a:extLst>
-          </p:cNvPr>
-          <p:cNvSpPr txBox="1">
-            <a:spLocks/>
-          </p:cNvSpPr>
-          <p:nvPr userDrawn="1"/>
-        </p:nvSpPr>
-        <p:spPr>
-          <a:xfrm>
-            <a:off x="4064000" y="6362437"/>
-            <a:ext cx="3962400" cy="365125"/>
-          </a:xfrm>
-          <a:prstGeom prst="rect">
-            <a:avLst/>
-          </a:prstGeom>
-        </p:spPr>
-        <p:txBody>
-          <a:bodyPr vert="horz" wrap="square" lIns="68580" tIns="34290" rIns="68580" bIns="34290" numCol="1" anchor="t" anchorCtr="0" compatLnSpc="1">
-            <a:prstTxWarp prst="textNoShape">
-              <a:avLst/>
-            </a:prstTxWarp>
-          </a:bodyPr>
-          <a:lstStyle>
-            <a:defPPr>
-              <a:defRPr lang="en-US"/>
-            </a:defPPr>
-            <a:lvl1pPr algn="r" rtl="0" eaLnBrk="1" fontAlgn="base" hangingPunct="1">
-              <a:spcBef>
-                <a:spcPct val="0"/>
-              </a:spcBef>
-              <a:spcAft>
-                <a:spcPct val="0"/>
-              </a:spcAft>
-              <a:defRPr sz="1400" kern="1200">
-                <a:solidFill>
-                  <a:schemeClr val="tx2"/>
-                </a:solidFill>
-                <a:latin typeface="Cambria" panose="02040503050406030204" pitchFamily="18" charset="0"/>
-                <a:ea typeface="+mn-ea"/>
-                <a:cs typeface="Arial" panose="020B0604020202020204" pitchFamily="34" charset="0"/>
-              </a:defRPr>
-            </a:lvl1pPr>
-            <a:lvl2pPr marL="457200" algn="l" rtl="0" eaLnBrk="0" fontAlgn="base" hangingPunct="0">
-              <a:spcBef>
-                <a:spcPct val="0"/>
-              </a:spcBef>
-              <a:spcAft>
-                <a:spcPct val="0"/>
-              </a:spcAft>
-              <a:defRPr kern="1200">
-                <a:solidFill>
-                  <a:schemeClr val="tx1"/>
-                </a:solidFill>
-                <a:latin typeface="Arial" panose="020B0604020202020204" pitchFamily="34" charset="0"/>
-                <a:ea typeface="+mn-ea"/>
-                <a:cs typeface="Arial" panose="020B0604020202020204" pitchFamily="34" charset="0"/>
-              </a:defRPr>
-            </a:lvl2pPr>
-            <a:lvl3pPr marL="914400" algn="l" rtl="0" eaLnBrk="0" fontAlgn="base" hangingPunct="0">
-              <a:spcBef>
-                <a:spcPct val="0"/>
-              </a:spcBef>
-              <a:spcAft>
-                <a:spcPct val="0"/>
-              </a:spcAft>
-              <a:defRPr kern="1200">
-                <a:solidFill>
-                  <a:schemeClr val="tx1"/>
-                </a:solidFill>
-                <a:latin typeface="Arial" panose="020B0604020202020204" pitchFamily="34" charset="0"/>
-                <a:ea typeface="+mn-ea"/>
-                <a:cs typeface="Arial" panose="020B0604020202020204" pitchFamily="34" charset="0"/>
-              </a:defRPr>
-            </a:lvl3pPr>
-            <a:lvl4pPr marL="1371600" algn="l" rtl="0" eaLnBrk="0" fontAlgn="base" hangingPunct="0">
-              <a:spcBef>
-                <a:spcPct val="0"/>
-              </a:spcBef>
-              <a:spcAft>
-                <a:spcPct val="0"/>
-              </a:spcAft>
-              <a:defRPr kern="1200">
-                <a:solidFill>
-                  <a:schemeClr val="tx1"/>
-                </a:solidFill>
-                <a:latin typeface="Arial" panose="020B0604020202020204" pitchFamily="34" charset="0"/>
-                <a:ea typeface="+mn-ea"/>
-                <a:cs typeface="Arial" panose="020B0604020202020204" pitchFamily="34" charset="0"/>
-              </a:defRPr>
-            </a:lvl4pPr>
-            <a:lvl5pPr marL="1828800" algn="l" rtl="0" eaLnBrk="0" fontAlgn="base" hangingPunct="0">
-              <a:spcBef>
-                <a:spcPct val="0"/>
-              </a:spcBef>
-              <a:spcAft>
-                <a:spcPct val="0"/>
-              </a:spcAft>
-              <a:defRPr kern="1200">
-                <a:solidFill>
-                  <a:schemeClr val="tx1"/>
-                </a:solidFill>
-                <a:latin typeface="Arial" panose="020B0604020202020204" pitchFamily="34" charset="0"/>
-                <a:ea typeface="+mn-ea"/>
-                <a:cs typeface="Arial" panose="020B0604020202020204" pitchFamily="34" charset="0"/>
-              </a:defRPr>
-            </a:lvl5pPr>
-            <a:lvl6pPr marL="2286000" algn="l" defTabSz="914400" rtl="0" eaLnBrk="1" latinLnBrk="0" hangingPunct="1">
-              <a:defRPr kern="1200">
-                <a:solidFill>
-                  <a:schemeClr val="tx1"/>
-                </a:solidFill>
-                <a:latin typeface="Arial" panose="020B0604020202020204" pitchFamily="34" charset="0"/>
-                <a:ea typeface="+mn-ea"/>
-                <a:cs typeface="Arial" panose="020B0604020202020204" pitchFamily="34" charset="0"/>
-              </a:defRPr>
-            </a:lvl6pPr>
-            <a:lvl7pPr marL="2743200" algn="l" defTabSz="914400" rtl="0" eaLnBrk="1" latinLnBrk="0" hangingPunct="1">
-              <a:defRPr kern="1200">
-                <a:solidFill>
-                  <a:schemeClr val="tx1"/>
-                </a:solidFill>
-                <a:latin typeface="Arial" panose="020B0604020202020204" pitchFamily="34" charset="0"/>
-                <a:ea typeface="+mn-ea"/>
-                <a:cs typeface="Arial" panose="020B0604020202020204" pitchFamily="34" charset="0"/>
-              </a:defRPr>
-            </a:lvl7pPr>
-            <a:lvl8pPr marL="3200400" algn="l" defTabSz="914400" rtl="0" eaLnBrk="1" latinLnBrk="0" hangingPunct="1">
-              <a:defRPr kern="1200">
-                <a:solidFill>
-                  <a:schemeClr val="tx1"/>
-                </a:solidFill>
-                <a:latin typeface="Arial" panose="020B0604020202020204" pitchFamily="34" charset="0"/>
-                <a:ea typeface="+mn-ea"/>
-                <a:cs typeface="Arial" panose="020B0604020202020204" pitchFamily="34" charset="0"/>
-              </a:defRPr>
-            </a:lvl8pPr>
-            <a:lvl9pPr marL="3657600" algn="l" defTabSz="914400" rtl="0" eaLnBrk="1" latinLnBrk="0" hangingPunct="1">
-              <a:defRPr kern="1200">
-                <a:solidFill>
-                  <a:schemeClr val="tx1"/>
-                </a:solidFill>
-                <a:latin typeface="Arial" panose="020B0604020202020204" pitchFamily="34" charset="0"/>
-                <a:ea typeface="+mn-ea"/>
-                <a:cs typeface="Arial" panose="020B0604020202020204" pitchFamily="34" charset="0"/>
-              </a:defRPr>
-            </a:lvl9pPr>
-          </a:lstStyle>
-          <a:p>
-            <a:pPr algn="ctr">
-              <a:defRPr/>
-            </a:pPr>
-            <a:r>
-              <a:rPr lang="en-US" altLang="zh-CN" sz="1400" dirty="0">
-                <a:latin typeface="+mn-ea"/>
-                <a:ea typeface="+mn-ea"/>
-              </a:rPr>
-              <a:t>《</a:t>
-            </a:r>
-            <a:r>
-              <a:rPr lang="zh-CN" altLang="en-US" sz="1400" dirty="0">
-                <a:latin typeface="+mn-ea"/>
-                <a:ea typeface="+mn-ea"/>
-              </a:rPr>
-              <a:t>神经网络与深度学习</a:t>
-            </a:r>
-            <a:r>
-              <a:rPr lang="en-US" altLang="zh-CN" sz="1400" dirty="0">
-                <a:latin typeface="+mn-ea"/>
-                <a:ea typeface="+mn-ea"/>
-              </a:rPr>
-              <a:t>》</a:t>
-            </a:r>
-            <a:endParaRPr lang="zh-CN" altLang="zh-CN" sz="1400" dirty="0">
-              <a:latin typeface="+mn-ea"/>
-              <a:ea typeface="+mn-ea"/>
-            </a:endParaRPr>
-          </a:p>
-        </p:txBody>
-      </p:sp>
-      <p:sp>
-        <p:nvSpPr>
-          <p:cNvPr id="10" name="Rectangle 17">
-            <a:extLst>
-              <a:ext uri="{FF2B5EF4-FFF2-40B4-BE49-F238E27FC236}">
-                <a16:creationId xmlns:a16="http://schemas.microsoft.com/office/drawing/2014/main" id="{BA724D69-0583-4241-AC56-3281C5DD7BA2}"/>
-              </a:ext>
-            </a:extLst>
-          </p:cNvPr>
-          <p:cNvSpPr/>
-          <p:nvPr userDrawn="1"/>
-        </p:nvSpPr>
-        <p:spPr>
-          <a:xfrm>
-            <a:off x="10972800" y="6362437"/>
-            <a:ext cx="375424" cy="307777"/>
-          </a:xfrm>
-          <a:prstGeom prst="rect">
-            <a:avLst/>
-          </a:prstGeom>
-        </p:spPr>
-        <p:txBody>
-          <a:bodyPr wrap="none">
-            <a:spAutoFit/>
-          </a:bodyPr>
-          <a:lstStyle/>
-          <a:p>
-            <a:pPr>
-              <a:defRPr/>
-            </a:pPr>
-            <a:fld id="{7A0AC270-0923-4589-A51D-6091E7C5371F}" type="slidenum">
-              <a:rPr lang="zh-CN" altLang="en-US" sz="1400" kern="1200" smtClean="0">
-                <a:solidFill>
-                  <a:schemeClr val="tx2"/>
-                </a:solidFill>
-                <a:latin typeface="+mn-ea"/>
-                <a:ea typeface="+mn-ea"/>
-                <a:cs typeface="Arial" panose="020B0604020202020204" pitchFamily="34" charset="0"/>
-              </a:rPr>
-              <a:pPr>
-                <a:defRPr/>
-              </a:pPr>
-              <a:t>‹#›</a:t>
-            </a:fld>
-            <a:endParaRPr lang="en-US" altLang="zh-CN" sz="1400" kern="1200" dirty="0">
-              <a:solidFill>
-                <a:schemeClr val="tx2"/>
-              </a:solidFill>
-              <a:latin typeface="+mn-ea"/>
-              <a:ea typeface="+mn-ea"/>
-              <a:cs typeface="Arial" panose="020B0604020202020204" pitchFamily="34" charset="0"/>
-            </a:endParaRPr>
-          </a:p>
-        </p:txBody>
-      </p:sp>
     </p:spTree>
     <p:extLst>
       <p:ext uri="{BB962C8B-B14F-4D97-AF65-F5344CB8AC3E}">
-        <p14:creationId xmlns:p14="http://schemas.microsoft.com/office/powerpoint/2010/main" val="2070393973"/>
+        <p14:creationId xmlns:p14="http://schemas.microsoft.com/office/powerpoint/2010/main" val="4178047113"/>
       </p:ext>
     </p:extLst>
   </p:cSld>
   <p:clrMap bg1="lt1" tx1="dk1" bg2="lt2" tx2="dk2" accent1="accent1" accent2="accent2" accent3="accent3" accent4="accent4" accent5="accent5" accent6="accent6" hlink="hlink" folHlink="folHlink"/>
   <p:sldLayoutIdLst>
-    <p:sldLayoutId id="2147483834" r:id="rId1"/>
-    <p:sldLayoutId id="2147483835" r:id="rId2"/>
-    <p:sldLayoutId id="2147483836" r:id="rId3"/>
-    <p:sldLayoutId id="2147483837" r:id="rId4"/>
-    <p:sldLayoutId id="2147483838" r:id="rId5"/>
-    <p:sldLayoutId id="2147483839" r:id="rId6"/>
-    <p:sldLayoutId id="2147483840" r:id="rId7"/>
-    <p:sldLayoutId id="2147483841" r:id="rId8"/>
-    <p:sldLayoutId id="2147483842" r:id="rId9"/>
-    <p:sldLayoutId id="2147483843" r:id="rId10"/>
-    <p:sldLayoutId id="2147483831" r:id="rId11"/>
-    <p:sldLayoutId id="2147483828" r:id="rId12"/>
-    <p:sldLayoutId id="2147483832" r:id="rId13"/>
-    <p:sldLayoutId id="2147483830" r:id="rId14"/>
-    <p:sldLayoutId id="2147483829" r:id="rId15"/>
+    <p:sldLayoutId id="2147483845" r:id="rId1"/>
+    <p:sldLayoutId id="2147483846" r:id="rId2"/>
+    <p:sldLayoutId id="2147483847" r:id="rId3"/>
+    <p:sldLayoutId id="2147483848" r:id="rId4"/>
+    <p:sldLayoutId id="2147483849" r:id="rId5"/>
+    <p:sldLayoutId id="2147483850" r:id="rId6"/>
+    <p:sldLayoutId id="2147483851" r:id="rId7"/>
   </p:sldLayoutIdLst>
   <p:hf hdr="0" ftr="0" dt="0"/>
   <p:txStyles>
@@ -9279,7 +7382,7 @@
         </a:spcAft>
         <a:defRPr sz="3200" kern="1200">
           <a:solidFill>
-            <a:schemeClr val="tx2"/>
+            <a:srgbClr val="000000"/>
           </a:solidFill>
           <a:latin typeface="+mj-lt"/>
           <a:ea typeface="+mj-ea"/>
@@ -9293,7 +7396,7 @@
         <a:spcAft>
           <a:spcPct val="0"/>
         </a:spcAft>
-        <a:defRPr sz="2700">
+        <a:defRPr sz="2025">
           <a:solidFill>
             <a:schemeClr val="tx2"/>
           </a:solidFill>
@@ -9307,7 +7410,7 @@
         <a:spcAft>
           <a:spcPct val="0"/>
         </a:spcAft>
-        <a:defRPr sz="2700">
+        <a:defRPr sz="2025">
           <a:solidFill>
             <a:schemeClr val="tx2"/>
           </a:solidFill>
@@ -9321,7 +7424,7 @@
         <a:spcAft>
           <a:spcPct val="0"/>
         </a:spcAft>
-        <a:defRPr sz="2700">
+        <a:defRPr sz="2025">
           <a:solidFill>
             <a:schemeClr val="tx2"/>
           </a:solidFill>
@@ -9335,63 +7438,63 @@
         <a:spcAft>
           <a:spcPct val="0"/>
         </a:spcAft>
-        <a:defRPr sz="2700">
+        <a:defRPr sz="2025">
           <a:solidFill>
             <a:schemeClr val="tx2"/>
           </a:solidFill>
           <a:latin typeface="Calibri" panose="020F0502020204030204" pitchFamily="34" charset="0"/>
         </a:defRPr>
       </a:lvl5pPr>
-      <a:lvl6pPr marL="342900" algn="l" rtl="0" eaLnBrk="1" fontAlgn="base" hangingPunct="1">
+      <a:lvl6pPr marL="257175" algn="l" rtl="0" eaLnBrk="1" fontAlgn="base" hangingPunct="1">
         <a:spcBef>
           <a:spcPct val="0"/>
         </a:spcBef>
         <a:spcAft>
           <a:spcPct val="0"/>
         </a:spcAft>
-        <a:defRPr sz="2400">
+        <a:defRPr sz="1800">
           <a:solidFill>
             <a:schemeClr val="tx2"/>
           </a:solidFill>
           <a:latin typeface="Calibri" panose="020F0502020204030204" pitchFamily="34" charset="0"/>
         </a:defRPr>
       </a:lvl6pPr>
-      <a:lvl7pPr marL="685800" algn="l" rtl="0" eaLnBrk="1" fontAlgn="base" hangingPunct="1">
+      <a:lvl7pPr marL="514350" algn="l" rtl="0" eaLnBrk="1" fontAlgn="base" hangingPunct="1">
         <a:spcBef>
           <a:spcPct val="0"/>
         </a:spcBef>
         <a:spcAft>
           <a:spcPct val="0"/>
         </a:spcAft>
-        <a:defRPr sz="2400">
+        <a:defRPr sz="1800">
           <a:solidFill>
             <a:schemeClr val="tx2"/>
           </a:solidFill>
           <a:latin typeface="Calibri" panose="020F0502020204030204" pitchFamily="34" charset="0"/>
         </a:defRPr>
       </a:lvl7pPr>
-      <a:lvl8pPr marL="1028700" algn="l" rtl="0" eaLnBrk="1" fontAlgn="base" hangingPunct="1">
+      <a:lvl8pPr marL="771525" algn="l" rtl="0" eaLnBrk="1" fontAlgn="base" hangingPunct="1">
         <a:spcBef>
           <a:spcPct val="0"/>
         </a:spcBef>
         <a:spcAft>
           <a:spcPct val="0"/>
         </a:spcAft>
-        <a:defRPr sz="2400">
+        <a:defRPr sz="1800">
           <a:solidFill>
             <a:schemeClr val="tx2"/>
           </a:solidFill>
           <a:latin typeface="Calibri" panose="020F0502020204030204" pitchFamily="34" charset="0"/>
         </a:defRPr>
       </a:lvl8pPr>
-      <a:lvl9pPr marL="1371600" algn="l" rtl="0" eaLnBrk="1" fontAlgn="base" hangingPunct="1">
+      <a:lvl9pPr marL="1028700" algn="l" rtl="0" eaLnBrk="1" fontAlgn="base" hangingPunct="1">
         <a:spcBef>
           <a:spcPct val="0"/>
         </a:spcBef>
         <a:spcAft>
           <a:spcPct val="0"/>
         </a:spcAft>
-        <a:defRPr sz="2400">
+        <a:defRPr sz="1800">
           <a:solidFill>
             <a:schemeClr val="tx2"/>
           </a:solidFill>
@@ -9400,75 +7503,75 @@
       </a:lvl9pPr>
     </p:titleStyle>
     <p:bodyStyle>
-      <a:lvl1pPr marL="204788" indent="-204788" algn="l" rtl="0" eaLnBrk="1" fontAlgn="base" hangingPunct="1">
+      <a:lvl1pPr marL="153591" indent="-153591" algn="l" rtl="0" eaLnBrk="1" fontAlgn="base" hangingPunct="1">
         <a:spcBef>
-          <a:spcPts val="450"/>
+          <a:spcPts val="338"/>
         </a:spcBef>
         <a:spcAft>
           <a:spcPct val="0"/>
         </a:spcAft>
         <a:buClr>
-          <a:schemeClr val="accent1"/>
+          <a:srgbClr val="000000"/>
         </a:buClr>
         <a:buSzPct val="76000"/>
         <a:buFont typeface="Wingdings 3" panose="05040102010807070707" pitchFamily="18" charset="2"/>
         <a:buChar char=""/>
         <a:defRPr lang="en-US" altLang="zh-CN" sz="3200" kern="1200" baseline="0" dirty="0" smtClean="0">
           <a:solidFill>
-            <a:srgbClr val="AD470F"/>
+            <a:srgbClr val="C00000"/>
           </a:solidFill>
           <a:latin typeface="+mn-lt"/>
           <a:ea typeface="+mn-ea"/>
           <a:cs typeface="Arial" panose="020B0604020202020204" pitchFamily="34" charset="0"/>
         </a:defRPr>
       </a:lvl1pPr>
-      <a:lvl2pPr marL="410766" indent="-204788" algn="l" rtl="0" eaLnBrk="1" fontAlgn="base" hangingPunct="1">
+      <a:lvl2pPr marL="308075" indent="-153591" algn="l" rtl="0" eaLnBrk="1" fontAlgn="base" hangingPunct="1">
         <a:spcBef>
-          <a:spcPts val="375"/>
+          <a:spcPts val="281"/>
         </a:spcBef>
         <a:spcAft>
           <a:spcPct val="0"/>
         </a:spcAft>
         <a:buClr>
-          <a:schemeClr val="accent2"/>
+          <a:srgbClr val="000000"/>
         </a:buClr>
         <a:buSzPct val="76000"/>
         <a:buFont typeface="Wingdings 3" panose="05040102010807070707" pitchFamily="18" charset="2"/>
         <a:buChar char=""/>
         <a:defRPr sz="2800" kern="1200" baseline="0">
           <a:solidFill>
-            <a:schemeClr val="tx2"/>
+            <a:srgbClr val="000000"/>
           </a:solidFill>
           <a:latin typeface="+mn-lt"/>
           <a:ea typeface="+mn-ea"/>
           <a:cs typeface="+mn-cs"/>
         </a:defRPr>
       </a:lvl2pPr>
-      <a:lvl3pPr marL="616744" indent="-171450" algn="l" rtl="0" eaLnBrk="1" fontAlgn="base" hangingPunct="1">
+      <a:lvl3pPr marL="462558" indent="-128588" algn="l" rtl="0" eaLnBrk="1" fontAlgn="base" hangingPunct="1">
         <a:spcBef>
-          <a:spcPts val="375"/>
+          <a:spcPts val="281"/>
         </a:spcBef>
         <a:spcAft>
           <a:spcPct val="0"/>
         </a:spcAft>
         <a:buClr>
-          <a:srgbClr val="BCBCBC"/>
+          <a:srgbClr val="000000"/>
         </a:buClr>
         <a:buSzPct val="76000"/>
         <a:buFont typeface="Wingdings 3" panose="05040102010807070707" pitchFamily="18" charset="2"/>
         <a:buChar char=""/>
         <a:defRPr sz="2400" kern="1200" baseline="0">
           <a:solidFill>
-            <a:schemeClr val="tx1"/>
+            <a:schemeClr val="accent1"/>
           </a:solidFill>
           <a:latin typeface="+mn-lt"/>
           <a:ea typeface="+mn-ea"/>
           <a:cs typeface="+mn-cs"/>
         </a:defRPr>
       </a:lvl3pPr>
-      <a:lvl4pPr marL="822722" indent="-171450" algn="l" rtl="0" eaLnBrk="1" fontAlgn="base" hangingPunct="1">
+      <a:lvl4pPr marL="617042" indent="-128588" algn="l" rtl="0" eaLnBrk="1" fontAlgn="base" hangingPunct="1">
         <a:spcBef>
-          <a:spcPts val="300"/>
+          <a:spcPts val="225"/>
         </a:spcBef>
         <a:spcAft>
           <a:spcPct val="0"/>
@@ -9488,9 +7591,9 @@
           <a:cs typeface="+mn-cs"/>
         </a:defRPr>
       </a:lvl4pPr>
-      <a:lvl5pPr marL="1028700" indent="-171450" algn="l" rtl="0" eaLnBrk="1" fontAlgn="base" hangingPunct="1">
+      <a:lvl5pPr marL="771525" indent="-128588" algn="l" rtl="0" eaLnBrk="1" fontAlgn="base" hangingPunct="1">
         <a:spcBef>
-          <a:spcPts val="225"/>
+          <a:spcPts val="169"/>
         </a:spcBef>
         <a:spcAft>
           <a:spcPct val="0"/>
@@ -9501,7 +7604,7 @@
         <a:buSzPct val="70000"/>
         <a:buFont typeface="Wingdings" panose="05000000000000000000" pitchFamily="2" charset="2"/>
         <a:buChar char=""/>
-        <a:defRPr sz="1800" kern="1200" baseline="0">
+        <a:defRPr sz="1350" kern="1200" baseline="0">
           <a:solidFill>
             <a:schemeClr val="tx1"/>
           </a:solidFill>
@@ -9510,9 +7613,9 @@
           <a:cs typeface="+mn-cs"/>
         </a:defRPr>
       </a:lvl5pPr>
-      <a:lvl6pPr marL="1234440" indent="-137160" algn="l" rtl="0" eaLnBrk="1" latinLnBrk="0" hangingPunct="1">
+      <a:lvl6pPr marL="925830" indent="-102870" algn="l" rtl="0" eaLnBrk="1" latinLnBrk="0" hangingPunct="1">
         <a:spcBef>
-          <a:spcPts val="225"/>
+          <a:spcPts val="169"/>
         </a:spcBef>
         <a:buClr>
           <a:srgbClr val="9FB8CD">
@@ -9522,7 +7625,7 @@
         <a:buSzPct val="75000"/>
         <a:buFont typeface="Wingdings 3"/>
         <a:buChar char=""/>
-        <a:defRPr kumimoji="0" lang="en-US" sz="1200" kern="1200" smtClean="0">
+        <a:defRPr kumimoji="0" lang="en-US" sz="900" kern="1200" smtClean="0">
           <a:solidFill>
             <a:schemeClr val="tx1"/>
           </a:solidFill>
@@ -9531,9 +7634,9 @@
           <a:cs typeface="+mn-cs"/>
         </a:defRPr>
       </a:lvl6pPr>
-      <a:lvl7pPr marL="1371600" indent="-137160" algn="l" rtl="0" eaLnBrk="1" latinLnBrk="0" hangingPunct="1">
+      <a:lvl7pPr marL="1028700" indent="-102870" algn="l" rtl="0" eaLnBrk="1" latinLnBrk="0" hangingPunct="1">
         <a:spcBef>
-          <a:spcPts val="225"/>
+          <a:spcPts val="169"/>
         </a:spcBef>
         <a:buClr>
           <a:srgbClr val="727CA3">
@@ -9543,7 +7646,7 @@
         <a:buSzPct val="75000"/>
         <a:buFont typeface="Wingdings 3"/>
         <a:buChar char=""/>
-        <a:defRPr kumimoji="0" lang="en-US" sz="1050" kern="1200" smtClean="0">
+        <a:defRPr kumimoji="0" lang="en-US" sz="788" kern="1200" smtClean="0">
           <a:solidFill>
             <a:schemeClr val="tx1"/>
           </a:solidFill>
@@ -9552,9 +7655,9 @@
           <a:cs typeface="+mn-cs"/>
         </a:defRPr>
       </a:lvl7pPr>
-      <a:lvl8pPr marL="1508760" indent="-137160" algn="l" rtl="0" eaLnBrk="1" latinLnBrk="0" hangingPunct="1">
+      <a:lvl8pPr marL="1131570" indent="-102870" algn="l" rtl="0" eaLnBrk="1" latinLnBrk="0" hangingPunct="1">
         <a:spcBef>
-          <a:spcPts val="225"/>
+          <a:spcPts val="169"/>
         </a:spcBef>
         <a:buClr>
           <a:prstClr val="white">
@@ -9564,7 +7667,7 @@
         <a:buSzPct val="75000"/>
         <a:buFont typeface="Wingdings 3"/>
         <a:buChar char=""/>
-        <a:defRPr kumimoji="0" lang="en-US" sz="1050" kern="1200" smtClean="0">
+        <a:defRPr kumimoji="0" lang="en-US" sz="788" kern="1200" smtClean="0">
           <a:solidFill>
             <a:schemeClr val="tx1"/>
           </a:solidFill>
@@ -9573,9 +7676,9 @@
           <a:cs typeface="+mn-cs"/>
         </a:defRPr>
       </a:lvl8pPr>
-      <a:lvl9pPr marL="1645920" indent="-137160" algn="l" rtl="0" eaLnBrk="1" latinLnBrk="0" hangingPunct="1">
+      <a:lvl9pPr marL="1234440" indent="-102870" algn="l" rtl="0" eaLnBrk="1" latinLnBrk="0" hangingPunct="1">
         <a:spcBef>
-          <a:spcPts val="225"/>
+          <a:spcPts val="169"/>
         </a:spcBef>
         <a:buClr>
           <a:srgbClr val="9FB8CD"/>
@@ -9583,7 +7686,7 @@
         <a:buSzPct val="75000"/>
         <a:buFont typeface="Wingdings 3"/>
         <a:buChar char=""/>
-        <a:defRPr kumimoji="0" lang="en-US" sz="900" kern="1200" smtClean="0">
+        <a:defRPr kumimoji="0" lang="en-US" sz="675" kern="1200" smtClean="0">
           <a:solidFill>
             <a:schemeClr val="tx1"/>
           </a:solidFill>
@@ -9604,7 +7707,7 @@
           <a:cs typeface="+mn-cs"/>
         </a:defRPr>
       </a:lvl1pPr>
-      <a:lvl2pPr marL="342900" algn="l" rtl="0" eaLnBrk="1" latinLnBrk="0" hangingPunct="1">
+      <a:lvl2pPr marL="257175" algn="l" rtl="0" eaLnBrk="1" latinLnBrk="0" hangingPunct="1">
         <a:defRPr kumimoji="0" kern="1200">
           <a:solidFill>
             <a:schemeClr val="tx1"/>
@@ -9614,7 +7717,7 @@
           <a:cs typeface="+mn-cs"/>
         </a:defRPr>
       </a:lvl2pPr>
-      <a:lvl3pPr marL="685800" algn="l" rtl="0" eaLnBrk="1" latinLnBrk="0" hangingPunct="1">
+      <a:lvl3pPr marL="514350" algn="l" rtl="0" eaLnBrk="1" latinLnBrk="0" hangingPunct="1">
         <a:defRPr kumimoji="0" kern="1200">
           <a:solidFill>
             <a:schemeClr val="tx1"/>
@@ -9624,7 +7727,7 @@
           <a:cs typeface="+mn-cs"/>
         </a:defRPr>
       </a:lvl3pPr>
-      <a:lvl4pPr marL="1028700" algn="l" rtl="0" eaLnBrk="1" latinLnBrk="0" hangingPunct="1">
+      <a:lvl4pPr marL="771525" algn="l" rtl="0" eaLnBrk="1" latinLnBrk="0" hangingPunct="1">
         <a:defRPr kumimoji="0" kern="1200">
           <a:solidFill>
             <a:schemeClr val="tx1"/>
@@ -9634,7 +7737,7 @@
           <a:cs typeface="+mn-cs"/>
         </a:defRPr>
       </a:lvl4pPr>
-      <a:lvl5pPr marL="1371600" algn="l" rtl="0" eaLnBrk="1" latinLnBrk="0" hangingPunct="1">
+      <a:lvl5pPr marL="1028700" algn="l" rtl="0" eaLnBrk="1" latinLnBrk="0" hangingPunct="1">
         <a:defRPr kumimoji="0" kern="1200">
           <a:solidFill>
             <a:schemeClr val="tx1"/>
@@ -9644,7 +7747,7 @@
           <a:cs typeface="+mn-cs"/>
         </a:defRPr>
       </a:lvl5pPr>
-      <a:lvl6pPr marL="1714500" algn="l" rtl="0" eaLnBrk="1" latinLnBrk="0" hangingPunct="1">
+      <a:lvl6pPr marL="1285875" algn="l" rtl="0" eaLnBrk="1" latinLnBrk="0" hangingPunct="1">
         <a:defRPr kumimoji="0" kern="1200">
           <a:solidFill>
             <a:schemeClr val="tx1"/>
@@ -9654,7 +7757,7 @@
           <a:cs typeface="+mn-cs"/>
         </a:defRPr>
       </a:lvl6pPr>
-      <a:lvl7pPr marL="2057400" algn="l" rtl="0" eaLnBrk="1" latinLnBrk="0" hangingPunct="1">
+      <a:lvl7pPr marL="1543050" algn="l" rtl="0" eaLnBrk="1" latinLnBrk="0" hangingPunct="1">
         <a:defRPr kumimoji="0" kern="1200">
           <a:solidFill>
             <a:schemeClr val="tx1"/>
@@ -9664,7 +7767,7 @@
           <a:cs typeface="+mn-cs"/>
         </a:defRPr>
       </a:lvl7pPr>
-      <a:lvl8pPr marL="2400300" algn="l" rtl="0" eaLnBrk="1" latinLnBrk="0" hangingPunct="1">
+      <a:lvl8pPr marL="1800225" algn="l" rtl="0" eaLnBrk="1" latinLnBrk="0" hangingPunct="1">
         <a:defRPr kumimoji="0" kern="1200">
           <a:solidFill>
             <a:schemeClr val="tx1"/>
@@ -9674,7 +7777,7 @@
           <a:cs typeface="+mn-cs"/>
         </a:defRPr>
       </a:lvl8pPr>
-      <a:lvl9pPr marL="2743200" algn="l" rtl="0" eaLnBrk="1" latinLnBrk="0" hangingPunct="1">
+      <a:lvl9pPr marL="2057400" algn="l" rtl="0" eaLnBrk="1" latinLnBrk="0" hangingPunct="1">
         <a:defRPr kumimoji="0" kern="1200">
           <a:solidFill>
             <a:schemeClr val="tx1"/>
@@ -10446,7 +8549,7 @@
             <a:spLocks noGrp="1"/>
           </p:cNvSpPr>
           <p:nvPr>
-            <p:ph sz="quarter" idx="1"/>
+            <p:ph idx="1"/>
           </p:nvPr>
         </p:nvSpPr>
         <p:spPr/>
@@ -10610,7 +8713,7 @@
         </p:blipFill>
         <p:spPr>
           <a:xfrm>
-            <a:off x="4191001" y="2057400"/>
+            <a:off x="4669679" y="1752600"/>
             <a:ext cx="2743200" cy="518809"/>
           </a:xfrm>
           <a:prstGeom prst="rect">
@@ -10801,7 +8904,7 @@
             <a:spLocks noGrp="1"/>
           </p:cNvSpPr>
           <p:nvPr>
-            <p:ph sz="quarter" idx="1"/>
+            <p:ph idx="1"/>
           </p:nvPr>
         </p:nvSpPr>
         <p:spPr/>
@@ -10921,7 +9024,7 @@
             <a:spLocks noGrp="1"/>
           </p:cNvSpPr>
           <p:nvPr>
-            <p:ph sz="quarter" idx="1"/>
+            <p:ph idx="1"/>
           </p:nvPr>
         </p:nvSpPr>
         <p:spPr/>
@@ -11118,7 +9221,7 @@
             <a:spLocks noGrp="1"/>
           </p:cNvSpPr>
           <p:nvPr>
-            <p:ph sz="quarter" idx="1"/>
+            <p:ph idx="1"/>
           </p:nvPr>
         </p:nvSpPr>
         <p:spPr/>
@@ -11537,7 +9640,7 @@
             <a:spLocks noGrp="1"/>
           </p:cNvSpPr>
           <p:nvPr>
-            <p:ph sz="quarter" idx="1"/>
+            <p:ph idx="1"/>
           </p:nvPr>
         </p:nvSpPr>
         <p:spPr/>
@@ -12037,7 +10140,7 @@
                 <a:spLocks noGrp="1"/>
               </p:cNvSpPr>
               <p:nvPr>
-                <p:ph sz="quarter" idx="1"/>
+                <p:ph idx="1"/>
               </p:nvPr>
             </p:nvSpPr>
             <p:spPr/>
@@ -12175,7 +10278,7 @@
         </p:blipFill>
         <p:spPr>
           <a:xfrm>
-            <a:off x="4043958" y="2873810"/>
+            <a:off x="3810000" y="2286000"/>
             <a:ext cx="3271243" cy="707590"/>
           </a:xfrm>
           <a:prstGeom prst="rect">
@@ -12191,7 +10294,7 @@
         </p:nvCxnSpPr>
         <p:spPr>
           <a:xfrm>
-            <a:off x="5638800" y="3505200"/>
+            <a:off x="5404842" y="2917390"/>
             <a:ext cx="808224" cy="0"/>
           </a:xfrm>
           <a:prstGeom prst="line">
@@ -12221,7 +10324,7 @@
         </p:nvSpPr>
         <p:spPr>
           <a:xfrm>
-            <a:off x="7315200" y="4343401"/>
+            <a:off x="7081242" y="3755591"/>
             <a:ext cx="1415772" cy="461665"/>
           </a:xfrm>
           <a:prstGeom prst="rect">
@@ -12252,7 +10355,7 @@
         </p:nvCxnSpPr>
         <p:spPr>
           <a:xfrm>
-            <a:off x="5943600" y="3505200"/>
+            <a:off x="5709642" y="2917390"/>
             <a:ext cx="2079486" cy="838200"/>
           </a:xfrm>
           <a:prstGeom prst="line">
@@ -12282,7 +10385,7 @@
         </p:nvCxnSpPr>
         <p:spPr>
           <a:xfrm flipV="1">
-            <a:off x="5158770" y="3581401"/>
+            <a:off x="4924812" y="2993591"/>
             <a:ext cx="2080231" cy="38098"/>
           </a:xfrm>
           <a:prstGeom prst="line">
@@ -12312,7 +10415,7 @@
         </p:nvSpPr>
         <p:spPr>
           <a:xfrm>
-            <a:off x="4403506" y="4343400"/>
+            <a:off x="4169548" y="3755590"/>
             <a:ext cx="1107996" cy="461665"/>
           </a:xfrm>
           <a:prstGeom prst="rect">
@@ -12343,7 +10446,7 @@
         </p:nvCxnSpPr>
         <p:spPr>
           <a:xfrm flipV="1">
-            <a:off x="4957505" y="3619499"/>
+            <a:off x="4723547" y="3031689"/>
             <a:ext cx="1037359" cy="723900"/>
           </a:xfrm>
           <a:prstGeom prst="line">
@@ -12482,7 +10585,7 @@
             <a:spLocks noGrp="1"/>
           </p:cNvSpPr>
           <p:nvPr>
-            <p:ph sz="quarter" idx="1"/>
+            <p:ph idx="1"/>
           </p:nvPr>
         </p:nvSpPr>
         <p:spPr/>
@@ -12684,7 +10787,7 @@
                 <a:spLocks noGrp="1"/>
               </p:cNvSpPr>
               <p:nvPr>
-                <p:ph sz="quarter" idx="1"/>
+                <p:ph idx="1"/>
               </p:nvPr>
             </p:nvSpPr>
             <p:spPr/>
@@ -13309,7 +11412,7 @@
           <a:graphicData uri="http://schemas.openxmlformats.org/presentationml/2006/ole">
             <mc:AlternateContent xmlns:mc="http://schemas.openxmlformats.org/markup-compatibility/2006">
               <mc:Choice xmlns:v="urn:schemas-microsoft-com:vml" Requires="v">
-                <p:oleObj spid="_x0000_s1225" name="方程式" r:id="rId8" imgW="152280" imgH="139680" progId="Equation.3">
+                <p:oleObj spid="_x0000_s1235" name="方程式" r:id="rId8" imgW="152280" imgH="139680" progId="Equation.3">
                   <p:embed/>
                 </p:oleObj>
               </mc:Choice>
@@ -15586,7 +13689,7 @@
             <a:spLocks noGrp="1"/>
           </p:cNvSpPr>
           <p:nvPr>
-            <p:ph sz="quarter" idx="1"/>
+            <p:ph idx="1"/>
           </p:nvPr>
         </p:nvSpPr>
         <p:spPr/>
@@ -15672,8 +13775,8 @@
           </a:p>
         </p:txBody>
       </p:sp>
-      <mc:AlternateContent xmlns:mc="http://schemas.openxmlformats.org/markup-compatibility/2006" xmlns:a14="http://schemas.microsoft.com/office/drawing/2010/main">
-        <mc:Choice Requires="a14">
+      <mc:AlternateContent xmlns:mc="http://schemas.openxmlformats.org/markup-compatibility/2006">
+        <mc:Choice xmlns:a14="http://schemas.microsoft.com/office/drawing/2010/main" Requires="a14">
           <p:sp>
             <p:nvSpPr>
               <p:cNvPr id="4" name="文本框 3"/>
@@ -15682,7 +13785,7 @@
             </p:nvSpPr>
             <p:spPr>
               <a:xfrm flipH="1">
-                <a:off x="2057401" y="2362201"/>
+                <a:off x="2209800" y="2057400"/>
                 <a:ext cx="7922741" cy="677045"/>
               </a:xfrm>
               <a:prstGeom prst="rect">
@@ -16358,7 +14461,7 @@
             </p:txBody>
           </p:sp>
         </mc:Choice>
-        <mc:Fallback xmlns="">
+        <mc:Fallback>
           <p:sp>
             <p:nvSpPr>
               <p:cNvPr id="4" name="文本框 3"/>
@@ -16369,16 +14472,16 @@
             </p:nvSpPr>
             <p:spPr>
               <a:xfrm flipH="1">
-                <a:off x="2057401" y="2362201"/>
+                <a:off x="2209800" y="2057400"/>
                 <a:ext cx="7922741" cy="677045"/>
               </a:xfrm>
               <a:prstGeom prst="rect">
                 <a:avLst/>
               </a:prstGeom>
               <a:blipFill>
-                <a:blip r:embed="rId5"/>
+                <a:blip r:embed="rId3"/>
                 <a:stretch>
-                  <a:fillRect b="-901"/>
+                  <a:fillRect t="-9009"/>
                 </a:stretch>
               </a:blipFill>
             </p:spPr>
@@ -16709,7 +14812,7 @@
             <a:spLocks noGrp="1"/>
           </p:cNvSpPr>
           <p:nvPr>
-            <p:ph sz="quarter" idx="1"/>
+            <p:ph idx="1"/>
           </p:nvPr>
         </p:nvSpPr>
         <p:spPr/>
@@ -16923,7 +15026,7 @@
             <a:spLocks noGrp="1"/>
           </p:cNvSpPr>
           <p:nvPr>
-            <p:ph sz="quarter" idx="1"/>
+            <p:ph idx="1"/>
           </p:nvPr>
         </p:nvSpPr>
         <p:spPr/>
@@ -18409,7 +16512,7 @@
             <a:spLocks noGrp="1"/>
           </p:cNvSpPr>
           <p:nvPr>
-            <p:ph sz="quarter" idx="1"/>
+            <p:ph idx="1"/>
           </p:nvPr>
         </p:nvSpPr>
         <p:spPr/>
@@ -18737,7 +16840,7 @@
             <a:spLocks noGrp="1"/>
           </p:cNvSpPr>
           <p:nvPr>
-            <p:ph sz="quarter" idx="1"/>
+            <p:ph idx="1"/>
           </p:nvPr>
         </p:nvSpPr>
         <p:spPr/>
@@ -18837,7 +16940,7 @@
             <a:spLocks noGrp="1"/>
           </p:cNvSpPr>
           <p:nvPr>
-            <p:ph sz="quarter" idx="1"/>
+            <p:ph idx="1"/>
           </p:nvPr>
         </p:nvSpPr>
         <p:spPr/>
@@ -18953,7 +17056,7 @@
             <a:spLocks noGrp="1"/>
           </p:cNvSpPr>
           <p:nvPr>
-            <p:ph sz="quarter" idx="1"/>
+            <p:ph idx="1"/>
           </p:nvPr>
         </p:nvSpPr>
         <p:spPr/>
@@ -19179,7 +17282,7 @@
             <a:spLocks noGrp="1"/>
           </p:cNvSpPr>
           <p:nvPr>
-            <p:ph sz="quarter" idx="1"/>
+            <p:ph idx="1"/>
           </p:nvPr>
         </p:nvSpPr>
         <p:spPr/>
@@ -19332,12 +17435,8 @@
           <a:lstStyle/>
           <a:p>
             <a:r>
-              <a:rPr lang="en-US" altLang="zh-CN" dirty="0"/>
-              <a:t>Getting started: 30 seconds to </a:t>
-            </a:r>
-            <a:r>
-              <a:rPr lang="en-US" altLang="zh-CN" dirty="0" err="1"/>
-              <a:t>Keras</a:t>
+              <a:rPr lang="en-US" altLang="zh-CN"/>
+              <a:t>Getting started: 30 seconds to Keras</a:t>
             </a:r>
             <a:endParaRPr lang="zh-CN" altLang="en-US" dirty="0"/>
           </a:p>
@@ -19345,101 +17444,302 @@
       </p:sp>
       <p:sp>
         <p:nvSpPr>
-          <p:cNvPr id="5" name="内容占位符 4"/>
-          <p:cNvSpPr>
-            <a:spLocks noGrp="1"/>
+          <p:cNvPr id="4" name="内容占位符 4">
+            <a:extLst>
+              <a:ext uri="{FF2B5EF4-FFF2-40B4-BE49-F238E27FC236}">
+                <a16:creationId xmlns:a16="http://schemas.microsoft.com/office/drawing/2014/main" id="{66134F28-D157-44B6-A06F-6867E4B7B992}"/>
+              </a:ext>
+            </a:extLst>
+          </p:cNvPr>
+          <p:cNvSpPr txBox="1">
+            <a:spLocks/>
           </p:cNvSpPr>
-          <p:nvPr>
-            <p:ph sz="quarter" idx="1"/>
-          </p:nvPr>
+          <p:nvPr/>
         </p:nvSpPr>
-        <p:spPr/>
+        <p:spPr bwMode="auto">
+          <a:xfrm>
+            <a:off x="2819400" y="1371600"/>
+            <a:ext cx="6400800" cy="5410200"/>
+          </a:xfrm>
+          <a:prstGeom prst="rect">
+            <a:avLst/>
+          </a:prstGeom>
+          <a:noFill/>
+          <a:ln>
+            <a:noFill/>
+          </a:ln>
+          <a:extLst>
+            <a:ext uri="{909E8E84-426E-40DD-AFC4-6F175D3DCCD1}">
+              <a14:hiddenFill xmlns:a14="http://schemas.microsoft.com/office/drawing/2010/main">
+                <a:solidFill>
+                  <a:srgbClr val="FFFFFF"/>
+                </a:solidFill>
+              </a14:hiddenFill>
+            </a:ext>
+            <a:ext uri="{91240B29-F687-4F45-9708-019B960494DF}">
+              <a14:hiddenLine xmlns:a14="http://schemas.microsoft.com/office/drawing/2010/main" w="9525">
+                <a:solidFill>
+                  <a:srgbClr val="000000"/>
+                </a:solidFill>
+                <a:miter lim="800000"/>
+                <a:headEnd/>
+                <a:tailEnd/>
+              </a14:hiddenLine>
+            </a:ext>
+          </a:extLst>
+        </p:spPr>
         <p:txBody>
-          <a:bodyPr/>
-          <a:lstStyle/>
+          <a:bodyPr vert="horz" wrap="square" lIns="91440" tIns="45720" rIns="91440" bIns="45720" numCol="1" anchor="t" anchorCtr="0" compatLnSpc="1">
+            <a:prstTxWarp prst="textNoShape">
+              <a:avLst/>
+            </a:prstTxWarp>
+          </a:bodyPr>
+          <a:lstStyle>
+            <a:lvl1pPr marL="153591" indent="-153591" algn="l" rtl="0" eaLnBrk="1" fontAlgn="base" hangingPunct="1">
+              <a:spcBef>
+                <a:spcPts val="338"/>
+              </a:spcBef>
+              <a:spcAft>
+                <a:spcPct val="0"/>
+              </a:spcAft>
+              <a:buClr>
+                <a:srgbClr val="000000"/>
+              </a:buClr>
+              <a:buSzPct val="76000"/>
+              <a:buFont typeface="Wingdings 3" panose="05040102010807070707" pitchFamily="18" charset="2"/>
+              <a:buChar char=""/>
+              <a:defRPr lang="en-US" altLang="zh-CN" sz="3200" kern="1200" baseline="0" dirty="0" smtClean="0">
+                <a:solidFill>
+                  <a:srgbClr val="C00000"/>
+                </a:solidFill>
+                <a:latin typeface="+mn-lt"/>
+                <a:ea typeface="+mn-ea"/>
+                <a:cs typeface="Arial" panose="020B0604020202020204" pitchFamily="34" charset="0"/>
+              </a:defRPr>
+            </a:lvl1pPr>
+            <a:lvl2pPr marL="308075" indent="-153591" algn="l" rtl="0" eaLnBrk="1" fontAlgn="base" hangingPunct="1">
+              <a:spcBef>
+                <a:spcPts val="281"/>
+              </a:spcBef>
+              <a:spcAft>
+                <a:spcPct val="0"/>
+              </a:spcAft>
+              <a:buClr>
+                <a:srgbClr val="000000"/>
+              </a:buClr>
+              <a:buSzPct val="76000"/>
+              <a:buFont typeface="Wingdings 3" panose="05040102010807070707" pitchFamily="18" charset="2"/>
+              <a:buChar char=""/>
+              <a:defRPr sz="2800" kern="1200" baseline="0">
+                <a:solidFill>
+                  <a:srgbClr val="000000"/>
+                </a:solidFill>
+                <a:latin typeface="+mn-lt"/>
+                <a:ea typeface="+mn-ea"/>
+                <a:cs typeface="+mn-cs"/>
+              </a:defRPr>
+            </a:lvl2pPr>
+            <a:lvl3pPr marL="462558" indent="-128588" algn="l" rtl="0" eaLnBrk="1" fontAlgn="base" hangingPunct="1">
+              <a:spcBef>
+                <a:spcPts val="281"/>
+              </a:spcBef>
+              <a:spcAft>
+                <a:spcPct val="0"/>
+              </a:spcAft>
+              <a:buClr>
+                <a:srgbClr val="000000"/>
+              </a:buClr>
+              <a:buSzPct val="76000"/>
+              <a:buFont typeface="Wingdings 3" panose="05040102010807070707" pitchFamily="18" charset="2"/>
+              <a:buChar char=""/>
+              <a:defRPr sz="2400" kern="1200" baseline="0">
+                <a:solidFill>
+                  <a:schemeClr val="accent1"/>
+                </a:solidFill>
+                <a:latin typeface="+mn-lt"/>
+                <a:ea typeface="+mn-ea"/>
+                <a:cs typeface="+mn-cs"/>
+              </a:defRPr>
+            </a:lvl3pPr>
+            <a:lvl4pPr marL="617042" indent="-128588" algn="l" rtl="0" eaLnBrk="1" fontAlgn="base" hangingPunct="1">
+              <a:spcBef>
+                <a:spcPts val="225"/>
+              </a:spcBef>
+              <a:spcAft>
+                <a:spcPct val="0"/>
+              </a:spcAft>
+              <a:buClr>
+                <a:srgbClr val="CF5716"/>
+              </a:buClr>
+              <a:buSzPct val="70000"/>
+              <a:buFont typeface="Wingdings" panose="05000000000000000000" pitchFamily="2" charset="2"/>
+              <a:buChar char=""/>
+              <a:defRPr sz="2000" kern="1200" baseline="0">
+                <a:solidFill>
+                  <a:schemeClr val="tx1"/>
+                </a:solidFill>
+                <a:latin typeface="+mn-lt"/>
+                <a:ea typeface="+mn-ea"/>
+                <a:cs typeface="+mn-cs"/>
+              </a:defRPr>
+            </a:lvl4pPr>
+            <a:lvl5pPr marL="771525" indent="-128588" algn="l" rtl="0" eaLnBrk="1" fontAlgn="base" hangingPunct="1">
+              <a:spcBef>
+                <a:spcPts val="169"/>
+              </a:spcBef>
+              <a:spcAft>
+                <a:spcPct val="0"/>
+              </a:spcAft>
+              <a:buClr>
+                <a:schemeClr val="accent2"/>
+              </a:buClr>
+              <a:buSzPct val="70000"/>
+              <a:buFont typeface="Wingdings" panose="05000000000000000000" pitchFamily="2" charset="2"/>
+              <a:buChar char=""/>
+              <a:defRPr sz="1350" kern="1200" baseline="0">
+                <a:solidFill>
+                  <a:schemeClr val="tx1"/>
+                </a:solidFill>
+                <a:latin typeface="+mn-ea"/>
+                <a:ea typeface="+mn-ea"/>
+                <a:cs typeface="+mn-cs"/>
+              </a:defRPr>
+            </a:lvl5pPr>
+            <a:lvl6pPr marL="925830" indent="-102870" algn="l" rtl="0" eaLnBrk="1" latinLnBrk="0" hangingPunct="1">
+              <a:spcBef>
+                <a:spcPts val="169"/>
+              </a:spcBef>
+              <a:buClr>
+                <a:srgbClr val="9FB8CD">
+                  <a:shade val="75000"/>
+                </a:srgbClr>
+              </a:buClr>
+              <a:buSzPct val="75000"/>
+              <a:buFont typeface="Wingdings 3"/>
+              <a:buChar char=""/>
+              <a:defRPr kumimoji="0" lang="en-US" sz="900" kern="1200" smtClean="0">
+                <a:solidFill>
+                  <a:schemeClr val="tx1"/>
+                </a:solidFill>
+                <a:latin typeface="+mn-lt"/>
+                <a:ea typeface="+mn-ea"/>
+                <a:cs typeface="+mn-cs"/>
+              </a:defRPr>
+            </a:lvl6pPr>
+            <a:lvl7pPr marL="1028700" indent="-102870" algn="l" rtl="0" eaLnBrk="1" latinLnBrk="0" hangingPunct="1">
+              <a:spcBef>
+                <a:spcPts val="169"/>
+              </a:spcBef>
+              <a:buClr>
+                <a:srgbClr val="727CA3">
+                  <a:shade val="75000"/>
+                </a:srgbClr>
+              </a:buClr>
+              <a:buSzPct val="75000"/>
+              <a:buFont typeface="Wingdings 3"/>
+              <a:buChar char=""/>
+              <a:defRPr kumimoji="0" lang="en-US" sz="788" kern="1200" smtClean="0">
+                <a:solidFill>
+                  <a:schemeClr val="tx1"/>
+                </a:solidFill>
+                <a:latin typeface="+mn-lt"/>
+                <a:ea typeface="+mn-ea"/>
+                <a:cs typeface="+mn-cs"/>
+              </a:defRPr>
+            </a:lvl7pPr>
+            <a:lvl8pPr marL="1131570" indent="-102870" algn="l" rtl="0" eaLnBrk="1" latinLnBrk="0" hangingPunct="1">
+              <a:spcBef>
+                <a:spcPts val="169"/>
+              </a:spcBef>
+              <a:buClr>
+                <a:prstClr val="white">
+                  <a:shade val="50000"/>
+                </a:prstClr>
+              </a:buClr>
+              <a:buSzPct val="75000"/>
+              <a:buFont typeface="Wingdings 3"/>
+              <a:buChar char=""/>
+              <a:defRPr kumimoji="0" lang="en-US" sz="788" kern="1200" smtClean="0">
+                <a:solidFill>
+                  <a:schemeClr val="tx1"/>
+                </a:solidFill>
+                <a:latin typeface="+mn-lt"/>
+                <a:ea typeface="+mn-ea"/>
+                <a:cs typeface="+mn-cs"/>
+              </a:defRPr>
+            </a:lvl8pPr>
+            <a:lvl9pPr marL="1234440" indent="-102870" algn="l" rtl="0" eaLnBrk="1" latinLnBrk="0" hangingPunct="1">
+              <a:spcBef>
+                <a:spcPts val="169"/>
+              </a:spcBef>
+              <a:buClr>
+                <a:srgbClr val="9FB8CD"/>
+              </a:buClr>
+              <a:buSzPct val="75000"/>
+              <a:buFont typeface="Wingdings 3"/>
+              <a:buChar char=""/>
+              <a:defRPr kumimoji="0" lang="en-US" sz="675" kern="1200" smtClean="0">
+                <a:solidFill>
+                  <a:schemeClr val="tx1"/>
+                </a:solidFill>
+                <a:latin typeface="+mn-lt"/>
+                <a:ea typeface="+mn-ea"/>
+                <a:cs typeface="+mn-cs"/>
+              </a:defRPr>
+            </a:lvl9pPr>
+          </a:lstStyle>
           <a:p>
             <a:pPr marL="0" indent="0">
+              <a:buFont typeface="Wingdings 3" panose="05040102010807070707" pitchFamily="18" charset="2"/>
               <a:buNone/>
             </a:pPr>
             <a:r>
-              <a:rPr lang="en-US" altLang="zh-CN" sz="1600" dirty="0">
+              <a:rPr lang="en-US" sz="1600">
                 <a:latin typeface="Arial" panose="020B0604020202020204" pitchFamily="34" charset="0"/>
               </a:rPr>
-              <a:t>from </a:t>
-            </a:r>
-            <a:r>
-              <a:rPr lang="en-US" altLang="zh-CN" sz="1600" dirty="0" err="1">
+              <a:t>from keras.models import Sequential</a:t>
+            </a:r>
+          </a:p>
+          <a:p>
+            <a:pPr marL="0" indent="0">
+              <a:buFont typeface="Wingdings 3" panose="05040102010807070707" pitchFamily="18" charset="2"/>
+              <a:buNone/>
+            </a:pPr>
+            <a:r>
+              <a:rPr lang="en-US" sz="1600">
                 <a:latin typeface="Arial" panose="020B0604020202020204" pitchFamily="34" charset="0"/>
               </a:rPr>
-              <a:t>keras.models</a:t>
-            </a:r>
-            <a:r>
-              <a:rPr lang="en-US" altLang="zh-CN" sz="1600" dirty="0">
+              <a:t>from keras.layers import Dense, Activation</a:t>
+            </a:r>
+          </a:p>
+          <a:p>
+            <a:pPr marL="0" indent="0">
+              <a:buFont typeface="Wingdings 3" panose="05040102010807070707" pitchFamily="18" charset="2"/>
+              <a:buNone/>
+            </a:pPr>
+            <a:r>
+              <a:rPr lang="en-US" sz="1600">
                 <a:latin typeface="Arial" panose="020B0604020202020204" pitchFamily="34" charset="0"/>
               </a:rPr>
-              <a:t> import Sequential</a:t>
+              <a:t>from keras.optimizers import SGD</a:t>
             </a:r>
           </a:p>
           <a:p>
             <a:pPr marL="0" indent="0">
+              <a:buFont typeface="Wingdings 3" panose="05040102010807070707" pitchFamily="18" charset="2"/>
               <a:buNone/>
             </a:pPr>
-            <a:r>
-              <a:rPr lang="en-US" altLang="zh-CN" sz="1600" dirty="0">
-                <a:latin typeface="Arial" panose="020B0604020202020204" pitchFamily="34" charset="0"/>
-              </a:rPr>
-              <a:t>from </a:t>
-            </a:r>
-            <a:r>
-              <a:rPr lang="en-US" altLang="zh-CN" sz="1600" dirty="0" err="1">
-                <a:latin typeface="Arial" panose="020B0604020202020204" pitchFamily="34" charset="0"/>
-              </a:rPr>
-              <a:t>keras.layers</a:t>
-            </a:r>
-            <a:r>
-              <a:rPr lang="en-US" altLang="zh-CN" sz="1600" dirty="0">
-                <a:latin typeface="Arial" panose="020B0604020202020204" pitchFamily="34" charset="0"/>
-              </a:rPr>
-              <a:t> import Dense, Activation</a:t>
-            </a:r>
+            <a:endParaRPr lang="en-US" sz="1600">
+              <a:latin typeface="Arial" panose="020B0604020202020204" pitchFamily="34" charset="0"/>
+            </a:endParaRPr>
           </a:p>
           <a:p>
             <a:pPr marL="0" indent="0">
+              <a:buFont typeface="Wingdings 3" panose="05040102010807070707" pitchFamily="18" charset="2"/>
               <a:buNone/>
             </a:pPr>
             <a:r>
-              <a:rPr lang="en-US" altLang="zh-CN" sz="1600" dirty="0">
-                <a:latin typeface="Arial" panose="020B0604020202020204" pitchFamily="34" charset="0"/>
-              </a:rPr>
-              <a:t>from </a:t>
-            </a:r>
-            <a:r>
-              <a:rPr lang="en-US" altLang="zh-CN" sz="1600" dirty="0" err="1">
-                <a:latin typeface="Arial" panose="020B0604020202020204" pitchFamily="34" charset="0"/>
-              </a:rPr>
-              <a:t>keras.optimizers</a:t>
-            </a:r>
-            <a:r>
-              <a:rPr lang="en-US" altLang="zh-CN" sz="1600" dirty="0">
-                <a:latin typeface="Arial" panose="020B0604020202020204" pitchFamily="34" charset="0"/>
-              </a:rPr>
-              <a:t> import SGD</a:t>
-            </a:r>
-          </a:p>
-          <a:p>
-            <a:pPr marL="0" indent="0">
-              <a:buNone/>
-            </a:pPr>
-            <a:endParaRPr lang="en-US" altLang="zh-CN" sz="1600" dirty="0">
-              <a:latin typeface="Arial" panose="020B0604020202020204" pitchFamily="34" charset="0"/>
-            </a:endParaRPr>
-          </a:p>
-          <a:p>
-            <a:pPr marL="0" indent="0">
-              <a:buNone/>
-            </a:pPr>
-            <a:r>
-              <a:rPr lang="en-US" altLang="zh-CN" sz="1600" dirty="0">
+              <a:rPr lang="en-US" sz="1600">
                 <a:latin typeface="Arial" panose="020B0604020202020204" pitchFamily="34" charset="0"/>
               </a:rPr>
               <a:t>model = Sequential()</a:t>
@@ -19447,320 +17747,127 @@
           </a:p>
           <a:p>
             <a:pPr marL="0" indent="0">
+              <a:buFont typeface="Wingdings 3" panose="05040102010807070707" pitchFamily="18" charset="2"/>
               <a:buNone/>
             </a:pPr>
             <a:r>
-              <a:rPr lang="en-US" altLang="zh-CN" sz="1600" dirty="0" err="1">
+              <a:rPr lang="en-US" sz="1600">
                 <a:latin typeface="Arial" panose="020B0604020202020204" pitchFamily="34" charset="0"/>
               </a:rPr>
-              <a:t>model.add</a:t>
-            </a:r>
-            <a:r>
-              <a:rPr lang="en-US" altLang="zh-CN" sz="1600" dirty="0">
+              <a:t>model.add(Dense(output_dim=64, input_dim=100))</a:t>
+            </a:r>
+          </a:p>
+          <a:p>
+            <a:pPr marL="0" indent="0">
+              <a:buFont typeface="Wingdings 3" panose="05040102010807070707" pitchFamily="18" charset="2"/>
+              <a:buNone/>
+            </a:pPr>
+            <a:r>
+              <a:rPr lang="en-US" sz="1600">
                 <a:latin typeface="Arial" panose="020B0604020202020204" pitchFamily="34" charset="0"/>
               </a:rPr>
-              <a:t>(Dense(</a:t>
-            </a:r>
-            <a:r>
-              <a:rPr lang="en-US" altLang="zh-CN" sz="1600" dirty="0" err="1">
+              <a:t>model.add(Activation("relu"))</a:t>
+            </a:r>
+          </a:p>
+          <a:p>
+            <a:pPr marL="0" indent="0">
+              <a:buFont typeface="Wingdings 3" panose="05040102010807070707" pitchFamily="18" charset="2"/>
+              <a:buNone/>
+            </a:pPr>
+            <a:r>
+              <a:rPr lang="en-US" sz="1600">
                 <a:latin typeface="Arial" panose="020B0604020202020204" pitchFamily="34" charset="0"/>
               </a:rPr>
-              <a:t>output_dim</a:t>
-            </a:r>
-            <a:r>
-              <a:rPr lang="en-US" altLang="zh-CN" sz="1600" dirty="0">
+              <a:t>model.add(Dense(output_dim=10))</a:t>
+            </a:r>
+          </a:p>
+          <a:p>
+            <a:pPr marL="0" indent="0">
+              <a:buFont typeface="Wingdings 3" panose="05040102010807070707" pitchFamily="18" charset="2"/>
+              <a:buNone/>
+            </a:pPr>
+            <a:r>
+              <a:rPr lang="en-US" sz="1600">
                 <a:latin typeface="Arial" panose="020B0604020202020204" pitchFamily="34" charset="0"/>
               </a:rPr>
-              <a:t>=64, </a:t>
-            </a:r>
-            <a:r>
-              <a:rPr lang="en-US" altLang="zh-CN" sz="1600" dirty="0" err="1">
+              <a:t>model.add(Activation("softmax"))</a:t>
+            </a:r>
+          </a:p>
+          <a:p>
+            <a:pPr marL="0" indent="0">
+              <a:buFont typeface="Wingdings 3" panose="05040102010807070707" pitchFamily="18" charset="2"/>
+              <a:buNone/>
+            </a:pPr>
+            <a:endParaRPr lang="en-US" sz="1600">
+              <a:latin typeface="Arial" panose="020B0604020202020204" pitchFamily="34" charset="0"/>
+            </a:endParaRPr>
+          </a:p>
+          <a:p>
+            <a:pPr marL="0" indent="0">
+              <a:buFont typeface="Wingdings 3" panose="05040102010807070707" pitchFamily="18" charset="2"/>
+              <a:buNone/>
+            </a:pPr>
+            <a:r>
+              <a:rPr lang="en-US" sz="1600">
                 <a:latin typeface="Arial" panose="020B0604020202020204" pitchFamily="34" charset="0"/>
               </a:rPr>
-              <a:t>input_dim</a:t>
-            </a:r>
-            <a:r>
-              <a:rPr lang="en-US" altLang="zh-CN" sz="1600" dirty="0">
+              <a:t>model.compile(loss='categorical_crossentropy', </a:t>
+            </a:r>
+          </a:p>
+          <a:p>
+            <a:pPr marL="0" indent="0">
+              <a:buFont typeface="Wingdings 3" panose="05040102010807070707" pitchFamily="18" charset="2"/>
+              <a:buNone/>
+            </a:pPr>
+            <a:r>
+              <a:rPr lang="en-US" sz="1600">
                 <a:latin typeface="Arial" panose="020B0604020202020204" pitchFamily="34" charset="0"/>
               </a:rPr>
-              <a:t>=100))</a:t>
+              <a:t>   optimizer='sgd', metrics=['accuracy'])</a:t>
             </a:r>
           </a:p>
           <a:p>
             <a:pPr marL="0" indent="0">
+              <a:buFont typeface="Wingdings 3" panose="05040102010807070707" pitchFamily="18" charset="2"/>
               <a:buNone/>
             </a:pPr>
-            <a:r>
-              <a:rPr lang="en-US" altLang="zh-CN" sz="1600" dirty="0" err="1">
+            <a:endParaRPr lang="en-US" sz="1600">
+              <a:latin typeface="Arial" panose="020B0604020202020204" pitchFamily="34" charset="0"/>
+            </a:endParaRPr>
+          </a:p>
+          <a:p>
+            <a:pPr marL="0" indent="0">
+              <a:buFont typeface="Wingdings 3" panose="05040102010807070707" pitchFamily="18" charset="2"/>
+              <a:buNone/>
+            </a:pPr>
+            <a:r>
+              <a:rPr lang="en-US" sz="1600">
                 <a:latin typeface="Arial" panose="020B0604020202020204" pitchFamily="34" charset="0"/>
               </a:rPr>
-              <a:t>model.add</a:t>
-            </a:r>
-            <a:r>
-              <a:rPr lang="en-US" altLang="zh-CN" sz="1600" dirty="0">
+              <a:t>model.fit(X_train, Y_train, nb_epoch=5, batch_size=32)</a:t>
+            </a:r>
+          </a:p>
+          <a:p>
+            <a:pPr marL="0" indent="0">
+              <a:buFont typeface="Wingdings 3" panose="05040102010807070707" pitchFamily="18" charset="2"/>
+              <a:buNone/>
+            </a:pPr>
+            <a:endParaRPr lang="en-US" sz="1600">
+              <a:latin typeface="Arial" panose="020B0604020202020204" pitchFamily="34" charset="0"/>
+            </a:endParaRPr>
+          </a:p>
+          <a:p>
+            <a:pPr marL="0" indent="0">
+              <a:buFont typeface="Wingdings 3" panose="05040102010807070707" pitchFamily="18" charset="2"/>
+              <a:buNone/>
+            </a:pPr>
+            <a:r>
+              <a:rPr lang="en-US" sz="1600">
                 <a:latin typeface="Arial" panose="020B0604020202020204" pitchFamily="34" charset="0"/>
               </a:rPr>
-              <a:t>(Activation("</a:t>
-            </a:r>
-            <a:r>
-              <a:rPr lang="en-US" altLang="zh-CN" sz="1600" dirty="0" err="1">
-                <a:latin typeface="Arial" panose="020B0604020202020204" pitchFamily="34" charset="0"/>
-              </a:rPr>
-              <a:t>relu</a:t>
-            </a:r>
-            <a:r>
-              <a:rPr lang="en-US" altLang="zh-CN" sz="1600" dirty="0">
-                <a:latin typeface="Arial" panose="020B0604020202020204" pitchFamily="34" charset="0"/>
-              </a:rPr>
-              <a:t>"))</a:t>
-            </a:r>
-          </a:p>
-          <a:p>
-            <a:pPr marL="0" indent="0">
-              <a:buNone/>
-            </a:pPr>
-            <a:r>
-              <a:rPr lang="en-US" altLang="zh-CN" sz="1600" dirty="0" err="1">
-                <a:latin typeface="Arial" panose="020B0604020202020204" pitchFamily="34" charset="0"/>
-              </a:rPr>
-              <a:t>model.add</a:t>
-            </a:r>
-            <a:r>
-              <a:rPr lang="en-US" altLang="zh-CN" sz="1600" dirty="0">
-                <a:latin typeface="Arial" panose="020B0604020202020204" pitchFamily="34" charset="0"/>
-              </a:rPr>
-              <a:t>(Dense(</a:t>
-            </a:r>
-            <a:r>
-              <a:rPr lang="en-US" altLang="zh-CN" sz="1600" dirty="0" err="1">
-                <a:latin typeface="Arial" panose="020B0604020202020204" pitchFamily="34" charset="0"/>
-              </a:rPr>
-              <a:t>output_dim</a:t>
-            </a:r>
-            <a:r>
-              <a:rPr lang="en-US" altLang="zh-CN" sz="1600" dirty="0">
-                <a:latin typeface="Arial" panose="020B0604020202020204" pitchFamily="34" charset="0"/>
-              </a:rPr>
-              <a:t>=10))</a:t>
-            </a:r>
-          </a:p>
-          <a:p>
-            <a:pPr marL="0" indent="0">
-              <a:buNone/>
-            </a:pPr>
-            <a:r>
-              <a:rPr lang="en-US" altLang="zh-CN" sz="1600" dirty="0" err="1">
-                <a:latin typeface="Arial" panose="020B0604020202020204" pitchFamily="34" charset="0"/>
-              </a:rPr>
-              <a:t>model.add</a:t>
-            </a:r>
-            <a:r>
-              <a:rPr lang="en-US" altLang="zh-CN" sz="1600" dirty="0">
-                <a:latin typeface="Arial" panose="020B0604020202020204" pitchFamily="34" charset="0"/>
-              </a:rPr>
-              <a:t>(Activation("softmax"))</a:t>
-            </a:r>
-          </a:p>
-          <a:p>
-            <a:pPr marL="0" indent="0">
-              <a:buNone/>
-            </a:pPr>
-            <a:endParaRPr lang="en-US" altLang="zh-CN" sz="1600" dirty="0">
-              <a:latin typeface="Arial" panose="020B0604020202020204" pitchFamily="34" charset="0"/>
-            </a:endParaRPr>
-          </a:p>
-          <a:p>
-            <a:pPr marL="0" indent="0">
-              <a:buNone/>
-            </a:pPr>
-            <a:r>
-              <a:rPr lang="en-US" altLang="zh-CN" sz="1600" dirty="0" err="1">
-                <a:latin typeface="Arial" panose="020B0604020202020204" pitchFamily="34" charset="0"/>
-              </a:rPr>
-              <a:t>model.compile</a:t>
-            </a:r>
-            <a:r>
-              <a:rPr lang="en-US" altLang="zh-CN" sz="1600" dirty="0">
-                <a:latin typeface="Arial" panose="020B0604020202020204" pitchFamily="34" charset="0"/>
-              </a:rPr>
-              <a:t>(loss='</a:t>
-            </a:r>
-            <a:r>
-              <a:rPr lang="en-US" altLang="zh-CN" sz="1600" dirty="0" err="1">
-                <a:latin typeface="Arial" panose="020B0604020202020204" pitchFamily="34" charset="0"/>
-              </a:rPr>
-              <a:t>categorical_crossentropy</a:t>
-            </a:r>
-            <a:r>
-              <a:rPr lang="en-US" altLang="zh-CN" sz="1600" dirty="0">
-                <a:latin typeface="Arial" panose="020B0604020202020204" pitchFamily="34" charset="0"/>
-              </a:rPr>
-              <a:t>', </a:t>
-            </a:r>
-          </a:p>
-          <a:p>
-            <a:pPr marL="0" indent="0">
-              <a:buNone/>
-            </a:pPr>
-            <a:r>
-              <a:rPr lang="en-US" altLang="zh-CN" sz="1600" dirty="0">
-                <a:latin typeface="Arial" panose="020B0604020202020204" pitchFamily="34" charset="0"/>
-              </a:rPr>
-              <a:t>   optimizer='</a:t>
-            </a:r>
-            <a:r>
-              <a:rPr lang="en-US" altLang="zh-CN" sz="1600" dirty="0" err="1">
-                <a:latin typeface="Arial" panose="020B0604020202020204" pitchFamily="34" charset="0"/>
-              </a:rPr>
-              <a:t>sgd</a:t>
-            </a:r>
-            <a:r>
-              <a:rPr lang="en-US" altLang="zh-CN" sz="1600" dirty="0">
-                <a:latin typeface="Arial" panose="020B0604020202020204" pitchFamily="34" charset="0"/>
-              </a:rPr>
-              <a:t>', metrics=['accuracy'])</a:t>
-            </a:r>
-          </a:p>
-          <a:p>
-            <a:pPr marL="0" indent="0">
-              <a:buNone/>
-            </a:pPr>
-            <a:endParaRPr lang="en-US" altLang="zh-CN" sz="1600" dirty="0">
-              <a:latin typeface="Arial" panose="020B0604020202020204" pitchFamily="34" charset="0"/>
-            </a:endParaRPr>
-          </a:p>
-          <a:p>
-            <a:pPr marL="0" indent="0">
-              <a:buNone/>
-            </a:pPr>
-            <a:r>
-              <a:rPr lang="en-US" altLang="zh-CN" sz="1600" dirty="0" err="1">
-                <a:latin typeface="Arial" panose="020B0604020202020204" pitchFamily="34" charset="0"/>
-              </a:rPr>
-              <a:t>model.fit</a:t>
-            </a:r>
-            <a:r>
-              <a:rPr lang="en-US" altLang="zh-CN" sz="1600" dirty="0">
-                <a:latin typeface="Arial" panose="020B0604020202020204" pitchFamily="34" charset="0"/>
-              </a:rPr>
-              <a:t>(</a:t>
-            </a:r>
-            <a:r>
-              <a:rPr lang="en-US" altLang="zh-CN" sz="1600" dirty="0" err="1">
-                <a:latin typeface="Arial" panose="020B0604020202020204" pitchFamily="34" charset="0"/>
-              </a:rPr>
-              <a:t>X_train</a:t>
-            </a:r>
-            <a:r>
-              <a:rPr lang="en-US" altLang="zh-CN" sz="1600" dirty="0">
-                <a:latin typeface="Arial" panose="020B0604020202020204" pitchFamily="34" charset="0"/>
-              </a:rPr>
-              <a:t>, </a:t>
-            </a:r>
-            <a:r>
-              <a:rPr lang="en-US" altLang="zh-CN" sz="1600" dirty="0" err="1">
-                <a:latin typeface="Arial" panose="020B0604020202020204" pitchFamily="34" charset="0"/>
-              </a:rPr>
-              <a:t>Y_train</a:t>
-            </a:r>
-            <a:r>
-              <a:rPr lang="en-US" altLang="zh-CN" sz="1600" dirty="0">
-                <a:latin typeface="Arial" panose="020B0604020202020204" pitchFamily="34" charset="0"/>
-              </a:rPr>
-              <a:t>, </a:t>
-            </a:r>
-            <a:r>
-              <a:rPr lang="en-US" altLang="zh-CN" sz="1600" dirty="0" err="1">
-                <a:latin typeface="Arial" panose="020B0604020202020204" pitchFamily="34" charset="0"/>
-              </a:rPr>
-              <a:t>nb_epoch</a:t>
-            </a:r>
-            <a:r>
-              <a:rPr lang="en-US" altLang="zh-CN" sz="1600" dirty="0">
-                <a:latin typeface="Arial" panose="020B0604020202020204" pitchFamily="34" charset="0"/>
-              </a:rPr>
-              <a:t>=5, </a:t>
-            </a:r>
-            <a:r>
-              <a:rPr lang="en-US" altLang="zh-CN" sz="1600" dirty="0" err="1">
-                <a:latin typeface="Arial" panose="020B0604020202020204" pitchFamily="34" charset="0"/>
-              </a:rPr>
-              <a:t>batch_size</a:t>
-            </a:r>
-            <a:r>
-              <a:rPr lang="en-US" altLang="zh-CN" sz="1600" dirty="0">
-                <a:latin typeface="Arial" panose="020B0604020202020204" pitchFamily="34" charset="0"/>
-              </a:rPr>
-              <a:t>=32)</a:t>
-            </a:r>
-          </a:p>
-          <a:p>
-            <a:pPr marL="0" indent="0">
-              <a:buNone/>
-            </a:pPr>
-            <a:endParaRPr lang="en-US" altLang="zh-CN" sz="1600" dirty="0">
-              <a:latin typeface="Arial" panose="020B0604020202020204" pitchFamily="34" charset="0"/>
-            </a:endParaRPr>
-          </a:p>
-          <a:p>
-            <a:pPr marL="0" indent="0">
-              <a:buNone/>
-            </a:pPr>
-            <a:r>
-              <a:rPr lang="en-US" altLang="zh-CN" sz="1600" dirty="0">
-                <a:latin typeface="Arial" panose="020B0604020202020204" pitchFamily="34" charset="0"/>
-              </a:rPr>
-              <a:t>loss = </a:t>
-            </a:r>
-            <a:r>
-              <a:rPr lang="en-US" altLang="zh-CN" sz="1600" dirty="0" err="1">
-                <a:latin typeface="Arial" panose="020B0604020202020204" pitchFamily="34" charset="0"/>
-              </a:rPr>
-              <a:t>model.evaluate</a:t>
-            </a:r>
-            <a:r>
-              <a:rPr lang="en-US" altLang="zh-CN" sz="1600" dirty="0">
-                <a:latin typeface="Arial" panose="020B0604020202020204" pitchFamily="34" charset="0"/>
-              </a:rPr>
-              <a:t>(</a:t>
-            </a:r>
-            <a:r>
-              <a:rPr lang="en-US" altLang="zh-CN" sz="1600" dirty="0" err="1">
-                <a:latin typeface="Arial" panose="020B0604020202020204" pitchFamily="34" charset="0"/>
-              </a:rPr>
-              <a:t>X_test</a:t>
-            </a:r>
-            <a:r>
-              <a:rPr lang="en-US" altLang="zh-CN" sz="1600" dirty="0">
-                <a:latin typeface="Arial" panose="020B0604020202020204" pitchFamily="34" charset="0"/>
-              </a:rPr>
-              <a:t>, </a:t>
-            </a:r>
-            <a:r>
-              <a:rPr lang="en-US" altLang="zh-CN" sz="1600" dirty="0" err="1">
-                <a:latin typeface="Arial" panose="020B0604020202020204" pitchFamily="34" charset="0"/>
-              </a:rPr>
-              <a:t>Y_test</a:t>
-            </a:r>
-            <a:r>
-              <a:rPr lang="en-US" altLang="zh-CN" sz="1600" dirty="0">
-                <a:latin typeface="Arial" panose="020B0604020202020204" pitchFamily="34" charset="0"/>
-              </a:rPr>
-              <a:t>, </a:t>
-            </a:r>
-            <a:r>
-              <a:rPr lang="en-US" altLang="zh-CN" sz="1600" dirty="0" err="1">
-                <a:latin typeface="Arial" panose="020B0604020202020204" pitchFamily="34" charset="0"/>
-              </a:rPr>
-              <a:t>batch_size</a:t>
-            </a:r>
-            <a:r>
-              <a:rPr lang="en-US" altLang="zh-CN" sz="1600" dirty="0">
-                <a:latin typeface="Arial" panose="020B0604020202020204" pitchFamily="34" charset="0"/>
-              </a:rPr>
-              <a:t>=32)</a:t>
-            </a:r>
-            <a:endParaRPr lang="zh-CN" altLang="en-US" sz="1600" dirty="0">
+              <a:t>loss = model.evaluate(X_test, Y_test, batch_size=32)</a:t>
+            </a:r>
+            <a:endParaRPr lang="en-US" altLang="zh-CN" sz="1600">
               <a:latin typeface="Arial" panose="020B0604020202020204" pitchFamily="34" charset="0"/>
             </a:endParaRPr>
           </a:p>
@@ -19819,31 +17926,6 @@
           </a:p>
         </p:txBody>
       </p:sp>
-      <p:graphicFrame>
-        <p:nvGraphicFramePr>
-          <p:cNvPr id="4" name="內容版面配置區 3"/>
-          <p:cNvGraphicFramePr>
-            <a:graphicFrameLocks noGrp="1"/>
-          </p:cNvGraphicFramePr>
-          <p:nvPr>
-            <p:ph idx="4294967295"/>
-            <p:extLst>
-              <p:ext uri="{D42A27DB-BD31-4B8C-83A1-F6EECF244321}">
-                <p14:modId xmlns:p14="http://schemas.microsoft.com/office/powerpoint/2010/main" val="3371533253"/>
-              </p:ext>
-            </p:extLst>
-          </p:nvPr>
-        </p:nvGraphicFramePr>
-        <p:xfrm>
-          <a:off x="2751676" y="457994"/>
-          <a:ext cx="6511925" cy="3503613"/>
-        </p:xfrm>
-        <a:graphic>
-          <a:graphicData uri="http://schemas.openxmlformats.org/drawingml/2006/diagram">
-            <dgm:relIds xmlns:dgm="http://schemas.openxmlformats.org/drawingml/2006/diagram" xmlns:r="http://schemas.openxmlformats.org/officeDocument/2006/relationships" r:dm="rId4" r:lo="rId5" r:qs="rId6" r:cs="rId7"/>
-          </a:graphicData>
-        </a:graphic>
-      </p:graphicFrame>
       <p:sp>
         <p:nvSpPr>
           <p:cNvPr id="6" name="矩形 5"/>
@@ -19882,7 +17964,7 @@
           <p:nvPr/>
         </p:nvPicPr>
         <p:blipFill>
-          <a:blip r:embed="rId9">
+          <a:blip r:embed="rId4">
             <a:extLst>
               <a:ext uri="{28A0092B-C50C-407E-A947-70E740481C1C}">
                 <a14:useLocalDpi xmlns:a14="http://schemas.microsoft.com/office/drawing/2010/main" val="0"/>
@@ -19914,6 +17996,36 @@
           </a:extLst>
         </p:spPr>
       </p:pic>
+      <p:graphicFrame>
+        <p:nvGraphicFramePr>
+          <p:cNvPr id="7" name="內容版面配置區 3">
+            <a:extLst>
+              <a:ext uri="{FF2B5EF4-FFF2-40B4-BE49-F238E27FC236}">
+                <a16:creationId xmlns:a16="http://schemas.microsoft.com/office/drawing/2014/main" id="{034D13A4-F7E7-4AF5-B3E0-65C8EA27231E}"/>
+              </a:ext>
+            </a:extLst>
+          </p:cNvPr>
+          <p:cNvGraphicFramePr>
+            <a:graphicFrameLocks/>
+          </p:cNvGraphicFramePr>
+          <p:nvPr>
+            <p:extLst>
+              <p:ext uri="{D42A27DB-BD31-4B8C-83A1-F6EECF244321}">
+                <p14:modId xmlns:p14="http://schemas.microsoft.com/office/powerpoint/2010/main" val="790534437"/>
+              </p:ext>
+            </p:extLst>
+          </p:nvPr>
+        </p:nvGraphicFramePr>
+        <p:xfrm>
+          <a:off x="2931844" y="592392"/>
+          <a:ext cx="6511925" cy="3503612"/>
+        </p:xfrm>
+        <a:graphic>
+          <a:graphicData uri="http://schemas.openxmlformats.org/drawingml/2006/diagram">
+            <dgm:relIds xmlns:dgm="http://schemas.openxmlformats.org/drawingml/2006/diagram" xmlns:r="http://schemas.openxmlformats.org/officeDocument/2006/relationships" r:dm="rId5" r:lo="rId6" r:qs="rId7" r:cs="rId8"/>
+          </a:graphicData>
+        </a:graphic>
+      </p:graphicFrame>
     </p:spTree>
     <p:custDataLst>
       <p:tags r:id="rId1"/>
@@ -20109,7 +18221,7 @@
             <a:spLocks noGrp="1"/>
           </p:cNvSpPr>
           <p:nvPr>
-            <p:ph sz="quarter" idx="1"/>
+            <p:ph idx="1"/>
           </p:nvPr>
         </p:nvSpPr>
         <p:spPr/>
@@ -20239,7 +18351,7 @@
             <a:spLocks noGrp="1"/>
           </p:cNvSpPr>
           <p:nvPr>
-            <p:ph sz="quarter" idx="1"/>
+            <p:ph idx="1"/>
           </p:nvPr>
         </p:nvSpPr>
         <p:spPr/>
@@ -20362,7 +18474,7 @@
             <a:spLocks noGrp="1"/>
           </p:cNvSpPr>
           <p:nvPr>
-            <p:ph sz="quarter" idx="1"/>
+            <p:ph idx="1"/>
           </p:nvPr>
         </p:nvSpPr>
         <p:spPr/>
@@ -21025,7 +19137,7 @@
             <a:spLocks noGrp="1"/>
           </p:cNvSpPr>
           <p:nvPr>
-            <p:ph sz="quarter" idx="1"/>
+            <p:ph idx="1"/>
           </p:nvPr>
         </p:nvSpPr>
         <p:spPr/>
@@ -21198,6 +19310,47 @@
           </a:p>
         </p:txBody>
       </p:sp>
+      <p:sp>
+        <p:nvSpPr>
+          <p:cNvPr id="3" name="Rectangle 3">
+            <a:extLst>
+              <a:ext uri="{FF2B5EF4-FFF2-40B4-BE49-F238E27FC236}">
+                <a16:creationId xmlns:a16="http://schemas.microsoft.com/office/drawing/2014/main" id="{F8536DC8-38DA-415D-B322-80783319B5E1}"/>
+              </a:ext>
+            </a:extLst>
+          </p:cNvPr>
+          <p:cNvSpPr/>
+          <p:nvPr/>
+        </p:nvSpPr>
+        <p:spPr>
+          <a:xfrm>
+            <a:off x="4953000" y="3048000"/>
+            <a:ext cx="3048000" cy="646331"/>
+          </a:xfrm>
+          <a:prstGeom prst="rect">
+            <a:avLst/>
+          </a:prstGeom>
+        </p:spPr>
+        <p:txBody>
+          <a:bodyPr wrap="square">
+            <a:spAutoFit/>
+          </a:bodyPr>
+          <a:lstStyle/>
+          <a:p>
+            <a:r>
+              <a:rPr lang="zh-CN" altLang="en-US" sz="3600" dirty="0">
+                <a:latin typeface="华文楷体" panose="02010600040101010101" pitchFamily="2" charset="-122"/>
+                <a:ea typeface="华文楷体" panose="02010600040101010101" pitchFamily="2" charset="-122"/>
+              </a:rPr>
+              <a:t>谢  谢</a:t>
+            </a:r>
+            <a:endParaRPr lang="en-US" altLang="zh-CN" sz="3600" dirty="0">
+              <a:latin typeface="华文楷体" panose="02010600040101010101" pitchFamily="2" charset="-122"/>
+              <a:ea typeface="华文楷体" panose="02010600040101010101" pitchFamily="2" charset="-122"/>
+            </a:endParaRPr>
+          </a:p>
+        </p:txBody>
+      </p:sp>
     </p:spTree>
     <p:extLst>
       <p:ext uri="{BB962C8B-B14F-4D97-AF65-F5344CB8AC3E}">
@@ -21286,6 +19439,65 @@
           <a:chExt cx="0" cy="0"/>
         </a:xfrm>
       </p:grpSpPr>
+      <p:pic>
+        <p:nvPicPr>
+          <p:cNvPr id="9" name="内容占位符 3">
+            <a:extLst>
+              <a:ext uri="{FF2B5EF4-FFF2-40B4-BE49-F238E27FC236}">
+                <a16:creationId xmlns:a16="http://schemas.microsoft.com/office/drawing/2014/main" id="{6EF776E0-3CD9-4BEC-8390-8BB2F50942AF}"/>
+              </a:ext>
+            </a:extLst>
+          </p:cNvPr>
+          <p:cNvPicPr>
+            <a:picLocks noChangeAspect="1"/>
+          </p:cNvPicPr>
+          <p:nvPr/>
+        </p:nvPicPr>
+        <p:blipFill>
+          <a:blip r:embed="rId3">
+            <a:extLst>
+              <a:ext uri="{28A0092B-C50C-407E-A947-70E740481C1C}">
+                <a14:useLocalDpi xmlns:a14="http://schemas.microsoft.com/office/drawing/2010/main"/>
+              </a:ext>
+            </a:extLst>
+          </a:blip>
+          <a:stretch>
+            <a:fillRect/>
+          </a:stretch>
+        </p:blipFill>
+        <p:spPr bwMode="auto">
+          <a:xfrm>
+            <a:off x="1752600" y="1138237"/>
+            <a:ext cx="7107238" cy="4581525"/>
+          </a:xfrm>
+          <a:prstGeom prst="rect">
+            <a:avLst/>
+          </a:prstGeom>
+          <a:noFill/>
+          <a:ln>
+            <a:noFill/>
+          </a:ln>
+          <a:extLst>
+            <a:ext uri="{909E8E84-426E-40DD-AFC4-6F175D3DCCD1}">
+              <a14:hiddenFill xmlns:a14="http://schemas.microsoft.com/office/drawing/2010/main">
+                <a:solidFill>
+                  <a:srgbClr val="FFFFFF"/>
+                </a:solidFill>
+              </a14:hiddenFill>
+            </a:ext>
+            <a:ext uri="{91240B29-F687-4F45-9708-019B960494DF}">
+              <a14:hiddenLine xmlns:a14="http://schemas.microsoft.com/office/drawing/2010/main" w="9525">
+                <a:solidFill>
+                  <a:srgbClr val="000000"/>
+                </a:solidFill>
+                <a:miter lim="800000"/>
+                <a:headEnd/>
+                <a:tailEnd/>
+              </a14:hiddenLine>
+            </a:ext>
+          </a:extLst>
+        </p:spPr>
+      </p:pic>
       <p:sp>
         <p:nvSpPr>
           <p:cNvPr id="2" name="标题 1"/>
@@ -21308,35 +19520,6 @@
           </a:p>
         </p:txBody>
       </p:sp>
-      <p:pic>
-        <p:nvPicPr>
-          <p:cNvPr id="4" name="内容占位符 3"/>
-          <p:cNvPicPr>
-            <a:picLocks noGrp="1" noChangeAspect="1"/>
-          </p:cNvPicPr>
-          <p:nvPr>
-            <p:ph sz="quarter" idx="1"/>
-          </p:nvPr>
-        </p:nvPicPr>
-        <p:blipFill>
-          <a:blip r:embed="rId3">
-            <a:extLst>
-              <a:ext uri="{28A0092B-C50C-407E-A947-70E740481C1C}">
-                <a14:useLocalDpi xmlns:a14="http://schemas.microsoft.com/office/drawing/2010/main"/>
-              </a:ext>
-            </a:extLst>
-          </a:blip>
-          <a:stretch>
-            <a:fillRect/>
-          </a:stretch>
-        </p:blipFill>
-        <p:spPr>
-          <a:xfrm>
-            <a:off x="1981200" y="1379996"/>
-            <a:ext cx="7106612" cy="4580434"/>
-          </a:xfrm>
-        </p:spPr>
-      </p:pic>
       <p:sp>
         <p:nvSpPr>
           <p:cNvPr id="5" name="矩形 4"/>
@@ -21894,7 +20077,7 @@
             <a:spLocks noGrp="1"/>
           </p:cNvSpPr>
           <p:nvPr>
-            <p:ph sz="quarter" idx="1"/>
+            <p:ph idx="1"/>
           </p:nvPr>
         </p:nvSpPr>
         <p:spPr/>
@@ -22016,88 +20199,6 @@
               <a:rPr lang="zh-CN" altLang="en-US" dirty="0"/>
               <a:t>常见激活函数</a:t>
             </a:r>
-          </a:p>
-        </p:txBody>
-      </p:sp>
-      <p:sp>
-        <p:nvSpPr>
-          <p:cNvPr id="4" name="内容占位符 3">
-            <a:extLst>
-              <a:ext uri="{FF2B5EF4-FFF2-40B4-BE49-F238E27FC236}">
-                <a16:creationId xmlns:a16="http://schemas.microsoft.com/office/drawing/2014/main" id="{86F72E8B-B43C-493E-9235-AE951AF96108}"/>
-              </a:ext>
-            </a:extLst>
-          </p:cNvPr>
-          <p:cNvSpPr>
-            <a:spLocks noGrp="1"/>
-          </p:cNvSpPr>
-          <p:nvPr>
-            <p:ph sz="quarter" idx="1"/>
-          </p:nvPr>
-        </p:nvSpPr>
-        <p:spPr/>
-        <p:txBody>
-          <a:bodyPr/>
-          <a:lstStyle/>
-          <a:p>
-            <a:endParaRPr lang="en-US" altLang="zh-CN" dirty="0"/>
-          </a:p>
-          <a:p>
-            <a:endParaRPr lang="en-US" altLang="zh-CN" dirty="0"/>
-          </a:p>
-          <a:p>
-            <a:endParaRPr lang="en-US" altLang="zh-CN" dirty="0"/>
-          </a:p>
-          <a:p>
-            <a:endParaRPr lang="en-US" altLang="zh-CN" dirty="0"/>
-          </a:p>
-          <a:p>
-            <a:endParaRPr lang="en-US" altLang="zh-CN" dirty="0"/>
-          </a:p>
-          <a:p>
-            <a:endParaRPr lang="en-US" altLang="zh-CN" dirty="0"/>
-          </a:p>
-          <a:p>
-            <a:r>
-              <a:rPr lang="zh-CN" altLang="en-US" dirty="0"/>
-              <a:t>性质：</a:t>
-            </a:r>
-            <a:endParaRPr lang="en-US" altLang="zh-CN" dirty="0"/>
-          </a:p>
-          <a:p>
-            <a:pPr lvl="1"/>
-            <a:r>
-              <a:rPr lang="zh-CN" altLang="en-US" dirty="0"/>
-              <a:t>饱和函数</a:t>
-            </a:r>
-            <a:endParaRPr lang="en-US" altLang="zh-CN" dirty="0"/>
-          </a:p>
-          <a:p>
-            <a:pPr lvl="1"/>
-            <a:r>
-              <a:rPr lang="en-US" altLang="zh-CN" dirty="0"/>
-              <a:t>Tanh</a:t>
-            </a:r>
-            <a:r>
-              <a:rPr lang="zh-CN" altLang="en-US" dirty="0"/>
-              <a:t>函数是零中心化的，而</a:t>
-            </a:r>
-            <a:r>
-              <a:rPr lang="en-US" altLang="zh-CN" dirty="0"/>
-              <a:t>logistic</a:t>
-            </a:r>
-            <a:r>
-              <a:rPr lang="zh-CN" altLang="en-US" dirty="0"/>
-              <a:t>函数的输出恒大于</a:t>
-            </a:r>
-            <a:r>
-              <a:rPr lang="en-US" altLang="zh-CN" dirty="0"/>
-              <a:t>0</a:t>
-            </a:r>
-          </a:p>
-          <a:p>
-            <a:pPr lvl="1"/>
-            <a:endParaRPr lang="zh-CN" altLang="en-US" dirty="0"/>
           </a:p>
         </p:txBody>
       </p:sp>
@@ -22245,6 +20346,155 @@
           </a:p>
         </p:txBody>
       </p:sp>
+      <p:sp>
+        <p:nvSpPr>
+          <p:cNvPr id="8" name="矩形 7">
+            <a:extLst>
+              <a:ext uri="{FF2B5EF4-FFF2-40B4-BE49-F238E27FC236}">
+                <a16:creationId xmlns:a16="http://schemas.microsoft.com/office/drawing/2014/main" id="{A83F80DE-201A-487D-8AFF-D0CC99D0B2FB}"/>
+              </a:ext>
+            </a:extLst>
+          </p:cNvPr>
+          <p:cNvSpPr/>
+          <p:nvPr/>
+        </p:nvSpPr>
+        <p:spPr>
+          <a:xfrm>
+            <a:off x="914400" y="4778406"/>
+            <a:ext cx="9601200" cy="1523494"/>
+          </a:xfrm>
+          <a:prstGeom prst="rect">
+            <a:avLst/>
+          </a:prstGeom>
+        </p:spPr>
+        <p:txBody>
+          <a:bodyPr wrap="square">
+            <a:spAutoFit/>
+          </a:bodyPr>
+          <a:lstStyle/>
+          <a:p>
+            <a:pPr marL="153591" lvl="0" indent="-153591" eaLnBrk="1" hangingPunct="1">
+              <a:spcBef>
+                <a:spcPts val="338"/>
+              </a:spcBef>
+              <a:buClr>
+                <a:srgbClr val="000000"/>
+              </a:buClr>
+              <a:buSzPct val="76000"/>
+              <a:buFont typeface="Wingdings 3" panose="05040102010807070707" pitchFamily="18" charset="2"/>
+              <a:buChar char=""/>
+            </a:pPr>
+            <a:r>
+              <a:rPr lang="zh-CN" altLang="en-US" sz="3200" dirty="0">
+                <a:solidFill>
+                  <a:srgbClr val="C00000"/>
+                </a:solidFill>
+                <a:latin typeface="Times New Roman"/>
+              </a:rPr>
+              <a:t>性质：</a:t>
+            </a:r>
+            <a:endParaRPr lang="en-US" altLang="zh-CN" sz="3200" dirty="0">
+              <a:solidFill>
+                <a:srgbClr val="C00000"/>
+              </a:solidFill>
+              <a:latin typeface="Times New Roman"/>
+            </a:endParaRPr>
+          </a:p>
+          <a:p>
+            <a:pPr marL="308075" lvl="1" indent="-153591" eaLnBrk="1" hangingPunct="1">
+              <a:spcBef>
+                <a:spcPts val="281"/>
+              </a:spcBef>
+              <a:buClr>
+                <a:srgbClr val="000000"/>
+              </a:buClr>
+              <a:buSzPct val="76000"/>
+              <a:buFont typeface="Wingdings 3" panose="05040102010807070707" pitchFamily="18" charset="2"/>
+              <a:buChar char=""/>
+            </a:pPr>
+            <a:r>
+              <a:rPr lang="zh-CN" altLang="en-US" sz="2800" dirty="0">
+                <a:solidFill>
+                  <a:srgbClr val="000000"/>
+                </a:solidFill>
+                <a:latin typeface="Times New Roman"/>
+                <a:cs typeface="+mn-cs"/>
+              </a:rPr>
+              <a:t>饱和函数</a:t>
+            </a:r>
+            <a:endParaRPr lang="en-US" altLang="zh-CN" sz="2800" dirty="0">
+              <a:solidFill>
+                <a:srgbClr val="000000"/>
+              </a:solidFill>
+              <a:latin typeface="Times New Roman"/>
+              <a:cs typeface="+mn-cs"/>
+            </a:endParaRPr>
+          </a:p>
+          <a:p>
+            <a:pPr marL="308075" lvl="1" indent="-153591" eaLnBrk="1" hangingPunct="1">
+              <a:spcBef>
+                <a:spcPts val="281"/>
+              </a:spcBef>
+              <a:buClr>
+                <a:srgbClr val="000000"/>
+              </a:buClr>
+              <a:buSzPct val="76000"/>
+              <a:buFont typeface="Wingdings 3" panose="05040102010807070707" pitchFamily="18" charset="2"/>
+              <a:buChar char=""/>
+            </a:pPr>
+            <a:r>
+              <a:rPr lang="en-US" altLang="zh-CN" sz="2800" dirty="0">
+                <a:solidFill>
+                  <a:srgbClr val="000000"/>
+                </a:solidFill>
+                <a:latin typeface="Times New Roman"/>
+                <a:cs typeface="+mn-cs"/>
+              </a:rPr>
+              <a:t>Tanh</a:t>
+            </a:r>
+            <a:r>
+              <a:rPr lang="zh-CN" altLang="en-US" sz="2800" dirty="0">
+                <a:solidFill>
+                  <a:srgbClr val="000000"/>
+                </a:solidFill>
+                <a:latin typeface="Times New Roman"/>
+                <a:cs typeface="+mn-cs"/>
+              </a:rPr>
+              <a:t>函数是零中心化的，而</a:t>
+            </a:r>
+            <a:r>
+              <a:rPr lang="en-US" altLang="zh-CN" sz="2800" dirty="0">
+                <a:solidFill>
+                  <a:srgbClr val="000000"/>
+                </a:solidFill>
+                <a:latin typeface="Times New Roman"/>
+                <a:cs typeface="+mn-cs"/>
+              </a:rPr>
+              <a:t>logistic</a:t>
+            </a:r>
+            <a:r>
+              <a:rPr lang="zh-CN" altLang="en-US" sz="2800" dirty="0">
+                <a:solidFill>
+                  <a:srgbClr val="000000"/>
+                </a:solidFill>
+                <a:latin typeface="Times New Roman"/>
+                <a:cs typeface="+mn-cs"/>
+              </a:rPr>
+              <a:t>函数的输出恒大于</a:t>
+            </a:r>
+            <a:r>
+              <a:rPr lang="en-US" altLang="zh-CN" sz="2800" dirty="0">
+                <a:solidFill>
+                  <a:srgbClr val="000000"/>
+                </a:solidFill>
+                <a:latin typeface="Times New Roman"/>
+                <a:cs typeface="+mn-cs"/>
+              </a:rPr>
+              <a:t>0</a:t>
+            </a:r>
+          </a:p>
+        </p:txBody>
+      </p:sp>
     </p:spTree>
     <p:extLst>
       <p:ext uri="{BB962C8B-B14F-4D97-AF65-F5344CB8AC3E}">
@@ -22329,14 +20579,14 @@
         <a:srgbClr val="44B9E8"/>
       </a:folHlink>
     </a:clrScheme>
-    <a:fontScheme name="my">
+    <a:fontScheme name="myfont">
       <a:majorFont>
         <a:latin typeface="Helvetica"/>
         <a:ea typeface="微软雅黑"/>
         <a:cs typeface=""/>
       </a:majorFont>
       <a:minorFont>
-        <a:latin typeface="STIX Two Text"/>
+        <a:latin typeface="Times New Roman"/>
         <a:ea typeface="华文楷体"/>
         <a:cs typeface=""/>
       </a:minorFont>
@@ -22569,7 +20819,7 @@
   <a:extraClrSchemeLst/>
   <a:extLst>
     <a:ext uri="{05A4C25C-085E-4340-85A3-A5531E510DB2}">
-      <thm15:themeFamily xmlns:thm15="http://schemas.microsoft.com/office/thememl/2012/main" name="my" id="{147B83F4-2ECD-437A-8E72-F07AE3B1732A}" vid="{3A2FF28C-E62C-424C-841A-93209351F927}"/>
+      <thm15:themeFamily xmlns:thm15="http://schemas.microsoft.com/office/thememl/2012/main" name="my" id="{2ED3758A-27AE-48C6-BC57-189806709EFF}" vid="{A766396F-A7AA-48F7-A95D-C873E59EA6D5}"/>
     </a:ext>
   </a:extLst>
 </a:theme>
